--- a/updated_presentation.pptx
+++ b/updated_presentation.pptx
@@ -14,7 +14,7 @@
     <p:sldId id="267" r:id="rId5"/>
     <p:sldId id="260" r:id="rId6"/>
     <p:sldId id="261" r:id="rId7"/>
-    <p:sldId id="262" r:id="rId8"/>
+    <p:sldId id="313" r:id="rId8"/>
     <p:sldId id="264" r:id="rId9"/>
     <p:sldId id="265" r:id="rId10"/>
     <p:sldId id="269" r:id="rId11"/>
@@ -128,8 +128,7 @@
 <file path=ppt/revisionInfo.xml><?xml version="1.0" encoding="utf-8"?>
 <p1510:revInfo xmlns:a="http://schemas.openxmlformats.org/drawingml/2006/main" xmlns:r="http://schemas.openxmlformats.org/officeDocument/2006/relationships" xmlns:p1510="http://schemas.microsoft.com/office/powerpoint/2015/10/main">
   <p1510:revLst>
-    <p1510:client id="{08E06E4B-2E16-4BC0-80E9-E5B23CDC5CD9}" v="34" dt="2024-05-06T09:36:12.889"/>
-    <p1510:client id="{82B47B47-6544-4BFE-BA12-49607BE3FA5F}" v="506" dt="2024-05-06T09:25:12.371"/>
+    <p1510:client id="{8E39725F-6EEF-4D4D-92C3-0465B79E9629}" v="6" dt="2024-05-09T15:57:45.112"/>
   </p1510:revLst>
 </p1510:revInfo>
 </file>
@@ -2544,6 +2543,161 @@
           </pc:cxnChg>
         </pc:sldLayoutChg>
       </pc:sldMasterChg>
+    </pc:docChg>
+  </pc:docChgLst>
+  <pc:docChgLst>
+    <pc:chgData name="Neta Becker" userId="cef0aa30-4247-4db8-9bc0-d63efc0d3a53" providerId="ADAL" clId="{8E39725F-6EEF-4D4D-92C3-0465B79E9629}"/>
+    <pc:docChg chg="undo custSel addSld delSld modSld">
+      <pc:chgData name="Neta Becker" userId="cef0aa30-4247-4db8-9bc0-d63efc0d3a53" providerId="ADAL" clId="{8E39725F-6EEF-4D4D-92C3-0465B79E9629}" dt="2024-05-09T15:58:07.762" v="23" actId="1076"/>
+      <pc:docMkLst>
+        <pc:docMk/>
+      </pc:docMkLst>
+      <pc:sldChg chg="modSp mod">
+        <pc:chgData name="Neta Becker" userId="cef0aa30-4247-4db8-9bc0-d63efc0d3a53" providerId="ADAL" clId="{8E39725F-6EEF-4D4D-92C3-0465B79E9629}" dt="2024-05-09T15:58:07.762" v="23" actId="1076"/>
+        <pc:sldMkLst>
+          <pc:docMk/>
+          <pc:sldMk cId="461867753" sldId="261"/>
+        </pc:sldMkLst>
+        <pc:spChg chg="mod">
+          <ac:chgData name="Neta Becker" userId="cef0aa30-4247-4db8-9bc0-d63efc0d3a53" providerId="ADAL" clId="{8E39725F-6EEF-4D4D-92C3-0465B79E9629}" dt="2024-05-09T15:58:02.847" v="22" actId="14100"/>
+          <ac:spMkLst>
+            <pc:docMk/>
+            <pc:sldMk cId="461867753" sldId="261"/>
+            <ac:spMk id="2" creationId="{27F2BC14-3B96-5B86-2DD7-96DF3F92CEED}"/>
+          </ac:spMkLst>
+        </pc:spChg>
+        <pc:spChg chg="mod">
+          <ac:chgData name="Neta Becker" userId="cef0aa30-4247-4db8-9bc0-d63efc0d3a53" providerId="ADAL" clId="{8E39725F-6EEF-4D4D-92C3-0465B79E9629}" dt="2024-05-09T15:58:07.762" v="23" actId="1076"/>
+          <ac:spMkLst>
+            <pc:docMk/>
+            <pc:sldMk cId="461867753" sldId="261"/>
+            <ac:spMk id="10" creationId="{CA9F315B-54D4-E999-844C-5423FDC7670E}"/>
+          </ac:spMkLst>
+        </pc:spChg>
+      </pc:sldChg>
+      <pc:sldChg chg="del">
+        <pc:chgData name="Neta Becker" userId="cef0aa30-4247-4db8-9bc0-d63efc0d3a53" providerId="ADAL" clId="{8E39725F-6EEF-4D4D-92C3-0465B79E9629}" dt="2024-05-09T15:55:46.114" v="2" actId="47"/>
+        <pc:sldMkLst>
+          <pc:docMk/>
+          <pc:sldMk cId="3063377580" sldId="262"/>
+        </pc:sldMkLst>
+      </pc:sldChg>
+      <pc:sldChg chg="modSp add del mod">
+        <pc:chgData name="Neta Becker" userId="cef0aa30-4247-4db8-9bc0-d63efc0d3a53" providerId="ADAL" clId="{8E39725F-6EEF-4D4D-92C3-0465B79E9629}" dt="2024-05-09T15:57:42.896" v="17" actId="2696"/>
+        <pc:sldMkLst>
+          <pc:docMk/>
+          <pc:sldMk cId="1521044007" sldId="264"/>
+        </pc:sldMkLst>
+        <pc:spChg chg="mod">
+          <ac:chgData name="Neta Becker" userId="cef0aa30-4247-4db8-9bc0-d63efc0d3a53" providerId="ADAL" clId="{8E39725F-6EEF-4D4D-92C3-0465B79E9629}" dt="2024-05-09T15:56:09.475" v="10" actId="5793"/>
+          <ac:spMkLst>
+            <pc:docMk/>
+            <pc:sldMk cId="1521044007" sldId="264"/>
+            <ac:spMk id="3" creationId="{2D2E6A14-D956-DE39-DFB5-8D352E675082}"/>
+          </ac:spMkLst>
+        </pc:spChg>
+      </pc:sldChg>
+      <pc:sldChg chg="add">
+        <pc:chgData name="Neta Becker" userId="cef0aa30-4247-4db8-9bc0-d63efc0d3a53" providerId="ADAL" clId="{8E39725F-6EEF-4D4D-92C3-0465B79E9629}" dt="2024-05-09T15:57:45.107" v="18"/>
+        <pc:sldMkLst>
+          <pc:docMk/>
+          <pc:sldMk cId="3634263486" sldId="264"/>
+        </pc:sldMkLst>
+      </pc:sldChg>
+      <pc:sldChg chg="modSp mod">
+        <pc:chgData name="Neta Becker" userId="cef0aa30-4247-4db8-9bc0-d63efc0d3a53" providerId="ADAL" clId="{8E39725F-6EEF-4D4D-92C3-0465B79E9629}" dt="2024-05-09T15:57:22.424" v="16" actId="20577"/>
+        <pc:sldMkLst>
+          <pc:docMk/>
+          <pc:sldMk cId="660352062" sldId="312"/>
+        </pc:sldMkLst>
+        <pc:spChg chg="mod">
+          <ac:chgData name="Neta Becker" userId="cef0aa30-4247-4db8-9bc0-d63efc0d3a53" providerId="ADAL" clId="{8E39725F-6EEF-4D4D-92C3-0465B79E9629}" dt="2024-05-09T15:57:16.641" v="11" actId="20577"/>
+          <ac:spMkLst>
+            <pc:docMk/>
+            <pc:sldMk cId="660352062" sldId="312"/>
+            <ac:spMk id="310" creationId="{00000000-0000-0000-0000-000000000000}"/>
+          </ac:spMkLst>
+        </pc:spChg>
+        <pc:spChg chg="mod">
+          <ac:chgData name="Neta Becker" userId="cef0aa30-4247-4db8-9bc0-d63efc0d3a53" providerId="ADAL" clId="{8E39725F-6EEF-4D4D-92C3-0465B79E9629}" dt="2024-05-09T15:57:18.738" v="13" actId="20577"/>
+          <ac:spMkLst>
+            <pc:docMk/>
+            <pc:sldMk cId="660352062" sldId="312"/>
+            <ac:spMk id="313" creationId="{00000000-0000-0000-0000-000000000000}"/>
+          </ac:spMkLst>
+        </pc:spChg>
+        <pc:spChg chg="mod">
+          <ac:chgData name="Neta Becker" userId="cef0aa30-4247-4db8-9bc0-d63efc0d3a53" providerId="ADAL" clId="{8E39725F-6EEF-4D4D-92C3-0465B79E9629}" dt="2024-05-09T15:57:20.810" v="15" actId="20577"/>
+          <ac:spMkLst>
+            <pc:docMk/>
+            <pc:sldMk cId="660352062" sldId="312"/>
+            <ac:spMk id="316" creationId="{00000000-0000-0000-0000-000000000000}"/>
+          </ac:spMkLst>
+        </pc:spChg>
+        <pc:spChg chg="mod">
+          <ac:chgData name="Neta Becker" userId="cef0aa30-4247-4db8-9bc0-d63efc0d3a53" providerId="ADAL" clId="{8E39725F-6EEF-4D4D-92C3-0465B79E9629}" dt="2024-05-09T15:57:22.424" v="16" actId="20577"/>
+          <ac:spMkLst>
+            <pc:docMk/>
+            <pc:sldMk cId="660352062" sldId="312"/>
+            <ac:spMk id="319" creationId="{00000000-0000-0000-0000-000000000000}"/>
+          </ac:spMkLst>
+        </pc:spChg>
+      </pc:sldChg>
+      <pc:sldChg chg="addSp modSp add mod setBg">
+        <pc:chgData name="Neta Becker" userId="cef0aa30-4247-4db8-9bc0-d63efc0d3a53" providerId="ADAL" clId="{8E39725F-6EEF-4D4D-92C3-0465B79E9629}" dt="2024-05-09T15:57:55.008" v="21" actId="20577"/>
+        <pc:sldMkLst>
+          <pc:docMk/>
+          <pc:sldMk cId="473798661" sldId="313"/>
+        </pc:sldMkLst>
+        <pc:spChg chg="mod">
+          <ac:chgData name="Neta Becker" userId="cef0aa30-4247-4db8-9bc0-d63efc0d3a53" providerId="ADAL" clId="{8E39725F-6EEF-4D4D-92C3-0465B79E9629}" dt="2024-05-09T15:57:55.008" v="21" actId="20577"/>
+          <ac:spMkLst>
+            <pc:docMk/>
+            <pc:sldMk cId="473798661" sldId="313"/>
+            <ac:spMk id="3" creationId="{79639998-542D-EA12-DA1F-335575519817}"/>
+          </ac:spMkLst>
+        </pc:spChg>
+        <pc:spChg chg="add mod">
+          <ac:chgData name="Neta Becker" userId="cef0aa30-4247-4db8-9bc0-d63efc0d3a53" providerId="ADAL" clId="{8E39725F-6EEF-4D4D-92C3-0465B79E9629}" dt="2024-05-09T15:55:44.367" v="1"/>
+          <ac:spMkLst>
+            <pc:docMk/>
+            <pc:sldMk cId="473798661" sldId="313"/>
+            <ac:spMk id="4" creationId="{85F07728-A4E2-D9D2-91C4-70250A23B88A}"/>
+          </ac:spMkLst>
+        </pc:spChg>
+        <pc:spChg chg="mod">
+          <ac:chgData name="Neta Becker" userId="cef0aa30-4247-4db8-9bc0-d63efc0d3a53" providerId="ADAL" clId="{8E39725F-6EEF-4D4D-92C3-0465B79E9629}" dt="2024-05-09T15:55:44.367" v="1"/>
+          <ac:spMkLst>
+            <pc:docMk/>
+            <pc:sldMk cId="473798661" sldId="313"/>
+            <ac:spMk id="6" creationId="{01C795E8-3F02-1807-50F5-AAA8595D7AE4}"/>
+          </ac:spMkLst>
+        </pc:spChg>
+        <pc:spChg chg="mod">
+          <ac:chgData name="Neta Becker" userId="cef0aa30-4247-4db8-9bc0-d63efc0d3a53" providerId="ADAL" clId="{8E39725F-6EEF-4D4D-92C3-0465B79E9629}" dt="2024-05-09T15:55:44.367" v="1"/>
+          <ac:spMkLst>
+            <pc:docMk/>
+            <pc:sldMk cId="473798661" sldId="313"/>
+            <ac:spMk id="7" creationId="{2EEE2E42-1535-F3D4-88A6-600540A1C48F}"/>
+          </ac:spMkLst>
+        </pc:spChg>
+        <pc:spChg chg="mod">
+          <ac:chgData name="Neta Becker" userId="cef0aa30-4247-4db8-9bc0-d63efc0d3a53" providerId="ADAL" clId="{8E39725F-6EEF-4D4D-92C3-0465B79E9629}" dt="2024-05-09T15:55:44.367" v="1"/>
+          <ac:spMkLst>
+            <pc:docMk/>
+            <pc:sldMk cId="473798661" sldId="313"/>
+            <ac:spMk id="8" creationId="{85994452-E285-51CF-641A-CAA40F791930}"/>
+          </ac:spMkLst>
+        </pc:spChg>
+        <pc:grpChg chg="add mod">
+          <ac:chgData name="Neta Becker" userId="cef0aa30-4247-4db8-9bc0-d63efc0d3a53" providerId="ADAL" clId="{8E39725F-6EEF-4D4D-92C3-0465B79E9629}" dt="2024-05-09T15:55:44.367" v="1"/>
+          <ac:grpSpMkLst>
+            <pc:docMk/>
+            <pc:sldMk cId="473798661" sldId="313"/>
+            <ac:grpSpMk id="5" creationId="{0ED5CF67-36AF-6C59-114F-67E958E1AA67}"/>
+          </ac:grpSpMkLst>
+        </pc:grpChg>
+      </pc:sldChg>
     </pc:docChg>
   </pc:docChgLst>
 </pc:chgInfo>
@@ -2631,7 +2785,7 @@
           <a:p>
             <a:fld id="{00F3AC2B-0516-4C3C-9B21-3C09651EECE3}" type="datetimeFigureOut">
               <a:rPr lang="en-IL" smtClean="0"/>
-              <a:t>06/05/2024</a:t>
+              <a:t>09/05/2024</a:t>
             </a:fld>
             <a:endParaRPr lang="en-IL"/>
           </a:p>
@@ -3114,7 +3268,7 @@
               </a:spcAft>
               <a:buNone/>
             </a:pPr>
-            <a:endParaRPr/>
+            <a:endParaRPr dirty="0"/>
           </a:p>
         </p:txBody>
       </p:sp>
@@ -3511,6 +3665,113 @@
 </file>
 
 <file path=ppt/notesSlides/notesSlide6.xml><?xml version="1.0" encoding="utf-8"?>
+<p:notes xmlns:a="http://schemas.openxmlformats.org/drawingml/2006/main" xmlns:r="http://schemas.openxmlformats.org/officeDocument/2006/relationships" xmlns:p="http://schemas.openxmlformats.org/presentationml/2006/main">
+  <p:cSld>
+    <p:spTree>
+      <p:nvGrpSpPr>
+        <p:cNvPr id="1" name=""/>
+        <p:cNvGrpSpPr/>
+        <p:nvPr/>
+      </p:nvGrpSpPr>
+      <p:grpSpPr>
+        <a:xfrm>
+          <a:off x="0" y="0"/>
+          <a:ext cx="0" cy="0"/>
+          <a:chOff x="0" y="0"/>
+          <a:chExt cx="0" cy="0"/>
+        </a:xfrm>
+      </p:grpSpPr>
+      <p:sp>
+        <p:nvSpPr>
+          <p:cNvPr id="2" name="Slide Image Placeholder 1"/>
+          <p:cNvSpPr>
+            <a:spLocks noGrp="1" noRot="1" noChangeAspect="1"/>
+          </p:cNvSpPr>
+          <p:nvPr>
+            <p:ph type="sldImg"/>
+          </p:nvPr>
+        </p:nvSpPr>
+        <p:spPr/>
+      </p:sp>
+      <p:sp>
+        <p:nvSpPr>
+          <p:cNvPr id="3" name="Notes Placeholder 2"/>
+          <p:cNvSpPr>
+            <a:spLocks noGrp="1"/>
+          </p:cNvSpPr>
+          <p:nvPr>
+            <p:ph type="body" idx="1"/>
+          </p:nvPr>
+        </p:nvSpPr>
+        <p:spPr/>
+        <p:txBody>
+          <a:bodyPr/>
+          <a:lstStyle/>
+          <a:p>
+            <a:pPr marL="0" marR="0" lvl="0" indent="0" algn="l" defTabSz="914400" rtl="0" eaLnBrk="1" fontAlgn="auto" latinLnBrk="0" hangingPunct="1">
+              <a:lnSpc>
+                <a:spcPct val="100000"/>
+              </a:lnSpc>
+              <a:spcBef>
+                <a:spcPts val="0"/>
+              </a:spcBef>
+              <a:spcAft>
+                <a:spcPts val="0"/>
+              </a:spcAft>
+              <a:buClrTx/>
+              <a:buSzTx/>
+              <a:buFontTx/>
+              <a:buNone/>
+              <a:tabLst/>
+              <a:defRPr/>
+            </a:pPr>
+            <a:r>
+              <a:rPr lang="en-US" sz="1200" dirty="0"/>
+              <a:t>We are planning to perform object tracking by using the algorithm presented in the paper to predict the changes in the object’s form between frames.</a:t>
+            </a:r>
+          </a:p>
+          <a:p>
+            <a:endParaRPr lang="en-IL" dirty="0"/>
+          </a:p>
+        </p:txBody>
+      </p:sp>
+      <p:sp>
+        <p:nvSpPr>
+          <p:cNvPr id="4" name="Slide Number Placeholder 3"/>
+          <p:cNvSpPr>
+            <a:spLocks noGrp="1"/>
+          </p:cNvSpPr>
+          <p:nvPr>
+            <p:ph type="sldNum" sz="quarter" idx="5"/>
+          </p:nvPr>
+        </p:nvSpPr>
+        <p:spPr/>
+        <p:txBody>
+          <a:bodyPr/>
+          <a:lstStyle/>
+          <a:p>
+            <a:fld id="{C9885491-9AC8-4B1E-A640-A20BDB93DAD1}" type="slidenum">
+              <a:rPr lang="en-IL" smtClean="0"/>
+              <a:t>7</a:t>
+            </a:fld>
+            <a:endParaRPr lang="en-IL"/>
+          </a:p>
+        </p:txBody>
+      </p:sp>
+    </p:spTree>
+    <p:extLst>
+      <p:ext uri="{BB962C8B-B14F-4D97-AF65-F5344CB8AC3E}">
+        <p14:creationId xmlns:p14="http://schemas.microsoft.com/office/powerpoint/2010/main" val="3593698484"/>
+      </p:ext>
+    </p:extLst>
+  </p:cSld>
+  <p:clrMapOvr>
+    <a:masterClrMapping/>
+  </p:clrMapOvr>
+</p:notes>
+</file>
+
+<file path=ppt/notesSlides/notesSlide7.xml><?xml version="1.0" encoding="utf-8"?>
 <p:notes xmlns:a="http://schemas.openxmlformats.org/drawingml/2006/main" xmlns:r="http://schemas.openxmlformats.org/officeDocument/2006/relationships" xmlns:p="http://schemas.openxmlformats.org/presentationml/2006/main">
   <p:cSld>
     <p:spTree>
@@ -4067,7 +4328,7 @@
           <a:p>
             <a:fld id="{7E48F360-3E34-44F2-B2D1-F60E60B25061}" type="datetimeFigureOut">
               <a:rPr lang="en-US" smtClean="0"/>
-              <a:t>5/6/2024</a:t>
+              <a:t>5/9/2024</a:t>
             </a:fld>
             <a:endParaRPr lang="en-US"/>
           </a:p>
@@ -4269,7 +4530,7 @@
           <a:p>
             <a:fld id="{7E48F360-3E34-44F2-B2D1-F60E60B25061}" type="datetimeFigureOut">
               <a:rPr lang="en-US" smtClean="0"/>
-              <a:t>5/6/2024</a:t>
+              <a:t>5/9/2024</a:t>
             </a:fld>
             <a:endParaRPr lang="en-US"/>
           </a:p>
@@ -4449,7 +4710,7 @@
           <a:p>
             <a:fld id="{7E48F360-3E34-44F2-B2D1-F60E60B25061}" type="datetimeFigureOut">
               <a:rPr lang="en-US" smtClean="0"/>
-              <a:t>5/6/2024</a:t>
+              <a:t>5/9/2024</a:t>
             </a:fld>
             <a:endParaRPr lang="en-US"/>
           </a:p>
@@ -6770,7 +7031,7 @@
           <a:p>
             <a:fld id="{7E48F360-3E34-44F2-B2D1-F60E60B25061}" type="datetimeFigureOut">
               <a:rPr lang="en-US" smtClean="0"/>
-              <a:t>5/6/2024</a:t>
+              <a:t>5/9/2024</a:t>
             </a:fld>
             <a:endParaRPr lang="en-US"/>
           </a:p>
@@ -7350,7 +7611,7 @@
           <a:p>
             <a:fld id="{7E48F360-3E34-44F2-B2D1-F60E60B25061}" type="datetimeFigureOut">
               <a:rPr lang="en-US" smtClean="0"/>
-              <a:t>5/6/2024</a:t>
+              <a:t>5/9/2024</a:t>
             </a:fld>
             <a:endParaRPr lang="en-US"/>
           </a:p>
@@ -7652,7 +7913,7 @@
           <a:p>
             <a:fld id="{7E48F360-3E34-44F2-B2D1-F60E60B25061}" type="datetimeFigureOut">
               <a:rPr lang="en-US" smtClean="0"/>
-              <a:t>5/6/2024</a:t>
+              <a:t>5/9/2024</a:t>
             </a:fld>
             <a:endParaRPr lang="en-US"/>
           </a:p>
@@ -8089,7 +8350,7 @@
           <a:p>
             <a:fld id="{7E48F360-3E34-44F2-B2D1-F60E60B25061}" type="datetimeFigureOut">
               <a:rPr lang="en-US" smtClean="0"/>
-              <a:t>5/6/2024</a:t>
+              <a:t>5/9/2024</a:t>
             </a:fld>
             <a:endParaRPr lang="en-US"/>
           </a:p>
@@ -8207,7 +8468,7 @@
           <a:p>
             <a:fld id="{7E48F360-3E34-44F2-B2D1-F60E60B25061}" type="datetimeFigureOut">
               <a:rPr lang="en-US" smtClean="0"/>
-              <a:t>5/6/2024</a:t>
+              <a:t>5/9/2024</a:t>
             </a:fld>
             <a:endParaRPr lang="en-US"/>
           </a:p>
@@ -8302,7 +8563,7 @@
           <a:p>
             <a:fld id="{7E48F360-3E34-44F2-B2D1-F60E60B25061}" type="datetimeFigureOut">
               <a:rPr lang="en-US" smtClean="0"/>
-              <a:t>5/6/2024</a:t>
+              <a:t>5/9/2024</a:t>
             </a:fld>
             <a:endParaRPr lang="en-US"/>
           </a:p>
@@ -8646,7 +8907,7 @@
           <a:p>
             <a:fld id="{7E48F360-3E34-44F2-B2D1-F60E60B25061}" type="datetimeFigureOut">
               <a:rPr lang="en-US" smtClean="0"/>
-              <a:t>5/6/2024</a:t>
+              <a:t>5/9/2024</a:t>
             </a:fld>
             <a:endParaRPr lang="en-US"/>
           </a:p>
@@ -9035,7 +9296,7 @@
           <a:p>
             <a:fld id="{7E48F360-3E34-44F2-B2D1-F60E60B25061}" type="datetimeFigureOut">
               <a:rPr lang="en-US" smtClean="0"/>
-              <a:t>5/6/2024</a:t>
+              <a:t>5/9/2024</a:t>
             </a:fld>
             <a:endParaRPr lang="en-US"/>
           </a:p>
@@ -9343,7 +9604,7 @@
           <a:p>
             <a:fld id="{7E48F360-3E34-44F2-B2D1-F60E60B25061}" type="datetimeFigureOut">
               <a:rPr lang="en-US" smtClean="0"/>
-              <a:t>5/6/2024</a:t>
+              <a:t>5/9/2024</a:t>
             </a:fld>
             <a:endParaRPr lang="en-US"/>
           </a:p>
@@ -13763,14 +14024,6 @@
           <a:lstStyle/>
           <a:p>
             <a:pPr marL="0" indent="0"/>
-            <a:r>
-              <a:rPr lang="en" sz="2200" dirty="0">
-                <a:latin typeface="Calibri" panose="020F0502020204030204" pitchFamily="34" charset="0"/>
-                <a:ea typeface="Calibri" panose="020F0502020204030204" pitchFamily="34" charset="0"/>
-                <a:cs typeface="Calibri" panose="020F0502020204030204" pitchFamily="34" charset="0"/>
-              </a:rPr>
-              <a:t>You can describe the topic of the section here</a:t>
-            </a:r>
             <a:endParaRPr sz="2200" dirty="0">
               <a:latin typeface="Calibri" panose="020F0502020204030204" pitchFamily="34" charset="0"/>
               <a:ea typeface="Calibri" panose="020F0502020204030204" pitchFamily="34" charset="0"/>
@@ -13860,14 +14113,6 @@
           <a:lstStyle/>
           <a:p>
             <a:pPr marL="0" indent="0"/>
-            <a:r>
-              <a:rPr lang="en" sz="2200" dirty="0">
-                <a:latin typeface="Calibri" panose="020F0502020204030204" pitchFamily="34" charset="0"/>
-                <a:ea typeface="Calibri" panose="020F0502020204030204" pitchFamily="34" charset="0"/>
-                <a:cs typeface="Calibri" panose="020F0502020204030204" pitchFamily="34" charset="0"/>
-              </a:rPr>
-              <a:t>You can describe the topic of the section here</a:t>
-            </a:r>
             <a:endParaRPr sz="2200" dirty="0">
               <a:latin typeface="Calibri" panose="020F0502020204030204" pitchFamily="34" charset="0"/>
               <a:ea typeface="Calibri" panose="020F0502020204030204" pitchFamily="34" charset="0"/>
@@ -13957,14 +14202,6 @@
           <a:lstStyle/>
           <a:p>
             <a:pPr marL="0" indent="0"/>
-            <a:r>
-              <a:rPr lang="en" sz="2200" dirty="0">
-                <a:latin typeface="Calibri" panose="020F0502020204030204" pitchFamily="34" charset="0"/>
-                <a:ea typeface="Calibri" panose="020F0502020204030204" pitchFamily="34" charset="0"/>
-                <a:cs typeface="Calibri" panose="020F0502020204030204" pitchFamily="34" charset="0"/>
-              </a:rPr>
-              <a:t>You can describe the topic of the section here</a:t>
-            </a:r>
             <a:endParaRPr sz="2200" dirty="0">
               <a:latin typeface="Calibri" panose="020F0502020204030204" pitchFamily="34" charset="0"/>
               <a:ea typeface="Calibri" panose="020F0502020204030204" pitchFamily="34" charset="0"/>
@@ -14054,14 +14291,6 @@
           <a:lstStyle/>
           <a:p>
             <a:pPr marL="0" indent="0"/>
-            <a:r>
-              <a:rPr lang="en" sz="2200" dirty="0">
-                <a:latin typeface="Calibri" panose="020F0502020204030204" pitchFamily="34" charset="0"/>
-                <a:ea typeface="Calibri" panose="020F0502020204030204" pitchFamily="34" charset="0"/>
-                <a:cs typeface="Calibri" panose="020F0502020204030204" pitchFamily="34" charset="0"/>
-              </a:rPr>
-              <a:t>You can describe the topic of the section here</a:t>
-            </a:r>
             <a:endParaRPr sz="2200" dirty="0">
               <a:latin typeface="Calibri" panose="020F0502020204030204" pitchFamily="34" charset="0"/>
               <a:ea typeface="Calibri" panose="020F0502020204030204" pitchFamily="34" charset="0"/>
@@ -15215,8 +15444,8 @@
           </a:p>
         </p:txBody>
       </p:sp>
-      <mc:AlternateContent xmlns:mc="http://schemas.openxmlformats.org/markup-compatibility/2006">
-        <mc:Choice xmlns:a14="http://schemas.microsoft.com/office/drawing/2010/main" Requires="a14">
+      <mc:AlternateContent xmlns:mc="http://schemas.openxmlformats.org/markup-compatibility/2006" xmlns:a14="http://schemas.microsoft.com/office/drawing/2010/main">
+        <mc:Choice Requires="a14">
           <p:sp>
             <p:nvSpPr>
               <p:cNvPr id="3" name="Content Placeholder 2">
@@ -16128,7 +16357,7 @@
             </p:txBody>
           </p:sp>
         </mc:Choice>
-        <mc:Fallback>
+        <mc:Fallback xmlns="">
           <p:sp>
             <p:nvSpPr>
               <p:cNvPr id="3" name="Content Placeholder 2">
@@ -17233,8 +17462,8 @@
         </p:nvSpPr>
         <p:spPr>
           <a:xfrm>
-            <a:off x="634276" y="640080"/>
-            <a:ext cx="4208656" cy="3034857"/>
+            <a:off x="634276" y="640081"/>
+            <a:ext cx="4208656" cy="2374218"/>
           </a:xfrm>
         </p:spPr>
         <p:txBody>
@@ -19105,7 +19334,7 @@
         </p:nvSpPr>
         <p:spPr>
           <a:xfrm>
-            <a:off x="838200" y="3700930"/>
+            <a:off x="841455" y="3255308"/>
             <a:ext cx="3687397" cy="1605833"/>
           </a:xfrm>
           <a:prstGeom prst="rect">
@@ -19315,16 +19544,23 @@
             <p:ph type="title"/>
           </p:nvPr>
         </p:nvSpPr>
-        <p:spPr/>
+        <p:spPr>
+          <a:xfrm>
+            <a:off x="1024128" y="585216"/>
+            <a:ext cx="7146417" cy="1499616"/>
+          </a:xfrm>
+        </p:spPr>
         <p:txBody>
-          <a:bodyPr/>
+          <a:bodyPr>
+            <a:normAutofit/>
+          </a:bodyPr>
           <a:lstStyle/>
           <a:p>
             <a:r>
-              <a:rPr lang="en-US" dirty="0"/>
+              <a:rPr lang="en-US" sz="6600" dirty="0"/>
               <a:t>Our goal</a:t>
             </a:r>
-            <a:endParaRPr lang="en-IL" dirty="0"/>
+            <a:endParaRPr lang="en-IL" sz="6600" dirty="0"/>
           </a:p>
         </p:txBody>
       </p:sp>
@@ -19344,25 +19580,148 @@
             <p:ph idx="1"/>
           </p:nvPr>
         </p:nvSpPr>
-        <p:spPr/>
+        <p:spPr>
+          <a:xfrm>
+            <a:off x="1024128" y="2286000"/>
+            <a:ext cx="7434072" cy="3931920"/>
+          </a:xfrm>
+        </p:spPr>
         <p:txBody>
-          <a:bodyPr/>
+          <a:bodyPr>
+            <a:normAutofit/>
+          </a:bodyPr>
           <a:lstStyle/>
           <a:p>
+            <a:pPr marL="0" indent="0">
+              <a:buNone/>
+            </a:pPr>
             <a:r>
-              <a:rPr lang="en-US"/>
-              <a:t>Placeholder - (Tracking background)</a:t>
+              <a:rPr lang="en-US" sz="2800" dirty="0">
+                <a:latin typeface="Calibri" panose="020F0502020204030204" pitchFamily="34" charset="0"/>
+                <a:ea typeface="Calibri" panose="020F0502020204030204" pitchFamily="34" charset="0"/>
+                <a:cs typeface="Calibri" panose="020F0502020204030204" pitchFamily="34" charset="0"/>
+              </a:rPr>
+              <a:t>Video tracking is the process of locating a moving object over time using a camera.</a:t>
             </a:r>
-            <a:endParaRPr lang="en-IL"/>
+          </a:p>
+          <a:p>
+            <a:pPr marL="0" indent="0">
+              <a:buNone/>
+            </a:pPr>
+            <a:endParaRPr lang="en-US" sz="2800" dirty="0">
+              <a:latin typeface="Calibri" panose="020F0502020204030204" pitchFamily="34" charset="0"/>
+              <a:ea typeface="Calibri" panose="020F0502020204030204" pitchFamily="34" charset="0"/>
+              <a:cs typeface="Calibri" panose="020F0502020204030204" pitchFamily="34" charset="0"/>
+            </a:endParaRPr>
+          </a:p>
+          <a:p>
+            <a:pPr marL="0" indent="0">
+              <a:buNone/>
+            </a:pPr>
+            <a:r>
+              <a:rPr lang="en-US" sz="2800" dirty="0">
+                <a:latin typeface="Calibri" panose="020F0502020204030204" pitchFamily="34" charset="0"/>
+                <a:ea typeface="Calibri" panose="020F0502020204030204" pitchFamily="34" charset="0"/>
+                <a:cs typeface="Calibri" panose="020F0502020204030204" pitchFamily="34" charset="0"/>
+              </a:rPr>
+              <a:t>Our goal is to develop an algorithm that performs object tracking of objects that may change their form throughout the video.</a:t>
+            </a:r>
           </a:p>
         </p:txBody>
       </p:sp>
+      <p:pic>
+        <p:nvPicPr>
+          <p:cNvPr id="30" name="Picture 29">
+            <a:extLst>
+              <a:ext uri="{FF2B5EF4-FFF2-40B4-BE49-F238E27FC236}">
+                <a16:creationId xmlns:a16="http://schemas.microsoft.com/office/drawing/2014/main" id="{D75C8C1C-C1EB-EDF4-059D-ACCA03F85526}"/>
+              </a:ext>
+            </a:extLst>
+          </p:cNvPr>
+          <p:cNvPicPr>
+            <a:picLocks noChangeAspect="1"/>
+          </p:cNvPicPr>
+          <p:nvPr/>
+        </p:nvPicPr>
+        <p:blipFill rotWithShape="1">
+          <a:blip r:embed="rId3"/>
+          <a:srcRect l="5271" r="6152" b="-3"/>
+          <a:stretch/>
+        </p:blipFill>
+        <p:spPr>
+          <a:xfrm>
+            <a:off x="8810625" y="640080"/>
+            <a:ext cx="2741296" cy="1756353"/>
+          </a:xfrm>
+          <a:prstGeom prst="rect">
+            <a:avLst/>
+          </a:prstGeom>
+        </p:spPr>
+      </p:pic>
+      <p:pic>
+        <p:nvPicPr>
+          <p:cNvPr id="32" name="Picture 31">
+            <a:extLst>
+              <a:ext uri="{FF2B5EF4-FFF2-40B4-BE49-F238E27FC236}">
+                <a16:creationId xmlns:a16="http://schemas.microsoft.com/office/drawing/2014/main" id="{5416B044-087D-C4BE-C43C-E58AFFDE12E1}"/>
+              </a:ext>
+            </a:extLst>
+          </p:cNvPr>
+          <p:cNvPicPr>
+            <a:picLocks noChangeAspect="1"/>
+          </p:cNvPicPr>
+          <p:nvPr/>
+        </p:nvPicPr>
+        <p:blipFill rotWithShape="1">
+          <a:blip r:embed="rId4"/>
+          <a:srcRect l="4744" r="7066" b="-6"/>
+          <a:stretch/>
+        </p:blipFill>
+        <p:spPr>
+          <a:xfrm>
+            <a:off x="8810625" y="2550823"/>
+            <a:ext cx="2741296" cy="1756353"/>
+          </a:xfrm>
+          <a:prstGeom prst="rect">
+            <a:avLst/>
+          </a:prstGeom>
+        </p:spPr>
+      </p:pic>
+      <p:pic>
+        <p:nvPicPr>
+          <p:cNvPr id="34" name="Picture 33">
+            <a:extLst>
+              <a:ext uri="{FF2B5EF4-FFF2-40B4-BE49-F238E27FC236}">
+                <a16:creationId xmlns:a16="http://schemas.microsoft.com/office/drawing/2014/main" id="{E69EF08A-E602-13C7-345E-33731B6D1461}"/>
+              </a:ext>
+            </a:extLst>
+          </p:cNvPr>
+          <p:cNvPicPr>
+            <a:picLocks noChangeAspect="1"/>
+          </p:cNvPicPr>
+          <p:nvPr/>
+        </p:nvPicPr>
+        <p:blipFill rotWithShape="1">
+          <a:blip r:embed="rId5"/>
+          <a:srcRect l="7546" r="9815" b="-3"/>
+          <a:stretch/>
+        </p:blipFill>
+        <p:spPr>
+          <a:xfrm>
+            <a:off x="8810625" y="4468043"/>
+            <a:ext cx="2741296" cy="1749876"/>
+          </a:xfrm>
+          <a:prstGeom prst="rect">
+            <a:avLst/>
+          </a:prstGeom>
+        </p:spPr>
+      </p:pic>
       <p:sp>
         <p:nvSpPr>
           <p:cNvPr id="4" name="Google Shape;348;p47">
             <a:extLst>
               <a:ext uri="{FF2B5EF4-FFF2-40B4-BE49-F238E27FC236}">
-                <a16:creationId xmlns:a16="http://schemas.microsoft.com/office/drawing/2014/main" id="{7A60196C-5479-B60B-099D-EC985C4E3F0B}"/>
+                <a16:creationId xmlns:a16="http://schemas.microsoft.com/office/drawing/2014/main" id="{85F07728-A4E2-D9D2-91C4-70250A23B88A}"/>
               </a:ext>
             </a:extLst>
           </p:cNvPr>
@@ -19659,7 +20018,7 @@
           <p:cNvPr id="5" name="Google Shape;16527;p95">
             <a:extLst>
               <a:ext uri="{FF2B5EF4-FFF2-40B4-BE49-F238E27FC236}">
-                <a16:creationId xmlns:a16="http://schemas.microsoft.com/office/drawing/2014/main" id="{10FDD71C-3262-2392-83EA-8E8F971ACBBA}"/>
+                <a16:creationId xmlns:a16="http://schemas.microsoft.com/office/drawing/2014/main" id="{0ED5CF67-36AF-6C59-114F-67E958E1AA67}"/>
               </a:ext>
             </a:extLst>
           </p:cNvPr>
@@ -19679,7 +20038,7 @@
             <p:cNvPr id="6" name="Google Shape;16528;p95">
               <a:extLst>
                 <a:ext uri="{FF2B5EF4-FFF2-40B4-BE49-F238E27FC236}">
-                  <a16:creationId xmlns:a16="http://schemas.microsoft.com/office/drawing/2014/main" id="{5CABB30E-1CBC-FAE5-9424-9CC60730F427}"/>
+                  <a16:creationId xmlns:a16="http://schemas.microsoft.com/office/drawing/2014/main" id="{01C795E8-3F02-1807-50F5-AAA8595D7AE4}"/>
                 </a:ext>
               </a:extLst>
             </p:cNvPr>
@@ -19776,7 +20135,7 @@
             <p:cNvPr id="7" name="Google Shape;16529;p95">
               <a:extLst>
                 <a:ext uri="{FF2B5EF4-FFF2-40B4-BE49-F238E27FC236}">
-                  <a16:creationId xmlns:a16="http://schemas.microsoft.com/office/drawing/2014/main" id="{4BA6B998-44ED-4E72-21EB-8D8F0D4A8964}"/>
+                  <a16:creationId xmlns:a16="http://schemas.microsoft.com/office/drawing/2014/main" id="{2EEE2E42-1535-F3D4-88A6-600540A1C48F}"/>
                 </a:ext>
               </a:extLst>
             </p:cNvPr>
@@ -20569,7 +20928,7 @@
             <p:cNvPr id="8" name="Google Shape;16530;p95">
               <a:extLst>
                 <a:ext uri="{FF2B5EF4-FFF2-40B4-BE49-F238E27FC236}">
-                  <a16:creationId xmlns:a16="http://schemas.microsoft.com/office/drawing/2014/main" id="{C910031A-B62C-C935-54EF-D2A038A1AE7E}"/>
+                  <a16:creationId xmlns:a16="http://schemas.microsoft.com/office/drawing/2014/main" id="{85994452-E285-51CF-641A-CAA40F791930}"/>
                 </a:ext>
               </a:extLst>
             </p:cNvPr>
@@ -20650,7 +21009,7 @@
     </p:spTree>
     <p:extLst>
       <p:ext uri="{BB962C8B-B14F-4D97-AF65-F5344CB8AC3E}">
-        <p14:creationId xmlns:p14="http://schemas.microsoft.com/office/powerpoint/2010/main" val="3063377580"/>
+        <p14:creationId xmlns:p14="http://schemas.microsoft.com/office/powerpoint/2010/main" val="473798661"/>
       </p:ext>
     </p:extLst>
   </p:cSld>
@@ -20724,10 +21083,213 @@
         </p:nvSpPr>
         <p:spPr/>
         <p:txBody>
-          <a:bodyPr/>
+          <a:bodyPr>
+            <a:normAutofit lnSpcReduction="10000"/>
+          </a:bodyPr>
           <a:lstStyle/>
           <a:p>
-            <a:endParaRPr lang="en-IL"/>
+            <a:pPr marL="0" indent="0">
+              <a:lnSpc>
+                <a:spcPct val="115000"/>
+              </a:lnSpc>
+              <a:spcAft>
+                <a:spcPts val="800"/>
+              </a:spcAft>
+              <a:buNone/>
+            </a:pPr>
+            <a:r>
+              <a:rPr lang="en-IL" sz="2400" u="sng" kern="100" dirty="0">
+                <a:solidFill>
+                  <a:srgbClr val="000000"/>
+                </a:solidFill>
+                <a:effectLst/>
+                <a:latin typeface="Calibri" panose="020F0502020204030204" pitchFamily="34" charset="0"/>
+                <a:ea typeface="Aptos" panose="020B0004020202020204" pitchFamily="34" charset="0"/>
+                <a:cs typeface="Arial" panose="020B0604020202020204" pitchFamily="34" charset="0"/>
+              </a:rPr>
+              <a:t>For the first frame</a:t>
+            </a:r>
+            <a:r>
+              <a:rPr lang="en-IL" sz="2400" kern="100" dirty="0">
+                <a:solidFill>
+                  <a:srgbClr val="000000"/>
+                </a:solidFill>
+                <a:effectLst/>
+                <a:latin typeface="Calibri" panose="020F0502020204030204" pitchFamily="34" charset="0"/>
+                <a:ea typeface="Aptos" panose="020B0004020202020204" pitchFamily="34" charset="0"/>
+                <a:cs typeface="Arial" panose="020B0604020202020204" pitchFamily="34" charset="0"/>
+              </a:rPr>
+              <a:t>:</a:t>
+            </a:r>
+            <a:endParaRPr lang="en-IL" sz="2400" kern="100" dirty="0">
+              <a:effectLst/>
+              <a:ea typeface="Aptos" panose="020B0004020202020204" pitchFamily="34" charset="0"/>
+              <a:cs typeface="Arial" panose="020B0604020202020204" pitchFamily="34" charset="0"/>
+            </a:endParaRPr>
+          </a:p>
+          <a:p>
+            <a:pPr marL="342900" lvl="0" indent="-342900">
+              <a:lnSpc>
+                <a:spcPct val="115000"/>
+              </a:lnSpc>
+              <a:buFont typeface="+mj-lt"/>
+              <a:buAutoNum type="arabicPeriod"/>
+            </a:pPr>
+            <a:r>
+              <a:rPr lang="en-IL" sz="2400" kern="100" dirty="0">
+                <a:solidFill>
+                  <a:srgbClr val="000000"/>
+                </a:solidFill>
+                <a:effectLst/>
+                <a:latin typeface="Calibri" panose="020F0502020204030204" pitchFamily="34" charset="0"/>
+                <a:ea typeface="Aptos" panose="020B0004020202020204" pitchFamily="34" charset="0"/>
+                <a:cs typeface="Arial" panose="020B0604020202020204" pitchFamily="34" charset="0"/>
+              </a:rPr>
+              <a:t>Detect the object of interest using object detection algorithm</a:t>
+            </a:r>
+            <a:endParaRPr lang="en-IL" sz="2400" kern="100" dirty="0">
+              <a:effectLst/>
+              <a:ea typeface="Aptos" panose="020B0004020202020204" pitchFamily="34" charset="0"/>
+              <a:cs typeface="Arial" panose="020B0604020202020204" pitchFamily="34" charset="0"/>
+            </a:endParaRPr>
+          </a:p>
+          <a:p>
+            <a:pPr marL="342900" lvl="0" indent="-342900">
+              <a:lnSpc>
+                <a:spcPct val="115000"/>
+              </a:lnSpc>
+              <a:spcAft>
+                <a:spcPts val="800"/>
+              </a:spcAft>
+              <a:buFont typeface="+mj-lt"/>
+              <a:buAutoNum type="arabicPeriod"/>
+            </a:pPr>
+            <a:r>
+              <a:rPr lang="en-IL" sz="2400" kern="100" dirty="0">
+                <a:solidFill>
+                  <a:srgbClr val="000000"/>
+                </a:solidFill>
+                <a:effectLst/>
+                <a:latin typeface="Calibri" panose="020F0502020204030204" pitchFamily="34" charset="0"/>
+                <a:ea typeface="Aptos" panose="020B0004020202020204" pitchFamily="34" charset="0"/>
+                <a:cs typeface="Arial" panose="020B0604020202020204" pitchFamily="34" charset="0"/>
+              </a:rPr>
+              <a:t>Create a mask of said object</a:t>
+            </a:r>
+            <a:endParaRPr lang="en-IL" sz="2400" kern="100" dirty="0">
+              <a:effectLst/>
+              <a:ea typeface="Aptos" panose="020B0004020202020204" pitchFamily="34" charset="0"/>
+              <a:cs typeface="Arial" panose="020B0604020202020204" pitchFamily="34" charset="0"/>
+            </a:endParaRPr>
+          </a:p>
+          <a:p>
+            <a:pPr marL="0" indent="0">
+              <a:lnSpc>
+                <a:spcPct val="115000"/>
+              </a:lnSpc>
+              <a:spcAft>
+                <a:spcPts val="800"/>
+              </a:spcAft>
+              <a:buNone/>
+            </a:pPr>
+            <a:r>
+              <a:rPr lang="en-IL" sz="2400" u="sng" kern="100" dirty="0">
+                <a:solidFill>
+                  <a:srgbClr val="000000"/>
+                </a:solidFill>
+                <a:effectLst/>
+                <a:latin typeface="Calibri" panose="020F0502020204030204" pitchFamily="34" charset="0"/>
+                <a:ea typeface="Aptos" panose="020B0004020202020204" pitchFamily="34" charset="0"/>
+                <a:cs typeface="Arial" panose="020B0604020202020204" pitchFamily="34" charset="0"/>
+              </a:rPr>
+              <a:t>For any frame that follows</a:t>
+            </a:r>
+            <a:r>
+              <a:rPr lang="en-IL" sz="2400" kern="100" dirty="0">
+                <a:solidFill>
+                  <a:srgbClr val="000000"/>
+                </a:solidFill>
+                <a:effectLst/>
+                <a:latin typeface="Calibri" panose="020F0502020204030204" pitchFamily="34" charset="0"/>
+                <a:ea typeface="Aptos" panose="020B0004020202020204" pitchFamily="34" charset="0"/>
+                <a:cs typeface="Arial" panose="020B0604020202020204" pitchFamily="34" charset="0"/>
+              </a:rPr>
+              <a:t>:</a:t>
+            </a:r>
+            <a:endParaRPr lang="en-IL" sz="2400" kern="100" dirty="0">
+              <a:effectLst/>
+              <a:ea typeface="Aptos" panose="020B0004020202020204" pitchFamily="34" charset="0"/>
+              <a:cs typeface="Arial" panose="020B0604020202020204" pitchFamily="34" charset="0"/>
+            </a:endParaRPr>
+          </a:p>
+          <a:p>
+            <a:pPr marL="342900" lvl="0" indent="-342900">
+              <a:lnSpc>
+                <a:spcPct val="115000"/>
+              </a:lnSpc>
+              <a:buFont typeface="+mj-lt"/>
+              <a:buAutoNum type="arabicPeriod"/>
+            </a:pPr>
+            <a:r>
+              <a:rPr lang="en-IL" sz="2400" kern="100" dirty="0">
+                <a:solidFill>
+                  <a:srgbClr val="000000"/>
+                </a:solidFill>
+                <a:effectLst/>
+                <a:latin typeface="Calibri" panose="020F0502020204030204" pitchFamily="34" charset="0"/>
+                <a:ea typeface="Aptos" panose="020B0004020202020204" pitchFamily="34" charset="0"/>
+                <a:cs typeface="Arial" panose="020B0604020202020204" pitchFamily="34" charset="0"/>
+              </a:rPr>
+              <a:t>Use the algorithm from the given article to shape the mask using the current frame and the previous one as input images</a:t>
+            </a:r>
+            <a:endParaRPr lang="en-IL" sz="2400" kern="100" dirty="0">
+              <a:effectLst/>
+              <a:ea typeface="Aptos" panose="020B0004020202020204" pitchFamily="34" charset="0"/>
+              <a:cs typeface="Arial" panose="020B0604020202020204" pitchFamily="34" charset="0"/>
+            </a:endParaRPr>
+          </a:p>
+          <a:p>
+            <a:pPr marL="342900" lvl="0" indent="-342900">
+              <a:lnSpc>
+                <a:spcPct val="115000"/>
+              </a:lnSpc>
+              <a:spcAft>
+                <a:spcPts val="800"/>
+              </a:spcAft>
+              <a:buFont typeface="+mj-lt"/>
+              <a:buAutoNum type="arabicPeriod"/>
+            </a:pPr>
+            <a:r>
+              <a:rPr lang="en-IL" sz="2400" kern="100" dirty="0">
+                <a:solidFill>
+                  <a:srgbClr val="000000"/>
+                </a:solidFill>
+                <a:effectLst/>
+                <a:latin typeface="Calibri" panose="020F0502020204030204" pitchFamily="34" charset="0"/>
+                <a:ea typeface="Aptos" panose="020B0004020202020204" pitchFamily="34" charset="0"/>
+                <a:cs typeface="Arial" panose="020B0604020202020204" pitchFamily="34" charset="0"/>
+              </a:rPr>
+              <a:t>Create a mask according to the result of the algorithm</a:t>
+            </a:r>
+            <a:r>
+              <a:rPr lang="en-IL" sz="2400" kern="100" dirty="0">
+                <a:solidFill>
+                  <a:srgbClr val="000000"/>
+                </a:solidFill>
+                <a:effectLst/>
+                <a:ea typeface="Aptos" panose="020B0004020202020204" pitchFamily="34" charset="0"/>
+                <a:cs typeface="Arial" panose="020B0604020202020204" pitchFamily="34" charset="0"/>
+              </a:rPr>
+              <a:t> </a:t>
+            </a:r>
+            <a:endParaRPr lang="en-IL" sz="2400" kern="100" dirty="0">
+              <a:effectLst/>
+              <a:ea typeface="Aptos" panose="020B0004020202020204" pitchFamily="34" charset="0"/>
+              <a:cs typeface="Arial" panose="020B0604020202020204" pitchFamily="34" charset="0"/>
+            </a:endParaRPr>
+          </a:p>
+          <a:p>
+            <a:endParaRPr lang="en-IL" sz="1800" dirty="0"/>
           </a:p>
         </p:txBody>
       </p:sp>
@@ -22021,10 +22583,55 @@
           </p:txBody>
         </p:sp>
       </p:grpSp>
+      <p:sp>
+        <p:nvSpPr>
+          <p:cNvPr id="10" name="Rectangle 9">
+            <a:extLst>
+              <a:ext uri="{FF2B5EF4-FFF2-40B4-BE49-F238E27FC236}">
+                <a16:creationId xmlns:a16="http://schemas.microsoft.com/office/drawing/2014/main" id="{B6078964-1BD5-2C9D-0E9B-F83F080A0A4E}"/>
+              </a:ext>
+            </a:extLst>
+          </p:cNvPr>
+          <p:cNvSpPr/>
+          <p:nvPr/>
+        </p:nvSpPr>
+        <p:spPr>
+          <a:xfrm>
+            <a:off x="783771" y="2002971"/>
+            <a:ext cx="10570029" cy="4306389"/>
+          </a:xfrm>
+          <a:prstGeom prst="rect">
+            <a:avLst/>
+          </a:prstGeom>
+          <a:noFill/>
+        </p:spPr>
+        <p:style>
+          <a:lnRef idx="2">
+            <a:schemeClr val="dk1"/>
+          </a:lnRef>
+          <a:fillRef idx="1">
+            <a:schemeClr val="lt1"/>
+          </a:fillRef>
+          <a:effectRef idx="0">
+            <a:schemeClr val="dk1"/>
+          </a:effectRef>
+          <a:fontRef idx="minor">
+            <a:schemeClr val="dk1"/>
+          </a:fontRef>
+        </p:style>
+        <p:txBody>
+          <a:bodyPr rtlCol="0" anchor="ctr"/>
+          <a:lstStyle/>
+          <a:p>
+            <a:pPr algn="ctr"/>
+            <a:endParaRPr lang="en-IL"/>
+          </a:p>
+        </p:txBody>
+      </p:sp>
     </p:spTree>
     <p:extLst>
       <p:ext uri="{BB962C8B-B14F-4D97-AF65-F5344CB8AC3E}">
-        <p14:creationId xmlns:p14="http://schemas.microsoft.com/office/powerpoint/2010/main" val="1521044007"/>
+        <p14:creationId xmlns:p14="http://schemas.microsoft.com/office/powerpoint/2010/main" val="3634263486"/>
       </p:ext>
     </p:extLst>
   </p:cSld>

--- a/updated_presentation.pptx
+++ b/updated_presentation.pptx
@@ -5,7 +5,7 @@
     <p:sldMasterId id="2147483874" r:id="rId1"/>
   </p:sldMasterIdLst>
   <p:notesMasterIdLst>
-    <p:notesMasterId r:id="rId13"/>
+    <p:notesMasterId r:id="rId15"/>
   </p:notesMasterIdLst>
   <p:sldIdLst>
     <p:sldId id="256" r:id="rId2"/>
@@ -16,9 +16,11 @@
     <p:sldId id="261" r:id="rId7"/>
     <p:sldId id="313" r:id="rId8"/>
     <p:sldId id="264" r:id="rId9"/>
-    <p:sldId id="265" r:id="rId10"/>
-    <p:sldId id="269" r:id="rId11"/>
-    <p:sldId id="268" r:id="rId12"/>
+    <p:sldId id="314" r:id="rId10"/>
+    <p:sldId id="265" r:id="rId11"/>
+    <p:sldId id="315" r:id="rId12"/>
+    <p:sldId id="269" r:id="rId13"/>
+    <p:sldId id="268" r:id="rId14"/>
   </p:sldIdLst>
   <p:sldSz cx="12192000" cy="6858000"/>
   <p:notesSz cx="6858000" cy="9144000"/>
@@ -135,139 +137,6 @@
 
 <file path=ppt/changesInfos/changesInfo1.xml><?xml version="1.0" encoding="utf-8"?>
 <pc:chgInfo xmlns:a="http://schemas.openxmlformats.org/drawingml/2006/main" xmlns:r="http://schemas.openxmlformats.org/officeDocument/2006/relationships" xmlns:ac="http://schemas.microsoft.com/office/drawing/2013/main/command" xmlns:pc="http://schemas.microsoft.com/office/powerpoint/2013/main/command">
-  <pc:docChgLst>
-    <pc:chgData name="Neta Becker" userId="cef0aa30-4247-4db8-9bc0-d63efc0d3a53" providerId="ADAL" clId="{F41227B9-745C-4395-9C71-3772E855083B}"/>
-    <pc:docChg chg="undo redo custSel addSld delSld modSld sldOrd">
-      <pc:chgData name="Neta Becker" userId="cef0aa30-4247-4db8-9bc0-d63efc0d3a53" providerId="ADAL" clId="{F41227B9-745C-4395-9C71-3772E855083B}" dt="2024-04-20T09:22:38.819" v="403" actId="20577"/>
-      <pc:docMkLst>
-        <pc:docMk/>
-      </pc:docMkLst>
-      <pc:sldChg chg="modSp mod">
-        <pc:chgData name="Neta Becker" userId="cef0aa30-4247-4db8-9bc0-d63efc0d3a53" providerId="ADAL" clId="{F41227B9-745C-4395-9C71-3772E855083B}" dt="2024-04-20T09:05:12.200" v="33" actId="404"/>
-        <pc:sldMkLst>
-          <pc:docMk/>
-          <pc:sldMk cId="2179648205" sldId="256"/>
-        </pc:sldMkLst>
-        <pc:spChg chg="mod">
-          <ac:chgData name="Neta Becker" userId="cef0aa30-4247-4db8-9bc0-d63efc0d3a53" providerId="ADAL" clId="{F41227B9-745C-4395-9C71-3772E855083B}" dt="2024-04-20T09:05:12.200" v="33" actId="404"/>
-          <ac:spMkLst>
-            <pc:docMk/>
-            <pc:sldMk cId="2179648205" sldId="256"/>
-            <ac:spMk id="2" creationId="{672AD88C-22F7-6099-31A3-259788130B42}"/>
-          </ac:spMkLst>
-        </pc:spChg>
-        <pc:spChg chg="mod">
-          <ac:chgData name="Neta Becker" userId="cef0aa30-4247-4db8-9bc0-d63efc0d3a53" providerId="ADAL" clId="{F41227B9-745C-4395-9C71-3772E855083B}" dt="2024-04-20T09:04:59.482" v="22" actId="20577"/>
-          <ac:spMkLst>
-            <pc:docMk/>
-            <pc:sldMk cId="2179648205" sldId="256"/>
-            <ac:spMk id="3" creationId="{0D89FC02-A4AB-8F19-7B48-608FCF3D55D3}"/>
-          </ac:spMkLst>
-        </pc:spChg>
-        <pc:spChg chg="mod">
-          <ac:chgData name="Neta Becker" userId="cef0aa30-4247-4db8-9bc0-d63efc0d3a53" providerId="ADAL" clId="{F41227B9-745C-4395-9C71-3772E855083B}" dt="2024-04-20T09:04:53.365" v="17" actId="21"/>
-          <ac:spMkLst>
-            <pc:docMk/>
-            <pc:sldMk cId="2179648205" sldId="256"/>
-            <ac:spMk id="4" creationId="{CE588B98-B49F-CE19-44E8-F1BAB7128CA6}"/>
-          </ac:spMkLst>
-        </pc:spChg>
-      </pc:sldChg>
-      <pc:sldChg chg="addSp delSp modSp new mod setBg">
-        <pc:chgData name="Neta Becker" userId="cef0aa30-4247-4db8-9bc0-d63efc0d3a53" providerId="ADAL" clId="{F41227B9-745C-4395-9C71-3772E855083B}" dt="2024-04-20T09:16:24.400" v="303" actId="20577"/>
-        <pc:sldMkLst>
-          <pc:docMk/>
-          <pc:sldMk cId="1769220115" sldId="257"/>
-        </pc:sldMkLst>
-        <pc:spChg chg="mod">
-          <ac:chgData name="Neta Becker" userId="cef0aa30-4247-4db8-9bc0-d63efc0d3a53" providerId="ADAL" clId="{F41227B9-745C-4395-9C71-3772E855083B}" dt="2024-04-20T09:14:00.551" v="259" actId="26606"/>
-          <ac:spMkLst>
-            <pc:docMk/>
-            <pc:sldMk cId="1769220115" sldId="257"/>
-            <ac:spMk id="2" creationId="{BBABCC05-9708-FD2A-9DD0-01CF0D3836F2}"/>
-          </ac:spMkLst>
-        </pc:spChg>
-        <pc:spChg chg="mod">
-          <ac:chgData name="Neta Becker" userId="cef0aa30-4247-4db8-9bc0-d63efc0d3a53" providerId="ADAL" clId="{F41227B9-745C-4395-9C71-3772E855083B}" dt="2024-04-20T09:16:24.400" v="303" actId="20577"/>
-          <ac:spMkLst>
-            <pc:docMk/>
-            <pc:sldMk cId="1769220115" sldId="257"/>
-            <ac:spMk id="3" creationId="{138B8362-48C3-13F0-617A-B8A3256120CA}"/>
-          </ac:spMkLst>
-        </pc:spChg>
-        <pc:spChg chg="add del mod">
-          <ac:chgData name="Neta Becker" userId="cef0aa30-4247-4db8-9bc0-d63efc0d3a53" providerId="ADAL" clId="{F41227B9-745C-4395-9C71-3772E855083B}" dt="2024-04-20T09:15:34.913" v="291" actId="478"/>
-          <ac:spMkLst>
-            <pc:docMk/>
-            <pc:sldMk cId="1769220115" sldId="257"/>
-            <ac:spMk id="4" creationId="{492A418C-EDA6-5C14-CA1B-8B1153793768}"/>
-          </ac:spMkLst>
-        </pc:spChg>
-        <pc:spChg chg="add del mod">
-          <ac:chgData name="Neta Becker" userId="cef0aa30-4247-4db8-9bc0-d63efc0d3a53" providerId="ADAL" clId="{F41227B9-745C-4395-9C71-3772E855083B}" dt="2024-04-20T09:15:35.867" v="292" actId="478"/>
-          <ac:spMkLst>
-            <pc:docMk/>
-            <pc:sldMk cId="1769220115" sldId="257"/>
-            <ac:spMk id="5" creationId="{F52AD1AC-C919-DD06-5AB8-EFA7921D4E7A}"/>
-          </ac:spMkLst>
-        </pc:spChg>
-        <pc:picChg chg="add mod modCrop">
-          <ac:chgData name="Neta Becker" userId="cef0aa30-4247-4db8-9bc0-d63efc0d3a53" providerId="ADAL" clId="{F41227B9-745C-4395-9C71-3772E855083B}" dt="2024-04-20T09:16:08.710" v="302" actId="1076"/>
-          <ac:picMkLst>
-            <pc:docMk/>
-            <pc:sldMk cId="1769220115" sldId="257"/>
-            <ac:picMk id="7" creationId="{5D2567AD-A929-17F9-A858-A92AA2CDC031}"/>
-          </ac:picMkLst>
-        </pc:picChg>
-        <pc:picChg chg="add mod">
-          <ac:chgData name="Neta Becker" userId="cef0aa30-4247-4db8-9bc0-d63efc0d3a53" providerId="ADAL" clId="{F41227B9-745C-4395-9C71-3772E855083B}" dt="2024-04-20T09:13:19.810" v="247" actId="14100"/>
-          <ac:picMkLst>
-            <pc:docMk/>
-            <pc:sldMk cId="1769220115" sldId="257"/>
-            <ac:picMk id="1026" creationId="{4AC9365A-FC03-7DAC-AC59-C7F37271B2CA}"/>
-          </ac:picMkLst>
-        </pc:picChg>
-        <pc:picChg chg="add del mod">
-          <ac:chgData name="Neta Becker" userId="cef0aa30-4247-4db8-9bc0-d63efc0d3a53" providerId="ADAL" clId="{F41227B9-745C-4395-9C71-3772E855083B}" dt="2024-04-20T09:15:32.552" v="290" actId="478"/>
-          <ac:picMkLst>
-            <pc:docMk/>
-            <pc:sldMk cId="1769220115" sldId="257"/>
-            <ac:picMk id="1028" creationId="{73822209-7A05-7768-AD1F-91B7C0E469B0}"/>
-          </ac:picMkLst>
-        </pc:picChg>
-      </pc:sldChg>
-      <pc:sldChg chg="modSp new mod ord">
-        <pc:chgData name="Neta Becker" userId="cef0aa30-4247-4db8-9bc0-d63efc0d3a53" providerId="ADAL" clId="{F41227B9-745C-4395-9C71-3772E855083B}" dt="2024-04-20T09:22:38.819" v="403" actId="20577"/>
-        <pc:sldMkLst>
-          <pc:docMk/>
-          <pc:sldMk cId="4065677750" sldId="258"/>
-        </pc:sldMkLst>
-        <pc:spChg chg="mod">
-          <ac:chgData name="Neta Becker" userId="cef0aa30-4247-4db8-9bc0-d63efc0d3a53" providerId="ADAL" clId="{F41227B9-745C-4395-9C71-3772E855083B}" dt="2024-04-20T09:07:01.867" v="68" actId="20577"/>
-          <ac:spMkLst>
-            <pc:docMk/>
-            <pc:sldMk cId="4065677750" sldId="258"/>
-            <ac:spMk id="2" creationId="{7698AAED-D1FD-B89F-2DA0-BBC929912FFA}"/>
-          </ac:spMkLst>
-        </pc:spChg>
-        <pc:spChg chg="mod">
-          <ac:chgData name="Neta Becker" userId="cef0aa30-4247-4db8-9bc0-d63efc0d3a53" providerId="ADAL" clId="{F41227B9-745C-4395-9C71-3772E855083B}" dt="2024-04-20T09:22:38.819" v="403" actId="20577"/>
-          <ac:spMkLst>
-            <pc:docMk/>
-            <pc:sldMk cId="4065677750" sldId="258"/>
-            <ac:spMk id="3" creationId="{12642EC7-8503-E8AB-52BC-06C912BABE9F}"/>
-          </ac:spMkLst>
-        </pc:spChg>
-      </pc:sldChg>
-      <pc:sldChg chg="new del">
-        <pc:chgData name="Neta Becker" userId="cef0aa30-4247-4db8-9bc0-d63efc0d3a53" providerId="ADAL" clId="{F41227B9-745C-4395-9C71-3772E855083B}" dt="2024-04-20T09:05:25.744" v="35" actId="47"/>
-        <pc:sldMkLst>
-          <pc:docMk/>
-          <pc:sldMk cId="4140540780" sldId="258"/>
-        </pc:sldMkLst>
-      </pc:sldChg>
-    </pc:docChg>
-  </pc:docChgLst>
   <pc:docChgLst>
     <pc:chgData name="Neta Becker" userId="cef0aa30-4247-4db8-9bc0-d63efc0d3a53" providerId="ADAL" clId="{08E06E4B-2E16-4BC0-80E9-E5B23CDC5CD9}"/>
     <pc:docChg chg="undo redo custSel modSld">
@@ -1087,6 +956,294 @@
             <ac:spMk id="321" creationId="{00000000-0000-0000-0000-000000000000}"/>
           </ac:spMkLst>
         </pc:spChg>
+      </pc:sldChg>
+    </pc:docChg>
+  </pc:docChgLst>
+  <pc:docChgLst>
+    <pc:chgData name="Neta Becker" userId="cef0aa30-4247-4db8-9bc0-d63efc0d3a53" providerId="ADAL" clId="{8E39725F-6EEF-4D4D-92C3-0465B79E9629}"/>
+    <pc:docChg chg="undo custSel addSld delSld modSld">
+      <pc:chgData name="Neta Becker" userId="cef0aa30-4247-4db8-9bc0-d63efc0d3a53" providerId="ADAL" clId="{8E39725F-6EEF-4D4D-92C3-0465B79E9629}" dt="2024-05-09T15:58:07.762" v="23" actId="1076"/>
+      <pc:docMkLst>
+        <pc:docMk/>
+      </pc:docMkLst>
+      <pc:sldChg chg="modSp mod">
+        <pc:chgData name="Neta Becker" userId="cef0aa30-4247-4db8-9bc0-d63efc0d3a53" providerId="ADAL" clId="{8E39725F-6EEF-4D4D-92C3-0465B79E9629}" dt="2024-05-09T15:58:07.762" v="23" actId="1076"/>
+        <pc:sldMkLst>
+          <pc:docMk/>
+          <pc:sldMk cId="461867753" sldId="261"/>
+        </pc:sldMkLst>
+        <pc:spChg chg="mod">
+          <ac:chgData name="Neta Becker" userId="cef0aa30-4247-4db8-9bc0-d63efc0d3a53" providerId="ADAL" clId="{8E39725F-6EEF-4D4D-92C3-0465B79E9629}" dt="2024-05-09T15:58:02.847" v="22" actId="14100"/>
+          <ac:spMkLst>
+            <pc:docMk/>
+            <pc:sldMk cId="461867753" sldId="261"/>
+            <ac:spMk id="2" creationId="{27F2BC14-3B96-5B86-2DD7-96DF3F92CEED}"/>
+          </ac:spMkLst>
+        </pc:spChg>
+        <pc:spChg chg="mod">
+          <ac:chgData name="Neta Becker" userId="cef0aa30-4247-4db8-9bc0-d63efc0d3a53" providerId="ADAL" clId="{8E39725F-6EEF-4D4D-92C3-0465B79E9629}" dt="2024-05-09T15:58:07.762" v="23" actId="1076"/>
+          <ac:spMkLst>
+            <pc:docMk/>
+            <pc:sldMk cId="461867753" sldId="261"/>
+            <ac:spMk id="10" creationId="{CA9F315B-54D4-E999-844C-5423FDC7670E}"/>
+          </ac:spMkLst>
+        </pc:spChg>
+      </pc:sldChg>
+      <pc:sldChg chg="del">
+        <pc:chgData name="Neta Becker" userId="cef0aa30-4247-4db8-9bc0-d63efc0d3a53" providerId="ADAL" clId="{8E39725F-6EEF-4D4D-92C3-0465B79E9629}" dt="2024-05-09T15:55:46.114" v="2" actId="47"/>
+        <pc:sldMkLst>
+          <pc:docMk/>
+          <pc:sldMk cId="3063377580" sldId="262"/>
+        </pc:sldMkLst>
+      </pc:sldChg>
+      <pc:sldChg chg="modSp add del mod">
+        <pc:chgData name="Neta Becker" userId="cef0aa30-4247-4db8-9bc0-d63efc0d3a53" providerId="ADAL" clId="{8E39725F-6EEF-4D4D-92C3-0465B79E9629}" dt="2024-05-09T15:57:42.896" v="17" actId="2696"/>
+        <pc:sldMkLst>
+          <pc:docMk/>
+          <pc:sldMk cId="1521044007" sldId="264"/>
+        </pc:sldMkLst>
+        <pc:spChg chg="mod">
+          <ac:chgData name="Neta Becker" userId="cef0aa30-4247-4db8-9bc0-d63efc0d3a53" providerId="ADAL" clId="{8E39725F-6EEF-4D4D-92C3-0465B79E9629}" dt="2024-05-09T15:56:09.475" v="10" actId="5793"/>
+          <ac:spMkLst>
+            <pc:docMk/>
+            <pc:sldMk cId="1521044007" sldId="264"/>
+            <ac:spMk id="3" creationId="{2D2E6A14-D956-DE39-DFB5-8D352E675082}"/>
+          </ac:spMkLst>
+        </pc:spChg>
+      </pc:sldChg>
+      <pc:sldChg chg="add">
+        <pc:chgData name="Neta Becker" userId="cef0aa30-4247-4db8-9bc0-d63efc0d3a53" providerId="ADAL" clId="{8E39725F-6EEF-4D4D-92C3-0465B79E9629}" dt="2024-05-09T15:57:45.107" v="18"/>
+        <pc:sldMkLst>
+          <pc:docMk/>
+          <pc:sldMk cId="3634263486" sldId="264"/>
+        </pc:sldMkLst>
+      </pc:sldChg>
+      <pc:sldChg chg="modSp mod">
+        <pc:chgData name="Neta Becker" userId="cef0aa30-4247-4db8-9bc0-d63efc0d3a53" providerId="ADAL" clId="{8E39725F-6EEF-4D4D-92C3-0465B79E9629}" dt="2024-05-09T15:57:22.424" v="16" actId="20577"/>
+        <pc:sldMkLst>
+          <pc:docMk/>
+          <pc:sldMk cId="660352062" sldId="312"/>
+        </pc:sldMkLst>
+        <pc:spChg chg="mod">
+          <ac:chgData name="Neta Becker" userId="cef0aa30-4247-4db8-9bc0-d63efc0d3a53" providerId="ADAL" clId="{8E39725F-6EEF-4D4D-92C3-0465B79E9629}" dt="2024-05-09T15:57:16.641" v="11" actId="20577"/>
+          <ac:spMkLst>
+            <pc:docMk/>
+            <pc:sldMk cId="660352062" sldId="312"/>
+            <ac:spMk id="310" creationId="{00000000-0000-0000-0000-000000000000}"/>
+          </ac:spMkLst>
+        </pc:spChg>
+        <pc:spChg chg="mod">
+          <ac:chgData name="Neta Becker" userId="cef0aa30-4247-4db8-9bc0-d63efc0d3a53" providerId="ADAL" clId="{8E39725F-6EEF-4D4D-92C3-0465B79E9629}" dt="2024-05-09T15:57:18.738" v="13" actId="20577"/>
+          <ac:spMkLst>
+            <pc:docMk/>
+            <pc:sldMk cId="660352062" sldId="312"/>
+            <ac:spMk id="313" creationId="{00000000-0000-0000-0000-000000000000}"/>
+          </ac:spMkLst>
+        </pc:spChg>
+        <pc:spChg chg="mod">
+          <ac:chgData name="Neta Becker" userId="cef0aa30-4247-4db8-9bc0-d63efc0d3a53" providerId="ADAL" clId="{8E39725F-6EEF-4D4D-92C3-0465B79E9629}" dt="2024-05-09T15:57:20.810" v="15" actId="20577"/>
+          <ac:spMkLst>
+            <pc:docMk/>
+            <pc:sldMk cId="660352062" sldId="312"/>
+            <ac:spMk id="316" creationId="{00000000-0000-0000-0000-000000000000}"/>
+          </ac:spMkLst>
+        </pc:spChg>
+        <pc:spChg chg="mod">
+          <ac:chgData name="Neta Becker" userId="cef0aa30-4247-4db8-9bc0-d63efc0d3a53" providerId="ADAL" clId="{8E39725F-6EEF-4D4D-92C3-0465B79E9629}" dt="2024-05-09T15:57:22.424" v="16" actId="20577"/>
+          <ac:spMkLst>
+            <pc:docMk/>
+            <pc:sldMk cId="660352062" sldId="312"/>
+            <ac:spMk id="319" creationId="{00000000-0000-0000-0000-000000000000}"/>
+          </ac:spMkLst>
+        </pc:spChg>
+      </pc:sldChg>
+      <pc:sldChg chg="addSp modSp add mod setBg">
+        <pc:chgData name="Neta Becker" userId="cef0aa30-4247-4db8-9bc0-d63efc0d3a53" providerId="ADAL" clId="{8E39725F-6EEF-4D4D-92C3-0465B79E9629}" dt="2024-05-09T15:57:55.008" v="21" actId="20577"/>
+        <pc:sldMkLst>
+          <pc:docMk/>
+          <pc:sldMk cId="473798661" sldId="313"/>
+        </pc:sldMkLst>
+        <pc:spChg chg="mod">
+          <ac:chgData name="Neta Becker" userId="cef0aa30-4247-4db8-9bc0-d63efc0d3a53" providerId="ADAL" clId="{8E39725F-6EEF-4D4D-92C3-0465B79E9629}" dt="2024-05-09T15:57:55.008" v="21" actId="20577"/>
+          <ac:spMkLst>
+            <pc:docMk/>
+            <pc:sldMk cId="473798661" sldId="313"/>
+            <ac:spMk id="3" creationId="{79639998-542D-EA12-DA1F-335575519817}"/>
+          </ac:spMkLst>
+        </pc:spChg>
+        <pc:spChg chg="add mod">
+          <ac:chgData name="Neta Becker" userId="cef0aa30-4247-4db8-9bc0-d63efc0d3a53" providerId="ADAL" clId="{8E39725F-6EEF-4D4D-92C3-0465B79E9629}" dt="2024-05-09T15:55:44.367" v="1"/>
+          <ac:spMkLst>
+            <pc:docMk/>
+            <pc:sldMk cId="473798661" sldId="313"/>
+            <ac:spMk id="4" creationId="{85F07728-A4E2-D9D2-91C4-70250A23B88A}"/>
+          </ac:spMkLst>
+        </pc:spChg>
+        <pc:spChg chg="mod">
+          <ac:chgData name="Neta Becker" userId="cef0aa30-4247-4db8-9bc0-d63efc0d3a53" providerId="ADAL" clId="{8E39725F-6EEF-4D4D-92C3-0465B79E9629}" dt="2024-05-09T15:55:44.367" v="1"/>
+          <ac:spMkLst>
+            <pc:docMk/>
+            <pc:sldMk cId="473798661" sldId="313"/>
+            <ac:spMk id="6" creationId="{01C795E8-3F02-1807-50F5-AAA8595D7AE4}"/>
+          </ac:spMkLst>
+        </pc:spChg>
+        <pc:spChg chg="mod">
+          <ac:chgData name="Neta Becker" userId="cef0aa30-4247-4db8-9bc0-d63efc0d3a53" providerId="ADAL" clId="{8E39725F-6EEF-4D4D-92C3-0465B79E9629}" dt="2024-05-09T15:55:44.367" v="1"/>
+          <ac:spMkLst>
+            <pc:docMk/>
+            <pc:sldMk cId="473798661" sldId="313"/>
+            <ac:spMk id="7" creationId="{2EEE2E42-1535-F3D4-88A6-600540A1C48F}"/>
+          </ac:spMkLst>
+        </pc:spChg>
+        <pc:spChg chg="mod">
+          <ac:chgData name="Neta Becker" userId="cef0aa30-4247-4db8-9bc0-d63efc0d3a53" providerId="ADAL" clId="{8E39725F-6EEF-4D4D-92C3-0465B79E9629}" dt="2024-05-09T15:55:44.367" v="1"/>
+          <ac:spMkLst>
+            <pc:docMk/>
+            <pc:sldMk cId="473798661" sldId="313"/>
+            <ac:spMk id="8" creationId="{85994452-E285-51CF-641A-CAA40F791930}"/>
+          </ac:spMkLst>
+        </pc:spChg>
+        <pc:grpChg chg="add mod">
+          <ac:chgData name="Neta Becker" userId="cef0aa30-4247-4db8-9bc0-d63efc0d3a53" providerId="ADAL" clId="{8E39725F-6EEF-4D4D-92C3-0465B79E9629}" dt="2024-05-09T15:55:44.367" v="1"/>
+          <ac:grpSpMkLst>
+            <pc:docMk/>
+            <pc:sldMk cId="473798661" sldId="313"/>
+            <ac:grpSpMk id="5" creationId="{0ED5CF67-36AF-6C59-114F-67E958E1AA67}"/>
+          </ac:grpSpMkLst>
+        </pc:grpChg>
+      </pc:sldChg>
+    </pc:docChg>
+  </pc:docChgLst>
+  <pc:docChgLst>
+    <pc:chgData name="Neta Becker" userId="cef0aa30-4247-4db8-9bc0-d63efc0d3a53" providerId="ADAL" clId="{F41227B9-745C-4395-9C71-3772E855083B}"/>
+    <pc:docChg chg="undo redo custSel addSld delSld modSld sldOrd">
+      <pc:chgData name="Neta Becker" userId="cef0aa30-4247-4db8-9bc0-d63efc0d3a53" providerId="ADAL" clId="{F41227B9-745C-4395-9C71-3772E855083B}" dt="2024-04-20T09:22:38.819" v="403" actId="20577"/>
+      <pc:docMkLst>
+        <pc:docMk/>
+      </pc:docMkLst>
+      <pc:sldChg chg="modSp mod">
+        <pc:chgData name="Neta Becker" userId="cef0aa30-4247-4db8-9bc0-d63efc0d3a53" providerId="ADAL" clId="{F41227B9-745C-4395-9C71-3772E855083B}" dt="2024-04-20T09:05:12.200" v="33" actId="404"/>
+        <pc:sldMkLst>
+          <pc:docMk/>
+          <pc:sldMk cId="2179648205" sldId="256"/>
+        </pc:sldMkLst>
+        <pc:spChg chg="mod">
+          <ac:chgData name="Neta Becker" userId="cef0aa30-4247-4db8-9bc0-d63efc0d3a53" providerId="ADAL" clId="{F41227B9-745C-4395-9C71-3772E855083B}" dt="2024-04-20T09:05:12.200" v="33" actId="404"/>
+          <ac:spMkLst>
+            <pc:docMk/>
+            <pc:sldMk cId="2179648205" sldId="256"/>
+            <ac:spMk id="2" creationId="{672AD88C-22F7-6099-31A3-259788130B42}"/>
+          </ac:spMkLst>
+        </pc:spChg>
+        <pc:spChg chg="mod">
+          <ac:chgData name="Neta Becker" userId="cef0aa30-4247-4db8-9bc0-d63efc0d3a53" providerId="ADAL" clId="{F41227B9-745C-4395-9C71-3772E855083B}" dt="2024-04-20T09:04:59.482" v="22" actId="20577"/>
+          <ac:spMkLst>
+            <pc:docMk/>
+            <pc:sldMk cId="2179648205" sldId="256"/>
+            <ac:spMk id="3" creationId="{0D89FC02-A4AB-8F19-7B48-608FCF3D55D3}"/>
+          </ac:spMkLst>
+        </pc:spChg>
+        <pc:spChg chg="mod">
+          <ac:chgData name="Neta Becker" userId="cef0aa30-4247-4db8-9bc0-d63efc0d3a53" providerId="ADAL" clId="{F41227B9-745C-4395-9C71-3772E855083B}" dt="2024-04-20T09:04:53.365" v="17" actId="21"/>
+          <ac:spMkLst>
+            <pc:docMk/>
+            <pc:sldMk cId="2179648205" sldId="256"/>
+            <ac:spMk id="4" creationId="{CE588B98-B49F-CE19-44E8-F1BAB7128CA6}"/>
+          </ac:spMkLst>
+        </pc:spChg>
+      </pc:sldChg>
+      <pc:sldChg chg="addSp delSp modSp new mod setBg">
+        <pc:chgData name="Neta Becker" userId="cef0aa30-4247-4db8-9bc0-d63efc0d3a53" providerId="ADAL" clId="{F41227B9-745C-4395-9C71-3772E855083B}" dt="2024-04-20T09:16:24.400" v="303" actId="20577"/>
+        <pc:sldMkLst>
+          <pc:docMk/>
+          <pc:sldMk cId="1769220115" sldId="257"/>
+        </pc:sldMkLst>
+        <pc:spChg chg="mod">
+          <ac:chgData name="Neta Becker" userId="cef0aa30-4247-4db8-9bc0-d63efc0d3a53" providerId="ADAL" clId="{F41227B9-745C-4395-9C71-3772E855083B}" dt="2024-04-20T09:14:00.551" v="259" actId="26606"/>
+          <ac:spMkLst>
+            <pc:docMk/>
+            <pc:sldMk cId="1769220115" sldId="257"/>
+            <ac:spMk id="2" creationId="{BBABCC05-9708-FD2A-9DD0-01CF0D3836F2}"/>
+          </ac:spMkLst>
+        </pc:spChg>
+        <pc:spChg chg="mod">
+          <ac:chgData name="Neta Becker" userId="cef0aa30-4247-4db8-9bc0-d63efc0d3a53" providerId="ADAL" clId="{F41227B9-745C-4395-9C71-3772E855083B}" dt="2024-04-20T09:16:24.400" v="303" actId="20577"/>
+          <ac:spMkLst>
+            <pc:docMk/>
+            <pc:sldMk cId="1769220115" sldId="257"/>
+            <ac:spMk id="3" creationId="{138B8362-48C3-13F0-617A-B8A3256120CA}"/>
+          </ac:spMkLst>
+        </pc:spChg>
+        <pc:spChg chg="add del mod">
+          <ac:chgData name="Neta Becker" userId="cef0aa30-4247-4db8-9bc0-d63efc0d3a53" providerId="ADAL" clId="{F41227B9-745C-4395-9C71-3772E855083B}" dt="2024-04-20T09:15:34.913" v="291" actId="478"/>
+          <ac:spMkLst>
+            <pc:docMk/>
+            <pc:sldMk cId="1769220115" sldId="257"/>
+            <ac:spMk id="4" creationId="{492A418C-EDA6-5C14-CA1B-8B1153793768}"/>
+          </ac:spMkLst>
+        </pc:spChg>
+        <pc:spChg chg="add del mod">
+          <ac:chgData name="Neta Becker" userId="cef0aa30-4247-4db8-9bc0-d63efc0d3a53" providerId="ADAL" clId="{F41227B9-745C-4395-9C71-3772E855083B}" dt="2024-04-20T09:15:35.867" v="292" actId="478"/>
+          <ac:spMkLst>
+            <pc:docMk/>
+            <pc:sldMk cId="1769220115" sldId="257"/>
+            <ac:spMk id="5" creationId="{F52AD1AC-C919-DD06-5AB8-EFA7921D4E7A}"/>
+          </ac:spMkLst>
+        </pc:spChg>
+        <pc:picChg chg="add mod modCrop">
+          <ac:chgData name="Neta Becker" userId="cef0aa30-4247-4db8-9bc0-d63efc0d3a53" providerId="ADAL" clId="{F41227B9-745C-4395-9C71-3772E855083B}" dt="2024-04-20T09:16:08.710" v="302" actId="1076"/>
+          <ac:picMkLst>
+            <pc:docMk/>
+            <pc:sldMk cId="1769220115" sldId="257"/>
+            <ac:picMk id="7" creationId="{5D2567AD-A929-17F9-A858-A92AA2CDC031}"/>
+          </ac:picMkLst>
+        </pc:picChg>
+        <pc:picChg chg="add mod">
+          <ac:chgData name="Neta Becker" userId="cef0aa30-4247-4db8-9bc0-d63efc0d3a53" providerId="ADAL" clId="{F41227B9-745C-4395-9C71-3772E855083B}" dt="2024-04-20T09:13:19.810" v="247" actId="14100"/>
+          <ac:picMkLst>
+            <pc:docMk/>
+            <pc:sldMk cId="1769220115" sldId="257"/>
+            <ac:picMk id="1026" creationId="{4AC9365A-FC03-7DAC-AC59-C7F37271B2CA}"/>
+          </ac:picMkLst>
+        </pc:picChg>
+        <pc:picChg chg="add del mod">
+          <ac:chgData name="Neta Becker" userId="cef0aa30-4247-4db8-9bc0-d63efc0d3a53" providerId="ADAL" clId="{F41227B9-745C-4395-9C71-3772E855083B}" dt="2024-04-20T09:15:32.552" v="290" actId="478"/>
+          <ac:picMkLst>
+            <pc:docMk/>
+            <pc:sldMk cId="1769220115" sldId="257"/>
+            <ac:picMk id="1028" creationId="{73822209-7A05-7768-AD1F-91B7C0E469B0}"/>
+          </ac:picMkLst>
+        </pc:picChg>
+      </pc:sldChg>
+      <pc:sldChg chg="modSp new mod ord">
+        <pc:chgData name="Neta Becker" userId="cef0aa30-4247-4db8-9bc0-d63efc0d3a53" providerId="ADAL" clId="{F41227B9-745C-4395-9C71-3772E855083B}" dt="2024-04-20T09:22:38.819" v="403" actId="20577"/>
+        <pc:sldMkLst>
+          <pc:docMk/>
+          <pc:sldMk cId="4065677750" sldId="258"/>
+        </pc:sldMkLst>
+        <pc:spChg chg="mod">
+          <ac:chgData name="Neta Becker" userId="cef0aa30-4247-4db8-9bc0-d63efc0d3a53" providerId="ADAL" clId="{F41227B9-745C-4395-9C71-3772E855083B}" dt="2024-04-20T09:07:01.867" v="68" actId="20577"/>
+          <ac:spMkLst>
+            <pc:docMk/>
+            <pc:sldMk cId="4065677750" sldId="258"/>
+            <ac:spMk id="2" creationId="{7698AAED-D1FD-B89F-2DA0-BBC929912FFA}"/>
+          </ac:spMkLst>
+        </pc:spChg>
+        <pc:spChg chg="mod">
+          <ac:chgData name="Neta Becker" userId="cef0aa30-4247-4db8-9bc0-d63efc0d3a53" providerId="ADAL" clId="{F41227B9-745C-4395-9C71-3772E855083B}" dt="2024-04-20T09:22:38.819" v="403" actId="20577"/>
+          <ac:spMkLst>
+            <pc:docMk/>
+            <pc:sldMk cId="4065677750" sldId="258"/>
+            <ac:spMk id="3" creationId="{12642EC7-8503-E8AB-52BC-06C912BABE9F}"/>
+          </ac:spMkLst>
+        </pc:spChg>
+      </pc:sldChg>
+      <pc:sldChg chg="new del">
+        <pc:chgData name="Neta Becker" userId="cef0aa30-4247-4db8-9bc0-d63efc0d3a53" providerId="ADAL" clId="{F41227B9-745C-4395-9C71-3772E855083B}" dt="2024-04-20T09:05:25.744" v="35" actId="47"/>
+        <pc:sldMkLst>
+          <pc:docMk/>
+          <pc:sldMk cId="4140540780" sldId="258"/>
+        </pc:sldMkLst>
       </pc:sldChg>
     </pc:docChg>
   </pc:docChgLst>
@@ -2545,161 +2702,6 @@
       </pc:sldMasterChg>
     </pc:docChg>
   </pc:docChgLst>
-  <pc:docChgLst>
-    <pc:chgData name="Neta Becker" userId="cef0aa30-4247-4db8-9bc0-d63efc0d3a53" providerId="ADAL" clId="{8E39725F-6EEF-4D4D-92C3-0465B79E9629}"/>
-    <pc:docChg chg="undo custSel addSld delSld modSld">
-      <pc:chgData name="Neta Becker" userId="cef0aa30-4247-4db8-9bc0-d63efc0d3a53" providerId="ADAL" clId="{8E39725F-6EEF-4D4D-92C3-0465B79E9629}" dt="2024-05-09T15:58:07.762" v="23" actId="1076"/>
-      <pc:docMkLst>
-        <pc:docMk/>
-      </pc:docMkLst>
-      <pc:sldChg chg="modSp mod">
-        <pc:chgData name="Neta Becker" userId="cef0aa30-4247-4db8-9bc0-d63efc0d3a53" providerId="ADAL" clId="{8E39725F-6EEF-4D4D-92C3-0465B79E9629}" dt="2024-05-09T15:58:07.762" v="23" actId="1076"/>
-        <pc:sldMkLst>
-          <pc:docMk/>
-          <pc:sldMk cId="461867753" sldId="261"/>
-        </pc:sldMkLst>
-        <pc:spChg chg="mod">
-          <ac:chgData name="Neta Becker" userId="cef0aa30-4247-4db8-9bc0-d63efc0d3a53" providerId="ADAL" clId="{8E39725F-6EEF-4D4D-92C3-0465B79E9629}" dt="2024-05-09T15:58:02.847" v="22" actId="14100"/>
-          <ac:spMkLst>
-            <pc:docMk/>
-            <pc:sldMk cId="461867753" sldId="261"/>
-            <ac:spMk id="2" creationId="{27F2BC14-3B96-5B86-2DD7-96DF3F92CEED}"/>
-          </ac:spMkLst>
-        </pc:spChg>
-        <pc:spChg chg="mod">
-          <ac:chgData name="Neta Becker" userId="cef0aa30-4247-4db8-9bc0-d63efc0d3a53" providerId="ADAL" clId="{8E39725F-6EEF-4D4D-92C3-0465B79E9629}" dt="2024-05-09T15:58:07.762" v="23" actId="1076"/>
-          <ac:spMkLst>
-            <pc:docMk/>
-            <pc:sldMk cId="461867753" sldId="261"/>
-            <ac:spMk id="10" creationId="{CA9F315B-54D4-E999-844C-5423FDC7670E}"/>
-          </ac:spMkLst>
-        </pc:spChg>
-      </pc:sldChg>
-      <pc:sldChg chg="del">
-        <pc:chgData name="Neta Becker" userId="cef0aa30-4247-4db8-9bc0-d63efc0d3a53" providerId="ADAL" clId="{8E39725F-6EEF-4D4D-92C3-0465B79E9629}" dt="2024-05-09T15:55:46.114" v="2" actId="47"/>
-        <pc:sldMkLst>
-          <pc:docMk/>
-          <pc:sldMk cId="3063377580" sldId="262"/>
-        </pc:sldMkLst>
-      </pc:sldChg>
-      <pc:sldChg chg="modSp add del mod">
-        <pc:chgData name="Neta Becker" userId="cef0aa30-4247-4db8-9bc0-d63efc0d3a53" providerId="ADAL" clId="{8E39725F-6EEF-4D4D-92C3-0465B79E9629}" dt="2024-05-09T15:57:42.896" v="17" actId="2696"/>
-        <pc:sldMkLst>
-          <pc:docMk/>
-          <pc:sldMk cId="1521044007" sldId="264"/>
-        </pc:sldMkLst>
-        <pc:spChg chg="mod">
-          <ac:chgData name="Neta Becker" userId="cef0aa30-4247-4db8-9bc0-d63efc0d3a53" providerId="ADAL" clId="{8E39725F-6EEF-4D4D-92C3-0465B79E9629}" dt="2024-05-09T15:56:09.475" v="10" actId="5793"/>
-          <ac:spMkLst>
-            <pc:docMk/>
-            <pc:sldMk cId="1521044007" sldId="264"/>
-            <ac:spMk id="3" creationId="{2D2E6A14-D956-DE39-DFB5-8D352E675082}"/>
-          </ac:spMkLst>
-        </pc:spChg>
-      </pc:sldChg>
-      <pc:sldChg chg="add">
-        <pc:chgData name="Neta Becker" userId="cef0aa30-4247-4db8-9bc0-d63efc0d3a53" providerId="ADAL" clId="{8E39725F-6EEF-4D4D-92C3-0465B79E9629}" dt="2024-05-09T15:57:45.107" v="18"/>
-        <pc:sldMkLst>
-          <pc:docMk/>
-          <pc:sldMk cId="3634263486" sldId="264"/>
-        </pc:sldMkLst>
-      </pc:sldChg>
-      <pc:sldChg chg="modSp mod">
-        <pc:chgData name="Neta Becker" userId="cef0aa30-4247-4db8-9bc0-d63efc0d3a53" providerId="ADAL" clId="{8E39725F-6EEF-4D4D-92C3-0465B79E9629}" dt="2024-05-09T15:57:22.424" v="16" actId="20577"/>
-        <pc:sldMkLst>
-          <pc:docMk/>
-          <pc:sldMk cId="660352062" sldId="312"/>
-        </pc:sldMkLst>
-        <pc:spChg chg="mod">
-          <ac:chgData name="Neta Becker" userId="cef0aa30-4247-4db8-9bc0-d63efc0d3a53" providerId="ADAL" clId="{8E39725F-6EEF-4D4D-92C3-0465B79E9629}" dt="2024-05-09T15:57:16.641" v="11" actId="20577"/>
-          <ac:spMkLst>
-            <pc:docMk/>
-            <pc:sldMk cId="660352062" sldId="312"/>
-            <ac:spMk id="310" creationId="{00000000-0000-0000-0000-000000000000}"/>
-          </ac:spMkLst>
-        </pc:spChg>
-        <pc:spChg chg="mod">
-          <ac:chgData name="Neta Becker" userId="cef0aa30-4247-4db8-9bc0-d63efc0d3a53" providerId="ADAL" clId="{8E39725F-6EEF-4D4D-92C3-0465B79E9629}" dt="2024-05-09T15:57:18.738" v="13" actId="20577"/>
-          <ac:spMkLst>
-            <pc:docMk/>
-            <pc:sldMk cId="660352062" sldId="312"/>
-            <ac:spMk id="313" creationId="{00000000-0000-0000-0000-000000000000}"/>
-          </ac:spMkLst>
-        </pc:spChg>
-        <pc:spChg chg="mod">
-          <ac:chgData name="Neta Becker" userId="cef0aa30-4247-4db8-9bc0-d63efc0d3a53" providerId="ADAL" clId="{8E39725F-6EEF-4D4D-92C3-0465B79E9629}" dt="2024-05-09T15:57:20.810" v="15" actId="20577"/>
-          <ac:spMkLst>
-            <pc:docMk/>
-            <pc:sldMk cId="660352062" sldId="312"/>
-            <ac:spMk id="316" creationId="{00000000-0000-0000-0000-000000000000}"/>
-          </ac:spMkLst>
-        </pc:spChg>
-        <pc:spChg chg="mod">
-          <ac:chgData name="Neta Becker" userId="cef0aa30-4247-4db8-9bc0-d63efc0d3a53" providerId="ADAL" clId="{8E39725F-6EEF-4D4D-92C3-0465B79E9629}" dt="2024-05-09T15:57:22.424" v="16" actId="20577"/>
-          <ac:spMkLst>
-            <pc:docMk/>
-            <pc:sldMk cId="660352062" sldId="312"/>
-            <ac:spMk id="319" creationId="{00000000-0000-0000-0000-000000000000}"/>
-          </ac:spMkLst>
-        </pc:spChg>
-      </pc:sldChg>
-      <pc:sldChg chg="addSp modSp add mod setBg">
-        <pc:chgData name="Neta Becker" userId="cef0aa30-4247-4db8-9bc0-d63efc0d3a53" providerId="ADAL" clId="{8E39725F-6EEF-4D4D-92C3-0465B79E9629}" dt="2024-05-09T15:57:55.008" v="21" actId="20577"/>
-        <pc:sldMkLst>
-          <pc:docMk/>
-          <pc:sldMk cId="473798661" sldId="313"/>
-        </pc:sldMkLst>
-        <pc:spChg chg="mod">
-          <ac:chgData name="Neta Becker" userId="cef0aa30-4247-4db8-9bc0-d63efc0d3a53" providerId="ADAL" clId="{8E39725F-6EEF-4D4D-92C3-0465B79E9629}" dt="2024-05-09T15:57:55.008" v="21" actId="20577"/>
-          <ac:spMkLst>
-            <pc:docMk/>
-            <pc:sldMk cId="473798661" sldId="313"/>
-            <ac:spMk id="3" creationId="{79639998-542D-EA12-DA1F-335575519817}"/>
-          </ac:spMkLst>
-        </pc:spChg>
-        <pc:spChg chg="add mod">
-          <ac:chgData name="Neta Becker" userId="cef0aa30-4247-4db8-9bc0-d63efc0d3a53" providerId="ADAL" clId="{8E39725F-6EEF-4D4D-92C3-0465B79E9629}" dt="2024-05-09T15:55:44.367" v="1"/>
-          <ac:spMkLst>
-            <pc:docMk/>
-            <pc:sldMk cId="473798661" sldId="313"/>
-            <ac:spMk id="4" creationId="{85F07728-A4E2-D9D2-91C4-70250A23B88A}"/>
-          </ac:spMkLst>
-        </pc:spChg>
-        <pc:spChg chg="mod">
-          <ac:chgData name="Neta Becker" userId="cef0aa30-4247-4db8-9bc0-d63efc0d3a53" providerId="ADAL" clId="{8E39725F-6EEF-4D4D-92C3-0465B79E9629}" dt="2024-05-09T15:55:44.367" v="1"/>
-          <ac:spMkLst>
-            <pc:docMk/>
-            <pc:sldMk cId="473798661" sldId="313"/>
-            <ac:spMk id="6" creationId="{01C795E8-3F02-1807-50F5-AAA8595D7AE4}"/>
-          </ac:spMkLst>
-        </pc:spChg>
-        <pc:spChg chg="mod">
-          <ac:chgData name="Neta Becker" userId="cef0aa30-4247-4db8-9bc0-d63efc0d3a53" providerId="ADAL" clId="{8E39725F-6EEF-4D4D-92C3-0465B79E9629}" dt="2024-05-09T15:55:44.367" v="1"/>
-          <ac:spMkLst>
-            <pc:docMk/>
-            <pc:sldMk cId="473798661" sldId="313"/>
-            <ac:spMk id="7" creationId="{2EEE2E42-1535-F3D4-88A6-600540A1C48F}"/>
-          </ac:spMkLst>
-        </pc:spChg>
-        <pc:spChg chg="mod">
-          <ac:chgData name="Neta Becker" userId="cef0aa30-4247-4db8-9bc0-d63efc0d3a53" providerId="ADAL" clId="{8E39725F-6EEF-4D4D-92C3-0465B79E9629}" dt="2024-05-09T15:55:44.367" v="1"/>
-          <ac:spMkLst>
-            <pc:docMk/>
-            <pc:sldMk cId="473798661" sldId="313"/>
-            <ac:spMk id="8" creationId="{85994452-E285-51CF-641A-CAA40F791930}"/>
-          </ac:spMkLst>
-        </pc:spChg>
-        <pc:grpChg chg="add mod">
-          <ac:chgData name="Neta Becker" userId="cef0aa30-4247-4db8-9bc0-d63efc0d3a53" providerId="ADAL" clId="{8E39725F-6EEF-4D4D-92C3-0465B79E9629}" dt="2024-05-09T15:55:44.367" v="1"/>
-          <ac:grpSpMkLst>
-            <pc:docMk/>
-            <pc:sldMk cId="473798661" sldId="313"/>
-            <ac:grpSpMk id="5" creationId="{0ED5CF67-36AF-6C59-114F-67E958E1AA67}"/>
-          </ac:grpSpMkLst>
-        </pc:grpChg>
-      </pc:sldChg>
-    </pc:docChg>
-  </pc:docChgLst>
 </pc:chgInfo>
 </file>
 
@@ -2785,7 +2787,7 @@
           <a:p>
             <a:fld id="{00F3AC2B-0516-4C3C-9B21-3C09651EECE3}" type="datetimeFigureOut">
               <a:rPr lang="en-IL" smtClean="0"/>
-              <a:t>09/05/2024</a:t>
+              <a:t>12/05/2024</a:t>
             </a:fld>
             <a:endParaRPr lang="en-IL"/>
           </a:p>
@@ -3836,7 +3838,7 @@
           <a:p>
             <a:fld id="{C9885491-9AC8-4B1E-A640-A20BDB93DAD1}" type="slidenum">
               <a:rPr lang="en-IL" smtClean="0"/>
-              <a:t>11</a:t>
+              <a:t>13</a:t>
             </a:fld>
             <a:endParaRPr lang="en-IL"/>
           </a:p>
@@ -4328,7 +4330,7 @@
           <a:p>
             <a:fld id="{7E48F360-3E34-44F2-B2D1-F60E60B25061}" type="datetimeFigureOut">
               <a:rPr lang="en-US" smtClean="0"/>
-              <a:t>5/9/2024</a:t>
+              <a:t>5/12/24</a:t>
             </a:fld>
             <a:endParaRPr lang="en-US"/>
           </a:p>
@@ -4530,7 +4532,7 @@
           <a:p>
             <a:fld id="{7E48F360-3E34-44F2-B2D1-F60E60B25061}" type="datetimeFigureOut">
               <a:rPr lang="en-US" smtClean="0"/>
-              <a:t>5/9/2024</a:t>
+              <a:t>5/12/24</a:t>
             </a:fld>
             <a:endParaRPr lang="en-US"/>
           </a:p>
@@ -4710,7 +4712,7 @@
           <a:p>
             <a:fld id="{7E48F360-3E34-44F2-B2D1-F60E60B25061}" type="datetimeFigureOut">
               <a:rPr lang="en-US" smtClean="0"/>
-              <a:t>5/9/2024</a:t>
+              <a:t>5/12/24</a:t>
             </a:fld>
             <a:endParaRPr lang="en-US"/>
           </a:p>
@@ -7031,7 +7033,7 @@
           <a:p>
             <a:fld id="{7E48F360-3E34-44F2-B2D1-F60E60B25061}" type="datetimeFigureOut">
               <a:rPr lang="en-US" smtClean="0"/>
-              <a:t>5/9/2024</a:t>
+              <a:t>5/12/24</a:t>
             </a:fld>
             <a:endParaRPr lang="en-US"/>
           </a:p>
@@ -7611,7 +7613,7 @@
           <a:p>
             <a:fld id="{7E48F360-3E34-44F2-B2D1-F60E60B25061}" type="datetimeFigureOut">
               <a:rPr lang="en-US" smtClean="0"/>
-              <a:t>5/9/2024</a:t>
+              <a:t>5/12/24</a:t>
             </a:fld>
             <a:endParaRPr lang="en-US"/>
           </a:p>
@@ -7913,7 +7915,7 @@
           <a:p>
             <a:fld id="{7E48F360-3E34-44F2-B2D1-F60E60B25061}" type="datetimeFigureOut">
               <a:rPr lang="en-US" smtClean="0"/>
-              <a:t>5/9/2024</a:t>
+              <a:t>5/12/24</a:t>
             </a:fld>
             <a:endParaRPr lang="en-US"/>
           </a:p>
@@ -8350,7 +8352,7 @@
           <a:p>
             <a:fld id="{7E48F360-3E34-44F2-B2D1-F60E60B25061}" type="datetimeFigureOut">
               <a:rPr lang="en-US" smtClean="0"/>
-              <a:t>5/9/2024</a:t>
+              <a:t>5/12/24</a:t>
             </a:fld>
             <a:endParaRPr lang="en-US"/>
           </a:p>
@@ -8468,7 +8470,7 @@
           <a:p>
             <a:fld id="{7E48F360-3E34-44F2-B2D1-F60E60B25061}" type="datetimeFigureOut">
               <a:rPr lang="en-US" smtClean="0"/>
-              <a:t>5/9/2024</a:t>
+              <a:t>5/12/24</a:t>
             </a:fld>
             <a:endParaRPr lang="en-US"/>
           </a:p>
@@ -8563,7 +8565,7 @@
           <a:p>
             <a:fld id="{7E48F360-3E34-44F2-B2D1-F60E60B25061}" type="datetimeFigureOut">
               <a:rPr lang="en-US" smtClean="0"/>
-              <a:t>5/9/2024</a:t>
+              <a:t>5/12/24</a:t>
             </a:fld>
             <a:endParaRPr lang="en-US"/>
           </a:p>
@@ -8907,7 +8909,7 @@
           <a:p>
             <a:fld id="{7E48F360-3E34-44F2-B2D1-F60E60B25061}" type="datetimeFigureOut">
               <a:rPr lang="en-US" smtClean="0"/>
-              <a:t>5/9/2024</a:t>
+              <a:t>5/12/24</a:t>
             </a:fld>
             <a:endParaRPr lang="en-US"/>
           </a:p>
@@ -9296,7 +9298,7 @@
           <a:p>
             <a:fld id="{7E48F360-3E34-44F2-B2D1-F60E60B25061}" type="datetimeFigureOut">
               <a:rPr lang="en-US" smtClean="0"/>
-              <a:t>5/9/2024</a:t>
+              <a:t>5/12/24</a:t>
             </a:fld>
             <a:endParaRPr lang="en-US"/>
           </a:p>
@@ -9604,7 +9606,7 @@
           <a:p>
             <a:fld id="{7E48F360-3E34-44F2-B2D1-F60E60B25061}" type="datetimeFigureOut">
               <a:rPr lang="en-US" smtClean="0"/>
-              <a:t>5/9/2024</a:t>
+              <a:t>5/12/24</a:t>
             </a:fld>
             <a:endParaRPr lang="en-US"/>
           </a:p>
@@ -11132,6 +11134,3390 @@
           <a:p>
             <a:r>
               <a:rPr lang="en-US" dirty="0"/>
+              <a:t>Results</a:t>
+            </a:r>
+            <a:endParaRPr lang="en-IL" dirty="0"/>
+          </a:p>
+        </p:txBody>
+      </p:sp>
+      <p:sp>
+        <p:nvSpPr>
+          <p:cNvPr id="4" name="Google Shape;348;p47">
+            <a:extLst>
+              <a:ext uri="{FF2B5EF4-FFF2-40B4-BE49-F238E27FC236}">
+                <a16:creationId xmlns:a16="http://schemas.microsoft.com/office/drawing/2014/main" id="{DB4B58AA-CB6F-C0F0-4724-E92868B9FD0E}"/>
+              </a:ext>
+            </a:extLst>
+          </p:cNvPr>
+          <p:cNvSpPr txBox="1">
+            <a:spLocks/>
+          </p:cNvSpPr>
+          <p:nvPr/>
+        </p:nvSpPr>
+        <p:spPr>
+          <a:xfrm>
+            <a:off x="-1" y="0"/>
+            <a:ext cx="2363639" cy="488437"/>
+          </a:xfrm>
+          <a:prstGeom prst="rect">
+            <a:avLst/>
+          </a:prstGeom>
+          <a:noFill/>
+          <a:ln>
+            <a:noFill/>
+          </a:ln>
+        </p:spPr>
+        <p:txBody>
+          <a:bodyPr spcFirstLastPara="1" wrap="square" lIns="91425" tIns="91425" rIns="91425" bIns="91425" anchor="t" anchorCtr="0">
+            <a:noAutofit/>
+          </a:bodyPr>
+          <a:lstStyle>
+            <a:defPPr marR="0" lvl="0" algn="l" rtl="0">
+              <a:lnSpc>
+                <a:spcPct val="100000"/>
+              </a:lnSpc>
+              <a:spcBef>
+                <a:spcPts val="0"/>
+              </a:spcBef>
+              <a:spcAft>
+                <a:spcPts val="0"/>
+              </a:spcAft>
+            </a:defPPr>
+            <a:lvl1pPr marR="0" lvl="0" algn="ctr" rtl="0">
+              <a:lnSpc>
+                <a:spcPct val="100000"/>
+              </a:lnSpc>
+              <a:spcBef>
+                <a:spcPts val="0"/>
+              </a:spcBef>
+              <a:spcAft>
+                <a:spcPts val="0"/>
+              </a:spcAft>
+              <a:buClr>
+                <a:schemeClr val="dk1"/>
+              </a:buClr>
+              <a:buSzPts val="3100"/>
+              <a:buFont typeface="Golos Text"/>
+              <a:buNone/>
+              <a:defRPr sz="3100" b="0" i="0" u="none" strike="noStrike" cap="none">
+                <a:solidFill>
+                  <a:schemeClr val="dk1"/>
+                </a:solidFill>
+                <a:latin typeface="Golos Text"/>
+                <a:ea typeface="Golos Text"/>
+                <a:cs typeface="Golos Text"/>
+                <a:sym typeface="Golos Text"/>
+              </a:defRPr>
+            </a:lvl1pPr>
+            <a:lvl2pPr marR="0" lvl="1" algn="ctr" rtl="0">
+              <a:lnSpc>
+                <a:spcPct val="100000"/>
+              </a:lnSpc>
+              <a:spcBef>
+                <a:spcPts val="0"/>
+              </a:spcBef>
+              <a:spcAft>
+                <a:spcPts val="0"/>
+              </a:spcAft>
+              <a:buClr>
+                <a:schemeClr val="dk1"/>
+              </a:buClr>
+              <a:buSzPts val="3100"/>
+              <a:buFont typeface="Golos Text"/>
+              <a:buNone/>
+              <a:defRPr sz="3100" b="0" i="0" u="none" strike="noStrike" cap="none">
+                <a:solidFill>
+                  <a:schemeClr val="dk1"/>
+                </a:solidFill>
+                <a:latin typeface="Golos Text"/>
+                <a:ea typeface="Golos Text"/>
+                <a:cs typeface="Golos Text"/>
+                <a:sym typeface="Golos Text"/>
+              </a:defRPr>
+            </a:lvl2pPr>
+            <a:lvl3pPr marR="0" lvl="2" algn="ctr" rtl="0">
+              <a:lnSpc>
+                <a:spcPct val="100000"/>
+              </a:lnSpc>
+              <a:spcBef>
+                <a:spcPts val="0"/>
+              </a:spcBef>
+              <a:spcAft>
+                <a:spcPts val="0"/>
+              </a:spcAft>
+              <a:buClr>
+                <a:schemeClr val="dk1"/>
+              </a:buClr>
+              <a:buSzPts val="3100"/>
+              <a:buFont typeface="Golos Text"/>
+              <a:buNone/>
+              <a:defRPr sz="3100" b="0" i="0" u="none" strike="noStrike" cap="none">
+                <a:solidFill>
+                  <a:schemeClr val="dk1"/>
+                </a:solidFill>
+                <a:latin typeface="Golos Text"/>
+                <a:ea typeface="Golos Text"/>
+                <a:cs typeface="Golos Text"/>
+                <a:sym typeface="Golos Text"/>
+              </a:defRPr>
+            </a:lvl3pPr>
+            <a:lvl4pPr marR="0" lvl="3" algn="ctr" rtl="0">
+              <a:lnSpc>
+                <a:spcPct val="100000"/>
+              </a:lnSpc>
+              <a:spcBef>
+                <a:spcPts val="0"/>
+              </a:spcBef>
+              <a:spcAft>
+                <a:spcPts val="0"/>
+              </a:spcAft>
+              <a:buClr>
+                <a:schemeClr val="dk1"/>
+              </a:buClr>
+              <a:buSzPts val="3100"/>
+              <a:buFont typeface="Golos Text"/>
+              <a:buNone/>
+              <a:defRPr sz="3100" b="0" i="0" u="none" strike="noStrike" cap="none">
+                <a:solidFill>
+                  <a:schemeClr val="dk1"/>
+                </a:solidFill>
+                <a:latin typeface="Golos Text"/>
+                <a:ea typeface="Golos Text"/>
+                <a:cs typeface="Golos Text"/>
+                <a:sym typeface="Golos Text"/>
+              </a:defRPr>
+            </a:lvl4pPr>
+            <a:lvl5pPr marR="0" lvl="4" algn="ctr" rtl="0">
+              <a:lnSpc>
+                <a:spcPct val="100000"/>
+              </a:lnSpc>
+              <a:spcBef>
+                <a:spcPts val="0"/>
+              </a:spcBef>
+              <a:spcAft>
+                <a:spcPts val="0"/>
+              </a:spcAft>
+              <a:buClr>
+                <a:schemeClr val="dk1"/>
+              </a:buClr>
+              <a:buSzPts val="3100"/>
+              <a:buFont typeface="Golos Text"/>
+              <a:buNone/>
+              <a:defRPr sz="3100" b="0" i="0" u="none" strike="noStrike" cap="none">
+                <a:solidFill>
+                  <a:schemeClr val="dk1"/>
+                </a:solidFill>
+                <a:latin typeface="Golos Text"/>
+                <a:ea typeface="Golos Text"/>
+                <a:cs typeface="Golos Text"/>
+                <a:sym typeface="Golos Text"/>
+              </a:defRPr>
+            </a:lvl5pPr>
+            <a:lvl6pPr marR="0" lvl="5" algn="ctr" rtl="0">
+              <a:lnSpc>
+                <a:spcPct val="100000"/>
+              </a:lnSpc>
+              <a:spcBef>
+                <a:spcPts val="0"/>
+              </a:spcBef>
+              <a:spcAft>
+                <a:spcPts val="0"/>
+              </a:spcAft>
+              <a:buClr>
+                <a:schemeClr val="dk1"/>
+              </a:buClr>
+              <a:buSzPts val="3100"/>
+              <a:buFont typeface="Golos Text"/>
+              <a:buNone/>
+              <a:defRPr sz="3100" b="0" i="0" u="none" strike="noStrike" cap="none">
+                <a:solidFill>
+                  <a:schemeClr val="dk1"/>
+                </a:solidFill>
+                <a:latin typeface="Golos Text"/>
+                <a:ea typeface="Golos Text"/>
+                <a:cs typeface="Golos Text"/>
+                <a:sym typeface="Golos Text"/>
+              </a:defRPr>
+            </a:lvl6pPr>
+            <a:lvl7pPr marR="0" lvl="6" algn="ctr" rtl="0">
+              <a:lnSpc>
+                <a:spcPct val="100000"/>
+              </a:lnSpc>
+              <a:spcBef>
+                <a:spcPts val="0"/>
+              </a:spcBef>
+              <a:spcAft>
+                <a:spcPts val="0"/>
+              </a:spcAft>
+              <a:buClr>
+                <a:schemeClr val="dk1"/>
+              </a:buClr>
+              <a:buSzPts val="3100"/>
+              <a:buFont typeface="Golos Text"/>
+              <a:buNone/>
+              <a:defRPr sz="3100" b="0" i="0" u="none" strike="noStrike" cap="none">
+                <a:solidFill>
+                  <a:schemeClr val="dk1"/>
+                </a:solidFill>
+                <a:latin typeface="Golos Text"/>
+                <a:ea typeface="Golos Text"/>
+                <a:cs typeface="Golos Text"/>
+                <a:sym typeface="Golos Text"/>
+              </a:defRPr>
+            </a:lvl7pPr>
+            <a:lvl8pPr marR="0" lvl="7" algn="ctr" rtl="0">
+              <a:lnSpc>
+                <a:spcPct val="100000"/>
+              </a:lnSpc>
+              <a:spcBef>
+                <a:spcPts val="0"/>
+              </a:spcBef>
+              <a:spcAft>
+                <a:spcPts val="0"/>
+              </a:spcAft>
+              <a:buClr>
+                <a:schemeClr val="dk1"/>
+              </a:buClr>
+              <a:buSzPts val="3100"/>
+              <a:buFont typeface="Golos Text"/>
+              <a:buNone/>
+              <a:defRPr sz="3100" b="0" i="0" u="none" strike="noStrike" cap="none">
+                <a:solidFill>
+                  <a:schemeClr val="dk1"/>
+                </a:solidFill>
+                <a:latin typeface="Golos Text"/>
+                <a:ea typeface="Golos Text"/>
+                <a:cs typeface="Golos Text"/>
+                <a:sym typeface="Golos Text"/>
+              </a:defRPr>
+            </a:lvl8pPr>
+            <a:lvl9pPr marR="0" lvl="8" algn="ctr" rtl="0">
+              <a:lnSpc>
+                <a:spcPct val="100000"/>
+              </a:lnSpc>
+              <a:spcBef>
+                <a:spcPts val="0"/>
+              </a:spcBef>
+              <a:spcAft>
+                <a:spcPts val="0"/>
+              </a:spcAft>
+              <a:buClr>
+                <a:schemeClr val="dk1"/>
+              </a:buClr>
+              <a:buSzPts val="3100"/>
+              <a:buFont typeface="Golos Text"/>
+              <a:buNone/>
+              <a:defRPr sz="3100" b="0" i="0" u="none" strike="noStrike" cap="none">
+                <a:solidFill>
+                  <a:schemeClr val="dk1"/>
+                </a:solidFill>
+                <a:latin typeface="Golos Text"/>
+                <a:ea typeface="Golos Text"/>
+                <a:cs typeface="Golos Text"/>
+                <a:sym typeface="Golos Text"/>
+              </a:defRPr>
+            </a:lvl9pPr>
+          </a:lstStyle>
+          <a:p>
+            <a:r>
+              <a:rPr lang="en-US" sz="2400" dirty="0">
+                <a:solidFill>
+                  <a:schemeClr val="tx1"/>
+                </a:solidFill>
+              </a:rPr>
+              <a:t>Our Work So far</a:t>
+            </a:r>
+          </a:p>
+          <a:p>
+            <a:endParaRPr lang="en-US" sz="2400" dirty="0">
+              <a:solidFill>
+                <a:schemeClr val="accent2"/>
+              </a:solidFill>
+            </a:endParaRPr>
+          </a:p>
+        </p:txBody>
+      </p:sp>
+      <p:grpSp>
+        <p:nvGrpSpPr>
+          <p:cNvPr id="5" name="Google Shape;16527;p95">
+            <a:extLst>
+              <a:ext uri="{FF2B5EF4-FFF2-40B4-BE49-F238E27FC236}">
+                <a16:creationId xmlns:a16="http://schemas.microsoft.com/office/drawing/2014/main" id="{4752F03D-3D59-EDD4-1EDF-103EBF40E5C6}"/>
+              </a:ext>
+            </a:extLst>
+          </p:cNvPr>
+          <p:cNvGrpSpPr/>
+          <p:nvPr/>
+        </p:nvGrpSpPr>
+        <p:grpSpPr>
+          <a:xfrm>
+            <a:off x="2303253" y="87486"/>
+            <a:ext cx="664234" cy="418204"/>
+            <a:chOff x="1341727" y="2483349"/>
+            <a:chExt cx="419913" cy="308109"/>
+          </a:xfrm>
+        </p:grpSpPr>
+        <p:sp>
+          <p:nvSpPr>
+            <p:cNvPr id="6" name="Google Shape;16528;p95">
+              <a:extLst>
+                <a:ext uri="{FF2B5EF4-FFF2-40B4-BE49-F238E27FC236}">
+                  <a16:creationId xmlns:a16="http://schemas.microsoft.com/office/drawing/2014/main" id="{2608EC1E-CF34-1B32-5C9F-E9F6FCBF6CB4}"/>
+                </a:ext>
+              </a:extLst>
+            </p:cNvPr>
+            <p:cNvSpPr/>
+            <p:nvPr/>
+          </p:nvSpPr>
+          <p:spPr>
+            <a:xfrm>
+              <a:off x="1623896" y="2522310"/>
+              <a:ext cx="53488" cy="18605"/>
+            </a:xfrm>
+            <a:custGeom>
+              <a:avLst/>
+              <a:gdLst/>
+              <a:ahLst/>
+              <a:cxnLst/>
+              <a:rect l="l" t="t" r="r" b="b"/>
+              <a:pathLst>
+                <a:path w="1406" h="489" extrusionOk="0">
+                  <a:moveTo>
+                    <a:pt x="167" y="1"/>
+                  </a:moveTo>
+                  <a:cubicBezTo>
+                    <a:pt x="84" y="1"/>
+                    <a:pt x="1" y="72"/>
+                    <a:pt x="1" y="167"/>
+                  </a:cubicBezTo>
+                  <a:cubicBezTo>
+                    <a:pt x="1" y="251"/>
+                    <a:pt x="84" y="322"/>
+                    <a:pt x="167" y="322"/>
+                  </a:cubicBezTo>
+                  <a:cubicBezTo>
+                    <a:pt x="346" y="322"/>
+                    <a:pt x="882" y="358"/>
+                    <a:pt x="1144" y="477"/>
+                  </a:cubicBezTo>
+                  <a:cubicBezTo>
+                    <a:pt x="1167" y="489"/>
+                    <a:pt x="1179" y="489"/>
+                    <a:pt x="1215" y="489"/>
+                  </a:cubicBezTo>
+                  <a:cubicBezTo>
+                    <a:pt x="1275" y="489"/>
+                    <a:pt x="1334" y="465"/>
+                    <a:pt x="1358" y="406"/>
+                  </a:cubicBezTo>
+                  <a:cubicBezTo>
+                    <a:pt x="1406" y="346"/>
+                    <a:pt x="1358" y="239"/>
+                    <a:pt x="1286" y="191"/>
+                  </a:cubicBezTo>
+                  <a:cubicBezTo>
+                    <a:pt x="917" y="1"/>
+                    <a:pt x="203" y="1"/>
+                    <a:pt x="167" y="1"/>
+                  </a:cubicBezTo>
+                  <a:close/>
+                </a:path>
+              </a:pathLst>
+            </a:custGeom>
+            <a:solidFill>
+              <a:srgbClr val="657E93"/>
+            </a:solidFill>
+            <a:ln>
+              <a:noFill/>
+            </a:ln>
+          </p:spPr>
+          <p:txBody>
+            <a:bodyPr spcFirstLastPara="1" wrap="square" lIns="91425" tIns="91425" rIns="91425" bIns="91425" anchor="ctr" anchorCtr="0">
+              <a:noAutofit/>
+            </a:bodyPr>
+            <a:lstStyle/>
+            <a:p>
+              <a:pPr marL="0" lvl="0" indent="0" algn="l" rtl="0">
+                <a:spcBef>
+                  <a:spcPts val="0"/>
+                </a:spcBef>
+                <a:spcAft>
+                  <a:spcPts val="0"/>
+                </a:spcAft>
+                <a:buNone/>
+              </a:pPr>
+              <a:endParaRPr>
+                <a:solidFill>
+                  <a:schemeClr val="accent2"/>
+                </a:solidFill>
+              </a:endParaRPr>
+            </a:p>
+          </p:txBody>
+        </p:sp>
+        <p:sp>
+          <p:nvSpPr>
+            <p:cNvPr id="7" name="Google Shape;16529;p95">
+              <a:extLst>
+                <a:ext uri="{FF2B5EF4-FFF2-40B4-BE49-F238E27FC236}">
+                  <a16:creationId xmlns:a16="http://schemas.microsoft.com/office/drawing/2014/main" id="{A24D5EAA-27CE-050F-F478-1E90FDFE9227}"/>
+                </a:ext>
+              </a:extLst>
+            </p:cNvPr>
+            <p:cNvSpPr/>
+            <p:nvPr/>
+          </p:nvSpPr>
+          <p:spPr>
+            <a:xfrm>
+              <a:off x="1341727" y="2483349"/>
+              <a:ext cx="419913" cy="308109"/>
+            </a:xfrm>
+            <a:custGeom>
+              <a:avLst/>
+              <a:gdLst/>
+              <a:ahLst/>
+              <a:cxnLst/>
+              <a:rect l="l" t="t" r="r" b="b"/>
+              <a:pathLst>
+                <a:path w="11038" h="8098" extrusionOk="0">
+                  <a:moveTo>
+                    <a:pt x="9156" y="501"/>
+                  </a:moveTo>
+                  <a:lnTo>
+                    <a:pt x="9156" y="1168"/>
+                  </a:lnTo>
+                  <a:cubicBezTo>
+                    <a:pt x="9156" y="1275"/>
+                    <a:pt x="9120" y="1394"/>
+                    <a:pt x="9073" y="1489"/>
+                  </a:cubicBezTo>
+                  <a:lnTo>
+                    <a:pt x="9001" y="1644"/>
+                  </a:lnTo>
+                  <a:cubicBezTo>
+                    <a:pt x="8989" y="1680"/>
+                    <a:pt x="8989" y="1692"/>
+                    <a:pt x="8989" y="1727"/>
+                  </a:cubicBezTo>
+                  <a:lnTo>
+                    <a:pt x="8989" y="2061"/>
+                  </a:lnTo>
+                  <a:cubicBezTo>
+                    <a:pt x="8989" y="2299"/>
+                    <a:pt x="8894" y="2525"/>
+                    <a:pt x="8715" y="2692"/>
+                  </a:cubicBezTo>
+                  <a:cubicBezTo>
+                    <a:pt x="8537" y="2858"/>
+                    <a:pt x="8311" y="2942"/>
+                    <a:pt x="8072" y="2942"/>
+                  </a:cubicBezTo>
+                  <a:cubicBezTo>
+                    <a:pt x="7620" y="2918"/>
+                    <a:pt x="7227" y="2513"/>
+                    <a:pt x="7227" y="2025"/>
+                  </a:cubicBezTo>
+                  <a:lnTo>
+                    <a:pt x="7227" y="1727"/>
+                  </a:lnTo>
+                  <a:cubicBezTo>
+                    <a:pt x="7227" y="1692"/>
+                    <a:pt x="7227" y="1680"/>
+                    <a:pt x="7215" y="1644"/>
+                  </a:cubicBezTo>
+                  <a:lnTo>
+                    <a:pt x="7108" y="1453"/>
+                  </a:lnTo>
+                  <a:cubicBezTo>
+                    <a:pt x="7084" y="1382"/>
+                    <a:pt x="7049" y="1311"/>
+                    <a:pt x="7049" y="1215"/>
+                  </a:cubicBezTo>
+                  <a:lnTo>
+                    <a:pt x="7049" y="1203"/>
+                  </a:lnTo>
+                  <a:cubicBezTo>
+                    <a:pt x="7049" y="810"/>
+                    <a:pt x="7370" y="501"/>
+                    <a:pt x="7751" y="501"/>
+                  </a:cubicBezTo>
+                  <a:close/>
+                  <a:moveTo>
+                    <a:pt x="3274" y="322"/>
+                  </a:moveTo>
+                  <a:cubicBezTo>
+                    <a:pt x="3548" y="322"/>
+                    <a:pt x="3786" y="429"/>
+                    <a:pt x="3989" y="632"/>
+                  </a:cubicBezTo>
+                  <a:cubicBezTo>
+                    <a:pt x="4179" y="834"/>
+                    <a:pt x="4298" y="1108"/>
+                    <a:pt x="4310" y="1394"/>
+                  </a:cubicBezTo>
+                  <a:cubicBezTo>
+                    <a:pt x="4346" y="1739"/>
+                    <a:pt x="4441" y="2442"/>
+                    <a:pt x="4608" y="2858"/>
+                  </a:cubicBezTo>
+                  <a:cubicBezTo>
+                    <a:pt x="4358" y="2942"/>
+                    <a:pt x="3870" y="3096"/>
+                    <a:pt x="3274" y="3096"/>
+                  </a:cubicBezTo>
+                  <a:cubicBezTo>
+                    <a:pt x="3253" y="3097"/>
+                    <a:pt x="3232" y="3097"/>
+                    <a:pt x="3210" y="3097"/>
+                  </a:cubicBezTo>
+                  <a:cubicBezTo>
+                    <a:pt x="2654" y="3097"/>
+                    <a:pt x="2182" y="2951"/>
+                    <a:pt x="1953" y="2870"/>
+                  </a:cubicBezTo>
+                  <a:cubicBezTo>
+                    <a:pt x="2096" y="2442"/>
+                    <a:pt x="2215" y="1739"/>
+                    <a:pt x="2226" y="1394"/>
+                  </a:cubicBezTo>
+                  <a:cubicBezTo>
+                    <a:pt x="2250" y="1096"/>
+                    <a:pt x="2357" y="834"/>
+                    <a:pt x="2560" y="632"/>
+                  </a:cubicBezTo>
+                  <a:cubicBezTo>
+                    <a:pt x="2750" y="429"/>
+                    <a:pt x="3000" y="322"/>
+                    <a:pt x="3274" y="322"/>
+                  </a:cubicBezTo>
+                  <a:close/>
+                  <a:moveTo>
+                    <a:pt x="7751" y="3192"/>
+                  </a:moveTo>
+                  <a:cubicBezTo>
+                    <a:pt x="7858" y="3227"/>
+                    <a:pt x="7965" y="3251"/>
+                    <a:pt x="8084" y="3251"/>
+                  </a:cubicBezTo>
+                  <a:lnTo>
+                    <a:pt x="8120" y="3251"/>
+                  </a:lnTo>
+                  <a:cubicBezTo>
+                    <a:pt x="8239" y="3251"/>
+                    <a:pt x="8358" y="3239"/>
+                    <a:pt x="8477" y="3192"/>
+                  </a:cubicBezTo>
+                  <a:lnTo>
+                    <a:pt x="8477" y="3192"/>
+                  </a:lnTo>
+                  <a:cubicBezTo>
+                    <a:pt x="8465" y="3251"/>
+                    <a:pt x="8477" y="3299"/>
+                    <a:pt x="8501" y="3346"/>
+                  </a:cubicBezTo>
+                  <a:lnTo>
+                    <a:pt x="8358" y="3477"/>
+                  </a:lnTo>
+                  <a:cubicBezTo>
+                    <a:pt x="8287" y="3549"/>
+                    <a:pt x="8203" y="3585"/>
+                    <a:pt x="8108" y="3585"/>
+                  </a:cubicBezTo>
+                  <a:cubicBezTo>
+                    <a:pt x="8025" y="3585"/>
+                    <a:pt x="7930" y="3549"/>
+                    <a:pt x="7858" y="3477"/>
+                  </a:cubicBezTo>
+                  <a:lnTo>
+                    <a:pt x="7727" y="3346"/>
+                  </a:lnTo>
+                  <a:cubicBezTo>
+                    <a:pt x="7739" y="3299"/>
+                    <a:pt x="7751" y="3251"/>
+                    <a:pt x="7751" y="3192"/>
+                  </a:cubicBezTo>
+                  <a:close/>
+                  <a:moveTo>
+                    <a:pt x="3691" y="3418"/>
+                  </a:moveTo>
+                  <a:cubicBezTo>
+                    <a:pt x="3750" y="3537"/>
+                    <a:pt x="3870" y="3644"/>
+                    <a:pt x="4001" y="3668"/>
+                  </a:cubicBezTo>
+                  <a:lnTo>
+                    <a:pt x="4584" y="3835"/>
+                  </a:lnTo>
+                  <a:cubicBezTo>
+                    <a:pt x="4727" y="3882"/>
+                    <a:pt x="4834" y="4013"/>
+                    <a:pt x="4834" y="4180"/>
+                  </a:cubicBezTo>
+                  <a:lnTo>
+                    <a:pt x="4834" y="5680"/>
+                  </a:lnTo>
+                  <a:cubicBezTo>
+                    <a:pt x="4834" y="5871"/>
+                    <a:pt x="4667" y="6037"/>
+                    <a:pt x="4477" y="6037"/>
+                  </a:cubicBezTo>
+                  <a:lnTo>
+                    <a:pt x="4477" y="4811"/>
+                  </a:lnTo>
+                  <a:cubicBezTo>
+                    <a:pt x="4477" y="4549"/>
+                    <a:pt x="4239" y="4311"/>
+                    <a:pt x="3977" y="4311"/>
+                  </a:cubicBezTo>
+                  <a:lnTo>
+                    <a:pt x="2584" y="4311"/>
+                  </a:lnTo>
+                  <a:cubicBezTo>
+                    <a:pt x="2310" y="4311"/>
+                    <a:pt x="2084" y="4537"/>
+                    <a:pt x="2084" y="4811"/>
+                  </a:cubicBezTo>
+                  <a:lnTo>
+                    <a:pt x="2084" y="6037"/>
+                  </a:lnTo>
+                  <a:lnTo>
+                    <a:pt x="2072" y="6037"/>
+                  </a:lnTo>
+                  <a:cubicBezTo>
+                    <a:pt x="1869" y="6037"/>
+                    <a:pt x="1715" y="5871"/>
+                    <a:pt x="1715" y="5680"/>
+                  </a:cubicBezTo>
+                  <a:lnTo>
+                    <a:pt x="1715" y="4180"/>
+                  </a:lnTo>
+                  <a:cubicBezTo>
+                    <a:pt x="1715" y="4013"/>
+                    <a:pt x="1810" y="3882"/>
+                    <a:pt x="1965" y="3835"/>
+                  </a:cubicBezTo>
+                  <a:lnTo>
+                    <a:pt x="2548" y="3668"/>
+                  </a:lnTo>
+                  <a:cubicBezTo>
+                    <a:pt x="2679" y="3620"/>
+                    <a:pt x="2798" y="3537"/>
+                    <a:pt x="2858" y="3418"/>
+                  </a:cubicBezTo>
+                  <a:cubicBezTo>
+                    <a:pt x="2988" y="3430"/>
+                    <a:pt x="3119" y="3430"/>
+                    <a:pt x="3274" y="3430"/>
+                  </a:cubicBezTo>
+                  <a:cubicBezTo>
+                    <a:pt x="3417" y="3430"/>
+                    <a:pt x="3560" y="3418"/>
+                    <a:pt x="3691" y="3418"/>
+                  </a:cubicBezTo>
+                  <a:close/>
+                  <a:moveTo>
+                    <a:pt x="8668" y="3608"/>
+                  </a:moveTo>
+                  <a:cubicBezTo>
+                    <a:pt x="8715" y="3644"/>
+                    <a:pt x="8763" y="3656"/>
+                    <a:pt x="8811" y="3668"/>
+                  </a:cubicBezTo>
+                  <a:lnTo>
+                    <a:pt x="9382" y="3835"/>
+                  </a:lnTo>
+                  <a:cubicBezTo>
+                    <a:pt x="9537" y="3882"/>
+                    <a:pt x="9644" y="4013"/>
+                    <a:pt x="9644" y="4180"/>
+                  </a:cubicBezTo>
+                  <a:lnTo>
+                    <a:pt x="9644" y="5680"/>
+                  </a:lnTo>
+                  <a:cubicBezTo>
+                    <a:pt x="9644" y="5871"/>
+                    <a:pt x="9477" y="6037"/>
+                    <a:pt x="9287" y="6037"/>
+                  </a:cubicBezTo>
+                  <a:lnTo>
+                    <a:pt x="8584" y="6037"/>
+                  </a:lnTo>
+                  <a:lnTo>
+                    <a:pt x="8584" y="6025"/>
+                  </a:lnTo>
+                  <a:lnTo>
+                    <a:pt x="8584" y="5668"/>
+                  </a:lnTo>
+                  <a:lnTo>
+                    <a:pt x="9120" y="5668"/>
+                  </a:lnTo>
+                  <a:cubicBezTo>
+                    <a:pt x="9204" y="5668"/>
+                    <a:pt x="9287" y="5597"/>
+                    <a:pt x="9287" y="5502"/>
+                  </a:cubicBezTo>
+                  <a:lnTo>
+                    <a:pt x="9287" y="4466"/>
+                  </a:lnTo>
+                  <a:cubicBezTo>
+                    <a:pt x="9287" y="4370"/>
+                    <a:pt x="9204" y="4299"/>
+                    <a:pt x="9120" y="4299"/>
+                  </a:cubicBezTo>
+                  <a:cubicBezTo>
+                    <a:pt x="9025" y="4299"/>
+                    <a:pt x="8954" y="4370"/>
+                    <a:pt x="8954" y="4466"/>
+                  </a:cubicBezTo>
+                  <a:lnTo>
+                    <a:pt x="8954" y="5335"/>
+                  </a:lnTo>
+                  <a:lnTo>
+                    <a:pt x="8584" y="5335"/>
+                  </a:lnTo>
+                  <a:lnTo>
+                    <a:pt x="8584" y="4644"/>
+                  </a:lnTo>
+                  <a:cubicBezTo>
+                    <a:pt x="8584" y="4466"/>
+                    <a:pt x="8430" y="4311"/>
+                    <a:pt x="8251" y="4311"/>
+                  </a:cubicBezTo>
+                  <a:lnTo>
+                    <a:pt x="6513" y="4311"/>
+                  </a:lnTo>
+                  <a:lnTo>
+                    <a:pt x="6513" y="4180"/>
+                  </a:lnTo>
+                  <a:lnTo>
+                    <a:pt x="6548" y="4180"/>
+                  </a:lnTo>
+                  <a:cubicBezTo>
+                    <a:pt x="6548" y="4013"/>
+                    <a:pt x="6644" y="3882"/>
+                    <a:pt x="6798" y="3835"/>
+                  </a:cubicBezTo>
+                  <a:lnTo>
+                    <a:pt x="7382" y="3668"/>
+                  </a:lnTo>
+                  <a:cubicBezTo>
+                    <a:pt x="7418" y="3656"/>
+                    <a:pt x="7477" y="3644"/>
+                    <a:pt x="7513" y="3608"/>
+                  </a:cubicBezTo>
+                  <a:lnTo>
+                    <a:pt x="7620" y="3716"/>
+                  </a:lnTo>
+                  <a:cubicBezTo>
+                    <a:pt x="7751" y="3847"/>
+                    <a:pt x="7918" y="3906"/>
+                    <a:pt x="8096" y="3906"/>
+                  </a:cubicBezTo>
+                  <a:cubicBezTo>
+                    <a:pt x="8275" y="3906"/>
+                    <a:pt x="8453" y="3835"/>
+                    <a:pt x="8573" y="3716"/>
+                  </a:cubicBezTo>
+                  <a:lnTo>
+                    <a:pt x="8668" y="3608"/>
+                  </a:lnTo>
+                  <a:close/>
+                  <a:moveTo>
+                    <a:pt x="8287" y="4644"/>
+                  </a:moveTo>
+                  <a:cubicBezTo>
+                    <a:pt x="8287" y="4644"/>
+                    <a:pt x="8299" y="4644"/>
+                    <a:pt x="8299" y="4656"/>
+                  </a:cubicBezTo>
+                  <a:lnTo>
+                    <a:pt x="8299" y="6037"/>
+                  </a:lnTo>
+                  <a:cubicBezTo>
+                    <a:pt x="8299" y="6037"/>
+                    <a:pt x="8299" y="6049"/>
+                    <a:pt x="8287" y="6049"/>
+                  </a:cubicBezTo>
+                  <a:lnTo>
+                    <a:pt x="6215" y="6049"/>
+                  </a:lnTo>
+                  <a:cubicBezTo>
+                    <a:pt x="6215" y="6049"/>
+                    <a:pt x="6203" y="6049"/>
+                    <a:pt x="6203" y="6037"/>
+                  </a:cubicBezTo>
+                  <a:lnTo>
+                    <a:pt x="6203" y="4656"/>
+                  </a:lnTo>
+                  <a:lnTo>
+                    <a:pt x="8287" y="4644"/>
+                  </a:lnTo>
+                  <a:close/>
+                  <a:moveTo>
+                    <a:pt x="2084" y="6371"/>
+                  </a:moveTo>
+                  <a:lnTo>
+                    <a:pt x="2084" y="6740"/>
+                  </a:lnTo>
+                  <a:lnTo>
+                    <a:pt x="679" y="6740"/>
+                  </a:lnTo>
+                  <a:lnTo>
+                    <a:pt x="679" y="6371"/>
+                  </a:lnTo>
+                  <a:close/>
+                  <a:moveTo>
+                    <a:pt x="10382" y="6371"/>
+                  </a:moveTo>
+                  <a:lnTo>
+                    <a:pt x="10382" y="6740"/>
+                  </a:lnTo>
+                  <a:lnTo>
+                    <a:pt x="4477" y="6740"/>
+                  </a:lnTo>
+                  <a:lnTo>
+                    <a:pt x="4477" y="6371"/>
+                  </a:lnTo>
+                  <a:close/>
+                  <a:moveTo>
+                    <a:pt x="3953" y="4644"/>
+                  </a:moveTo>
+                  <a:cubicBezTo>
+                    <a:pt x="4060" y="4644"/>
+                    <a:pt x="4131" y="4728"/>
+                    <a:pt x="4131" y="4823"/>
+                  </a:cubicBezTo>
+                  <a:lnTo>
+                    <a:pt x="4131" y="7085"/>
+                  </a:lnTo>
+                  <a:lnTo>
+                    <a:pt x="2393" y="7085"/>
+                  </a:lnTo>
+                  <a:lnTo>
+                    <a:pt x="2393" y="4823"/>
+                  </a:lnTo>
+                  <a:cubicBezTo>
+                    <a:pt x="2393" y="4716"/>
+                    <a:pt x="2488" y="4644"/>
+                    <a:pt x="2572" y="4644"/>
+                  </a:cubicBezTo>
+                  <a:close/>
+                  <a:moveTo>
+                    <a:pt x="3274" y="1"/>
+                  </a:moveTo>
+                  <a:cubicBezTo>
+                    <a:pt x="2548" y="1"/>
+                    <a:pt x="1965" y="596"/>
+                    <a:pt x="1905" y="1370"/>
+                  </a:cubicBezTo>
+                  <a:cubicBezTo>
+                    <a:pt x="1869" y="1692"/>
+                    <a:pt x="1774" y="2346"/>
+                    <a:pt x="1631" y="2751"/>
+                  </a:cubicBezTo>
+                  <a:cubicBezTo>
+                    <a:pt x="1607" y="2835"/>
+                    <a:pt x="1607" y="2930"/>
+                    <a:pt x="1655" y="3001"/>
+                  </a:cubicBezTo>
+                  <a:cubicBezTo>
+                    <a:pt x="1691" y="3073"/>
+                    <a:pt x="1750" y="3156"/>
+                    <a:pt x="1845" y="3180"/>
+                  </a:cubicBezTo>
+                  <a:cubicBezTo>
+                    <a:pt x="1988" y="3227"/>
+                    <a:pt x="2215" y="3299"/>
+                    <a:pt x="2488" y="3358"/>
+                  </a:cubicBezTo>
+                  <a:lnTo>
+                    <a:pt x="2465" y="3358"/>
+                  </a:lnTo>
+                  <a:lnTo>
+                    <a:pt x="1893" y="3525"/>
+                  </a:lnTo>
+                  <a:cubicBezTo>
+                    <a:pt x="1595" y="3608"/>
+                    <a:pt x="1393" y="3882"/>
+                    <a:pt x="1393" y="4180"/>
+                  </a:cubicBezTo>
+                  <a:lnTo>
+                    <a:pt x="1393" y="5680"/>
+                  </a:lnTo>
+                  <a:cubicBezTo>
+                    <a:pt x="1393" y="5811"/>
+                    <a:pt x="1429" y="5930"/>
+                    <a:pt x="1500" y="6037"/>
+                  </a:cubicBezTo>
+                  <a:lnTo>
+                    <a:pt x="167" y="6037"/>
+                  </a:lnTo>
+                  <a:cubicBezTo>
+                    <a:pt x="71" y="6037"/>
+                    <a:pt x="0" y="6109"/>
+                    <a:pt x="0" y="6204"/>
+                  </a:cubicBezTo>
+                  <a:cubicBezTo>
+                    <a:pt x="0" y="6287"/>
+                    <a:pt x="71" y="6371"/>
+                    <a:pt x="167" y="6371"/>
+                  </a:cubicBezTo>
+                  <a:lnTo>
+                    <a:pt x="345" y="6371"/>
+                  </a:lnTo>
+                  <a:lnTo>
+                    <a:pt x="345" y="7930"/>
+                  </a:lnTo>
+                  <a:cubicBezTo>
+                    <a:pt x="345" y="8014"/>
+                    <a:pt x="417" y="8097"/>
+                    <a:pt x="500" y="8097"/>
+                  </a:cubicBezTo>
+                  <a:cubicBezTo>
+                    <a:pt x="595" y="8097"/>
+                    <a:pt x="667" y="8014"/>
+                    <a:pt x="667" y="7930"/>
+                  </a:cubicBezTo>
+                  <a:lnTo>
+                    <a:pt x="667" y="7049"/>
+                  </a:lnTo>
+                  <a:lnTo>
+                    <a:pt x="2072" y="7049"/>
+                  </a:lnTo>
+                  <a:lnTo>
+                    <a:pt x="2072" y="7930"/>
+                  </a:lnTo>
+                  <a:cubicBezTo>
+                    <a:pt x="2072" y="8014"/>
+                    <a:pt x="2143" y="8097"/>
+                    <a:pt x="2226" y="8097"/>
+                  </a:cubicBezTo>
+                  <a:cubicBezTo>
+                    <a:pt x="2322" y="8097"/>
+                    <a:pt x="2393" y="8014"/>
+                    <a:pt x="2393" y="7930"/>
+                  </a:cubicBezTo>
+                  <a:lnTo>
+                    <a:pt x="2393" y="7395"/>
+                  </a:lnTo>
+                  <a:lnTo>
+                    <a:pt x="4155" y="7395"/>
+                  </a:lnTo>
+                  <a:lnTo>
+                    <a:pt x="4155" y="7930"/>
+                  </a:lnTo>
+                  <a:cubicBezTo>
+                    <a:pt x="4155" y="8014"/>
+                    <a:pt x="4227" y="8097"/>
+                    <a:pt x="4310" y="8097"/>
+                  </a:cubicBezTo>
+                  <a:cubicBezTo>
+                    <a:pt x="4405" y="8097"/>
+                    <a:pt x="4477" y="8014"/>
+                    <a:pt x="4477" y="7930"/>
+                  </a:cubicBezTo>
+                  <a:lnTo>
+                    <a:pt x="4477" y="7049"/>
+                  </a:lnTo>
+                  <a:lnTo>
+                    <a:pt x="10370" y="7049"/>
+                  </a:lnTo>
+                  <a:lnTo>
+                    <a:pt x="10370" y="7930"/>
+                  </a:lnTo>
+                  <a:cubicBezTo>
+                    <a:pt x="10370" y="8014"/>
+                    <a:pt x="10442" y="8097"/>
+                    <a:pt x="10537" y="8097"/>
+                  </a:cubicBezTo>
+                  <a:cubicBezTo>
+                    <a:pt x="10620" y="8097"/>
+                    <a:pt x="10704" y="8014"/>
+                    <a:pt x="10704" y="7930"/>
+                  </a:cubicBezTo>
+                  <a:lnTo>
+                    <a:pt x="10704" y="6371"/>
+                  </a:lnTo>
+                  <a:lnTo>
+                    <a:pt x="10882" y="6371"/>
+                  </a:lnTo>
+                  <a:cubicBezTo>
+                    <a:pt x="10966" y="6371"/>
+                    <a:pt x="11037" y="6287"/>
+                    <a:pt x="11037" y="6204"/>
+                  </a:cubicBezTo>
+                  <a:cubicBezTo>
+                    <a:pt x="11037" y="6109"/>
+                    <a:pt x="10966" y="6037"/>
+                    <a:pt x="10882" y="6037"/>
+                  </a:cubicBezTo>
+                  <a:lnTo>
+                    <a:pt x="9894" y="6037"/>
+                  </a:lnTo>
+                  <a:cubicBezTo>
+                    <a:pt x="9954" y="5930"/>
+                    <a:pt x="10001" y="5811"/>
+                    <a:pt x="10001" y="5680"/>
+                  </a:cubicBezTo>
+                  <a:lnTo>
+                    <a:pt x="10001" y="4180"/>
+                  </a:lnTo>
+                  <a:cubicBezTo>
+                    <a:pt x="10001" y="3882"/>
+                    <a:pt x="9787" y="3608"/>
+                    <a:pt x="9501" y="3525"/>
+                  </a:cubicBezTo>
+                  <a:lnTo>
+                    <a:pt x="8930" y="3358"/>
+                  </a:lnTo>
+                  <a:cubicBezTo>
+                    <a:pt x="8858" y="3335"/>
+                    <a:pt x="8799" y="3275"/>
+                    <a:pt x="8799" y="3180"/>
+                  </a:cubicBezTo>
+                  <a:lnTo>
+                    <a:pt x="8799" y="3049"/>
+                  </a:lnTo>
+                  <a:cubicBezTo>
+                    <a:pt x="8858" y="3001"/>
+                    <a:pt x="8894" y="2977"/>
+                    <a:pt x="8942" y="2918"/>
+                  </a:cubicBezTo>
+                  <a:cubicBezTo>
+                    <a:pt x="9180" y="2692"/>
+                    <a:pt x="9299" y="2382"/>
+                    <a:pt x="9299" y="2049"/>
+                  </a:cubicBezTo>
+                  <a:lnTo>
+                    <a:pt x="9299" y="1739"/>
+                  </a:lnTo>
+                  <a:lnTo>
+                    <a:pt x="9358" y="1608"/>
+                  </a:lnTo>
+                  <a:cubicBezTo>
+                    <a:pt x="9430" y="1453"/>
+                    <a:pt x="9465" y="1311"/>
+                    <a:pt x="9465" y="1144"/>
+                  </a:cubicBezTo>
+                  <a:lnTo>
+                    <a:pt x="9465" y="310"/>
+                  </a:lnTo>
+                  <a:cubicBezTo>
+                    <a:pt x="9465" y="215"/>
+                    <a:pt x="9382" y="144"/>
+                    <a:pt x="9299" y="144"/>
+                  </a:cubicBezTo>
+                  <a:lnTo>
+                    <a:pt x="7739" y="144"/>
+                  </a:lnTo>
+                  <a:cubicBezTo>
+                    <a:pt x="7168" y="144"/>
+                    <a:pt x="6703" y="608"/>
+                    <a:pt x="6703" y="1168"/>
+                  </a:cubicBezTo>
+                  <a:lnTo>
+                    <a:pt x="6703" y="1191"/>
+                  </a:lnTo>
+                  <a:cubicBezTo>
+                    <a:pt x="6703" y="1322"/>
+                    <a:pt x="6739" y="1453"/>
+                    <a:pt x="6798" y="1572"/>
+                  </a:cubicBezTo>
+                  <a:lnTo>
+                    <a:pt x="6894" y="1739"/>
+                  </a:lnTo>
+                  <a:lnTo>
+                    <a:pt x="6894" y="2001"/>
+                  </a:lnTo>
+                  <a:cubicBezTo>
+                    <a:pt x="6894" y="2418"/>
+                    <a:pt x="7096" y="2799"/>
+                    <a:pt x="7406" y="3037"/>
+                  </a:cubicBezTo>
+                  <a:lnTo>
+                    <a:pt x="7406" y="3180"/>
+                  </a:lnTo>
+                  <a:cubicBezTo>
+                    <a:pt x="7406" y="3251"/>
+                    <a:pt x="7346" y="3335"/>
+                    <a:pt x="7275" y="3358"/>
+                  </a:cubicBezTo>
+                  <a:lnTo>
+                    <a:pt x="6691" y="3525"/>
+                  </a:lnTo>
+                  <a:cubicBezTo>
+                    <a:pt x="6394" y="3608"/>
+                    <a:pt x="6203" y="3882"/>
+                    <a:pt x="6203" y="4180"/>
+                  </a:cubicBezTo>
+                  <a:lnTo>
+                    <a:pt x="6203" y="4311"/>
+                  </a:lnTo>
+                  <a:lnTo>
+                    <a:pt x="6191" y="4311"/>
+                  </a:lnTo>
+                  <a:cubicBezTo>
+                    <a:pt x="6013" y="4311"/>
+                    <a:pt x="5858" y="4466"/>
+                    <a:pt x="5858" y="4644"/>
+                  </a:cubicBezTo>
+                  <a:lnTo>
+                    <a:pt x="5858" y="6025"/>
+                  </a:lnTo>
+                  <a:lnTo>
+                    <a:pt x="5858" y="6037"/>
+                  </a:lnTo>
+                  <a:lnTo>
+                    <a:pt x="5048" y="6037"/>
+                  </a:lnTo>
+                  <a:cubicBezTo>
+                    <a:pt x="5108" y="5930"/>
+                    <a:pt x="5144" y="5811"/>
+                    <a:pt x="5144" y="5680"/>
+                  </a:cubicBezTo>
+                  <a:lnTo>
+                    <a:pt x="5144" y="4180"/>
+                  </a:lnTo>
+                  <a:cubicBezTo>
+                    <a:pt x="5144" y="3882"/>
+                    <a:pt x="4941" y="3608"/>
+                    <a:pt x="4655" y="3525"/>
+                  </a:cubicBezTo>
+                  <a:lnTo>
+                    <a:pt x="4072" y="3358"/>
+                  </a:lnTo>
+                  <a:lnTo>
+                    <a:pt x="4060" y="3358"/>
+                  </a:lnTo>
+                  <a:cubicBezTo>
+                    <a:pt x="4346" y="3299"/>
+                    <a:pt x="4560" y="3239"/>
+                    <a:pt x="4703" y="3180"/>
+                  </a:cubicBezTo>
+                  <a:cubicBezTo>
+                    <a:pt x="4786" y="3156"/>
+                    <a:pt x="4846" y="3096"/>
+                    <a:pt x="4893" y="3001"/>
+                  </a:cubicBezTo>
+                  <a:cubicBezTo>
+                    <a:pt x="4941" y="2930"/>
+                    <a:pt x="4941" y="2835"/>
+                    <a:pt x="4905" y="2751"/>
+                  </a:cubicBezTo>
+                  <a:cubicBezTo>
+                    <a:pt x="4763" y="2358"/>
+                    <a:pt x="4655" y="1692"/>
+                    <a:pt x="4643" y="1370"/>
+                  </a:cubicBezTo>
+                  <a:cubicBezTo>
+                    <a:pt x="4584" y="572"/>
+                    <a:pt x="4001" y="1"/>
+                    <a:pt x="3274" y="1"/>
+                  </a:cubicBezTo>
+                  <a:close/>
+                </a:path>
+              </a:pathLst>
+            </a:custGeom>
+            <a:solidFill>
+              <a:srgbClr val="657E93"/>
+            </a:solidFill>
+            <a:ln>
+              <a:noFill/>
+            </a:ln>
+          </p:spPr>
+          <p:txBody>
+            <a:bodyPr spcFirstLastPara="1" wrap="square" lIns="91425" tIns="91425" rIns="91425" bIns="91425" anchor="ctr" anchorCtr="0">
+              <a:noAutofit/>
+            </a:bodyPr>
+            <a:lstStyle/>
+            <a:p>
+              <a:pPr marL="0" lvl="0" indent="0" algn="l" rtl="0">
+                <a:spcBef>
+                  <a:spcPts val="0"/>
+                </a:spcBef>
+                <a:spcAft>
+                  <a:spcPts val="0"/>
+                </a:spcAft>
+                <a:buNone/>
+              </a:pPr>
+              <a:endParaRPr>
+                <a:solidFill>
+                  <a:schemeClr val="accent2"/>
+                </a:solidFill>
+              </a:endParaRPr>
+            </a:p>
+          </p:txBody>
+        </p:sp>
+        <p:sp>
+          <p:nvSpPr>
+            <p:cNvPr id="8" name="Google Shape;16530;p95">
+              <a:extLst>
+                <a:ext uri="{FF2B5EF4-FFF2-40B4-BE49-F238E27FC236}">
+                  <a16:creationId xmlns:a16="http://schemas.microsoft.com/office/drawing/2014/main" id="{BD773F22-CE2F-7E1B-8AA9-82D35518965D}"/>
+                </a:ext>
+              </a:extLst>
+            </p:cNvPr>
+            <p:cNvSpPr/>
+            <p:nvPr/>
+          </p:nvSpPr>
+          <p:spPr>
+            <a:xfrm>
+              <a:off x="1611228" y="2679979"/>
+              <a:ext cx="12250" cy="12708"/>
+            </a:xfrm>
+            <a:custGeom>
+              <a:avLst/>
+              <a:gdLst/>
+              <a:ahLst/>
+              <a:cxnLst/>
+              <a:rect l="l" t="t" r="r" b="b"/>
+              <a:pathLst>
+                <a:path w="322" h="334" extrusionOk="0">
+                  <a:moveTo>
+                    <a:pt x="167" y="0"/>
+                  </a:moveTo>
+                  <a:cubicBezTo>
+                    <a:pt x="72" y="0"/>
+                    <a:pt x="0" y="83"/>
+                    <a:pt x="0" y="167"/>
+                  </a:cubicBezTo>
+                  <a:cubicBezTo>
+                    <a:pt x="0" y="262"/>
+                    <a:pt x="72" y="334"/>
+                    <a:pt x="167" y="334"/>
+                  </a:cubicBezTo>
+                  <a:cubicBezTo>
+                    <a:pt x="250" y="334"/>
+                    <a:pt x="322" y="262"/>
+                    <a:pt x="322" y="167"/>
+                  </a:cubicBezTo>
+                  <a:cubicBezTo>
+                    <a:pt x="322" y="83"/>
+                    <a:pt x="250" y="0"/>
+                    <a:pt x="167" y="0"/>
+                  </a:cubicBezTo>
+                  <a:close/>
+                </a:path>
+              </a:pathLst>
+            </a:custGeom>
+            <a:solidFill>
+              <a:srgbClr val="657E93"/>
+            </a:solidFill>
+            <a:ln>
+              <a:noFill/>
+            </a:ln>
+          </p:spPr>
+          <p:txBody>
+            <a:bodyPr spcFirstLastPara="1" wrap="square" lIns="91425" tIns="91425" rIns="91425" bIns="91425" anchor="ctr" anchorCtr="0">
+              <a:noAutofit/>
+            </a:bodyPr>
+            <a:lstStyle/>
+            <a:p>
+              <a:pPr marL="0" lvl="0" indent="0" algn="l" rtl="0">
+                <a:spcBef>
+                  <a:spcPts val="0"/>
+                </a:spcBef>
+                <a:spcAft>
+                  <a:spcPts val="0"/>
+                </a:spcAft>
+                <a:buNone/>
+              </a:pPr>
+              <a:endParaRPr>
+                <a:solidFill>
+                  <a:schemeClr val="accent2"/>
+                </a:solidFill>
+              </a:endParaRPr>
+            </a:p>
+          </p:txBody>
+        </p:sp>
+      </p:grpSp>
+      <p:pic>
+        <p:nvPicPr>
+          <p:cNvPr id="24" name="Content Placeholder 23" descr="A black squares with white circles&#10;&#10;Description automatically generated with medium confidence">
+            <a:extLst>
+              <a:ext uri="{FF2B5EF4-FFF2-40B4-BE49-F238E27FC236}">
+                <a16:creationId xmlns:a16="http://schemas.microsoft.com/office/drawing/2014/main" id="{01267404-B35F-39F5-884D-2B1893105A14}"/>
+              </a:ext>
+            </a:extLst>
+          </p:cNvPr>
+          <p:cNvPicPr>
+            <a:picLocks noGrp="1" noChangeAspect="1"/>
+          </p:cNvPicPr>
+          <p:nvPr>
+            <p:ph idx="1"/>
+          </p:nvPr>
+        </p:nvPicPr>
+        <p:blipFill>
+          <a:blip r:embed="rId2">
+            <a:extLst>
+              <a:ext uri="{28A0092B-C50C-407E-A947-70E740481C1C}">
+                <a14:useLocalDpi xmlns:a14="http://schemas.microsoft.com/office/drawing/2010/main" val="0"/>
+              </a:ext>
+            </a:extLst>
+          </a:blip>
+          <a:stretch>
+            <a:fillRect/>
+          </a:stretch>
+        </p:blipFill>
+        <p:spPr>
+          <a:xfrm>
+            <a:off x="1743075" y="1804511"/>
+            <a:ext cx="8705850" cy="4491113"/>
+          </a:xfrm>
+          <a:prstGeom prst="rect">
+            <a:avLst/>
+          </a:prstGeom>
+          <a:ln w="38100" cap="sq">
+            <a:solidFill>
+              <a:srgbClr val="000000"/>
+            </a:solidFill>
+            <a:prstDash val="solid"/>
+            <a:miter lim="800000"/>
+          </a:ln>
+          <a:effectLst>
+            <a:outerShdw blurRad="50800" dist="38100" dir="2700000" algn="tl" rotWithShape="0">
+              <a:srgbClr val="000000">
+                <a:alpha val="43000"/>
+              </a:srgbClr>
+            </a:outerShdw>
+          </a:effectLst>
+        </p:spPr>
+      </p:pic>
+    </p:spTree>
+    <p:extLst>
+      <p:ext uri="{BB962C8B-B14F-4D97-AF65-F5344CB8AC3E}">
+        <p14:creationId xmlns:p14="http://schemas.microsoft.com/office/powerpoint/2010/main" val="3884930515"/>
+      </p:ext>
+    </p:extLst>
+  </p:cSld>
+  <p:clrMapOvr>
+    <a:masterClrMapping/>
+  </p:clrMapOvr>
+</p:sld>
+</file>
+
+<file path=ppt/slides/slide11.xml><?xml version="1.0" encoding="utf-8"?>
+<p:sld xmlns:a="http://schemas.openxmlformats.org/drawingml/2006/main" xmlns:r="http://schemas.openxmlformats.org/officeDocument/2006/relationships" xmlns:p="http://schemas.openxmlformats.org/presentationml/2006/main">
+  <p:cSld>
+    <p:spTree>
+      <p:nvGrpSpPr>
+        <p:cNvPr id="1" name=""/>
+        <p:cNvGrpSpPr/>
+        <p:nvPr/>
+      </p:nvGrpSpPr>
+      <p:grpSpPr>
+        <a:xfrm>
+          <a:off x="0" y="0"/>
+          <a:ext cx="0" cy="0"/>
+          <a:chOff x="0" y="0"/>
+          <a:chExt cx="0" cy="0"/>
+        </a:xfrm>
+      </p:grpSpPr>
+      <p:sp>
+        <p:nvSpPr>
+          <p:cNvPr id="2" name="Title 1">
+            <a:extLst>
+              <a:ext uri="{FF2B5EF4-FFF2-40B4-BE49-F238E27FC236}">
+                <a16:creationId xmlns:a16="http://schemas.microsoft.com/office/drawing/2014/main" id="{FBB17739-EDA8-0BBF-2BBE-DD328C51C51D}"/>
+              </a:ext>
+            </a:extLst>
+          </p:cNvPr>
+          <p:cNvSpPr>
+            <a:spLocks noGrp="1"/>
+          </p:cNvSpPr>
+          <p:nvPr>
+            <p:ph type="title"/>
+          </p:nvPr>
+        </p:nvSpPr>
+        <p:spPr/>
+        <p:txBody>
+          <a:bodyPr/>
+          <a:lstStyle/>
+          <a:p>
+            <a:r>
+              <a:rPr lang="en-US" dirty="0"/>
+              <a:t>Results</a:t>
+            </a:r>
+            <a:endParaRPr lang="en-IL" dirty="0"/>
+          </a:p>
+        </p:txBody>
+      </p:sp>
+      <p:pic>
+        <p:nvPicPr>
+          <p:cNvPr id="9" name="GT.mp4">
+            <a:hlinkClick r:id="" action="ppaction://media"/>
+            <a:extLst>
+              <a:ext uri="{FF2B5EF4-FFF2-40B4-BE49-F238E27FC236}">
+                <a16:creationId xmlns:a16="http://schemas.microsoft.com/office/drawing/2014/main" id="{07590EA9-D1FD-3F79-303E-3BE0CB53087D}"/>
+              </a:ext>
+            </a:extLst>
+          </p:cNvPr>
+          <p:cNvPicPr>
+            <a:picLocks noGrp="1" noChangeAspect="1"/>
+          </p:cNvPicPr>
+          <p:nvPr>
+            <p:ph idx="1"/>
+            <a:videoFile r:link="rId2"/>
+            <p:extLst>
+              <p:ext uri="{DAA4B4D4-6D71-4841-9C94-3DE7FCFB9230}">
+                <p14:media xmlns:p14="http://schemas.microsoft.com/office/powerpoint/2010/main" r:embed="rId1"/>
+              </p:ext>
+            </p:extLst>
+          </p:nvPr>
+        </p:nvPicPr>
+        <p:blipFill>
+          <a:blip r:embed="rId8"/>
+          <a:stretch>
+            <a:fillRect/>
+          </a:stretch>
+        </p:blipFill>
+        <p:spPr>
+          <a:xfrm>
+            <a:off x="4376889" y="2927692"/>
+            <a:ext cx="3438221" cy="2750799"/>
+          </a:xfrm>
+          <a:prstGeom prst="rect">
+            <a:avLst/>
+          </a:prstGeom>
+          <a:solidFill>
+            <a:srgbClr val="FFFFFF">
+              <a:shade val="85000"/>
+            </a:srgbClr>
+          </a:solidFill>
+          <a:ln w="88900" cap="sq">
+            <a:solidFill>
+              <a:srgbClr val="FFFFFF"/>
+            </a:solidFill>
+            <a:prstDash val="solid"/>
+            <a:miter lim="800000"/>
+          </a:ln>
+          <a:effectLst>
+            <a:outerShdw blurRad="55000" dist="18000" dir="5400000" algn="tl" rotWithShape="0">
+              <a:srgbClr val="000000">
+                <a:alpha val="40000"/>
+              </a:srgbClr>
+            </a:outerShdw>
+          </a:effectLst>
+          <a:scene3d>
+            <a:camera prst="orthographicFront"/>
+            <a:lightRig rig="twoPt" dir="t">
+              <a:rot lat="0" lon="0" rev="7200000"/>
+            </a:lightRig>
+          </a:scene3d>
+          <a:sp3d>
+            <a:bevelT w="25400" h="19050"/>
+            <a:contourClr>
+              <a:srgbClr val="FFFFFF"/>
+            </a:contourClr>
+          </a:sp3d>
+        </p:spPr>
+      </p:pic>
+      <p:sp>
+        <p:nvSpPr>
+          <p:cNvPr id="4" name="Google Shape;348;p47">
+            <a:extLst>
+              <a:ext uri="{FF2B5EF4-FFF2-40B4-BE49-F238E27FC236}">
+                <a16:creationId xmlns:a16="http://schemas.microsoft.com/office/drawing/2014/main" id="{DB4B58AA-CB6F-C0F0-4724-E92868B9FD0E}"/>
+              </a:ext>
+            </a:extLst>
+          </p:cNvPr>
+          <p:cNvSpPr txBox="1">
+            <a:spLocks/>
+          </p:cNvSpPr>
+          <p:nvPr/>
+        </p:nvSpPr>
+        <p:spPr>
+          <a:xfrm>
+            <a:off x="-1" y="0"/>
+            <a:ext cx="2363639" cy="488437"/>
+          </a:xfrm>
+          <a:prstGeom prst="rect">
+            <a:avLst/>
+          </a:prstGeom>
+          <a:noFill/>
+          <a:ln>
+            <a:noFill/>
+          </a:ln>
+        </p:spPr>
+        <p:txBody>
+          <a:bodyPr spcFirstLastPara="1" wrap="square" lIns="91425" tIns="91425" rIns="91425" bIns="91425" anchor="t" anchorCtr="0">
+            <a:noAutofit/>
+          </a:bodyPr>
+          <a:lstStyle>
+            <a:defPPr marR="0" lvl="0" algn="l" rtl="0">
+              <a:lnSpc>
+                <a:spcPct val="100000"/>
+              </a:lnSpc>
+              <a:spcBef>
+                <a:spcPts val="0"/>
+              </a:spcBef>
+              <a:spcAft>
+                <a:spcPts val="0"/>
+              </a:spcAft>
+            </a:defPPr>
+            <a:lvl1pPr marR="0" lvl="0" algn="ctr" rtl="0">
+              <a:lnSpc>
+                <a:spcPct val="100000"/>
+              </a:lnSpc>
+              <a:spcBef>
+                <a:spcPts val="0"/>
+              </a:spcBef>
+              <a:spcAft>
+                <a:spcPts val="0"/>
+              </a:spcAft>
+              <a:buClr>
+                <a:schemeClr val="dk1"/>
+              </a:buClr>
+              <a:buSzPts val="3100"/>
+              <a:buFont typeface="Golos Text"/>
+              <a:buNone/>
+              <a:defRPr sz="3100" b="0" i="0" u="none" strike="noStrike" cap="none">
+                <a:solidFill>
+                  <a:schemeClr val="dk1"/>
+                </a:solidFill>
+                <a:latin typeface="Golos Text"/>
+                <a:ea typeface="Golos Text"/>
+                <a:cs typeface="Golos Text"/>
+                <a:sym typeface="Golos Text"/>
+              </a:defRPr>
+            </a:lvl1pPr>
+            <a:lvl2pPr marR="0" lvl="1" algn="ctr" rtl="0">
+              <a:lnSpc>
+                <a:spcPct val="100000"/>
+              </a:lnSpc>
+              <a:spcBef>
+                <a:spcPts val="0"/>
+              </a:spcBef>
+              <a:spcAft>
+                <a:spcPts val="0"/>
+              </a:spcAft>
+              <a:buClr>
+                <a:schemeClr val="dk1"/>
+              </a:buClr>
+              <a:buSzPts val="3100"/>
+              <a:buFont typeface="Golos Text"/>
+              <a:buNone/>
+              <a:defRPr sz="3100" b="0" i="0" u="none" strike="noStrike" cap="none">
+                <a:solidFill>
+                  <a:schemeClr val="dk1"/>
+                </a:solidFill>
+                <a:latin typeface="Golos Text"/>
+                <a:ea typeface="Golos Text"/>
+                <a:cs typeface="Golos Text"/>
+                <a:sym typeface="Golos Text"/>
+              </a:defRPr>
+            </a:lvl2pPr>
+            <a:lvl3pPr marR="0" lvl="2" algn="ctr" rtl="0">
+              <a:lnSpc>
+                <a:spcPct val="100000"/>
+              </a:lnSpc>
+              <a:spcBef>
+                <a:spcPts val="0"/>
+              </a:spcBef>
+              <a:spcAft>
+                <a:spcPts val="0"/>
+              </a:spcAft>
+              <a:buClr>
+                <a:schemeClr val="dk1"/>
+              </a:buClr>
+              <a:buSzPts val="3100"/>
+              <a:buFont typeface="Golos Text"/>
+              <a:buNone/>
+              <a:defRPr sz="3100" b="0" i="0" u="none" strike="noStrike" cap="none">
+                <a:solidFill>
+                  <a:schemeClr val="dk1"/>
+                </a:solidFill>
+                <a:latin typeface="Golos Text"/>
+                <a:ea typeface="Golos Text"/>
+                <a:cs typeface="Golos Text"/>
+                <a:sym typeface="Golos Text"/>
+              </a:defRPr>
+            </a:lvl3pPr>
+            <a:lvl4pPr marR="0" lvl="3" algn="ctr" rtl="0">
+              <a:lnSpc>
+                <a:spcPct val="100000"/>
+              </a:lnSpc>
+              <a:spcBef>
+                <a:spcPts val="0"/>
+              </a:spcBef>
+              <a:spcAft>
+                <a:spcPts val="0"/>
+              </a:spcAft>
+              <a:buClr>
+                <a:schemeClr val="dk1"/>
+              </a:buClr>
+              <a:buSzPts val="3100"/>
+              <a:buFont typeface="Golos Text"/>
+              <a:buNone/>
+              <a:defRPr sz="3100" b="0" i="0" u="none" strike="noStrike" cap="none">
+                <a:solidFill>
+                  <a:schemeClr val="dk1"/>
+                </a:solidFill>
+                <a:latin typeface="Golos Text"/>
+                <a:ea typeface="Golos Text"/>
+                <a:cs typeface="Golos Text"/>
+                <a:sym typeface="Golos Text"/>
+              </a:defRPr>
+            </a:lvl4pPr>
+            <a:lvl5pPr marR="0" lvl="4" algn="ctr" rtl="0">
+              <a:lnSpc>
+                <a:spcPct val="100000"/>
+              </a:lnSpc>
+              <a:spcBef>
+                <a:spcPts val="0"/>
+              </a:spcBef>
+              <a:spcAft>
+                <a:spcPts val="0"/>
+              </a:spcAft>
+              <a:buClr>
+                <a:schemeClr val="dk1"/>
+              </a:buClr>
+              <a:buSzPts val="3100"/>
+              <a:buFont typeface="Golos Text"/>
+              <a:buNone/>
+              <a:defRPr sz="3100" b="0" i="0" u="none" strike="noStrike" cap="none">
+                <a:solidFill>
+                  <a:schemeClr val="dk1"/>
+                </a:solidFill>
+                <a:latin typeface="Golos Text"/>
+                <a:ea typeface="Golos Text"/>
+                <a:cs typeface="Golos Text"/>
+                <a:sym typeface="Golos Text"/>
+              </a:defRPr>
+            </a:lvl5pPr>
+            <a:lvl6pPr marR="0" lvl="5" algn="ctr" rtl="0">
+              <a:lnSpc>
+                <a:spcPct val="100000"/>
+              </a:lnSpc>
+              <a:spcBef>
+                <a:spcPts val="0"/>
+              </a:spcBef>
+              <a:spcAft>
+                <a:spcPts val="0"/>
+              </a:spcAft>
+              <a:buClr>
+                <a:schemeClr val="dk1"/>
+              </a:buClr>
+              <a:buSzPts val="3100"/>
+              <a:buFont typeface="Golos Text"/>
+              <a:buNone/>
+              <a:defRPr sz="3100" b="0" i="0" u="none" strike="noStrike" cap="none">
+                <a:solidFill>
+                  <a:schemeClr val="dk1"/>
+                </a:solidFill>
+                <a:latin typeface="Golos Text"/>
+                <a:ea typeface="Golos Text"/>
+                <a:cs typeface="Golos Text"/>
+                <a:sym typeface="Golos Text"/>
+              </a:defRPr>
+            </a:lvl6pPr>
+            <a:lvl7pPr marR="0" lvl="6" algn="ctr" rtl="0">
+              <a:lnSpc>
+                <a:spcPct val="100000"/>
+              </a:lnSpc>
+              <a:spcBef>
+                <a:spcPts val="0"/>
+              </a:spcBef>
+              <a:spcAft>
+                <a:spcPts val="0"/>
+              </a:spcAft>
+              <a:buClr>
+                <a:schemeClr val="dk1"/>
+              </a:buClr>
+              <a:buSzPts val="3100"/>
+              <a:buFont typeface="Golos Text"/>
+              <a:buNone/>
+              <a:defRPr sz="3100" b="0" i="0" u="none" strike="noStrike" cap="none">
+                <a:solidFill>
+                  <a:schemeClr val="dk1"/>
+                </a:solidFill>
+                <a:latin typeface="Golos Text"/>
+                <a:ea typeface="Golos Text"/>
+                <a:cs typeface="Golos Text"/>
+                <a:sym typeface="Golos Text"/>
+              </a:defRPr>
+            </a:lvl7pPr>
+            <a:lvl8pPr marR="0" lvl="7" algn="ctr" rtl="0">
+              <a:lnSpc>
+                <a:spcPct val="100000"/>
+              </a:lnSpc>
+              <a:spcBef>
+                <a:spcPts val="0"/>
+              </a:spcBef>
+              <a:spcAft>
+                <a:spcPts val="0"/>
+              </a:spcAft>
+              <a:buClr>
+                <a:schemeClr val="dk1"/>
+              </a:buClr>
+              <a:buSzPts val="3100"/>
+              <a:buFont typeface="Golos Text"/>
+              <a:buNone/>
+              <a:defRPr sz="3100" b="0" i="0" u="none" strike="noStrike" cap="none">
+                <a:solidFill>
+                  <a:schemeClr val="dk1"/>
+                </a:solidFill>
+                <a:latin typeface="Golos Text"/>
+                <a:ea typeface="Golos Text"/>
+                <a:cs typeface="Golos Text"/>
+                <a:sym typeface="Golos Text"/>
+              </a:defRPr>
+            </a:lvl8pPr>
+            <a:lvl9pPr marR="0" lvl="8" algn="ctr" rtl="0">
+              <a:lnSpc>
+                <a:spcPct val="100000"/>
+              </a:lnSpc>
+              <a:spcBef>
+                <a:spcPts val="0"/>
+              </a:spcBef>
+              <a:spcAft>
+                <a:spcPts val="0"/>
+              </a:spcAft>
+              <a:buClr>
+                <a:schemeClr val="dk1"/>
+              </a:buClr>
+              <a:buSzPts val="3100"/>
+              <a:buFont typeface="Golos Text"/>
+              <a:buNone/>
+              <a:defRPr sz="3100" b="0" i="0" u="none" strike="noStrike" cap="none">
+                <a:solidFill>
+                  <a:schemeClr val="dk1"/>
+                </a:solidFill>
+                <a:latin typeface="Golos Text"/>
+                <a:ea typeface="Golos Text"/>
+                <a:cs typeface="Golos Text"/>
+                <a:sym typeface="Golos Text"/>
+              </a:defRPr>
+            </a:lvl9pPr>
+          </a:lstStyle>
+          <a:p>
+            <a:r>
+              <a:rPr lang="en-US" sz="2400" dirty="0">
+                <a:solidFill>
+                  <a:schemeClr val="tx1"/>
+                </a:solidFill>
+              </a:rPr>
+              <a:t>Our Work So far</a:t>
+            </a:r>
+          </a:p>
+          <a:p>
+            <a:endParaRPr lang="en-US" sz="2400" dirty="0">
+              <a:solidFill>
+                <a:schemeClr val="accent2"/>
+              </a:solidFill>
+            </a:endParaRPr>
+          </a:p>
+        </p:txBody>
+      </p:sp>
+      <p:grpSp>
+        <p:nvGrpSpPr>
+          <p:cNvPr id="5" name="Google Shape;16527;p95">
+            <a:extLst>
+              <a:ext uri="{FF2B5EF4-FFF2-40B4-BE49-F238E27FC236}">
+                <a16:creationId xmlns:a16="http://schemas.microsoft.com/office/drawing/2014/main" id="{4752F03D-3D59-EDD4-1EDF-103EBF40E5C6}"/>
+              </a:ext>
+            </a:extLst>
+          </p:cNvPr>
+          <p:cNvGrpSpPr/>
+          <p:nvPr/>
+        </p:nvGrpSpPr>
+        <p:grpSpPr>
+          <a:xfrm>
+            <a:off x="2303253" y="87486"/>
+            <a:ext cx="664234" cy="418204"/>
+            <a:chOff x="1341727" y="2483349"/>
+            <a:chExt cx="419913" cy="308109"/>
+          </a:xfrm>
+        </p:grpSpPr>
+        <p:sp>
+          <p:nvSpPr>
+            <p:cNvPr id="6" name="Google Shape;16528;p95">
+              <a:extLst>
+                <a:ext uri="{FF2B5EF4-FFF2-40B4-BE49-F238E27FC236}">
+                  <a16:creationId xmlns:a16="http://schemas.microsoft.com/office/drawing/2014/main" id="{2608EC1E-CF34-1B32-5C9F-E9F6FCBF6CB4}"/>
+                </a:ext>
+              </a:extLst>
+            </p:cNvPr>
+            <p:cNvSpPr/>
+            <p:nvPr/>
+          </p:nvSpPr>
+          <p:spPr>
+            <a:xfrm>
+              <a:off x="1623896" y="2522310"/>
+              <a:ext cx="53488" cy="18605"/>
+            </a:xfrm>
+            <a:custGeom>
+              <a:avLst/>
+              <a:gdLst/>
+              <a:ahLst/>
+              <a:cxnLst/>
+              <a:rect l="l" t="t" r="r" b="b"/>
+              <a:pathLst>
+                <a:path w="1406" h="489" extrusionOk="0">
+                  <a:moveTo>
+                    <a:pt x="167" y="1"/>
+                  </a:moveTo>
+                  <a:cubicBezTo>
+                    <a:pt x="84" y="1"/>
+                    <a:pt x="1" y="72"/>
+                    <a:pt x="1" y="167"/>
+                  </a:cubicBezTo>
+                  <a:cubicBezTo>
+                    <a:pt x="1" y="251"/>
+                    <a:pt x="84" y="322"/>
+                    <a:pt x="167" y="322"/>
+                  </a:cubicBezTo>
+                  <a:cubicBezTo>
+                    <a:pt x="346" y="322"/>
+                    <a:pt x="882" y="358"/>
+                    <a:pt x="1144" y="477"/>
+                  </a:cubicBezTo>
+                  <a:cubicBezTo>
+                    <a:pt x="1167" y="489"/>
+                    <a:pt x="1179" y="489"/>
+                    <a:pt x="1215" y="489"/>
+                  </a:cubicBezTo>
+                  <a:cubicBezTo>
+                    <a:pt x="1275" y="489"/>
+                    <a:pt x="1334" y="465"/>
+                    <a:pt x="1358" y="406"/>
+                  </a:cubicBezTo>
+                  <a:cubicBezTo>
+                    <a:pt x="1406" y="346"/>
+                    <a:pt x="1358" y="239"/>
+                    <a:pt x="1286" y="191"/>
+                  </a:cubicBezTo>
+                  <a:cubicBezTo>
+                    <a:pt x="917" y="1"/>
+                    <a:pt x="203" y="1"/>
+                    <a:pt x="167" y="1"/>
+                  </a:cubicBezTo>
+                  <a:close/>
+                </a:path>
+              </a:pathLst>
+            </a:custGeom>
+            <a:solidFill>
+              <a:srgbClr val="657E93"/>
+            </a:solidFill>
+            <a:ln>
+              <a:noFill/>
+            </a:ln>
+          </p:spPr>
+          <p:txBody>
+            <a:bodyPr spcFirstLastPara="1" wrap="square" lIns="91425" tIns="91425" rIns="91425" bIns="91425" anchor="ctr" anchorCtr="0">
+              <a:noAutofit/>
+            </a:bodyPr>
+            <a:lstStyle/>
+            <a:p>
+              <a:pPr marL="0" lvl="0" indent="0" algn="l" rtl="0">
+                <a:spcBef>
+                  <a:spcPts val="0"/>
+                </a:spcBef>
+                <a:spcAft>
+                  <a:spcPts val="0"/>
+                </a:spcAft>
+                <a:buNone/>
+              </a:pPr>
+              <a:endParaRPr>
+                <a:solidFill>
+                  <a:schemeClr val="accent2"/>
+                </a:solidFill>
+              </a:endParaRPr>
+            </a:p>
+          </p:txBody>
+        </p:sp>
+        <p:sp>
+          <p:nvSpPr>
+            <p:cNvPr id="7" name="Google Shape;16529;p95">
+              <a:extLst>
+                <a:ext uri="{FF2B5EF4-FFF2-40B4-BE49-F238E27FC236}">
+                  <a16:creationId xmlns:a16="http://schemas.microsoft.com/office/drawing/2014/main" id="{A24D5EAA-27CE-050F-F478-1E90FDFE9227}"/>
+                </a:ext>
+              </a:extLst>
+            </p:cNvPr>
+            <p:cNvSpPr/>
+            <p:nvPr/>
+          </p:nvSpPr>
+          <p:spPr>
+            <a:xfrm>
+              <a:off x="1341727" y="2483349"/>
+              <a:ext cx="419913" cy="308109"/>
+            </a:xfrm>
+            <a:custGeom>
+              <a:avLst/>
+              <a:gdLst/>
+              <a:ahLst/>
+              <a:cxnLst/>
+              <a:rect l="l" t="t" r="r" b="b"/>
+              <a:pathLst>
+                <a:path w="11038" h="8098" extrusionOk="0">
+                  <a:moveTo>
+                    <a:pt x="9156" y="501"/>
+                  </a:moveTo>
+                  <a:lnTo>
+                    <a:pt x="9156" y="1168"/>
+                  </a:lnTo>
+                  <a:cubicBezTo>
+                    <a:pt x="9156" y="1275"/>
+                    <a:pt x="9120" y="1394"/>
+                    <a:pt x="9073" y="1489"/>
+                  </a:cubicBezTo>
+                  <a:lnTo>
+                    <a:pt x="9001" y="1644"/>
+                  </a:lnTo>
+                  <a:cubicBezTo>
+                    <a:pt x="8989" y="1680"/>
+                    <a:pt x="8989" y="1692"/>
+                    <a:pt x="8989" y="1727"/>
+                  </a:cubicBezTo>
+                  <a:lnTo>
+                    <a:pt x="8989" y="2061"/>
+                  </a:lnTo>
+                  <a:cubicBezTo>
+                    <a:pt x="8989" y="2299"/>
+                    <a:pt x="8894" y="2525"/>
+                    <a:pt x="8715" y="2692"/>
+                  </a:cubicBezTo>
+                  <a:cubicBezTo>
+                    <a:pt x="8537" y="2858"/>
+                    <a:pt x="8311" y="2942"/>
+                    <a:pt x="8072" y="2942"/>
+                  </a:cubicBezTo>
+                  <a:cubicBezTo>
+                    <a:pt x="7620" y="2918"/>
+                    <a:pt x="7227" y="2513"/>
+                    <a:pt x="7227" y="2025"/>
+                  </a:cubicBezTo>
+                  <a:lnTo>
+                    <a:pt x="7227" y="1727"/>
+                  </a:lnTo>
+                  <a:cubicBezTo>
+                    <a:pt x="7227" y="1692"/>
+                    <a:pt x="7227" y="1680"/>
+                    <a:pt x="7215" y="1644"/>
+                  </a:cubicBezTo>
+                  <a:lnTo>
+                    <a:pt x="7108" y="1453"/>
+                  </a:lnTo>
+                  <a:cubicBezTo>
+                    <a:pt x="7084" y="1382"/>
+                    <a:pt x="7049" y="1311"/>
+                    <a:pt x="7049" y="1215"/>
+                  </a:cubicBezTo>
+                  <a:lnTo>
+                    <a:pt x="7049" y="1203"/>
+                  </a:lnTo>
+                  <a:cubicBezTo>
+                    <a:pt x="7049" y="810"/>
+                    <a:pt x="7370" y="501"/>
+                    <a:pt x="7751" y="501"/>
+                  </a:cubicBezTo>
+                  <a:close/>
+                  <a:moveTo>
+                    <a:pt x="3274" y="322"/>
+                  </a:moveTo>
+                  <a:cubicBezTo>
+                    <a:pt x="3548" y="322"/>
+                    <a:pt x="3786" y="429"/>
+                    <a:pt x="3989" y="632"/>
+                  </a:cubicBezTo>
+                  <a:cubicBezTo>
+                    <a:pt x="4179" y="834"/>
+                    <a:pt x="4298" y="1108"/>
+                    <a:pt x="4310" y="1394"/>
+                  </a:cubicBezTo>
+                  <a:cubicBezTo>
+                    <a:pt x="4346" y="1739"/>
+                    <a:pt x="4441" y="2442"/>
+                    <a:pt x="4608" y="2858"/>
+                  </a:cubicBezTo>
+                  <a:cubicBezTo>
+                    <a:pt x="4358" y="2942"/>
+                    <a:pt x="3870" y="3096"/>
+                    <a:pt x="3274" y="3096"/>
+                  </a:cubicBezTo>
+                  <a:cubicBezTo>
+                    <a:pt x="3253" y="3097"/>
+                    <a:pt x="3232" y="3097"/>
+                    <a:pt x="3210" y="3097"/>
+                  </a:cubicBezTo>
+                  <a:cubicBezTo>
+                    <a:pt x="2654" y="3097"/>
+                    <a:pt x="2182" y="2951"/>
+                    <a:pt x="1953" y="2870"/>
+                  </a:cubicBezTo>
+                  <a:cubicBezTo>
+                    <a:pt x="2096" y="2442"/>
+                    <a:pt x="2215" y="1739"/>
+                    <a:pt x="2226" y="1394"/>
+                  </a:cubicBezTo>
+                  <a:cubicBezTo>
+                    <a:pt x="2250" y="1096"/>
+                    <a:pt x="2357" y="834"/>
+                    <a:pt x="2560" y="632"/>
+                  </a:cubicBezTo>
+                  <a:cubicBezTo>
+                    <a:pt x="2750" y="429"/>
+                    <a:pt x="3000" y="322"/>
+                    <a:pt x="3274" y="322"/>
+                  </a:cubicBezTo>
+                  <a:close/>
+                  <a:moveTo>
+                    <a:pt x="7751" y="3192"/>
+                  </a:moveTo>
+                  <a:cubicBezTo>
+                    <a:pt x="7858" y="3227"/>
+                    <a:pt x="7965" y="3251"/>
+                    <a:pt x="8084" y="3251"/>
+                  </a:cubicBezTo>
+                  <a:lnTo>
+                    <a:pt x="8120" y="3251"/>
+                  </a:lnTo>
+                  <a:cubicBezTo>
+                    <a:pt x="8239" y="3251"/>
+                    <a:pt x="8358" y="3239"/>
+                    <a:pt x="8477" y="3192"/>
+                  </a:cubicBezTo>
+                  <a:lnTo>
+                    <a:pt x="8477" y="3192"/>
+                  </a:lnTo>
+                  <a:cubicBezTo>
+                    <a:pt x="8465" y="3251"/>
+                    <a:pt x="8477" y="3299"/>
+                    <a:pt x="8501" y="3346"/>
+                  </a:cubicBezTo>
+                  <a:lnTo>
+                    <a:pt x="8358" y="3477"/>
+                  </a:lnTo>
+                  <a:cubicBezTo>
+                    <a:pt x="8287" y="3549"/>
+                    <a:pt x="8203" y="3585"/>
+                    <a:pt x="8108" y="3585"/>
+                  </a:cubicBezTo>
+                  <a:cubicBezTo>
+                    <a:pt x="8025" y="3585"/>
+                    <a:pt x="7930" y="3549"/>
+                    <a:pt x="7858" y="3477"/>
+                  </a:cubicBezTo>
+                  <a:lnTo>
+                    <a:pt x="7727" y="3346"/>
+                  </a:lnTo>
+                  <a:cubicBezTo>
+                    <a:pt x="7739" y="3299"/>
+                    <a:pt x="7751" y="3251"/>
+                    <a:pt x="7751" y="3192"/>
+                  </a:cubicBezTo>
+                  <a:close/>
+                  <a:moveTo>
+                    <a:pt x="3691" y="3418"/>
+                  </a:moveTo>
+                  <a:cubicBezTo>
+                    <a:pt x="3750" y="3537"/>
+                    <a:pt x="3870" y="3644"/>
+                    <a:pt x="4001" y="3668"/>
+                  </a:cubicBezTo>
+                  <a:lnTo>
+                    <a:pt x="4584" y="3835"/>
+                  </a:lnTo>
+                  <a:cubicBezTo>
+                    <a:pt x="4727" y="3882"/>
+                    <a:pt x="4834" y="4013"/>
+                    <a:pt x="4834" y="4180"/>
+                  </a:cubicBezTo>
+                  <a:lnTo>
+                    <a:pt x="4834" y="5680"/>
+                  </a:lnTo>
+                  <a:cubicBezTo>
+                    <a:pt x="4834" y="5871"/>
+                    <a:pt x="4667" y="6037"/>
+                    <a:pt x="4477" y="6037"/>
+                  </a:cubicBezTo>
+                  <a:lnTo>
+                    <a:pt x="4477" y="4811"/>
+                  </a:lnTo>
+                  <a:cubicBezTo>
+                    <a:pt x="4477" y="4549"/>
+                    <a:pt x="4239" y="4311"/>
+                    <a:pt x="3977" y="4311"/>
+                  </a:cubicBezTo>
+                  <a:lnTo>
+                    <a:pt x="2584" y="4311"/>
+                  </a:lnTo>
+                  <a:cubicBezTo>
+                    <a:pt x="2310" y="4311"/>
+                    <a:pt x="2084" y="4537"/>
+                    <a:pt x="2084" y="4811"/>
+                  </a:cubicBezTo>
+                  <a:lnTo>
+                    <a:pt x="2084" y="6037"/>
+                  </a:lnTo>
+                  <a:lnTo>
+                    <a:pt x="2072" y="6037"/>
+                  </a:lnTo>
+                  <a:cubicBezTo>
+                    <a:pt x="1869" y="6037"/>
+                    <a:pt x="1715" y="5871"/>
+                    <a:pt x="1715" y="5680"/>
+                  </a:cubicBezTo>
+                  <a:lnTo>
+                    <a:pt x="1715" y="4180"/>
+                  </a:lnTo>
+                  <a:cubicBezTo>
+                    <a:pt x="1715" y="4013"/>
+                    <a:pt x="1810" y="3882"/>
+                    <a:pt x="1965" y="3835"/>
+                  </a:cubicBezTo>
+                  <a:lnTo>
+                    <a:pt x="2548" y="3668"/>
+                  </a:lnTo>
+                  <a:cubicBezTo>
+                    <a:pt x="2679" y="3620"/>
+                    <a:pt x="2798" y="3537"/>
+                    <a:pt x="2858" y="3418"/>
+                  </a:cubicBezTo>
+                  <a:cubicBezTo>
+                    <a:pt x="2988" y="3430"/>
+                    <a:pt x="3119" y="3430"/>
+                    <a:pt x="3274" y="3430"/>
+                  </a:cubicBezTo>
+                  <a:cubicBezTo>
+                    <a:pt x="3417" y="3430"/>
+                    <a:pt x="3560" y="3418"/>
+                    <a:pt x="3691" y="3418"/>
+                  </a:cubicBezTo>
+                  <a:close/>
+                  <a:moveTo>
+                    <a:pt x="8668" y="3608"/>
+                  </a:moveTo>
+                  <a:cubicBezTo>
+                    <a:pt x="8715" y="3644"/>
+                    <a:pt x="8763" y="3656"/>
+                    <a:pt x="8811" y="3668"/>
+                  </a:cubicBezTo>
+                  <a:lnTo>
+                    <a:pt x="9382" y="3835"/>
+                  </a:lnTo>
+                  <a:cubicBezTo>
+                    <a:pt x="9537" y="3882"/>
+                    <a:pt x="9644" y="4013"/>
+                    <a:pt x="9644" y="4180"/>
+                  </a:cubicBezTo>
+                  <a:lnTo>
+                    <a:pt x="9644" y="5680"/>
+                  </a:lnTo>
+                  <a:cubicBezTo>
+                    <a:pt x="9644" y="5871"/>
+                    <a:pt x="9477" y="6037"/>
+                    <a:pt x="9287" y="6037"/>
+                  </a:cubicBezTo>
+                  <a:lnTo>
+                    <a:pt x="8584" y="6037"/>
+                  </a:lnTo>
+                  <a:lnTo>
+                    <a:pt x="8584" y="6025"/>
+                  </a:lnTo>
+                  <a:lnTo>
+                    <a:pt x="8584" y="5668"/>
+                  </a:lnTo>
+                  <a:lnTo>
+                    <a:pt x="9120" y="5668"/>
+                  </a:lnTo>
+                  <a:cubicBezTo>
+                    <a:pt x="9204" y="5668"/>
+                    <a:pt x="9287" y="5597"/>
+                    <a:pt x="9287" y="5502"/>
+                  </a:cubicBezTo>
+                  <a:lnTo>
+                    <a:pt x="9287" y="4466"/>
+                  </a:lnTo>
+                  <a:cubicBezTo>
+                    <a:pt x="9287" y="4370"/>
+                    <a:pt x="9204" y="4299"/>
+                    <a:pt x="9120" y="4299"/>
+                  </a:cubicBezTo>
+                  <a:cubicBezTo>
+                    <a:pt x="9025" y="4299"/>
+                    <a:pt x="8954" y="4370"/>
+                    <a:pt x="8954" y="4466"/>
+                  </a:cubicBezTo>
+                  <a:lnTo>
+                    <a:pt x="8954" y="5335"/>
+                  </a:lnTo>
+                  <a:lnTo>
+                    <a:pt x="8584" y="5335"/>
+                  </a:lnTo>
+                  <a:lnTo>
+                    <a:pt x="8584" y="4644"/>
+                  </a:lnTo>
+                  <a:cubicBezTo>
+                    <a:pt x="8584" y="4466"/>
+                    <a:pt x="8430" y="4311"/>
+                    <a:pt x="8251" y="4311"/>
+                  </a:cubicBezTo>
+                  <a:lnTo>
+                    <a:pt x="6513" y="4311"/>
+                  </a:lnTo>
+                  <a:lnTo>
+                    <a:pt x="6513" y="4180"/>
+                  </a:lnTo>
+                  <a:lnTo>
+                    <a:pt x="6548" y="4180"/>
+                  </a:lnTo>
+                  <a:cubicBezTo>
+                    <a:pt x="6548" y="4013"/>
+                    <a:pt x="6644" y="3882"/>
+                    <a:pt x="6798" y="3835"/>
+                  </a:cubicBezTo>
+                  <a:lnTo>
+                    <a:pt x="7382" y="3668"/>
+                  </a:lnTo>
+                  <a:cubicBezTo>
+                    <a:pt x="7418" y="3656"/>
+                    <a:pt x="7477" y="3644"/>
+                    <a:pt x="7513" y="3608"/>
+                  </a:cubicBezTo>
+                  <a:lnTo>
+                    <a:pt x="7620" y="3716"/>
+                  </a:lnTo>
+                  <a:cubicBezTo>
+                    <a:pt x="7751" y="3847"/>
+                    <a:pt x="7918" y="3906"/>
+                    <a:pt x="8096" y="3906"/>
+                  </a:cubicBezTo>
+                  <a:cubicBezTo>
+                    <a:pt x="8275" y="3906"/>
+                    <a:pt x="8453" y="3835"/>
+                    <a:pt x="8573" y="3716"/>
+                  </a:cubicBezTo>
+                  <a:lnTo>
+                    <a:pt x="8668" y="3608"/>
+                  </a:lnTo>
+                  <a:close/>
+                  <a:moveTo>
+                    <a:pt x="8287" y="4644"/>
+                  </a:moveTo>
+                  <a:cubicBezTo>
+                    <a:pt x="8287" y="4644"/>
+                    <a:pt x="8299" y="4644"/>
+                    <a:pt x="8299" y="4656"/>
+                  </a:cubicBezTo>
+                  <a:lnTo>
+                    <a:pt x="8299" y="6037"/>
+                  </a:lnTo>
+                  <a:cubicBezTo>
+                    <a:pt x="8299" y="6037"/>
+                    <a:pt x="8299" y="6049"/>
+                    <a:pt x="8287" y="6049"/>
+                  </a:cubicBezTo>
+                  <a:lnTo>
+                    <a:pt x="6215" y="6049"/>
+                  </a:lnTo>
+                  <a:cubicBezTo>
+                    <a:pt x="6215" y="6049"/>
+                    <a:pt x="6203" y="6049"/>
+                    <a:pt x="6203" y="6037"/>
+                  </a:cubicBezTo>
+                  <a:lnTo>
+                    <a:pt x="6203" y="4656"/>
+                  </a:lnTo>
+                  <a:lnTo>
+                    <a:pt x="8287" y="4644"/>
+                  </a:lnTo>
+                  <a:close/>
+                  <a:moveTo>
+                    <a:pt x="2084" y="6371"/>
+                  </a:moveTo>
+                  <a:lnTo>
+                    <a:pt x="2084" y="6740"/>
+                  </a:lnTo>
+                  <a:lnTo>
+                    <a:pt x="679" y="6740"/>
+                  </a:lnTo>
+                  <a:lnTo>
+                    <a:pt x="679" y="6371"/>
+                  </a:lnTo>
+                  <a:close/>
+                  <a:moveTo>
+                    <a:pt x="10382" y="6371"/>
+                  </a:moveTo>
+                  <a:lnTo>
+                    <a:pt x="10382" y="6740"/>
+                  </a:lnTo>
+                  <a:lnTo>
+                    <a:pt x="4477" y="6740"/>
+                  </a:lnTo>
+                  <a:lnTo>
+                    <a:pt x="4477" y="6371"/>
+                  </a:lnTo>
+                  <a:close/>
+                  <a:moveTo>
+                    <a:pt x="3953" y="4644"/>
+                  </a:moveTo>
+                  <a:cubicBezTo>
+                    <a:pt x="4060" y="4644"/>
+                    <a:pt x="4131" y="4728"/>
+                    <a:pt x="4131" y="4823"/>
+                  </a:cubicBezTo>
+                  <a:lnTo>
+                    <a:pt x="4131" y="7085"/>
+                  </a:lnTo>
+                  <a:lnTo>
+                    <a:pt x="2393" y="7085"/>
+                  </a:lnTo>
+                  <a:lnTo>
+                    <a:pt x="2393" y="4823"/>
+                  </a:lnTo>
+                  <a:cubicBezTo>
+                    <a:pt x="2393" y="4716"/>
+                    <a:pt x="2488" y="4644"/>
+                    <a:pt x="2572" y="4644"/>
+                  </a:cubicBezTo>
+                  <a:close/>
+                  <a:moveTo>
+                    <a:pt x="3274" y="1"/>
+                  </a:moveTo>
+                  <a:cubicBezTo>
+                    <a:pt x="2548" y="1"/>
+                    <a:pt x="1965" y="596"/>
+                    <a:pt x="1905" y="1370"/>
+                  </a:cubicBezTo>
+                  <a:cubicBezTo>
+                    <a:pt x="1869" y="1692"/>
+                    <a:pt x="1774" y="2346"/>
+                    <a:pt x="1631" y="2751"/>
+                  </a:cubicBezTo>
+                  <a:cubicBezTo>
+                    <a:pt x="1607" y="2835"/>
+                    <a:pt x="1607" y="2930"/>
+                    <a:pt x="1655" y="3001"/>
+                  </a:cubicBezTo>
+                  <a:cubicBezTo>
+                    <a:pt x="1691" y="3073"/>
+                    <a:pt x="1750" y="3156"/>
+                    <a:pt x="1845" y="3180"/>
+                  </a:cubicBezTo>
+                  <a:cubicBezTo>
+                    <a:pt x="1988" y="3227"/>
+                    <a:pt x="2215" y="3299"/>
+                    <a:pt x="2488" y="3358"/>
+                  </a:cubicBezTo>
+                  <a:lnTo>
+                    <a:pt x="2465" y="3358"/>
+                  </a:lnTo>
+                  <a:lnTo>
+                    <a:pt x="1893" y="3525"/>
+                  </a:lnTo>
+                  <a:cubicBezTo>
+                    <a:pt x="1595" y="3608"/>
+                    <a:pt x="1393" y="3882"/>
+                    <a:pt x="1393" y="4180"/>
+                  </a:cubicBezTo>
+                  <a:lnTo>
+                    <a:pt x="1393" y="5680"/>
+                  </a:lnTo>
+                  <a:cubicBezTo>
+                    <a:pt x="1393" y="5811"/>
+                    <a:pt x="1429" y="5930"/>
+                    <a:pt x="1500" y="6037"/>
+                  </a:cubicBezTo>
+                  <a:lnTo>
+                    <a:pt x="167" y="6037"/>
+                  </a:lnTo>
+                  <a:cubicBezTo>
+                    <a:pt x="71" y="6037"/>
+                    <a:pt x="0" y="6109"/>
+                    <a:pt x="0" y="6204"/>
+                  </a:cubicBezTo>
+                  <a:cubicBezTo>
+                    <a:pt x="0" y="6287"/>
+                    <a:pt x="71" y="6371"/>
+                    <a:pt x="167" y="6371"/>
+                  </a:cubicBezTo>
+                  <a:lnTo>
+                    <a:pt x="345" y="6371"/>
+                  </a:lnTo>
+                  <a:lnTo>
+                    <a:pt x="345" y="7930"/>
+                  </a:lnTo>
+                  <a:cubicBezTo>
+                    <a:pt x="345" y="8014"/>
+                    <a:pt x="417" y="8097"/>
+                    <a:pt x="500" y="8097"/>
+                  </a:cubicBezTo>
+                  <a:cubicBezTo>
+                    <a:pt x="595" y="8097"/>
+                    <a:pt x="667" y="8014"/>
+                    <a:pt x="667" y="7930"/>
+                  </a:cubicBezTo>
+                  <a:lnTo>
+                    <a:pt x="667" y="7049"/>
+                  </a:lnTo>
+                  <a:lnTo>
+                    <a:pt x="2072" y="7049"/>
+                  </a:lnTo>
+                  <a:lnTo>
+                    <a:pt x="2072" y="7930"/>
+                  </a:lnTo>
+                  <a:cubicBezTo>
+                    <a:pt x="2072" y="8014"/>
+                    <a:pt x="2143" y="8097"/>
+                    <a:pt x="2226" y="8097"/>
+                  </a:cubicBezTo>
+                  <a:cubicBezTo>
+                    <a:pt x="2322" y="8097"/>
+                    <a:pt x="2393" y="8014"/>
+                    <a:pt x="2393" y="7930"/>
+                  </a:cubicBezTo>
+                  <a:lnTo>
+                    <a:pt x="2393" y="7395"/>
+                  </a:lnTo>
+                  <a:lnTo>
+                    <a:pt x="4155" y="7395"/>
+                  </a:lnTo>
+                  <a:lnTo>
+                    <a:pt x="4155" y="7930"/>
+                  </a:lnTo>
+                  <a:cubicBezTo>
+                    <a:pt x="4155" y="8014"/>
+                    <a:pt x="4227" y="8097"/>
+                    <a:pt x="4310" y="8097"/>
+                  </a:cubicBezTo>
+                  <a:cubicBezTo>
+                    <a:pt x="4405" y="8097"/>
+                    <a:pt x="4477" y="8014"/>
+                    <a:pt x="4477" y="7930"/>
+                  </a:cubicBezTo>
+                  <a:lnTo>
+                    <a:pt x="4477" y="7049"/>
+                  </a:lnTo>
+                  <a:lnTo>
+                    <a:pt x="10370" y="7049"/>
+                  </a:lnTo>
+                  <a:lnTo>
+                    <a:pt x="10370" y="7930"/>
+                  </a:lnTo>
+                  <a:cubicBezTo>
+                    <a:pt x="10370" y="8014"/>
+                    <a:pt x="10442" y="8097"/>
+                    <a:pt x="10537" y="8097"/>
+                  </a:cubicBezTo>
+                  <a:cubicBezTo>
+                    <a:pt x="10620" y="8097"/>
+                    <a:pt x="10704" y="8014"/>
+                    <a:pt x="10704" y="7930"/>
+                  </a:cubicBezTo>
+                  <a:lnTo>
+                    <a:pt x="10704" y="6371"/>
+                  </a:lnTo>
+                  <a:lnTo>
+                    <a:pt x="10882" y="6371"/>
+                  </a:lnTo>
+                  <a:cubicBezTo>
+                    <a:pt x="10966" y="6371"/>
+                    <a:pt x="11037" y="6287"/>
+                    <a:pt x="11037" y="6204"/>
+                  </a:cubicBezTo>
+                  <a:cubicBezTo>
+                    <a:pt x="11037" y="6109"/>
+                    <a:pt x="10966" y="6037"/>
+                    <a:pt x="10882" y="6037"/>
+                  </a:cubicBezTo>
+                  <a:lnTo>
+                    <a:pt x="9894" y="6037"/>
+                  </a:lnTo>
+                  <a:cubicBezTo>
+                    <a:pt x="9954" y="5930"/>
+                    <a:pt x="10001" y="5811"/>
+                    <a:pt x="10001" y="5680"/>
+                  </a:cubicBezTo>
+                  <a:lnTo>
+                    <a:pt x="10001" y="4180"/>
+                  </a:lnTo>
+                  <a:cubicBezTo>
+                    <a:pt x="10001" y="3882"/>
+                    <a:pt x="9787" y="3608"/>
+                    <a:pt x="9501" y="3525"/>
+                  </a:cubicBezTo>
+                  <a:lnTo>
+                    <a:pt x="8930" y="3358"/>
+                  </a:lnTo>
+                  <a:cubicBezTo>
+                    <a:pt x="8858" y="3335"/>
+                    <a:pt x="8799" y="3275"/>
+                    <a:pt x="8799" y="3180"/>
+                  </a:cubicBezTo>
+                  <a:lnTo>
+                    <a:pt x="8799" y="3049"/>
+                  </a:lnTo>
+                  <a:cubicBezTo>
+                    <a:pt x="8858" y="3001"/>
+                    <a:pt x="8894" y="2977"/>
+                    <a:pt x="8942" y="2918"/>
+                  </a:cubicBezTo>
+                  <a:cubicBezTo>
+                    <a:pt x="9180" y="2692"/>
+                    <a:pt x="9299" y="2382"/>
+                    <a:pt x="9299" y="2049"/>
+                  </a:cubicBezTo>
+                  <a:lnTo>
+                    <a:pt x="9299" y="1739"/>
+                  </a:lnTo>
+                  <a:lnTo>
+                    <a:pt x="9358" y="1608"/>
+                  </a:lnTo>
+                  <a:cubicBezTo>
+                    <a:pt x="9430" y="1453"/>
+                    <a:pt x="9465" y="1311"/>
+                    <a:pt x="9465" y="1144"/>
+                  </a:cubicBezTo>
+                  <a:lnTo>
+                    <a:pt x="9465" y="310"/>
+                  </a:lnTo>
+                  <a:cubicBezTo>
+                    <a:pt x="9465" y="215"/>
+                    <a:pt x="9382" y="144"/>
+                    <a:pt x="9299" y="144"/>
+                  </a:cubicBezTo>
+                  <a:lnTo>
+                    <a:pt x="7739" y="144"/>
+                  </a:lnTo>
+                  <a:cubicBezTo>
+                    <a:pt x="7168" y="144"/>
+                    <a:pt x="6703" y="608"/>
+                    <a:pt x="6703" y="1168"/>
+                  </a:cubicBezTo>
+                  <a:lnTo>
+                    <a:pt x="6703" y="1191"/>
+                  </a:lnTo>
+                  <a:cubicBezTo>
+                    <a:pt x="6703" y="1322"/>
+                    <a:pt x="6739" y="1453"/>
+                    <a:pt x="6798" y="1572"/>
+                  </a:cubicBezTo>
+                  <a:lnTo>
+                    <a:pt x="6894" y="1739"/>
+                  </a:lnTo>
+                  <a:lnTo>
+                    <a:pt x="6894" y="2001"/>
+                  </a:lnTo>
+                  <a:cubicBezTo>
+                    <a:pt x="6894" y="2418"/>
+                    <a:pt x="7096" y="2799"/>
+                    <a:pt x="7406" y="3037"/>
+                  </a:cubicBezTo>
+                  <a:lnTo>
+                    <a:pt x="7406" y="3180"/>
+                  </a:lnTo>
+                  <a:cubicBezTo>
+                    <a:pt x="7406" y="3251"/>
+                    <a:pt x="7346" y="3335"/>
+                    <a:pt x="7275" y="3358"/>
+                  </a:cubicBezTo>
+                  <a:lnTo>
+                    <a:pt x="6691" y="3525"/>
+                  </a:lnTo>
+                  <a:cubicBezTo>
+                    <a:pt x="6394" y="3608"/>
+                    <a:pt x="6203" y="3882"/>
+                    <a:pt x="6203" y="4180"/>
+                  </a:cubicBezTo>
+                  <a:lnTo>
+                    <a:pt x="6203" y="4311"/>
+                  </a:lnTo>
+                  <a:lnTo>
+                    <a:pt x="6191" y="4311"/>
+                  </a:lnTo>
+                  <a:cubicBezTo>
+                    <a:pt x="6013" y="4311"/>
+                    <a:pt x="5858" y="4466"/>
+                    <a:pt x="5858" y="4644"/>
+                  </a:cubicBezTo>
+                  <a:lnTo>
+                    <a:pt x="5858" y="6025"/>
+                  </a:lnTo>
+                  <a:lnTo>
+                    <a:pt x="5858" y="6037"/>
+                  </a:lnTo>
+                  <a:lnTo>
+                    <a:pt x="5048" y="6037"/>
+                  </a:lnTo>
+                  <a:cubicBezTo>
+                    <a:pt x="5108" y="5930"/>
+                    <a:pt x="5144" y="5811"/>
+                    <a:pt x="5144" y="5680"/>
+                  </a:cubicBezTo>
+                  <a:lnTo>
+                    <a:pt x="5144" y="4180"/>
+                  </a:lnTo>
+                  <a:cubicBezTo>
+                    <a:pt x="5144" y="3882"/>
+                    <a:pt x="4941" y="3608"/>
+                    <a:pt x="4655" y="3525"/>
+                  </a:cubicBezTo>
+                  <a:lnTo>
+                    <a:pt x="4072" y="3358"/>
+                  </a:lnTo>
+                  <a:lnTo>
+                    <a:pt x="4060" y="3358"/>
+                  </a:lnTo>
+                  <a:cubicBezTo>
+                    <a:pt x="4346" y="3299"/>
+                    <a:pt x="4560" y="3239"/>
+                    <a:pt x="4703" y="3180"/>
+                  </a:cubicBezTo>
+                  <a:cubicBezTo>
+                    <a:pt x="4786" y="3156"/>
+                    <a:pt x="4846" y="3096"/>
+                    <a:pt x="4893" y="3001"/>
+                  </a:cubicBezTo>
+                  <a:cubicBezTo>
+                    <a:pt x="4941" y="2930"/>
+                    <a:pt x="4941" y="2835"/>
+                    <a:pt x="4905" y="2751"/>
+                  </a:cubicBezTo>
+                  <a:cubicBezTo>
+                    <a:pt x="4763" y="2358"/>
+                    <a:pt x="4655" y="1692"/>
+                    <a:pt x="4643" y="1370"/>
+                  </a:cubicBezTo>
+                  <a:cubicBezTo>
+                    <a:pt x="4584" y="572"/>
+                    <a:pt x="4001" y="1"/>
+                    <a:pt x="3274" y="1"/>
+                  </a:cubicBezTo>
+                  <a:close/>
+                </a:path>
+              </a:pathLst>
+            </a:custGeom>
+            <a:solidFill>
+              <a:srgbClr val="657E93"/>
+            </a:solidFill>
+            <a:ln>
+              <a:noFill/>
+            </a:ln>
+          </p:spPr>
+          <p:txBody>
+            <a:bodyPr spcFirstLastPara="1" wrap="square" lIns="91425" tIns="91425" rIns="91425" bIns="91425" anchor="ctr" anchorCtr="0">
+              <a:noAutofit/>
+            </a:bodyPr>
+            <a:lstStyle/>
+            <a:p>
+              <a:pPr marL="0" lvl="0" indent="0" algn="l" rtl="0">
+                <a:spcBef>
+                  <a:spcPts val="0"/>
+                </a:spcBef>
+                <a:spcAft>
+                  <a:spcPts val="0"/>
+                </a:spcAft>
+                <a:buNone/>
+              </a:pPr>
+              <a:endParaRPr>
+                <a:solidFill>
+                  <a:schemeClr val="accent2"/>
+                </a:solidFill>
+              </a:endParaRPr>
+            </a:p>
+          </p:txBody>
+        </p:sp>
+        <p:sp>
+          <p:nvSpPr>
+            <p:cNvPr id="8" name="Google Shape;16530;p95">
+              <a:extLst>
+                <a:ext uri="{FF2B5EF4-FFF2-40B4-BE49-F238E27FC236}">
+                  <a16:creationId xmlns:a16="http://schemas.microsoft.com/office/drawing/2014/main" id="{BD773F22-CE2F-7E1B-8AA9-82D35518965D}"/>
+                </a:ext>
+              </a:extLst>
+            </p:cNvPr>
+            <p:cNvSpPr/>
+            <p:nvPr/>
+          </p:nvSpPr>
+          <p:spPr>
+            <a:xfrm>
+              <a:off x="1611228" y="2679979"/>
+              <a:ext cx="12250" cy="12708"/>
+            </a:xfrm>
+            <a:custGeom>
+              <a:avLst/>
+              <a:gdLst/>
+              <a:ahLst/>
+              <a:cxnLst/>
+              <a:rect l="l" t="t" r="r" b="b"/>
+              <a:pathLst>
+                <a:path w="322" h="334" extrusionOk="0">
+                  <a:moveTo>
+                    <a:pt x="167" y="0"/>
+                  </a:moveTo>
+                  <a:cubicBezTo>
+                    <a:pt x="72" y="0"/>
+                    <a:pt x="0" y="83"/>
+                    <a:pt x="0" y="167"/>
+                  </a:cubicBezTo>
+                  <a:cubicBezTo>
+                    <a:pt x="0" y="262"/>
+                    <a:pt x="72" y="334"/>
+                    <a:pt x="167" y="334"/>
+                  </a:cubicBezTo>
+                  <a:cubicBezTo>
+                    <a:pt x="250" y="334"/>
+                    <a:pt x="322" y="262"/>
+                    <a:pt x="322" y="167"/>
+                  </a:cubicBezTo>
+                  <a:cubicBezTo>
+                    <a:pt x="322" y="83"/>
+                    <a:pt x="250" y="0"/>
+                    <a:pt x="167" y="0"/>
+                  </a:cubicBezTo>
+                  <a:close/>
+                </a:path>
+              </a:pathLst>
+            </a:custGeom>
+            <a:solidFill>
+              <a:srgbClr val="657E93"/>
+            </a:solidFill>
+            <a:ln>
+              <a:noFill/>
+            </a:ln>
+          </p:spPr>
+          <p:txBody>
+            <a:bodyPr spcFirstLastPara="1" wrap="square" lIns="91425" tIns="91425" rIns="91425" bIns="91425" anchor="ctr" anchorCtr="0">
+              <a:noAutofit/>
+            </a:bodyPr>
+            <a:lstStyle/>
+            <a:p>
+              <a:pPr marL="0" lvl="0" indent="0" algn="l" rtl="0">
+                <a:spcBef>
+                  <a:spcPts val="0"/>
+                </a:spcBef>
+                <a:spcAft>
+                  <a:spcPts val="0"/>
+                </a:spcAft>
+                <a:buNone/>
+              </a:pPr>
+              <a:endParaRPr>
+                <a:solidFill>
+                  <a:schemeClr val="accent2"/>
+                </a:solidFill>
+              </a:endParaRPr>
+            </a:p>
+          </p:txBody>
+        </p:sp>
+      </p:grpSp>
+      <p:pic>
+        <p:nvPicPr>
+          <p:cNvPr id="10" name="Algo.mp4">
+            <a:hlinkClick r:id="" action="ppaction://media"/>
+            <a:extLst>
+              <a:ext uri="{FF2B5EF4-FFF2-40B4-BE49-F238E27FC236}">
+                <a16:creationId xmlns:a16="http://schemas.microsoft.com/office/drawing/2014/main" id="{3549F2B6-4BE1-B931-C894-2FAC9A3BECD5}"/>
+              </a:ext>
+            </a:extLst>
+          </p:cNvPr>
+          <p:cNvPicPr>
+            <a:picLocks noChangeAspect="1"/>
+          </p:cNvPicPr>
+          <p:nvPr>
+            <a:videoFile r:link="rId4"/>
+            <p:extLst>
+              <p:ext uri="{DAA4B4D4-6D71-4841-9C94-3DE7FCFB9230}">
+                <p14:media xmlns:p14="http://schemas.microsoft.com/office/powerpoint/2010/main" r:embed="rId3"/>
+              </p:ext>
+            </p:extLst>
+          </p:nvPr>
+        </p:nvPicPr>
+        <p:blipFill>
+          <a:blip r:embed="rId8"/>
+          <a:stretch>
+            <a:fillRect/>
+          </a:stretch>
+        </p:blipFill>
+        <p:spPr>
+          <a:xfrm>
+            <a:off x="8169636" y="2931491"/>
+            <a:ext cx="3438500" cy="2750800"/>
+          </a:xfrm>
+          <a:prstGeom prst="rect">
+            <a:avLst/>
+          </a:prstGeom>
+          <a:solidFill>
+            <a:srgbClr val="FFFFFF">
+              <a:shade val="85000"/>
+            </a:srgbClr>
+          </a:solidFill>
+          <a:ln w="88900" cap="sq">
+            <a:solidFill>
+              <a:srgbClr val="FFFFFF"/>
+            </a:solidFill>
+            <a:prstDash val="solid"/>
+            <a:miter lim="800000"/>
+          </a:ln>
+          <a:effectLst>
+            <a:outerShdw blurRad="55000" dist="18000" dir="5400000" algn="tl" rotWithShape="0">
+              <a:srgbClr val="000000">
+                <a:alpha val="40000"/>
+              </a:srgbClr>
+            </a:outerShdw>
+          </a:effectLst>
+          <a:scene3d>
+            <a:camera prst="orthographicFront"/>
+            <a:lightRig rig="twoPt" dir="t">
+              <a:rot lat="0" lon="0" rev="7200000"/>
+            </a:lightRig>
+          </a:scene3d>
+          <a:sp3d>
+            <a:bevelT w="25400" h="19050"/>
+            <a:contourClr>
+              <a:srgbClr val="FFFFFF"/>
+            </a:contourClr>
+          </a:sp3d>
+        </p:spPr>
+      </p:pic>
+      <p:pic>
+        <p:nvPicPr>
+          <p:cNvPr id="13" name="Orig.mp4">
+            <a:hlinkClick r:id="" action="ppaction://media"/>
+            <a:extLst>
+              <a:ext uri="{FF2B5EF4-FFF2-40B4-BE49-F238E27FC236}">
+                <a16:creationId xmlns:a16="http://schemas.microsoft.com/office/drawing/2014/main" id="{FAD8DBB3-C8E2-005E-C7AE-7F872A5728DF}"/>
+              </a:ext>
+            </a:extLst>
+          </p:cNvPr>
+          <p:cNvPicPr>
+            <a:picLocks noChangeAspect="1"/>
+          </p:cNvPicPr>
+          <p:nvPr>
+            <a:videoFile r:link="rId6"/>
+            <p:extLst>
+              <p:ext uri="{DAA4B4D4-6D71-4841-9C94-3DE7FCFB9230}">
+                <p14:media xmlns:p14="http://schemas.microsoft.com/office/powerpoint/2010/main" r:embed="rId5"/>
+              </p:ext>
+            </p:extLst>
+          </p:nvPr>
+        </p:nvPicPr>
+        <p:blipFill>
+          <a:blip r:embed="rId9"/>
+          <a:stretch>
+            <a:fillRect/>
+          </a:stretch>
+        </p:blipFill>
+        <p:spPr>
+          <a:xfrm>
+            <a:off x="584142" y="2927914"/>
+            <a:ext cx="3438221" cy="2750577"/>
+          </a:xfrm>
+          <a:prstGeom prst="rect">
+            <a:avLst/>
+          </a:prstGeom>
+          <a:solidFill>
+            <a:srgbClr val="FFFFFF">
+              <a:shade val="85000"/>
+            </a:srgbClr>
+          </a:solidFill>
+          <a:ln w="88900" cap="sq">
+            <a:solidFill>
+              <a:srgbClr val="FFFFFF"/>
+            </a:solidFill>
+            <a:prstDash val="solid"/>
+            <a:miter lim="800000"/>
+          </a:ln>
+          <a:effectLst>
+            <a:outerShdw blurRad="55000" dist="18000" dir="5400000" algn="tl" rotWithShape="0">
+              <a:srgbClr val="000000">
+                <a:alpha val="40000"/>
+              </a:srgbClr>
+            </a:outerShdw>
+          </a:effectLst>
+          <a:scene3d>
+            <a:camera prst="orthographicFront"/>
+            <a:lightRig rig="twoPt" dir="t">
+              <a:rot lat="0" lon="0" rev="7200000"/>
+            </a:lightRig>
+          </a:scene3d>
+          <a:sp3d>
+            <a:bevelT w="25400" h="19050"/>
+            <a:contourClr>
+              <a:srgbClr val="FFFFFF"/>
+            </a:contourClr>
+          </a:sp3d>
+        </p:spPr>
+      </p:pic>
+      <p:sp>
+        <p:nvSpPr>
+          <p:cNvPr id="14" name="TextBox 13">
+            <a:extLst>
+              <a:ext uri="{FF2B5EF4-FFF2-40B4-BE49-F238E27FC236}">
+                <a16:creationId xmlns:a16="http://schemas.microsoft.com/office/drawing/2014/main" id="{4735AB7A-77EE-AC40-99F7-D73A7A391964}"/>
+              </a:ext>
+            </a:extLst>
+          </p:cNvPr>
+          <p:cNvSpPr txBox="1"/>
+          <p:nvPr/>
+        </p:nvSpPr>
+        <p:spPr>
+          <a:xfrm>
+            <a:off x="1066800" y="2404472"/>
+            <a:ext cx="2307042" cy="523220"/>
+          </a:xfrm>
+          <a:prstGeom prst="rect">
+            <a:avLst/>
+          </a:prstGeom>
+          <a:noFill/>
+        </p:spPr>
+        <p:txBody>
+          <a:bodyPr wrap="none" rtlCol="0">
+            <a:spAutoFit/>
+          </a:bodyPr>
+          <a:lstStyle/>
+          <a:p>
+            <a:r>
+              <a:rPr lang="en-IL" sz="2800" b="1" dirty="0">
+                <a:latin typeface="Calibri" panose="020F0502020204030204" pitchFamily="34" charset="0"/>
+                <a:cs typeface="Calibri" panose="020F0502020204030204" pitchFamily="34" charset="0"/>
+              </a:rPr>
+              <a:t>Original Video</a:t>
+            </a:r>
+          </a:p>
+        </p:txBody>
+      </p:sp>
+      <p:sp>
+        <p:nvSpPr>
+          <p:cNvPr id="15" name="TextBox 14">
+            <a:extLst>
+              <a:ext uri="{FF2B5EF4-FFF2-40B4-BE49-F238E27FC236}">
+                <a16:creationId xmlns:a16="http://schemas.microsoft.com/office/drawing/2014/main" id="{DB502150-084D-5EFE-BCF6-2CCDE9022550}"/>
+              </a:ext>
+            </a:extLst>
+          </p:cNvPr>
+          <p:cNvSpPr txBox="1"/>
+          <p:nvPr/>
+        </p:nvSpPr>
+        <p:spPr>
+          <a:xfrm>
+            <a:off x="5002751" y="2404472"/>
+            <a:ext cx="2268250" cy="523220"/>
+          </a:xfrm>
+          <a:prstGeom prst="rect">
+            <a:avLst/>
+          </a:prstGeom>
+          <a:noFill/>
+        </p:spPr>
+        <p:txBody>
+          <a:bodyPr wrap="none" rtlCol="0">
+            <a:spAutoFit/>
+          </a:bodyPr>
+          <a:lstStyle/>
+          <a:p>
+            <a:r>
+              <a:rPr lang="en-IL" sz="2800" b="1" dirty="0">
+                <a:latin typeface="Calibri" panose="020F0502020204030204" pitchFamily="34" charset="0"/>
+                <a:cs typeface="Calibri" panose="020F0502020204030204" pitchFamily="34" charset="0"/>
+              </a:rPr>
+              <a:t>Ground Truth</a:t>
+            </a:r>
+          </a:p>
+        </p:txBody>
+      </p:sp>
+      <p:sp>
+        <p:nvSpPr>
+          <p:cNvPr id="16" name="TextBox 15">
+            <a:extLst>
+              <a:ext uri="{FF2B5EF4-FFF2-40B4-BE49-F238E27FC236}">
+                <a16:creationId xmlns:a16="http://schemas.microsoft.com/office/drawing/2014/main" id="{19985994-4AFB-0DC5-C64B-B27331BB8D3D}"/>
+              </a:ext>
+            </a:extLst>
+          </p:cNvPr>
+          <p:cNvSpPr txBox="1"/>
+          <p:nvPr/>
+        </p:nvSpPr>
+        <p:spPr>
+          <a:xfrm>
+            <a:off x="8381261" y="2404472"/>
+            <a:ext cx="3015249" cy="523220"/>
+          </a:xfrm>
+          <a:prstGeom prst="rect">
+            <a:avLst/>
+          </a:prstGeom>
+          <a:noFill/>
+        </p:spPr>
+        <p:txBody>
+          <a:bodyPr wrap="none" rtlCol="0">
+            <a:spAutoFit/>
+          </a:bodyPr>
+          <a:lstStyle/>
+          <a:p>
+            <a:r>
+              <a:rPr lang="en-IL" sz="2800" b="1" dirty="0">
+                <a:latin typeface="Calibri" panose="020F0502020204030204" pitchFamily="34" charset="0"/>
+                <a:cs typeface="Calibri" panose="020F0502020204030204" pitchFamily="34" charset="0"/>
+              </a:rPr>
+              <a:t>Algorithm Masking</a:t>
+            </a:r>
+          </a:p>
+        </p:txBody>
+      </p:sp>
+    </p:spTree>
+    <p:extLst>
+      <p:ext uri="{BB962C8B-B14F-4D97-AF65-F5344CB8AC3E}">
+        <p14:creationId xmlns:p14="http://schemas.microsoft.com/office/powerpoint/2010/main" val="1314981952"/>
+      </p:ext>
+    </p:extLst>
+  </p:cSld>
+  <p:clrMapOvr>
+    <a:masterClrMapping/>
+  </p:clrMapOvr>
+  <p:timing>
+    <p:tnLst>
+      <p:par>
+        <p:cTn id="1" dur="indefinite" restart="never" nodeType="tmRoot">
+          <p:childTnLst>
+            <p:seq concurrent="1" nextAc="seek">
+              <p:cTn id="2" dur="indefinite" nodeType="mainSeq">
+                <p:childTnLst>
+                  <p:par>
+                    <p:cTn id="3" fill="hold">
+                      <p:stCondLst>
+                        <p:cond delay="indefinite"/>
+                        <p:cond evt="onBegin" delay="0">
+                          <p:tn val="2"/>
+                        </p:cond>
+                      </p:stCondLst>
+                      <p:childTnLst>
+                        <p:par>
+                          <p:cTn id="4" fill="hold">
+                            <p:stCondLst>
+                              <p:cond delay="0"/>
+                            </p:stCondLst>
+                            <p:childTnLst>
+                              <p:par>
+                                <p:cTn id="5" presetID="1" presetClass="mediacall" presetSubtype="0" fill="hold" nodeType="withEffect">
+                                  <p:stCondLst>
+                                    <p:cond delay="0"/>
+                                  </p:stCondLst>
+                                  <p:childTnLst>
+                                    <p:cmd type="call" cmd="playFrom(0.0)">
+                                      <p:cBhvr>
+                                        <p:cTn id="6" dur="2000" fill="hold"/>
+                                        <p:tgtEl>
+                                          <p:spTgt spid="13"/>
+                                        </p:tgtEl>
+                                      </p:cBhvr>
+                                    </p:cmd>
+                                  </p:childTnLst>
+                                </p:cTn>
+                              </p:par>
+                              <p:par>
+                                <p:cTn id="7" presetID="1" presetClass="mediacall" presetSubtype="0" fill="hold" nodeType="withEffect">
+                                  <p:stCondLst>
+                                    <p:cond delay="0"/>
+                                  </p:stCondLst>
+                                  <p:childTnLst>
+                                    <p:cmd type="call" cmd="playFrom(0.0)">
+                                      <p:cBhvr>
+                                        <p:cTn id="8" dur="2000" fill="hold"/>
+                                        <p:tgtEl>
+                                          <p:spTgt spid="9"/>
+                                        </p:tgtEl>
+                                      </p:cBhvr>
+                                    </p:cmd>
+                                  </p:childTnLst>
+                                </p:cTn>
+                              </p:par>
+                              <p:par>
+                                <p:cTn id="9" presetID="1" presetClass="mediacall" presetSubtype="0" fill="hold" nodeType="withEffect">
+                                  <p:stCondLst>
+                                    <p:cond delay="0"/>
+                                  </p:stCondLst>
+                                  <p:childTnLst>
+                                    <p:cmd type="call" cmd="playFrom(0.0)">
+                                      <p:cBhvr>
+                                        <p:cTn id="10" dur="2000" fill="hold"/>
+                                        <p:tgtEl>
+                                          <p:spTgt spid="10"/>
+                                        </p:tgtEl>
+                                      </p:cBhvr>
+                                    </p:cmd>
+                                  </p:childTnLst>
+                                </p:cTn>
+                              </p:par>
+                            </p:childTnLst>
+                          </p:cTn>
+                        </p:par>
+                      </p:childTnLst>
+                    </p:cTn>
+                  </p:par>
+                </p:childTnLst>
+              </p:cTn>
+              <p:prevCondLst>
+                <p:cond evt="onPrev" delay="0">
+                  <p:tgtEl>
+                    <p:sldTgt/>
+                  </p:tgtEl>
+                </p:cond>
+              </p:prevCondLst>
+              <p:nextCondLst>
+                <p:cond evt="onNext" delay="0">
+                  <p:tgtEl>
+                    <p:sldTgt/>
+                  </p:tgtEl>
+                </p:cond>
+              </p:nextCondLst>
+            </p:seq>
+            <p:video>
+              <p:cMediaNode vol="80000">
+                <p:cTn id="11" repeatCount="indefinite" fill="hold" display="0">
+                  <p:stCondLst>
+                    <p:cond delay="indefinite"/>
+                  </p:stCondLst>
+                </p:cTn>
+                <p:tgtEl>
+                  <p:spTgt spid="9"/>
+                </p:tgtEl>
+              </p:cMediaNode>
+            </p:video>
+            <p:seq concurrent="1" nextAc="seek">
+              <p:cTn id="12" restart="whenNotActive" fill="hold" evtFilter="cancelBubble" nodeType="interactiveSeq">
+                <p:stCondLst>
+                  <p:cond evt="onClick" delay="0">
+                    <p:tgtEl>
+                      <p:spTgt spid="9"/>
+                    </p:tgtEl>
+                  </p:cond>
+                </p:stCondLst>
+                <p:endSync evt="end" delay="0">
+                  <p:rtn val="all"/>
+                </p:endSync>
+                <p:childTnLst>
+                  <p:par>
+                    <p:cTn id="13" fill="hold">
+                      <p:stCondLst>
+                        <p:cond delay="0"/>
+                      </p:stCondLst>
+                      <p:childTnLst>
+                        <p:par>
+                          <p:cTn id="14" fill="hold">
+                            <p:stCondLst>
+                              <p:cond delay="0"/>
+                            </p:stCondLst>
+                            <p:childTnLst>
+                              <p:par>
+                                <p:cTn id="15" presetID="2" presetClass="mediacall" presetSubtype="0" fill="hold" nodeType="clickEffect">
+                                  <p:stCondLst>
+                                    <p:cond delay="0"/>
+                                  </p:stCondLst>
+                                  <p:childTnLst>
+                                    <p:cmd type="call" cmd="togglePause">
+                                      <p:cBhvr>
+                                        <p:cTn id="16" dur="1" fill="hold"/>
+                                        <p:tgtEl>
+                                          <p:spTgt spid="9"/>
+                                        </p:tgtEl>
+                                      </p:cBhvr>
+                                    </p:cmd>
+                                  </p:childTnLst>
+                                </p:cTn>
+                              </p:par>
+                            </p:childTnLst>
+                          </p:cTn>
+                        </p:par>
+                      </p:childTnLst>
+                    </p:cTn>
+                  </p:par>
+                </p:childTnLst>
+              </p:cTn>
+              <p:nextCondLst>
+                <p:cond evt="onClick" delay="0">
+                  <p:tgtEl>
+                    <p:spTgt spid="9"/>
+                  </p:tgtEl>
+                </p:cond>
+              </p:nextCondLst>
+            </p:seq>
+            <p:video>
+              <p:cMediaNode vol="80000">
+                <p:cTn id="17" repeatCount="indefinite" fill="hold" display="0">
+                  <p:stCondLst>
+                    <p:cond delay="indefinite"/>
+                  </p:stCondLst>
+                </p:cTn>
+                <p:tgtEl>
+                  <p:spTgt spid="13"/>
+                </p:tgtEl>
+              </p:cMediaNode>
+            </p:video>
+            <p:seq concurrent="1" nextAc="seek">
+              <p:cTn id="18" restart="whenNotActive" fill="hold" evtFilter="cancelBubble" nodeType="interactiveSeq">
+                <p:stCondLst>
+                  <p:cond evt="onClick" delay="0">
+                    <p:tgtEl>
+                      <p:spTgt spid="13"/>
+                    </p:tgtEl>
+                  </p:cond>
+                </p:stCondLst>
+                <p:endSync evt="end" delay="0">
+                  <p:rtn val="all"/>
+                </p:endSync>
+                <p:childTnLst>
+                  <p:par>
+                    <p:cTn id="19" fill="hold">
+                      <p:stCondLst>
+                        <p:cond delay="0"/>
+                      </p:stCondLst>
+                      <p:childTnLst>
+                        <p:par>
+                          <p:cTn id="20" fill="hold">
+                            <p:stCondLst>
+                              <p:cond delay="0"/>
+                            </p:stCondLst>
+                            <p:childTnLst>
+                              <p:par>
+                                <p:cTn id="21" presetID="2" presetClass="mediacall" presetSubtype="0" fill="hold" nodeType="clickEffect">
+                                  <p:stCondLst>
+                                    <p:cond delay="0"/>
+                                  </p:stCondLst>
+                                  <p:childTnLst>
+                                    <p:cmd type="call" cmd="togglePause">
+                                      <p:cBhvr>
+                                        <p:cTn id="22" dur="1" fill="hold"/>
+                                        <p:tgtEl>
+                                          <p:spTgt spid="13"/>
+                                        </p:tgtEl>
+                                      </p:cBhvr>
+                                    </p:cmd>
+                                  </p:childTnLst>
+                                </p:cTn>
+                              </p:par>
+                            </p:childTnLst>
+                          </p:cTn>
+                        </p:par>
+                      </p:childTnLst>
+                    </p:cTn>
+                  </p:par>
+                </p:childTnLst>
+              </p:cTn>
+              <p:nextCondLst>
+                <p:cond evt="onClick" delay="0">
+                  <p:tgtEl>
+                    <p:spTgt spid="13"/>
+                  </p:tgtEl>
+                </p:cond>
+              </p:nextCondLst>
+            </p:seq>
+            <p:video>
+              <p:cMediaNode vol="80000">
+                <p:cTn id="23" repeatCount="indefinite" fill="hold" display="0">
+                  <p:stCondLst>
+                    <p:cond delay="indefinite"/>
+                  </p:stCondLst>
+                </p:cTn>
+                <p:tgtEl>
+                  <p:spTgt spid="10"/>
+                </p:tgtEl>
+              </p:cMediaNode>
+            </p:video>
+            <p:seq concurrent="1" nextAc="seek">
+              <p:cTn id="24" restart="whenNotActive" fill="hold" evtFilter="cancelBubble" nodeType="interactiveSeq">
+                <p:stCondLst>
+                  <p:cond evt="onClick" delay="0">
+                    <p:tgtEl>
+                      <p:spTgt spid="10"/>
+                    </p:tgtEl>
+                  </p:cond>
+                </p:stCondLst>
+                <p:endSync evt="end" delay="0">
+                  <p:rtn val="all"/>
+                </p:endSync>
+                <p:childTnLst>
+                  <p:par>
+                    <p:cTn id="25" fill="hold">
+                      <p:stCondLst>
+                        <p:cond delay="0"/>
+                      </p:stCondLst>
+                      <p:childTnLst>
+                        <p:par>
+                          <p:cTn id="26" fill="hold">
+                            <p:stCondLst>
+                              <p:cond delay="0"/>
+                            </p:stCondLst>
+                            <p:childTnLst>
+                              <p:par>
+                                <p:cTn id="27" presetID="2" presetClass="mediacall" presetSubtype="0" fill="hold" nodeType="clickEffect">
+                                  <p:stCondLst>
+                                    <p:cond delay="0"/>
+                                  </p:stCondLst>
+                                  <p:childTnLst>
+                                    <p:cmd type="call" cmd="togglePause">
+                                      <p:cBhvr>
+                                        <p:cTn id="28" dur="1" fill="hold"/>
+                                        <p:tgtEl>
+                                          <p:spTgt spid="10"/>
+                                        </p:tgtEl>
+                                      </p:cBhvr>
+                                    </p:cmd>
+                                  </p:childTnLst>
+                                </p:cTn>
+                              </p:par>
+                            </p:childTnLst>
+                          </p:cTn>
+                        </p:par>
+                      </p:childTnLst>
+                    </p:cTn>
+                  </p:par>
+                </p:childTnLst>
+              </p:cTn>
+              <p:nextCondLst>
+                <p:cond evt="onClick" delay="0">
+                  <p:tgtEl>
+                    <p:spTgt spid="10"/>
+                  </p:tgtEl>
+                </p:cond>
+              </p:nextCondLst>
+            </p:seq>
+          </p:childTnLst>
+        </p:cTn>
+      </p:par>
+    </p:tnLst>
+  </p:timing>
+</p:sld>
+</file>
+
+<file path=ppt/slides/slide12.xml><?xml version="1.0" encoding="utf-8"?>
+<p:sld xmlns:a="http://schemas.openxmlformats.org/drawingml/2006/main" xmlns:r="http://schemas.openxmlformats.org/officeDocument/2006/relationships" xmlns:p="http://schemas.openxmlformats.org/presentationml/2006/main" show="0">
+  <p:cSld>
+    <p:spTree>
+      <p:nvGrpSpPr>
+        <p:cNvPr id="1" name=""/>
+        <p:cNvGrpSpPr/>
+        <p:nvPr/>
+      </p:nvGrpSpPr>
+      <p:grpSpPr>
+        <a:xfrm>
+          <a:off x="0" y="0"/>
+          <a:ext cx="0" cy="0"/>
+          <a:chOff x="0" y="0"/>
+          <a:chExt cx="0" cy="0"/>
+        </a:xfrm>
+      </p:grpSpPr>
+      <p:sp>
+        <p:nvSpPr>
+          <p:cNvPr id="2" name="Title 1">
+            <a:extLst>
+              <a:ext uri="{FF2B5EF4-FFF2-40B4-BE49-F238E27FC236}">
+                <a16:creationId xmlns:a16="http://schemas.microsoft.com/office/drawing/2014/main" id="{FBB17739-EDA8-0BBF-2BBE-DD328C51C51D}"/>
+              </a:ext>
+            </a:extLst>
+          </p:cNvPr>
+          <p:cNvSpPr>
+            <a:spLocks noGrp="1"/>
+          </p:cNvSpPr>
+          <p:nvPr>
+            <p:ph type="title"/>
+          </p:nvPr>
+        </p:nvSpPr>
+        <p:spPr/>
+        <p:txBody>
+          <a:bodyPr/>
+          <a:lstStyle/>
+          <a:p>
+            <a:r>
+              <a:rPr lang="en-US" dirty="0"/>
               <a:t>Future work</a:t>
             </a:r>
             <a:endParaRPr lang="en-IL" dirty="0"/>
@@ -13138,7 +16524,7 @@
 </p:sld>
 </file>
 
-<file path=ppt/slides/slide11.xml><?xml version="1.0" encoding="utf-8"?>
+<file path=ppt/slides/slide13.xml><?xml version="1.0" encoding="utf-8"?>
 <p:sld xmlns:a="http://schemas.openxmlformats.org/drawingml/2006/main" xmlns:r="http://schemas.openxmlformats.org/officeDocument/2006/relationships" xmlns:p="http://schemas.openxmlformats.org/presentationml/2006/main">
   <p:cSld>
     <p:bg>
@@ -21020,7 +24406,7 @@
 </file>
 
 <file path=ppt/slides/slide8.xml><?xml version="1.0" encoding="utf-8"?>
-<p:sld xmlns:a="http://schemas.openxmlformats.org/drawingml/2006/main" xmlns:r="http://schemas.openxmlformats.org/officeDocument/2006/relationships" xmlns:p="http://schemas.openxmlformats.org/presentationml/2006/main">
+<p:sld xmlns:a="http://schemas.openxmlformats.org/drawingml/2006/main" xmlns:r="http://schemas.openxmlformats.org/officeDocument/2006/relationships" xmlns:p="http://schemas.openxmlformats.org/presentationml/2006/main" show="0">
   <p:cSld>
     <p:spTree>
       <p:nvGrpSpPr>
@@ -22663,7 +26049,7 @@
           <p:cNvPr id="2" name="Title 1">
             <a:extLst>
               <a:ext uri="{FF2B5EF4-FFF2-40B4-BE49-F238E27FC236}">
-                <a16:creationId xmlns:a16="http://schemas.microsoft.com/office/drawing/2014/main" id="{FBB17739-EDA8-0BBF-2BBE-DD328C51C51D}"/>
+                <a16:creationId xmlns:a16="http://schemas.microsoft.com/office/drawing/2014/main" id="{9E1B47C9-23BE-9F8B-A0E0-E74CAB5ED67A}"/>
               </a:ext>
             </a:extLst>
           </p:cNvPr>
@@ -22681,34 +26067,9 @@
           <a:p>
             <a:r>
               <a:rPr lang="en-US" dirty="0"/>
-              <a:t>Results so far</a:t>
+              <a:t>Implementation (algorithm)</a:t>
             </a:r>
             <a:endParaRPr lang="en-IL" dirty="0"/>
-          </a:p>
-        </p:txBody>
-      </p:sp>
-      <p:sp>
-        <p:nvSpPr>
-          <p:cNvPr id="3" name="Content Placeholder 2">
-            <a:extLst>
-              <a:ext uri="{FF2B5EF4-FFF2-40B4-BE49-F238E27FC236}">
-                <a16:creationId xmlns:a16="http://schemas.microsoft.com/office/drawing/2014/main" id="{2CEC7C2B-FE22-13AA-830E-5D224F921C9D}"/>
-              </a:ext>
-            </a:extLst>
-          </p:cNvPr>
-          <p:cNvSpPr>
-            <a:spLocks noGrp="1"/>
-          </p:cNvSpPr>
-          <p:nvPr>
-            <p:ph idx="1"/>
-          </p:nvPr>
-        </p:nvSpPr>
-        <p:spPr/>
-        <p:txBody>
-          <a:bodyPr/>
-          <a:lstStyle/>
-          <a:p>
-            <a:endParaRPr lang="en-IL"/>
           </a:p>
         </p:txBody>
       </p:sp>
@@ -22717,7 +26078,7 @@
           <p:cNvPr id="4" name="Google Shape;348;p47">
             <a:extLst>
               <a:ext uri="{FF2B5EF4-FFF2-40B4-BE49-F238E27FC236}">
-                <a16:creationId xmlns:a16="http://schemas.microsoft.com/office/drawing/2014/main" id="{DB4B58AA-CB6F-C0F0-4724-E92868B9FD0E}"/>
+                <a16:creationId xmlns:a16="http://schemas.microsoft.com/office/drawing/2014/main" id="{B8D434B1-56CC-6E8D-FDD2-84F2A848D19A}"/>
               </a:ext>
             </a:extLst>
           </p:cNvPr>
@@ -23014,7 +26375,7 @@
           <p:cNvPr id="5" name="Google Shape;16527;p95">
             <a:extLst>
               <a:ext uri="{FF2B5EF4-FFF2-40B4-BE49-F238E27FC236}">
-                <a16:creationId xmlns:a16="http://schemas.microsoft.com/office/drawing/2014/main" id="{4752F03D-3D59-EDD4-1EDF-103EBF40E5C6}"/>
+                <a16:creationId xmlns:a16="http://schemas.microsoft.com/office/drawing/2014/main" id="{220E5C26-EB1D-31C2-6A8B-D662D1D97FC8}"/>
               </a:ext>
             </a:extLst>
           </p:cNvPr>
@@ -23034,7 +26395,7 @@
             <p:cNvPr id="6" name="Google Shape;16528;p95">
               <a:extLst>
                 <a:ext uri="{FF2B5EF4-FFF2-40B4-BE49-F238E27FC236}">
-                  <a16:creationId xmlns:a16="http://schemas.microsoft.com/office/drawing/2014/main" id="{2608EC1E-CF34-1B32-5C9F-E9F6FCBF6CB4}"/>
+                  <a16:creationId xmlns:a16="http://schemas.microsoft.com/office/drawing/2014/main" id="{118BEC51-40EB-32C2-B97B-894607665666}"/>
                 </a:ext>
               </a:extLst>
             </p:cNvPr>
@@ -23131,7 +26492,7 @@
             <p:cNvPr id="7" name="Google Shape;16529;p95">
               <a:extLst>
                 <a:ext uri="{FF2B5EF4-FFF2-40B4-BE49-F238E27FC236}">
-                  <a16:creationId xmlns:a16="http://schemas.microsoft.com/office/drawing/2014/main" id="{A24D5EAA-27CE-050F-F478-1E90FDFE9227}"/>
+                  <a16:creationId xmlns:a16="http://schemas.microsoft.com/office/drawing/2014/main" id="{42D04CD0-2AD6-C614-6F95-3DB36DC7FF5A}"/>
                 </a:ext>
               </a:extLst>
             </p:cNvPr>
@@ -23924,7 +27285,7 @@
             <p:cNvPr id="8" name="Google Shape;16530;p95">
               <a:extLst>
                 <a:ext uri="{FF2B5EF4-FFF2-40B4-BE49-F238E27FC236}">
-                  <a16:creationId xmlns:a16="http://schemas.microsoft.com/office/drawing/2014/main" id="{BD773F22-CE2F-7E1B-8AA9-82D35518965D}"/>
+                  <a16:creationId xmlns:a16="http://schemas.microsoft.com/office/drawing/2014/main" id="{41DB6582-97B6-95D9-6058-4A4471F70016}"/>
                 </a:ext>
               </a:extLst>
             </p:cNvPr>
@@ -24002,10 +27363,91 @@
           </p:txBody>
         </p:sp>
       </p:grpSp>
+      <p:sp>
+        <p:nvSpPr>
+          <p:cNvPr id="10" name="Rectangle 9">
+            <a:extLst>
+              <a:ext uri="{FF2B5EF4-FFF2-40B4-BE49-F238E27FC236}">
+                <a16:creationId xmlns:a16="http://schemas.microsoft.com/office/drawing/2014/main" id="{B6078964-1BD5-2C9D-0E9B-F83F080A0A4E}"/>
+              </a:ext>
+            </a:extLst>
+          </p:cNvPr>
+          <p:cNvSpPr/>
+          <p:nvPr/>
+        </p:nvSpPr>
+        <p:spPr>
+          <a:xfrm>
+            <a:off x="783771" y="2002971"/>
+            <a:ext cx="10570029" cy="4306389"/>
+          </a:xfrm>
+          <a:prstGeom prst="rect">
+            <a:avLst/>
+          </a:prstGeom>
+          <a:noFill/>
+        </p:spPr>
+        <p:style>
+          <a:lnRef idx="2">
+            <a:schemeClr val="dk1"/>
+          </a:lnRef>
+          <a:fillRef idx="1">
+            <a:schemeClr val="lt1"/>
+          </a:fillRef>
+          <a:effectRef idx="0">
+            <a:schemeClr val="dk1"/>
+          </a:effectRef>
+          <a:fontRef idx="minor">
+            <a:schemeClr val="dk1"/>
+          </a:fontRef>
+        </p:style>
+        <p:txBody>
+          <a:bodyPr rtlCol="0" anchor="ctr"/>
+          <a:lstStyle/>
+          <a:p>
+            <a:pPr algn="ctr"/>
+            <a:endParaRPr lang="en-IL"/>
+          </a:p>
+        </p:txBody>
+      </p:sp>
+      <p:pic>
+        <p:nvPicPr>
+          <p:cNvPr id="19" name="Picture 18" descr="A diagram of a mask and a mask&#10;&#10;Description automatically generated">
+            <a:extLst>
+              <a:ext uri="{FF2B5EF4-FFF2-40B4-BE49-F238E27FC236}">
+                <a16:creationId xmlns:a16="http://schemas.microsoft.com/office/drawing/2014/main" id="{A6114408-8D15-28C3-6309-4B553FE96CB2}"/>
+              </a:ext>
+            </a:extLst>
+          </p:cNvPr>
+          <p:cNvPicPr>
+            <a:picLocks noChangeAspect="1"/>
+          </p:cNvPicPr>
+          <p:nvPr/>
+        </p:nvPicPr>
+        <p:blipFill>
+          <a:blip r:embed="rId2">
+            <a:extLst>
+              <a:ext uri="{28A0092B-C50C-407E-A947-70E740481C1C}">
+                <a14:useLocalDpi xmlns:a14="http://schemas.microsoft.com/office/drawing/2010/main" val="0"/>
+              </a:ext>
+            </a:extLst>
+          </a:blip>
+          <a:stretch>
+            <a:fillRect/>
+          </a:stretch>
+        </p:blipFill>
+        <p:spPr>
+          <a:xfrm>
+            <a:off x="1116766" y="2168351"/>
+            <a:ext cx="10008434" cy="3961183"/>
+          </a:xfrm>
+          <a:prstGeom prst="rect">
+            <a:avLst/>
+          </a:prstGeom>
+        </p:spPr>
+      </p:pic>
     </p:spTree>
     <p:extLst>
       <p:ext uri="{BB962C8B-B14F-4D97-AF65-F5344CB8AC3E}">
-        <p14:creationId xmlns:p14="http://schemas.microsoft.com/office/powerpoint/2010/main" val="3884930515"/>
+        <p14:creationId xmlns:p14="http://schemas.microsoft.com/office/powerpoint/2010/main" val="2633577502"/>
       </p:ext>
     </p:extLst>
   </p:cSld>

--- a/updated_presentation.pptx
+++ b/updated_presentation.pptx
@@ -11425,7 +11425,7 @@
                   <a:schemeClr val="tx1"/>
                 </a:solidFill>
               </a:rPr>
-              <a:t>Our Work So far</a:t>
+              <a:t>Results</a:t>
             </a:r>
           </a:p>
           <a:p>
@@ -11437,999 +11437,6 @@
           </a:p>
         </p:txBody>
       </p:sp>
-      <p:grpSp>
-        <p:nvGrpSpPr>
-          <p:cNvPr id="5" name="Google Shape;16527;p95">
-            <a:extLst>
-              <a:ext uri="{FF2B5EF4-FFF2-40B4-BE49-F238E27FC236}">
-                <a16:creationId xmlns:a16="http://schemas.microsoft.com/office/drawing/2014/main" id="{4752F03D-3D59-EDD4-1EDF-103EBF40E5C6}"/>
-              </a:ext>
-            </a:extLst>
-          </p:cNvPr>
-          <p:cNvGrpSpPr/>
-          <p:nvPr/>
-        </p:nvGrpSpPr>
-        <p:grpSpPr>
-          <a:xfrm>
-            <a:off x="2303253" y="87486"/>
-            <a:ext cx="664234" cy="418204"/>
-            <a:chOff x="1341727" y="2483349"/>
-            <a:chExt cx="419913" cy="308109"/>
-          </a:xfrm>
-        </p:grpSpPr>
-        <p:sp>
-          <p:nvSpPr>
-            <p:cNvPr id="6" name="Google Shape;16528;p95">
-              <a:extLst>
-                <a:ext uri="{FF2B5EF4-FFF2-40B4-BE49-F238E27FC236}">
-                  <a16:creationId xmlns:a16="http://schemas.microsoft.com/office/drawing/2014/main" id="{2608EC1E-CF34-1B32-5C9F-E9F6FCBF6CB4}"/>
-                </a:ext>
-              </a:extLst>
-            </p:cNvPr>
-            <p:cNvSpPr/>
-            <p:nvPr/>
-          </p:nvSpPr>
-          <p:spPr>
-            <a:xfrm>
-              <a:off x="1623896" y="2522310"/>
-              <a:ext cx="53488" cy="18605"/>
-            </a:xfrm>
-            <a:custGeom>
-              <a:avLst/>
-              <a:gdLst/>
-              <a:ahLst/>
-              <a:cxnLst/>
-              <a:rect l="l" t="t" r="r" b="b"/>
-              <a:pathLst>
-                <a:path w="1406" h="489" extrusionOk="0">
-                  <a:moveTo>
-                    <a:pt x="167" y="1"/>
-                  </a:moveTo>
-                  <a:cubicBezTo>
-                    <a:pt x="84" y="1"/>
-                    <a:pt x="1" y="72"/>
-                    <a:pt x="1" y="167"/>
-                  </a:cubicBezTo>
-                  <a:cubicBezTo>
-                    <a:pt x="1" y="251"/>
-                    <a:pt x="84" y="322"/>
-                    <a:pt x="167" y="322"/>
-                  </a:cubicBezTo>
-                  <a:cubicBezTo>
-                    <a:pt x="346" y="322"/>
-                    <a:pt x="882" y="358"/>
-                    <a:pt x="1144" y="477"/>
-                  </a:cubicBezTo>
-                  <a:cubicBezTo>
-                    <a:pt x="1167" y="489"/>
-                    <a:pt x="1179" y="489"/>
-                    <a:pt x="1215" y="489"/>
-                  </a:cubicBezTo>
-                  <a:cubicBezTo>
-                    <a:pt x="1275" y="489"/>
-                    <a:pt x="1334" y="465"/>
-                    <a:pt x="1358" y="406"/>
-                  </a:cubicBezTo>
-                  <a:cubicBezTo>
-                    <a:pt x="1406" y="346"/>
-                    <a:pt x="1358" y="239"/>
-                    <a:pt x="1286" y="191"/>
-                  </a:cubicBezTo>
-                  <a:cubicBezTo>
-                    <a:pt x="917" y="1"/>
-                    <a:pt x="203" y="1"/>
-                    <a:pt x="167" y="1"/>
-                  </a:cubicBezTo>
-                  <a:close/>
-                </a:path>
-              </a:pathLst>
-            </a:custGeom>
-            <a:solidFill>
-              <a:srgbClr val="657E93"/>
-            </a:solidFill>
-            <a:ln>
-              <a:noFill/>
-            </a:ln>
-          </p:spPr>
-          <p:txBody>
-            <a:bodyPr spcFirstLastPara="1" wrap="square" lIns="91425" tIns="91425" rIns="91425" bIns="91425" anchor="ctr" anchorCtr="0">
-              <a:noAutofit/>
-            </a:bodyPr>
-            <a:lstStyle/>
-            <a:p>
-              <a:pPr marL="0" lvl="0" indent="0" algn="l" rtl="0">
-                <a:spcBef>
-                  <a:spcPts val="0"/>
-                </a:spcBef>
-                <a:spcAft>
-                  <a:spcPts val="0"/>
-                </a:spcAft>
-                <a:buNone/>
-              </a:pPr>
-              <a:endParaRPr>
-                <a:solidFill>
-                  <a:schemeClr val="accent2"/>
-                </a:solidFill>
-              </a:endParaRPr>
-            </a:p>
-          </p:txBody>
-        </p:sp>
-        <p:sp>
-          <p:nvSpPr>
-            <p:cNvPr id="7" name="Google Shape;16529;p95">
-              <a:extLst>
-                <a:ext uri="{FF2B5EF4-FFF2-40B4-BE49-F238E27FC236}">
-                  <a16:creationId xmlns:a16="http://schemas.microsoft.com/office/drawing/2014/main" id="{A24D5EAA-27CE-050F-F478-1E90FDFE9227}"/>
-                </a:ext>
-              </a:extLst>
-            </p:cNvPr>
-            <p:cNvSpPr/>
-            <p:nvPr/>
-          </p:nvSpPr>
-          <p:spPr>
-            <a:xfrm>
-              <a:off x="1341727" y="2483349"/>
-              <a:ext cx="419913" cy="308109"/>
-            </a:xfrm>
-            <a:custGeom>
-              <a:avLst/>
-              <a:gdLst/>
-              <a:ahLst/>
-              <a:cxnLst/>
-              <a:rect l="l" t="t" r="r" b="b"/>
-              <a:pathLst>
-                <a:path w="11038" h="8098" extrusionOk="0">
-                  <a:moveTo>
-                    <a:pt x="9156" y="501"/>
-                  </a:moveTo>
-                  <a:lnTo>
-                    <a:pt x="9156" y="1168"/>
-                  </a:lnTo>
-                  <a:cubicBezTo>
-                    <a:pt x="9156" y="1275"/>
-                    <a:pt x="9120" y="1394"/>
-                    <a:pt x="9073" y="1489"/>
-                  </a:cubicBezTo>
-                  <a:lnTo>
-                    <a:pt x="9001" y="1644"/>
-                  </a:lnTo>
-                  <a:cubicBezTo>
-                    <a:pt x="8989" y="1680"/>
-                    <a:pt x="8989" y="1692"/>
-                    <a:pt x="8989" y="1727"/>
-                  </a:cubicBezTo>
-                  <a:lnTo>
-                    <a:pt x="8989" y="2061"/>
-                  </a:lnTo>
-                  <a:cubicBezTo>
-                    <a:pt x="8989" y="2299"/>
-                    <a:pt x="8894" y="2525"/>
-                    <a:pt x="8715" y="2692"/>
-                  </a:cubicBezTo>
-                  <a:cubicBezTo>
-                    <a:pt x="8537" y="2858"/>
-                    <a:pt x="8311" y="2942"/>
-                    <a:pt x="8072" y="2942"/>
-                  </a:cubicBezTo>
-                  <a:cubicBezTo>
-                    <a:pt x="7620" y="2918"/>
-                    <a:pt x="7227" y="2513"/>
-                    <a:pt x="7227" y="2025"/>
-                  </a:cubicBezTo>
-                  <a:lnTo>
-                    <a:pt x="7227" y="1727"/>
-                  </a:lnTo>
-                  <a:cubicBezTo>
-                    <a:pt x="7227" y="1692"/>
-                    <a:pt x="7227" y="1680"/>
-                    <a:pt x="7215" y="1644"/>
-                  </a:cubicBezTo>
-                  <a:lnTo>
-                    <a:pt x="7108" y="1453"/>
-                  </a:lnTo>
-                  <a:cubicBezTo>
-                    <a:pt x="7084" y="1382"/>
-                    <a:pt x="7049" y="1311"/>
-                    <a:pt x="7049" y="1215"/>
-                  </a:cubicBezTo>
-                  <a:lnTo>
-                    <a:pt x="7049" y="1203"/>
-                  </a:lnTo>
-                  <a:cubicBezTo>
-                    <a:pt x="7049" y="810"/>
-                    <a:pt x="7370" y="501"/>
-                    <a:pt x="7751" y="501"/>
-                  </a:cubicBezTo>
-                  <a:close/>
-                  <a:moveTo>
-                    <a:pt x="3274" y="322"/>
-                  </a:moveTo>
-                  <a:cubicBezTo>
-                    <a:pt x="3548" y="322"/>
-                    <a:pt x="3786" y="429"/>
-                    <a:pt x="3989" y="632"/>
-                  </a:cubicBezTo>
-                  <a:cubicBezTo>
-                    <a:pt x="4179" y="834"/>
-                    <a:pt x="4298" y="1108"/>
-                    <a:pt x="4310" y="1394"/>
-                  </a:cubicBezTo>
-                  <a:cubicBezTo>
-                    <a:pt x="4346" y="1739"/>
-                    <a:pt x="4441" y="2442"/>
-                    <a:pt x="4608" y="2858"/>
-                  </a:cubicBezTo>
-                  <a:cubicBezTo>
-                    <a:pt x="4358" y="2942"/>
-                    <a:pt x="3870" y="3096"/>
-                    <a:pt x="3274" y="3096"/>
-                  </a:cubicBezTo>
-                  <a:cubicBezTo>
-                    <a:pt x="3253" y="3097"/>
-                    <a:pt x="3232" y="3097"/>
-                    <a:pt x="3210" y="3097"/>
-                  </a:cubicBezTo>
-                  <a:cubicBezTo>
-                    <a:pt x="2654" y="3097"/>
-                    <a:pt x="2182" y="2951"/>
-                    <a:pt x="1953" y="2870"/>
-                  </a:cubicBezTo>
-                  <a:cubicBezTo>
-                    <a:pt x="2096" y="2442"/>
-                    <a:pt x="2215" y="1739"/>
-                    <a:pt x="2226" y="1394"/>
-                  </a:cubicBezTo>
-                  <a:cubicBezTo>
-                    <a:pt x="2250" y="1096"/>
-                    <a:pt x="2357" y="834"/>
-                    <a:pt x="2560" y="632"/>
-                  </a:cubicBezTo>
-                  <a:cubicBezTo>
-                    <a:pt x="2750" y="429"/>
-                    <a:pt x="3000" y="322"/>
-                    <a:pt x="3274" y="322"/>
-                  </a:cubicBezTo>
-                  <a:close/>
-                  <a:moveTo>
-                    <a:pt x="7751" y="3192"/>
-                  </a:moveTo>
-                  <a:cubicBezTo>
-                    <a:pt x="7858" y="3227"/>
-                    <a:pt x="7965" y="3251"/>
-                    <a:pt x="8084" y="3251"/>
-                  </a:cubicBezTo>
-                  <a:lnTo>
-                    <a:pt x="8120" y="3251"/>
-                  </a:lnTo>
-                  <a:cubicBezTo>
-                    <a:pt x="8239" y="3251"/>
-                    <a:pt x="8358" y="3239"/>
-                    <a:pt x="8477" y="3192"/>
-                  </a:cubicBezTo>
-                  <a:lnTo>
-                    <a:pt x="8477" y="3192"/>
-                  </a:lnTo>
-                  <a:cubicBezTo>
-                    <a:pt x="8465" y="3251"/>
-                    <a:pt x="8477" y="3299"/>
-                    <a:pt x="8501" y="3346"/>
-                  </a:cubicBezTo>
-                  <a:lnTo>
-                    <a:pt x="8358" y="3477"/>
-                  </a:lnTo>
-                  <a:cubicBezTo>
-                    <a:pt x="8287" y="3549"/>
-                    <a:pt x="8203" y="3585"/>
-                    <a:pt x="8108" y="3585"/>
-                  </a:cubicBezTo>
-                  <a:cubicBezTo>
-                    <a:pt x="8025" y="3585"/>
-                    <a:pt x="7930" y="3549"/>
-                    <a:pt x="7858" y="3477"/>
-                  </a:cubicBezTo>
-                  <a:lnTo>
-                    <a:pt x="7727" y="3346"/>
-                  </a:lnTo>
-                  <a:cubicBezTo>
-                    <a:pt x="7739" y="3299"/>
-                    <a:pt x="7751" y="3251"/>
-                    <a:pt x="7751" y="3192"/>
-                  </a:cubicBezTo>
-                  <a:close/>
-                  <a:moveTo>
-                    <a:pt x="3691" y="3418"/>
-                  </a:moveTo>
-                  <a:cubicBezTo>
-                    <a:pt x="3750" y="3537"/>
-                    <a:pt x="3870" y="3644"/>
-                    <a:pt x="4001" y="3668"/>
-                  </a:cubicBezTo>
-                  <a:lnTo>
-                    <a:pt x="4584" y="3835"/>
-                  </a:lnTo>
-                  <a:cubicBezTo>
-                    <a:pt x="4727" y="3882"/>
-                    <a:pt x="4834" y="4013"/>
-                    <a:pt x="4834" y="4180"/>
-                  </a:cubicBezTo>
-                  <a:lnTo>
-                    <a:pt x="4834" y="5680"/>
-                  </a:lnTo>
-                  <a:cubicBezTo>
-                    <a:pt x="4834" y="5871"/>
-                    <a:pt x="4667" y="6037"/>
-                    <a:pt x="4477" y="6037"/>
-                  </a:cubicBezTo>
-                  <a:lnTo>
-                    <a:pt x="4477" y="4811"/>
-                  </a:lnTo>
-                  <a:cubicBezTo>
-                    <a:pt x="4477" y="4549"/>
-                    <a:pt x="4239" y="4311"/>
-                    <a:pt x="3977" y="4311"/>
-                  </a:cubicBezTo>
-                  <a:lnTo>
-                    <a:pt x="2584" y="4311"/>
-                  </a:lnTo>
-                  <a:cubicBezTo>
-                    <a:pt x="2310" y="4311"/>
-                    <a:pt x="2084" y="4537"/>
-                    <a:pt x="2084" y="4811"/>
-                  </a:cubicBezTo>
-                  <a:lnTo>
-                    <a:pt x="2084" y="6037"/>
-                  </a:lnTo>
-                  <a:lnTo>
-                    <a:pt x="2072" y="6037"/>
-                  </a:lnTo>
-                  <a:cubicBezTo>
-                    <a:pt x="1869" y="6037"/>
-                    <a:pt x="1715" y="5871"/>
-                    <a:pt x="1715" y="5680"/>
-                  </a:cubicBezTo>
-                  <a:lnTo>
-                    <a:pt x="1715" y="4180"/>
-                  </a:lnTo>
-                  <a:cubicBezTo>
-                    <a:pt x="1715" y="4013"/>
-                    <a:pt x="1810" y="3882"/>
-                    <a:pt x="1965" y="3835"/>
-                  </a:cubicBezTo>
-                  <a:lnTo>
-                    <a:pt x="2548" y="3668"/>
-                  </a:lnTo>
-                  <a:cubicBezTo>
-                    <a:pt x="2679" y="3620"/>
-                    <a:pt x="2798" y="3537"/>
-                    <a:pt x="2858" y="3418"/>
-                  </a:cubicBezTo>
-                  <a:cubicBezTo>
-                    <a:pt x="2988" y="3430"/>
-                    <a:pt x="3119" y="3430"/>
-                    <a:pt x="3274" y="3430"/>
-                  </a:cubicBezTo>
-                  <a:cubicBezTo>
-                    <a:pt x="3417" y="3430"/>
-                    <a:pt x="3560" y="3418"/>
-                    <a:pt x="3691" y="3418"/>
-                  </a:cubicBezTo>
-                  <a:close/>
-                  <a:moveTo>
-                    <a:pt x="8668" y="3608"/>
-                  </a:moveTo>
-                  <a:cubicBezTo>
-                    <a:pt x="8715" y="3644"/>
-                    <a:pt x="8763" y="3656"/>
-                    <a:pt x="8811" y="3668"/>
-                  </a:cubicBezTo>
-                  <a:lnTo>
-                    <a:pt x="9382" y="3835"/>
-                  </a:lnTo>
-                  <a:cubicBezTo>
-                    <a:pt x="9537" y="3882"/>
-                    <a:pt x="9644" y="4013"/>
-                    <a:pt x="9644" y="4180"/>
-                  </a:cubicBezTo>
-                  <a:lnTo>
-                    <a:pt x="9644" y="5680"/>
-                  </a:lnTo>
-                  <a:cubicBezTo>
-                    <a:pt x="9644" y="5871"/>
-                    <a:pt x="9477" y="6037"/>
-                    <a:pt x="9287" y="6037"/>
-                  </a:cubicBezTo>
-                  <a:lnTo>
-                    <a:pt x="8584" y="6037"/>
-                  </a:lnTo>
-                  <a:lnTo>
-                    <a:pt x="8584" y="6025"/>
-                  </a:lnTo>
-                  <a:lnTo>
-                    <a:pt x="8584" y="5668"/>
-                  </a:lnTo>
-                  <a:lnTo>
-                    <a:pt x="9120" y="5668"/>
-                  </a:lnTo>
-                  <a:cubicBezTo>
-                    <a:pt x="9204" y="5668"/>
-                    <a:pt x="9287" y="5597"/>
-                    <a:pt x="9287" y="5502"/>
-                  </a:cubicBezTo>
-                  <a:lnTo>
-                    <a:pt x="9287" y="4466"/>
-                  </a:lnTo>
-                  <a:cubicBezTo>
-                    <a:pt x="9287" y="4370"/>
-                    <a:pt x="9204" y="4299"/>
-                    <a:pt x="9120" y="4299"/>
-                  </a:cubicBezTo>
-                  <a:cubicBezTo>
-                    <a:pt x="9025" y="4299"/>
-                    <a:pt x="8954" y="4370"/>
-                    <a:pt x="8954" y="4466"/>
-                  </a:cubicBezTo>
-                  <a:lnTo>
-                    <a:pt x="8954" y="5335"/>
-                  </a:lnTo>
-                  <a:lnTo>
-                    <a:pt x="8584" y="5335"/>
-                  </a:lnTo>
-                  <a:lnTo>
-                    <a:pt x="8584" y="4644"/>
-                  </a:lnTo>
-                  <a:cubicBezTo>
-                    <a:pt x="8584" y="4466"/>
-                    <a:pt x="8430" y="4311"/>
-                    <a:pt x="8251" y="4311"/>
-                  </a:cubicBezTo>
-                  <a:lnTo>
-                    <a:pt x="6513" y="4311"/>
-                  </a:lnTo>
-                  <a:lnTo>
-                    <a:pt x="6513" y="4180"/>
-                  </a:lnTo>
-                  <a:lnTo>
-                    <a:pt x="6548" y="4180"/>
-                  </a:lnTo>
-                  <a:cubicBezTo>
-                    <a:pt x="6548" y="4013"/>
-                    <a:pt x="6644" y="3882"/>
-                    <a:pt x="6798" y="3835"/>
-                  </a:cubicBezTo>
-                  <a:lnTo>
-                    <a:pt x="7382" y="3668"/>
-                  </a:lnTo>
-                  <a:cubicBezTo>
-                    <a:pt x="7418" y="3656"/>
-                    <a:pt x="7477" y="3644"/>
-                    <a:pt x="7513" y="3608"/>
-                  </a:cubicBezTo>
-                  <a:lnTo>
-                    <a:pt x="7620" y="3716"/>
-                  </a:lnTo>
-                  <a:cubicBezTo>
-                    <a:pt x="7751" y="3847"/>
-                    <a:pt x="7918" y="3906"/>
-                    <a:pt x="8096" y="3906"/>
-                  </a:cubicBezTo>
-                  <a:cubicBezTo>
-                    <a:pt x="8275" y="3906"/>
-                    <a:pt x="8453" y="3835"/>
-                    <a:pt x="8573" y="3716"/>
-                  </a:cubicBezTo>
-                  <a:lnTo>
-                    <a:pt x="8668" y="3608"/>
-                  </a:lnTo>
-                  <a:close/>
-                  <a:moveTo>
-                    <a:pt x="8287" y="4644"/>
-                  </a:moveTo>
-                  <a:cubicBezTo>
-                    <a:pt x="8287" y="4644"/>
-                    <a:pt x="8299" y="4644"/>
-                    <a:pt x="8299" y="4656"/>
-                  </a:cubicBezTo>
-                  <a:lnTo>
-                    <a:pt x="8299" y="6037"/>
-                  </a:lnTo>
-                  <a:cubicBezTo>
-                    <a:pt x="8299" y="6037"/>
-                    <a:pt x="8299" y="6049"/>
-                    <a:pt x="8287" y="6049"/>
-                  </a:cubicBezTo>
-                  <a:lnTo>
-                    <a:pt x="6215" y="6049"/>
-                  </a:lnTo>
-                  <a:cubicBezTo>
-                    <a:pt x="6215" y="6049"/>
-                    <a:pt x="6203" y="6049"/>
-                    <a:pt x="6203" y="6037"/>
-                  </a:cubicBezTo>
-                  <a:lnTo>
-                    <a:pt x="6203" y="4656"/>
-                  </a:lnTo>
-                  <a:lnTo>
-                    <a:pt x="8287" y="4644"/>
-                  </a:lnTo>
-                  <a:close/>
-                  <a:moveTo>
-                    <a:pt x="2084" y="6371"/>
-                  </a:moveTo>
-                  <a:lnTo>
-                    <a:pt x="2084" y="6740"/>
-                  </a:lnTo>
-                  <a:lnTo>
-                    <a:pt x="679" y="6740"/>
-                  </a:lnTo>
-                  <a:lnTo>
-                    <a:pt x="679" y="6371"/>
-                  </a:lnTo>
-                  <a:close/>
-                  <a:moveTo>
-                    <a:pt x="10382" y="6371"/>
-                  </a:moveTo>
-                  <a:lnTo>
-                    <a:pt x="10382" y="6740"/>
-                  </a:lnTo>
-                  <a:lnTo>
-                    <a:pt x="4477" y="6740"/>
-                  </a:lnTo>
-                  <a:lnTo>
-                    <a:pt x="4477" y="6371"/>
-                  </a:lnTo>
-                  <a:close/>
-                  <a:moveTo>
-                    <a:pt x="3953" y="4644"/>
-                  </a:moveTo>
-                  <a:cubicBezTo>
-                    <a:pt x="4060" y="4644"/>
-                    <a:pt x="4131" y="4728"/>
-                    <a:pt x="4131" y="4823"/>
-                  </a:cubicBezTo>
-                  <a:lnTo>
-                    <a:pt x="4131" y="7085"/>
-                  </a:lnTo>
-                  <a:lnTo>
-                    <a:pt x="2393" y="7085"/>
-                  </a:lnTo>
-                  <a:lnTo>
-                    <a:pt x="2393" y="4823"/>
-                  </a:lnTo>
-                  <a:cubicBezTo>
-                    <a:pt x="2393" y="4716"/>
-                    <a:pt x="2488" y="4644"/>
-                    <a:pt x="2572" y="4644"/>
-                  </a:cubicBezTo>
-                  <a:close/>
-                  <a:moveTo>
-                    <a:pt x="3274" y="1"/>
-                  </a:moveTo>
-                  <a:cubicBezTo>
-                    <a:pt x="2548" y="1"/>
-                    <a:pt x="1965" y="596"/>
-                    <a:pt x="1905" y="1370"/>
-                  </a:cubicBezTo>
-                  <a:cubicBezTo>
-                    <a:pt x="1869" y="1692"/>
-                    <a:pt x="1774" y="2346"/>
-                    <a:pt x="1631" y="2751"/>
-                  </a:cubicBezTo>
-                  <a:cubicBezTo>
-                    <a:pt x="1607" y="2835"/>
-                    <a:pt x="1607" y="2930"/>
-                    <a:pt x="1655" y="3001"/>
-                  </a:cubicBezTo>
-                  <a:cubicBezTo>
-                    <a:pt x="1691" y="3073"/>
-                    <a:pt x="1750" y="3156"/>
-                    <a:pt x="1845" y="3180"/>
-                  </a:cubicBezTo>
-                  <a:cubicBezTo>
-                    <a:pt x="1988" y="3227"/>
-                    <a:pt x="2215" y="3299"/>
-                    <a:pt x="2488" y="3358"/>
-                  </a:cubicBezTo>
-                  <a:lnTo>
-                    <a:pt x="2465" y="3358"/>
-                  </a:lnTo>
-                  <a:lnTo>
-                    <a:pt x="1893" y="3525"/>
-                  </a:lnTo>
-                  <a:cubicBezTo>
-                    <a:pt x="1595" y="3608"/>
-                    <a:pt x="1393" y="3882"/>
-                    <a:pt x="1393" y="4180"/>
-                  </a:cubicBezTo>
-                  <a:lnTo>
-                    <a:pt x="1393" y="5680"/>
-                  </a:lnTo>
-                  <a:cubicBezTo>
-                    <a:pt x="1393" y="5811"/>
-                    <a:pt x="1429" y="5930"/>
-                    <a:pt x="1500" y="6037"/>
-                  </a:cubicBezTo>
-                  <a:lnTo>
-                    <a:pt x="167" y="6037"/>
-                  </a:lnTo>
-                  <a:cubicBezTo>
-                    <a:pt x="71" y="6037"/>
-                    <a:pt x="0" y="6109"/>
-                    <a:pt x="0" y="6204"/>
-                  </a:cubicBezTo>
-                  <a:cubicBezTo>
-                    <a:pt x="0" y="6287"/>
-                    <a:pt x="71" y="6371"/>
-                    <a:pt x="167" y="6371"/>
-                  </a:cubicBezTo>
-                  <a:lnTo>
-                    <a:pt x="345" y="6371"/>
-                  </a:lnTo>
-                  <a:lnTo>
-                    <a:pt x="345" y="7930"/>
-                  </a:lnTo>
-                  <a:cubicBezTo>
-                    <a:pt x="345" y="8014"/>
-                    <a:pt x="417" y="8097"/>
-                    <a:pt x="500" y="8097"/>
-                  </a:cubicBezTo>
-                  <a:cubicBezTo>
-                    <a:pt x="595" y="8097"/>
-                    <a:pt x="667" y="8014"/>
-                    <a:pt x="667" y="7930"/>
-                  </a:cubicBezTo>
-                  <a:lnTo>
-                    <a:pt x="667" y="7049"/>
-                  </a:lnTo>
-                  <a:lnTo>
-                    <a:pt x="2072" y="7049"/>
-                  </a:lnTo>
-                  <a:lnTo>
-                    <a:pt x="2072" y="7930"/>
-                  </a:lnTo>
-                  <a:cubicBezTo>
-                    <a:pt x="2072" y="8014"/>
-                    <a:pt x="2143" y="8097"/>
-                    <a:pt x="2226" y="8097"/>
-                  </a:cubicBezTo>
-                  <a:cubicBezTo>
-                    <a:pt x="2322" y="8097"/>
-                    <a:pt x="2393" y="8014"/>
-                    <a:pt x="2393" y="7930"/>
-                  </a:cubicBezTo>
-                  <a:lnTo>
-                    <a:pt x="2393" y="7395"/>
-                  </a:lnTo>
-                  <a:lnTo>
-                    <a:pt x="4155" y="7395"/>
-                  </a:lnTo>
-                  <a:lnTo>
-                    <a:pt x="4155" y="7930"/>
-                  </a:lnTo>
-                  <a:cubicBezTo>
-                    <a:pt x="4155" y="8014"/>
-                    <a:pt x="4227" y="8097"/>
-                    <a:pt x="4310" y="8097"/>
-                  </a:cubicBezTo>
-                  <a:cubicBezTo>
-                    <a:pt x="4405" y="8097"/>
-                    <a:pt x="4477" y="8014"/>
-                    <a:pt x="4477" y="7930"/>
-                  </a:cubicBezTo>
-                  <a:lnTo>
-                    <a:pt x="4477" y="7049"/>
-                  </a:lnTo>
-                  <a:lnTo>
-                    <a:pt x="10370" y="7049"/>
-                  </a:lnTo>
-                  <a:lnTo>
-                    <a:pt x="10370" y="7930"/>
-                  </a:lnTo>
-                  <a:cubicBezTo>
-                    <a:pt x="10370" y="8014"/>
-                    <a:pt x="10442" y="8097"/>
-                    <a:pt x="10537" y="8097"/>
-                  </a:cubicBezTo>
-                  <a:cubicBezTo>
-                    <a:pt x="10620" y="8097"/>
-                    <a:pt x="10704" y="8014"/>
-                    <a:pt x="10704" y="7930"/>
-                  </a:cubicBezTo>
-                  <a:lnTo>
-                    <a:pt x="10704" y="6371"/>
-                  </a:lnTo>
-                  <a:lnTo>
-                    <a:pt x="10882" y="6371"/>
-                  </a:lnTo>
-                  <a:cubicBezTo>
-                    <a:pt x="10966" y="6371"/>
-                    <a:pt x="11037" y="6287"/>
-                    <a:pt x="11037" y="6204"/>
-                  </a:cubicBezTo>
-                  <a:cubicBezTo>
-                    <a:pt x="11037" y="6109"/>
-                    <a:pt x="10966" y="6037"/>
-                    <a:pt x="10882" y="6037"/>
-                  </a:cubicBezTo>
-                  <a:lnTo>
-                    <a:pt x="9894" y="6037"/>
-                  </a:lnTo>
-                  <a:cubicBezTo>
-                    <a:pt x="9954" y="5930"/>
-                    <a:pt x="10001" y="5811"/>
-                    <a:pt x="10001" y="5680"/>
-                  </a:cubicBezTo>
-                  <a:lnTo>
-                    <a:pt x="10001" y="4180"/>
-                  </a:lnTo>
-                  <a:cubicBezTo>
-                    <a:pt x="10001" y="3882"/>
-                    <a:pt x="9787" y="3608"/>
-                    <a:pt x="9501" y="3525"/>
-                  </a:cubicBezTo>
-                  <a:lnTo>
-                    <a:pt x="8930" y="3358"/>
-                  </a:lnTo>
-                  <a:cubicBezTo>
-                    <a:pt x="8858" y="3335"/>
-                    <a:pt x="8799" y="3275"/>
-                    <a:pt x="8799" y="3180"/>
-                  </a:cubicBezTo>
-                  <a:lnTo>
-                    <a:pt x="8799" y="3049"/>
-                  </a:lnTo>
-                  <a:cubicBezTo>
-                    <a:pt x="8858" y="3001"/>
-                    <a:pt x="8894" y="2977"/>
-                    <a:pt x="8942" y="2918"/>
-                  </a:cubicBezTo>
-                  <a:cubicBezTo>
-                    <a:pt x="9180" y="2692"/>
-                    <a:pt x="9299" y="2382"/>
-                    <a:pt x="9299" y="2049"/>
-                  </a:cubicBezTo>
-                  <a:lnTo>
-                    <a:pt x="9299" y="1739"/>
-                  </a:lnTo>
-                  <a:lnTo>
-                    <a:pt x="9358" y="1608"/>
-                  </a:lnTo>
-                  <a:cubicBezTo>
-                    <a:pt x="9430" y="1453"/>
-                    <a:pt x="9465" y="1311"/>
-                    <a:pt x="9465" y="1144"/>
-                  </a:cubicBezTo>
-                  <a:lnTo>
-                    <a:pt x="9465" y="310"/>
-                  </a:lnTo>
-                  <a:cubicBezTo>
-                    <a:pt x="9465" y="215"/>
-                    <a:pt x="9382" y="144"/>
-                    <a:pt x="9299" y="144"/>
-                  </a:cubicBezTo>
-                  <a:lnTo>
-                    <a:pt x="7739" y="144"/>
-                  </a:lnTo>
-                  <a:cubicBezTo>
-                    <a:pt x="7168" y="144"/>
-                    <a:pt x="6703" y="608"/>
-                    <a:pt x="6703" y="1168"/>
-                  </a:cubicBezTo>
-                  <a:lnTo>
-                    <a:pt x="6703" y="1191"/>
-                  </a:lnTo>
-                  <a:cubicBezTo>
-                    <a:pt x="6703" y="1322"/>
-                    <a:pt x="6739" y="1453"/>
-                    <a:pt x="6798" y="1572"/>
-                  </a:cubicBezTo>
-                  <a:lnTo>
-                    <a:pt x="6894" y="1739"/>
-                  </a:lnTo>
-                  <a:lnTo>
-                    <a:pt x="6894" y="2001"/>
-                  </a:lnTo>
-                  <a:cubicBezTo>
-                    <a:pt x="6894" y="2418"/>
-                    <a:pt x="7096" y="2799"/>
-                    <a:pt x="7406" y="3037"/>
-                  </a:cubicBezTo>
-                  <a:lnTo>
-                    <a:pt x="7406" y="3180"/>
-                  </a:lnTo>
-                  <a:cubicBezTo>
-                    <a:pt x="7406" y="3251"/>
-                    <a:pt x="7346" y="3335"/>
-                    <a:pt x="7275" y="3358"/>
-                  </a:cubicBezTo>
-                  <a:lnTo>
-                    <a:pt x="6691" y="3525"/>
-                  </a:lnTo>
-                  <a:cubicBezTo>
-                    <a:pt x="6394" y="3608"/>
-                    <a:pt x="6203" y="3882"/>
-                    <a:pt x="6203" y="4180"/>
-                  </a:cubicBezTo>
-                  <a:lnTo>
-                    <a:pt x="6203" y="4311"/>
-                  </a:lnTo>
-                  <a:lnTo>
-                    <a:pt x="6191" y="4311"/>
-                  </a:lnTo>
-                  <a:cubicBezTo>
-                    <a:pt x="6013" y="4311"/>
-                    <a:pt x="5858" y="4466"/>
-                    <a:pt x="5858" y="4644"/>
-                  </a:cubicBezTo>
-                  <a:lnTo>
-                    <a:pt x="5858" y="6025"/>
-                  </a:lnTo>
-                  <a:lnTo>
-                    <a:pt x="5858" y="6037"/>
-                  </a:lnTo>
-                  <a:lnTo>
-                    <a:pt x="5048" y="6037"/>
-                  </a:lnTo>
-                  <a:cubicBezTo>
-                    <a:pt x="5108" y="5930"/>
-                    <a:pt x="5144" y="5811"/>
-                    <a:pt x="5144" y="5680"/>
-                  </a:cubicBezTo>
-                  <a:lnTo>
-                    <a:pt x="5144" y="4180"/>
-                  </a:lnTo>
-                  <a:cubicBezTo>
-                    <a:pt x="5144" y="3882"/>
-                    <a:pt x="4941" y="3608"/>
-                    <a:pt x="4655" y="3525"/>
-                  </a:cubicBezTo>
-                  <a:lnTo>
-                    <a:pt x="4072" y="3358"/>
-                  </a:lnTo>
-                  <a:lnTo>
-                    <a:pt x="4060" y="3358"/>
-                  </a:lnTo>
-                  <a:cubicBezTo>
-                    <a:pt x="4346" y="3299"/>
-                    <a:pt x="4560" y="3239"/>
-                    <a:pt x="4703" y="3180"/>
-                  </a:cubicBezTo>
-                  <a:cubicBezTo>
-                    <a:pt x="4786" y="3156"/>
-                    <a:pt x="4846" y="3096"/>
-                    <a:pt x="4893" y="3001"/>
-                  </a:cubicBezTo>
-                  <a:cubicBezTo>
-                    <a:pt x="4941" y="2930"/>
-                    <a:pt x="4941" y="2835"/>
-                    <a:pt x="4905" y="2751"/>
-                  </a:cubicBezTo>
-                  <a:cubicBezTo>
-                    <a:pt x="4763" y="2358"/>
-                    <a:pt x="4655" y="1692"/>
-                    <a:pt x="4643" y="1370"/>
-                  </a:cubicBezTo>
-                  <a:cubicBezTo>
-                    <a:pt x="4584" y="572"/>
-                    <a:pt x="4001" y="1"/>
-                    <a:pt x="3274" y="1"/>
-                  </a:cubicBezTo>
-                  <a:close/>
-                </a:path>
-              </a:pathLst>
-            </a:custGeom>
-            <a:solidFill>
-              <a:srgbClr val="657E93"/>
-            </a:solidFill>
-            <a:ln>
-              <a:noFill/>
-            </a:ln>
-          </p:spPr>
-          <p:txBody>
-            <a:bodyPr spcFirstLastPara="1" wrap="square" lIns="91425" tIns="91425" rIns="91425" bIns="91425" anchor="ctr" anchorCtr="0">
-              <a:noAutofit/>
-            </a:bodyPr>
-            <a:lstStyle/>
-            <a:p>
-              <a:pPr marL="0" lvl="0" indent="0" algn="l" rtl="0">
-                <a:spcBef>
-                  <a:spcPts val="0"/>
-                </a:spcBef>
-                <a:spcAft>
-                  <a:spcPts val="0"/>
-                </a:spcAft>
-                <a:buNone/>
-              </a:pPr>
-              <a:endParaRPr>
-                <a:solidFill>
-                  <a:schemeClr val="accent2"/>
-                </a:solidFill>
-              </a:endParaRPr>
-            </a:p>
-          </p:txBody>
-        </p:sp>
-        <p:sp>
-          <p:nvSpPr>
-            <p:cNvPr id="8" name="Google Shape;16530;p95">
-              <a:extLst>
-                <a:ext uri="{FF2B5EF4-FFF2-40B4-BE49-F238E27FC236}">
-                  <a16:creationId xmlns:a16="http://schemas.microsoft.com/office/drawing/2014/main" id="{BD773F22-CE2F-7E1B-8AA9-82D35518965D}"/>
-                </a:ext>
-              </a:extLst>
-            </p:cNvPr>
-            <p:cNvSpPr/>
-            <p:nvPr/>
-          </p:nvSpPr>
-          <p:spPr>
-            <a:xfrm>
-              <a:off x="1611228" y="2679979"/>
-              <a:ext cx="12250" cy="12708"/>
-            </a:xfrm>
-            <a:custGeom>
-              <a:avLst/>
-              <a:gdLst/>
-              <a:ahLst/>
-              <a:cxnLst/>
-              <a:rect l="l" t="t" r="r" b="b"/>
-              <a:pathLst>
-                <a:path w="322" h="334" extrusionOk="0">
-                  <a:moveTo>
-                    <a:pt x="167" y="0"/>
-                  </a:moveTo>
-                  <a:cubicBezTo>
-                    <a:pt x="72" y="0"/>
-                    <a:pt x="0" y="83"/>
-                    <a:pt x="0" y="167"/>
-                  </a:cubicBezTo>
-                  <a:cubicBezTo>
-                    <a:pt x="0" y="262"/>
-                    <a:pt x="72" y="334"/>
-                    <a:pt x="167" y="334"/>
-                  </a:cubicBezTo>
-                  <a:cubicBezTo>
-                    <a:pt x="250" y="334"/>
-                    <a:pt x="322" y="262"/>
-                    <a:pt x="322" y="167"/>
-                  </a:cubicBezTo>
-                  <a:cubicBezTo>
-                    <a:pt x="322" y="83"/>
-                    <a:pt x="250" y="0"/>
-                    <a:pt x="167" y="0"/>
-                  </a:cubicBezTo>
-                  <a:close/>
-                </a:path>
-              </a:pathLst>
-            </a:custGeom>
-            <a:solidFill>
-              <a:srgbClr val="657E93"/>
-            </a:solidFill>
-            <a:ln>
-              <a:noFill/>
-            </a:ln>
-          </p:spPr>
-          <p:txBody>
-            <a:bodyPr spcFirstLastPara="1" wrap="square" lIns="91425" tIns="91425" rIns="91425" bIns="91425" anchor="ctr" anchorCtr="0">
-              <a:noAutofit/>
-            </a:bodyPr>
-            <a:lstStyle/>
-            <a:p>
-              <a:pPr marL="0" lvl="0" indent="0" algn="l" rtl="0">
-                <a:spcBef>
-                  <a:spcPts val="0"/>
-                </a:spcBef>
-                <a:spcAft>
-                  <a:spcPts val="0"/>
-                </a:spcAft>
-                <a:buNone/>
-              </a:pPr>
-              <a:endParaRPr>
-                <a:solidFill>
-                  <a:schemeClr val="accent2"/>
-                </a:solidFill>
-              </a:endParaRPr>
-            </a:p>
-          </p:txBody>
-        </p:sp>
-      </p:grpSp>
       <p:pic>
         <p:nvPicPr>
           <p:cNvPr id="24" name="Content Placeholder 23" descr="A black squares with white circles&#10;&#10;Description automatically generated with medium confidence">
@@ -12482,6 +11489,1388 @@
           </a:effectLst>
         </p:spPr>
       </p:pic>
+      <p:grpSp>
+        <p:nvGrpSpPr>
+          <p:cNvPr id="25" name="Google Shape;15898;p93">
+            <a:extLst>
+              <a:ext uri="{FF2B5EF4-FFF2-40B4-BE49-F238E27FC236}">
+                <a16:creationId xmlns:a16="http://schemas.microsoft.com/office/drawing/2014/main" id="{8813B241-E7D6-0D24-13D7-6B0570F3A708}"/>
+              </a:ext>
+            </a:extLst>
+          </p:cNvPr>
+          <p:cNvGrpSpPr/>
+          <p:nvPr/>
+        </p:nvGrpSpPr>
+        <p:grpSpPr>
+          <a:xfrm>
+            <a:off x="1783237" y="13106"/>
+            <a:ext cx="437084" cy="552410"/>
+            <a:chOff x="1768821" y="3361108"/>
+            <a:chExt cx="278739" cy="339073"/>
+          </a:xfrm>
+        </p:grpSpPr>
+        <p:sp>
+          <p:nvSpPr>
+            <p:cNvPr id="26" name="Google Shape;15899;p93">
+              <a:extLst>
+                <a:ext uri="{FF2B5EF4-FFF2-40B4-BE49-F238E27FC236}">
+                  <a16:creationId xmlns:a16="http://schemas.microsoft.com/office/drawing/2014/main" id="{B23BB2A2-2F5F-B5F5-088A-5296456417FE}"/>
+                </a:ext>
+              </a:extLst>
+            </p:cNvPr>
+            <p:cNvSpPr/>
+            <p:nvPr/>
+          </p:nvSpPr>
+          <p:spPr>
+            <a:xfrm>
+              <a:off x="1784374" y="3549744"/>
+              <a:ext cx="32218" cy="21564"/>
+            </a:xfrm>
+            <a:custGeom>
+              <a:avLst/>
+              <a:gdLst/>
+              <a:ahLst/>
+              <a:cxnLst/>
+              <a:rect l="l" t="t" r="r" b="b"/>
+              <a:pathLst>
+                <a:path w="1013" h="678" extrusionOk="0">
+                  <a:moveTo>
+                    <a:pt x="830" y="1"/>
+                  </a:moveTo>
+                  <a:cubicBezTo>
+                    <a:pt x="804" y="1"/>
+                    <a:pt x="776" y="8"/>
+                    <a:pt x="750" y="23"/>
+                  </a:cubicBezTo>
+                  <a:lnTo>
+                    <a:pt x="143" y="380"/>
+                  </a:lnTo>
+                  <a:cubicBezTo>
+                    <a:pt x="0" y="451"/>
+                    <a:pt x="48" y="677"/>
+                    <a:pt x="214" y="677"/>
+                  </a:cubicBezTo>
+                  <a:cubicBezTo>
+                    <a:pt x="238" y="677"/>
+                    <a:pt x="274" y="677"/>
+                    <a:pt x="286" y="665"/>
+                  </a:cubicBezTo>
+                  <a:lnTo>
+                    <a:pt x="893" y="308"/>
+                  </a:lnTo>
+                  <a:cubicBezTo>
+                    <a:pt x="1000" y="261"/>
+                    <a:pt x="1012" y="154"/>
+                    <a:pt x="976" y="82"/>
+                  </a:cubicBezTo>
+                  <a:cubicBezTo>
+                    <a:pt x="944" y="33"/>
+                    <a:pt x="889" y="1"/>
+                    <a:pt x="830" y="1"/>
+                  </a:cubicBezTo>
+                  <a:close/>
+                </a:path>
+              </a:pathLst>
+            </a:custGeom>
+            <a:solidFill>
+              <a:srgbClr val="657E93"/>
+            </a:solidFill>
+            <a:ln>
+              <a:noFill/>
+            </a:ln>
+          </p:spPr>
+          <p:txBody>
+            <a:bodyPr spcFirstLastPara="1" wrap="square" lIns="91425" tIns="91425" rIns="91425" bIns="91425" anchor="ctr" anchorCtr="0">
+              <a:noAutofit/>
+            </a:bodyPr>
+            <a:lstStyle/>
+            <a:p>
+              <a:pPr marL="0" lvl="0" indent="0" algn="l" rtl="0">
+                <a:spcBef>
+                  <a:spcPts val="0"/>
+                </a:spcBef>
+                <a:spcAft>
+                  <a:spcPts val="0"/>
+                </a:spcAft>
+                <a:buNone/>
+              </a:pPr>
+              <a:endParaRPr>
+                <a:solidFill>
+                  <a:srgbClr val="FF0000"/>
+                </a:solidFill>
+              </a:endParaRPr>
+            </a:p>
+          </p:txBody>
+        </p:sp>
+        <p:sp>
+          <p:nvSpPr>
+            <p:cNvPr id="27" name="Google Shape;15900;p93">
+              <a:extLst>
+                <a:ext uri="{FF2B5EF4-FFF2-40B4-BE49-F238E27FC236}">
+                  <a16:creationId xmlns:a16="http://schemas.microsoft.com/office/drawing/2014/main" id="{4CE871B1-21AC-2E34-8E65-87AD24A8DE46}"/>
+                </a:ext>
+              </a:extLst>
+            </p:cNvPr>
+            <p:cNvSpPr/>
+            <p:nvPr/>
+          </p:nvSpPr>
+          <p:spPr>
+            <a:xfrm>
+              <a:off x="1998326" y="3551652"/>
+              <a:ext cx="32218" cy="21532"/>
+            </a:xfrm>
+            <a:custGeom>
+              <a:avLst/>
+              <a:gdLst/>
+              <a:ahLst/>
+              <a:cxnLst/>
+              <a:rect l="l" t="t" r="r" b="b"/>
+              <a:pathLst>
+                <a:path w="1013" h="677" extrusionOk="0">
+                  <a:moveTo>
+                    <a:pt x="199" y="0"/>
+                  </a:moveTo>
+                  <a:cubicBezTo>
+                    <a:pt x="141" y="0"/>
+                    <a:pt x="80" y="33"/>
+                    <a:pt x="48" y="82"/>
+                  </a:cubicBezTo>
+                  <a:cubicBezTo>
+                    <a:pt x="0" y="153"/>
+                    <a:pt x="36" y="260"/>
+                    <a:pt x="107" y="308"/>
+                  </a:cubicBezTo>
+                  <a:cubicBezTo>
+                    <a:pt x="726" y="665"/>
+                    <a:pt x="714" y="677"/>
+                    <a:pt x="810" y="677"/>
+                  </a:cubicBezTo>
+                  <a:cubicBezTo>
+                    <a:pt x="953" y="677"/>
+                    <a:pt x="1012" y="451"/>
+                    <a:pt x="881" y="379"/>
+                  </a:cubicBezTo>
+                  <a:lnTo>
+                    <a:pt x="274" y="22"/>
+                  </a:lnTo>
+                  <a:cubicBezTo>
+                    <a:pt x="251" y="7"/>
+                    <a:pt x="226" y="0"/>
+                    <a:pt x="199" y="0"/>
+                  </a:cubicBezTo>
+                  <a:close/>
+                </a:path>
+              </a:pathLst>
+            </a:custGeom>
+            <a:solidFill>
+              <a:srgbClr val="657E93"/>
+            </a:solidFill>
+            <a:ln>
+              <a:noFill/>
+            </a:ln>
+          </p:spPr>
+          <p:txBody>
+            <a:bodyPr spcFirstLastPara="1" wrap="square" lIns="91425" tIns="91425" rIns="91425" bIns="91425" anchor="ctr" anchorCtr="0">
+              <a:noAutofit/>
+            </a:bodyPr>
+            <a:lstStyle/>
+            <a:p>
+              <a:pPr marL="0" lvl="0" indent="0" algn="l" rtl="0">
+                <a:spcBef>
+                  <a:spcPts val="0"/>
+                </a:spcBef>
+                <a:spcAft>
+                  <a:spcPts val="0"/>
+                </a:spcAft>
+                <a:buNone/>
+              </a:pPr>
+              <a:endParaRPr>
+                <a:solidFill>
+                  <a:srgbClr val="FF0000"/>
+                </a:solidFill>
+              </a:endParaRPr>
+            </a:p>
+          </p:txBody>
+        </p:sp>
+        <p:sp>
+          <p:nvSpPr>
+            <p:cNvPr id="28" name="Google Shape;15901;p93">
+              <a:extLst>
+                <a:ext uri="{FF2B5EF4-FFF2-40B4-BE49-F238E27FC236}">
+                  <a16:creationId xmlns:a16="http://schemas.microsoft.com/office/drawing/2014/main" id="{06B786B0-1C62-E86D-BB0C-F17FF1DB21D9}"/>
+                </a:ext>
+              </a:extLst>
+            </p:cNvPr>
+            <p:cNvSpPr/>
+            <p:nvPr/>
+          </p:nvSpPr>
+          <p:spPr>
+            <a:xfrm>
+              <a:off x="1826007" y="3466383"/>
+              <a:ext cx="142041" cy="233799"/>
+            </a:xfrm>
+            <a:custGeom>
+              <a:avLst/>
+              <a:gdLst/>
+              <a:ahLst/>
+              <a:cxnLst/>
+              <a:rect l="l" t="t" r="r" b="b"/>
+              <a:pathLst>
+                <a:path w="4466" h="7351" extrusionOk="0">
+                  <a:moveTo>
+                    <a:pt x="1715" y="346"/>
+                  </a:moveTo>
+                  <a:cubicBezTo>
+                    <a:pt x="1882" y="346"/>
+                    <a:pt x="2013" y="489"/>
+                    <a:pt x="2013" y="643"/>
+                  </a:cubicBezTo>
+                  <a:lnTo>
+                    <a:pt x="2013" y="941"/>
+                  </a:lnTo>
+                  <a:lnTo>
+                    <a:pt x="1668" y="941"/>
+                  </a:lnTo>
+                  <a:cubicBezTo>
+                    <a:pt x="1501" y="941"/>
+                    <a:pt x="1370" y="810"/>
+                    <a:pt x="1370" y="643"/>
+                  </a:cubicBezTo>
+                  <a:cubicBezTo>
+                    <a:pt x="1370" y="489"/>
+                    <a:pt x="1501" y="346"/>
+                    <a:pt x="1668" y="346"/>
+                  </a:cubicBezTo>
+                  <a:close/>
+                  <a:moveTo>
+                    <a:pt x="3573" y="346"/>
+                  </a:moveTo>
+                  <a:cubicBezTo>
+                    <a:pt x="3739" y="346"/>
+                    <a:pt x="3870" y="489"/>
+                    <a:pt x="3870" y="643"/>
+                  </a:cubicBezTo>
+                  <a:cubicBezTo>
+                    <a:pt x="3870" y="810"/>
+                    <a:pt x="3739" y="941"/>
+                    <a:pt x="3573" y="941"/>
+                  </a:cubicBezTo>
+                  <a:lnTo>
+                    <a:pt x="3239" y="941"/>
+                  </a:lnTo>
+                  <a:lnTo>
+                    <a:pt x="3239" y="643"/>
+                  </a:lnTo>
+                  <a:cubicBezTo>
+                    <a:pt x="3239" y="489"/>
+                    <a:pt x="3370" y="346"/>
+                    <a:pt x="3537" y="346"/>
+                  </a:cubicBezTo>
+                  <a:close/>
+                  <a:moveTo>
+                    <a:pt x="3727" y="4370"/>
+                  </a:moveTo>
+                  <a:lnTo>
+                    <a:pt x="3727" y="5049"/>
+                  </a:lnTo>
+                  <a:lnTo>
+                    <a:pt x="1513" y="5049"/>
+                  </a:lnTo>
+                  <a:lnTo>
+                    <a:pt x="1513" y="4370"/>
+                  </a:lnTo>
+                  <a:close/>
+                  <a:moveTo>
+                    <a:pt x="3739" y="5370"/>
+                  </a:moveTo>
+                  <a:lnTo>
+                    <a:pt x="3739" y="5799"/>
+                  </a:lnTo>
+                  <a:lnTo>
+                    <a:pt x="3727" y="5799"/>
+                  </a:lnTo>
+                  <a:cubicBezTo>
+                    <a:pt x="3727" y="5930"/>
+                    <a:pt x="3620" y="6037"/>
+                    <a:pt x="3489" y="6037"/>
+                  </a:cubicBezTo>
+                  <a:lnTo>
+                    <a:pt x="1763" y="6037"/>
+                  </a:lnTo>
+                  <a:cubicBezTo>
+                    <a:pt x="1620" y="6037"/>
+                    <a:pt x="1525" y="5930"/>
+                    <a:pt x="1525" y="5799"/>
+                  </a:cubicBezTo>
+                  <a:lnTo>
+                    <a:pt x="1525" y="5370"/>
+                  </a:lnTo>
+                  <a:close/>
+                  <a:moveTo>
+                    <a:pt x="1656" y="0"/>
+                  </a:moveTo>
+                  <a:cubicBezTo>
+                    <a:pt x="1310" y="0"/>
+                    <a:pt x="1037" y="286"/>
+                    <a:pt x="1037" y="631"/>
+                  </a:cubicBezTo>
+                  <a:cubicBezTo>
+                    <a:pt x="1037" y="977"/>
+                    <a:pt x="1310" y="1262"/>
+                    <a:pt x="1656" y="1262"/>
+                  </a:cubicBezTo>
+                  <a:lnTo>
+                    <a:pt x="2001" y="1262"/>
+                  </a:lnTo>
+                  <a:lnTo>
+                    <a:pt x="2001" y="2548"/>
+                  </a:lnTo>
+                  <a:cubicBezTo>
+                    <a:pt x="2001" y="2644"/>
+                    <a:pt x="2072" y="2715"/>
+                    <a:pt x="2168" y="2715"/>
+                  </a:cubicBezTo>
+                  <a:cubicBezTo>
+                    <a:pt x="2251" y="2715"/>
+                    <a:pt x="2322" y="2644"/>
+                    <a:pt x="2322" y="2548"/>
+                  </a:cubicBezTo>
+                  <a:lnTo>
+                    <a:pt x="2322" y="1262"/>
+                  </a:lnTo>
+                  <a:lnTo>
+                    <a:pt x="2906" y="1262"/>
+                  </a:lnTo>
+                  <a:lnTo>
+                    <a:pt x="2906" y="4037"/>
+                  </a:lnTo>
+                  <a:lnTo>
+                    <a:pt x="2322" y="4037"/>
+                  </a:lnTo>
+                  <a:lnTo>
+                    <a:pt x="2322" y="3191"/>
+                  </a:lnTo>
+                  <a:cubicBezTo>
+                    <a:pt x="2322" y="3108"/>
+                    <a:pt x="2251" y="3025"/>
+                    <a:pt x="2168" y="3025"/>
+                  </a:cubicBezTo>
+                  <a:cubicBezTo>
+                    <a:pt x="2072" y="3025"/>
+                    <a:pt x="2001" y="3108"/>
+                    <a:pt x="2001" y="3191"/>
+                  </a:cubicBezTo>
+                  <a:lnTo>
+                    <a:pt x="2001" y="4060"/>
+                  </a:lnTo>
+                  <a:lnTo>
+                    <a:pt x="1513" y="4060"/>
+                  </a:lnTo>
+                  <a:cubicBezTo>
+                    <a:pt x="1489" y="3596"/>
+                    <a:pt x="1298" y="3167"/>
+                    <a:pt x="941" y="2846"/>
+                  </a:cubicBezTo>
+                  <a:cubicBezTo>
+                    <a:pt x="679" y="2608"/>
+                    <a:pt x="465" y="2310"/>
+                    <a:pt x="334" y="1989"/>
+                  </a:cubicBezTo>
+                  <a:cubicBezTo>
+                    <a:pt x="305" y="1930"/>
+                    <a:pt x="235" y="1887"/>
+                    <a:pt x="165" y="1887"/>
+                  </a:cubicBezTo>
+                  <a:cubicBezTo>
+                    <a:pt x="150" y="1887"/>
+                    <a:pt x="135" y="1889"/>
+                    <a:pt x="120" y="1893"/>
+                  </a:cubicBezTo>
+                  <a:cubicBezTo>
+                    <a:pt x="48" y="1929"/>
+                    <a:pt x="1" y="2036"/>
+                    <a:pt x="36" y="2108"/>
+                  </a:cubicBezTo>
+                  <a:cubicBezTo>
+                    <a:pt x="179" y="2477"/>
+                    <a:pt x="417" y="2810"/>
+                    <a:pt x="715" y="3084"/>
+                  </a:cubicBezTo>
+                  <a:cubicBezTo>
+                    <a:pt x="1001" y="3358"/>
+                    <a:pt x="1179" y="3727"/>
+                    <a:pt x="1179" y="4120"/>
+                  </a:cubicBezTo>
+                  <a:lnTo>
+                    <a:pt x="1179" y="5823"/>
+                  </a:lnTo>
+                  <a:cubicBezTo>
+                    <a:pt x="1179" y="6096"/>
+                    <a:pt x="1358" y="6311"/>
+                    <a:pt x="1608" y="6382"/>
+                  </a:cubicBezTo>
+                  <a:cubicBezTo>
+                    <a:pt x="1608" y="6513"/>
+                    <a:pt x="1644" y="6644"/>
+                    <a:pt x="1703" y="6775"/>
+                  </a:cubicBezTo>
+                  <a:cubicBezTo>
+                    <a:pt x="1738" y="6837"/>
+                    <a:pt x="1793" y="6872"/>
+                    <a:pt x="1848" y="6872"/>
+                  </a:cubicBezTo>
+                  <a:cubicBezTo>
+                    <a:pt x="1868" y="6872"/>
+                    <a:pt x="1887" y="6868"/>
+                    <a:pt x="1906" y="6858"/>
+                  </a:cubicBezTo>
+                  <a:cubicBezTo>
+                    <a:pt x="1989" y="6811"/>
+                    <a:pt x="2025" y="6715"/>
+                    <a:pt x="1989" y="6644"/>
+                  </a:cubicBezTo>
+                  <a:cubicBezTo>
+                    <a:pt x="1953" y="6573"/>
+                    <a:pt x="1930" y="6477"/>
+                    <a:pt x="1930" y="6394"/>
+                  </a:cubicBezTo>
+                  <a:lnTo>
+                    <a:pt x="3263" y="6394"/>
+                  </a:lnTo>
+                  <a:cubicBezTo>
+                    <a:pt x="3243" y="6759"/>
+                    <a:pt x="2922" y="7025"/>
+                    <a:pt x="2575" y="7025"/>
+                  </a:cubicBezTo>
+                  <a:cubicBezTo>
+                    <a:pt x="2503" y="7025"/>
+                    <a:pt x="2430" y="7014"/>
+                    <a:pt x="2358" y="6989"/>
+                  </a:cubicBezTo>
+                  <a:cubicBezTo>
+                    <a:pt x="2336" y="6981"/>
+                    <a:pt x="2314" y="6977"/>
+                    <a:pt x="2294" y="6977"/>
+                  </a:cubicBezTo>
+                  <a:cubicBezTo>
+                    <a:pt x="2227" y="6977"/>
+                    <a:pt x="2171" y="7018"/>
+                    <a:pt x="2144" y="7073"/>
+                  </a:cubicBezTo>
+                  <a:cubicBezTo>
+                    <a:pt x="2120" y="7168"/>
+                    <a:pt x="2168" y="7251"/>
+                    <a:pt x="2239" y="7287"/>
+                  </a:cubicBezTo>
+                  <a:cubicBezTo>
+                    <a:pt x="2356" y="7330"/>
+                    <a:pt x="2473" y="7350"/>
+                    <a:pt x="2588" y="7350"/>
+                  </a:cubicBezTo>
+                  <a:cubicBezTo>
+                    <a:pt x="3106" y="7350"/>
+                    <a:pt x="3563" y="6940"/>
+                    <a:pt x="3573" y="6394"/>
+                  </a:cubicBezTo>
+                  <a:cubicBezTo>
+                    <a:pt x="3835" y="6334"/>
+                    <a:pt x="4013" y="6108"/>
+                    <a:pt x="4013" y="5846"/>
+                  </a:cubicBezTo>
+                  <a:lnTo>
+                    <a:pt x="4013" y="4156"/>
+                  </a:lnTo>
+                  <a:cubicBezTo>
+                    <a:pt x="4013" y="3798"/>
+                    <a:pt x="4144" y="3465"/>
+                    <a:pt x="4370" y="3203"/>
+                  </a:cubicBezTo>
+                  <a:cubicBezTo>
+                    <a:pt x="4466" y="3108"/>
+                    <a:pt x="4454" y="3001"/>
+                    <a:pt x="4394" y="2941"/>
+                  </a:cubicBezTo>
+                  <a:cubicBezTo>
+                    <a:pt x="4366" y="2913"/>
+                    <a:pt x="4326" y="2898"/>
+                    <a:pt x="4287" y="2898"/>
+                  </a:cubicBezTo>
+                  <a:cubicBezTo>
+                    <a:pt x="4243" y="2898"/>
+                    <a:pt x="4199" y="2916"/>
+                    <a:pt x="4168" y="2953"/>
+                  </a:cubicBezTo>
+                  <a:cubicBezTo>
+                    <a:pt x="3906" y="3251"/>
+                    <a:pt x="3739" y="3644"/>
+                    <a:pt x="3727" y="4060"/>
+                  </a:cubicBezTo>
+                  <a:lnTo>
+                    <a:pt x="3239" y="4060"/>
+                  </a:lnTo>
+                  <a:lnTo>
+                    <a:pt x="3239" y="1262"/>
+                  </a:lnTo>
+                  <a:lnTo>
+                    <a:pt x="3573" y="1262"/>
+                  </a:lnTo>
+                  <a:cubicBezTo>
+                    <a:pt x="3918" y="1262"/>
+                    <a:pt x="4204" y="977"/>
+                    <a:pt x="4204" y="631"/>
+                  </a:cubicBezTo>
+                  <a:cubicBezTo>
+                    <a:pt x="4204" y="286"/>
+                    <a:pt x="3918" y="0"/>
+                    <a:pt x="3573" y="0"/>
+                  </a:cubicBezTo>
+                  <a:lnTo>
+                    <a:pt x="3537" y="0"/>
+                  </a:lnTo>
+                  <a:cubicBezTo>
+                    <a:pt x="3192" y="0"/>
+                    <a:pt x="2906" y="286"/>
+                    <a:pt x="2906" y="631"/>
+                  </a:cubicBezTo>
+                  <a:lnTo>
+                    <a:pt x="2906" y="929"/>
+                  </a:lnTo>
+                  <a:lnTo>
+                    <a:pt x="2322" y="929"/>
+                  </a:lnTo>
+                  <a:lnTo>
+                    <a:pt x="2322" y="631"/>
+                  </a:lnTo>
+                  <a:cubicBezTo>
+                    <a:pt x="2322" y="286"/>
+                    <a:pt x="2049" y="0"/>
+                    <a:pt x="1703" y="0"/>
+                  </a:cubicBezTo>
+                  <a:close/>
+                </a:path>
+              </a:pathLst>
+            </a:custGeom>
+            <a:solidFill>
+              <a:srgbClr val="657E93"/>
+            </a:solidFill>
+            <a:ln>
+              <a:noFill/>
+            </a:ln>
+          </p:spPr>
+          <p:txBody>
+            <a:bodyPr spcFirstLastPara="1" wrap="square" lIns="91425" tIns="91425" rIns="91425" bIns="91425" anchor="ctr" anchorCtr="0">
+              <a:noAutofit/>
+            </a:bodyPr>
+            <a:lstStyle/>
+            <a:p>
+              <a:pPr marL="0" lvl="0" indent="0" algn="l" rtl="0">
+                <a:spcBef>
+                  <a:spcPts val="0"/>
+                </a:spcBef>
+                <a:spcAft>
+                  <a:spcPts val="0"/>
+                </a:spcAft>
+                <a:buNone/>
+              </a:pPr>
+              <a:endParaRPr>
+                <a:solidFill>
+                  <a:srgbClr val="FF0000"/>
+                </a:solidFill>
+              </a:endParaRPr>
+            </a:p>
+          </p:txBody>
+        </p:sp>
+        <p:sp>
+          <p:nvSpPr>
+            <p:cNvPr id="29" name="Google Shape;15902;p93">
+              <a:extLst>
+                <a:ext uri="{FF2B5EF4-FFF2-40B4-BE49-F238E27FC236}">
+                  <a16:creationId xmlns:a16="http://schemas.microsoft.com/office/drawing/2014/main" id="{AF180DC5-F5BD-B27F-7E3E-68404E4EB424}"/>
+                </a:ext>
+              </a:extLst>
+            </p:cNvPr>
+            <p:cNvSpPr/>
+            <p:nvPr/>
+          </p:nvSpPr>
+          <p:spPr>
+            <a:xfrm>
+              <a:off x="1820345" y="3409706"/>
+              <a:ext cx="177631" cy="144236"/>
+            </a:xfrm>
+            <a:custGeom>
+              <a:avLst/>
+              <a:gdLst/>
+              <a:ahLst/>
+              <a:cxnLst/>
+              <a:rect l="l" t="t" r="r" b="b"/>
+              <a:pathLst>
+                <a:path w="5585" h="4535" extrusionOk="0">
+                  <a:moveTo>
+                    <a:pt x="2818" y="1"/>
+                  </a:moveTo>
+                  <a:cubicBezTo>
+                    <a:pt x="1382" y="1"/>
+                    <a:pt x="0" y="1113"/>
+                    <a:pt x="0" y="2782"/>
+                  </a:cubicBezTo>
+                  <a:cubicBezTo>
+                    <a:pt x="0" y="2937"/>
+                    <a:pt x="24" y="3080"/>
+                    <a:pt x="36" y="3223"/>
+                  </a:cubicBezTo>
+                  <a:cubicBezTo>
+                    <a:pt x="47" y="3299"/>
+                    <a:pt x="107" y="3355"/>
+                    <a:pt x="190" y="3355"/>
+                  </a:cubicBezTo>
+                  <a:cubicBezTo>
+                    <a:pt x="198" y="3355"/>
+                    <a:pt x="206" y="3355"/>
+                    <a:pt x="214" y="3354"/>
+                  </a:cubicBezTo>
+                  <a:cubicBezTo>
+                    <a:pt x="298" y="3342"/>
+                    <a:pt x="357" y="3259"/>
+                    <a:pt x="345" y="3175"/>
+                  </a:cubicBezTo>
+                  <a:cubicBezTo>
+                    <a:pt x="333" y="3044"/>
+                    <a:pt x="310" y="2925"/>
+                    <a:pt x="310" y="2782"/>
+                  </a:cubicBezTo>
+                  <a:cubicBezTo>
+                    <a:pt x="310" y="1416"/>
+                    <a:pt x="1429" y="318"/>
+                    <a:pt x="2779" y="318"/>
+                  </a:cubicBezTo>
+                  <a:cubicBezTo>
+                    <a:pt x="2793" y="318"/>
+                    <a:pt x="2807" y="318"/>
+                    <a:pt x="2822" y="318"/>
+                  </a:cubicBezTo>
+                  <a:cubicBezTo>
+                    <a:pt x="4143" y="330"/>
+                    <a:pt x="5227" y="1437"/>
+                    <a:pt x="5239" y="2759"/>
+                  </a:cubicBezTo>
+                  <a:lnTo>
+                    <a:pt x="5239" y="2782"/>
+                  </a:lnTo>
+                  <a:cubicBezTo>
+                    <a:pt x="5239" y="3318"/>
+                    <a:pt x="5060" y="3842"/>
+                    <a:pt x="4751" y="4271"/>
+                  </a:cubicBezTo>
+                  <a:cubicBezTo>
+                    <a:pt x="4691" y="4354"/>
+                    <a:pt x="4703" y="4437"/>
+                    <a:pt x="4775" y="4497"/>
+                  </a:cubicBezTo>
+                  <a:cubicBezTo>
+                    <a:pt x="4809" y="4522"/>
+                    <a:pt x="4844" y="4534"/>
+                    <a:pt x="4877" y="4534"/>
+                  </a:cubicBezTo>
+                  <a:cubicBezTo>
+                    <a:pt x="4923" y="4534"/>
+                    <a:pt x="4966" y="4510"/>
+                    <a:pt x="5001" y="4461"/>
+                  </a:cubicBezTo>
+                  <a:cubicBezTo>
+                    <a:pt x="5370" y="3973"/>
+                    <a:pt x="5572" y="3390"/>
+                    <a:pt x="5572" y="2782"/>
+                  </a:cubicBezTo>
+                  <a:cubicBezTo>
+                    <a:pt x="5584" y="2782"/>
+                    <a:pt x="5584" y="2771"/>
+                    <a:pt x="5584" y="2759"/>
+                  </a:cubicBezTo>
+                  <a:cubicBezTo>
+                    <a:pt x="5572" y="2032"/>
+                    <a:pt x="5286" y="1342"/>
+                    <a:pt x="4763" y="818"/>
+                  </a:cubicBezTo>
+                  <a:cubicBezTo>
+                    <a:pt x="4198" y="253"/>
+                    <a:pt x="3502" y="1"/>
+                    <a:pt x="2818" y="1"/>
+                  </a:cubicBezTo>
+                  <a:close/>
+                </a:path>
+              </a:pathLst>
+            </a:custGeom>
+            <a:solidFill>
+              <a:srgbClr val="657E93"/>
+            </a:solidFill>
+            <a:ln>
+              <a:noFill/>
+            </a:ln>
+          </p:spPr>
+          <p:txBody>
+            <a:bodyPr spcFirstLastPara="1" wrap="square" lIns="91425" tIns="91425" rIns="91425" bIns="91425" anchor="ctr" anchorCtr="0">
+              <a:noAutofit/>
+            </a:bodyPr>
+            <a:lstStyle/>
+            <a:p>
+              <a:pPr marL="0" lvl="0" indent="0" algn="l" rtl="0">
+                <a:spcBef>
+                  <a:spcPts val="0"/>
+                </a:spcBef>
+                <a:spcAft>
+                  <a:spcPts val="0"/>
+                </a:spcAft>
+                <a:buNone/>
+              </a:pPr>
+              <a:endParaRPr>
+                <a:solidFill>
+                  <a:srgbClr val="FF0000"/>
+                </a:solidFill>
+              </a:endParaRPr>
+            </a:p>
+          </p:txBody>
+        </p:sp>
+        <p:sp>
+          <p:nvSpPr>
+            <p:cNvPr id="30" name="Google Shape;15903;p93">
+              <a:extLst>
+                <a:ext uri="{FF2B5EF4-FFF2-40B4-BE49-F238E27FC236}">
+                  <a16:creationId xmlns:a16="http://schemas.microsoft.com/office/drawing/2014/main" id="{1B2210FB-A476-FBE0-42B4-797C500920E7}"/>
+                </a:ext>
+              </a:extLst>
+            </p:cNvPr>
+            <p:cNvSpPr/>
+            <p:nvPr/>
+          </p:nvSpPr>
+          <p:spPr>
+            <a:xfrm>
+              <a:off x="1904406" y="3361108"/>
+              <a:ext cx="10241" cy="32982"/>
+            </a:xfrm>
+            <a:custGeom>
+              <a:avLst/>
+              <a:gdLst/>
+              <a:ahLst/>
+              <a:cxnLst/>
+              <a:rect l="l" t="t" r="r" b="b"/>
+              <a:pathLst>
+                <a:path w="322" h="1037" extrusionOk="0">
+                  <a:moveTo>
+                    <a:pt x="155" y="0"/>
+                  </a:moveTo>
+                  <a:cubicBezTo>
+                    <a:pt x="72" y="0"/>
+                    <a:pt x="0" y="72"/>
+                    <a:pt x="0" y="167"/>
+                  </a:cubicBezTo>
+                  <a:lnTo>
+                    <a:pt x="0" y="870"/>
+                  </a:lnTo>
+                  <a:cubicBezTo>
+                    <a:pt x="0" y="965"/>
+                    <a:pt x="72" y="1036"/>
+                    <a:pt x="155" y="1036"/>
+                  </a:cubicBezTo>
+                  <a:cubicBezTo>
+                    <a:pt x="250" y="1036"/>
+                    <a:pt x="322" y="965"/>
+                    <a:pt x="322" y="870"/>
+                  </a:cubicBezTo>
+                  <a:lnTo>
+                    <a:pt x="322" y="167"/>
+                  </a:lnTo>
+                  <a:cubicBezTo>
+                    <a:pt x="310" y="60"/>
+                    <a:pt x="250" y="0"/>
+                    <a:pt x="155" y="0"/>
+                  </a:cubicBezTo>
+                  <a:close/>
+                </a:path>
+              </a:pathLst>
+            </a:custGeom>
+            <a:solidFill>
+              <a:srgbClr val="657E93"/>
+            </a:solidFill>
+            <a:ln>
+              <a:noFill/>
+            </a:ln>
+          </p:spPr>
+          <p:txBody>
+            <a:bodyPr spcFirstLastPara="1" wrap="square" lIns="91425" tIns="91425" rIns="91425" bIns="91425" anchor="ctr" anchorCtr="0">
+              <a:noAutofit/>
+            </a:bodyPr>
+            <a:lstStyle/>
+            <a:p>
+              <a:pPr marL="0" lvl="0" indent="0" algn="l" rtl="0">
+                <a:spcBef>
+                  <a:spcPts val="0"/>
+                </a:spcBef>
+                <a:spcAft>
+                  <a:spcPts val="0"/>
+                </a:spcAft>
+                <a:buNone/>
+              </a:pPr>
+              <a:endParaRPr>
+                <a:solidFill>
+                  <a:srgbClr val="FF0000"/>
+                </a:solidFill>
+              </a:endParaRPr>
+            </a:p>
+          </p:txBody>
+        </p:sp>
+        <p:sp>
+          <p:nvSpPr>
+            <p:cNvPr id="31" name="Google Shape;15904;p93">
+              <a:extLst>
+                <a:ext uri="{FF2B5EF4-FFF2-40B4-BE49-F238E27FC236}">
+                  <a16:creationId xmlns:a16="http://schemas.microsoft.com/office/drawing/2014/main" id="{7081EEB8-8678-9C28-A872-FF001CFC0BAF}"/>
+                </a:ext>
+              </a:extLst>
+            </p:cNvPr>
+            <p:cNvSpPr/>
+            <p:nvPr/>
+          </p:nvSpPr>
+          <p:spPr>
+            <a:xfrm>
+              <a:off x="1836248" y="3378219"/>
+              <a:ext cx="23504" cy="29865"/>
+            </a:xfrm>
+            <a:custGeom>
+              <a:avLst/>
+              <a:gdLst/>
+              <a:ahLst/>
+              <a:cxnLst/>
+              <a:rect l="l" t="t" r="r" b="b"/>
+              <a:pathLst>
+                <a:path w="739" h="939" extrusionOk="0">
+                  <a:moveTo>
+                    <a:pt x="181" y="0"/>
+                  </a:moveTo>
+                  <a:cubicBezTo>
+                    <a:pt x="154" y="0"/>
+                    <a:pt x="125" y="7"/>
+                    <a:pt x="95" y="22"/>
+                  </a:cubicBezTo>
+                  <a:cubicBezTo>
+                    <a:pt x="24" y="70"/>
+                    <a:pt x="0" y="165"/>
+                    <a:pt x="36" y="248"/>
+                  </a:cubicBezTo>
+                  <a:lnTo>
+                    <a:pt x="393" y="855"/>
+                  </a:lnTo>
+                  <a:cubicBezTo>
+                    <a:pt x="429" y="903"/>
+                    <a:pt x="488" y="939"/>
+                    <a:pt x="536" y="939"/>
+                  </a:cubicBezTo>
+                  <a:cubicBezTo>
+                    <a:pt x="667" y="939"/>
+                    <a:pt x="738" y="796"/>
+                    <a:pt x="679" y="701"/>
+                  </a:cubicBezTo>
+                  <a:lnTo>
+                    <a:pt x="322" y="82"/>
+                  </a:lnTo>
+                  <a:cubicBezTo>
+                    <a:pt x="289" y="33"/>
+                    <a:pt x="239" y="0"/>
+                    <a:pt x="181" y="0"/>
+                  </a:cubicBezTo>
+                  <a:close/>
+                </a:path>
+              </a:pathLst>
+            </a:custGeom>
+            <a:solidFill>
+              <a:srgbClr val="657E93"/>
+            </a:solidFill>
+            <a:ln>
+              <a:noFill/>
+            </a:ln>
+          </p:spPr>
+          <p:txBody>
+            <a:bodyPr spcFirstLastPara="1" wrap="square" lIns="91425" tIns="91425" rIns="91425" bIns="91425" anchor="ctr" anchorCtr="0">
+              <a:noAutofit/>
+            </a:bodyPr>
+            <a:lstStyle/>
+            <a:p>
+              <a:pPr marL="0" lvl="0" indent="0" algn="l" rtl="0">
+                <a:spcBef>
+                  <a:spcPts val="0"/>
+                </a:spcBef>
+                <a:spcAft>
+                  <a:spcPts val="0"/>
+                </a:spcAft>
+                <a:buNone/>
+              </a:pPr>
+              <a:endParaRPr>
+                <a:solidFill>
+                  <a:srgbClr val="FF0000"/>
+                </a:solidFill>
+              </a:endParaRPr>
+            </a:p>
+          </p:txBody>
+        </p:sp>
+        <p:sp>
+          <p:nvSpPr>
+            <p:cNvPr id="32" name="Google Shape;15905;p93">
+              <a:extLst>
+                <a:ext uri="{FF2B5EF4-FFF2-40B4-BE49-F238E27FC236}">
+                  <a16:creationId xmlns:a16="http://schemas.microsoft.com/office/drawing/2014/main" id="{1153D365-AF9C-C95C-D48B-06F41F67D87F}"/>
+                </a:ext>
+              </a:extLst>
+            </p:cNvPr>
+            <p:cNvSpPr/>
+            <p:nvPr/>
+          </p:nvSpPr>
+          <p:spPr>
+            <a:xfrm>
+              <a:off x="1787014" y="3427072"/>
+              <a:ext cx="31073" cy="21691"/>
+            </a:xfrm>
+            <a:custGeom>
+              <a:avLst/>
+              <a:gdLst/>
+              <a:ahLst/>
+              <a:cxnLst/>
+              <a:rect l="l" t="t" r="r" b="b"/>
+              <a:pathLst>
+                <a:path w="977" h="682" extrusionOk="0">
+                  <a:moveTo>
+                    <a:pt x="187" y="0"/>
+                  </a:moveTo>
+                  <a:cubicBezTo>
+                    <a:pt x="129" y="0"/>
+                    <a:pt x="69" y="32"/>
+                    <a:pt x="36" y="81"/>
+                  </a:cubicBezTo>
+                  <a:cubicBezTo>
+                    <a:pt x="0" y="153"/>
+                    <a:pt x="24" y="260"/>
+                    <a:pt x="96" y="308"/>
+                  </a:cubicBezTo>
+                  <a:lnTo>
+                    <a:pt x="715" y="665"/>
+                  </a:lnTo>
+                  <a:cubicBezTo>
+                    <a:pt x="737" y="676"/>
+                    <a:pt x="762" y="681"/>
+                    <a:pt x="788" y="681"/>
+                  </a:cubicBezTo>
+                  <a:cubicBezTo>
+                    <a:pt x="846" y="681"/>
+                    <a:pt x="904" y="655"/>
+                    <a:pt x="929" y="605"/>
+                  </a:cubicBezTo>
+                  <a:cubicBezTo>
+                    <a:pt x="977" y="510"/>
+                    <a:pt x="953" y="427"/>
+                    <a:pt x="870" y="379"/>
+                  </a:cubicBezTo>
+                  <a:lnTo>
+                    <a:pt x="262" y="22"/>
+                  </a:lnTo>
+                  <a:cubicBezTo>
+                    <a:pt x="240" y="7"/>
+                    <a:pt x="214" y="0"/>
+                    <a:pt x="187" y="0"/>
+                  </a:cubicBezTo>
+                  <a:close/>
+                </a:path>
+              </a:pathLst>
+            </a:custGeom>
+            <a:solidFill>
+              <a:srgbClr val="657E93"/>
+            </a:solidFill>
+            <a:ln>
+              <a:noFill/>
+            </a:ln>
+          </p:spPr>
+          <p:txBody>
+            <a:bodyPr spcFirstLastPara="1" wrap="square" lIns="91425" tIns="91425" rIns="91425" bIns="91425" anchor="ctr" anchorCtr="0">
+              <a:noAutofit/>
+            </a:bodyPr>
+            <a:lstStyle/>
+            <a:p>
+              <a:pPr marL="0" lvl="0" indent="0" algn="l" rtl="0">
+                <a:spcBef>
+                  <a:spcPts val="0"/>
+                </a:spcBef>
+                <a:spcAft>
+                  <a:spcPts val="0"/>
+                </a:spcAft>
+                <a:buNone/>
+              </a:pPr>
+              <a:endParaRPr>
+                <a:solidFill>
+                  <a:srgbClr val="FF0000"/>
+                </a:solidFill>
+              </a:endParaRPr>
+            </a:p>
+          </p:txBody>
+        </p:sp>
+        <p:sp>
+          <p:nvSpPr>
+            <p:cNvPr id="33" name="Google Shape;15906;p93">
+              <a:extLst>
+                <a:ext uri="{FF2B5EF4-FFF2-40B4-BE49-F238E27FC236}">
+                  <a16:creationId xmlns:a16="http://schemas.microsoft.com/office/drawing/2014/main" id="{7E8CF8E5-1A95-9A41-860C-667C7B8A7EB6}"/>
+                </a:ext>
+              </a:extLst>
+            </p:cNvPr>
+            <p:cNvSpPr/>
+            <p:nvPr/>
+          </p:nvSpPr>
+          <p:spPr>
+            <a:xfrm>
+              <a:off x="1768821" y="3494021"/>
+              <a:ext cx="33363" cy="10623"/>
+            </a:xfrm>
+            <a:custGeom>
+              <a:avLst/>
+              <a:gdLst/>
+              <a:ahLst/>
+              <a:cxnLst/>
+              <a:rect l="l" t="t" r="r" b="b"/>
+              <a:pathLst>
+                <a:path w="1049" h="334" extrusionOk="0">
+                  <a:moveTo>
+                    <a:pt x="168" y="1"/>
+                  </a:moveTo>
+                  <a:cubicBezTo>
+                    <a:pt x="72" y="1"/>
+                    <a:pt x="1" y="72"/>
+                    <a:pt x="1" y="167"/>
+                  </a:cubicBezTo>
+                  <a:cubicBezTo>
+                    <a:pt x="1" y="251"/>
+                    <a:pt x="72" y="334"/>
+                    <a:pt x="168" y="334"/>
+                  </a:cubicBezTo>
+                  <a:lnTo>
+                    <a:pt x="882" y="334"/>
+                  </a:lnTo>
+                  <a:cubicBezTo>
+                    <a:pt x="965" y="334"/>
+                    <a:pt x="1049" y="251"/>
+                    <a:pt x="1049" y="167"/>
+                  </a:cubicBezTo>
+                  <a:cubicBezTo>
+                    <a:pt x="1049" y="72"/>
+                    <a:pt x="965" y="1"/>
+                    <a:pt x="882" y="1"/>
+                  </a:cubicBezTo>
+                  <a:close/>
+                </a:path>
+              </a:pathLst>
+            </a:custGeom>
+            <a:solidFill>
+              <a:srgbClr val="657E93"/>
+            </a:solidFill>
+            <a:ln>
+              <a:noFill/>
+            </a:ln>
+          </p:spPr>
+          <p:txBody>
+            <a:bodyPr spcFirstLastPara="1" wrap="square" lIns="91425" tIns="91425" rIns="91425" bIns="91425" anchor="ctr" anchorCtr="0">
+              <a:noAutofit/>
+            </a:bodyPr>
+            <a:lstStyle/>
+            <a:p>
+              <a:pPr marL="0" lvl="0" indent="0" algn="l" rtl="0">
+                <a:spcBef>
+                  <a:spcPts val="0"/>
+                </a:spcBef>
+                <a:spcAft>
+                  <a:spcPts val="0"/>
+                </a:spcAft>
+                <a:buNone/>
+              </a:pPr>
+              <a:endParaRPr>
+                <a:solidFill>
+                  <a:srgbClr val="FF0000"/>
+                </a:solidFill>
+              </a:endParaRPr>
+            </a:p>
+          </p:txBody>
+        </p:sp>
+        <p:sp>
+          <p:nvSpPr>
+            <p:cNvPr id="34" name="Google Shape;15907;p93">
+              <a:extLst>
+                <a:ext uri="{FF2B5EF4-FFF2-40B4-BE49-F238E27FC236}">
+                  <a16:creationId xmlns:a16="http://schemas.microsoft.com/office/drawing/2014/main" id="{5DBCEC5B-C6AA-8131-B99B-82F5F5831815}"/>
+                </a:ext>
+              </a:extLst>
+            </p:cNvPr>
+            <p:cNvSpPr/>
+            <p:nvPr/>
+          </p:nvSpPr>
+          <p:spPr>
+            <a:xfrm>
+              <a:off x="2014610" y="3495930"/>
+              <a:ext cx="32950" cy="10623"/>
+            </a:xfrm>
+            <a:custGeom>
+              <a:avLst/>
+              <a:gdLst/>
+              <a:ahLst/>
+              <a:cxnLst/>
+              <a:rect l="l" t="t" r="r" b="b"/>
+              <a:pathLst>
+                <a:path w="1036" h="334" extrusionOk="0">
+                  <a:moveTo>
+                    <a:pt x="167" y="0"/>
+                  </a:moveTo>
+                  <a:cubicBezTo>
+                    <a:pt x="71" y="0"/>
+                    <a:pt x="0" y="71"/>
+                    <a:pt x="0" y="167"/>
+                  </a:cubicBezTo>
+                  <a:cubicBezTo>
+                    <a:pt x="0" y="250"/>
+                    <a:pt x="71" y="333"/>
+                    <a:pt x="167" y="333"/>
+                  </a:cubicBezTo>
+                  <a:lnTo>
+                    <a:pt x="881" y="333"/>
+                  </a:lnTo>
+                  <a:cubicBezTo>
+                    <a:pt x="964" y="333"/>
+                    <a:pt x="1036" y="250"/>
+                    <a:pt x="1036" y="167"/>
+                  </a:cubicBezTo>
+                  <a:cubicBezTo>
+                    <a:pt x="1024" y="71"/>
+                    <a:pt x="953" y="0"/>
+                    <a:pt x="881" y="0"/>
+                  </a:cubicBezTo>
+                  <a:close/>
+                </a:path>
+              </a:pathLst>
+            </a:custGeom>
+            <a:solidFill>
+              <a:srgbClr val="657E93"/>
+            </a:solidFill>
+            <a:ln>
+              <a:noFill/>
+            </a:ln>
+          </p:spPr>
+          <p:txBody>
+            <a:bodyPr spcFirstLastPara="1" wrap="square" lIns="91425" tIns="91425" rIns="91425" bIns="91425" anchor="ctr" anchorCtr="0">
+              <a:noAutofit/>
+            </a:bodyPr>
+            <a:lstStyle/>
+            <a:p>
+              <a:pPr marL="0" lvl="0" indent="0" algn="l" rtl="0">
+                <a:spcBef>
+                  <a:spcPts val="0"/>
+                </a:spcBef>
+                <a:spcAft>
+                  <a:spcPts val="0"/>
+                </a:spcAft>
+                <a:buNone/>
+              </a:pPr>
+              <a:endParaRPr>
+                <a:solidFill>
+                  <a:srgbClr val="FF0000"/>
+                </a:solidFill>
+              </a:endParaRPr>
+            </a:p>
+          </p:txBody>
+        </p:sp>
+        <p:sp>
+          <p:nvSpPr>
+            <p:cNvPr id="35" name="Google Shape;15908;p93">
+              <a:extLst>
+                <a:ext uri="{FF2B5EF4-FFF2-40B4-BE49-F238E27FC236}">
+                  <a16:creationId xmlns:a16="http://schemas.microsoft.com/office/drawing/2014/main" id="{6E45B0F6-2288-0ECC-0ED6-466911C93008}"/>
+                </a:ext>
+              </a:extLst>
+            </p:cNvPr>
+            <p:cNvSpPr/>
+            <p:nvPr/>
+          </p:nvSpPr>
+          <p:spPr>
+            <a:xfrm>
+              <a:off x="1999439" y="3428948"/>
+              <a:ext cx="31105" cy="21882"/>
+            </a:xfrm>
+            <a:custGeom>
+              <a:avLst/>
+              <a:gdLst/>
+              <a:ahLst/>
+              <a:cxnLst/>
+              <a:rect l="l" t="t" r="r" b="b"/>
+              <a:pathLst>
+                <a:path w="978" h="688" extrusionOk="0">
+                  <a:moveTo>
+                    <a:pt x="795" y="1"/>
+                  </a:moveTo>
+                  <a:cubicBezTo>
+                    <a:pt x="769" y="1"/>
+                    <a:pt x="741" y="8"/>
+                    <a:pt x="715" y="22"/>
+                  </a:cubicBezTo>
+                  <a:lnTo>
+                    <a:pt x="108" y="380"/>
+                  </a:lnTo>
+                  <a:cubicBezTo>
+                    <a:pt x="25" y="427"/>
+                    <a:pt x="1" y="511"/>
+                    <a:pt x="48" y="606"/>
+                  </a:cubicBezTo>
+                  <a:cubicBezTo>
+                    <a:pt x="73" y="655"/>
+                    <a:pt x="125" y="687"/>
+                    <a:pt x="183" y="687"/>
+                  </a:cubicBezTo>
+                  <a:cubicBezTo>
+                    <a:pt x="209" y="687"/>
+                    <a:pt x="237" y="680"/>
+                    <a:pt x="263" y="665"/>
+                  </a:cubicBezTo>
+                  <a:lnTo>
+                    <a:pt x="882" y="308"/>
+                  </a:lnTo>
+                  <a:cubicBezTo>
+                    <a:pt x="953" y="249"/>
+                    <a:pt x="977" y="153"/>
+                    <a:pt x="941" y="82"/>
+                  </a:cubicBezTo>
+                  <a:cubicBezTo>
+                    <a:pt x="909" y="33"/>
+                    <a:pt x="854" y="1"/>
+                    <a:pt x="795" y="1"/>
+                  </a:cubicBezTo>
+                  <a:close/>
+                </a:path>
+              </a:pathLst>
+            </a:custGeom>
+            <a:solidFill>
+              <a:srgbClr val="657E93"/>
+            </a:solidFill>
+            <a:ln>
+              <a:noFill/>
+            </a:ln>
+          </p:spPr>
+          <p:txBody>
+            <a:bodyPr spcFirstLastPara="1" wrap="square" lIns="91425" tIns="91425" rIns="91425" bIns="91425" anchor="ctr" anchorCtr="0">
+              <a:noAutofit/>
+            </a:bodyPr>
+            <a:lstStyle/>
+            <a:p>
+              <a:pPr marL="0" lvl="0" indent="0" algn="l" rtl="0">
+                <a:spcBef>
+                  <a:spcPts val="0"/>
+                </a:spcBef>
+                <a:spcAft>
+                  <a:spcPts val="0"/>
+                </a:spcAft>
+                <a:buNone/>
+              </a:pPr>
+              <a:endParaRPr>
+                <a:solidFill>
+                  <a:srgbClr val="FF0000"/>
+                </a:solidFill>
+              </a:endParaRPr>
+            </a:p>
+          </p:txBody>
+        </p:sp>
+        <p:sp>
+          <p:nvSpPr>
+            <p:cNvPr id="36" name="Google Shape;15909;p93">
+              <a:extLst>
+                <a:ext uri="{FF2B5EF4-FFF2-40B4-BE49-F238E27FC236}">
+                  <a16:creationId xmlns:a16="http://schemas.microsoft.com/office/drawing/2014/main" id="{9BFF60DB-365D-5FF2-7944-36830F0C75E8}"/>
+                </a:ext>
+              </a:extLst>
+            </p:cNvPr>
+            <p:cNvSpPr/>
+            <p:nvPr/>
+          </p:nvSpPr>
+          <p:spPr>
+            <a:xfrm>
+              <a:off x="1958156" y="3379269"/>
+              <a:ext cx="23917" cy="29579"/>
+            </a:xfrm>
+            <a:custGeom>
+              <a:avLst/>
+              <a:gdLst/>
+              <a:ahLst/>
+              <a:cxnLst/>
+              <a:rect l="l" t="t" r="r" b="b"/>
+              <a:pathLst>
+                <a:path w="752" h="930" extrusionOk="0">
+                  <a:moveTo>
+                    <a:pt x="562" y="0"/>
+                  </a:moveTo>
+                  <a:cubicBezTo>
+                    <a:pt x="506" y="0"/>
+                    <a:pt x="449" y="30"/>
+                    <a:pt x="418" y="84"/>
+                  </a:cubicBezTo>
+                  <a:lnTo>
+                    <a:pt x="61" y="691"/>
+                  </a:lnTo>
+                  <a:cubicBezTo>
+                    <a:pt x="1" y="799"/>
+                    <a:pt x="72" y="930"/>
+                    <a:pt x="191" y="930"/>
+                  </a:cubicBezTo>
+                  <a:cubicBezTo>
+                    <a:pt x="251" y="930"/>
+                    <a:pt x="299" y="894"/>
+                    <a:pt x="334" y="858"/>
+                  </a:cubicBezTo>
+                  <a:lnTo>
+                    <a:pt x="692" y="239"/>
+                  </a:lnTo>
+                  <a:cubicBezTo>
+                    <a:pt x="751" y="168"/>
+                    <a:pt x="715" y="72"/>
+                    <a:pt x="644" y="25"/>
+                  </a:cubicBezTo>
+                  <a:cubicBezTo>
+                    <a:pt x="619" y="8"/>
+                    <a:pt x="591" y="0"/>
+                    <a:pt x="562" y="0"/>
+                  </a:cubicBezTo>
+                  <a:close/>
+                </a:path>
+              </a:pathLst>
+            </a:custGeom>
+            <a:solidFill>
+              <a:srgbClr val="657E93"/>
+            </a:solidFill>
+            <a:ln>
+              <a:noFill/>
+            </a:ln>
+          </p:spPr>
+          <p:txBody>
+            <a:bodyPr spcFirstLastPara="1" wrap="square" lIns="91425" tIns="91425" rIns="91425" bIns="91425" anchor="ctr" anchorCtr="0">
+              <a:noAutofit/>
+            </a:bodyPr>
+            <a:lstStyle/>
+            <a:p>
+              <a:pPr marL="0" lvl="0" indent="0" algn="l" rtl="0">
+                <a:spcBef>
+                  <a:spcPts val="0"/>
+                </a:spcBef>
+                <a:spcAft>
+                  <a:spcPts val="0"/>
+                </a:spcAft>
+                <a:buNone/>
+              </a:pPr>
+              <a:endParaRPr>
+                <a:solidFill>
+                  <a:srgbClr val="FF0000"/>
+                </a:solidFill>
+              </a:endParaRPr>
+            </a:p>
+          </p:txBody>
+        </p:sp>
+      </p:grpSp>
     </p:spTree>
     <p:extLst>
       <p:ext uri="{BB962C8B-B14F-4D97-AF65-F5344CB8AC3E}">
@@ -12896,7 +13285,7 @@
                   <a:schemeClr val="tx1"/>
                 </a:solidFill>
               </a:rPr>
-              <a:t>Our Work So far</a:t>
+              <a:t>Results</a:t>
             </a:r>
           </a:p>
           <a:p>
@@ -12908,999 +13297,6 @@
           </a:p>
         </p:txBody>
       </p:sp>
-      <p:grpSp>
-        <p:nvGrpSpPr>
-          <p:cNvPr id="5" name="Google Shape;16527;p95">
-            <a:extLst>
-              <a:ext uri="{FF2B5EF4-FFF2-40B4-BE49-F238E27FC236}">
-                <a16:creationId xmlns:a16="http://schemas.microsoft.com/office/drawing/2014/main" id="{4752F03D-3D59-EDD4-1EDF-103EBF40E5C6}"/>
-              </a:ext>
-            </a:extLst>
-          </p:cNvPr>
-          <p:cNvGrpSpPr/>
-          <p:nvPr/>
-        </p:nvGrpSpPr>
-        <p:grpSpPr>
-          <a:xfrm>
-            <a:off x="2303253" y="87486"/>
-            <a:ext cx="664234" cy="418204"/>
-            <a:chOff x="1341727" y="2483349"/>
-            <a:chExt cx="419913" cy="308109"/>
-          </a:xfrm>
-        </p:grpSpPr>
-        <p:sp>
-          <p:nvSpPr>
-            <p:cNvPr id="6" name="Google Shape;16528;p95">
-              <a:extLst>
-                <a:ext uri="{FF2B5EF4-FFF2-40B4-BE49-F238E27FC236}">
-                  <a16:creationId xmlns:a16="http://schemas.microsoft.com/office/drawing/2014/main" id="{2608EC1E-CF34-1B32-5C9F-E9F6FCBF6CB4}"/>
-                </a:ext>
-              </a:extLst>
-            </p:cNvPr>
-            <p:cNvSpPr/>
-            <p:nvPr/>
-          </p:nvSpPr>
-          <p:spPr>
-            <a:xfrm>
-              <a:off x="1623896" y="2522310"/>
-              <a:ext cx="53488" cy="18605"/>
-            </a:xfrm>
-            <a:custGeom>
-              <a:avLst/>
-              <a:gdLst/>
-              <a:ahLst/>
-              <a:cxnLst/>
-              <a:rect l="l" t="t" r="r" b="b"/>
-              <a:pathLst>
-                <a:path w="1406" h="489" extrusionOk="0">
-                  <a:moveTo>
-                    <a:pt x="167" y="1"/>
-                  </a:moveTo>
-                  <a:cubicBezTo>
-                    <a:pt x="84" y="1"/>
-                    <a:pt x="1" y="72"/>
-                    <a:pt x="1" y="167"/>
-                  </a:cubicBezTo>
-                  <a:cubicBezTo>
-                    <a:pt x="1" y="251"/>
-                    <a:pt x="84" y="322"/>
-                    <a:pt x="167" y="322"/>
-                  </a:cubicBezTo>
-                  <a:cubicBezTo>
-                    <a:pt x="346" y="322"/>
-                    <a:pt x="882" y="358"/>
-                    <a:pt x="1144" y="477"/>
-                  </a:cubicBezTo>
-                  <a:cubicBezTo>
-                    <a:pt x="1167" y="489"/>
-                    <a:pt x="1179" y="489"/>
-                    <a:pt x="1215" y="489"/>
-                  </a:cubicBezTo>
-                  <a:cubicBezTo>
-                    <a:pt x="1275" y="489"/>
-                    <a:pt x="1334" y="465"/>
-                    <a:pt x="1358" y="406"/>
-                  </a:cubicBezTo>
-                  <a:cubicBezTo>
-                    <a:pt x="1406" y="346"/>
-                    <a:pt x="1358" y="239"/>
-                    <a:pt x="1286" y="191"/>
-                  </a:cubicBezTo>
-                  <a:cubicBezTo>
-                    <a:pt x="917" y="1"/>
-                    <a:pt x="203" y="1"/>
-                    <a:pt x="167" y="1"/>
-                  </a:cubicBezTo>
-                  <a:close/>
-                </a:path>
-              </a:pathLst>
-            </a:custGeom>
-            <a:solidFill>
-              <a:srgbClr val="657E93"/>
-            </a:solidFill>
-            <a:ln>
-              <a:noFill/>
-            </a:ln>
-          </p:spPr>
-          <p:txBody>
-            <a:bodyPr spcFirstLastPara="1" wrap="square" lIns="91425" tIns="91425" rIns="91425" bIns="91425" anchor="ctr" anchorCtr="0">
-              <a:noAutofit/>
-            </a:bodyPr>
-            <a:lstStyle/>
-            <a:p>
-              <a:pPr marL="0" lvl="0" indent="0" algn="l" rtl="0">
-                <a:spcBef>
-                  <a:spcPts val="0"/>
-                </a:spcBef>
-                <a:spcAft>
-                  <a:spcPts val="0"/>
-                </a:spcAft>
-                <a:buNone/>
-              </a:pPr>
-              <a:endParaRPr>
-                <a:solidFill>
-                  <a:schemeClr val="accent2"/>
-                </a:solidFill>
-              </a:endParaRPr>
-            </a:p>
-          </p:txBody>
-        </p:sp>
-        <p:sp>
-          <p:nvSpPr>
-            <p:cNvPr id="7" name="Google Shape;16529;p95">
-              <a:extLst>
-                <a:ext uri="{FF2B5EF4-FFF2-40B4-BE49-F238E27FC236}">
-                  <a16:creationId xmlns:a16="http://schemas.microsoft.com/office/drawing/2014/main" id="{A24D5EAA-27CE-050F-F478-1E90FDFE9227}"/>
-                </a:ext>
-              </a:extLst>
-            </p:cNvPr>
-            <p:cNvSpPr/>
-            <p:nvPr/>
-          </p:nvSpPr>
-          <p:spPr>
-            <a:xfrm>
-              <a:off x="1341727" y="2483349"/>
-              <a:ext cx="419913" cy="308109"/>
-            </a:xfrm>
-            <a:custGeom>
-              <a:avLst/>
-              <a:gdLst/>
-              <a:ahLst/>
-              <a:cxnLst/>
-              <a:rect l="l" t="t" r="r" b="b"/>
-              <a:pathLst>
-                <a:path w="11038" h="8098" extrusionOk="0">
-                  <a:moveTo>
-                    <a:pt x="9156" y="501"/>
-                  </a:moveTo>
-                  <a:lnTo>
-                    <a:pt x="9156" y="1168"/>
-                  </a:lnTo>
-                  <a:cubicBezTo>
-                    <a:pt x="9156" y="1275"/>
-                    <a:pt x="9120" y="1394"/>
-                    <a:pt x="9073" y="1489"/>
-                  </a:cubicBezTo>
-                  <a:lnTo>
-                    <a:pt x="9001" y="1644"/>
-                  </a:lnTo>
-                  <a:cubicBezTo>
-                    <a:pt x="8989" y="1680"/>
-                    <a:pt x="8989" y="1692"/>
-                    <a:pt x="8989" y="1727"/>
-                  </a:cubicBezTo>
-                  <a:lnTo>
-                    <a:pt x="8989" y="2061"/>
-                  </a:lnTo>
-                  <a:cubicBezTo>
-                    <a:pt x="8989" y="2299"/>
-                    <a:pt x="8894" y="2525"/>
-                    <a:pt x="8715" y="2692"/>
-                  </a:cubicBezTo>
-                  <a:cubicBezTo>
-                    <a:pt x="8537" y="2858"/>
-                    <a:pt x="8311" y="2942"/>
-                    <a:pt x="8072" y="2942"/>
-                  </a:cubicBezTo>
-                  <a:cubicBezTo>
-                    <a:pt x="7620" y="2918"/>
-                    <a:pt x="7227" y="2513"/>
-                    <a:pt x="7227" y="2025"/>
-                  </a:cubicBezTo>
-                  <a:lnTo>
-                    <a:pt x="7227" y="1727"/>
-                  </a:lnTo>
-                  <a:cubicBezTo>
-                    <a:pt x="7227" y="1692"/>
-                    <a:pt x="7227" y="1680"/>
-                    <a:pt x="7215" y="1644"/>
-                  </a:cubicBezTo>
-                  <a:lnTo>
-                    <a:pt x="7108" y="1453"/>
-                  </a:lnTo>
-                  <a:cubicBezTo>
-                    <a:pt x="7084" y="1382"/>
-                    <a:pt x="7049" y="1311"/>
-                    <a:pt x="7049" y="1215"/>
-                  </a:cubicBezTo>
-                  <a:lnTo>
-                    <a:pt x="7049" y="1203"/>
-                  </a:lnTo>
-                  <a:cubicBezTo>
-                    <a:pt x="7049" y="810"/>
-                    <a:pt x="7370" y="501"/>
-                    <a:pt x="7751" y="501"/>
-                  </a:cubicBezTo>
-                  <a:close/>
-                  <a:moveTo>
-                    <a:pt x="3274" y="322"/>
-                  </a:moveTo>
-                  <a:cubicBezTo>
-                    <a:pt x="3548" y="322"/>
-                    <a:pt x="3786" y="429"/>
-                    <a:pt x="3989" y="632"/>
-                  </a:cubicBezTo>
-                  <a:cubicBezTo>
-                    <a:pt x="4179" y="834"/>
-                    <a:pt x="4298" y="1108"/>
-                    <a:pt x="4310" y="1394"/>
-                  </a:cubicBezTo>
-                  <a:cubicBezTo>
-                    <a:pt x="4346" y="1739"/>
-                    <a:pt x="4441" y="2442"/>
-                    <a:pt x="4608" y="2858"/>
-                  </a:cubicBezTo>
-                  <a:cubicBezTo>
-                    <a:pt x="4358" y="2942"/>
-                    <a:pt x="3870" y="3096"/>
-                    <a:pt x="3274" y="3096"/>
-                  </a:cubicBezTo>
-                  <a:cubicBezTo>
-                    <a:pt x="3253" y="3097"/>
-                    <a:pt x="3232" y="3097"/>
-                    <a:pt x="3210" y="3097"/>
-                  </a:cubicBezTo>
-                  <a:cubicBezTo>
-                    <a:pt x="2654" y="3097"/>
-                    <a:pt x="2182" y="2951"/>
-                    <a:pt x="1953" y="2870"/>
-                  </a:cubicBezTo>
-                  <a:cubicBezTo>
-                    <a:pt x="2096" y="2442"/>
-                    <a:pt x="2215" y="1739"/>
-                    <a:pt x="2226" y="1394"/>
-                  </a:cubicBezTo>
-                  <a:cubicBezTo>
-                    <a:pt x="2250" y="1096"/>
-                    <a:pt x="2357" y="834"/>
-                    <a:pt x="2560" y="632"/>
-                  </a:cubicBezTo>
-                  <a:cubicBezTo>
-                    <a:pt x="2750" y="429"/>
-                    <a:pt x="3000" y="322"/>
-                    <a:pt x="3274" y="322"/>
-                  </a:cubicBezTo>
-                  <a:close/>
-                  <a:moveTo>
-                    <a:pt x="7751" y="3192"/>
-                  </a:moveTo>
-                  <a:cubicBezTo>
-                    <a:pt x="7858" y="3227"/>
-                    <a:pt x="7965" y="3251"/>
-                    <a:pt x="8084" y="3251"/>
-                  </a:cubicBezTo>
-                  <a:lnTo>
-                    <a:pt x="8120" y="3251"/>
-                  </a:lnTo>
-                  <a:cubicBezTo>
-                    <a:pt x="8239" y="3251"/>
-                    <a:pt x="8358" y="3239"/>
-                    <a:pt x="8477" y="3192"/>
-                  </a:cubicBezTo>
-                  <a:lnTo>
-                    <a:pt x="8477" y="3192"/>
-                  </a:lnTo>
-                  <a:cubicBezTo>
-                    <a:pt x="8465" y="3251"/>
-                    <a:pt x="8477" y="3299"/>
-                    <a:pt x="8501" y="3346"/>
-                  </a:cubicBezTo>
-                  <a:lnTo>
-                    <a:pt x="8358" y="3477"/>
-                  </a:lnTo>
-                  <a:cubicBezTo>
-                    <a:pt x="8287" y="3549"/>
-                    <a:pt x="8203" y="3585"/>
-                    <a:pt x="8108" y="3585"/>
-                  </a:cubicBezTo>
-                  <a:cubicBezTo>
-                    <a:pt x="8025" y="3585"/>
-                    <a:pt x="7930" y="3549"/>
-                    <a:pt x="7858" y="3477"/>
-                  </a:cubicBezTo>
-                  <a:lnTo>
-                    <a:pt x="7727" y="3346"/>
-                  </a:lnTo>
-                  <a:cubicBezTo>
-                    <a:pt x="7739" y="3299"/>
-                    <a:pt x="7751" y="3251"/>
-                    <a:pt x="7751" y="3192"/>
-                  </a:cubicBezTo>
-                  <a:close/>
-                  <a:moveTo>
-                    <a:pt x="3691" y="3418"/>
-                  </a:moveTo>
-                  <a:cubicBezTo>
-                    <a:pt x="3750" y="3537"/>
-                    <a:pt x="3870" y="3644"/>
-                    <a:pt x="4001" y="3668"/>
-                  </a:cubicBezTo>
-                  <a:lnTo>
-                    <a:pt x="4584" y="3835"/>
-                  </a:lnTo>
-                  <a:cubicBezTo>
-                    <a:pt x="4727" y="3882"/>
-                    <a:pt x="4834" y="4013"/>
-                    <a:pt x="4834" y="4180"/>
-                  </a:cubicBezTo>
-                  <a:lnTo>
-                    <a:pt x="4834" y="5680"/>
-                  </a:lnTo>
-                  <a:cubicBezTo>
-                    <a:pt x="4834" y="5871"/>
-                    <a:pt x="4667" y="6037"/>
-                    <a:pt x="4477" y="6037"/>
-                  </a:cubicBezTo>
-                  <a:lnTo>
-                    <a:pt x="4477" y="4811"/>
-                  </a:lnTo>
-                  <a:cubicBezTo>
-                    <a:pt x="4477" y="4549"/>
-                    <a:pt x="4239" y="4311"/>
-                    <a:pt x="3977" y="4311"/>
-                  </a:cubicBezTo>
-                  <a:lnTo>
-                    <a:pt x="2584" y="4311"/>
-                  </a:lnTo>
-                  <a:cubicBezTo>
-                    <a:pt x="2310" y="4311"/>
-                    <a:pt x="2084" y="4537"/>
-                    <a:pt x="2084" y="4811"/>
-                  </a:cubicBezTo>
-                  <a:lnTo>
-                    <a:pt x="2084" y="6037"/>
-                  </a:lnTo>
-                  <a:lnTo>
-                    <a:pt x="2072" y="6037"/>
-                  </a:lnTo>
-                  <a:cubicBezTo>
-                    <a:pt x="1869" y="6037"/>
-                    <a:pt x="1715" y="5871"/>
-                    <a:pt x="1715" y="5680"/>
-                  </a:cubicBezTo>
-                  <a:lnTo>
-                    <a:pt x="1715" y="4180"/>
-                  </a:lnTo>
-                  <a:cubicBezTo>
-                    <a:pt x="1715" y="4013"/>
-                    <a:pt x="1810" y="3882"/>
-                    <a:pt x="1965" y="3835"/>
-                  </a:cubicBezTo>
-                  <a:lnTo>
-                    <a:pt x="2548" y="3668"/>
-                  </a:lnTo>
-                  <a:cubicBezTo>
-                    <a:pt x="2679" y="3620"/>
-                    <a:pt x="2798" y="3537"/>
-                    <a:pt x="2858" y="3418"/>
-                  </a:cubicBezTo>
-                  <a:cubicBezTo>
-                    <a:pt x="2988" y="3430"/>
-                    <a:pt x="3119" y="3430"/>
-                    <a:pt x="3274" y="3430"/>
-                  </a:cubicBezTo>
-                  <a:cubicBezTo>
-                    <a:pt x="3417" y="3430"/>
-                    <a:pt x="3560" y="3418"/>
-                    <a:pt x="3691" y="3418"/>
-                  </a:cubicBezTo>
-                  <a:close/>
-                  <a:moveTo>
-                    <a:pt x="8668" y="3608"/>
-                  </a:moveTo>
-                  <a:cubicBezTo>
-                    <a:pt x="8715" y="3644"/>
-                    <a:pt x="8763" y="3656"/>
-                    <a:pt x="8811" y="3668"/>
-                  </a:cubicBezTo>
-                  <a:lnTo>
-                    <a:pt x="9382" y="3835"/>
-                  </a:lnTo>
-                  <a:cubicBezTo>
-                    <a:pt x="9537" y="3882"/>
-                    <a:pt x="9644" y="4013"/>
-                    <a:pt x="9644" y="4180"/>
-                  </a:cubicBezTo>
-                  <a:lnTo>
-                    <a:pt x="9644" y="5680"/>
-                  </a:lnTo>
-                  <a:cubicBezTo>
-                    <a:pt x="9644" y="5871"/>
-                    <a:pt x="9477" y="6037"/>
-                    <a:pt x="9287" y="6037"/>
-                  </a:cubicBezTo>
-                  <a:lnTo>
-                    <a:pt x="8584" y="6037"/>
-                  </a:lnTo>
-                  <a:lnTo>
-                    <a:pt x="8584" y="6025"/>
-                  </a:lnTo>
-                  <a:lnTo>
-                    <a:pt x="8584" y="5668"/>
-                  </a:lnTo>
-                  <a:lnTo>
-                    <a:pt x="9120" y="5668"/>
-                  </a:lnTo>
-                  <a:cubicBezTo>
-                    <a:pt x="9204" y="5668"/>
-                    <a:pt x="9287" y="5597"/>
-                    <a:pt x="9287" y="5502"/>
-                  </a:cubicBezTo>
-                  <a:lnTo>
-                    <a:pt x="9287" y="4466"/>
-                  </a:lnTo>
-                  <a:cubicBezTo>
-                    <a:pt x="9287" y="4370"/>
-                    <a:pt x="9204" y="4299"/>
-                    <a:pt x="9120" y="4299"/>
-                  </a:cubicBezTo>
-                  <a:cubicBezTo>
-                    <a:pt x="9025" y="4299"/>
-                    <a:pt x="8954" y="4370"/>
-                    <a:pt x="8954" y="4466"/>
-                  </a:cubicBezTo>
-                  <a:lnTo>
-                    <a:pt x="8954" y="5335"/>
-                  </a:lnTo>
-                  <a:lnTo>
-                    <a:pt x="8584" y="5335"/>
-                  </a:lnTo>
-                  <a:lnTo>
-                    <a:pt x="8584" y="4644"/>
-                  </a:lnTo>
-                  <a:cubicBezTo>
-                    <a:pt x="8584" y="4466"/>
-                    <a:pt x="8430" y="4311"/>
-                    <a:pt x="8251" y="4311"/>
-                  </a:cubicBezTo>
-                  <a:lnTo>
-                    <a:pt x="6513" y="4311"/>
-                  </a:lnTo>
-                  <a:lnTo>
-                    <a:pt x="6513" y="4180"/>
-                  </a:lnTo>
-                  <a:lnTo>
-                    <a:pt x="6548" y="4180"/>
-                  </a:lnTo>
-                  <a:cubicBezTo>
-                    <a:pt x="6548" y="4013"/>
-                    <a:pt x="6644" y="3882"/>
-                    <a:pt x="6798" y="3835"/>
-                  </a:cubicBezTo>
-                  <a:lnTo>
-                    <a:pt x="7382" y="3668"/>
-                  </a:lnTo>
-                  <a:cubicBezTo>
-                    <a:pt x="7418" y="3656"/>
-                    <a:pt x="7477" y="3644"/>
-                    <a:pt x="7513" y="3608"/>
-                  </a:cubicBezTo>
-                  <a:lnTo>
-                    <a:pt x="7620" y="3716"/>
-                  </a:lnTo>
-                  <a:cubicBezTo>
-                    <a:pt x="7751" y="3847"/>
-                    <a:pt x="7918" y="3906"/>
-                    <a:pt x="8096" y="3906"/>
-                  </a:cubicBezTo>
-                  <a:cubicBezTo>
-                    <a:pt x="8275" y="3906"/>
-                    <a:pt x="8453" y="3835"/>
-                    <a:pt x="8573" y="3716"/>
-                  </a:cubicBezTo>
-                  <a:lnTo>
-                    <a:pt x="8668" y="3608"/>
-                  </a:lnTo>
-                  <a:close/>
-                  <a:moveTo>
-                    <a:pt x="8287" y="4644"/>
-                  </a:moveTo>
-                  <a:cubicBezTo>
-                    <a:pt x="8287" y="4644"/>
-                    <a:pt x="8299" y="4644"/>
-                    <a:pt x="8299" y="4656"/>
-                  </a:cubicBezTo>
-                  <a:lnTo>
-                    <a:pt x="8299" y="6037"/>
-                  </a:lnTo>
-                  <a:cubicBezTo>
-                    <a:pt x="8299" y="6037"/>
-                    <a:pt x="8299" y="6049"/>
-                    <a:pt x="8287" y="6049"/>
-                  </a:cubicBezTo>
-                  <a:lnTo>
-                    <a:pt x="6215" y="6049"/>
-                  </a:lnTo>
-                  <a:cubicBezTo>
-                    <a:pt x="6215" y="6049"/>
-                    <a:pt x="6203" y="6049"/>
-                    <a:pt x="6203" y="6037"/>
-                  </a:cubicBezTo>
-                  <a:lnTo>
-                    <a:pt x="6203" y="4656"/>
-                  </a:lnTo>
-                  <a:lnTo>
-                    <a:pt x="8287" y="4644"/>
-                  </a:lnTo>
-                  <a:close/>
-                  <a:moveTo>
-                    <a:pt x="2084" y="6371"/>
-                  </a:moveTo>
-                  <a:lnTo>
-                    <a:pt x="2084" y="6740"/>
-                  </a:lnTo>
-                  <a:lnTo>
-                    <a:pt x="679" y="6740"/>
-                  </a:lnTo>
-                  <a:lnTo>
-                    <a:pt x="679" y="6371"/>
-                  </a:lnTo>
-                  <a:close/>
-                  <a:moveTo>
-                    <a:pt x="10382" y="6371"/>
-                  </a:moveTo>
-                  <a:lnTo>
-                    <a:pt x="10382" y="6740"/>
-                  </a:lnTo>
-                  <a:lnTo>
-                    <a:pt x="4477" y="6740"/>
-                  </a:lnTo>
-                  <a:lnTo>
-                    <a:pt x="4477" y="6371"/>
-                  </a:lnTo>
-                  <a:close/>
-                  <a:moveTo>
-                    <a:pt x="3953" y="4644"/>
-                  </a:moveTo>
-                  <a:cubicBezTo>
-                    <a:pt x="4060" y="4644"/>
-                    <a:pt x="4131" y="4728"/>
-                    <a:pt x="4131" y="4823"/>
-                  </a:cubicBezTo>
-                  <a:lnTo>
-                    <a:pt x="4131" y="7085"/>
-                  </a:lnTo>
-                  <a:lnTo>
-                    <a:pt x="2393" y="7085"/>
-                  </a:lnTo>
-                  <a:lnTo>
-                    <a:pt x="2393" y="4823"/>
-                  </a:lnTo>
-                  <a:cubicBezTo>
-                    <a:pt x="2393" y="4716"/>
-                    <a:pt x="2488" y="4644"/>
-                    <a:pt x="2572" y="4644"/>
-                  </a:cubicBezTo>
-                  <a:close/>
-                  <a:moveTo>
-                    <a:pt x="3274" y="1"/>
-                  </a:moveTo>
-                  <a:cubicBezTo>
-                    <a:pt x="2548" y="1"/>
-                    <a:pt x="1965" y="596"/>
-                    <a:pt x="1905" y="1370"/>
-                  </a:cubicBezTo>
-                  <a:cubicBezTo>
-                    <a:pt x="1869" y="1692"/>
-                    <a:pt x="1774" y="2346"/>
-                    <a:pt x="1631" y="2751"/>
-                  </a:cubicBezTo>
-                  <a:cubicBezTo>
-                    <a:pt x="1607" y="2835"/>
-                    <a:pt x="1607" y="2930"/>
-                    <a:pt x="1655" y="3001"/>
-                  </a:cubicBezTo>
-                  <a:cubicBezTo>
-                    <a:pt x="1691" y="3073"/>
-                    <a:pt x="1750" y="3156"/>
-                    <a:pt x="1845" y="3180"/>
-                  </a:cubicBezTo>
-                  <a:cubicBezTo>
-                    <a:pt x="1988" y="3227"/>
-                    <a:pt x="2215" y="3299"/>
-                    <a:pt x="2488" y="3358"/>
-                  </a:cubicBezTo>
-                  <a:lnTo>
-                    <a:pt x="2465" y="3358"/>
-                  </a:lnTo>
-                  <a:lnTo>
-                    <a:pt x="1893" y="3525"/>
-                  </a:lnTo>
-                  <a:cubicBezTo>
-                    <a:pt x="1595" y="3608"/>
-                    <a:pt x="1393" y="3882"/>
-                    <a:pt x="1393" y="4180"/>
-                  </a:cubicBezTo>
-                  <a:lnTo>
-                    <a:pt x="1393" y="5680"/>
-                  </a:lnTo>
-                  <a:cubicBezTo>
-                    <a:pt x="1393" y="5811"/>
-                    <a:pt x="1429" y="5930"/>
-                    <a:pt x="1500" y="6037"/>
-                  </a:cubicBezTo>
-                  <a:lnTo>
-                    <a:pt x="167" y="6037"/>
-                  </a:lnTo>
-                  <a:cubicBezTo>
-                    <a:pt x="71" y="6037"/>
-                    <a:pt x="0" y="6109"/>
-                    <a:pt x="0" y="6204"/>
-                  </a:cubicBezTo>
-                  <a:cubicBezTo>
-                    <a:pt x="0" y="6287"/>
-                    <a:pt x="71" y="6371"/>
-                    <a:pt x="167" y="6371"/>
-                  </a:cubicBezTo>
-                  <a:lnTo>
-                    <a:pt x="345" y="6371"/>
-                  </a:lnTo>
-                  <a:lnTo>
-                    <a:pt x="345" y="7930"/>
-                  </a:lnTo>
-                  <a:cubicBezTo>
-                    <a:pt x="345" y="8014"/>
-                    <a:pt x="417" y="8097"/>
-                    <a:pt x="500" y="8097"/>
-                  </a:cubicBezTo>
-                  <a:cubicBezTo>
-                    <a:pt x="595" y="8097"/>
-                    <a:pt x="667" y="8014"/>
-                    <a:pt x="667" y="7930"/>
-                  </a:cubicBezTo>
-                  <a:lnTo>
-                    <a:pt x="667" y="7049"/>
-                  </a:lnTo>
-                  <a:lnTo>
-                    <a:pt x="2072" y="7049"/>
-                  </a:lnTo>
-                  <a:lnTo>
-                    <a:pt x="2072" y="7930"/>
-                  </a:lnTo>
-                  <a:cubicBezTo>
-                    <a:pt x="2072" y="8014"/>
-                    <a:pt x="2143" y="8097"/>
-                    <a:pt x="2226" y="8097"/>
-                  </a:cubicBezTo>
-                  <a:cubicBezTo>
-                    <a:pt x="2322" y="8097"/>
-                    <a:pt x="2393" y="8014"/>
-                    <a:pt x="2393" y="7930"/>
-                  </a:cubicBezTo>
-                  <a:lnTo>
-                    <a:pt x="2393" y="7395"/>
-                  </a:lnTo>
-                  <a:lnTo>
-                    <a:pt x="4155" y="7395"/>
-                  </a:lnTo>
-                  <a:lnTo>
-                    <a:pt x="4155" y="7930"/>
-                  </a:lnTo>
-                  <a:cubicBezTo>
-                    <a:pt x="4155" y="8014"/>
-                    <a:pt x="4227" y="8097"/>
-                    <a:pt x="4310" y="8097"/>
-                  </a:cubicBezTo>
-                  <a:cubicBezTo>
-                    <a:pt x="4405" y="8097"/>
-                    <a:pt x="4477" y="8014"/>
-                    <a:pt x="4477" y="7930"/>
-                  </a:cubicBezTo>
-                  <a:lnTo>
-                    <a:pt x="4477" y="7049"/>
-                  </a:lnTo>
-                  <a:lnTo>
-                    <a:pt x="10370" y="7049"/>
-                  </a:lnTo>
-                  <a:lnTo>
-                    <a:pt x="10370" y="7930"/>
-                  </a:lnTo>
-                  <a:cubicBezTo>
-                    <a:pt x="10370" y="8014"/>
-                    <a:pt x="10442" y="8097"/>
-                    <a:pt x="10537" y="8097"/>
-                  </a:cubicBezTo>
-                  <a:cubicBezTo>
-                    <a:pt x="10620" y="8097"/>
-                    <a:pt x="10704" y="8014"/>
-                    <a:pt x="10704" y="7930"/>
-                  </a:cubicBezTo>
-                  <a:lnTo>
-                    <a:pt x="10704" y="6371"/>
-                  </a:lnTo>
-                  <a:lnTo>
-                    <a:pt x="10882" y="6371"/>
-                  </a:lnTo>
-                  <a:cubicBezTo>
-                    <a:pt x="10966" y="6371"/>
-                    <a:pt x="11037" y="6287"/>
-                    <a:pt x="11037" y="6204"/>
-                  </a:cubicBezTo>
-                  <a:cubicBezTo>
-                    <a:pt x="11037" y="6109"/>
-                    <a:pt x="10966" y="6037"/>
-                    <a:pt x="10882" y="6037"/>
-                  </a:cubicBezTo>
-                  <a:lnTo>
-                    <a:pt x="9894" y="6037"/>
-                  </a:lnTo>
-                  <a:cubicBezTo>
-                    <a:pt x="9954" y="5930"/>
-                    <a:pt x="10001" y="5811"/>
-                    <a:pt x="10001" y="5680"/>
-                  </a:cubicBezTo>
-                  <a:lnTo>
-                    <a:pt x="10001" y="4180"/>
-                  </a:lnTo>
-                  <a:cubicBezTo>
-                    <a:pt x="10001" y="3882"/>
-                    <a:pt x="9787" y="3608"/>
-                    <a:pt x="9501" y="3525"/>
-                  </a:cubicBezTo>
-                  <a:lnTo>
-                    <a:pt x="8930" y="3358"/>
-                  </a:lnTo>
-                  <a:cubicBezTo>
-                    <a:pt x="8858" y="3335"/>
-                    <a:pt x="8799" y="3275"/>
-                    <a:pt x="8799" y="3180"/>
-                  </a:cubicBezTo>
-                  <a:lnTo>
-                    <a:pt x="8799" y="3049"/>
-                  </a:lnTo>
-                  <a:cubicBezTo>
-                    <a:pt x="8858" y="3001"/>
-                    <a:pt x="8894" y="2977"/>
-                    <a:pt x="8942" y="2918"/>
-                  </a:cubicBezTo>
-                  <a:cubicBezTo>
-                    <a:pt x="9180" y="2692"/>
-                    <a:pt x="9299" y="2382"/>
-                    <a:pt x="9299" y="2049"/>
-                  </a:cubicBezTo>
-                  <a:lnTo>
-                    <a:pt x="9299" y="1739"/>
-                  </a:lnTo>
-                  <a:lnTo>
-                    <a:pt x="9358" y="1608"/>
-                  </a:lnTo>
-                  <a:cubicBezTo>
-                    <a:pt x="9430" y="1453"/>
-                    <a:pt x="9465" y="1311"/>
-                    <a:pt x="9465" y="1144"/>
-                  </a:cubicBezTo>
-                  <a:lnTo>
-                    <a:pt x="9465" y="310"/>
-                  </a:lnTo>
-                  <a:cubicBezTo>
-                    <a:pt x="9465" y="215"/>
-                    <a:pt x="9382" y="144"/>
-                    <a:pt x="9299" y="144"/>
-                  </a:cubicBezTo>
-                  <a:lnTo>
-                    <a:pt x="7739" y="144"/>
-                  </a:lnTo>
-                  <a:cubicBezTo>
-                    <a:pt x="7168" y="144"/>
-                    <a:pt x="6703" y="608"/>
-                    <a:pt x="6703" y="1168"/>
-                  </a:cubicBezTo>
-                  <a:lnTo>
-                    <a:pt x="6703" y="1191"/>
-                  </a:lnTo>
-                  <a:cubicBezTo>
-                    <a:pt x="6703" y="1322"/>
-                    <a:pt x="6739" y="1453"/>
-                    <a:pt x="6798" y="1572"/>
-                  </a:cubicBezTo>
-                  <a:lnTo>
-                    <a:pt x="6894" y="1739"/>
-                  </a:lnTo>
-                  <a:lnTo>
-                    <a:pt x="6894" y="2001"/>
-                  </a:lnTo>
-                  <a:cubicBezTo>
-                    <a:pt x="6894" y="2418"/>
-                    <a:pt x="7096" y="2799"/>
-                    <a:pt x="7406" y="3037"/>
-                  </a:cubicBezTo>
-                  <a:lnTo>
-                    <a:pt x="7406" y="3180"/>
-                  </a:lnTo>
-                  <a:cubicBezTo>
-                    <a:pt x="7406" y="3251"/>
-                    <a:pt x="7346" y="3335"/>
-                    <a:pt x="7275" y="3358"/>
-                  </a:cubicBezTo>
-                  <a:lnTo>
-                    <a:pt x="6691" y="3525"/>
-                  </a:lnTo>
-                  <a:cubicBezTo>
-                    <a:pt x="6394" y="3608"/>
-                    <a:pt x="6203" y="3882"/>
-                    <a:pt x="6203" y="4180"/>
-                  </a:cubicBezTo>
-                  <a:lnTo>
-                    <a:pt x="6203" y="4311"/>
-                  </a:lnTo>
-                  <a:lnTo>
-                    <a:pt x="6191" y="4311"/>
-                  </a:lnTo>
-                  <a:cubicBezTo>
-                    <a:pt x="6013" y="4311"/>
-                    <a:pt x="5858" y="4466"/>
-                    <a:pt x="5858" y="4644"/>
-                  </a:cubicBezTo>
-                  <a:lnTo>
-                    <a:pt x="5858" y="6025"/>
-                  </a:lnTo>
-                  <a:lnTo>
-                    <a:pt x="5858" y="6037"/>
-                  </a:lnTo>
-                  <a:lnTo>
-                    <a:pt x="5048" y="6037"/>
-                  </a:lnTo>
-                  <a:cubicBezTo>
-                    <a:pt x="5108" y="5930"/>
-                    <a:pt x="5144" y="5811"/>
-                    <a:pt x="5144" y="5680"/>
-                  </a:cubicBezTo>
-                  <a:lnTo>
-                    <a:pt x="5144" y="4180"/>
-                  </a:lnTo>
-                  <a:cubicBezTo>
-                    <a:pt x="5144" y="3882"/>
-                    <a:pt x="4941" y="3608"/>
-                    <a:pt x="4655" y="3525"/>
-                  </a:cubicBezTo>
-                  <a:lnTo>
-                    <a:pt x="4072" y="3358"/>
-                  </a:lnTo>
-                  <a:lnTo>
-                    <a:pt x="4060" y="3358"/>
-                  </a:lnTo>
-                  <a:cubicBezTo>
-                    <a:pt x="4346" y="3299"/>
-                    <a:pt x="4560" y="3239"/>
-                    <a:pt x="4703" y="3180"/>
-                  </a:cubicBezTo>
-                  <a:cubicBezTo>
-                    <a:pt x="4786" y="3156"/>
-                    <a:pt x="4846" y="3096"/>
-                    <a:pt x="4893" y="3001"/>
-                  </a:cubicBezTo>
-                  <a:cubicBezTo>
-                    <a:pt x="4941" y="2930"/>
-                    <a:pt x="4941" y="2835"/>
-                    <a:pt x="4905" y="2751"/>
-                  </a:cubicBezTo>
-                  <a:cubicBezTo>
-                    <a:pt x="4763" y="2358"/>
-                    <a:pt x="4655" y="1692"/>
-                    <a:pt x="4643" y="1370"/>
-                  </a:cubicBezTo>
-                  <a:cubicBezTo>
-                    <a:pt x="4584" y="572"/>
-                    <a:pt x="4001" y="1"/>
-                    <a:pt x="3274" y="1"/>
-                  </a:cubicBezTo>
-                  <a:close/>
-                </a:path>
-              </a:pathLst>
-            </a:custGeom>
-            <a:solidFill>
-              <a:srgbClr val="657E93"/>
-            </a:solidFill>
-            <a:ln>
-              <a:noFill/>
-            </a:ln>
-          </p:spPr>
-          <p:txBody>
-            <a:bodyPr spcFirstLastPara="1" wrap="square" lIns="91425" tIns="91425" rIns="91425" bIns="91425" anchor="ctr" anchorCtr="0">
-              <a:noAutofit/>
-            </a:bodyPr>
-            <a:lstStyle/>
-            <a:p>
-              <a:pPr marL="0" lvl="0" indent="0" algn="l" rtl="0">
-                <a:spcBef>
-                  <a:spcPts val="0"/>
-                </a:spcBef>
-                <a:spcAft>
-                  <a:spcPts val="0"/>
-                </a:spcAft>
-                <a:buNone/>
-              </a:pPr>
-              <a:endParaRPr>
-                <a:solidFill>
-                  <a:schemeClr val="accent2"/>
-                </a:solidFill>
-              </a:endParaRPr>
-            </a:p>
-          </p:txBody>
-        </p:sp>
-        <p:sp>
-          <p:nvSpPr>
-            <p:cNvPr id="8" name="Google Shape;16530;p95">
-              <a:extLst>
-                <a:ext uri="{FF2B5EF4-FFF2-40B4-BE49-F238E27FC236}">
-                  <a16:creationId xmlns:a16="http://schemas.microsoft.com/office/drawing/2014/main" id="{BD773F22-CE2F-7E1B-8AA9-82D35518965D}"/>
-                </a:ext>
-              </a:extLst>
-            </p:cNvPr>
-            <p:cNvSpPr/>
-            <p:nvPr/>
-          </p:nvSpPr>
-          <p:spPr>
-            <a:xfrm>
-              <a:off x="1611228" y="2679979"/>
-              <a:ext cx="12250" cy="12708"/>
-            </a:xfrm>
-            <a:custGeom>
-              <a:avLst/>
-              <a:gdLst/>
-              <a:ahLst/>
-              <a:cxnLst/>
-              <a:rect l="l" t="t" r="r" b="b"/>
-              <a:pathLst>
-                <a:path w="322" h="334" extrusionOk="0">
-                  <a:moveTo>
-                    <a:pt x="167" y="0"/>
-                  </a:moveTo>
-                  <a:cubicBezTo>
-                    <a:pt x="72" y="0"/>
-                    <a:pt x="0" y="83"/>
-                    <a:pt x="0" y="167"/>
-                  </a:cubicBezTo>
-                  <a:cubicBezTo>
-                    <a:pt x="0" y="262"/>
-                    <a:pt x="72" y="334"/>
-                    <a:pt x="167" y="334"/>
-                  </a:cubicBezTo>
-                  <a:cubicBezTo>
-                    <a:pt x="250" y="334"/>
-                    <a:pt x="322" y="262"/>
-                    <a:pt x="322" y="167"/>
-                  </a:cubicBezTo>
-                  <a:cubicBezTo>
-                    <a:pt x="322" y="83"/>
-                    <a:pt x="250" y="0"/>
-                    <a:pt x="167" y="0"/>
-                  </a:cubicBezTo>
-                  <a:close/>
-                </a:path>
-              </a:pathLst>
-            </a:custGeom>
-            <a:solidFill>
-              <a:srgbClr val="657E93"/>
-            </a:solidFill>
-            <a:ln>
-              <a:noFill/>
-            </a:ln>
-          </p:spPr>
-          <p:txBody>
-            <a:bodyPr spcFirstLastPara="1" wrap="square" lIns="91425" tIns="91425" rIns="91425" bIns="91425" anchor="ctr" anchorCtr="0">
-              <a:noAutofit/>
-            </a:bodyPr>
-            <a:lstStyle/>
-            <a:p>
-              <a:pPr marL="0" lvl="0" indent="0" algn="l" rtl="0">
-                <a:spcBef>
-                  <a:spcPts val="0"/>
-                </a:spcBef>
-                <a:spcAft>
-                  <a:spcPts val="0"/>
-                </a:spcAft>
-                <a:buNone/>
-              </a:pPr>
-              <a:endParaRPr>
-                <a:solidFill>
-                  <a:schemeClr val="accent2"/>
-                </a:solidFill>
-              </a:endParaRPr>
-            </a:p>
-          </p:txBody>
-        </p:sp>
-      </p:grpSp>
       <p:pic>
         <p:nvPicPr>
           <p:cNvPr id="10" name="Algo.mp4">
@@ -14153,6 +13549,1388 @@
           </a:p>
         </p:txBody>
       </p:sp>
+      <p:grpSp>
+        <p:nvGrpSpPr>
+          <p:cNvPr id="26" name="Google Shape;15898;p93">
+            <a:extLst>
+              <a:ext uri="{FF2B5EF4-FFF2-40B4-BE49-F238E27FC236}">
+                <a16:creationId xmlns:a16="http://schemas.microsoft.com/office/drawing/2014/main" id="{B1459D06-85AA-CBC8-EB7A-638C778F30EA}"/>
+              </a:ext>
+            </a:extLst>
+          </p:cNvPr>
+          <p:cNvGrpSpPr/>
+          <p:nvPr/>
+        </p:nvGrpSpPr>
+        <p:grpSpPr>
+          <a:xfrm>
+            <a:off x="1783237" y="13106"/>
+            <a:ext cx="437084" cy="552410"/>
+            <a:chOff x="1768821" y="3361108"/>
+            <a:chExt cx="278739" cy="339073"/>
+          </a:xfrm>
+        </p:grpSpPr>
+        <p:sp>
+          <p:nvSpPr>
+            <p:cNvPr id="27" name="Google Shape;15899;p93">
+              <a:extLst>
+                <a:ext uri="{FF2B5EF4-FFF2-40B4-BE49-F238E27FC236}">
+                  <a16:creationId xmlns:a16="http://schemas.microsoft.com/office/drawing/2014/main" id="{E41B970D-D51C-2F2C-5EDC-DBBC05B13F8F}"/>
+                </a:ext>
+              </a:extLst>
+            </p:cNvPr>
+            <p:cNvSpPr/>
+            <p:nvPr/>
+          </p:nvSpPr>
+          <p:spPr>
+            <a:xfrm>
+              <a:off x="1784374" y="3549744"/>
+              <a:ext cx="32218" cy="21564"/>
+            </a:xfrm>
+            <a:custGeom>
+              <a:avLst/>
+              <a:gdLst/>
+              <a:ahLst/>
+              <a:cxnLst/>
+              <a:rect l="l" t="t" r="r" b="b"/>
+              <a:pathLst>
+                <a:path w="1013" h="678" extrusionOk="0">
+                  <a:moveTo>
+                    <a:pt x="830" y="1"/>
+                  </a:moveTo>
+                  <a:cubicBezTo>
+                    <a:pt x="804" y="1"/>
+                    <a:pt x="776" y="8"/>
+                    <a:pt x="750" y="23"/>
+                  </a:cubicBezTo>
+                  <a:lnTo>
+                    <a:pt x="143" y="380"/>
+                  </a:lnTo>
+                  <a:cubicBezTo>
+                    <a:pt x="0" y="451"/>
+                    <a:pt x="48" y="677"/>
+                    <a:pt x="214" y="677"/>
+                  </a:cubicBezTo>
+                  <a:cubicBezTo>
+                    <a:pt x="238" y="677"/>
+                    <a:pt x="274" y="677"/>
+                    <a:pt x="286" y="665"/>
+                  </a:cubicBezTo>
+                  <a:lnTo>
+                    <a:pt x="893" y="308"/>
+                  </a:lnTo>
+                  <a:cubicBezTo>
+                    <a:pt x="1000" y="261"/>
+                    <a:pt x="1012" y="154"/>
+                    <a:pt x="976" y="82"/>
+                  </a:cubicBezTo>
+                  <a:cubicBezTo>
+                    <a:pt x="944" y="33"/>
+                    <a:pt x="889" y="1"/>
+                    <a:pt x="830" y="1"/>
+                  </a:cubicBezTo>
+                  <a:close/>
+                </a:path>
+              </a:pathLst>
+            </a:custGeom>
+            <a:solidFill>
+              <a:srgbClr val="657E93"/>
+            </a:solidFill>
+            <a:ln>
+              <a:noFill/>
+            </a:ln>
+          </p:spPr>
+          <p:txBody>
+            <a:bodyPr spcFirstLastPara="1" wrap="square" lIns="91425" tIns="91425" rIns="91425" bIns="91425" anchor="ctr" anchorCtr="0">
+              <a:noAutofit/>
+            </a:bodyPr>
+            <a:lstStyle/>
+            <a:p>
+              <a:pPr marL="0" lvl="0" indent="0" algn="l" rtl="0">
+                <a:spcBef>
+                  <a:spcPts val="0"/>
+                </a:spcBef>
+                <a:spcAft>
+                  <a:spcPts val="0"/>
+                </a:spcAft>
+                <a:buNone/>
+              </a:pPr>
+              <a:endParaRPr>
+                <a:solidFill>
+                  <a:srgbClr val="FF0000"/>
+                </a:solidFill>
+              </a:endParaRPr>
+            </a:p>
+          </p:txBody>
+        </p:sp>
+        <p:sp>
+          <p:nvSpPr>
+            <p:cNvPr id="28" name="Google Shape;15900;p93">
+              <a:extLst>
+                <a:ext uri="{FF2B5EF4-FFF2-40B4-BE49-F238E27FC236}">
+                  <a16:creationId xmlns:a16="http://schemas.microsoft.com/office/drawing/2014/main" id="{DF84C318-8F0E-E6ED-A115-783D4385C256}"/>
+                </a:ext>
+              </a:extLst>
+            </p:cNvPr>
+            <p:cNvSpPr/>
+            <p:nvPr/>
+          </p:nvSpPr>
+          <p:spPr>
+            <a:xfrm>
+              <a:off x="1998326" y="3551652"/>
+              <a:ext cx="32218" cy="21532"/>
+            </a:xfrm>
+            <a:custGeom>
+              <a:avLst/>
+              <a:gdLst/>
+              <a:ahLst/>
+              <a:cxnLst/>
+              <a:rect l="l" t="t" r="r" b="b"/>
+              <a:pathLst>
+                <a:path w="1013" h="677" extrusionOk="0">
+                  <a:moveTo>
+                    <a:pt x="199" y="0"/>
+                  </a:moveTo>
+                  <a:cubicBezTo>
+                    <a:pt x="141" y="0"/>
+                    <a:pt x="80" y="33"/>
+                    <a:pt x="48" y="82"/>
+                  </a:cubicBezTo>
+                  <a:cubicBezTo>
+                    <a:pt x="0" y="153"/>
+                    <a:pt x="36" y="260"/>
+                    <a:pt x="107" y="308"/>
+                  </a:cubicBezTo>
+                  <a:cubicBezTo>
+                    <a:pt x="726" y="665"/>
+                    <a:pt x="714" y="677"/>
+                    <a:pt x="810" y="677"/>
+                  </a:cubicBezTo>
+                  <a:cubicBezTo>
+                    <a:pt x="953" y="677"/>
+                    <a:pt x="1012" y="451"/>
+                    <a:pt x="881" y="379"/>
+                  </a:cubicBezTo>
+                  <a:lnTo>
+                    <a:pt x="274" y="22"/>
+                  </a:lnTo>
+                  <a:cubicBezTo>
+                    <a:pt x="251" y="7"/>
+                    <a:pt x="226" y="0"/>
+                    <a:pt x="199" y="0"/>
+                  </a:cubicBezTo>
+                  <a:close/>
+                </a:path>
+              </a:pathLst>
+            </a:custGeom>
+            <a:solidFill>
+              <a:srgbClr val="657E93"/>
+            </a:solidFill>
+            <a:ln>
+              <a:noFill/>
+            </a:ln>
+          </p:spPr>
+          <p:txBody>
+            <a:bodyPr spcFirstLastPara="1" wrap="square" lIns="91425" tIns="91425" rIns="91425" bIns="91425" anchor="ctr" anchorCtr="0">
+              <a:noAutofit/>
+            </a:bodyPr>
+            <a:lstStyle/>
+            <a:p>
+              <a:pPr marL="0" lvl="0" indent="0" algn="l" rtl="0">
+                <a:spcBef>
+                  <a:spcPts val="0"/>
+                </a:spcBef>
+                <a:spcAft>
+                  <a:spcPts val="0"/>
+                </a:spcAft>
+                <a:buNone/>
+              </a:pPr>
+              <a:endParaRPr>
+                <a:solidFill>
+                  <a:srgbClr val="FF0000"/>
+                </a:solidFill>
+              </a:endParaRPr>
+            </a:p>
+          </p:txBody>
+        </p:sp>
+        <p:sp>
+          <p:nvSpPr>
+            <p:cNvPr id="29" name="Google Shape;15901;p93">
+              <a:extLst>
+                <a:ext uri="{FF2B5EF4-FFF2-40B4-BE49-F238E27FC236}">
+                  <a16:creationId xmlns:a16="http://schemas.microsoft.com/office/drawing/2014/main" id="{DBA844A9-6F46-5C7A-F4E8-0DC8F5CD2BDF}"/>
+                </a:ext>
+              </a:extLst>
+            </p:cNvPr>
+            <p:cNvSpPr/>
+            <p:nvPr/>
+          </p:nvSpPr>
+          <p:spPr>
+            <a:xfrm>
+              <a:off x="1826007" y="3466383"/>
+              <a:ext cx="142041" cy="233799"/>
+            </a:xfrm>
+            <a:custGeom>
+              <a:avLst/>
+              <a:gdLst/>
+              <a:ahLst/>
+              <a:cxnLst/>
+              <a:rect l="l" t="t" r="r" b="b"/>
+              <a:pathLst>
+                <a:path w="4466" h="7351" extrusionOk="0">
+                  <a:moveTo>
+                    <a:pt x="1715" y="346"/>
+                  </a:moveTo>
+                  <a:cubicBezTo>
+                    <a:pt x="1882" y="346"/>
+                    <a:pt x="2013" y="489"/>
+                    <a:pt x="2013" y="643"/>
+                  </a:cubicBezTo>
+                  <a:lnTo>
+                    <a:pt x="2013" y="941"/>
+                  </a:lnTo>
+                  <a:lnTo>
+                    <a:pt x="1668" y="941"/>
+                  </a:lnTo>
+                  <a:cubicBezTo>
+                    <a:pt x="1501" y="941"/>
+                    <a:pt x="1370" y="810"/>
+                    <a:pt x="1370" y="643"/>
+                  </a:cubicBezTo>
+                  <a:cubicBezTo>
+                    <a:pt x="1370" y="489"/>
+                    <a:pt x="1501" y="346"/>
+                    <a:pt x="1668" y="346"/>
+                  </a:cubicBezTo>
+                  <a:close/>
+                  <a:moveTo>
+                    <a:pt x="3573" y="346"/>
+                  </a:moveTo>
+                  <a:cubicBezTo>
+                    <a:pt x="3739" y="346"/>
+                    <a:pt x="3870" y="489"/>
+                    <a:pt x="3870" y="643"/>
+                  </a:cubicBezTo>
+                  <a:cubicBezTo>
+                    <a:pt x="3870" y="810"/>
+                    <a:pt x="3739" y="941"/>
+                    <a:pt x="3573" y="941"/>
+                  </a:cubicBezTo>
+                  <a:lnTo>
+                    <a:pt x="3239" y="941"/>
+                  </a:lnTo>
+                  <a:lnTo>
+                    <a:pt x="3239" y="643"/>
+                  </a:lnTo>
+                  <a:cubicBezTo>
+                    <a:pt x="3239" y="489"/>
+                    <a:pt x="3370" y="346"/>
+                    <a:pt x="3537" y="346"/>
+                  </a:cubicBezTo>
+                  <a:close/>
+                  <a:moveTo>
+                    <a:pt x="3727" y="4370"/>
+                  </a:moveTo>
+                  <a:lnTo>
+                    <a:pt x="3727" y="5049"/>
+                  </a:lnTo>
+                  <a:lnTo>
+                    <a:pt x="1513" y="5049"/>
+                  </a:lnTo>
+                  <a:lnTo>
+                    <a:pt x="1513" y="4370"/>
+                  </a:lnTo>
+                  <a:close/>
+                  <a:moveTo>
+                    <a:pt x="3739" y="5370"/>
+                  </a:moveTo>
+                  <a:lnTo>
+                    <a:pt x="3739" y="5799"/>
+                  </a:lnTo>
+                  <a:lnTo>
+                    <a:pt x="3727" y="5799"/>
+                  </a:lnTo>
+                  <a:cubicBezTo>
+                    <a:pt x="3727" y="5930"/>
+                    <a:pt x="3620" y="6037"/>
+                    <a:pt x="3489" y="6037"/>
+                  </a:cubicBezTo>
+                  <a:lnTo>
+                    <a:pt x="1763" y="6037"/>
+                  </a:lnTo>
+                  <a:cubicBezTo>
+                    <a:pt x="1620" y="6037"/>
+                    <a:pt x="1525" y="5930"/>
+                    <a:pt x="1525" y="5799"/>
+                  </a:cubicBezTo>
+                  <a:lnTo>
+                    <a:pt x="1525" y="5370"/>
+                  </a:lnTo>
+                  <a:close/>
+                  <a:moveTo>
+                    <a:pt x="1656" y="0"/>
+                  </a:moveTo>
+                  <a:cubicBezTo>
+                    <a:pt x="1310" y="0"/>
+                    <a:pt x="1037" y="286"/>
+                    <a:pt x="1037" y="631"/>
+                  </a:cubicBezTo>
+                  <a:cubicBezTo>
+                    <a:pt x="1037" y="977"/>
+                    <a:pt x="1310" y="1262"/>
+                    <a:pt x="1656" y="1262"/>
+                  </a:cubicBezTo>
+                  <a:lnTo>
+                    <a:pt x="2001" y="1262"/>
+                  </a:lnTo>
+                  <a:lnTo>
+                    <a:pt x="2001" y="2548"/>
+                  </a:lnTo>
+                  <a:cubicBezTo>
+                    <a:pt x="2001" y="2644"/>
+                    <a:pt x="2072" y="2715"/>
+                    <a:pt x="2168" y="2715"/>
+                  </a:cubicBezTo>
+                  <a:cubicBezTo>
+                    <a:pt x="2251" y="2715"/>
+                    <a:pt x="2322" y="2644"/>
+                    <a:pt x="2322" y="2548"/>
+                  </a:cubicBezTo>
+                  <a:lnTo>
+                    <a:pt x="2322" y="1262"/>
+                  </a:lnTo>
+                  <a:lnTo>
+                    <a:pt x="2906" y="1262"/>
+                  </a:lnTo>
+                  <a:lnTo>
+                    <a:pt x="2906" y="4037"/>
+                  </a:lnTo>
+                  <a:lnTo>
+                    <a:pt x="2322" y="4037"/>
+                  </a:lnTo>
+                  <a:lnTo>
+                    <a:pt x="2322" y="3191"/>
+                  </a:lnTo>
+                  <a:cubicBezTo>
+                    <a:pt x="2322" y="3108"/>
+                    <a:pt x="2251" y="3025"/>
+                    <a:pt x="2168" y="3025"/>
+                  </a:cubicBezTo>
+                  <a:cubicBezTo>
+                    <a:pt x="2072" y="3025"/>
+                    <a:pt x="2001" y="3108"/>
+                    <a:pt x="2001" y="3191"/>
+                  </a:cubicBezTo>
+                  <a:lnTo>
+                    <a:pt x="2001" y="4060"/>
+                  </a:lnTo>
+                  <a:lnTo>
+                    <a:pt x="1513" y="4060"/>
+                  </a:lnTo>
+                  <a:cubicBezTo>
+                    <a:pt x="1489" y="3596"/>
+                    <a:pt x="1298" y="3167"/>
+                    <a:pt x="941" y="2846"/>
+                  </a:cubicBezTo>
+                  <a:cubicBezTo>
+                    <a:pt x="679" y="2608"/>
+                    <a:pt x="465" y="2310"/>
+                    <a:pt x="334" y="1989"/>
+                  </a:cubicBezTo>
+                  <a:cubicBezTo>
+                    <a:pt x="305" y="1930"/>
+                    <a:pt x="235" y="1887"/>
+                    <a:pt x="165" y="1887"/>
+                  </a:cubicBezTo>
+                  <a:cubicBezTo>
+                    <a:pt x="150" y="1887"/>
+                    <a:pt x="135" y="1889"/>
+                    <a:pt x="120" y="1893"/>
+                  </a:cubicBezTo>
+                  <a:cubicBezTo>
+                    <a:pt x="48" y="1929"/>
+                    <a:pt x="1" y="2036"/>
+                    <a:pt x="36" y="2108"/>
+                  </a:cubicBezTo>
+                  <a:cubicBezTo>
+                    <a:pt x="179" y="2477"/>
+                    <a:pt x="417" y="2810"/>
+                    <a:pt x="715" y="3084"/>
+                  </a:cubicBezTo>
+                  <a:cubicBezTo>
+                    <a:pt x="1001" y="3358"/>
+                    <a:pt x="1179" y="3727"/>
+                    <a:pt x="1179" y="4120"/>
+                  </a:cubicBezTo>
+                  <a:lnTo>
+                    <a:pt x="1179" y="5823"/>
+                  </a:lnTo>
+                  <a:cubicBezTo>
+                    <a:pt x="1179" y="6096"/>
+                    <a:pt x="1358" y="6311"/>
+                    <a:pt x="1608" y="6382"/>
+                  </a:cubicBezTo>
+                  <a:cubicBezTo>
+                    <a:pt x="1608" y="6513"/>
+                    <a:pt x="1644" y="6644"/>
+                    <a:pt x="1703" y="6775"/>
+                  </a:cubicBezTo>
+                  <a:cubicBezTo>
+                    <a:pt x="1738" y="6837"/>
+                    <a:pt x="1793" y="6872"/>
+                    <a:pt x="1848" y="6872"/>
+                  </a:cubicBezTo>
+                  <a:cubicBezTo>
+                    <a:pt x="1868" y="6872"/>
+                    <a:pt x="1887" y="6868"/>
+                    <a:pt x="1906" y="6858"/>
+                  </a:cubicBezTo>
+                  <a:cubicBezTo>
+                    <a:pt x="1989" y="6811"/>
+                    <a:pt x="2025" y="6715"/>
+                    <a:pt x="1989" y="6644"/>
+                  </a:cubicBezTo>
+                  <a:cubicBezTo>
+                    <a:pt x="1953" y="6573"/>
+                    <a:pt x="1930" y="6477"/>
+                    <a:pt x="1930" y="6394"/>
+                  </a:cubicBezTo>
+                  <a:lnTo>
+                    <a:pt x="3263" y="6394"/>
+                  </a:lnTo>
+                  <a:cubicBezTo>
+                    <a:pt x="3243" y="6759"/>
+                    <a:pt x="2922" y="7025"/>
+                    <a:pt x="2575" y="7025"/>
+                  </a:cubicBezTo>
+                  <a:cubicBezTo>
+                    <a:pt x="2503" y="7025"/>
+                    <a:pt x="2430" y="7014"/>
+                    <a:pt x="2358" y="6989"/>
+                  </a:cubicBezTo>
+                  <a:cubicBezTo>
+                    <a:pt x="2336" y="6981"/>
+                    <a:pt x="2314" y="6977"/>
+                    <a:pt x="2294" y="6977"/>
+                  </a:cubicBezTo>
+                  <a:cubicBezTo>
+                    <a:pt x="2227" y="6977"/>
+                    <a:pt x="2171" y="7018"/>
+                    <a:pt x="2144" y="7073"/>
+                  </a:cubicBezTo>
+                  <a:cubicBezTo>
+                    <a:pt x="2120" y="7168"/>
+                    <a:pt x="2168" y="7251"/>
+                    <a:pt x="2239" y="7287"/>
+                  </a:cubicBezTo>
+                  <a:cubicBezTo>
+                    <a:pt x="2356" y="7330"/>
+                    <a:pt x="2473" y="7350"/>
+                    <a:pt x="2588" y="7350"/>
+                  </a:cubicBezTo>
+                  <a:cubicBezTo>
+                    <a:pt x="3106" y="7350"/>
+                    <a:pt x="3563" y="6940"/>
+                    <a:pt x="3573" y="6394"/>
+                  </a:cubicBezTo>
+                  <a:cubicBezTo>
+                    <a:pt x="3835" y="6334"/>
+                    <a:pt x="4013" y="6108"/>
+                    <a:pt x="4013" y="5846"/>
+                  </a:cubicBezTo>
+                  <a:lnTo>
+                    <a:pt x="4013" y="4156"/>
+                  </a:lnTo>
+                  <a:cubicBezTo>
+                    <a:pt x="4013" y="3798"/>
+                    <a:pt x="4144" y="3465"/>
+                    <a:pt x="4370" y="3203"/>
+                  </a:cubicBezTo>
+                  <a:cubicBezTo>
+                    <a:pt x="4466" y="3108"/>
+                    <a:pt x="4454" y="3001"/>
+                    <a:pt x="4394" y="2941"/>
+                  </a:cubicBezTo>
+                  <a:cubicBezTo>
+                    <a:pt x="4366" y="2913"/>
+                    <a:pt x="4326" y="2898"/>
+                    <a:pt x="4287" y="2898"/>
+                  </a:cubicBezTo>
+                  <a:cubicBezTo>
+                    <a:pt x="4243" y="2898"/>
+                    <a:pt x="4199" y="2916"/>
+                    <a:pt x="4168" y="2953"/>
+                  </a:cubicBezTo>
+                  <a:cubicBezTo>
+                    <a:pt x="3906" y="3251"/>
+                    <a:pt x="3739" y="3644"/>
+                    <a:pt x="3727" y="4060"/>
+                  </a:cubicBezTo>
+                  <a:lnTo>
+                    <a:pt x="3239" y="4060"/>
+                  </a:lnTo>
+                  <a:lnTo>
+                    <a:pt x="3239" y="1262"/>
+                  </a:lnTo>
+                  <a:lnTo>
+                    <a:pt x="3573" y="1262"/>
+                  </a:lnTo>
+                  <a:cubicBezTo>
+                    <a:pt x="3918" y="1262"/>
+                    <a:pt x="4204" y="977"/>
+                    <a:pt x="4204" y="631"/>
+                  </a:cubicBezTo>
+                  <a:cubicBezTo>
+                    <a:pt x="4204" y="286"/>
+                    <a:pt x="3918" y="0"/>
+                    <a:pt x="3573" y="0"/>
+                  </a:cubicBezTo>
+                  <a:lnTo>
+                    <a:pt x="3537" y="0"/>
+                  </a:lnTo>
+                  <a:cubicBezTo>
+                    <a:pt x="3192" y="0"/>
+                    <a:pt x="2906" y="286"/>
+                    <a:pt x="2906" y="631"/>
+                  </a:cubicBezTo>
+                  <a:lnTo>
+                    <a:pt x="2906" y="929"/>
+                  </a:lnTo>
+                  <a:lnTo>
+                    <a:pt x="2322" y="929"/>
+                  </a:lnTo>
+                  <a:lnTo>
+                    <a:pt x="2322" y="631"/>
+                  </a:lnTo>
+                  <a:cubicBezTo>
+                    <a:pt x="2322" y="286"/>
+                    <a:pt x="2049" y="0"/>
+                    <a:pt x="1703" y="0"/>
+                  </a:cubicBezTo>
+                  <a:close/>
+                </a:path>
+              </a:pathLst>
+            </a:custGeom>
+            <a:solidFill>
+              <a:srgbClr val="657E93"/>
+            </a:solidFill>
+            <a:ln>
+              <a:noFill/>
+            </a:ln>
+          </p:spPr>
+          <p:txBody>
+            <a:bodyPr spcFirstLastPara="1" wrap="square" lIns="91425" tIns="91425" rIns="91425" bIns="91425" anchor="ctr" anchorCtr="0">
+              <a:noAutofit/>
+            </a:bodyPr>
+            <a:lstStyle/>
+            <a:p>
+              <a:pPr marL="0" lvl="0" indent="0" algn="l" rtl="0">
+                <a:spcBef>
+                  <a:spcPts val="0"/>
+                </a:spcBef>
+                <a:spcAft>
+                  <a:spcPts val="0"/>
+                </a:spcAft>
+                <a:buNone/>
+              </a:pPr>
+              <a:endParaRPr>
+                <a:solidFill>
+                  <a:srgbClr val="FF0000"/>
+                </a:solidFill>
+              </a:endParaRPr>
+            </a:p>
+          </p:txBody>
+        </p:sp>
+        <p:sp>
+          <p:nvSpPr>
+            <p:cNvPr id="30" name="Google Shape;15902;p93">
+              <a:extLst>
+                <a:ext uri="{FF2B5EF4-FFF2-40B4-BE49-F238E27FC236}">
+                  <a16:creationId xmlns:a16="http://schemas.microsoft.com/office/drawing/2014/main" id="{739992A0-210C-AD80-EC68-5DF33896C2E7}"/>
+                </a:ext>
+              </a:extLst>
+            </p:cNvPr>
+            <p:cNvSpPr/>
+            <p:nvPr/>
+          </p:nvSpPr>
+          <p:spPr>
+            <a:xfrm>
+              <a:off x="1820345" y="3409706"/>
+              <a:ext cx="177631" cy="144236"/>
+            </a:xfrm>
+            <a:custGeom>
+              <a:avLst/>
+              <a:gdLst/>
+              <a:ahLst/>
+              <a:cxnLst/>
+              <a:rect l="l" t="t" r="r" b="b"/>
+              <a:pathLst>
+                <a:path w="5585" h="4535" extrusionOk="0">
+                  <a:moveTo>
+                    <a:pt x="2818" y="1"/>
+                  </a:moveTo>
+                  <a:cubicBezTo>
+                    <a:pt x="1382" y="1"/>
+                    <a:pt x="0" y="1113"/>
+                    <a:pt x="0" y="2782"/>
+                  </a:cubicBezTo>
+                  <a:cubicBezTo>
+                    <a:pt x="0" y="2937"/>
+                    <a:pt x="24" y="3080"/>
+                    <a:pt x="36" y="3223"/>
+                  </a:cubicBezTo>
+                  <a:cubicBezTo>
+                    <a:pt x="47" y="3299"/>
+                    <a:pt x="107" y="3355"/>
+                    <a:pt x="190" y="3355"/>
+                  </a:cubicBezTo>
+                  <a:cubicBezTo>
+                    <a:pt x="198" y="3355"/>
+                    <a:pt x="206" y="3355"/>
+                    <a:pt x="214" y="3354"/>
+                  </a:cubicBezTo>
+                  <a:cubicBezTo>
+                    <a:pt x="298" y="3342"/>
+                    <a:pt x="357" y="3259"/>
+                    <a:pt x="345" y="3175"/>
+                  </a:cubicBezTo>
+                  <a:cubicBezTo>
+                    <a:pt x="333" y="3044"/>
+                    <a:pt x="310" y="2925"/>
+                    <a:pt x="310" y="2782"/>
+                  </a:cubicBezTo>
+                  <a:cubicBezTo>
+                    <a:pt x="310" y="1416"/>
+                    <a:pt x="1429" y="318"/>
+                    <a:pt x="2779" y="318"/>
+                  </a:cubicBezTo>
+                  <a:cubicBezTo>
+                    <a:pt x="2793" y="318"/>
+                    <a:pt x="2807" y="318"/>
+                    <a:pt x="2822" y="318"/>
+                  </a:cubicBezTo>
+                  <a:cubicBezTo>
+                    <a:pt x="4143" y="330"/>
+                    <a:pt x="5227" y="1437"/>
+                    <a:pt x="5239" y="2759"/>
+                  </a:cubicBezTo>
+                  <a:lnTo>
+                    <a:pt x="5239" y="2782"/>
+                  </a:lnTo>
+                  <a:cubicBezTo>
+                    <a:pt x="5239" y="3318"/>
+                    <a:pt x="5060" y="3842"/>
+                    <a:pt x="4751" y="4271"/>
+                  </a:cubicBezTo>
+                  <a:cubicBezTo>
+                    <a:pt x="4691" y="4354"/>
+                    <a:pt x="4703" y="4437"/>
+                    <a:pt x="4775" y="4497"/>
+                  </a:cubicBezTo>
+                  <a:cubicBezTo>
+                    <a:pt x="4809" y="4522"/>
+                    <a:pt x="4844" y="4534"/>
+                    <a:pt x="4877" y="4534"/>
+                  </a:cubicBezTo>
+                  <a:cubicBezTo>
+                    <a:pt x="4923" y="4534"/>
+                    <a:pt x="4966" y="4510"/>
+                    <a:pt x="5001" y="4461"/>
+                  </a:cubicBezTo>
+                  <a:cubicBezTo>
+                    <a:pt x="5370" y="3973"/>
+                    <a:pt x="5572" y="3390"/>
+                    <a:pt x="5572" y="2782"/>
+                  </a:cubicBezTo>
+                  <a:cubicBezTo>
+                    <a:pt x="5584" y="2782"/>
+                    <a:pt x="5584" y="2771"/>
+                    <a:pt x="5584" y="2759"/>
+                  </a:cubicBezTo>
+                  <a:cubicBezTo>
+                    <a:pt x="5572" y="2032"/>
+                    <a:pt x="5286" y="1342"/>
+                    <a:pt x="4763" y="818"/>
+                  </a:cubicBezTo>
+                  <a:cubicBezTo>
+                    <a:pt x="4198" y="253"/>
+                    <a:pt x="3502" y="1"/>
+                    <a:pt x="2818" y="1"/>
+                  </a:cubicBezTo>
+                  <a:close/>
+                </a:path>
+              </a:pathLst>
+            </a:custGeom>
+            <a:solidFill>
+              <a:srgbClr val="657E93"/>
+            </a:solidFill>
+            <a:ln>
+              <a:noFill/>
+            </a:ln>
+          </p:spPr>
+          <p:txBody>
+            <a:bodyPr spcFirstLastPara="1" wrap="square" lIns="91425" tIns="91425" rIns="91425" bIns="91425" anchor="ctr" anchorCtr="0">
+              <a:noAutofit/>
+            </a:bodyPr>
+            <a:lstStyle/>
+            <a:p>
+              <a:pPr marL="0" lvl="0" indent="0" algn="l" rtl="0">
+                <a:spcBef>
+                  <a:spcPts val="0"/>
+                </a:spcBef>
+                <a:spcAft>
+                  <a:spcPts val="0"/>
+                </a:spcAft>
+                <a:buNone/>
+              </a:pPr>
+              <a:endParaRPr>
+                <a:solidFill>
+                  <a:srgbClr val="FF0000"/>
+                </a:solidFill>
+              </a:endParaRPr>
+            </a:p>
+          </p:txBody>
+        </p:sp>
+        <p:sp>
+          <p:nvSpPr>
+            <p:cNvPr id="31" name="Google Shape;15903;p93">
+              <a:extLst>
+                <a:ext uri="{FF2B5EF4-FFF2-40B4-BE49-F238E27FC236}">
+                  <a16:creationId xmlns:a16="http://schemas.microsoft.com/office/drawing/2014/main" id="{8B187422-30F0-A86C-AF99-E19476E64C68}"/>
+                </a:ext>
+              </a:extLst>
+            </p:cNvPr>
+            <p:cNvSpPr/>
+            <p:nvPr/>
+          </p:nvSpPr>
+          <p:spPr>
+            <a:xfrm>
+              <a:off x="1904406" y="3361108"/>
+              <a:ext cx="10241" cy="32982"/>
+            </a:xfrm>
+            <a:custGeom>
+              <a:avLst/>
+              <a:gdLst/>
+              <a:ahLst/>
+              <a:cxnLst/>
+              <a:rect l="l" t="t" r="r" b="b"/>
+              <a:pathLst>
+                <a:path w="322" h="1037" extrusionOk="0">
+                  <a:moveTo>
+                    <a:pt x="155" y="0"/>
+                  </a:moveTo>
+                  <a:cubicBezTo>
+                    <a:pt x="72" y="0"/>
+                    <a:pt x="0" y="72"/>
+                    <a:pt x="0" y="167"/>
+                  </a:cubicBezTo>
+                  <a:lnTo>
+                    <a:pt x="0" y="870"/>
+                  </a:lnTo>
+                  <a:cubicBezTo>
+                    <a:pt x="0" y="965"/>
+                    <a:pt x="72" y="1036"/>
+                    <a:pt x="155" y="1036"/>
+                  </a:cubicBezTo>
+                  <a:cubicBezTo>
+                    <a:pt x="250" y="1036"/>
+                    <a:pt x="322" y="965"/>
+                    <a:pt x="322" y="870"/>
+                  </a:cubicBezTo>
+                  <a:lnTo>
+                    <a:pt x="322" y="167"/>
+                  </a:lnTo>
+                  <a:cubicBezTo>
+                    <a:pt x="310" y="60"/>
+                    <a:pt x="250" y="0"/>
+                    <a:pt x="155" y="0"/>
+                  </a:cubicBezTo>
+                  <a:close/>
+                </a:path>
+              </a:pathLst>
+            </a:custGeom>
+            <a:solidFill>
+              <a:srgbClr val="657E93"/>
+            </a:solidFill>
+            <a:ln>
+              <a:noFill/>
+            </a:ln>
+          </p:spPr>
+          <p:txBody>
+            <a:bodyPr spcFirstLastPara="1" wrap="square" lIns="91425" tIns="91425" rIns="91425" bIns="91425" anchor="ctr" anchorCtr="0">
+              <a:noAutofit/>
+            </a:bodyPr>
+            <a:lstStyle/>
+            <a:p>
+              <a:pPr marL="0" lvl="0" indent="0" algn="l" rtl="0">
+                <a:spcBef>
+                  <a:spcPts val="0"/>
+                </a:spcBef>
+                <a:spcAft>
+                  <a:spcPts val="0"/>
+                </a:spcAft>
+                <a:buNone/>
+              </a:pPr>
+              <a:endParaRPr>
+                <a:solidFill>
+                  <a:srgbClr val="FF0000"/>
+                </a:solidFill>
+              </a:endParaRPr>
+            </a:p>
+          </p:txBody>
+        </p:sp>
+        <p:sp>
+          <p:nvSpPr>
+            <p:cNvPr id="32" name="Google Shape;15904;p93">
+              <a:extLst>
+                <a:ext uri="{FF2B5EF4-FFF2-40B4-BE49-F238E27FC236}">
+                  <a16:creationId xmlns:a16="http://schemas.microsoft.com/office/drawing/2014/main" id="{E69DADA9-6B12-1A2A-BC02-FD94207F09AC}"/>
+                </a:ext>
+              </a:extLst>
+            </p:cNvPr>
+            <p:cNvSpPr/>
+            <p:nvPr/>
+          </p:nvSpPr>
+          <p:spPr>
+            <a:xfrm>
+              <a:off x="1836248" y="3378219"/>
+              <a:ext cx="23504" cy="29865"/>
+            </a:xfrm>
+            <a:custGeom>
+              <a:avLst/>
+              <a:gdLst/>
+              <a:ahLst/>
+              <a:cxnLst/>
+              <a:rect l="l" t="t" r="r" b="b"/>
+              <a:pathLst>
+                <a:path w="739" h="939" extrusionOk="0">
+                  <a:moveTo>
+                    <a:pt x="181" y="0"/>
+                  </a:moveTo>
+                  <a:cubicBezTo>
+                    <a:pt x="154" y="0"/>
+                    <a:pt x="125" y="7"/>
+                    <a:pt x="95" y="22"/>
+                  </a:cubicBezTo>
+                  <a:cubicBezTo>
+                    <a:pt x="24" y="70"/>
+                    <a:pt x="0" y="165"/>
+                    <a:pt x="36" y="248"/>
+                  </a:cubicBezTo>
+                  <a:lnTo>
+                    <a:pt x="393" y="855"/>
+                  </a:lnTo>
+                  <a:cubicBezTo>
+                    <a:pt x="429" y="903"/>
+                    <a:pt x="488" y="939"/>
+                    <a:pt x="536" y="939"/>
+                  </a:cubicBezTo>
+                  <a:cubicBezTo>
+                    <a:pt x="667" y="939"/>
+                    <a:pt x="738" y="796"/>
+                    <a:pt x="679" y="701"/>
+                  </a:cubicBezTo>
+                  <a:lnTo>
+                    <a:pt x="322" y="82"/>
+                  </a:lnTo>
+                  <a:cubicBezTo>
+                    <a:pt x="289" y="33"/>
+                    <a:pt x="239" y="0"/>
+                    <a:pt x="181" y="0"/>
+                  </a:cubicBezTo>
+                  <a:close/>
+                </a:path>
+              </a:pathLst>
+            </a:custGeom>
+            <a:solidFill>
+              <a:srgbClr val="657E93"/>
+            </a:solidFill>
+            <a:ln>
+              <a:noFill/>
+            </a:ln>
+          </p:spPr>
+          <p:txBody>
+            <a:bodyPr spcFirstLastPara="1" wrap="square" lIns="91425" tIns="91425" rIns="91425" bIns="91425" anchor="ctr" anchorCtr="0">
+              <a:noAutofit/>
+            </a:bodyPr>
+            <a:lstStyle/>
+            <a:p>
+              <a:pPr marL="0" lvl="0" indent="0" algn="l" rtl="0">
+                <a:spcBef>
+                  <a:spcPts val="0"/>
+                </a:spcBef>
+                <a:spcAft>
+                  <a:spcPts val="0"/>
+                </a:spcAft>
+                <a:buNone/>
+              </a:pPr>
+              <a:endParaRPr>
+                <a:solidFill>
+                  <a:srgbClr val="FF0000"/>
+                </a:solidFill>
+              </a:endParaRPr>
+            </a:p>
+          </p:txBody>
+        </p:sp>
+        <p:sp>
+          <p:nvSpPr>
+            <p:cNvPr id="33" name="Google Shape;15905;p93">
+              <a:extLst>
+                <a:ext uri="{FF2B5EF4-FFF2-40B4-BE49-F238E27FC236}">
+                  <a16:creationId xmlns:a16="http://schemas.microsoft.com/office/drawing/2014/main" id="{C6E57A4C-3822-AF92-C848-E88A4D97FB30}"/>
+                </a:ext>
+              </a:extLst>
+            </p:cNvPr>
+            <p:cNvSpPr/>
+            <p:nvPr/>
+          </p:nvSpPr>
+          <p:spPr>
+            <a:xfrm>
+              <a:off x="1787014" y="3427072"/>
+              <a:ext cx="31073" cy="21691"/>
+            </a:xfrm>
+            <a:custGeom>
+              <a:avLst/>
+              <a:gdLst/>
+              <a:ahLst/>
+              <a:cxnLst/>
+              <a:rect l="l" t="t" r="r" b="b"/>
+              <a:pathLst>
+                <a:path w="977" h="682" extrusionOk="0">
+                  <a:moveTo>
+                    <a:pt x="187" y="0"/>
+                  </a:moveTo>
+                  <a:cubicBezTo>
+                    <a:pt x="129" y="0"/>
+                    <a:pt x="69" y="32"/>
+                    <a:pt x="36" y="81"/>
+                  </a:cubicBezTo>
+                  <a:cubicBezTo>
+                    <a:pt x="0" y="153"/>
+                    <a:pt x="24" y="260"/>
+                    <a:pt x="96" y="308"/>
+                  </a:cubicBezTo>
+                  <a:lnTo>
+                    <a:pt x="715" y="665"/>
+                  </a:lnTo>
+                  <a:cubicBezTo>
+                    <a:pt x="737" y="676"/>
+                    <a:pt x="762" y="681"/>
+                    <a:pt x="788" y="681"/>
+                  </a:cubicBezTo>
+                  <a:cubicBezTo>
+                    <a:pt x="846" y="681"/>
+                    <a:pt x="904" y="655"/>
+                    <a:pt x="929" y="605"/>
+                  </a:cubicBezTo>
+                  <a:cubicBezTo>
+                    <a:pt x="977" y="510"/>
+                    <a:pt x="953" y="427"/>
+                    <a:pt x="870" y="379"/>
+                  </a:cubicBezTo>
+                  <a:lnTo>
+                    <a:pt x="262" y="22"/>
+                  </a:lnTo>
+                  <a:cubicBezTo>
+                    <a:pt x="240" y="7"/>
+                    <a:pt x="214" y="0"/>
+                    <a:pt x="187" y="0"/>
+                  </a:cubicBezTo>
+                  <a:close/>
+                </a:path>
+              </a:pathLst>
+            </a:custGeom>
+            <a:solidFill>
+              <a:srgbClr val="657E93"/>
+            </a:solidFill>
+            <a:ln>
+              <a:noFill/>
+            </a:ln>
+          </p:spPr>
+          <p:txBody>
+            <a:bodyPr spcFirstLastPara="1" wrap="square" lIns="91425" tIns="91425" rIns="91425" bIns="91425" anchor="ctr" anchorCtr="0">
+              <a:noAutofit/>
+            </a:bodyPr>
+            <a:lstStyle/>
+            <a:p>
+              <a:pPr marL="0" lvl="0" indent="0" algn="l" rtl="0">
+                <a:spcBef>
+                  <a:spcPts val="0"/>
+                </a:spcBef>
+                <a:spcAft>
+                  <a:spcPts val="0"/>
+                </a:spcAft>
+                <a:buNone/>
+              </a:pPr>
+              <a:endParaRPr>
+                <a:solidFill>
+                  <a:srgbClr val="FF0000"/>
+                </a:solidFill>
+              </a:endParaRPr>
+            </a:p>
+          </p:txBody>
+        </p:sp>
+        <p:sp>
+          <p:nvSpPr>
+            <p:cNvPr id="34" name="Google Shape;15906;p93">
+              <a:extLst>
+                <a:ext uri="{FF2B5EF4-FFF2-40B4-BE49-F238E27FC236}">
+                  <a16:creationId xmlns:a16="http://schemas.microsoft.com/office/drawing/2014/main" id="{4A190D26-F594-01AE-C2CB-E371DC40A50B}"/>
+                </a:ext>
+              </a:extLst>
+            </p:cNvPr>
+            <p:cNvSpPr/>
+            <p:nvPr/>
+          </p:nvSpPr>
+          <p:spPr>
+            <a:xfrm>
+              <a:off x="1768821" y="3494021"/>
+              <a:ext cx="33363" cy="10623"/>
+            </a:xfrm>
+            <a:custGeom>
+              <a:avLst/>
+              <a:gdLst/>
+              <a:ahLst/>
+              <a:cxnLst/>
+              <a:rect l="l" t="t" r="r" b="b"/>
+              <a:pathLst>
+                <a:path w="1049" h="334" extrusionOk="0">
+                  <a:moveTo>
+                    <a:pt x="168" y="1"/>
+                  </a:moveTo>
+                  <a:cubicBezTo>
+                    <a:pt x="72" y="1"/>
+                    <a:pt x="1" y="72"/>
+                    <a:pt x="1" y="167"/>
+                  </a:cubicBezTo>
+                  <a:cubicBezTo>
+                    <a:pt x="1" y="251"/>
+                    <a:pt x="72" y="334"/>
+                    <a:pt x="168" y="334"/>
+                  </a:cubicBezTo>
+                  <a:lnTo>
+                    <a:pt x="882" y="334"/>
+                  </a:lnTo>
+                  <a:cubicBezTo>
+                    <a:pt x="965" y="334"/>
+                    <a:pt x="1049" y="251"/>
+                    <a:pt x="1049" y="167"/>
+                  </a:cubicBezTo>
+                  <a:cubicBezTo>
+                    <a:pt x="1049" y="72"/>
+                    <a:pt x="965" y="1"/>
+                    <a:pt x="882" y="1"/>
+                  </a:cubicBezTo>
+                  <a:close/>
+                </a:path>
+              </a:pathLst>
+            </a:custGeom>
+            <a:solidFill>
+              <a:srgbClr val="657E93"/>
+            </a:solidFill>
+            <a:ln>
+              <a:noFill/>
+            </a:ln>
+          </p:spPr>
+          <p:txBody>
+            <a:bodyPr spcFirstLastPara="1" wrap="square" lIns="91425" tIns="91425" rIns="91425" bIns="91425" anchor="ctr" anchorCtr="0">
+              <a:noAutofit/>
+            </a:bodyPr>
+            <a:lstStyle/>
+            <a:p>
+              <a:pPr marL="0" lvl="0" indent="0" algn="l" rtl="0">
+                <a:spcBef>
+                  <a:spcPts val="0"/>
+                </a:spcBef>
+                <a:spcAft>
+                  <a:spcPts val="0"/>
+                </a:spcAft>
+                <a:buNone/>
+              </a:pPr>
+              <a:endParaRPr>
+                <a:solidFill>
+                  <a:srgbClr val="FF0000"/>
+                </a:solidFill>
+              </a:endParaRPr>
+            </a:p>
+          </p:txBody>
+        </p:sp>
+        <p:sp>
+          <p:nvSpPr>
+            <p:cNvPr id="35" name="Google Shape;15907;p93">
+              <a:extLst>
+                <a:ext uri="{FF2B5EF4-FFF2-40B4-BE49-F238E27FC236}">
+                  <a16:creationId xmlns:a16="http://schemas.microsoft.com/office/drawing/2014/main" id="{FA819C0E-3BFC-7DCD-CF5D-2215B1545171}"/>
+                </a:ext>
+              </a:extLst>
+            </p:cNvPr>
+            <p:cNvSpPr/>
+            <p:nvPr/>
+          </p:nvSpPr>
+          <p:spPr>
+            <a:xfrm>
+              <a:off x="2014610" y="3495930"/>
+              <a:ext cx="32950" cy="10623"/>
+            </a:xfrm>
+            <a:custGeom>
+              <a:avLst/>
+              <a:gdLst/>
+              <a:ahLst/>
+              <a:cxnLst/>
+              <a:rect l="l" t="t" r="r" b="b"/>
+              <a:pathLst>
+                <a:path w="1036" h="334" extrusionOk="0">
+                  <a:moveTo>
+                    <a:pt x="167" y="0"/>
+                  </a:moveTo>
+                  <a:cubicBezTo>
+                    <a:pt x="71" y="0"/>
+                    <a:pt x="0" y="71"/>
+                    <a:pt x="0" y="167"/>
+                  </a:cubicBezTo>
+                  <a:cubicBezTo>
+                    <a:pt x="0" y="250"/>
+                    <a:pt x="71" y="333"/>
+                    <a:pt x="167" y="333"/>
+                  </a:cubicBezTo>
+                  <a:lnTo>
+                    <a:pt x="881" y="333"/>
+                  </a:lnTo>
+                  <a:cubicBezTo>
+                    <a:pt x="964" y="333"/>
+                    <a:pt x="1036" y="250"/>
+                    <a:pt x="1036" y="167"/>
+                  </a:cubicBezTo>
+                  <a:cubicBezTo>
+                    <a:pt x="1024" y="71"/>
+                    <a:pt x="953" y="0"/>
+                    <a:pt x="881" y="0"/>
+                  </a:cubicBezTo>
+                  <a:close/>
+                </a:path>
+              </a:pathLst>
+            </a:custGeom>
+            <a:solidFill>
+              <a:srgbClr val="657E93"/>
+            </a:solidFill>
+            <a:ln>
+              <a:noFill/>
+            </a:ln>
+          </p:spPr>
+          <p:txBody>
+            <a:bodyPr spcFirstLastPara="1" wrap="square" lIns="91425" tIns="91425" rIns="91425" bIns="91425" anchor="ctr" anchorCtr="0">
+              <a:noAutofit/>
+            </a:bodyPr>
+            <a:lstStyle/>
+            <a:p>
+              <a:pPr marL="0" lvl="0" indent="0" algn="l" rtl="0">
+                <a:spcBef>
+                  <a:spcPts val="0"/>
+                </a:spcBef>
+                <a:spcAft>
+                  <a:spcPts val="0"/>
+                </a:spcAft>
+                <a:buNone/>
+              </a:pPr>
+              <a:endParaRPr>
+                <a:solidFill>
+                  <a:srgbClr val="FF0000"/>
+                </a:solidFill>
+              </a:endParaRPr>
+            </a:p>
+          </p:txBody>
+        </p:sp>
+        <p:sp>
+          <p:nvSpPr>
+            <p:cNvPr id="36" name="Google Shape;15908;p93">
+              <a:extLst>
+                <a:ext uri="{FF2B5EF4-FFF2-40B4-BE49-F238E27FC236}">
+                  <a16:creationId xmlns:a16="http://schemas.microsoft.com/office/drawing/2014/main" id="{11F93DA7-CC76-FF6C-27FC-24B8742304C8}"/>
+                </a:ext>
+              </a:extLst>
+            </p:cNvPr>
+            <p:cNvSpPr/>
+            <p:nvPr/>
+          </p:nvSpPr>
+          <p:spPr>
+            <a:xfrm>
+              <a:off x="1999439" y="3428948"/>
+              <a:ext cx="31105" cy="21882"/>
+            </a:xfrm>
+            <a:custGeom>
+              <a:avLst/>
+              <a:gdLst/>
+              <a:ahLst/>
+              <a:cxnLst/>
+              <a:rect l="l" t="t" r="r" b="b"/>
+              <a:pathLst>
+                <a:path w="978" h="688" extrusionOk="0">
+                  <a:moveTo>
+                    <a:pt x="795" y="1"/>
+                  </a:moveTo>
+                  <a:cubicBezTo>
+                    <a:pt x="769" y="1"/>
+                    <a:pt x="741" y="8"/>
+                    <a:pt x="715" y="22"/>
+                  </a:cubicBezTo>
+                  <a:lnTo>
+                    <a:pt x="108" y="380"/>
+                  </a:lnTo>
+                  <a:cubicBezTo>
+                    <a:pt x="25" y="427"/>
+                    <a:pt x="1" y="511"/>
+                    <a:pt x="48" y="606"/>
+                  </a:cubicBezTo>
+                  <a:cubicBezTo>
+                    <a:pt x="73" y="655"/>
+                    <a:pt x="125" y="687"/>
+                    <a:pt x="183" y="687"/>
+                  </a:cubicBezTo>
+                  <a:cubicBezTo>
+                    <a:pt x="209" y="687"/>
+                    <a:pt x="237" y="680"/>
+                    <a:pt x="263" y="665"/>
+                  </a:cubicBezTo>
+                  <a:lnTo>
+                    <a:pt x="882" y="308"/>
+                  </a:lnTo>
+                  <a:cubicBezTo>
+                    <a:pt x="953" y="249"/>
+                    <a:pt x="977" y="153"/>
+                    <a:pt x="941" y="82"/>
+                  </a:cubicBezTo>
+                  <a:cubicBezTo>
+                    <a:pt x="909" y="33"/>
+                    <a:pt x="854" y="1"/>
+                    <a:pt x="795" y="1"/>
+                  </a:cubicBezTo>
+                  <a:close/>
+                </a:path>
+              </a:pathLst>
+            </a:custGeom>
+            <a:solidFill>
+              <a:srgbClr val="657E93"/>
+            </a:solidFill>
+            <a:ln>
+              <a:noFill/>
+            </a:ln>
+          </p:spPr>
+          <p:txBody>
+            <a:bodyPr spcFirstLastPara="1" wrap="square" lIns="91425" tIns="91425" rIns="91425" bIns="91425" anchor="ctr" anchorCtr="0">
+              <a:noAutofit/>
+            </a:bodyPr>
+            <a:lstStyle/>
+            <a:p>
+              <a:pPr marL="0" lvl="0" indent="0" algn="l" rtl="0">
+                <a:spcBef>
+                  <a:spcPts val="0"/>
+                </a:spcBef>
+                <a:spcAft>
+                  <a:spcPts val="0"/>
+                </a:spcAft>
+                <a:buNone/>
+              </a:pPr>
+              <a:endParaRPr>
+                <a:solidFill>
+                  <a:srgbClr val="FF0000"/>
+                </a:solidFill>
+              </a:endParaRPr>
+            </a:p>
+          </p:txBody>
+        </p:sp>
+        <p:sp>
+          <p:nvSpPr>
+            <p:cNvPr id="37" name="Google Shape;15909;p93">
+              <a:extLst>
+                <a:ext uri="{FF2B5EF4-FFF2-40B4-BE49-F238E27FC236}">
+                  <a16:creationId xmlns:a16="http://schemas.microsoft.com/office/drawing/2014/main" id="{8BCD00FC-A86E-0723-1D02-52570CFC9CE6}"/>
+                </a:ext>
+              </a:extLst>
+            </p:cNvPr>
+            <p:cNvSpPr/>
+            <p:nvPr/>
+          </p:nvSpPr>
+          <p:spPr>
+            <a:xfrm>
+              <a:off x="1958156" y="3379269"/>
+              <a:ext cx="23917" cy="29579"/>
+            </a:xfrm>
+            <a:custGeom>
+              <a:avLst/>
+              <a:gdLst/>
+              <a:ahLst/>
+              <a:cxnLst/>
+              <a:rect l="l" t="t" r="r" b="b"/>
+              <a:pathLst>
+                <a:path w="752" h="930" extrusionOk="0">
+                  <a:moveTo>
+                    <a:pt x="562" y="0"/>
+                  </a:moveTo>
+                  <a:cubicBezTo>
+                    <a:pt x="506" y="0"/>
+                    <a:pt x="449" y="30"/>
+                    <a:pt x="418" y="84"/>
+                  </a:cubicBezTo>
+                  <a:lnTo>
+                    <a:pt x="61" y="691"/>
+                  </a:lnTo>
+                  <a:cubicBezTo>
+                    <a:pt x="1" y="799"/>
+                    <a:pt x="72" y="930"/>
+                    <a:pt x="191" y="930"/>
+                  </a:cubicBezTo>
+                  <a:cubicBezTo>
+                    <a:pt x="251" y="930"/>
+                    <a:pt x="299" y="894"/>
+                    <a:pt x="334" y="858"/>
+                  </a:cubicBezTo>
+                  <a:lnTo>
+                    <a:pt x="692" y="239"/>
+                  </a:lnTo>
+                  <a:cubicBezTo>
+                    <a:pt x="751" y="168"/>
+                    <a:pt x="715" y="72"/>
+                    <a:pt x="644" y="25"/>
+                  </a:cubicBezTo>
+                  <a:cubicBezTo>
+                    <a:pt x="619" y="8"/>
+                    <a:pt x="591" y="0"/>
+                    <a:pt x="562" y="0"/>
+                  </a:cubicBezTo>
+                  <a:close/>
+                </a:path>
+              </a:pathLst>
+            </a:custGeom>
+            <a:solidFill>
+              <a:srgbClr val="657E93"/>
+            </a:solidFill>
+            <a:ln>
+              <a:noFill/>
+            </a:ln>
+          </p:spPr>
+          <p:txBody>
+            <a:bodyPr spcFirstLastPara="1" wrap="square" lIns="91425" tIns="91425" rIns="91425" bIns="91425" anchor="ctr" anchorCtr="0">
+              <a:noAutofit/>
+            </a:bodyPr>
+            <a:lstStyle/>
+            <a:p>
+              <a:pPr marL="0" lvl="0" indent="0" algn="l" rtl="0">
+                <a:spcBef>
+                  <a:spcPts val="0"/>
+                </a:spcBef>
+                <a:spcAft>
+                  <a:spcPts val="0"/>
+                </a:spcAft>
+                <a:buNone/>
+              </a:pPr>
+              <a:endParaRPr>
+                <a:solidFill>
+                  <a:srgbClr val="FF0000"/>
+                </a:solidFill>
+              </a:endParaRPr>
+            </a:p>
+          </p:txBody>
+        </p:sp>
+      </p:grpSp>
     </p:spTree>
     <p:extLst>
       <p:ext uri="{BB962C8B-B14F-4D97-AF65-F5344CB8AC3E}">
@@ -17531,7 +18309,7 @@
             <a:pPr marL="0" indent="0"/>
             <a:r>
               <a:rPr lang="en" dirty="0"/>
-              <a:t>Our Work So far</a:t>
+              <a:t>Our Method</a:t>
             </a:r>
             <a:endParaRPr dirty="0"/>
           </a:p>
@@ -17709,7 +18487,7 @@
             <a:pPr marL="0" indent="0"/>
             <a:r>
               <a:rPr lang="en" dirty="0"/>
-              <a:t>Future Progress</a:t>
+              <a:t>Results</a:t>
             </a:r>
             <a:endParaRPr dirty="0"/>
           </a:p>
@@ -18709,13 +19487,39 @@
                 <a:cs typeface="Calibri" panose="020F0502020204030204" pitchFamily="34" charset="0"/>
               </a:rPr>
             </a:br>
-            <a:endParaRPr lang="en-US" sz="2200" dirty="0">
-              <a:latin typeface="Calibri" panose="020F0502020204030204" pitchFamily="34" charset="0"/>
-              <a:ea typeface="Calibri" panose="020F0502020204030204" pitchFamily="34" charset="0"/>
-              <a:cs typeface="Calibri" panose="020F0502020204030204" pitchFamily="34" charset="0"/>
-            </a:endParaRPr>
+            <a:r>
+              <a:rPr lang="en-US" sz="2200" dirty="0">
+                <a:latin typeface="Calibri" panose="020F0502020204030204" pitchFamily="34" charset="0"/>
+                <a:ea typeface="Calibri" panose="020F0502020204030204" pitchFamily="34" charset="0"/>
+                <a:cs typeface="Calibri" panose="020F0502020204030204" pitchFamily="34" charset="0"/>
+              </a:rPr>
+              <a:t>O</a:t>
+            </a:r>
+            <a:r>
+              <a:rPr lang="en-US" sz="2200" dirty="0">
+                <a:latin typeface="Calibri" panose="020F0502020204030204" pitchFamily="34" charset="0"/>
+                <a:cs typeface="Calibri" panose="020F0502020204030204" pitchFamily="34" charset="0"/>
+              </a:rPr>
+              <a:t>bjects are rotated and translated </a:t>
+            </a:r>
+            <a:br>
+              <a:rPr lang="en-US" sz="2200" dirty="0">
+                <a:latin typeface="Calibri" panose="020F0502020204030204" pitchFamily="34" charset="0"/>
+                <a:cs typeface="Calibri" panose="020F0502020204030204" pitchFamily="34" charset="0"/>
+              </a:rPr>
+            </a:br>
+            <a:r>
+              <a:rPr lang="en-US" sz="2200" dirty="0">
+                <a:latin typeface="Calibri" panose="020F0502020204030204" pitchFamily="34" charset="0"/>
+                <a:cs typeface="Calibri" panose="020F0502020204030204" pitchFamily="34" charset="0"/>
+              </a:rPr>
+              <a:t>with respect to one another</a:t>
+            </a:r>
           </a:p>
           <a:p>
+            <a:pPr marL="0" indent="0">
+              <a:buNone/>
+            </a:pPr>
             <a:endParaRPr lang="en-US" sz="2200" dirty="0">
               <a:latin typeface="Calibri" panose="020F0502020204030204" pitchFamily="34" charset="0"/>
               <a:ea typeface="Calibri" panose="020F0502020204030204" pitchFamily="34" charset="0"/>
@@ -18739,6 +19543,40 @@
               </a:rPr>
               <a:t>: </a:t>
             </a:r>
+            <a:br>
+              <a:rPr lang="en-US" sz="2200" dirty="0">
+                <a:latin typeface="Calibri" panose="020F0502020204030204" pitchFamily="34" charset="0"/>
+                <a:ea typeface="Calibri" panose="020F0502020204030204" pitchFamily="34" charset="0"/>
+                <a:cs typeface="Calibri" panose="020F0502020204030204" pitchFamily="34" charset="0"/>
+              </a:rPr>
+            </a:br>
+            <a:r>
+              <a:rPr lang="en-US" sz="2200" dirty="0">
+                <a:latin typeface="Calibri" panose="020F0502020204030204" pitchFamily="34" charset="0"/>
+                <a:cs typeface="Calibri" panose="020F0502020204030204" pitchFamily="34" charset="0"/>
+              </a:rPr>
+              <a:t>correspondence between objects is achieved </a:t>
+            </a:r>
+            <a:br>
+              <a:rPr lang="en-US" sz="2200" dirty="0">
+                <a:latin typeface="Calibri" panose="020F0502020204030204" pitchFamily="34" charset="0"/>
+                <a:cs typeface="Calibri" panose="020F0502020204030204" pitchFamily="34" charset="0"/>
+              </a:rPr>
+            </a:br>
+            <a:r>
+              <a:rPr lang="en-US" sz="2200" dirty="0">
+                <a:latin typeface="Calibri" panose="020F0502020204030204" pitchFamily="34" charset="0"/>
+                <a:cs typeface="Calibri" panose="020F0502020204030204" pitchFamily="34" charset="0"/>
+              </a:rPr>
+              <a:t>with localized stretching of the images </a:t>
+            </a:r>
+          </a:p>
+          <a:p>
+            <a:endParaRPr lang="en-US" sz="2200" dirty="0">
+              <a:latin typeface="Calibri" panose="020F0502020204030204" pitchFamily="34" charset="0"/>
+              <a:ea typeface="Calibri" panose="020F0502020204030204" pitchFamily="34" charset="0"/>
+              <a:cs typeface="Calibri" panose="020F0502020204030204" pitchFamily="34" charset="0"/>
+            </a:endParaRPr>
           </a:p>
         </p:txBody>
       </p:sp>
@@ -23387,7 +24225,7 @@
                   <a:schemeClr val="tx1"/>
                 </a:solidFill>
               </a:rPr>
-              <a:t>Our Work So far</a:t>
+              <a:t>Our Method</a:t>
             </a:r>
           </a:p>
           <a:p>
@@ -24964,7 +25802,7 @@
                   <a:schemeClr val="tx1"/>
                 </a:solidFill>
               </a:rPr>
-              <a:t>Our Work So far</a:t>
+              <a:t>Our Method</a:t>
             </a:r>
           </a:p>
           <a:p>
@@ -26358,7 +27196,7 @@
                   <a:schemeClr val="tx1"/>
                 </a:solidFill>
               </a:rPr>
-              <a:t>Our Work So far</a:t>
+              <a:t>Our Method</a:t>
             </a:r>
           </a:p>
           <a:p>

--- a/updated_presentation.pptx
+++ b/updated_presentation.pptx
@@ -138,6 +138,2012 @@
 <file path=ppt/changesInfos/changesInfo1.xml><?xml version="1.0" encoding="utf-8"?>
 <pc:chgInfo xmlns:a="http://schemas.openxmlformats.org/drawingml/2006/main" xmlns:r="http://schemas.openxmlformats.org/officeDocument/2006/relationships" xmlns:ac="http://schemas.microsoft.com/office/drawing/2013/main/command" xmlns:pc="http://schemas.microsoft.com/office/powerpoint/2013/main/command">
   <pc:docChgLst>
+    <pc:chgData name="Neta Becker" userId="cef0aa30-4247-4db8-9bc0-d63efc0d3a53" providerId="ADAL" clId="{08E06E4B-2E16-4BC0-80E9-E5B23CDC5CD9}"/>
+    <pc:docChg chg="undo redo custSel modSld">
+      <pc:chgData name="Neta Becker" userId="cef0aa30-4247-4db8-9bc0-d63efc0d3a53" providerId="ADAL" clId="{08E06E4B-2E16-4BC0-80E9-E5B23CDC5CD9}" dt="2024-05-06T09:38:26.905" v="270"/>
+      <pc:docMkLst>
+        <pc:docMk/>
+      </pc:docMkLst>
+      <pc:sldChg chg="addSp delSp modSp mod setBg addAnim modAnim setClrOvrMap delDesignElem">
+        <pc:chgData name="Neta Becker" userId="cef0aa30-4247-4db8-9bc0-d63efc0d3a53" providerId="ADAL" clId="{08E06E4B-2E16-4BC0-80E9-E5B23CDC5CD9}" dt="2024-05-06T09:29:31.417" v="23"/>
+        <pc:sldMkLst>
+          <pc:docMk/>
+          <pc:sldMk cId="2179648205" sldId="256"/>
+        </pc:sldMkLst>
+        <pc:spChg chg="mod">
+          <ac:chgData name="Neta Becker" userId="cef0aa30-4247-4db8-9bc0-d63efc0d3a53" providerId="ADAL" clId="{08E06E4B-2E16-4BC0-80E9-E5B23CDC5CD9}" dt="2024-05-06T09:29:24.963" v="19" actId="26606"/>
+          <ac:spMkLst>
+            <pc:docMk/>
+            <pc:sldMk cId="2179648205" sldId="256"/>
+            <ac:spMk id="2" creationId="{672AD88C-22F7-6099-31A3-259788130B42}"/>
+          </ac:spMkLst>
+        </pc:spChg>
+        <pc:spChg chg="mod">
+          <ac:chgData name="Neta Becker" userId="cef0aa30-4247-4db8-9bc0-d63efc0d3a53" providerId="ADAL" clId="{08E06E4B-2E16-4BC0-80E9-E5B23CDC5CD9}" dt="2024-05-06T09:29:24.963" v="19" actId="26606"/>
+          <ac:spMkLst>
+            <pc:docMk/>
+            <pc:sldMk cId="2179648205" sldId="256"/>
+            <ac:spMk id="3" creationId="{0D89FC02-A4AB-8F19-7B48-608FCF3D55D3}"/>
+          </ac:spMkLst>
+        </pc:spChg>
+        <pc:spChg chg="del">
+          <ac:chgData name="Neta Becker" userId="cef0aa30-4247-4db8-9bc0-d63efc0d3a53" providerId="ADAL" clId="{08E06E4B-2E16-4BC0-80E9-E5B23CDC5CD9}" dt="2024-05-06T09:27:33.454" v="2"/>
+          <ac:spMkLst>
+            <pc:docMk/>
+            <pc:sldMk cId="2179648205" sldId="256"/>
+            <ac:spMk id="7" creationId="{4BA0C938-1486-4635-9F6C-44D521FA6A4E}"/>
+          </ac:spMkLst>
+        </pc:spChg>
+        <pc:spChg chg="del">
+          <ac:chgData name="Neta Becker" userId="cef0aa30-4247-4db8-9bc0-d63efc0d3a53" providerId="ADAL" clId="{08E06E4B-2E16-4BC0-80E9-E5B23CDC5CD9}" dt="2024-05-06T09:27:33.454" v="2"/>
+          <ac:spMkLst>
+            <pc:docMk/>
+            <pc:sldMk cId="2179648205" sldId="256"/>
+            <ac:spMk id="8" creationId="{942A7ABB-6A86-4A02-A072-FA82CDCE533C}"/>
+          </ac:spMkLst>
+        </pc:spChg>
+        <pc:spChg chg="add del">
+          <ac:chgData name="Neta Becker" userId="cef0aa30-4247-4db8-9bc0-d63efc0d3a53" providerId="ADAL" clId="{08E06E4B-2E16-4BC0-80E9-E5B23CDC5CD9}" dt="2024-05-06T09:29:21.474" v="18"/>
+          <ac:spMkLst>
+            <pc:docMk/>
+            <pc:sldMk cId="2179648205" sldId="256"/>
+            <ac:spMk id="24" creationId="{6995F625-BE4F-4433-8290-5DF0E8589F50}"/>
+          </ac:spMkLst>
+        </pc:spChg>
+        <pc:spChg chg="add del">
+          <ac:chgData name="Neta Becker" userId="cef0aa30-4247-4db8-9bc0-d63efc0d3a53" providerId="ADAL" clId="{08E06E4B-2E16-4BC0-80E9-E5B23CDC5CD9}" dt="2024-05-06T09:29:21.474" v="18"/>
+          <ac:spMkLst>
+            <pc:docMk/>
+            <pc:sldMk cId="2179648205" sldId="256"/>
+            <ac:spMk id="26" creationId="{80102662-1FA4-4C7A-B144-19699DF43508}"/>
+          </ac:spMkLst>
+        </pc:spChg>
+        <pc:spChg chg="add del">
+          <ac:chgData name="Neta Becker" userId="cef0aa30-4247-4db8-9bc0-d63efc0d3a53" providerId="ADAL" clId="{08E06E4B-2E16-4BC0-80E9-E5B23CDC5CD9}" dt="2024-05-06T09:29:21.474" v="18"/>
+          <ac:spMkLst>
+            <pc:docMk/>
+            <pc:sldMk cId="2179648205" sldId="256"/>
+            <ac:spMk id="28" creationId="{655E224A-5F26-423E-949C-07A720F39A44}"/>
+          </ac:spMkLst>
+        </pc:spChg>
+        <pc:spChg chg="add del">
+          <ac:chgData name="Neta Becker" userId="cef0aa30-4247-4db8-9bc0-d63efc0d3a53" providerId="ADAL" clId="{08E06E4B-2E16-4BC0-80E9-E5B23CDC5CD9}" dt="2024-05-06T09:29:21.474" v="18"/>
+          <ac:spMkLst>
+            <pc:docMk/>
+            <pc:sldMk cId="2179648205" sldId="256"/>
+            <ac:spMk id="29" creationId="{A6F1DA18-4CA4-40CF-9ACA-105D8373B672}"/>
+          </ac:spMkLst>
+        </pc:spChg>
+        <pc:spChg chg="add del">
+          <ac:chgData name="Neta Becker" userId="cef0aa30-4247-4db8-9bc0-d63efc0d3a53" providerId="ADAL" clId="{08E06E4B-2E16-4BC0-80E9-E5B23CDC5CD9}" dt="2024-05-06T09:29:21.474" v="18"/>
+          <ac:spMkLst>
+            <pc:docMk/>
+            <pc:sldMk cId="2179648205" sldId="256"/>
+            <ac:spMk id="30" creationId="{7C6D1B74-744B-4231-97DB-86B4C9C5E2D3}"/>
+          </ac:spMkLst>
+        </pc:spChg>
+        <pc:spChg chg="add">
+          <ac:chgData name="Neta Becker" userId="cef0aa30-4247-4db8-9bc0-d63efc0d3a53" providerId="ADAL" clId="{08E06E4B-2E16-4BC0-80E9-E5B23CDC5CD9}" dt="2024-05-06T09:29:24.963" v="19" actId="26606"/>
+          <ac:spMkLst>
+            <pc:docMk/>
+            <pc:sldMk cId="2179648205" sldId="256"/>
+            <ac:spMk id="34" creationId="{6995F625-BE4F-4433-8290-5DF0E8589F50}"/>
+          </ac:spMkLst>
+        </pc:spChg>
+        <pc:spChg chg="add">
+          <ac:chgData name="Neta Becker" userId="cef0aa30-4247-4db8-9bc0-d63efc0d3a53" providerId="ADAL" clId="{08E06E4B-2E16-4BC0-80E9-E5B23CDC5CD9}" dt="2024-05-06T09:29:24.963" v="19" actId="26606"/>
+          <ac:spMkLst>
+            <pc:docMk/>
+            <pc:sldMk cId="2179648205" sldId="256"/>
+            <ac:spMk id="35" creationId="{E836677E-F83B-4FAB-8095-8700763077D8}"/>
+          </ac:spMkLst>
+        </pc:spChg>
+        <pc:spChg chg="add">
+          <ac:chgData name="Neta Becker" userId="cef0aa30-4247-4db8-9bc0-d63efc0d3a53" providerId="ADAL" clId="{08E06E4B-2E16-4BC0-80E9-E5B23CDC5CD9}" dt="2024-05-06T09:29:24.963" v="19" actId="26606"/>
+          <ac:spMkLst>
+            <pc:docMk/>
+            <pc:sldMk cId="2179648205" sldId="256"/>
+            <ac:spMk id="36" creationId="{655E224A-5F26-423E-949C-07A720F39A44}"/>
+          </ac:spMkLst>
+        </pc:spChg>
+        <pc:spChg chg="add">
+          <ac:chgData name="Neta Becker" userId="cef0aa30-4247-4db8-9bc0-d63efc0d3a53" providerId="ADAL" clId="{08E06E4B-2E16-4BC0-80E9-E5B23CDC5CD9}" dt="2024-05-06T09:29:24.963" v="19" actId="26606"/>
+          <ac:spMkLst>
+            <pc:docMk/>
+            <pc:sldMk cId="2179648205" sldId="256"/>
+            <ac:spMk id="37" creationId="{A6F1DA18-4CA4-40CF-9ACA-105D8373B672}"/>
+          </ac:spMkLst>
+        </pc:spChg>
+        <pc:spChg chg="add">
+          <ac:chgData name="Neta Becker" userId="cef0aa30-4247-4db8-9bc0-d63efc0d3a53" providerId="ADAL" clId="{08E06E4B-2E16-4BC0-80E9-E5B23CDC5CD9}" dt="2024-05-06T09:29:24.963" v="19" actId="26606"/>
+          <ac:spMkLst>
+            <pc:docMk/>
+            <pc:sldMk cId="2179648205" sldId="256"/>
+            <ac:spMk id="38" creationId="{7C6D1B74-744B-4231-97DB-86B4C9C5E2D3}"/>
+          </ac:spMkLst>
+        </pc:spChg>
+        <pc:cxnChg chg="del">
+          <ac:chgData name="Neta Becker" userId="cef0aa30-4247-4db8-9bc0-d63efc0d3a53" providerId="ADAL" clId="{08E06E4B-2E16-4BC0-80E9-E5B23CDC5CD9}" dt="2024-05-06T09:27:33.454" v="2"/>
+          <ac:cxnSpMkLst>
+            <pc:docMk/>
+            <pc:sldMk cId="2179648205" sldId="256"/>
+            <ac:cxnSpMk id="10" creationId="{B6916720-6D22-4D4B-BC19-23008C7DD487}"/>
+          </ac:cxnSpMkLst>
+        </pc:cxnChg>
+        <pc:cxnChg chg="add del">
+          <ac:chgData name="Neta Becker" userId="cef0aa30-4247-4db8-9bc0-d63efc0d3a53" providerId="ADAL" clId="{08E06E4B-2E16-4BC0-80E9-E5B23CDC5CD9}" dt="2024-05-06T09:29:21.474" v="18"/>
+          <ac:cxnSpMkLst>
+            <pc:docMk/>
+            <pc:sldMk cId="2179648205" sldId="256"/>
+            <ac:cxnSpMk id="31" creationId="{ABC98C72-9EDD-4426-B45A-84E06A7CD22F}"/>
+          </ac:cxnSpMkLst>
+        </pc:cxnChg>
+        <pc:cxnChg chg="add del">
+          <ac:chgData name="Neta Becker" userId="cef0aa30-4247-4db8-9bc0-d63efc0d3a53" providerId="ADAL" clId="{08E06E4B-2E16-4BC0-80E9-E5B23CDC5CD9}" dt="2024-05-06T09:29:21.474" v="18"/>
+          <ac:cxnSpMkLst>
+            <pc:docMk/>
+            <pc:sldMk cId="2179648205" sldId="256"/>
+            <ac:cxnSpMk id="32" creationId="{44887186-EE44-4AD3-BEFE-3478B4537191}"/>
+          </ac:cxnSpMkLst>
+        </pc:cxnChg>
+        <pc:cxnChg chg="add del">
+          <ac:chgData name="Neta Becker" userId="cef0aa30-4247-4db8-9bc0-d63efc0d3a53" providerId="ADAL" clId="{08E06E4B-2E16-4BC0-80E9-E5B23CDC5CD9}" dt="2024-05-06T09:29:21.474" v="18"/>
+          <ac:cxnSpMkLst>
+            <pc:docMk/>
+            <pc:sldMk cId="2179648205" sldId="256"/>
+            <ac:cxnSpMk id="33" creationId="{58EECC4E-F1C0-4C09-A7FD-4D623DACCC4F}"/>
+          </ac:cxnSpMkLst>
+        </pc:cxnChg>
+        <pc:cxnChg chg="add">
+          <ac:chgData name="Neta Becker" userId="cef0aa30-4247-4db8-9bc0-d63efc0d3a53" providerId="ADAL" clId="{08E06E4B-2E16-4BC0-80E9-E5B23CDC5CD9}" dt="2024-05-06T09:29:24.963" v="19" actId="26606"/>
+          <ac:cxnSpMkLst>
+            <pc:docMk/>
+            <pc:sldMk cId="2179648205" sldId="256"/>
+            <ac:cxnSpMk id="39" creationId="{ABC98C72-9EDD-4426-B45A-84E06A7CD22F}"/>
+          </ac:cxnSpMkLst>
+        </pc:cxnChg>
+        <pc:cxnChg chg="add">
+          <ac:chgData name="Neta Becker" userId="cef0aa30-4247-4db8-9bc0-d63efc0d3a53" providerId="ADAL" clId="{08E06E4B-2E16-4BC0-80E9-E5B23CDC5CD9}" dt="2024-05-06T09:29:24.963" v="19" actId="26606"/>
+          <ac:cxnSpMkLst>
+            <pc:docMk/>
+            <pc:sldMk cId="2179648205" sldId="256"/>
+            <ac:cxnSpMk id="40" creationId="{44887186-EE44-4AD3-BEFE-3478B4537191}"/>
+          </ac:cxnSpMkLst>
+        </pc:cxnChg>
+        <pc:cxnChg chg="add">
+          <ac:chgData name="Neta Becker" userId="cef0aa30-4247-4db8-9bc0-d63efc0d3a53" providerId="ADAL" clId="{08E06E4B-2E16-4BC0-80E9-E5B23CDC5CD9}" dt="2024-05-06T09:29:24.963" v="19" actId="26606"/>
+          <ac:cxnSpMkLst>
+            <pc:docMk/>
+            <pc:sldMk cId="2179648205" sldId="256"/>
+            <ac:cxnSpMk id="41" creationId="{58EECC4E-F1C0-4C09-A7FD-4D623DACCC4F}"/>
+          </ac:cxnSpMkLst>
+        </pc:cxnChg>
+      </pc:sldChg>
+      <pc:sldChg chg="modSp mod">
+        <pc:chgData name="Neta Becker" userId="cef0aa30-4247-4db8-9bc0-d63efc0d3a53" providerId="ADAL" clId="{08E06E4B-2E16-4BC0-80E9-E5B23CDC5CD9}" dt="2024-05-06T09:37:29.531" v="246" actId="2711"/>
+        <pc:sldMkLst>
+          <pc:docMk/>
+          <pc:sldMk cId="1769220115" sldId="257"/>
+        </pc:sldMkLst>
+        <pc:spChg chg="mod">
+          <ac:chgData name="Neta Becker" userId="cef0aa30-4247-4db8-9bc0-d63efc0d3a53" providerId="ADAL" clId="{08E06E4B-2E16-4BC0-80E9-E5B23CDC5CD9}" dt="2024-05-06T09:37:29.531" v="246" actId="2711"/>
+          <ac:spMkLst>
+            <pc:docMk/>
+            <pc:sldMk cId="1769220115" sldId="257"/>
+            <ac:spMk id="3" creationId="{138B8362-48C3-13F0-617A-B8A3256120CA}"/>
+          </ac:spMkLst>
+        </pc:spChg>
+      </pc:sldChg>
+      <pc:sldChg chg="delSp modSp mod">
+        <pc:chgData name="Neta Becker" userId="cef0aa30-4247-4db8-9bc0-d63efc0d3a53" providerId="ADAL" clId="{08E06E4B-2E16-4BC0-80E9-E5B23CDC5CD9}" dt="2024-05-06T09:35:15.338" v="119" actId="1076"/>
+        <pc:sldMkLst>
+          <pc:docMk/>
+          <pc:sldMk cId="2968838544" sldId="260"/>
+        </pc:sldMkLst>
+        <pc:spChg chg="mod">
+          <ac:chgData name="Neta Becker" userId="cef0aa30-4247-4db8-9bc0-d63efc0d3a53" providerId="ADAL" clId="{08E06E4B-2E16-4BC0-80E9-E5B23CDC5CD9}" dt="2024-05-06T09:29:21.474" v="18"/>
+          <ac:spMkLst>
+            <pc:docMk/>
+            <pc:sldMk cId="2968838544" sldId="260"/>
+            <ac:spMk id="2" creationId="{740EF0B2-1FEB-FFA2-67D6-9A5DBB7AADB8}"/>
+          </ac:spMkLst>
+        </pc:spChg>
+        <pc:spChg chg="mod">
+          <ac:chgData name="Neta Becker" userId="cef0aa30-4247-4db8-9bc0-d63efc0d3a53" providerId="ADAL" clId="{08E06E4B-2E16-4BC0-80E9-E5B23CDC5CD9}" dt="2024-05-06T09:33:24.846" v="54" actId="20577"/>
+          <ac:spMkLst>
+            <pc:docMk/>
+            <pc:sldMk cId="2968838544" sldId="260"/>
+            <ac:spMk id="3" creationId="{6D1E74C4-204E-AA3F-084A-12061BF8DF60}"/>
+          </ac:spMkLst>
+        </pc:spChg>
+        <pc:spChg chg="mod">
+          <ac:chgData name="Neta Becker" userId="cef0aa30-4247-4db8-9bc0-d63efc0d3a53" providerId="ADAL" clId="{08E06E4B-2E16-4BC0-80E9-E5B23CDC5CD9}" dt="2024-05-06T09:35:15.338" v="119" actId="1076"/>
+          <ac:spMkLst>
+            <pc:docMk/>
+            <pc:sldMk cId="2968838544" sldId="260"/>
+            <ac:spMk id="4" creationId="{E48DD004-B007-8E13-0D59-7E3DC4EADB0D}"/>
+          </ac:spMkLst>
+        </pc:spChg>
+        <pc:grpChg chg="mod ord">
+          <ac:chgData name="Neta Becker" userId="cef0aa30-4247-4db8-9bc0-d63efc0d3a53" providerId="ADAL" clId="{08E06E4B-2E16-4BC0-80E9-E5B23CDC5CD9}" dt="2024-05-06T09:35:15.338" v="119" actId="1076"/>
+          <ac:grpSpMkLst>
+            <pc:docMk/>
+            <pc:sldMk cId="2968838544" sldId="260"/>
+            <ac:grpSpMk id="6" creationId="{42D68D64-2AF4-4DAF-B3FA-22F89910B0E2}"/>
+          </ac:grpSpMkLst>
+        </pc:grpChg>
+        <pc:picChg chg="del">
+          <ac:chgData name="Neta Becker" userId="cef0aa30-4247-4db8-9bc0-d63efc0d3a53" providerId="ADAL" clId="{08E06E4B-2E16-4BC0-80E9-E5B23CDC5CD9}" dt="2024-05-06T09:32:24.257" v="31" actId="478"/>
+          <ac:picMkLst>
+            <pc:docMk/>
+            <pc:sldMk cId="2968838544" sldId="260"/>
+            <ac:picMk id="5" creationId="{B7574A9B-FDE9-E090-222F-BBE808DAF180}"/>
+          </ac:picMkLst>
+        </pc:picChg>
+      </pc:sldChg>
+      <pc:sldChg chg="addSp delSp modSp mod">
+        <pc:chgData name="Neta Becker" userId="cef0aa30-4247-4db8-9bc0-d63efc0d3a53" providerId="ADAL" clId="{08E06E4B-2E16-4BC0-80E9-E5B23CDC5CD9}" dt="2024-05-06T09:37:12.576" v="244" actId="2711"/>
+        <pc:sldMkLst>
+          <pc:docMk/>
+          <pc:sldMk cId="461867753" sldId="261"/>
+        </pc:sldMkLst>
+        <pc:spChg chg="mod">
+          <ac:chgData name="Neta Becker" userId="cef0aa30-4247-4db8-9bc0-d63efc0d3a53" providerId="ADAL" clId="{08E06E4B-2E16-4BC0-80E9-E5B23CDC5CD9}" dt="2024-05-06T09:36:04.523" v="135" actId="404"/>
+          <ac:spMkLst>
+            <pc:docMk/>
+            <pc:sldMk cId="461867753" sldId="261"/>
+            <ac:spMk id="2" creationId="{27F2BC14-3B96-5B86-2DD7-96DF3F92CEED}"/>
+          </ac:spMkLst>
+        </pc:spChg>
+        <pc:spChg chg="mod">
+          <ac:chgData name="Neta Becker" userId="cef0aa30-4247-4db8-9bc0-d63efc0d3a53" providerId="ADAL" clId="{08E06E4B-2E16-4BC0-80E9-E5B23CDC5CD9}" dt="2024-05-06T09:35:47.256" v="122" actId="1076"/>
+          <ac:spMkLst>
+            <pc:docMk/>
+            <pc:sldMk cId="461867753" sldId="261"/>
+            <ac:spMk id="3" creationId="{59B13712-2E9B-1174-4923-86AC75DEE9BB}"/>
+          </ac:spMkLst>
+        </pc:spChg>
+        <pc:spChg chg="mod">
+          <ac:chgData name="Neta Becker" userId="cef0aa30-4247-4db8-9bc0-d63efc0d3a53" providerId="ADAL" clId="{08E06E4B-2E16-4BC0-80E9-E5B23CDC5CD9}" dt="2024-05-06T09:35:47.256" v="122" actId="1076"/>
+          <ac:spMkLst>
+            <pc:docMk/>
+            <pc:sldMk cId="461867753" sldId="261"/>
+            <ac:spMk id="4" creationId="{14003EA2-3B99-CDA1-CB5E-4030F5CE842D}"/>
+          </ac:spMkLst>
+        </pc:spChg>
+        <pc:spChg chg="mod">
+          <ac:chgData name="Neta Becker" userId="cef0aa30-4247-4db8-9bc0-d63efc0d3a53" providerId="ADAL" clId="{08E06E4B-2E16-4BC0-80E9-E5B23CDC5CD9}" dt="2024-05-06T09:35:47.256" v="122" actId="1076"/>
+          <ac:spMkLst>
+            <pc:docMk/>
+            <pc:sldMk cId="461867753" sldId="261"/>
+            <ac:spMk id="6" creationId="{3F639773-BE76-38E2-3AC3-3443D2BF61F2}"/>
+          </ac:spMkLst>
+        </pc:spChg>
+        <pc:spChg chg="mod">
+          <ac:chgData name="Neta Becker" userId="cef0aa30-4247-4db8-9bc0-d63efc0d3a53" providerId="ADAL" clId="{08E06E4B-2E16-4BC0-80E9-E5B23CDC5CD9}" dt="2024-05-06T09:35:47.256" v="122" actId="1076"/>
+          <ac:spMkLst>
+            <pc:docMk/>
+            <pc:sldMk cId="461867753" sldId="261"/>
+            <ac:spMk id="7" creationId="{824600E3-9A04-D1A5-D7D3-A94281884CFC}"/>
+          </ac:spMkLst>
+        </pc:spChg>
+        <pc:spChg chg="mod">
+          <ac:chgData name="Neta Becker" userId="cef0aa30-4247-4db8-9bc0-d63efc0d3a53" providerId="ADAL" clId="{08E06E4B-2E16-4BC0-80E9-E5B23CDC5CD9}" dt="2024-05-06T09:35:47.256" v="122" actId="1076"/>
+          <ac:spMkLst>
+            <pc:docMk/>
+            <pc:sldMk cId="461867753" sldId="261"/>
+            <ac:spMk id="8" creationId="{E7F835B6-7E92-E8DB-554C-37E3CDDE2DDC}"/>
+          </ac:spMkLst>
+        </pc:spChg>
+        <pc:spChg chg="mod">
+          <ac:chgData name="Neta Becker" userId="cef0aa30-4247-4db8-9bc0-d63efc0d3a53" providerId="ADAL" clId="{08E06E4B-2E16-4BC0-80E9-E5B23CDC5CD9}" dt="2024-05-06T09:35:47.256" v="122" actId="1076"/>
+          <ac:spMkLst>
+            <pc:docMk/>
+            <pc:sldMk cId="461867753" sldId="261"/>
+            <ac:spMk id="9" creationId="{7CF1D10C-B56D-85EE-4D7F-2B2129E28E27}"/>
+          </ac:spMkLst>
+        </pc:spChg>
+        <pc:spChg chg="add mod">
+          <ac:chgData name="Neta Becker" userId="cef0aa30-4247-4db8-9bc0-d63efc0d3a53" providerId="ADAL" clId="{08E06E4B-2E16-4BC0-80E9-E5B23CDC5CD9}" dt="2024-05-06T09:37:12.576" v="244" actId="2711"/>
+          <ac:spMkLst>
+            <pc:docMk/>
+            <pc:sldMk cId="461867753" sldId="261"/>
+            <ac:spMk id="10" creationId="{CA9F315B-54D4-E999-844C-5423FDC7670E}"/>
+          </ac:spMkLst>
+        </pc:spChg>
+        <pc:spChg chg="mod">
+          <ac:chgData name="Neta Becker" userId="cef0aa30-4247-4db8-9bc0-d63efc0d3a53" providerId="ADAL" clId="{08E06E4B-2E16-4BC0-80E9-E5B23CDC5CD9}" dt="2024-05-06T09:33:44.247" v="58" actId="2711"/>
+          <ac:spMkLst>
+            <pc:docMk/>
+            <pc:sldMk cId="461867753" sldId="261"/>
+            <ac:spMk id="14" creationId="{A1ADE3B4-1024-E165-569C-B54122EF68C3}"/>
+          </ac:spMkLst>
+        </pc:spChg>
+        <pc:spChg chg="mod">
+          <ac:chgData name="Neta Becker" userId="cef0aa30-4247-4db8-9bc0-d63efc0d3a53" providerId="ADAL" clId="{08E06E4B-2E16-4BC0-80E9-E5B23CDC5CD9}" dt="2024-05-06T09:33:44.247" v="58" actId="2711"/>
+          <ac:spMkLst>
+            <pc:docMk/>
+            <pc:sldMk cId="461867753" sldId="261"/>
+            <ac:spMk id="18" creationId="{6C428213-4A02-E17F-1BF5-50279389432E}"/>
+          </ac:spMkLst>
+        </pc:spChg>
+        <pc:spChg chg="mod">
+          <ac:chgData name="Neta Becker" userId="cef0aa30-4247-4db8-9bc0-d63efc0d3a53" providerId="ADAL" clId="{08E06E4B-2E16-4BC0-80E9-E5B23CDC5CD9}" dt="2024-05-06T09:33:44.247" v="58" actId="2711"/>
+          <ac:spMkLst>
+            <pc:docMk/>
+            <pc:sldMk cId="461867753" sldId="261"/>
+            <ac:spMk id="19" creationId="{E0A0FAD6-7401-B9B4-5DB1-54DBCDE9057B}"/>
+          </ac:spMkLst>
+        </pc:spChg>
+        <pc:spChg chg="mod">
+          <ac:chgData name="Neta Becker" userId="cef0aa30-4247-4db8-9bc0-d63efc0d3a53" providerId="ADAL" clId="{08E06E4B-2E16-4BC0-80E9-E5B23CDC5CD9}" dt="2024-05-06T09:33:44.247" v="58" actId="2711"/>
+          <ac:spMkLst>
+            <pc:docMk/>
+            <pc:sldMk cId="461867753" sldId="261"/>
+            <ac:spMk id="25" creationId="{DE5736CF-33FB-19AA-1EA5-91659DAF5A45}"/>
+          </ac:spMkLst>
+        </pc:spChg>
+        <pc:spChg chg="mod">
+          <ac:chgData name="Neta Becker" userId="cef0aa30-4247-4db8-9bc0-d63efc0d3a53" providerId="ADAL" clId="{08E06E4B-2E16-4BC0-80E9-E5B23CDC5CD9}" dt="2024-05-06T09:33:44.247" v="58" actId="2711"/>
+          <ac:spMkLst>
+            <pc:docMk/>
+            <pc:sldMk cId="461867753" sldId="261"/>
+            <ac:spMk id="27" creationId="{2085121E-5778-FDBD-3122-57459E09E9D9}"/>
+          </ac:spMkLst>
+        </pc:spChg>
+        <pc:spChg chg="mod">
+          <ac:chgData name="Neta Becker" userId="cef0aa30-4247-4db8-9bc0-d63efc0d3a53" providerId="ADAL" clId="{08E06E4B-2E16-4BC0-80E9-E5B23CDC5CD9}" dt="2024-05-06T09:33:44.247" v="58" actId="2711"/>
+          <ac:spMkLst>
+            <pc:docMk/>
+            <pc:sldMk cId="461867753" sldId="261"/>
+            <ac:spMk id="28" creationId="{8BEE8248-D2F5-3601-7EA3-AB96036FE23E}"/>
+          </ac:spMkLst>
+        </pc:spChg>
+        <pc:spChg chg="mod">
+          <ac:chgData name="Neta Becker" userId="cef0aa30-4247-4db8-9bc0-d63efc0d3a53" providerId="ADAL" clId="{08E06E4B-2E16-4BC0-80E9-E5B23CDC5CD9}" dt="2024-05-06T09:33:44.247" v="58" actId="2711"/>
+          <ac:spMkLst>
+            <pc:docMk/>
+            <pc:sldMk cId="461867753" sldId="261"/>
+            <ac:spMk id="29" creationId="{AF44F0EB-F53B-EF98-E56F-789776E41460}"/>
+          </ac:spMkLst>
+        </pc:spChg>
+        <pc:spChg chg="mod">
+          <ac:chgData name="Neta Becker" userId="cef0aa30-4247-4db8-9bc0-d63efc0d3a53" providerId="ADAL" clId="{08E06E4B-2E16-4BC0-80E9-E5B23CDC5CD9}" dt="2024-05-06T09:35:47.256" v="122" actId="1076"/>
+          <ac:spMkLst>
+            <pc:docMk/>
+            <pc:sldMk cId="461867753" sldId="261"/>
+            <ac:spMk id="39" creationId="{5E77387B-4106-F94B-E490-515A6B708E28}"/>
+          </ac:spMkLst>
+        </pc:spChg>
+        <pc:spChg chg="mod">
+          <ac:chgData name="Neta Becker" userId="cef0aa30-4247-4db8-9bc0-d63efc0d3a53" providerId="ADAL" clId="{08E06E4B-2E16-4BC0-80E9-E5B23CDC5CD9}" dt="2024-05-06T09:35:47.256" v="122" actId="1076"/>
+          <ac:spMkLst>
+            <pc:docMk/>
+            <pc:sldMk cId="461867753" sldId="261"/>
+            <ac:spMk id="40" creationId="{2885E57A-1E18-A693-DF51-361DEDCF79DF}"/>
+          </ac:spMkLst>
+        </pc:spChg>
+        <pc:spChg chg="del mod">
+          <ac:chgData name="Neta Becker" userId="cef0aa30-4247-4db8-9bc0-d63efc0d3a53" providerId="ADAL" clId="{08E06E4B-2E16-4BC0-80E9-E5B23CDC5CD9}" dt="2024-05-06T09:36:47.557" v="238" actId="478"/>
+          <ac:spMkLst>
+            <pc:docMk/>
+            <pc:sldMk cId="461867753" sldId="261"/>
+            <ac:spMk id="48" creationId="{DB227C68-2F3D-A754-9C77-58515A28E4A4}"/>
+          </ac:spMkLst>
+        </pc:spChg>
+        <pc:picChg chg="mod">
+          <ac:chgData name="Neta Becker" userId="cef0aa30-4247-4db8-9bc0-d63efc0d3a53" providerId="ADAL" clId="{08E06E4B-2E16-4BC0-80E9-E5B23CDC5CD9}" dt="2024-05-06T09:35:47.256" v="122" actId="1076"/>
+          <ac:picMkLst>
+            <pc:docMk/>
+            <pc:sldMk cId="461867753" sldId="261"/>
+            <ac:picMk id="5" creationId="{1E83A6E1-0C7A-1426-412D-C8B6F196B100}"/>
+          </ac:picMkLst>
+        </pc:picChg>
+        <pc:cxnChg chg="mod">
+          <ac:chgData name="Neta Becker" userId="cef0aa30-4247-4db8-9bc0-d63efc0d3a53" providerId="ADAL" clId="{08E06E4B-2E16-4BC0-80E9-E5B23CDC5CD9}" dt="2024-05-06T09:35:47.256" v="122" actId="1076"/>
+          <ac:cxnSpMkLst>
+            <pc:docMk/>
+            <pc:sldMk cId="461867753" sldId="261"/>
+            <ac:cxnSpMk id="12" creationId="{451DBC3B-C91A-1FBD-A94F-5133C1569AC3}"/>
+          </ac:cxnSpMkLst>
+        </pc:cxnChg>
+        <pc:cxnChg chg="mod">
+          <ac:chgData name="Neta Becker" userId="cef0aa30-4247-4db8-9bc0-d63efc0d3a53" providerId="ADAL" clId="{08E06E4B-2E16-4BC0-80E9-E5B23CDC5CD9}" dt="2024-05-06T09:35:47.256" v="122" actId="1076"/>
+          <ac:cxnSpMkLst>
+            <pc:docMk/>
+            <pc:sldMk cId="461867753" sldId="261"/>
+            <ac:cxnSpMk id="15" creationId="{46242B1B-8544-B736-9FB5-F05BDB0C86B8}"/>
+          </ac:cxnSpMkLst>
+        </pc:cxnChg>
+        <pc:cxnChg chg="mod">
+          <ac:chgData name="Neta Becker" userId="cef0aa30-4247-4db8-9bc0-d63efc0d3a53" providerId="ADAL" clId="{08E06E4B-2E16-4BC0-80E9-E5B23CDC5CD9}" dt="2024-05-06T09:35:47.256" v="122" actId="1076"/>
+          <ac:cxnSpMkLst>
+            <pc:docMk/>
+            <pc:sldMk cId="461867753" sldId="261"/>
+            <ac:cxnSpMk id="17" creationId="{C7CA7660-175B-A264-1D90-E9D820FF190B}"/>
+          </ac:cxnSpMkLst>
+        </pc:cxnChg>
+        <pc:cxnChg chg="mod">
+          <ac:chgData name="Neta Becker" userId="cef0aa30-4247-4db8-9bc0-d63efc0d3a53" providerId="ADAL" clId="{08E06E4B-2E16-4BC0-80E9-E5B23CDC5CD9}" dt="2024-05-06T09:35:47.256" v="122" actId="1076"/>
+          <ac:cxnSpMkLst>
+            <pc:docMk/>
+            <pc:sldMk cId="461867753" sldId="261"/>
+            <ac:cxnSpMk id="26" creationId="{A7E2E51D-36A8-2616-5C64-DB76808F0322}"/>
+          </ac:cxnSpMkLst>
+        </pc:cxnChg>
+        <pc:cxnChg chg="mod">
+          <ac:chgData name="Neta Becker" userId="cef0aa30-4247-4db8-9bc0-d63efc0d3a53" providerId="ADAL" clId="{08E06E4B-2E16-4BC0-80E9-E5B23CDC5CD9}" dt="2024-05-06T09:35:47.256" v="122" actId="1076"/>
+          <ac:cxnSpMkLst>
+            <pc:docMk/>
+            <pc:sldMk cId="461867753" sldId="261"/>
+            <ac:cxnSpMk id="30" creationId="{99070760-9ABF-8E48-1E00-CE0D6F0399D8}"/>
+          </ac:cxnSpMkLst>
+        </pc:cxnChg>
+        <pc:cxnChg chg="mod">
+          <ac:chgData name="Neta Becker" userId="cef0aa30-4247-4db8-9bc0-d63efc0d3a53" providerId="ADAL" clId="{08E06E4B-2E16-4BC0-80E9-E5B23CDC5CD9}" dt="2024-05-06T09:35:47.256" v="122" actId="1076"/>
+          <ac:cxnSpMkLst>
+            <pc:docMk/>
+            <pc:sldMk cId="461867753" sldId="261"/>
+            <ac:cxnSpMk id="31" creationId="{3B375C1D-DB6E-1CA9-F6D9-FC395302BE22}"/>
+          </ac:cxnSpMkLst>
+        </pc:cxnChg>
+        <pc:cxnChg chg="mod">
+          <ac:chgData name="Neta Becker" userId="cef0aa30-4247-4db8-9bc0-d63efc0d3a53" providerId="ADAL" clId="{08E06E4B-2E16-4BC0-80E9-E5B23CDC5CD9}" dt="2024-05-06T09:35:47.256" v="122" actId="1076"/>
+          <ac:cxnSpMkLst>
+            <pc:docMk/>
+            <pc:sldMk cId="461867753" sldId="261"/>
+            <ac:cxnSpMk id="32" creationId="{4B0DD588-5D13-6452-B540-53ACF5B31763}"/>
+          </ac:cxnSpMkLst>
+        </pc:cxnChg>
+        <pc:cxnChg chg="mod">
+          <ac:chgData name="Neta Becker" userId="cef0aa30-4247-4db8-9bc0-d63efc0d3a53" providerId="ADAL" clId="{08E06E4B-2E16-4BC0-80E9-E5B23CDC5CD9}" dt="2024-05-06T09:35:47.256" v="122" actId="1076"/>
+          <ac:cxnSpMkLst>
+            <pc:docMk/>
+            <pc:sldMk cId="461867753" sldId="261"/>
+            <ac:cxnSpMk id="45" creationId="{C0835E53-08FD-E88E-207A-5C35665B6DB5}"/>
+          </ac:cxnSpMkLst>
+        </pc:cxnChg>
+        <pc:cxnChg chg="mod">
+          <ac:chgData name="Neta Becker" userId="cef0aa30-4247-4db8-9bc0-d63efc0d3a53" providerId="ADAL" clId="{08E06E4B-2E16-4BC0-80E9-E5B23CDC5CD9}" dt="2024-05-06T09:35:47.256" v="122" actId="1076"/>
+          <ac:cxnSpMkLst>
+            <pc:docMk/>
+            <pc:sldMk cId="461867753" sldId="261"/>
+            <ac:cxnSpMk id="46" creationId="{DA7708FF-E23A-0C59-6836-A9A7D11BFD5A}"/>
+          </ac:cxnSpMkLst>
+        </pc:cxnChg>
+      </pc:sldChg>
+      <pc:sldChg chg="modSp mod">
+        <pc:chgData name="Neta Becker" userId="cef0aa30-4247-4db8-9bc0-d63efc0d3a53" providerId="ADAL" clId="{08E06E4B-2E16-4BC0-80E9-E5B23CDC5CD9}" dt="2024-05-06T09:38:26.905" v="270"/>
+        <pc:sldMkLst>
+          <pc:docMk/>
+          <pc:sldMk cId="3063377580" sldId="262"/>
+        </pc:sldMkLst>
+        <pc:spChg chg="mod">
+          <ac:chgData name="Neta Becker" userId="cef0aa30-4247-4db8-9bc0-d63efc0d3a53" providerId="ADAL" clId="{08E06E4B-2E16-4BC0-80E9-E5B23CDC5CD9}" dt="2024-05-06T09:38:22.657" v="254" actId="20577"/>
+          <ac:spMkLst>
+            <pc:docMk/>
+            <pc:sldMk cId="3063377580" sldId="262"/>
+            <ac:spMk id="2" creationId="{6701CDF3-1F26-7CF3-898F-F2B07566BDFF}"/>
+          </ac:spMkLst>
+        </pc:spChg>
+        <pc:spChg chg="mod">
+          <ac:chgData name="Neta Becker" userId="cef0aa30-4247-4db8-9bc0-d63efc0d3a53" providerId="ADAL" clId="{08E06E4B-2E16-4BC0-80E9-E5B23CDC5CD9}" dt="2024-05-06T09:38:26.905" v="270"/>
+          <ac:spMkLst>
+            <pc:docMk/>
+            <pc:sldMk cId="3063377580" sldId="262"/>
+            <ac:spMk id="3" creationId="{79639998-542D-EA12-DA1F-335575519817}"/>
+          </ac:spMkLst>
+        </pc:spChg>
+      </pc:sldChg>
+      <pc:sldChg chg="modSp">
+        <pc:chgData name="Neta Becker" userId="cef0aa30-4247-4db8-9bc0-d63efc0d3a53" providerId="ADAL" clId="{08E06E4B-2E16-4BC0-80E9-E5B23CDC5CD9}" dt="2024-05-06T09:29:21.474" v="18"/>
+        <pc:sldMkLst>
+          <pc:docMk/>
+          <pc:sldMk cId="1521044007" sldId="264"/>
+        </pc:sldMkLst>
+        <pc:spChg chg="mod">
+          <ac:chgData name="Neta Becker" userId="cef0aa30-4247-4db8-9bc0-d63efc0d3a53" providerId="ADAL" clId="{08E06E4B-2E16-4BC0-80E9-E5B23CDC5CD9}" dt="2024-05-06T09:29:21.474" v="18"/>
+          <ac:spMkLst>
+            <pc:docMk/>
+            <pc:sldMk cId="1521044007" sldId="264"/>
+            <ac:spMk id="2" creationId="{9E1B47C9-23BE-9F8B-A0E0-E74CAB5ED67A}"/>
+          </ac:spMkLst>
+        </pc:spChg>
+        <pc:spChg chg="mod">
+          <ac:chgData name="Neta Becker" userId="cef0aa30-4247-4db8-9bc0-d63efc0d3a53" providerId="ADAL" clId="{08E06E4B-2E16-4BC0-80E9-E5B23CDC5CD9}" dt="2024-05-06T09:29:21.474" v="18"/>
+          <ac:spMkLst>
+            <pc:docMk/>
+            <pc:sldMk cId="1521044007" sldId="264"/>
+            <ac:spMk id="3" creationId="{2D2E6A14-D956-DE39-DFB5-8D352E675082}"/>
+          </ac:spMkLst>
+        </pc:spChg>
+      </pc:sldChg>
+      <pc:sldChg chg="modSp">
+        <pc:chgData name="Neta Becker" userId="cef0aa30-4247-4db8-9bc0-d63efc0d3a53" providerId="ADAL" clId="{08E06E4B-2E16-4BC0-80E9-E5B23CDC5CD9}" dt="2024-05-06T09:29:21.474" v="18"/>
+        <pc:sldMkLst>
+          <pc:docMk/>
+          <pc:sldMk cId="3884930515" sldId="265"/>
+        </pc:sldMkLst>
+        <pc:spChg chg="mod">
+          <ac:chgData name="Neta Becker" userId="cef0aa30-4247-4db8-9bc0-d63efc0d3a53" providerId="ADAL" clId="{08E06E4B-2E16-4BC0-80E9-E5B23CDC5CD9}" dt="2024-05-06T09:29:21.474" v="18"/>
+          <ac:spMkLst>
+            <pc:docMk/>
+            <pc:sldMk cId="3884930515" sldId="265"/>
+            <ac:spMk id="2" creationId="{FBB17739-EDA8-0BBF-2BBE-DD328C51C51D}"/>
+          </ac:spMkLst>
+        </pc:spChg>
+        <pc:spChg chg="mod">
+          <ac:chgData name="Neta Becker" userId="cef0aa30-4247-4db8-9bc0-d63efc0d3a53" providerId="ADAL" clId="{08E06E4B-2E16-4BC0-80E9-E5B23CDC5CD9}" dt="2024-05-06T09:29:21.474" v="18"/>
+          <ac:spMkLst>
+            <pc:docMk/>
+            <pc:sldMk cId="3884930515" sldId="265"/>
+            <ac:spMk id="3" creationId="{2CEC7C2B-FE22-13AA-830E-5D224F921C9D}"/>
+          </ac:spMkLst>
+        </pc:spChg>
+      </pc:sldChg>
+      <pc:sldChg chg="modSp mod">
+        <pc:chgData name="Neta Becker" userId="cef0aa30-4247-4db8-9bc0-d63efc0d3a53" providerId="ADAL" clId="{08E06E4B-2E16-4BC0-80E9-E5B23CDC5CD9}" dt="2024-05-06T09:37:40.305" v="248" actId="255"/>
+        <pc:sldMkLst>
+          <pc:docMk/>
+          <pc:sldMk cId="3614498727" sldId="267"/>
+        </pc:sldMkLst>
+        <pc:spChg chg="mod">
+          <ac:chgData name="Neta Becker" userId="cef0aa30-4247-4db8-9bc0-d63efc0d3a53" providerId="ADAL" clId="{08E06E4B-2E16-4BC0-80E9-E5B23CDC5CD9}" dt="2024-05-06T09:29:21.474" v="18"/>
+          <ac:spMkLst>
+            <pc:docMk/>
+            <pc:sldMk cId="3614498727" sldId="267"/>
+            <ac:spMk id="2" creationId="{AC2ACF71-CF4B-C77D-06EE-335720E44195}"/>
+          </ac:spMkLst>
+        </pc:spChg>
+        <pc:spChg chg="mod">
+          <ac:chgData name="Neta Becker" userId="cef0aa30-4247-4db8-9bc0-d63efc0d3a53" providerId="ADAL" clId="{08E06E4B-2E16-4BC0-80E9-E5B23CDC5CD9}" dt="2024-05-06T09:37:40.305" v="248" actId="255"/>
+          <ac:spMkLst>
+            <pc:docMk/>
+            <pc:sldMk cId="3614498727" sldId="267"/>
+            <ac:spMk id="3" creationId="{3FB97B73-96BD-1AB7-EA8C-0E12DAF0CCBC}"/>
+          </ac:spMkLst>
+        </pc:spChg>
+      </pc:sldChg>
+      <pc:sldChg chg="addSp delSp modSp mod setBg addAnim modAnim delDesignElem">
+        <pc:chgData name="Neta Becker" userId="cef0aa30-4247-4db8-9bc0-d63efc0d3a53" providerId="ADAL" clId="{08E06E4B-2E16-4BC0-80E9-E5B23CDC5CD9}" dt="2024-05-06T09:31:13.781" v="30"/>
+        <pc:sldMkLst>
+          <pc:docMk/>
+          <pc:sldMk cId="3788276947" sldId="268"/>
+        </pc:sldMkLst>
+        <pc:spChg chg="mod">
+          <ac:chgData name="Neta Becker" userId="cef0aa30-4247-4db8-9bc0-d63efc0d3a53" providerId="ADAL" clId="{08E06E4B-2E16-4BC0-80E9-E5B23CDC5CD9}" dt="2024-05-06T09:31:04.724" v="26" actId="26606"/>
+          <ac:spMkLst>
+            <pc:docMk/>
+            <pc:sldMk cId="3788276947" sldId="268"/>
+            <ac:spMk id="2" creationId="{D11A6587-4B31-2098-8A11-B9028D74594E}"/>
+          </ac:spMkLst>
+        </pc:spChg>
+        <pc:spChg chg="mod">
+          <ac:chgData name="Neta Becker" userId="cef0aa30-4247-4db8-9bc0-d63efc0d3a53" providerId="ADAL" clId="{08E06E4B-2E16-4BC0-80E9-E5B23CDC5CD9}" dt="2024-05-06T09:31:04.724" v="26" actId="26606"/>
+          <ac:spMkLst>
+            <pc:docMk/>
+            <pc:sldMk cId="3788276947" sldId="268"/>
+            <ac:spMk id="3" creationId="{179BA227-78E9-E910-93F6-862AA8674913}"/>
+          </ac:spMkLst>
+        </pc:spChg>
+        <pc:spChg chg="add">
+          <ac:chgData name="Neta Becker" userId="cef0aa30-4247-4db8-9bc0-d63efc0d3a53" providerId="ADAL" clId="{08E06E4B-2E16-4BC0-80E9-E5B23CDC5CD9}" dt="2024-05-06T09:31:04.724" v="26" actId="26606"/>
+          <ac:spMkLst>
+            <pc:docMk/>
+            <pc:sldMk cId="3788276947" sldId="268"/>
+            <ac:spMk id="5" creationId="{6995F625-BE4F-4433-8290-5DF0E8589F50}"/>
+          </ac:spMkLst>
+        </pc:spChg>
+        <pc:spChg chg="add">
+          <ac:chgData name="Neta Becker" userId="cef0aa30-4247-4db8-9bc0-d63efc0d3a53" providerId="ADAL" clId="{08E06E4B-2E16-4BC0-80E9-E5B23CDC5CD9}" dt="2024-05-06T09:31:04.724" v="26" actId="26606"/>
+          <ac:spMkLst>
+            <pc:docMk/>
+            <pc:sldMk cId="3788276947" sldId="268"/>
+            <ac:spMk id="6" creationId="{E836677E-F83B-4FAB-8095-8700763077D8}"/>
+          </ac:spMkLst>
+        </pc:spChg>
+        <pc:spChg chg="add">
+          <ac:chgData name="Neta Becker" userId="cef0aa30-4247-4db8-9bc0-d63efc0d3a53" providerId="ADAL" clId="{08E06E4B-2E16-4BC0-80E9-E5B23CDC5CD9}" dt="2024-05-06T09:31:04.724" v="26" actId="26606"/>
+          <ac:spMkLst>
+            <pc:docMk/>
+            <pc:sldMk cId="3788276947" sldId="268"/>
+            <ac:spMk id="7" creationId="{655E224A-5F26-423E-949C-07A720F39A44}"/>
+          </ac:spMkLst>
+        </pc:spChg>
+        <pc:spChg chg="del">
+          <ac:chgData name="Neta Becker" userId="cef0aa30-4247-4db8-9bc0-d63efc0d3a53" providerId="ADAL" clId="{08E06E4B-2E16-4BC0-80E9-E5B23CDC5CD9}" dt="2024-05-06T09:27:33.454" v="2"/>
+          <ac:spMkLst>
+            <pc:docMk/>
+            <pc:sldMk cId="3788276947" sldId="268"/>
+            <ac:spMk id="8" creationId="{1579DD07-B6CD-4C04-8A4A-3B92CE8C8A31}"/>
+          </ac:spMkLst>
+        </pc:spChg>
+        <pc:spChg chg="add">
+          <ac:chgData name="Neta Becker" userId="cef0aa30-4247-4db8-9bc0-d63efc0d3a53" providerId="ADAL" clId="{08E06E4B-2E16-4BC0-80E9-E5B23CDC5CD9}" dt="2024-05-06T09:31:04.724" v="26" actId="26606"/>
+          <ac:spMkLst>
+            <pc:docMk/>
+            <pc:sldMk cId="3788276947" sldId="268"/>
+            <ac:spMk id="9" creationId="{A6F1DA18-4CA4-40CF-9ACA-105D8373B672}"/>
+          </ac:spMkLst>
+        </pc:spChg>
+        <pc:spChg chg="del">
+          <ac:chgData name="Neta Becker" userId="cef0aa30-4247-4db8-9bc0-d63efc0d3a53" providerId="ADAL" clId="{08E06E4B-2E16-4BC0-80E9-E5B23CDC5CD9}" dt="2024-05-06T09:27:33.454" v="2"/>
+          <ac:spMkLst>
+            <pc:docMk/>
+            <pc:sldMk cId="3788276947" sldId="268"/>
+            <ac:spMk id="10" creationId="{D4A3DB12-3AD8-467C-910C-F09E3A688BD7}"/>
+          </ac:spMkLst>
+        </pc:spChg>
+        <pc:spChg chg="del">
+          <ac:chgData name="Neta Becker" userId="cef0aa30-4247-4db8-9bc0-d63efc0d3a53" providerId="ADAL" clId="{08E06E4B-2E16-4BC0-80E9-E5B23CDC5CD9}" dt="2024-05-06T09:27:33.454" v="2"/>
+          <ac:spMkLst>
+            <pc:docMk/>
+            <pc:sldMk cId="3788276947" sldId="268"/>
+            <ac:spMk id="12" creationId="{36A995F0-906C-4573-A739-16EED217D852}"/>
+          </ac:spMkLst>
+        </pc:spChg>
+        <pc:spChg chg="add">
+          <ac:chgData name="Neta Becker" userId="cef0aa30-4247-4db8-9bc0-d63efc0d3a53" providerId="ADAL" clId="{08E06E4B-2E16-4BC0-80E9-E5B23CDC5CD9}" dt="2024-05-06T09:31:04.724" v="26" actId="26606"/>
+          <ac:spMkLst>
+            <pc:docMk/>
+            <pc:sldMk cId="3788276947" sldId="268"/>
+            <ac:spMk id="16" creationId="{7C6D1B74-744B-4231-97DB-86B4C9C5E2D3}"/>
+          </ac:spMkLst>
+        </pc:spChg>
+        <pc:cxnChg chg="del">
+          <ac:chgData name="Neta Becker" userId="cef0aa30-4247-4db8-9bc0-d63efc0d3a53" providerId="ADAL" clId="{08E06E4B-2E16-4BC0-80E9-E5B23CDC5CD9}" dt="2024-05-06T09:27:33.454" v="2"/>
+          <ac:cxnSpMkLst>
+            <pc:docMk/>
+            <pc:sldMk cId="3788276947" sldId="268"/>
+            <ac:cxnSpMk id="14" creationId="{C3F5F06D-7250-43A5-9B61-0B7F1FD7E395}"/>
+          </ac:cxnSpMkLst>
+        </pc:cxnChg>
+        <pc:cxnChg chg="add">
+          <ac:chgData name="Neta Becker" userId="cef0aa30-4247-4db8-9bc0-d63efc0d3a53" providerId="ADAL" clId="{08E06E4B-2E16-4BC0-80E9-E5B23CDC5CD9}" dt="2024-05-06T09:31:04.724" v="26" actId="26606"/>
+          <ac:cxnSpMkLst>
+            <pc:docMk/>
+            <pc:sldMk cId="3788276947" sldId="268"/>
+            <ac:cxnSpMk id="18" creationId="{ABC98C72-9EDD-4426-B45A-84E06A7CD22F}"/>
+          </ac:cxnSpMkLst>
+        </pc:cxnChg>
+        <pc:cxnChg chg="add">
+          <ac:chgData name="Neta Becker" userId="cef0aa30-4247-4db8-9bc0-d63efc0d3a53" providerId="ADAL" clId="{08E06E4B-2E16-4BC0-80E9-E5B23CDC5CD9}" dt="2024-05-06T09:31:04.724" v="26" actId="26606"/>
+          <ac:cxnSpMkLst>
+            <pc:docMk/>
+            <pc:sldMk cId="3788276947" sldId="268"/>
+            <ac:cxnSpMk id="20" creationId="{44887186-EE44-4AD3-BEFE-3478B4537191}"/>
+          </ac:cxnSpMkLst>
+        </pc:cxnChg>
+        <pc:cxnChg chg="add">
+          <ac:chgData name="Neta Becker" userId="cef0aa30-4247-4db8-9bc0-d63efc0d3a53" providerId="ADAL" clId="{08E06E4B-2E16-4BC0-80E9-E5B23CDC5CD9}" dt="2024-05-06T09:31:04.724" v="26" actId="26606"/>
+          <ac:cxnSpMkLst>
+            <pc:docMk/>
+            <pc:sldMk cId="3788276947" sldId="268"/>
+            <ac:cxnSpMk id="22" creationId="{58EECC4E-F1C0-4C09-A7FD-4D623DACCC4F}"/>
+          </ac:cxnSpMkLst>
+        </pc:cxnChg>
+      </pc:sldChg>
+      <pc:sldChg chg="modSp">
+        <pc:chgData name="Neta Becker" userId="cef0aa30-4247-4db8-9bc0-d63efc0d3a53" providerId="ADAL" clId="{08E06E4B-2E16-4BC0-80E9-E5B23CDC5CD9}" dt="2024-05-06T09:29:21.474" v="18"/>
+        <pc:sldMkLst>
+          <pc:docMk/>
+          <pc:sldMk cId="199201543" sldId="269"/>
+        </pc:sldMkLst>
+        <pc:spChg chg="mod">
+          <ac:chgData name="Neta Becker" userId="cef0aa30-4247-4db8-9bc0-d63efc0d3a53" providerId="ADAL" clId="{08E06E4B-2E16-4BC0-80E9-E5B23CDC5CD9}" dt="2024-05-06T09:29:21.474" v="18"/>
+          <ac:spMkLst>
+            <pc:docMk/>
+            <pc:sldMk cId="199201543" sldId="269"/>
+            <ac:spMk id="2" creationId="{FBB17739-EDA8-0BBF-2BBE-DD328C51C51D}"/>
+          </ac:spMkLst>
+        </pc:spChg>
+        <pc:spChg chg="mod">
+          <ac:chgData name="Neta Becker" userId="cef0aa30-4247-4db8-9bc0-d63efc0d3a53" providerId="ADAL" clId="{08E06E4B-2E16-4BC0-80E9-E5B23CDC5CD9}" dt="2024-05-06T09:29:21.474" v="18"/>
+          <ac:spMkLst>
+            <pc:docMk/>
+            <pc:sldMk cId="199201543" sldId="269"/>
+            <ac:spMk id="3" creationId="{2CEC7C2B-FE22-13AA-830E-5D224F921C9D}"/>
+          </ac:spMkLst>
+        </pc:spChg>
+      </pc:sldChg>
+      <pc:sldChg chg="modSp mod">
+        <pc:chgData name="Neta Becker" userId="cef0aa30-4247-4db8-9bc0-d63efc0d3a53" providerId="ADAL" clId="{08E06E4B-2E16-4BC0-80E9-E5B23CDC5CD9}" dt="2024-05-06T09:38:04.039" v="251" actId="255"/>
+        <pc:sldMkLst>
+          <pc:docMk/>
+          <pc:sldMk cId="660352062" sldId="312"/>
+        </pc:sldMkLst>
+        <pc:spChg chg="mod">
+          <ac:chgData name="Neta Becker" userId="cef0aa30-4247-4db8-9bc0-d63efc0d3a53" providerId="ADAL" clId="{08E06E4B-2E16-4BC0-80E9-E5B23CDC5CD9}" dt="2024-05-06T09:29:21.474" v="18"/>
+          <ac:spMkLst>
+            <pc:docMk/>
+            <pc:sldMk cId="660352062" sldId="312"/>
+            <ac:spMk id="309" creationId="{00000000-0000-0000-0000-000000000000}"/>
+          </ac:spMkLst>
+        </pc:spChg>
+        <pc:spChg chg="mod">
+          <ac:chgData name="Neta Becker" userId="cef0aa30-4247-4db8-9bc0-d63efc0d3a53" providerId="ADAL" clId="{08E06E4B-2E16-4BC0-80E9-E5B23CDC5CD9}" dt="2024-05-06T09:38:04.039" v="251" actId="255"/>
+          <ac:spMkLst>
+            <pc:docMk/>
+            <pc:sldMk cId="660352062" sldId="312"/>
+            <ac:spMk id="310" creationId="{00000000-0000-0000-0000-000000000000}"/>
+          </ac:spMkLst>
+        </pc:spChg>
+        <pc:spChg chg="mod">
+          <ac:chgData name="Neta Becker" userId="cef0aa30-4247-4db8-9bc0-d63efc0d3a53" providerId="ADAL" clId="{08E06E4B-2E16-4BC0-80E9-E5B23CDC5CD9}" dt="2024-05-06T09:29:21.474" v="18"/>
+          <ac:spMkLst>
+            <pc:docMk/>
+            <pc:sldMk cId="660352062" sldId="312"/>
+            <ac:spMk id="311" creationId="{00000000-0000-0000-0000-000000000000}"/>
+          </ac:spMkLst>
+        </pc:spChg>
+        <pc:spChg chg="mod">
+          <ac:chgData name="Neta Becker" userId="cef0aa30-4247-4db8-9bc0-d63efc0d3a53" providerId="ADAL" clId="{08E06E4B-2E16-4BC0-80E9-E5B23CDC5CD9}" dt="2024-05-06T09:29:21.474" v="18"/>
+          <ac:spMkLst>
+            <pc:docMk/>
+            <pc:sldMk cId="660352062" sldId="312"/>
+            <ac:spMk id="312" creationId="{00000000-0000-0000-0000-000000000000}"/>
+          </ac:spMkLst>
+        </pc:spChg>
+        <pc:spChg chg="mod">
+          <ac:chgData name="Neta Becker" userId="cef0aa30-4247-4db8-9bc0-d63efc0d3a53" providerId="ADAL" clId="{08E06E4B-2E16-4BC0-80E9-E5B23CDC5CD9}" dt="2024-05-06T09:38:04.039" v="251" actId="255"/>
+          <ac:spMkLst>
+            <pc:docMk/>
+            <pc:sldMk cId="660352062" sldId="312"/>
+            <ac:spMk id="313" creationId="{00000000-0000-0000-0000-000000000000}"/>
+          </ac:spMkLst>
+        </pc:spChg>
+        <pc:spChg chg="mod">
+          <ac:chgData name="Neta Becker" userId="cef0aa30-4247-4db8-9bc0-d63efc0d3a53" providerId="ADAL" clId="{08E06E4B-2E16-4BC0-80E9-E5B23CDC5CD9}" dt="2024-05-06T09:29:21.474" v="18"/>
+          <ac:spMkLst>
+            <pc:docMk/>
+            <pc:sldMk cId="660352062" sldId="312"/>
+            <ac:spMk id="314" creationId="{00000000-0000-0000-0000-000000000000}"/>
+          </ac:spMkLst>
+        </pc:spChg>
+        <pc:spChg chg="mod">
+          <ac:chgData name="Neta Becker" userId="cef0aa30-4247-4db8-9bc0-d63efc0d3a53" providerId="ADAL" clId="{08E06E4B-2E16-4BC0-80E9-E5B23CDC5CD9}" dt="2024-05-06T09:29:21.474" v="18"/>
+          <ac:spMkLst>
+            <pc:docMk/>
+            <pc:sldMk cId="660352062" sldId="312"/>
+            <ac:spMk id="315" creationId="{00000000-0000-0000-0000-000000000000}"/>
+          </ac:spMkLst>
+        </pc:spChg>
+        <pc:spChg chg="mod">
+          <ac:chgData name="Neta Becker" userId="cef0aa30-4247-4db8-9bc0-d63efc0d3a53" providerId="ADAL" clId="{08E06E4B-2E16-4BC0-80E9-E5B23CDC5CD9}" dt="2024-05-06T09:38:04.039" v="251" actId="255"/>
+          <ac:spMkLst>
+            <pc:docMk/>
+            <pc:sldMk cId="660352062" sldId="312"/>
+            <ac:spMk id="316" creationId="{00000000-0000-0000-0000-000000000000}"/>
+          </ac:spMkLst>
+        </pc:spChg>
+        <pc:spChg chg="mod">
+          <ac:chgData name="Neta Becker" userId="cef0aa30-4247-4db8-9bc0-d63efc0d3a53" providerId="ADAL" clId="{08E06E4B-2E16-4BC0-80E9-E5B23CDC5CD9}" dt="2024-05-06T09:29:21.474" v="18"/>
+          <ac:spMkLst>
+            <pc:docMk/>
+            <pc:sldMk cId="660352062" sldId="312"/>
+            <ac:spMk id="317" creationId="{00000000-0000-0000-0000-000000000000}"/>
+          </ac:spMkLst>
+        </pc:spChg>
+        <pc:spChg chg="mod">
+          <ac:chgData name="Neta Becker" userId="cef0aa30-4247-4db8-9bc0-d63efc0d3a53" providerId="ADAL" clId="{08E06E4B-2E16-4BC0-80E9-E5B23CDC5CD9}" dt="2024-05-06T09:29:21.474" v="18"/>
+          <ac:spMkLst>
+            <pc:docMk/>
+            <pc:sldMk cId="660352062" sldId="312"/>
+            <ac:spMk id="318" creationId="{00000000-0000-0000-0000-000000000000}"/>
+          </ac:spMkLst>
+        </pc:spChg>
+        <pc:spChg chg="mod">
+          <ac:chgData name="Neta Becker" userId="cef0aa30-4247-4db8-9bc0-d63efc0d3a53" providerId="ADAL" clId="{08E06E4B-2E16-4BC0-80E9-E5B23CDC5CD9}" dt="2024-05-06T09:38:04.039" v="251" actId="255"/>
+          <ac:spMkLst>
+            <pc:docMk/>
+            <pc:sldMk cId="660352062" sldId="312"/>
+            <ac:spMk id="319" creationId="{00000000-0000-0000-0000-000000000000}"/>
+          </ac:spMkLst>
+        </pc:spChg>
+        <pc:spChg chg="mod">
+          <ac:chgData name="Neta Becker" userId="cef0aa30-4247-4db8-9bc0-d63efc0d3a53" providerId="ADAL" clId="{08E06E4B-2E16-4BC0-80E9-E5B23CDC5CD9}" dt="2024-05-06T09:29:21.474" v="18"/>
+          <ac:spMkLst>
+            <pc:docMk/>
+            <pc:sldMk cId="660352062" sldId="312"/>
+            <ac:spMk id="320" creationId="{00000000-0000-0000-0000-000000000000}"/>
+          </ac:spMkLst>
+        </pc:spChg>
+        <pc:spChg chg="mod">
+          <ac:chgData name="Neta Becker" userId="cef0aa30-4247-4db8-9bc0-d63efc0d3a53" providerId="ADAL" clId="{08E06E4B-2E16-4BC0-80E9-E5B23CDC5CD9}" dt="2024-05-06T09:29:21.474" v="18"/>
+          <ac:spMkLst>
+            <pc:docMk/>
+            <pc:sldMk cId="660352062" sldId="312"/>
+            <ac:spMk id="321" creationId="{00000000-0000-0000-0000-000000000000}"/>
+          </ac:spMkLst>
+        </pc:spChg>
+      </pc:sldChg>
+    </pc:docChg>
+  </pc:docChgLst>
+  <pc:docChgLst>
+    <pc:chgData name="Neta Becker" userId="cef0aa30-4247-4db8-9bc0-d63efc0d3a53" providerId="ADAL" clId="{8E39725F-6EEF-4D4D-92C3-0465B79E9629}"/>
+    <pc:docChg chg="undo custSel addSld delSld modSld modMainMaster">
+      <pc:chgData name="Neta Becker" userId="cef0aa30-4247-4db8-9bc0-d63efc0d3a53" providerId="ADAL" clId="{8E39725F-6EEF-4D4D-92C3-0465B79E9629}" dt="2024-05-18T11:53:05.264" v="1694" actId="208"/>
+      <pc:docMkLst>
+        <pc:docMk/>
+      </pc:docMkLst>
+      <pc:sldChg chg="addSp delSp setBg delDesignElem">
+        <pc:chgData name="Neta Becker" userId="cef0aa30-4247-4db8-9bc0-d63efc0d3a53" providerId="ADAL" clId="{8E39725F-6EEF-4D4D-92C3-0465B79E9629}" dt="2024-05-18T10:29:19.955" v="31"/>
+        <pc:sldMkLst>
+          <pc:docMk/>
+          <pc:sldMk cId="2179648205" sldId="256"/>
+        </pc:sldMkLst>
+        <pc:spChg chg="add del">
+          <ac:chgData name="Neta Becker" userId="cef0aa30-4247-4db8-9bc0-d63efc0d3a53" providerId="ADAL" clId="{8E39725F-6EEF-4D4D-92C3-0465B79E9629}" dt="2024-05-18T08:20:44.648" v="28"/>
+          <ac:spMkLst>
+            <pc:docMk/>
+            <pc:sldMk cId="2179648205" sldId="256"/>
+            <ac:spMk id="34" creationId="{6995F625-BE4F-4433-8290-5DF0E8589F50}"/>
+          </ac:spMkLst>
+        </pc:spChg>
+        <pc:spChg chg="add del">
+          <ac:chgData name="Neta Becker" userId="cef0aa30-4247-4db8-9bc0-d63efc0d3a53" providerId="ADAL" clId="{8E39725F-6EEF-4D4D-92C3-0465B79E9629}" dt="2024-05-18T08:20:44.648" v="28"/>
+          <ac:spMkLst>
+            <pc:docMk/>
+            <pc:sldMk cId="2179648205" sldId="256"/>
+            <ac:spMk id="35" creationId="{E836677E-F83B-4FAB-8095-8700763077D8}"/>
+          </ac:spMkLst>
+        </pc:spChg>
+        <pc:spChg chg="add del">
+          <ac:chgData name="Neta Becker" userId="cef0aa30-4247-4db8-9bc0-d63efc0d3a53" providerId="ADAL" clId="{8E39725F-6EEF-4D4D-92C3-0465B79E9629}" dt="2024-05-18T08:20:44.648" v="28"/>
+          <ac:spMkLst>
+            <pc:docMk/>
+            <pc:sldMk cId="2179648205" sldId="256"/>
+            <ac:spMk id="36" creationId="{655E224A-5F26-423E-949C-07A720F39A44}"/>
+          </ac:spMkLst>
+        </pc:spChg>
+        <pc:spChg chg="add del">
+          <ac:chgData name="Neta Becker" userId="cef0aa30-4247-4db8-9bc0-d63efc0d3a53" providerId="ADAL" clId="{8E39725F-6EEF-4D4D-92C3-0465B79E9629}" dt="2024-05-18T08:20:44.648" v="28"/>
+          <ac:spMkLst>
+            <pc:docMk/>
+            <pc:sldMk cId="2179648205" sldId="256"/>
+            <ac:spMk id="37" creationId="{A6F1DA18-4CA4-40CF-9ACA-105D8373B672}"/>
+          </ac:spMkLst>
+        </pc:spChg>
+        <pc:spChg chg="add del">
+          <ac:chgData name="Neta Becker" userId="cef0aa30-4247-4db8-9bc0-d63efc0d3a53" providerId="ADAL" clId="{8E39725F-6EEF-4D4D-92C3-0465B79E9629}" dt="2024-05-18T08:20:44.648" v="28"/>
+          <ac:spMkLst>
+            <pc:docMk/>
+            <pc:sldMk cId="2179648205" sldId="256"/>
+            <ac:spMk id="38" creationId="{7C6D1B74-744B-4231-97DB-86B4C9C5E2D3}"/>
+          </ac:spMkLst>
+        </pc:spChg>
+        <pc:cxnChg chg="add del">
+          <ac:chgData name="Neta Becker" userId="cef0aa30-4247-4db8-9bc0-d63efc0d3a53" providerId="ADAL" clId="{8E39725F-6EEF-4D4D-92C3-0465B79E9629}" dt="2024-05-18T08:20:44.648" v="28"/>
+          <ac:cxnSpMkLst>
+            <pc:docMk/>
+            <pc:sldMk cId="2179648205" sldId="256"/>
+            <ac:cxnSpMk id="39" creationId="{ABC98C72-9EDD-4426-B45A-84E06A7CD22F}"/>
+          </ac:cxnSpMkLst>
+        </pc:cxnChg>
+        <pc:cxnChg chg="add del">
+          <ac:chgData name="Neta Becker" userId="cef0aa30-4247-4db8-9bc0-d63efc0d3a53" providerId="ADAL" clId="{8E39725F-6EEF-4D4D-92C3-0465B79E9629}" dt="2024-05-18T08:20:44.648" v="28"/>
+          <ac:cxnSpMkLst>
+            <pc:docMk/>
+            <pc:sldMk cId="2179648205" sldId="256"/>
+            <ac:cxnSpMk id="40" creationId="{44887186-EE44-4AD3-BEFE-3478B4537191}"/>
+          </ac:cxnSpMkLst>
+        </pc:cxnChg>
+        <pc:cxnChg chg="add del">
+          <ac:chgData name="Neta Becker" userId="cef0aa30-4247-4db8-9bc0-d63efc0d3a53" providerId="ADAL" clId="{8E39725F-6EEF-4D4D-92C3-0465B79E9629}" dt="2024-05-18T08:20:44.648" v="28"/>
+          <ac:cxnSpMkLst>
+            <pc:docMk/>
+            <pc:sldMk cId="2179648205" sldId="256"/>
+            <ac:cxnSpMk id="41" creationId="{58EECC4E-F1C0-4C09-A7FD-4D623DACCC4F}"/>
+          </ac:cxnSpMkLst>
+        </pc:cxnChg>
+      </pc:sldChg>
+      <pc:sldChg chg="addSp modSp mod setBg">
+        <pc:chgData name="Neta Becker" userId="cef0aa30-4247-4db8-9bc0-d63efc0d3a53" providerId="ADAL" clId="{8E39725F-6EEF-4D4D-92C3-0465B79E9629}" dt="2024-05-18T11:31:27.906" v="754" actId="20577"/>
+        <pc:sldMkLst>
+          <pc:docMk/>
+          <pc:sldMk cId="1769220115" sldId="257"/>
+        </pc:sldMkLst>
+        <pc:spChg chg="mod">
+          <ac:chgData name="Neta Becker" userId="cef0aa30-4247-4db8-9bc0-d63efc0d3a53" providerId="ADAL" clId="{8E39725F-6EEF-4D4D-92C3-0465B79E9629}" dt="2024-05-18T11:31:27.906" v="754" actId="20577"/>
+          <ac:spMkLst>
+            <pc:docMk/>
+            <pc:sldMk cId="1769220115" sldId="257"/>
+            <ac:spMk id="3" creationId="{138B8362-48C3-13F0-617A-B8A3256120CA}"/>
+          </ac:spMkLst>
+        </pc:spChg>
+        <pc:spChg chg="add mod ord">
+          <ac:chgData name="Neta Becker" userId="cef0aa30-4247-4db8-9bc0-d63efc0d3a53" providerId="ADAL" clId="{8E39725F-6EEF-4D4D-92C3-0465B79E9629}" dt="2024-05-18T11:23:15.786" v="550" actId="167"/>
+          <ac:spMkLst>
+            <pc:docMk/>
+            <pc:sldMk cId="1769220115" sldId="257"/>
+            <ac:spMk id="6" creationId="{AA9D4453-055B-363A-E0C4-7ED11CAC6A35}"/>
+          </ac:spMkLst>
+        </pc:spChg>
+      </pc:sldChg>
+      <pc:sldChg chg="addSp modSp mod">
+        <pc:chgData name="Neta Becker" userId="cef0aa30-4247-4db8-9bc0-d63efc0d3a53" providerId="ADAL" clId="{8E39725F-6EEF-4D4D-92C3-0465B79E9629}" dt="2024-05-18T11:24:56.543" v="579" actId="14100"/>
+        <pc:sldMkLst>
+          <pc:docMk/>
+          <pc:sldMk cId="2968838544" sldId="260"/>
+        </pc:sldMkLst>
+        <pc:spChg chg="mod">
+          <ac:chgData name="Neta Becker" userId="cef0aa30-4247-4db8-9bc0-d63efc0d3a53" providerId="ADAL" clId="{8E39725F-6EEF-4D4D-92C3-0465B79E9629}" dt="2024-05-18T08:20:44.648" v="28"/>
+          <ac:spMkLst>
+            <pc:docMk/>
+            <pc:sldMk cId="2968838544" sldId="260"/>
+            <ac:spMk id="2" creationId="{740EF0B2-1FEB-FFA2-67D6-9A5DBB7AADB8}"/>
+          </ac:spMkLst>
+        </pc:spChg>
+        <pc:spChg chg="mod">
+          <ac:chgData name="Neta Becker" userId="cef0aa30-4247-4db8-9bc0-d63efc0d3a53" providerId="ADAL" clId="{8E39725F-6EEF-4D4D-92C3-0465B79E9629}" dt="2024-05-18T08:20:44.648" v="28"/>
+          <ac:spMkLst>
+            <pc:docMk/>
+            <pc:sldMk cId="2968838544" sldId="260"/>
+            <ac:spMk id="3" creationId="{6D1E74C4-204E-AA3F-084A-12061BF8DF60}"/>
+          </ac:spMkLst>
+        </pc:spChg>
+        <pc:spChg chg="add mod ord">
+          <ac:chgData name="Neta Becker" userId="cef0aa30-4247-4db8-9bc0-d63efc0d3a53" providerId="ADAL" clId="{8E39725F-6EEF-4D4D-92C3-0465B79E9629}" dt="2024-05-18T11:24:56.543" v="579" actId="14100"/>
+          <ac:spMkLst>
+            <pc:docMk/>
+            <pc:sldMk cId="2968838544" sldId="260"/>
+            <ac:spMk id="5" creationId="{D5EC368A-AFB0-0C3E-EA7C-86414F907FED}"/>
+          </ac:spMkLst>
+        </pc:spChg>
+      </pc:sldChg>
+      <pc:sldChg chg="addSp modSp mod setBg">
+        <pc:chgData name="Neta Becker" userId="cef0aa30-4247-4db8-9bc0-d63efc0d3a53" providerId="ADAL" clId="{8E39725F-6EEF-4D4D-92C3-0465B79E9629}" dt="2024-05-18T11:27:56.147" v="596" actId="167"/>
+        <pc:sldMkLst>
+          <pc:docMk/>
+          <pc:sldMk cId="461867753" sldId="261"/>
+        </pc:sldMkLst>
+        <pc:spChg chg="mod">
+          <ac:chgData name="Neta Becker" userId="cef0aa30-4247-4db8-9bc0-d63efc0d3a53" providerId="ADAL" clId="{8E39725F-6EEF-4D4D-92C3-0465B79E9629}" dt="2024-05-09T15:58:02.847" v="22" actId="14100"/>
+          <ac:spMkLst>
+            <pc:docMk/>
+            <pc:sldMk cId="461867753" sldId="261"/>
+            <ac:spMk id="2" creationId="{27F2BC14-3B96-5B86-2DD7-96DF3F92CEED}"/>
+          </ac:spMkLst>
+        </pc:spChg>
+        <pc:spChg chg="mod">
+          <ac:chgData name="Neta Becker" userId="cef0aa30-4247-4db8-9bc0-d63efc0d3a53" providerId="ADAL" clId="{8E39725F-6EEF-4D4D-92C3-0465B79E9629}" dt="2024-05-09T15:58:07.762" v="23" actId="1076"/>
+          <ac:spMkLst>
+            <pc:docMk/>
+            <pc:sldMk cId="461867753" sldId="261"/>
+            <ac:spMk id="10" creationId="{CA9F315B-54D4-E999-844C-5423FDC7670E}"/>
+          </ac:spMkLst>
+        </pc:spChg>
+        <pc:spChg chg="add mod ord">
+          <ac:chgData name="Neta Becker" userId="cef0aa30-4247-4db8-9bc0-d63efc0d3a53" providerId="ADAL" clId="{8E39725F-6EEF-4D4D-92C3-0465B79E9629}" dt="2024-05-18T11:27:08.135" v="594" actId="14100"/>
+          <ac:spMkLst>
+            <pc:docMk/>
+            <pc:sldMk cId="461867753" sldId="261"/>
+            <ac:spMk id="11" creationId="{F869709B-A677-2CF7-7FC7-D76738AAF4BB}"/>
+          </ac:spMkLst>
+        </pc:spChg>
+        <pc:spChg chg="add mod ord">
+          <ac:chgData name="Neta Becker" userId="cef0aa30-4247-4db8-9bc0-d63efc0d3a53" providerId="ADAL" clId="{8E39725F-6EEF-4D4D-92C3-0465B79E9629}" dt="2024-05-18T11:27:56.147" v="596" actId="167"/>
+          <ac:spMkLst>
+            <pc:docMk/>
+            <pc:sldMk cId="461867753" sldId="261"/>
+            <ac:spMk id="13" creationId="{F7AE80AA-9996-0907-DC61-F96EF700FFE5}"/>
+          </ac:spMkLst>
+        </pc:spChg>
+      </pc:sldChg>
+      <pc:sldChg chg="del">
+        <pc:chgData name="Neta Becker" userId="cef0aa30-4247-4db8-9bc0-d63efc0d3a53" providerId="ADAL" clId="{8E39725F-6EEF-4D4D-92C3-0465B79E9629}" dt="2024-05-09T15:55:46.114" v="2" actId="47"/>
+        <pc:sldMkLst>
+          <pc:docMk/>
+          <pc:sldMk cId="3063377580" sldId="262"/>
+        </pc:sldMkLst>
+      </pc:sldChg>
+      <pc:sldChg chg="modSp add del mod">
+        <pc:chgData name="Neta Becker" userId="cef0aa30-4247-4db8-9bc0-d63efc0d3a53" providerId="ADAL" clId="{8E39725F-6EEF-4D4D-92C3-0465B79E9629}" dt="2024-05-09T15:57:42.896" v="17" actId="2696"/>
+        <pc:sldMkLst>
+          <pc:docMk/>
+          <pc:sldMk cId="1521044007" sldId="264"/>
+        </pc:sldMkLst>
+        <pc:spChg chg="mod">
+          <ac:chgData name="Neta Becker" userId="cef0aa30-4247-4db8-9bc0-d63efc0d3a53" providerId="ADAL" clId="{8E39725F-6EEF-4D4D-92C3-0465B79E9629}" dt="2024-05-09T15:56:09.475" v="10" actId="5793"/>
+          <ac:spMkLst>
+            <pc:docMk/>
+            <pc:sldMk cId="1521044007" sldId="264"/>
+            <ac:spMk id="3" creationId="{2D2E6A14-D956-DE39-DFB5-8D352E675082}"/>
+          </ac:spMkLst>
+        </pc:spChg>
+      </pc:sldChg>
+      <pc:sldChg chg="addSp modSp add mod">
+        <pc:chgData name="Neta Becker" userId="cef0aa30-4247-4db8-9bc0-d63efc0d3a53" providerId="ADAL" clId="{8E39725F-6EEF-4D4D-92C3-0465B79E9629}" dt="2024-05-18T11:28:15.681" v="600" actId="167"/>
+        <pc:sldMkLst>
+          <pc:docMk/>
+          <pc:sldMk cId="3634263486" sldId="264"/>
+        </pc:sldMkLst>
+        <pc:spChg chg="mod">
+          <ac:chgData name="Neta Becker" userId="cef0aa30-4247-4db8-9bc0-d63efc0d3a53" providerId="ADAL" clId="{8E39725F-6EEF-4D4D-92C3-0465B79E9629}" dt="2024-05-18T08:20:44.648" v="28"/>
+          <ac:spMkLst>
+            <pc:docMk/>
+            <pc:sldMk cId="3634263486" sldId="264"/>
+            <ac:spMk id="2" creationId="{9E1B47C9-23BE-9F8B-A0E0-E74CAB5ED67A}"/>
+          </ac:spMkLst>
+        </pc:spChg>
+        <pc:spChg chg="mod">
+          <ac:chgData name="Neta Becker" userId="cef0aa30-4247-4db8-9bc0-d63efc0d3a53" providerId="ADAL" clId="{8E39725F-6EEF-4D4D-92C3-0465B79E9629}" dt="2024-05-18T08:20:44.648" v="28"/>
+          <ac:spMkLst>
+            <pc:docMk/>
+            <pc:sldMk cId="3634263486" sldId="264"/>
+            <ac:spMk id="3" creationId="{2D2E6A14-D956-DE39-DFB5-8D352E675082}"/>
+          </ac:spMkLst>
+        </pc:spChg>
+        <pc:spChg chg="add mod">
+          <ac:chgData name="Neta Becker" userId="cef0aa30-4247-4db8-9bc0-d63efc0d3a53" providerId="ADAL" clId="{8E39725F-6EEF-4D4D-92C3-0465B79E9629}" dt="2024-05-18T11:23:51.112" v="561"/>
+          <ac:spMkLst>
+            <pc:docMk/>
+            <pc:sldMk cId="3634263486" sldId="264"/>
+            <ac:spMk id="9" creationId="{ED13B836-F999-6FA3-4DDD-55F3C99DAA52}"/>
+          </ac:spMkLst>
+        </pc:spChg>
+        <pc:spChg chg="add mod ord">
+          <ac:chgData name="Neta Becker" userId="cef0aa30-4247-4db8-9bc0-d63efc0d3a53" providerId="ADAL" clId="{8E39725F-6EEF-4D4D-92C3-0465B79E9629}" dt="2024-05-18T11:26:44.714" v="590" actId="14100"/>
+          <ac:spMkLst>
+            <pc:docMk/>
+            <pc:sldMk cId="3634263486" sldId="264"/>
+            <ac:spMk id="11" creationId="{C97405BB-C46F-FCB2-5876-B6FA7E9F2404}"/>
+          </ac:spMkLst>
+        </pc:spChg>
+        <pc:spChg chg="add mod ord">
+          <ac:chgData name="Neta Becker" userId="cef0aa30-4247-4db8-9bc0-d63efc0d3a53" providerId="ADAL" clId="{8E39725F-6EEF-4D4D-92C3-0465B79E9629}" dt="2024-05-18T11:28:15.681" v="600" actId="167"/>
+          <ac:spMkLst>
+            <pc:docMk/>
+            <pc:sldMk cId="3634263486" sldId="264"/>
+            <ac:spMk id="12" creationId="{16DEB681-C773-93B3-9CE6-1C2ACB8037E1}"/>
+          </ac:spMkLst>
+        </pc:spChg>
+      </pc:sldChg>
+      <pc:sldChg chg="addSp delSp modSp mod">
+        <pc:chgData name="Neta Becker" userId="cef0aa30-4247-4db8-9bc0-d63efc0d3a53" providerId="ADAL" clId="{8E39725F-6EEF-4D4D-92C3-0465B79E9629}" dt="2024-05-18T11:30:12.619" v="699"/>
+        <pc:sldMkLst>
+          <pc:docMk/>
+          <pc:sldMk cId="3884930515" sldId="265"/>
+        </pc:sldMkLst>
+        <pc:spChg chg="mod">
+          <ac:chgData name="Neta Becker" userId="cef0aa30-4247-4db8-9bc0-d63efc0d3a53" providerId="ADAL" clId="{8E39725F-6EEF-4D4D-92C3-0465B79E9629}" dt="2024-05-18T08:20:44.648" v="28"/>
+          <ac:spMkLst>
+            <pc:docMk/>
+            <pc:sldMk cId="3884930515" sldId="265"/>
+            <ac:spMk id="2" creationId="{FBB17739-EDA8-0BBF-2BBE-DD328C51C51D}"/>
+          </ac:spMkLst>
+        </pc:spChg>
+        <pc:spChg chg="add del mod ord">
+          <ac:chgData name="Neta Becker" userId="cef0aa30-4247-4db8-9bc0-d63efc0d3a53" providerId="ADAL" clId="{8E39725F-6EEF-4D4D-92C3-0465B79E9629}" dt="2024-05-18T11:26:13.375" v="586" actId="478"/>
+          <ac:spMkLst>
+            <pc:docMk/>
+            <pc:sldMk cId="3884930515" sldId="265"/>
+            <ac:spMk id="3" creationId="{A0B22CFA-36FE-608A-C330-43F857EF4618}"/>
+          </ac:spMkLst>
+        </pc:spChg>
+        <pc:spChg chg="del">
+          <ac:chgData name="Neta Becker" userId="cef0aa30-4247-4db8-9bc0-d63efc0d3a53" providerId="ADAL" clId="{8E39725F-6EEF-4D4D-92C3-0465B79E9629}" dt="2024-05-18T11:30:09.822" v="696" actId="478"/>
+          <ac:spMkLst>
+            <pc:docMk/>
+            <pc:sldMk cId="3884930515" sldId="265"/>
+            <ac:spMk id="4" creationId="{DB4B58AA-CB6F-C0F0-4724-E92868B9FD0E}"/>
+          </ac:spMkLst>
+        </pc:spChg>
+        <pc:spChg chg="add del mod ord">
+          <ac:chgData name="Neta Becker" userId="cef0aa30-4247-4db8-9bc0-d63efc0d3a53" providerId="ADAL" clId="{8E39725F-6EEF-4D4D-92C3-0465B79E9629}" dt="2024-05-18T11:30:10.783" v="697" actId="478"/>
+          <ac:spMkLst>
+            <pc:docMk/>
+            <pc:sldMk cId="3884930515" sldId="265"/>
+            <ac:spMk id="5" creationId="{2D0D8601-B570-C7AD-D6C2-FC630ED4A3C0}"/>
+          </ac:spMkLst>
+        </pc:spChg>
+        <pc:spChg chg="add mod">
+          <ac:chgData name="Neta Becker" userId="cef0aa30-4247-4db8-9bc0-d63efc0d3a53" providerId="ADAL" clId="{8E39725F-6EEF-4D4D-92C3-0465B79E9629}" dt="2024-05-18T11:30:12.619" v="699"/>
+          <ac:spMkLst>
+            <pc:docMk/>
+            <pc:sldMk cId="3884930515" sldId="265"/>
+            <ac:spMk id="6" creationId="{9DA76763-F2E5-FBFE-3D80-7EFD3F501ABF}"/>
+          </ac:spMkLst>
+        </pc:spChg>
+        <pc:spChg chg="add mod">
+          <ac:chgData name="Neta Becker" userId="cef0aa30-4247-4db8-9bc0-d63efc0d3a53" providerId="ADAL" clId="{8E39725F-6EEF-4D4D-92C3-0465B79E9629}" dt="2024-05-18T11:30:12.619" v="699"/>
+          <ac:spMkLst>
+            <pc:docMk/>
+            <pc:sldMk cId="3884930515" sldId="265"/>
+            <ac:spMk id="7" creationId="{CDC81DCC-EF09-1AC7-3759-903ED853A133}"/>
+          </ac:spMkLst>
+        </pc:spChg>
+        <pc:spChg chg="mod">
+          <ac:chgData name="Neta Becker" userId="cef0aa30-4247-4db8-9bc0-d63efc0d3a53" providerId="ADAL" clId="{8E39725F-6EEF-4D4D-92C3-0465B79E9629}" dt="2024-05-18T11:30:12.619" v="699"/>
+          <ac:spMkLst>
+            <pc:docMk/>
+            <pc:sldMk cId="3884930515" sldId="265"/>
+            <ac:spMk id="9" creationId="{947DAE20-2282-E0A4-FD3D-39E53CAB65E1}"/>
+          </ac:spMkLst>
+        </pc:spChg>
+        <pc:spChg chg="mod">
+          <ac:chgData name="Neta Becker" userId="cef0aa30-4247-4db8-9bc0-d63efc0d3a53" providerId="ADAL" clId="{8E39725F-6EEF-4D4D-92C3-0465B79E9629}" dt="2024-05-18T11:30:12.619" v="699"/>
+          <ac:spMkLst>
+            <pc:docMk/>
+            <pc:sldMk cId="3884930515" sldId="265"/>
+            <ac:spMk id="10" creationId="{303921FA-FD19-3B4A-0D48-956F4FF12F9B}"/>
+          </ac:spMkLst>
+        </pc:spChg>
+        <pc:spChg chg="mod">
+          <ac:chgData name="Neta Becker" userId="cef0aa30-4247-4db8-9bc0-d63efc0d3a53" providerId="ADAL" clId="{8E39725F-6EEF-4D4D-92C3-0465B79E9629}" dt="2024-05-18T11:30:12.619" v="699"/>
+          <ac:spMkLst>
+            <pc:docMk/>
+            <pc:sldMk cId="3884930515" sldId="265"/>
+            <ac:spMk id="11" creationId="{F19ECD04-B14E-99D4-60FD-4FD692C76ABD}"/>
+          </ac:spMkLst>
+        </pc:spChg>
+        <pc:spChg chg="mod">
+          <ac:chgData name="Neta Becker" userId="cef0aa30-4247-4db8-9bc0-d63efc0d3a53" providerId="ADAL" clId="{8E39725F-6EEF-4D4D-92C3-0465B79E9629}" dt="2024-05-18T11:30:12.619" v="699"/>
+          <ac:spMkLst>
+            <pc:docMk/>
+            <pc:sldMk cId="3884930515" sldId="265"/>
+            <ac:spMk id="12" creationId="{B3971FD3-A113-550E-5BBA-90DB440BD264}"/>
+          </ac:spMkLst>
+        </pc:spChg>
+        <pc:spChg chg="mod">
+          <ac:chgData name="Neta Becker" userId="cef0aa30-4247-4db8-9bc0-d63efc0d3a53" providerId="ADAL" clId="{8E39725F-6EEF-4D4D-92C3-0465B79E9629}" dt="2024-05-18T11:30:12.619" v="699"/>
+          <ac:spMkLst>
+            <pc:docMk/>
+            <pc:sldMk cId="3884930515" sldId="265"/>
+            <ac:spMk id="13" creationId="{41130B51-3473-5217-52A5-231A00EB5B93}"/>
+          </ac:spMkLst>
+        </pc:spChg>
+        <pc:spChg chg="mod">
+          <ac:chgData name="Neta Becker" userId="cef0aa30-4247-4db8-9bc0-d63efc0d3a53" providerId="ADAL" clId="{8E39725F-6EEF-4D4D-92C3-0465B79E9629}" dt="2024-05-18T11:30:12.619" v="699"/>
+          <ac:spMkLst>
+            <pc:docMk/>
+            <pc:sldMk cId="3884930515" sldId="265"/>
+            <ac:spMk id="14" creationId="{ED314D13-E053-A1E3-BCE4-244C90B0D344}"/>
+          </ac:spMkLst>
+        </pc:spChg>
+        <pc:spChg chg="mod">
+          <ac:chgData name="Neta Becker" userId="cef0aa30-4247-4db8-9bc0-d63efc0d3a53" providerId="ADAL" clId="{8E39725F-6EEF-4D4D-92C3-0465B79E9629}" dt="2024-05-18T11:30:12.619" v="699"/>
+          <ac:spMkLst>
+            <pc:docMk/>
+            <pc:sldMk cId="3884930515" sldId="265"/>
+            <ac:spMk id="15" creationId="{4937A141-CCD9-1338-E226-EE79321338E6}"/>
+          </ac:spMkLst>
+        </pc:spChg>
+        <pc:spChg chg="mod">
+          <ac:chgData name="Neta Becker" userId="cef0aa30-4247-4db8-9bc0-d63efc0d3a53" providerId="ADAL" clId="{8E39725F-6EEF-4D4D-92C3-0465B79E9629}" dt="2024-05-18T11:30:12.619" v="699"/>
+          <ac:spMkLst>
+            <pc:docMk/>
+            <pc:sldMk cId="3884930515" sldId="265"/>
+            <ac:spMk id="16" creationId="{92726DC3-DAC5-E8B3-CC6C-0F470F4EA931}"/>
+          </ac:spMkLst>
+        </pc:spChg>
+        <pc:spChg chg="mod">
+          <ac:chgData name="Neta Becker" userId="cef0aa30-4247-4db8-9bc0-d63efc0d3a53" providerId="ADAL" clId="{8E39725F-6EEF-4D4D-92C3-0465B79E9629}" dt="2024-05-18T11:30:12.619" v="699"/>
+          <ac:spMkLst>
+            <pc:docMk/>
+            <pc:sldMk cId="3884930515" sldId="265"/>
+            <ac:spMk id="17" creationId="{E106258A-1021-B0D8-0716-AE22D84655D4}"/>
+          </ac:spMkLst>
+        </pc:spChg>
+        <pc:spChg chg="mod">
+          <ac:chgData name="Neta Becker" userId="cef0aa30-4247-4db8-9bc0-d63efc0d3a53" providerId="ADAL" clId="{8E39725F-6EEF-4D4D-92C3-0465B79E9629}" dt="2024-05-18T11:30:12.619" v="699"/>
+          <ac:spMkLst>
+            <pc:docMk/>
+            <pc:sldMk cId="3884930515" sldId="265"/>
+            <ac:spMk id="18" creationId="{F08BBD1E-0830-D2F3-561E-72673CFFC74C}"/>
+          </ac:spMkLst>
+        </pc:spChg>
+        <pc:spChg chg="mod">
+          <ac:chgData name="Neta Becker" userId="cef0aa30-4247-4db8-9bc0-d63efc0d3a53" providerId="ADAL" clId="{8E39725F-6EEF-4D4D-92C3-0465B79E9629}" dt="2024-05-18T11:30:12.619" v="699"/>
+          <ac:spMkLst>
+            <pc:docMk/>
+            <pc:sldMk cId="3884930515" sldId="265"/>
+            <ac:spMk id="19" creationId="{AE1D156B-0291-2905-0063-5673C592954D}"/>
+          </ac:spMkLst>
+        </pc:spChg>
+        <pc:grpChg chg="add mod">
+          <ac:chgData name="Neta Becker" userId="cef0aa30-4247-4db8-9bc0-d63efc0d3a53" providerId="ADAL" clId="{8E39725F-6EEF-4D4D-92C3-0465B79E9629}" dt="2024-05-18T11:30:12.619" v="699"/>
+          <ac:grpSpMkLst>
+            <pc:docMk/>
+            <pc:sldMk cId="3884930515" sldId="265"/>
+            <ac:grpSpMk id="8" creationId="{C10DF2FB-AB4E-156C-6C7F-9A1CAAAACFE4}"/>
+          </ac:grpSpMkLst>
+        </pc:grpChg>
+        <pc:grpChg chg="del">
+          <ac:chgData name="Neta Becker" userId="cef0aa30-4247-4db8-9bc0-d63efc0d3a53" providerId="ADAL" clId="{8E39725F-6EEF-4D4D-92C3-0465B79E9629}" dt="2024-05-18T11:30:11.553" v="698" actId="478"/>
+          <ac:grpSpMkLst>
+            <pc:docMk/>
+            <pc:sldMk cId="3884930515" sldId="265"/>
+            <ac:grpSpMk id="25" creationId="{8813B241-E7D6-0D24-13D7-6B0570F3A708}"/>
+          </ac:grpSpMkLst>
+        </pc:grpChg>
+      </pc:sldChg>
+      <pc:sldChg chg="addSp modSp mod">
+        <pc:chgData name="Neta Becker" userId="cef0aa30-4247-4db8-9bc0-d63efc0d3a53" providerId="ADAL" clId="{8E39725F-6EEF-4D4D-92C3-0465B79E9629}" dt="2024-05-18T11:35:21.537" v="929" actId="20577"/>
+        <pc:sldMkLst>
+          <pc:docMk/>
+          <pc:sldMk cId="3614498727" sldId="267"/>
+        </pc:sldMkLst>
+        <pc:spChg chg="mod">
+          <ac:chgData name="Neta Becker" userId="cef0aa30-4247-4db8-9bc0-d63efc0d3a53" providerId="ADAL" clId="{8E39725F-6EEF-4D4D-92C3-0465B79E9629}" dt="2024-05-18T11:35:21.537" v="929" actId="20577"/>
+          <ac:spMkLst>
+            <pc:docMk/>
+            <pc:sldMk cId="3614498727" sldId="267"/>
+            <ac:spMk id="2" creationId="{AC2ACF71-CF4B-C77D-06EE-335720E44195}"/>
+          </ac:spMkLst>
+        </pc:spChg>
+        <pc:spChg chg="mod">
+          <ac:chgData name="Neta Becker" userId="cef0aa30-4247-4db8-9bc0-d63efc0d3a53" providerId="ADAL" clId="{8E39725F-6EEF-4D4D-92C3-0465B79E9629}" dt="2024-05-18T11:34:54.451" v="905" actId="255"/>
+          <ac:spMkLst>
+            <pc:docMk/>
+            <pc:sldMk cId="3614498727" sldId="267"/>
+            <ac:spMk id="3" creationId="{3FB97B73-96BD-1AB7-EA8C-0E12DAF0CCBC}"/>
+          </ac:spMkLst>
+        </pc:spChg>
+        <pc:spChg chg="add mod">
+          <ac:chgData name="Neta Becker" userId="cef0aa30-4247-4db8-9bc0-d63efc0d3a53" providerId="ADAL" clId="{8E39725F-6EEF-4D4D-92C3-0465B79E9629}" dt="2024-05-18T11:23:23.024" v="551"/>
+          <ac:spMkLst>
+            <pc:docMk/>
+            <pc:sldMk cId="3614498727" sldId="267"/>
+            <ac:spMk id="4" creationId="{12B53D45-AA17-6F5C-5032-847099A6DCA3}"/>
+          </ac:spMkLst>
+        </pc:spChg>
+        <pc:spChg chg="add mod">
+          <ac:chgData name="Neta Becker" userId="cef0aa30-4247-4db8-9bc0-d63efc0d3a53" providerId="ADAL" clId="{8E39725F-6EEF-4D4D-92C3-0465B79E9629}" dt="2024-05-18T11:23:27.602" v="552"/>
+          <ac:spMkLst>
+            <pc:docMk/>
+            <pc:sldMk cId="3614498727" sldId="267"/>
+            <ac:spMk id="5" creationId="{73687DEF-633C-6BB7-DBC2-60800B4C26C2}"/>
+          </ac:spMkLst>
+        </pc:spChg>
+        <pc:spChg chg="add mod">
+          <ac:chgData name="Neta Becker" userId="cef0aa30-4247-4db8-9bc0-d63efc0d3a53" providerId="ADAL" clId="{8E39725F-6EEF-4D4D-92C3-0465B79E9629}" dt="2024-05-18T11:25:07.203" v="580"/>
+          <ac:spMkLst>
+            <pc:docMk/>
+            <pc:sldMk cId="3614498727" sldId="267"/>
+            <ac:spMk id="6" creationId="{6F1B31C2-D996-43F7-4A0F-8F0470190F63}"/>
+          </ac:spMkLst>
+        </pc:spChg>
+        <pc:spChg chg="add mod">
+          <ac:chgData name="Neta Becker" userId="cef0aa30-4247-4db8-9bc0-d63efc0d3a53" providerId="ADAL" clId="{8E39725F-6EEF-4D4D-92C3-0465B79E9629}" dt="2024-05-18T11:25:07.203" v="580"/>
+          <ac:spMkLst>
+            <pc:docMk/>
+            <pc:sldMk cId="3614498727" sldId="267"/>
+            <ac:spMk id="8" creationId="{88C8BD5C-47C9-F128-AA24-45756B21A402}"/>
+          </ac:spMkLst>
+        </pc:spChg>
+        <pc:spChg chg="add mod">
+          <ac:chgData name="Neta Becker" userId="cef0aa30-4247-4db8-9bc0-d63efc0d3a53" providerId="ADAL" clId="{8E39725F-6EEF-4D4D-92C3-0465B79E9629}" dt="2024-05-18T11:25:14.265" v="581"/>
+          <ac:spMkLst>
+            <pc:docMk/>
+            <pc:sldMk cId="3614498727" sldId="267"/>
+            <ac:spMk id="9" creationId="{540708EA-E192-AC72-2BE1-A1FA93A36823}"/>
+          </ac:spMkLst>
+        </pc:spChg>
+        <pc:picChg chg="mod ord">
+          <ac:chgData name="Neta Becker" userId="cef0aa30-4247-4db8-9bc0-d63efc0d3a53" providerId="ADAL" clId="{8E39725F-6EEF-4D4D-92C3-0465B79E9629}" dt="2024-05-18T11:33:15.036" v="855" actId="1037"/>
+          <ac:picMkLst>
+            <pc:docMk/>
+            <pc:sldMk cId="3614498727" sldId="267"/>
+            <ac:picMk id="7" creationId="{5D2567AD-A929-17F9-A858-A92AA2CDC031}"/>
+          </ac:picMkLst>
+        </pc:picChg>
+      </pc:sldChg>
+      <pc:sldChg chg="addSp delSp setBg delDesignElem">
+        <pc:chgData name="Neta Becker" userId="cef0aa30-4247-4db8-9bc0-d63efc0d3a53" providerId="ADAL" clId="{8E39725F-6EEF-4D4D-92C3-0465B79E9629}" dt="2024-05-18T10:29:19.955" v="31"/>
+        <pc:sldMkLst>
+          <pc:docMk/>
+          <pc:sldMk cId="3788276947" sldId="268"/>
+        </pc:sldMkLst>
+        <pc:spChg chg="add del">
+          <ac:chgData name="Neta Becker" userId="cef0aa30-4247-4db8-9bc0-d63efc0d3a53" providerId="ADAL" clId="{8E39725F-6EEF-4D4D-92C3-0465B79E9629}" dt="2024-05-18T08:20:44.648" v="28"/>
+          <ac:spMkLst>
+            <pc:docMk/>
+            <pc:sldMk cId="3788276947" sldId="268"/>
+            <ac:spMk id="5" creationId="{6995F625-BE4F-4433-8290-5DF0E8589F50}"/>
+          </ac:spMkLst>
+        </pc:spChg>
+        <pc:spChg chg="add del">
+          <ac:chgData name="Neta Becker" userId="cef0aa30-4247-4db8-9bc0-d63efc0d3a53" providerId="ADAL" clId="{8E39725F-6EEF-4D4D-92C3-0465B79E9629}" dt="2024-05-18T08:20:44.648" v="28"/>
+          <ac:spMkLst>
+            <pc:docMk/>
+            <pc:sldMk cId="3788276947" sldId="268"/>
+            <ac:spMk id="6" creationId="{E836677E-F83B-4FAB-8095-8700763077D8}"/>
+          </ac:spMkLst>
+        </pc:spChg>
+        <pc:spChg chg="add del">
+          <ac:chgData name="Neta Becker" userId="cef0aa30-4247-4db8-9bc0-d63efc0d3a53" providerId="ADAL" clId="{8E39725F-6EEF-4D4D-92C3-0465B79E9629}" dt="2024-05-18T08:20:44.648" v="28"/>
+          <ac:spMkLst>
+            <pc:docMk/>
+            <pc:sldMk cId="3788276947" sldId="268"/>
+            <ac:spMk id="7" creationId="{655E224A-5F26-423E-949C-07A720F39A44}"/>
+          </ac:spMkLst>
+        </pc:spChg>
+        <pc:spChg chg="add del">
+          <ac:chgData name="Neta Becker" userId="cef0aa30-4247-4db8-9bc0-d63efc0d3a53" providerId="ADAL" clId="{8E39725F-6EEF-4D4D-92C3-0465B79E9629}" dt="2024-05-18T08:20:44.648" v="28"/>
+          <ac:spMkLst>
+            <pc:docMk/>
+            <pc:sldMk cId="3788276947" sldId="268"/>
+            <ac:spMk id="9" creationId="{A6F1DA18-4CA4-40CF-9ACA-105D8373B672}"/>
+          </ac:spMkLst>
+        </pc:spChg>
+        <pc:spChg chg="add del">
+          <ac:chgData name="Neta Becker" userId="cef0aa30-4247-4db8-9bc0-d63efc0d3a53" providerId="ADAL" clId="{8E39725F-6EEF-4D4D-92C3-0465B79E9629}" dt="2024-05-18T08:20:44.648" v="28"/>
+          <ac:spMkLst>
+            <pc:docMk/>
+            <pc:sldMk cId="3788276947" sldId="268"/>
+            <ac:spMk id="16" creationId="{7C6D1B74-744B-4231-97DB-86B4C9C5E2D3}"/>
+          </ac:spMkLst>
+        </pc:spChg>
+        <pc:cxnChg chg="add del">
+          <ac:chgData name="Neta Becker" userId="cef0aa30-4247-4db8-9bc0-d63efc0d3a53" providerId="ADAL" clId="{8E39725F-6EEF-4D4D-92C3-0465B79E9629}" dt="2024-05-18T08:20:44.648" v="28"/>
+          <ac:cxnSpMkLst>
+            <pc:docMk/>
+            <pc:sldMk cId="3788276947" sldId="268"/>
+            <ac:cxnSpMk id="18" creationId="{ABC98C72-9EDD-4426-B45A-84E06A7CD22F}"/>
+          </ac:cxnSpMkLst>
+        </pc:cxnChg>
+        <pc:cxnChg chg="add del">
+          <ac:chgData name="Neta Becker" userId="cef0aa30-4247-4db8-9bc0-d63efc0d3a53" providerId="ADAL" clId="{8E39725F-6EEF-4D4D-92C3-0465B79E9629}" dt="2024-05-18T08:20:44.648" v="28"/>
+          <ac:cxnSpMkLst>
+            <pc:docMk/>
+            <pc:sldMk cId="3788276947" sldId="268"/>
+            <ac:cxnSpMk id="20" creationId="{44887186-EE44-4AD3-BEFE-3478B4537191}"/>
+          </ac:cxnSpMkLst>
+        </pc:cxnChg>
+        <pc:cxnChg chg="add del">
+          <ac:chgData name="Neta Becker" userId="cef0aa30-4247-4db8-9bc0-d63efc0d3a53" providerId="ADAL" clId="{8E39725F-6EEF-4D4D-92C3-0465B79E9629}" dt="2024-05-18T08:20:44.648" v="28"/>
+          <ac:cxnSpMkLst>
+            <pc:docMk/>
+            <pc:sldMk cId="3788276947" sldId="268"/>
+            <ac:cxnSpMk id="22" creationId="{58EECC4E-F1C0-4C09-A7FD-4D623DACCC4F}"/>
+          </ac:cxnSpMkLst>
+        </pc:cxnChg>
+      </pc:sldChg>
+      <pc:sldChg chg="addSp delSp modSp add del mod addAnim delAnim modAnim modShow">
+        <pc:chgData name="Neta Becker" userId="cef0aa30-4247-4db8-9bc0-d63efc0d3a53" providerId="ADAL" clId="{8E39725F-6EEF-4D4D-92C3-0465B79E9629}" dt="2024-05-18T11:53:05.264" v="1694" actId="208"/>
+        <pc:sldMkLst>
+          <pc:docMk/>
+          <pc:sldMk cId="199201543" sldId="269"/>
+        </pc:sldMkLst>
+        <pc:spChg chg="mod">
+          <ac:chgData name="Neta Becker" userId="cef0aa30-4247-4db8-9bc0-d63efc0d3a53" providerId="ADAL" clId="{8E39725F-6EEF-4D4D-92C3-0465B79E9629}" dt="2024-05-18T11:42:47.022" v="1514" actId="1076"/>
+          <ac:spMkLst>
+            <pc:docMk/>
+            <pc:sldMk cId="199201543" sldId="269"/>
+            <ac:spMk id="2" creationId="{FBB17739-EDA8-0BBF-2BBE-DD328C51C51D}"/>
+          </ac:spMkLst>
+        </pc:spChg>
+        <pc:spChg chg="del">
+          <ac:chgData name="Neta Becker" userId="cef0aa30-4247-4db8-9bc0-d63efc0d3a53" providerId="ADAL" clId="{8E39725F-6EEF-4D4D-92C3-0465B79E9629}" dt="2024-05-18T10:44:35.158" v="66"/>
+          <ac:spMkLst>
+            <pc:docMk/>
+            <pc:sldMk cId="199201543" sldId="269"/>
+            <ac:spMk id="3" creationId="{2CEC7C2B-FE22-13AA-830E-5D224F921C9D}"/>
+          </ac:spMkLst>
+        </pc:spChg>
+        <pc:spChg chg="add del mod">
+          <ac:chgData name="Neta Becker" userId="cef0aa30-4247-4db8-9bc0-d63efc0d3a53" providerId="ADAL" clId="{8E39725F-6EEF-4D4D-92C3-0465B79E9629}" dt="2024-05-18T10:48:13.875" v="87"/>
+          <ac:spMkLst>
+            <pc:docMk/>
+            <pc:sldMk cId="199201543" sldId="269"/>
+            <ac:spMk id="6" creationId="{A2ADFCE2-054E-07B2-BE9D-2C4180A9A0C6}"/>
+          </ac:spMkLst>
+        </pc:spChg>
+        <pc:spChg chg="add del mod">
+          <ac:chgData name="Neta Becker" userId="cef0aa30-4247-4db8-9bc0-d63efc0d3a53" providerId="ADAL" clId="{8E39725F-6EEF-4D4D-92C3-0465B79E9629}" dt="2024-05-18T11:40:51.744" v="1483" actId="478"/>
+          <ac:spMkLst>
+            <pc:docMk/>
+            <pc:sldMk cId="199201543" sldId="269"/>
+            <ac:spMk id="7" creationId="{9874A5ED-7EF4-27C2-1001-12481616C05A}"/>
+          </ac:spMkLst>
+        </pc:spChg>
+        <pc:spChg chg="add mod">
+          <ac:chgData name="Neta Becker" userId="cef0aa30-4247-4db8-9bc0-d63efc0d3a53" providerId="ADAL" clId="{8E39725F-6EEF-4D4D-92C3-0465B79E9629}" dt="2024-05-18T10:50:09.476" v="261"/>
+          <ac:spMkLst>
+            <pc:docMk/>
+            <pc:sldMk cId="199201543" sldId="269"/>
+            <ac:spMk id="8" creationId="{DEF8E881-41B4-4FAC-7024-064CAD6CCFF6}"/>
+          </ac:spMkLst>
+        </pc:spChg>
+        <pc:spChg chg="mod">
+          <ac:chgData name="Neta Becker" userId="cef0aa30-4247-4db8-9bc0-d63efc0d3a53" providerId="ADAL" clId="{8E39725F-6EEF-4D4D-92C3-0465B79E9629}" dt="2024-05-18T11:29:08.380" v="638" actId="1037"/>
+          <ac:spMkLst>
+            <pc:docMk/>
+            <pc:sldMk cId="199201543" sldId="269"/>
+            <ac:spMk id="9" creationId="{DE063978-8620-7123-C184-49543BBAD5D2}"/>
+          </ac:spMkLst>
+        </pc:spChg>
+        <pc:spChg chg="add del mod">
+          <ac:chgData name="Neta Becker" userId="cef0aa30-4247-4db8-9bc0-d63efc0d3a53" providerId="ADAL" clId="{8E39725F-6EEF-4D4D-92C3-0465B79E9629}" dt="2024-05-18T11:04:36.427" v="273" actId="21"/>
+          <ac:spMkLst>
+            <pc:docMk/>
+            <pc:sldMk cId="199201543" sldId="269"/>
+            <ac:spMk id="20" creationId="{2498284F-0D8A-F5FB-5389-68017C7182DC}"/>
+          </ac:spMkLst>
+        </pc:spChg>
+        <pc:spChg chg="add del mod">
+          <ac:chgData name="Neta Becker" userId="cef0aa30-4247-4db8-9bc0-d63efc0d3a53" providerId="ADAL" clId="{8E39725F-6EEF-4D4D-92C3-0465B79E9629}" dt="2024-05-18T11:06:56.172" v="289" actId="478"/>
+          <ac:spMkLst>
+            <pc:docMk/>
+            <pc:sldMk cId="199201543" sldId="269"/>
+            <ac:spMk id="22" creationId="{DD606C59-C4A7-3375-2204-56E3DC882B41}"/>
+          </ac:spMkLst>
+        </pc:spChg>
+        <pc:spChg chg="add mod ord">
+          <ac:chgData name="Neta Becker" userId="cef0aa30-4247-4db8-9bc0-d63efc0d3a53" providerId="ADAL" clId="{8E39725F-6EEF-4D4D-92C3-0465B79E9629}" dt="2024-05-18T11:29:13.031" v="639" actId="14100"/>
+          <ac:spMkLst>
+            <pc:docMk/>
+            <pc:sldMk cId="199201543" sldId="269"/>
+            <ac:spMk id="23" creationId="{B2DFCCC0-5BD5-AF1D-BA57-51102E1EF608}"/>
+          </ac:spMkLst>
+        </pc:spChg>
+        <pc:spChg chg="add mod ord">
+          <ac:chgData name="Neta Becker" userId="cef0aa30-4247-4db8-9bc0-d63efc0d3a53" providerId="ADAL" clId="{8E39725F-6EEF-4D4D-92C3-0465B79E9629}" dt="2024-05-18T11:28:41.741" v="607" actId="1038"/>
+          <ac:spMkLst>
+            <pc:docMk/>
+            <pc:sldMk cId="199201543" sldId="269"/>
+            <ac:spMk id="24" creationId="{AE770193-A606-FC8F-B04A-065E2D3E37ED}"/>
+          </ac:spMkLst>
+        </pc:spChg>
+        <pc:spChg chg="add del mod">
+          <ac:chgData name="Neta Becker" userId="cef0aa30-4247-4db8-9bc0-d63efc0d3a53" providerId="ADAL" clId="{8E39725F-6EEF-4D4D-92C3-0465B79E9629}" dt="2024-05-18T11:53:00.351" v="1693"/>
+          <ac:spMkLst>
+            <pc:docMk/>
+            <pc:sldMk cId="199201543" sldId="269"/>
+            <ac:spMk id="29" creationId="{02BABDDC-BFFB-4690-1A4C-54FA8DA45BD9}"/>
+          </ac:spMkLst>
+        </pc:spChg>
+        <pc:spChg chg="add mod">
+          <ac:chgData name="Neta Becker" userId="cef0aa30-4247-4db8-9bc0-d63efc0d3a53" providerId="ADAL" clId="{8E39725F-6EEF-4D4D-92C3-0465B79E9629}" dt="2024-05-18T11:53:05.264" v="1694" actId="208"/>
+          <ac:spMkLst>
+            <pc:docMk/>
+            <pc:sldMk cId="199201543" sldId="269"/>
+            <ac:spMk id="30" creationId="{84368D35-4216-7916-B9B3-7924616EE9CB}"/>
+          </ac:spMkLst>
+        </pc:spChg>
+        <pc:grpChg chg="mod">
+          <ac:chgData name="Neta Becker" userId="cef0aa30-4247-4db8-9bc0-d63efc0d3a53" providerId="ADAL" clId="{8E39725F-6EEF-4D4D-92C3-0465B79E9629}" dt="2024-05-18T11:29:08.380" v="638" actId="1037"/>
+          <ac:grpSpMkLst>
+            <pc:docMk/>
+            <pc:sldMk cId="199201543" sldId="269"/>
+            <ac:grpSpMk id="10" creationId="{7B960A06-522D-EF27-6243-F14BD6BF85D5}"/>
+          </ac:grpSpMkLst>
+        </pc:grpChg>
+        <pc:graphicFrameChg chg="add mod modGraphic">
+          <ac:chgData name="Neta Becker" userId="cef0aa30-4247-4db8-9bc0-d63efc0d3a53" providerId="ADAL" clId="{8E39725F-6EEF-4D4D-92C3-0465B79E9629}" dt="2024-05-18T11:48:41.847" v="1632"/>
+          <ac:graphicFrameMkLst>
+            <pc:docMk/>
+            <pc:sldMk cId="199201543" sldId="269"/>
+            <ac:graphicFrameMk id="25" creationId="{C0909FCF-FB80-32DF-DFF4-C7F33A0DB05A}"/>
+          </ac:graphicFrameMkLst>
+        </pc:graphicFrameChg>
+        <pc:graphicFrameChg chg="add del mod">
+          <ac:chgData name="Neta Becker" userId="cef0aa30-4247-4db8-9bc0-d63efc0d3a53" providerId="ADAL" clId="{8E39725F-6EEF-4D4D-92C3-0465B79E9629}" dt="2024-05-18T11:42:49.121" v="1515" actId="478"/>
+          <ac:graphicFrameMkLst>
+            <pc:docMk/>
+            <pc:sldMk cId="199201543" sldId="269"/>
+            <ac:graphicFrameMk id="26" creationId="{C6F760F8-D224-30CB-86A3-660D38429652}"/>
+          </ac:graphicFrameMkLst>
+        </pc:graphicFrameChg>
+        <pc:graphicFrameChg chg="add mod">
+          <ac:chgData name="Neta Becker" userId="cef0aa30-4247-4db8-9bc0-d63efc0d3a53" providerId="ADAL" clId="{8E39725F-6EEF-4D4D-92C3-0465B79E9629}" dt="2024-05-18T11:46:36.672" v="1547" actId="14100"/>
+          <ac:graphicFrameMkLst>
+            <pc:docMk/>
+            <pc:sldMk cId="199201543" sldId="269"/>
+            <ac:graphicFrameMk id="27" creationId="{D0C46943-3092-D9E8-F260-2AFD4A4B2413}"/>
+          </ac:graphicFrameMkLst>
+        </pc:graphicFrameChg>
+        <pc:graphicFrameChg chg="add mod">
+          <ac:chgData name="Neta Becker" userId="cef0aa30-4247-4db8-9bc0-d63efc0d3a53" providerId="ADAL" clId="{8E39725F-6EEF-4D4D-92C3-0465B79E9629}" dt="2024-05-18T11:48:28.962" v="1629"/>
+          <ac:graphicFrameMkLst>
+            <pc:docMk/>
+            <pc:sldMk cId="199201543" sldId="269"/>
+            <ac:graphicFrameMk id="28" creationId="{9872EA5D-DABC-045E-B454-01AB8351E848}"/>
+          </ac:graphicFrameMkLst>
+        </pc:graphicFrameChg>
+        <pc:picChg chg="add del mod modCrop">
+          <ac:chgData name="Neta Becker" userId="cef0aa30-4247-4db8-9bc0-d63efc0d3a53" providerId="ADAL" clId="{8E39725F-6EEF-4D4D-92C3-0465B79E9629}" dt="2024-05-18T11:06:39.122" v="283" actId="21"/>
+          <ac:picMkLst>
+            <pc:docMk/>
+            <pc:sldMk cId="199201543" sldId="269"/>
+            <ac:picMk id="4" creationId="{571F2F0D-59CB-5202-E7E7-CF457D63CC14}"/>
+          </ac:picMkLst>
+        </pc:picChg>
+        <pc:picChg chg="add mod">
+          <ac:chgData name="Neta Becker" userId="cef0aa30-4247-4db8-9bc0-d63efc0d3a53" providerId="ADAL" clId="{8E39725F-6EEF-4D4D-92C3-0465B79E9629}" dt="2024-05-18T11:48:06.097" v="1581" actId="1076"/>
+          <ac:picMkLst>
+            <pc:docMk/>
+            <pc:sldMk cId="199201543" sldId="269"/>
+            <ac:picMk id="5" creationId="{713C4917-85A2-C0DC-4474-1D43B930FC8C}"/>
+          </ac:picMkLst>
+        </pc:picChg>
+        <pc:picChg chg="add del mod">
+          <ac:chgData name="Neta Becker" userId="cef0aa30-4247-4db8-9bc0-d63efc0d3a53" providerId="ADAL" clId="{8E39725F-6EEF-4D4D-92C3-0465B79E9629}" dt="2024-05-18T10:50:34.652" v="264" actId="478"/>
+          <ac:picMkLst>
+            <pc:docMk/>
+            <pc:sldMk cId="199201543" sldId="269"/>
+            <ac:picMk id="17" creationId="{CA146629-5370-0BFC-D868-1E85D872A877}"/>
+          </ac:picMkLst>
+        </pc:picChg>
+        <pc:picChg chg="add mod">
+          <ac:chgData name="Neta Becker" userId="cef0aa30-4247-4db8-9bc0-d63efc0d3a53" providerId="ADAL" clId="{8E39725F-6EEF-4D4D-92C3-0465B79E9629}" dt="2024-05-18T11:48:02.233" v="1580" actId="1076"/>
+          <ac:picMkLst>
+            <pc:docMk/>
+            <pc:sldMk cId="199201543" sldId="269"/>
+            <ac:picMk id="18" creationId="{CBDD2470-43A3-CAD3-0307-4CDC604C2E14}"/>
+          </ac:picMkLst>
+        </pc:picChg>
+      </pc:sldChg>
+      <pc:sldChg chg="modSp mod setBg">
+        <pc:chgData name="Neta Becker" userId="cef0aa30-4247-4db8-9bc0-d63efc0d3a53" providerId="ADAL" clId="{8E39725F-6EEF-4D4D-92C3-0465B79E9629}" dt="2024-05-18T10:30:11.582" v="32"/>
+        <pc:sldMkLst>
+          <pc:docMk/>
+          <pc:sldMk cId="660352062" sldId="312"/>
+        </pc:sldMkLst>
+        <pc:spChg chg="mod">
+          <ac:chgData name="Neta Becker" userId="cef0aa30-4247-4db8-9bc0-d63efc0d3a53" providerId="ADAL" clId="{8E39725F-6EEF-4D4D-92C3-0465B79E9629}" dt="2024-05-18T08:20:44.648" v="28"/>
+          <ac:spMkLst>
+            <pc:docMk/>
+            <pc:sldMk cId="660352062" sldId="312"/>
+            <ac:spMk id="309" creationId="{00000000-0000-0000-0000-000000000000}"/>
+          </ac:spMkLst>
+        </pc:spChg>
+        <pc:spChg chg="mod">
+          <ac:chgData name="Neta Becker" userId="cef0aa30-4247-4db8-9bc0-d63efc0d3a53" providerId="ADAL" clId="{8E39725F-6EEF-4D4D-92C3-0465B79E9629}" dt="2024-05-18T08:20:44.648" v="28"/>
+          <ac:spMkLst>
+            <pc:docMk/>
+            <pc:sldMk cId="660352062" sldId="312"/>
+            <ac:spMk id="310" creationId="{00000000-0000-0000-0000-000000000000}"/>
+          </ac:spMkLst>
+        </pc:spChg>
+        <pc:spChg chg="mod">
+          <ac:chgData name="Neta Becker" userId="cef0aa30-4247-4db8-9bc0-d63efc0d3a53" providerId="ADAL" clId="{8E39725F-6EEF-4D4D-92C3-0465B79E9629}" dt="2024-05-18T08:20:44.648" v="28"/>
+          <ac:spMkLst>
+            <pc:docMk/>
+            <pc:sldMk cId="660352062" sldId="312"/>
+            <ac:spMk id="311" creationId="{00000000-0000-0000-0000-000000000000}"/>
+          </ac:spMkLst>
+        </pc:spChg>
+        <pc:spChg chg="mod">
+          <ac:chgData name="Neta Becker" userId="cef0aa30-4247-4db8-9bc0-d63efc0d3a53" providerId="ADAL" clId="{8E39725F-6EEF-4D4D-92C3-0465B79E9629}" dt="2024-05-18T08:20:44.648" v="28"/>
+          <ac:spMkLst>
+            <pc:docMk/>
+            <pc:sldMk cId="660352062" sldId="312"/>
+            <ac:spMk id="312" creationId="{00000000-0000-0000-0000-000000000000}"/>
+          </ac:spMkLst>
+        </pc:spChg>
+        <pc:spChg chg="mod">
+          <ac:chgData name="Neta Becker" userId="cef0aa30-4247-4db8-9bc0-d63efc0d3a53" providerId="ADAL" clId="{8E39725F-6EEF-4D4D-92C3-0465B79E9629}" dt="2024-05-18T08:20:44.648" v="28"/>
+          <ac:spMkLst>
+            <pc:docMk/>
+            <pc:sldMk cId="660352062" sldId="312"/>
+            <ac:spMk id="313" creationId="{00000000-0000-0000-0000-000000000000}"/>
+          </ac:spMkLst>
+        </pc:spChg>
+        <pc:spChg chg="mod">
+          <ac:chgData name="Neta Becker" userId="cef0aa30-4247-4db8-9bc0-d63efc0d3a53" providerId="ADAL" clId="{8E39725F-6EEF-4D4D-92C3-0465B79E9629}" dt="2024-05-18T08:20:44.648" v="28"/>
+          <ac:spMkLst>
+            <pc:docMk/>
+            <pc:sldMk cId="660352062" sldId="312"/>
+            <ac:spMk id="314" creationId="{00000000-0000-0000-0000-000000000000}"/>
+          </ac:spMkLst>
+        </pc:spChg>
+        <pc:spChg chg="mod">
+          <ac:chgData name="Neta Becker" userId="cef0aa30-4247-4db8-9bc0-d63efc0d3a53" providerId="ADAL" clId="{8E39725F-6EEF-4D4D-92C3-0465B79E9629}" dt="2024-05-18T08:20:44.648" v="28"/>
+          <ac:spMkLst>
+            <pc:docMk/>
+            <pc:sldMk cId="660352062" sldId="312"/>
+            <ac:spMk id="315" creationId="{00000000-0000-0000-0000-000000000000}"/>
+          </ac:spMkLst>
+        </pc:spChg>
+        <pc:spChg chg="mod">
+          <ac:chgData name="Neta Becker" userId="cef0aa30-4247-4db8-9bc0-d63efc0d3a53" providerId="ADAL" clId="{8E39725F-6EEF-4D4D-92C3-0465B79E9629}" dt="2024-05-18T08:20:44.648" v="28"/>
+          <ac:spMkLst>
+            <pc:docMk/>
+            <pc:sldMk cId="660352062" sldId="312"/>
+            <ac:spMk id="316" creationId="{00000000-0000-0000-0000-000000000000}"/>
+          </ac:spMkLst>
+        </pc:spChg>
+        <pc:spChg chg="mod">
+          <ac:chgData name="Neta Becker" userId="cef0aa30-4247-4db8-9bc0-d63efc0d3a53" providerId="ADAL" clId="{8E39725F-6EEF-4D4D-92C3-0465B79E9629}" dt="2024-05-18T08:20:44.648" v="28"/>
+          <ac:spMkLst>
+            <pc:docMk/>
+            <pc:sldMk cId="660352062" sldId="312"/>
+            <ac:spMk id="317" creationId="{00000000-0000-0000-0000-000000000000}"/>
+          </ac:spMkLst>
+        </pc:spChg>
+        <pc:spChg chg="mod">
+          <ac:chgData name="Neta Becker" userId="cef0aa30-4247-4db8-9bc0-d63efc0d3a53" providerId="ADAL" clId="{8E39725F-6EEF-4D4D-92C3-0465B79E9629}" dt="2024-05-18T08:20:44.648" v="28"/>
+          <ac:spMkLst>
+            <pc:docMk/>
+            <pc:sldMk cId="660352062" sldId="312"/>
+            <ac:spMk id="318" creationId="{00000000-0000-0000-0000-000000000000}"/>
+          </ac:spMkLst>
+        </pc:spChg>
+        <pc:spChg chg="mod">
+          <ac:chgData name="Neta Becker" userId="cef0aa30-4247-4db8-9bc0-d63efc0d3a53" providerId="ADAL" clId="{8E39725F-6EEF-4D4D-92C3-0465B79E9629}" dt="2024-05-18T08:20:44.648" v="28"/>
+          <ac:spMkLst>
+            <pc:docMk/>
+            <pc:sldMk cId="660352062" sldId="312"/>
+            <ac:spMk id="319" creationId="{00000000-0000-0000-0000-000000000000}"/>
+          </ac:spMkLst>
+        </pc:spChg>
+        <pc:spChg chg="mod">
+          <ac:chgData name="Neta Becker" userId="cef0aa30-4247-4db8-9bc0-d63efc0d3a53" providerId="ADAL" clId="{8E39725F-6EEF-4D4D-92C3-0465B79E9629}" dt="2024-05-18T08:20:44.648" v="28"/>
+          <ac:spMkLst>
+            <pc:docMk/>
+            <pc:sldMk cId="660352062" sldId="312"/>
+            <ac:spMk id="320" creationId="{00000000-0000-0000-0000-000000000000}"/>
+          </ac:spMkLst>
+        </pc:spChg>
+        <pc:spChg chg="mod">
+          <ac:chgData name="Neta Becker" userId="cef0aa30-4247-4db8-9bc0-d63efc0d3a53" providerId="ADAL" clId="{8E39725F-6EEF-4D4D-92C3-0465B79E9629}" dt="2024-05-18T08:20:44.648" v="28"/>
+          <ac:spMkLst>
+            <pc:docMk/>
+            <pc:sldMk cId="660352062" sldId="312"/>
+            <ac:spMk id="321" creationId="{00000000-0000-0000-0000-000000000000}"/>
+          </ac:spMkLst>
+        </pc:spChg>
+      </pc:sldChg>
+      <pc:sldChg chg="addSp delSp modSp add mod setBg">
+        <pc:chgData name="Neta Becker" userId="cef0aa30-4247-4db8-9bc0-d63efc0d3a53" providerId="ADAL" clId="{8E39725F-6EEF-4D4D-92C3-0465B79E9629}" dt="2024-05-18T11:30:50.971" v="734"/>
+        <pc:sldMkLst>
+          <pc:docMk/>
+          <pc:sldMk cId="473798661" sldId="313"/>
+        </pc:sldMkLst>
+        <pc:spChg chg="mod">
+          <ac:chgData name="Neta Becker" userId="cef0aa30-4247-4db8-9bc0-d63efc0d3a53" providerId="ADAL" clId="{8E39725F-6EEF-4D4D-92C3-0465B79E9629}" dt="2024-05-09T15:57:55.008" v="21" actId="20577"/>
+          <ac:spMkLst>
+            <pc:docMk/>
+            <pc:sldMk cId="473798661" sldId="313"/>
+            <ac:spMk id="3" creationId="{79639998-542D-EA12-DA1F-335575519817}"/>
+          </ac:spMkLst>
+        </pc:spChg>
+        <pc:spChg chg="add del mod">
+          <ac:chgData name="Neta Becker" userId="cef0aa30-4247-4db8-9bc0-d63efc0d3a53" providerId="ADAL" clId="{8E39725F-6EEF-4D4D-92C3-0465B79E9629}" dt="2024-05-18T11:30:49.002" v="732" actId="478"/>
+          <ac:spMkLst>
+            <pc:docMk/>
+            <pc:sldMk cId="473798661" sldId="313"/>
+            <ac:spMk id="4" creationId="{85F07728-A4E2-D9D2-91C4-70250A23B88A}"/>
+          </ac:spMkLst>
+        </pc:spChg>
+        <pc:spChg chg="mod">
+          <ac:chgData name="Neta Becker" userId="cef0aa30-4247-4db8-9bc0-d63efc0d3a53" providerId="ADAL" clId="{8E39725F-6EEF-4D4D-92C3-0465B79E9629}" dt="2024-05-09T15:55:44.367" v="1"/>
+          <ac:spMkLst>
+            <pc:docMk/>
+            <pc:sldMk cId="473798661" sldId="313"/>
+            <ac:spMk id="6" creationId="{01C795E8-3F02-1807-50F5-AAA8595D7AE4}"/>
+          </ac:spMkLst>
+        </pc:spChg>
+        <pc:spChg chg="mod">
+          <ac:chgData name="Neta Becker" userId="cef0aa30-4247-4db8-9bc0-d63efc0d3a53" providerId="ADAL" clId="{8E39725F-6EEF-4D4D-92C3-0465B79E9629}" dt="2024-05-09T15:55:44.367" v="1"/>
+          <ac:spMkLst>
+            <pc:docMk/>
+            <pc:sldMk cId="473798661" sldId="313"/>
+            <ac:spMk id="7" creationId="{2EEE2E42-1535-F3D4-88A6-600540A1C48F}"/>
+          </ac:spMkLst>
+        </pc:spChg>
+        <pc:spChg chg="mod">
+          <ac:chgData name="Neta Becker" userId="cef0aa30-4247-4db8-9bc0-d63efc0d3a53" providerId="ADAL" clId="{8E39725F-6EEF-4D4D-92C3-0465B79E9629}" dt="2024-05-09T15:55:44.367" v="1"/>
+          <ac:spMkLst>
+            <pc:docMk/>
+            <pc:sldMk cId="473798661" sldId="313"/>
+            <ac:spMk id="8" creationId="{85994452-E285-51CF-641A-CAA40F791930}"/>
+          </ac:spMkLst>
+        </pc:spChg>
+        <pc:spChg chg="add del mod ord">
+          <ac:chgData name="Neta Becker" userId="cef0aa30-4247-4db8-9bc0-d63efc0d3a53" providerId="ADAL" clId="{8E39725F-6EEF-4D4D-92C3-0465B79E9629}" dt="2024-05-18T11:30:47.473" v="730" actId="478"/>
+          <ac:spMkLst>
+            <pc:docMk/>
+            <pc:sldMk cId="473798661" sldId="313"/>
+            <ac:spMk id="9" creationId="{E851D9B3-2005-3991-668F-83FA820C2A5F}"/>
+          </ac:spMkLst>
+        </pc:spChg>
+        <pc:spChg chg="add del mod ord">
+          <ac:chgData name="Neta Becker" userId="cef0aa30-4247-4db8-9bc0-d63efc0d3a53" providerId="ADAL" clId="{8E39725F-6EEF-4D4D-92C3-0465B79E9629}" dt="2024-05-18T11:30:50.602" v="733" actId="478"/>
+          <ac:spMkLst>
+            <pc:docMk/>
+            <pc:sldMk cId="473798661" sldId="313"/>
+            <ac:spMk id="10" creationId="{A5437109-92DE-AB16-114C-4071918D439A}"/>
+          </ac:spMkLst>
+        </pc:spChg>
+        <pc:spChg chg="add mod">
+          <ac:chgData name="Neta Becker" userId="cef0aa30-4247-4db8-9bc0-d63efc0d3a53" providerId="ADAL" clId="{8E39725F-6EEF-4D4D-92C3-0465B79E9629}" dt="2024-05-18T11:30:50.971" v="734"/>
+          <ac:spMkLst>
+            <pc:docMk/>
+            <pc:sldMk cId="473798661" sldId="313"/>
+            <ac:spMk id="11" creationId="{F736E01B-2DA6-0FB6-C141-582BB2DC646F}"/>
+          </ac:spMkLst>
+        </pc:spChg>
+        <pc:spChg chg="add mod">
+          <ac:chgData name="Neta Becker" userId="cef0aa30-4247-4db8-9bc0-d63efc0d3a53" providerId="ADAL" clId="{8E39725F-6EEF-4D4D-92C3-0465B79E9629}" dt="2024-05-18T11:30:50.971" v="734"/>
+          <ac:spMkLst>
+            <pc:docMk/>
+            <pc:sldMk cId="473798661" sldId="313"/>
+            <ac:spMk id="12" creationId="{89BCF338-2683-616E-C2B5-98D75AC553AC}"/>
+          </ac:spMkLst>
+        </pc:spChg>
+        <pc:spChg chg="mod">
+          <ac:chgData name="Neta Becker" userId="cef0aa30-4247-4db8-9bc0-d63efc0d3a53" providerId="ADAL" clId="{8E39725F-6EEF-4D4D-92C3-0465B79E9629}" dt="2024-05-18T11:30:50.971" v="734"/>
+          <ac:spMkLst>
+            <pc:docMk/>
+            <pc:sldMk cId="473798661" sldId="313"/>
+            <ac:spMk id="14" creationId="{78B35364-68AD-2CE1-988A-8D5424E55702}"/>
+          </ac:spMkLst>
+        </pc:spChg>
+        <pc:spChg chg="mod">
+          <ac:chgData name="Neta Becker" userId="cef0aa30-4247-4db8-9bc0-d63efc0d3a53" providerId="ADAL" clId="{8E39725F-6EEF-4D4D-92C3-0465B79E9629}" dt="2024-05-18T11:30:50.971" v="734"/>
+          <ac:spMkLst>
+            <pc:docMk/>
+            <pc:sldMk cId="473798661" sldId="313"/>
+            <ac:spMk id="15" creationId="{DE5A7FCF-008F-8E40-2D13-530A8F3BC4A9}"/>
+          </ac:spMkLst>
+        </pc:spChg>
+        <pc:spChg chg="mod">
+          <ac:chgData name="Neta Becker" userId="cef0aa30-4247-4db8-9bc0-d63efc0d3a53" providerId="ADAL" clId="{8E39725F-6EEF-4D4D-92C3-0465B79E9629}" dt="2024-05-18T11:30:50.971" v="734"/>
+          <ac:spMkLst>
+            <pc:docMk/>
+            <pc:sldMk cId="473798661" sldId="313"/>
+            <ac:spMk id="16" creationId="{A8ABD720-0AA8-FF0D-DF7D-4CBC6DE49A69}"/>
+          </ac:spMkLst>
+        </pc:spChg>
+        <pc:grpChg chg="add del mod">
+          <ac:chgData name="Neta Becker" userId="cef0aa30-4247-4db8-9bc0-d63efc0d3a53" providerId="ADAL" clId="{8E39725F-6EEF-4D4D-92C3-0465B79E9629}" dt="2024-05-18T11:30:46.143" v="728" actId="478"/>
+          <ac:grpSpMkLst>
+            <pc:docMk/>
+            <pc:sldMk cId="473798661" sldId="313"/>
+            <ac:grpSpMk id="5" creationId="{0ED5CF67-36AF-6C59-114F-67E958E1AA67}"/>
+          </ac:grpSpMkLst>
+        </pc:grpChg>
+        <pc:grpChg chg="add mod">
+          <ac:chgData name="Neta Becker" userId="cef0aa30-4247-4db8-9bc0-d63efc0d3a53" providerId="ADAL" clId="{8E39725F-6EEF-4D4D-92C3-0465B79E9629}" dt="2024-05-18T11:30:50.971" v="734"/>
+          <ac:grpSpMkLst>
+            <pc:docMk/>
+            <pc:sldMk cId="473798661" sldId="313"/>
+            <ac:grpSpMk id="13" creationId="{52F4352F-D47B-6EF2-8DF9-DC2F790BD953}"/>
+          </ac:grpSpMkLst>
+        </pc:grpChg>
+      </pc:sldChg>
+      <pc:sldChg chg="addSp modSp mod">
+        <pc:chgData name="Neta Becker" userId="cef0aa30-4247-4db8-9bc0-d63efc0d3a53" providerId="ADAL" clId="{8E39725F-6EEF-4D4D-92C3-0465B79E9629}" dt="2024-05-18T11:30:36.754" v="727" actId="14100"/>
+        <pc:sldMkLst>
+          <pc:docMk/>
+          <pc:sldMk cId="2633577502" sldId="314"/>
+        </pc:sldMkLst>
+        <pc:spChg chg="mod">
+          <ac:chgData name="Neta Becker" userId="cef0aa30-4247-4db8-9bc0-d63efc0d3a53" providerId="ADAL" clId="{8E39725F-6EEF-4D4D-92C3-0465B79E9629}" dt="2024-05-18T08:20:44.648" v="28"/>
+          <ac:spMkLst>
+            <pc:docMk/>
+            <pc:sldMk cId="2633577502" sldId="314"/>
+            <ac:spMk id="2" creationId="{9E1B47C9-23BE-9F8B-A0E0-E74CAB5ED67A}"/>
+          </ac:spMkLst>
+        </pc:spChg>
+        <pc:spChg chg="add mod ord">
+          <ac:chgData name="Neta Becker" userId="cef0aa30-4247-4db8-9bc0-d63efc0d3a53" providerId="ADAL" clId="{8E39725F-6EEF-4D4D-92C3-0465B79E9629}" dt="2024-05-18T11:30:36.754" v="727" actId="14100"/>
+          <ac:spMkLst>
+            <pc:docMk/>
+            <pc:sldMk cId="2633577502" sldId="314"/>
+            <ac:spMk id="3" creationId="{064ECE8D-76D8-BA22-D014-D9F875D0BB90}"/>
+          </ac:spMkLst>
+        </pc:spChg>
+        <pc:spChg chg="mod">
+          <ac:chgData name="Neta Becker" userId="cef0aa30-4247-4db8-9bc0-d63efc0d3a53" providerId="ADAL" clId="{8E39725F-6EEF-4D4D-92C3-0465B79E9629}" dt="2024-05-18T11:30:19.581" v="700" actId="120"/>
+          <ac:spMkLst>
+            <pc:docMk/>
+            <pc:sldMk cId="2633577502" sldId="314"/>
+            <ac:spMk id="4" creationId="{B8D434B1-56CC-6E8D-FDD2-84F2A848D19A}"/>
+          </ac:spMkLst>
+        </pc:spChg>
+        <pc:spChg chg="add mod ord">
+          <ac:chgData name="Neta Becker" userId="cef0aa30-4247-4db8-9bc0-d63efc0d3a53" providerId="ADAL" clId="{8E39725F-6EEF-4D4D-92C3-0465B79E9629}" dt="2024-05-18T11:28:20.774" v="602" actId="167"/>
+          <ac:spMkLst>
+            <pc:docMk/>
+            <pc:sldMk cId="2633577502" sldId="314"/>
+            <ac:spMk id="9" creationId="{E73B7CD3-80C4-5F5D-994F-D362C59DCFF6}"/>
+          </ac:spMkLst>
+        </pc:spChg>
+        <pc:grpChg chg="mod">
+          <ac:chgData name="Neta Becker" userId="cef0aa30-4247-4db8-9bc0-d63efc0d3a53" providerId="ADAL" clId="{8E39725F-6EEF-4D4D-92C3-0465B79E9629}" dt="2024-05-18T11:30:28.379" v="726" actId="1038"/>
+          <ac:grpSpMkLst>
+            <pc:docMk/>
+            <pc:sldMk cId="2633577502" sldId="314"/>
+            <ac:grpSpMk id="5" creationId="{220E5C26-EB1D-31C2-6A8B-D662D1D97FC8}"/>
+          </ac:grpSpMkLst>
+        </pc:grpChg>
+      </pc:sldChg>
+      <pc:sldChg chg="addSp modSp mod">
+        <pc:chgData name="Neta Becker" userId="cef0aa30-4247-4db8-9bc0-d63efc0d3a53" providerId="ADAL" clId="{8E39725F-6EEF-4D4D-92C3-0465B79E9629}" dt="2024-05-18T11:29:59.555" v="695" actId="1076"/>
+        <pc:sldMkLst>
+          <pc:docMk/>
+          <pc:sldMk cId="1314981952" sldId="315"/>
+        </pc:sldMkLst>
+        <pc:spChg chg="mod">
+          <ac:chgData name="Neta Becker" userId="cef0aa30-4247-4db8-9bc0-d63efc0d3a53" providerId="ADAL" clId="{8E39725F-6EEF-4D4D-92C3-0465B79E9629}" dt="2024-05-18T08:20:44.648" v="28"/>
+          <ac:spMkLst>
+            <pc:docMk/>
+            <pc:sldMk cId="1314981952" sldId="315"/>
+            <ac:spMk id="2" creationId="{FBB17739-EDA8-0BBF-2BBE-DD328C51C51D}"/>
+          </ac:spMkLst>
+        </pc:spChg>
+        <pc:spChg chg="add mod ord">
+          <ac:chgData name="Neta Becker" userId="cef0aa30-4247-4db8-9bc0-d63efc0d3a53" providerId="ADAL" clId="{8E39725F-6EEF-4D4D-92C3-0465B79E9629}" dt="2024-05-18T11:29:59.555" v="695" actId="1076"/>
+          <ac:spMkLst>
+            <pc:docMk/>
+            <pc:sldMk cId="1314981952" sldId="315"/>
+            <ac:spMk id="3" creationId="{64C30393-4A9C-E384-EAB5-8D020B59DE1C}"/>
+          </ac:spMkLst>
+        </pc:spChg>
+        <pc:spChg chg="mod">
+          <ac:chgData name="Neta Becker" userId="cef0aa30-4247-4db8-9bc0-d63efc0d3a53" providerId="ADAL" clId="{8E39725F-6EEF-4D4D-92C3-0465B79E9629}" dt="2024-05-18T11:29:49.944" v="694" actId="1038"/>
+          <ac:spMkLst>
+            <pc:docMk/>
+            <pc:sldMk cId="1314981952" sldId="315"/>
+            <ac:spMk id="4" creationId="{DB4B58AA-CB6F-C0F0-4724-E92868B9FD0E}"/>
+          </ac:spMkLst>
+        </pc:spChg>
+        <pc:grpChg chg="mod">
+          <ac:chgData name="Neta Becker" userId="cef0aa30-4247-4db8-9bc0-d63efc0d3a53" providerId="ADAL" clId="{8E39725F-6EEF-4D4D-92C3-0465B79E9629}" dt="2024-05-18T11:29:49.944" v="694" actId="1038"/>
+          <ac:grpSpMkLst>
+            <pc:docMk/>
+            <pc:sldMk cId="1314981952" sldId="315"/>
+            <ac:grpSpMk id="26" creationId="{B1459D06-85AA-CBC8-EB7A-638C778F30EA}"/>
+          </ac:grpSpMkLst>
+        </pc:grpChg>
+        <pc:picChg chg="mod">
+          <ac:chgData name="Neta Becker" userId="cef0aa30-4247-4db8-9bc0-d63efc0d3a53" providerId="ADAL" clId="{8E39725F-6EEF-4D4D-92C3-0465B79E9629}" dt="2024-05-18T08:20:44.648" v="28"/>
+          <ac:picMkLst>
+            <pc:docMk/>
+            <pc:sldMk cId="1314981952" sldId="315"/>
+            <ac:picMk id="9" creationId="{07590EA9-D1FD-3F79-303E-3BE0CB53087D}"/>
+          </ac:picMkLst>
+        </pc:picChg>
+      </pc:sldChg>
+      <pc:sldChg chg="addSp delSp modSp new del mod delAnim modAnim modShow">
+        <pc:chgData name="Neta Becker" userId="cef0aa30-4247-4db8-9bc0-d63efc0d3a53" providerId="ADAL" clId="{8E39725F-6EEF-4D4D-92C3-0465B79E9629}" dt="2024-05-18T11:08:28.847" v="305" actId="47"/>
+        <pc:sldMkLst>
+          <pc:docMk/>
+          <pc:sldMk cId="2659687341" sldId="316"/>
+        </pc:sldMkLst>
+        <pc:spChg chg="del">
+          <ac:chgData name="Neta Becker" userId="cef0aa30-4247-4db8-9bc0-d63efc0d3a53" providerId="ADAL" clId="{8E39725F-6EEF-4D4D-92C3-0465B79E9629}" dt="2024-05-18T11:03:54.457" v="266"/>
+          <ac:spMkLst>
+            <pc:docMk/>
+            <pc:sldMk cId="2659687341" sldId="316"/>
+            <ac:spMk id="3" creationId="{61D210A2-8CED-F722-FD99-D02423DDB7CA}"/>
+          </ac:spMkLst>
+        </pc:spChg>
+        <pc:spChg chg="add mod">
+          <ac:chgData name="Neta Becker" userId="cef0aa30-4247-4db8-9bc0-d63efc0d3a53" providerId="ADAL" clId="{8E39725F-6EEF-4D4D-92C3-0465B79E9629}" dt="2024-05-18T11:06:45.725" v="286" actId="478"/>
+          <ac:spMkLst>
+            <pc:docMk/>
+            <pc:sldMk cId="2659687341" sldId="316"/>
+            <ac:spMk id="7" creationId="{1BE97CCF-74BF-9396-8DAD-E3C3C8B7B6FD}"/>
+          </ac:spMkLst>
+        </pc:spChg>
+        <pc:picChg chg="add del mod">
+          <ac:chgData name="Neta Becker" userId="cef0aa30-4247-4db8-9bc0-d63efc0d3a53" providerId="ADAL" clId="{8E39725F-6EEF-4D4D-92C3-0465B79E9629}" dt="2024-05-18T11:06:45.725" v="286" actId="478"/>
+          <ac:picMkLst>
+            <pc:docMk/>
+            <pc:sldMk cId="2659687341" sldId="316"/>
+            <ac:picMk id="4" creationId="{5DD94EFC-44C9-A81C-0F6A-635744A7F6A1}"/>
+          </ac:picMkLst>
+        </pc:picChg>
+        <pc:picChg chg="add mod">
+          <ac:chgData name="Neta Becker" userId="cef0aa30-4247-4db8-9bc0-d63efc0d3a53" providerId="ADAL" clId="{8E39725F-6EEF-4D4D-92C3-0465B79E9629}" dt="2024-05-18T11:06:47.350" v="287" actId="1076"/>
+          <ac:picMkLst>
+            <pc:docMk/>
+            <pc:sldMk cId="2659687341" sldId="316"/>
+            <ac:picMk id="5" creationId="{571F2F0D-59CB-5202-E7E7-CF457D63CC14}"/>
+          </ac:picMkLst>
+        </pc:picChg>
+      </pc:sldChg>
+      <pc:sldMasterChg chg="setBg modSldLayout">
+        <pc:chgData name="Neta Becker" userId="cef0aa30-4247-4db8-9bc0-d63efc0d3a53" providerId="ADAL" clId="{8E39725F-6EEF-4D4D-92C3-0465B79E9629}" dt="2024-05-18T10:29:19.955" v="31"/>
+        <pc:sldMasterMkLst>
+          <pc:docMk/>
+          <pc:sldMasterMk cId="1804776256" sldId="2147483874"/>
+        </pc:sldMasterMkLst>
+        <pc:sldLayoutChg chg="setBg">
+          <pc:chgData name="Neta Becker" userId="cef0aa30-4247-4db8-9bc0-d63efc0d3a53" providerId="ADAL" clId="{8E39725F-6EEF-4D4D-92C3-0465B79E9629}" dt="2024-05-18T10:29:19.955" v="31"/>
+          <pc:sldLayoutMkLst>
+            <pc:docMk/>
+            <pc:sldMasterMk cId="1804776256" sldId="2147483874"/>
+            <pc:sldLayoutMk cId="3484691523" sldId="2147483875"/>
+          </pc:sldLayoutMkLst>
+        </pc:sldLayoutChg>
+        <pc:sldLayoutChg chg="setBg">
+          <pc:chgData name="Neta Becker" userId="cef0aa30-4247-4db8-9bc0-d63efc0d3a53" providerId="ADAL" clId="{8E39725F-6EEF-4D4D-92C3-0465B79E9629}" dt="2024-05-18T10:29:19.955" v="31"/>
+          <pc:sldLayoutMkLst>
+            <pc:docMk/>
+            <pc:sldMasterMk cId="1804776256" sldId="2147483874"/>
+            <pc:sldLayoutMk cId="332088760" sldId="2147483876"/>
+          </pc:sldLayoutMkLst>
+        </pc:sldLayoutChg>
+        <pc:sldLayoutChg chg="setBg">
+          <pc:chgData name="Neta Becker" userId="cef0aa30-4247-4db8-9bc0-d63efc0d3a53" providerId="ADAL" clId="{8E39725F-6EEF-4D4D-92C3-0465B79E9629}" dt="2024-05-18T10:29:19.955" v="31"/>
+          <pc:sldLayoutMkLst>
+            <pc:docMk/>
+            <pc:sldMasterMk cId="1804776256" sldId="2147483874"/>
+            <pc:sldLayoutMk cId="1702842903" sldId="2147483877"/>
+          </pc:sldLayoutMkLst>
+        </pc:sldLayoutChg>
+        <pc:sldLayoutChg chg="setBg">
+          <pc:chgData name="Neta Becker" userId="cef0aa30-4247-4db8-9bc0-d63efc0d3a53" providerId="ADAL" clId="{8E39725F-6EEF-4D4D-92C3-0465B79E9629}" dt="2024-05-18T10:29:19.955" v="31"/>
+          <pc:sldLayoutMkLst>
+            <pc:docMk/>
+            <pc:sldMasterMk cId="1804776256" sldId="2147483874"/>
+            <pc:sldLayoutMk cId="1167257325" sldId="2147483878"/>
+          </pc:sldLayoutMkLst>
+        </pc:sldLayoutChg>
+        <pc:sldLayoutChg chg="setBg">
+          <pc:chgData name="Neta Becker" userId="cef0aa30-4247-4db8-9bc0-d63efc0d3a53" providerId="ADAL" clId="{8E39725F-6EEF-4D4D-92C3-0465B79E9629}" dt="2024-05-18T10:29:19.955" v="31"/>
+          <pc:sldLayoutMkLst>
+            <pc:docMk/>
+            <pc:sldMasterMk cId="1804776256" sldId="2147483874"/>
+            <pc:sldLayoutMk cId="612437609" sldId="2147483879"/>
+          </pc:sldLayoutMkLst>
+        </pc:sldLayoutChg>
+        <pc:sldLayoutChg chg="setBg">
+          <pc:chgData name="Neta Becker" userId="cef0aa30-4247-4db8-9bc0-d63efc0d3a53" providerId="ADAL" clId="{8E39725F-6EEF-4D4D-92C3-0465B79E9629}" dt="2024-05-18T10:29:19.955" v="31"/>
+          <pc:sldLayoutMkLst>
+            <pc:docMk/>
+            <pc:sldMasterMk cId="1804776256" sldId="2147483874"/>
+            <pc:sldLayoutMk cId="2737422642" sldId="2147483880"/>
+          </pc:sldLayoutMkLst>
+        </pc:sldLayoutChg>
+        <pc:sldLayoutChg chg="setBg">
+          <pc:chgData name="Neta Becker" userId="cef0aa30-4247-4db8-9bc0-d63efc0d3a53" providerId="ADAL" clId="{8E39725F-6EEF-4D4D-92C3-0465B79E9629}" dt="2024-05-18T10:29:19.955" v="31"/>
+          <pc:sldLayoutMkLst>
+            <pc:docMk/>
+            <pc:sldMasterMk cId="1804776256" sldId="2147483874"/>
+            <pc:sldLayoutMk cId="3553857955" sldId="2147483881"/>
+          </pc:sldLayoutMkLst>
+        </pc:sldLayoutChg>
+        <pc:sldLayoutChg chg="setBg">
+          <pc:chgData name="Neta Becker" userId="cef0aa30-4247-4db8-9bc0-d63efc0d3a53" providerId="ADAL" clId="{8E39725F-6EEF-4D4D-92C3-0465B79E9629}" dt="2024-05-18T10:29:19.955" v="31"/>
+          <pc:sldLayoutMkLst>
+            <pc:docMk/>
+            <pc:sldMasterMk cId="1804776256" sldId="2147483874"/>
+            <pc:sldLayoutMk cId="2093351699" sldId="2147483882"/>
+          </pc:sldLayoutMkLst>
+        </pc:sldLayoutChg>
+        <pc:sldLayoutChg chg="setBg">
+          <pc:chgData name="Neta Becker" userId="cef0aa30-4247-4db8-9bc0-d63efc0d3a53" providerId="ADAL" clId="{8E39725F-6EEF-4D4D-92C3-0465B79E9629}" dt="2024-05-18T10:29:19.955" v="31"/>
+          <pc:sldLayoutMkLst>
+            <pc:docMk/>
+            <pc:sldMasterMk cId="1804776256" sldId="2147483874"/>
+            <pc:sldLayoutMk cId="2135688596" sldId="2147483883"/>
+          </pc:sldLayoutMkLst>
+        </pc:sldLayoutChg>
+        <pc:sldLayoutChg chg="setBg">
+          <pc:chgData name="Neta Becker" userId="cef0aa30-4247-4db8-9bc0-d63efc0d3a53" providerId="ADAL" clId="{8E39725F-6EEF-4D4D-92C3-0465B79E9629}" dt="2024-05-18T10:29:19.955" v="31"/>
+          <pc:sldLayoutMkLst>
+            <pc:docMk/>
+            <pc:sldMasterMk cId="1804776256" sldId="2147483874"/>
+            <pc:sldLayoutMk cId="266860093" sldId="2147483884"/>
+          </pc:sldLayoutMkLst>
+        </pc:sldLayoutChg>
+        <pc:sldLayoutChg chg="setBg">
+          <pc:chgData name="Neta Becker" userId="cef0aa30-4247-4db8-9bc0-d63efc0d3a53" providerId="ADAL" clId="{8E39725F-6EEF-4D4D-92C3-0465B79E9629}" dt="2024-05-18T10:29:19.955" v="31"/>
+          <pc:sldLayoutMkLst>
+            <pc:docMk/>
+            <pc:sldMasterMk cId="1804776256" sldId="2147483874"/>
+            <pc:sldLayoutMk cId="3857526101" sldId="2147483885"/>
+          </pc:sldLayoutMkLst>
+        </pc:sldLayoutChg>
+        <pc:sldLayoutChg chg="setBg">
+          <pc:chgData name="Neta Becker" userId="cef0aa30-4247-4db8-9bc0-d63efc0d3a53" providerId="ADAL" clId="{8E39725F-6EEF-4D4D-92C3-0465B79E9629}" dt="2024-05-18T10:29:19.955" v="31"/>
+          <pc:sldLayoutMkLst>
+            <pc:docMk/>
+            <pc:sldMasterMk cId="1804776256" sldId="2147483874"/>
+            <pc:sldLayoutMk cId="1220493620" sldId="2147483886"/>
+          </pc:sldLayoutMkLst>
+        </pc:sldLayoutChg>
+      </pc:sldMasterChg>
+    </pc:docChg>
+  </pc:docChgLst>
+  <pc:docChgLst>
     <pc:chgData name="Neta Becker" userId="cef0aa30-4247-4db8-9bc0-d63efc0d3a53" providerId="ADAL" clId="{F41227B9-745C-4395-9C71-3772E855083B}"/>
     <pc:docChg chg="undo redo custSel addSld delSld modSld sldOrd">
       <pc:chgData name="Neta Becker" userId="cef0aa30-4247-4db8-9bc0-d63efc0d3a53" providerId="ADAL" clId="{F41227B9-745C-4395-9C71-3772E855083B}" dt="2024-04-20T09:22:38.819" v="403" actId="20577"/>
@@ -267,828 +2273,6 @@
           <pc:docMk/>
           <pc:sldMk cId="4140540780" sldId="258"/>
         </pc:sldMkLst>
-      </pc:sldChg>
-    </pc:docChg>
-  </pc:docChgLst>
-  <pc:docChgLst>
-    <pc:chgData name="Neta Becker" userId="cef0aa30-4247-4db8-9bc0-d63efc0d3a53" providerId="ADAL" clId="{08E06E4B-2E16-4BC0-80E9-E5B23CDC5CD9}"/>
-    <pc:docChg chg="undo redo custSel modSld">
-      <pc:chgData name="Neta Becker" userId="cef0aa30-4247-4db8-9bc0-d63efc0d3a53" providerId="ADAL" clId="{08E06E4B-2E16-4BC0-80E9-E5B23CDC5CD9}" dt="2024-05-06T09:38:26.905" v="270"/>
-      <pc:docMkLst>
-        <pc:docMk/>
-      </pc:docMkLst>
-      <pc:sldChg chg="addSp delSp modSp mod setBg addAnim modAnim setClrOvrMap delDesignElem">
-        <pc:chgData name="Neta Becker" userId="cef0aa30-4247-4db8-9bc0-d63efc0d3a53" providerId="ADAL" clId="{08E06E4B-2E16-4BC0-80E9-E5B23CDC5CD9}" dt="2024-05-06T09:29:31.417" v="23"/>
-        <pc:sldMkLst>
-          <pc:docMk/>
-          <pc:sldMk cId="2179648205" sldId="256"/>
-        </pc:sldMkLst>
-        <pc:spChg chg="mod">
-          <ac:chgData name="Neta Becker" userId="cef0aa30-4247-4db8-9bc0-d63efc0d3a53" providerId="ADAL" clId="{08E06E4B-2E16-4BC0-80E9-E5B23CDC5CD9}" dt="2024-05-06T09:29:24.963" v="19" actId="26606"/>
-          <ac:spMkLst>
-            <pc:docMk/>
-            <pc:sldMk cId="2179648205" sldId="256"/>
-            <ac:spMk id="2" creationId="{672AD88C-22F7-6099-31A3-259788130B42}"/>
-          </ac:spMkLst>
-        </pc:spChg>
-        <pc:spChg chg="mod">
-          <ac:chgData name="Neta Becker" userId="cef0aa30-4247-4db8-9bc0-d63efc0d3a53" providerId="ADAL" clId="{08E06E4B-2E16-4BC0-80E9-E5B23CDC5CD9}" dt="2024-05-06T09:29:24.963" v="19" actId="26606"/>
-          <ac:spMkLst>
-            <pc:docMk/>
-            <pc:sldMk cId="2179648205" sldId="256"/>
-            <ac:spMk id="3" creationId="{0D89FC02-A4AB-8F19-7B48-608FCF3D55D3}"/>
-          </ac:spMkLst>
-        </pc:spChg>
-        <pc:spChg chg="del">
-          <ac:chgData name="Neta Becker" userId="cef0aa30-4247-4db8-9bc0-d63efc0d3a53" providerId="ADAL" clId="{08E06E4B-2E16-4BC0-80E9-E5B23CDC5CD9}" dt="2024-05-06T09:27:33.454" v="2"/>
-          <ac:spMkLst>
-            <pc:docMk/>
-            <pc:sldMk cId="2179648205" sldId="256"/>
-            <ac:spMk id="7" creationId="{4BA0C938-1486-4635-9F6C-44D521FA6A4E}"/>
-          </ac:spMkLst>
-        </pc:spChg>
-        <pc:spChg chg="del">
-          <ac:chgData name="Neta Becker" userId="cef0aa30-4247-4db8-9bc0-d63efc0d3a53" providerId="ADAL" clId="{08E06E4B-2E16-4BC0-80E9-E5B23CDC5CD9}" dt="2024-05-06T09:27:33.454" v="2"/>
-          <ac:spMkLst>
-            <pc:docMk/>
-            <pc:sldMk cId="2179648205" sldId="256"/>
-            <ac:spMk id="8" creationId="{942A7ABB-6A86-4A02-A072-FA82CDCE533C}"/>
-          </ac:spMkLst>
-        </pc:spChg>
-        <pc:spChg chg="add del">
-          <ac:chgData name="Neta Becker" userId="cef0aa30-4247-4db8-9bc0-d63efc0d3a53" providerId="ADAL" clId="{08E06E4B-2E16-4BC0-80E9-E5B23CDC5CD9}" dt="2024-05-06T09:29:21.474" v="18"/>
-          <ac:spMkLst>
-            <pc:docMk/>
-            <pc:sldMk cId="2179648205" sldId="256"/>
-            <ac:spMk id="24" creationId="{6995F625-BE4F-4433-8290-5DF0E8589F50}"/>
-          </ac:spMkLst>
-        </pc:spChg>
-        <pc:spChg chg="add del">
-          <ac:chgData name="Neta Becker" userId="cef0aa30-4247-4db8-9bc0-d63efc0d3a53" providerId="ADAL" clId="{08E06E4B-2E16-4BC0-80E9-E5B23CDC5CD9}" dt="2024-05-06T09:29:21.474" v="18"/>
-          <ac:spMkLst>
-            <pc:docMk/>
-            <pc:sldMk cId="2179648205" sldId="256"/>
-            <ac:spMk id="26" creationId="{80102662-1FA4-4C7A-B144-19699DF43508}"/>
-          </ac:spMkLst>
-        </pc:spChg>
-        <pc:spChg chg="add del">
-          <ac:chgData name="Neta Becker" userId="cef0aa30-4247-4db8-9bc0-d63efc0d3a53" providerId="ADAL" clId="{08E06E4B-2E16-4BC0-80E9-E5B23CDC5CD9}" dt="2024-05-06T09:29:21.474" v="18"/>
-          <ac:spMkLst>
-            <pc:docMk/>
-            <pc:sldMk cId="2179648205" sldId="256"/>
-            <ac:spMk id="28" creationId="{655E224A-5F26-423E-949C-07A720F39A44}"/>
-          </ac:spMkLst>
-        </pc:spChg>
-        <pc:spChg chg="add del">
-          <ac:chgData name="Neta Becker" userId="cef0aa30-4247-4db8-9bc0-d63efc0d3a53" providerId="ADAL" clId="{08E06E4B-2E16-4BC0-80E9-E5B23CDC5CD9}" dt="2024-05-06T09:29:21.474" v="18"/>
-          <ac:spMkLst>
-            <pc:docMk/>
-            <pc:sldMk cId="2179648205" sldId="256"/>
-            <ac:spMk id="29" creationId="{A6F1DA18-4CA4-40CF-9ACA-105D8373B672}"/>
-          </ac:spMkLst>
-        </pc:spChg>
-        <pc:spChg chg="add del">
-          <ac:chgData name="Neta Becker" userId="cef0aa30-4247-4db8-9bc0-d63efc0d3a53" providerId="ADAL" clId="{08E06E4B-2E16-4BC0-80E9-E5B23CDC5CD9}" dt="2024-05-06T09:29:21.474" v="18"/>
-          <ac:spMkLst>
-            <pc:docMk/>
-            <pc:sldMk cId="2179648205" sldId="256"/>
-            <ac:spMk id="30" creationId="{7C6D1B74-744B-4231-97DB-86B4C9C5E2D3}"/>
-          </ac:spMkLst>
-        </pc:spChg>
-        <pc:spChg chg="add">
-          <ac:chgData name="Neta Becker" userId="cef0aa30-4247-4db8-9bc0-d63efc0d3a53" providerId="ADAL" clId="{08E06E4B-2E16-4BC0-80E9-E5B23CDC5CD9}" dt="2024-05-06T09:29:24.963" v="19" actId="26606"/>
-          <ac:spMkLst>
-            <pc:docMk/>
-            <pc:sldMk cId="2179648205" sldId="256"/>
-            <ac:spMk id="34" creationId="{6995F625-BE4F-4433-8290-5DF0E8589F50}"/>
-          </ac:spMkLst>
-        </pc:spChg>
-        <pc:spChg chg="add">
-          <ac:chgData name="Neta Becker" userId="cef0aa30-4247-4db8-9bc0-d63efc0d3a53" providerId="ADAL" clId="{08E06E4B-2E16-4BC0-80E9-E5B23CDC5CD9}" dt="2024-05-06T09:29:24.963" v="19" actId="26606"/>
-          <ac:spMkLst>
-            <pc:docMk/>
-            <pc:sldMk cId="2179648205" sldId="256"/>
-            <ac:spMk id="35" creationId="{E836677E-F83B-4FAB-8095-8700763077D8}"/>
-          </ac:spMkLst>
-        </pc:spChg>
-        <pc:spChg chg="add">
-          <ac:chgData name="Neta Becker" userId="cef0aa30-4247-4db8-9bc0-d63efc0d3a53" providerId="ADAL" clId="{08E06E4B-2E16-4BC0-80E9-E5B23CDC5CD9}" dt="2024-05-06T09:29:24.963" v="19" actId="26606"/>
-          <ac:spMkLst>
-            <pc:docMk/>
-            <pc:sldMk cId="2179648205" sldId="256"/>
-            <ac:spMk id="36" creationId="{655E224A-5F26-423E-949C-07A720F39A44}"/>
-          </ac:spMkLst>
-        </pc:spChg>
-        <pc:spChg chg="add">
-          <ac:chgData name="Neta Becker" userId="cef0aa30-4247-4db8-9bc0-d63efc0d3a53" providerId="ADAL" clId="{08E06E4B-2E16-4BC0-80E9-E5B23CDC5CD9}" dt="2024-05-06T09:29:24.963" v="19" actId="26606"/>
-          <ac:spMkLst>
-            <pc:docMk/>
-            <pc:sldMk cId="2179648205" sldId="256"/>
-            <ac:spMk id="37" creationId="{A6F1DA18-4CA4-40CF-9ACA-105D8373B672}"/>
-          </ac:spMkLst>
-        </pc:spChg>
-        <pc:spChg chg="add">
-          <ac:chgData name="Neta Becker" userId="cef0aa30-4247-4db8-9bc0-d63efc0d3a53" providerId="ADAL" clId="{08E06E4B-2E16-4BC0-80E9-E5B23CDC5CD9}" dt="2024-05-06T09:29:24.963" v="19" actId="26606"/>
-          <ac:spMkLst>
-            <pc:docMk/>
-            <pc:sldMk cId="2179648205" sldId="256"/>
-            <ac:spMk id="38" creationId="{7C6D1B74-744B-4231-97DB-86B4C9C5E2D3}"/>
-          </ac:spMkLst>
-        </pc:spChg>
-        <pc:cxnChg chg="del">
-          <ac:chgData name="Neta Becker" userId="cef0aa30-4247-4db8-9bc0-d63efc0d3a53" providerId="ADAL" clId="{08E06E4B-2E16-4BC0-80E9-E5B23CDC5CD9}" dt="2024-05-06T09:27:33.454" v="2"/>
-          <ac:cxnSpMkLst>
-            <pc:docMk/>
-            <pc:sldMk cId="2179648205" sldId="256"/>
-            <ac:cxnSpMk id="10" creationId="{B6916720-6D22-4D4B-BC19-23008C7DD487}"/>
-          </ac:cxnSpMkLst>
-        </pc:cxnChg>
-        <pc:cxnChg chg="add del">
-          <ac:chgData name="Neta Becker" userId="cef0aa30-4247-4db8-9bc0-d63efc0d3a53" providerId="ADAL" clId="{08E06E4B-2E16-4BC0-80E9-E5B23CDC5CD9}" dt="2024-05-06T09:29:21.474" v="18"/>
-          <ac:cxnSpMkLst>
-            <pc:docMk/>
-            <pc:sldMk cId="2179648205" sldId="256"/>
-            <ac:cxnSpMk id="31" creationId="{ABC98C72-9EDD-4426-B45A-84E06A7CD22F}"/>
-          </ac:cxnSpMkLst>
-        </pc:cxnChg>
-        <pc:cxnChg chg="add del">
-          <ac:chgData name="Neta Becker" userId="cef0aa30-4247-4db8-9bc0-d63efc0d3a53" providerId="ADAL" clId="{08E06E4B-2E16-4BC0-80E9-E5B23CDC5CD9}" dt="2024-05-06T09:29:21.474" v="18"/>
-          <ac:cxnSpMkLst>
-            <pc:docMk/>
-            <pc:sldMk cId="2179648205" sldId="256"/>
-            <ac:cxnSpMk id="32" creationId="{44887186-EE44-4AD3-BEFE-3478B4537191}"/>
-          </ac:cxnSpMkLst>
-        </pc:cxnChg>
-        <pc:cxnChg chg="add del">
-          <ac:chgData name="Neta Becker" userId="cef0aa30-4247-4db8-9bc0-d63efc0d3a53" providerId="ADAL" clId="{08E06E4B-2E16-4BC0-80E9-E5B23CDC5CD9}" dt="2024-05-06T09:29:21.474" v="18"/>
-          <ac:cxnSpMkLst>
-            <pc:docMk/>
-            <pc:sldMk cId="2179648205" sldId="256"/>
-            <ac:cxnSpMk id="33" creationId="{58EECC4E-F1C0-4C09-A7FD-4D623DACCC4F}"/>
-          </ac:cxnSpMkLst>
-        </pc:cxnChg>
-        <pc:cxnChg chg="add">
-          <ac:chgData name="Neta Becker" userId="cef0aa30-4247-4db8-9bc0-d63efc0d3a53" providerId="ADAL" clId="{08E06E4B-2E16-4BC0-80E9-E5B23CDC5CD9}" dt="2024-05-06T09:29:24.963" v="19" actId="26606"/>
-          <ac:cxnSpMkLst>
-            <pc:docMk/>
-            <pc:sldMk cId="2179648205" sldId="256"/>
-            <ac:cxnSpMk id="39" creationId="{ABC98C72-9EDD-4426-B45A-84E06A7CD22F}"/>
-          </ac:cxnSpMkLst>
-        </pc:cxnChg>
-        <pc:cxnChg chg="add">
-          <ac:chgData name="Neta Becker" userId="cef0aa30-4247-4db8-9bc0-d63efc0d3a53" providerId="ADAL" clId="{08E06E4B-2E16-4BC0-80E9-E5B23CDC5CD9}" dt="2024-05-06T09:29:24.963" v="19" actId="26606"/>
-          <ac:cxnSpMkLst>
-            <pc:docMk/>
-            <pc:sldMk cId="2179648205" sldId="256"/>
-            <ac:cxnSpMk id="40" creationId="{44887186-EE44-4AD3-BEFE-3478B4537191}"/>
-          </ac:cxnSpMkLst>
-        </pc:cxnChg>
-        <pc:cxnChg chg="add">
-          <ac:chgData name="Neta Becker" userId="cef0aa30-4247-4db8-9bc0-d63efc0d3a53" providerId="ADAL" clId="{08E06E4B-2E16-4BC0-80E9-E5B23CDC5CD9}" dt="2024-05-06T09:29:24.963" v="19" actId="26606"/>
-          <ac:cxnSpMkLst>
-            <pc:docMk/>
-            <pc:sldMk cId="2179648205" sldId="256"/>
-            <ac:cxnSpMk id="41" creationId="{58EECC4E-F1C0-4C09-A7FD-4D623DACCC4F}"/>
-          </ac:cxnSpMkLst>
-        </pc:cxnChg>
-      </pc:sldChg>
-      <pc:sldChg chg="modSp mod">
-        <pc:chgData name="Neta Becker" userId="cef0aa30-4247-4db8-9bc0-d63efc0d3a53" providerId="ADAL" clId="{08E06E4B-2E16-4BC0-80E9-E5B23CDC5CD9}" dt="2024-05-06T09:37:29.531" v="246" actId="2711"/>
-        <pc:sldMkLst>
-          <pc:docMk/>
-          <pc:sldMk cId="1769220115" sldId="257"/>
-        </pc:sldMkLst>
-        <pc:spChg chg="mod">
-          <ac:chgData name="Neta Becker" userId="cef0aa30-4247-4db8-9bc0-d63efc0d3a53" providerId="ADAL" clId="{08E06E4B-2E16-4BC0-80E9-E5B23CDC5CD9}" dt="2024-05-06T09:37:29.531" v="246" actId="2711"/>
-          <ac:spMkLst>
-            <pc:docMk/>
-            <pc:sldMk cId="1769220115" sldId="257"/>
-            <ac:spMk id="3" creationId="{138B8362-48C3-13F0-617A-B8A3256120CA}"/>
-          </ac:spMkLst>
-        </pc:spChg>
-      </pc:sldChg>
-      <pc:sldChg chg="delSp modSp mod">
-        <pc:chgData name="Neta Becker" userId="cef0aa30-4247-4db8-9bc0-d63efc0d3a53" providerId="ADAL" clId="{08E06E4B-2E16-4BC0-80E9-E5B23CDC5CD9}" dt="2024-05-06T09:35:15.338" v="119" actId="1076"/>
-        <pc:sldMkLst>
-          <pc:docMk/>
-          <pc:sldMk cId="2968838544" sldId="260"/>
-        </pc:sldMkLst>
-        <pc:spChg chg="mod">
-          <ac:chgData name="Neta Becker" userId="cef0aa30-4247-4db8-9bc0-d63efc0d3a53" providerId="ADAL" clId="{08E06E4B-2E16-4BC0-80E9-E5B23CDC5CD9}" dt="2024-05-06T09:29:21.474" v="18"/>
-          <ac:spMkLst>
-            <pc:docMk/>
-            <pc:sldMk cId="2968838544" sldId="260"/>
-            <ac:spMk id="2" creationId="{740EF0B2-1FEB-FFA2-67D6-9A5DBB7AADB8}"/>
-          </ac:spMkLst>
-        </pc:spChg>
-        <pc:spChg chg="mod">
-          <ac:chgData name="Neta Becker" userId="cef0aa30-4247-4db8-9bc0-d63efc0d3a53" providerId="ADAL" clId="{08E06E4B-2E16-4BC0-80E9-E5B23CDC5CD9}" dt="2024-05-06T09:33:24.846" v="54" actId="20577"/>
-          <ac:spMkLst>
-            <pc:docMk/>
-            <pc:sldMk cId="2968838544" sldId="260"/>
-            <ac:spMk id="3" creationId="{6D1E74C4-204E-AA3F-084A-12061BF8DF60}"/>
-          </ac:spMkLst>
-        </pc:spChg>
-        <pc:spChg chg="mod">
-          <ac:chgData name="Neta Becker" userId="cef0aa30-4247-4db8-9bc0-d63efc0d3a53" providerId="ADAL" clId="{08E06E4B-2E16-4BC0-80E9-E5B23CDC5CD9}" dt="2024-05-06T09:35:15.338" v="119" actId="1076"/>
-          <ac:spMkLst>
-            <pc:docMk/>
-            <pc:sldMk cId="2968838544" sldId="260"/>
-            <ac:spMk id="4" creationId="{E48DD004-B007-8E13-0D59-7E3DC4EADB0D}"/>
-          </ac:spMkLst>
-        </pc:spChg>
-        <pc:grpChg chg="mod ord">
-          <ac:chgData name="Neta Becker" userId="cef0aa30-4247-4db8-9bc0-d63efc0d3a53" providerId="ADAL" clId="{08E06E4B-2E16-4BC0-80E9-E5B23CDC5CD9}" dt="2024-05-06T09:35:15.338" v="119" actId="1076"/>
-          <ac:grpSpMkLst>
-            <pc:docMk/>
-            <pc:sldMk cId="2968838544" sldId="260"/>
-            <ac:grpSpMk id="6" creationId="{42D68D64-2AF4-4DAF-B3FA-22F89910B0E2}"/>
-          </ac:grpSpMkLst>
-        </pc:grpChg>
-        <pc:picChg chg="del">
-          <ac:chgData name="Neta Becker" userId="cef0aa30-4247-4db8-9bc0-d63efc0d3a53" providerId="ADAL" clId="{08E06E4B-2E16-4BC0-80E9-E5B23CDC5CD9}" dt="2024-05-06T09:32:24.257" v="31" actId="478"/>
-          <ac:picMkLst>
-            <pc:docMk/>
-            <pc:sldMk cId="2968838544" sldId="260"/>
-            <ac:picMk id="5" creationId="{B7574A9B-FDE9-E090-222F-BBE808DAF180}"/>
-          </ac:picMkLst>
-        </pc:picChg>
-      </pc:sldChg>
-      <pc:sldChg chg="addSp delSp modSp mod">
-        <pc:chgData name="Neta Becker" userId="cef0aa30-4247-4db8-9bc0-d63efc0d3a53" providerId="ADAL" clId="{08E06E4B-2E16-4BC0-80E9-E5B23CDC5CD9}" dt="2024-05-06T09:37:12.576" v="244" actId="2711"/>
-        <pc:sldMkLst>
-          <pc:docMk/>
-          <pc:sldMk cId="461867753" sldId="261"/>
-        </pc:sldMkLst>
-        <pc:spChg chg="mod">
-          <ac:chgData name="Neta Becker" userId="cef0aa30-4247-4db8-9bc0-d63efc0d3a53" providerId="ADAL" clId="{08E06E4B-2E16-4BC0-80E9-E5B23CDC5CD9}" dt="2024-05-06T09:36:04.523" v="135" actId="404"/>
-          <ac:spMkLst>
-            <pc:docMk/>
-            <pc:sldMk cId="461867753" sldId="261"/>
-            <ac:spMk id="2" creationId="{27F2BC14-3B96-5B86-2DD7-96DF3F92CEED}"/>
-          </ac:spMkLst>
-        </pc:spChg>
-        <pc:spChg chg="mod">
-          <ac:chgData name="Neta Becker" userId="cef0aa30-4247-4db8-9bc0-d63efc0d3a53" providerId="ADAL" clId="{08E06E4B-2E16-4BC0-80E9-E5B23CDC5CD9}" dt="2024-05-06T09:35:47.256" v="122" actId="1076"/>
-          <ac:spMkLst>
-            <pc:docMk/>
-            <pc:sldMk cId="461867753" sldId="261"/>
-            <ac:spMk id="3" creationId="{59B13712-2E9B-1174-4923-86AC75DEE9BB}"/>
-          </ac:spMkLst>
-        </pc:spChg>
-        <pc:spChg chg="mod">
-          <ac:chgData name="Neta Becker" userId="cef0aa30-4247-4db8-9bc0-d63efc0d3a53" providerId="ADAL" clId="{08E06E4B-2E16-4BC0-80E9-E5B23CDC5CD9}" dt="2024-05-06T09:35:47.256" v="122" actId="1076"/>
-          <ac:spMkLst>
-            <pc:docMk/>
-            <pc:sldMk cId="461867753" sldId="261"/>
-            <ac:spMk id="4" creationId="{14003EA2-3B99-CDA1-CB5E-4030F5CE842D}"/>
-          </ac:spMkLst>
-        </pc:spChg>
-        <pc:spChg chg="mod">
-          <ac:chgData name="Neta Becker" userId="cef0aa30-4247-4db8-9bc0-d63efc0d3a53" providerId="ADAL" clId="{08E06E4B-2E16-4BC0-80E9-E5B23CDC5CD9}" dt="2024-05-06T09:35:47.256" v="122" actId="1076"/>
-          <ac:spMkLst>
-            <pc:docMk/>
-            <pc:sldMk cId="461867753" sldId="261"/>
-            <ac:spMk id="6" creationId="{3F639773-BE76-38E2-3AC3-3443D2BF61F2}"/>
-          </ac:spMkLst>
-        </pc:spChg>
-        <pc:spChg chg="mod">
-          <ac:chgData name="Neta Becker" userId="cef0aa30-4247-4db8-9bc0-d63efc0d3a53" providerId="ADAL" clId="{08E06E4B-2E16-4BC0-80E9-E5B23CDC5CD9}" dt="2024-05-06T09:35:47.256" v="122" actId="1076"/>
-          <ac:spMkLst>
-            <pc:docMk/>
-            <pc:sldMk cId="461867753" sldId="261"/>
-            <ac:spMk id="7" creationId="{824600E3-9A04-D1A5-D7D3-A94281884CFC}"/>
-          </ac:spMkLst>
-        </pc:spChg>
-        <pc:spChg chg="mod">
-          <ac:chgData name="Neta Becker" userId="cef0aa30-4247-4db8-9bc0-d63efc0d3a53" providerId="ADAL" clId="{08E06E4B-2E16-4BC0-80E9-E5B23CDC5CD9}" dt="2024-05-06T09:35:47.256" v="122" actId="1076"/>
-          <ac:spMkLst>
-            <pc:docMk/>
-            <pc:sldMk cId="461867753" sldId="261"/>
-            <ac:spMk id="8" creationId="{E7F835B6-7E92-E8DB-554C-37E3CDDE2DDC}"/>
-          </ac:spMkLst>
-        </pc:spChg>
-        <pc:spChg chg="mod">
-          <ac:chgData name="Neta Becker" userId="cef0aa30-4247-4db8-9bc0-d63efc0d3a53" providerId="ADAL" clId="{08E06E4B-2E16-4BC0-80E9-E5B23CDC5CD9}" dt="2024-05-06T09:35:47.256" v="122" actId="1076"/>
-          <ac:spMkLst>
-            <pc:docMk/>
-            <pc:sldMk cId="461867753" sldId="261"/>
-            <ac:spMk id="9" creationId="{7CF1D10C-B56D-85EE-4D7F-2B2129E28E27}"/>
-          </ac:spMkLst>
-        </pc:spChg>
-        <pc:spChg chg="add mod">
-          <ac:chgData name="Neta Becker" userId="cef0aa30-4247-4db8-9bc0-d63efc0d3a53" providerId="ADAL" clId="{08E06E4B-2E16-4BC0-80E9-E5B23CDC5CD9}" dt="2024-05-06T09:37:12.576" v="244" actId="2711"/>
-          <ac:spMkLst>
-            <pc:docMk/>
-            <pc:sldMk cId="461867753" sldId="261"/>
-            <ac:spMk id="10" creationId="{CA9F315B-54D4-E999-844C-5423FDC7670E}"/>
-          </ac:spMkLst>
-        </pc:spChg>
-        <pc:spChg chg="mod">
-          <ac:chgData name="Neta Becker" userId="cef0aa30-4247-4db8-9bc0-d63efc0d3a53" providerId="ADAL" clId="{08E06E4B-2E16-4BC0-80E9-E5B23CDC5CD9}" dt="2024-05-06T09:33:44.247" v="58" actId="2711"/>
-          <ac:spMkLst>
-            <pc:docMk/>
-            <pc:sldMk cId="461867753" sldId="261"/>
-            <ac:spMk id="14" creationId="{A1ADE3B4-1024-E165-569C-B54122EF68C3}"/>
-          </ac:spMkLst>
-        </pc:spChg>
-        <pc:spChg chg="mod">
-          <ac:chgData name="Neta Becker" userId="cef0aa30-4247-4db8-9bc0-d63efc0d3a53" providerId="ADAL" clId="{08E06E4B-2E16-4BC0-80E9-E5B23CDC5CD9}" dt="2024-05-06T09:33:44.247" v="58" actId="2711"/>
-          <ac:spMkLst>
-            <pc:docMk/>
-            <pc:sldMk cId="461867753" sldId="261"/>
-            <ac:spMk id="18" creationId="{6C428213-4A02-E17F-1BF5-50279389432E}"/>
-          </ac:spMkLst>
-        </pc:spChg>
-        <pc:spChg chg="mod">
-          <ac:chgData name="Neta Becker" userId="cef0aa30-4247-4db8-9bc0-d63efc0d3a53" providerId="ADAL" clId="{08E06E4B-2E16-4BC0-80E9-E5B23CDC5CD9}" dt="2024-05-06T09:33:44.247" v="58" actId="2711"/>
-          <ac:spMkLst>
-            <pc:docMk/>
-            <pc:sldMk cId="461867753" sldId="261"/>
-            <ac:spMk id="19" creationId="{E0A0FAD6-7401-B9B4-5DB1-54DBCDE9057B}"/>
-          </ac:spMkLst>
-        </pc:spChg>
-        <pc:spChg chg="mod">
-          <ac:chgData name="Neta Becker" userId="cef0aa30-4247-4db8-9bc0-d63efc0d3a53" providerId="ADAL" clId="{08E06E4B-2E16-4BC0-80E9-E5B23CDC5CD9}" dt="2024-05-06T09:33:44.247" v="58" actId="2711"/>
-          <ac:spMkLst>
-            <pc:docMk/>
-            <pc:sldMk cId="461867753" sldId="261"/>
-            <ac:spMk id="25" creationId="{DE5736CF-33FB-19AA-1EA5-91659DAF5A45}"/>
-          </ac:spMkLst>
-        </pc:spChg>
-        <pc:spChg chg="mod">
-          <ac:chgData name="Neta Becker" userId="cef0aa30-4247-4db8-9bc0-d63efc0d3a53" providerId="ADAL" clId="{08E06E4B-2E16-4BC0-80E9-E5B23CDC5CD9}" dt="2024-05-06T09:33:44.247" v="58" actId="2711"/>
-          <ac:spMkLst>
-            <pc:docMk/>
-            <pc:sldMk cId="461867753" sldId="261"/>
-            <ac:spMk id="27" creationId="{2085121E-5778-FDBD-3122-57459E09E9D9}"/>
-          </ac:spMkLst>
-        </pc:spChg>
-        <pc:spChg chg="mod">
-          <ac:chgData name="Neta Becker" userId="cef0aa30-4247-4db8-9bc0-d63efc0d3a53" providerId="ADAL" clId="{08E06E4B-2E16-4BC0-80E9-E5B23CDC5CD9}" dt="2024-05-06T09:33:44.247" v="58" actId="2711"/>
-          <ac:spMkLst>
-            <pc:docMk/>
-            <pc:sldMk cId="461867753" sldId="261"/>
-            <ac:spMk id="28" creationId="{8BEE8248-D2F5-3601-7EA3-AB96036FE23E}"/>
-          </ac:spMkLst>
-        </pc:spChg>
-        <pc:spChg chg="mod">
-          <ac:chgData name="Neta Becker" userId="cef0aa30-4247-4db8-9bc0-d63efc0d3a53" providerId="ADAL" clId="{08E06E4B-2E16-4BC0-80E9-E5B23CDC5CD9}" dt="2024-05-06T09:33:44.247" v="58" actId="2711"/>
-          <ac:spMkLst>
-            <pc:docMk/>
-            <pc:sldMk cId="461867753" sldId="261"/>
-            <ac:spMk id="29" creationId="{AF44F0EB-F53B-EF98-E56F-789776E41460}"/>
-          </ac:spMkLst>
-        </pc:spChg>
-        <pc:spChg chg="mod">
-          <ac:chgData name="Neta Becker" userId="cef0aa30-4247-4db8-9bc0-d63efc0d3a53" providerId="ADAL" clId="{08E06E4B-2E16-4BC0-80E9-E5B23CDC5CD9}" dt="2024-05-06T09:35:47.256" v="122" actId="1076"/>
-          <ac:spMkLst>
-            <pc:docMk/>
-            <pc:sldMk cId="461867753" sldId="261"/>
-            <ac:spMk id="39" creationId="{5E77387B-4106-F94B-E490-515A6B708E28}"/>
-          </ac:spMkLst>
-        </pc:spChg>
-        <pc:spChg chg="mod">
-          <ac:chgData name="Neta Becker" userId="cef0aa30-4247-4db8-9bc0-d63efc0d3a53" providerId="ADAL" clId="{08E06E4B-2E16-4BC0-80E9-E5B23CDC5CD9}" dt="2024-05-06T09:35:47.256" v="122" actId="1076"/>
-          <ac:spMkLst>
-            <pc:docMk/>
-            <pc:sldMk cId="461867753" sldId="261"/>
-            <ac:spMk id="40" creationId="{2885E57A-1E18-A693-DF51-361DEDCF79DF}"/>
-          </ac:spMkLst>
-        </pc:spChg>
-        <pc:spChg chg="del mod">
-          <ac:chgData name="Neta Becker" userId="cef0aa30-4247-4db8-9bc0-d63efc0d3a53" providerId="ADAL" clId="{08E06E4B-2E16-4BC0-80E9-E5B23CDC5CD9}" dt="2024-05-06T09:36:47.557" v="238" actId="478"/>
-          <ac:spMkLst>
-            <pc:docMk/>
-            <pc:sldMk cId="461867753" sldId="261"/>
-            <ac:spMk id="48" creationId="{DB227C68-2F3D-A754-9C77-58515A28E4A4}"/>
-          </ac:spMkLst>
-        </pc:spChg>
-        <pc:picChg chg="mod">
-          <ac:chgData name="Neta Becker" userId="cef0aa30-4247-4db8-9bc0-d63efc0d3a53" providerId="ADAL" clId="{08E06E4B-2E16-4BC0-80E9-E5B23CDC5CD9}" dt="2024-05-06T09:35:47.256" v="122" actId="1076"/>
-          <ac:picMkLst>
-            <pc:docMk/>
-            <pc:sldMk cId="461867753" sldId="261"/>
-            <ac:picMk id="5" creationId="{1E83A6E1-0C7A-1426-412D-C8B6F196B100}"/>
-          </ac:picMkLst>
-        </pc:picChg>
-        <pc:cxnChg chg="mod">
-          <ac:chgData name="Neta Becker" userId="cef0aa30-4247-4db8-9bc0-d63efc0d3a53" providerId="ADAL" clId="{08E06E4B-2E16-4BC0-80E9-E5B23CDC5CD9}" dt="2024-05-06T09:35:47.256" v="122" actId="1076"/>
-          <ac:cxnSpMkLst>
-            <pc:docMk/>
-            <pc:sldMk cId="461867753" sldId="261"/>
-            <ac:cxnSpMk id="12" creationId="{451DBC3B-C91A-1FBD-A94F-5133C1569AC3}"/>
-          </ac:cxnSpMkLst>
-        </pc:cxnChg>
-        <pc:cxnChg chg="mod">
-          <ac:chgData name="Neta Becker" userId="cef0aa30-4247-4db8-9bc0-d63efc0d3a53" providerId="ADAL" clId="{08E06E4B-2E16-4BC0-80E9-E5B23CDC5CD9}" dt="2024-05-06T09:35:47.256" v="122" actId="1076"/>
-          <ac:cxnSpMkLst>
-            <pc:docMk/>
-            <pc:sldMk cId="461867753" sldId="261"/>
-            <ac:cxnSpMk id="15" creationId="{46242B1B-8544-B736-9FB5-F05BDB0C86B8}"/>
-          </ac:cxnSpMkLst>
-        </pc:cxnChg>
-        <pc:cxnChg chg="mod">
-          <ac:chgData name="Neta Becker" userId="cef0aa30-4247-4db8-9bc0-d63efc0d3a53" providerId="ADAL" clId="{08E06E4B-2E16-4BC0-80E9-E5B23CDC5CD9}" dt="2024-05-06T09:35:47.256" v="122" actId="1076"/>
-          <ac:cxnSpMkLst>
-            <pc:docMk/>
-            <pc:sldMk cId="461867753" sldId="261"/>
-            <ac:cxnSpMk id="17" creationId="{C7CA7660-175B-A264-1D90-E9D820FF190B}"/>
-          </ac:cxnSpMkLst>
-        </pc:cxnChg>
-        <pc:cxnChg chg="mod">
-          <ac:chgData name="Neta Becker" userId="cef0aa30-4247-4db8-9bc0-d63efc0d3a53" providerId="ADAL" clId="{08E06E4B-2E16-4BC0-80E9-E5B23CDC5CD9}" dt="2024-05-06T09:35:47.256" v="122" actId="1076"/>
-          <ac:cxnSpMkLst>
-            <pc:docMk/>
-            <pc:sldMk cId="461867753" sldId="261"/>
-            <ac:cxnSpMk id="26" creationId="{A7E2E51D-36A8-2616-5C64-DB76808F0322}"/>
-          </ac:cxnSpMkLst>
-        </pc:cxnChg>
-        <pc:cxnChg chg="mod">
-          <ac:chgData name="Neta Becker" userId="cef0aa30-4247-4db8-9bc0-d63efc0d3a53" providerId="ADAL" clId="{08E06E4B-2E16-4BC0-80E9-E5B23CDC5CD9}" dt="2024-05-06T09:35:47.256" v="122" actId="1076"/>
-          <ac:cxnSpMkLst>
-            <pc:docMk/>
-            <pc:sldMk cId="461867753" sldId="261"/>
-            <ac:cxnSpMk id="30" creationId="{99070760-9ABF-8E48-1E00-CE0D6F0399D8}"/>
-          </ac:cxnSpMkLst>
-        </pc:cxnChg>
-        <pc:cxnChg chg="mod">
-          <ac:chgData name="Neta Becker" userId="cef0aa30-4247-4db8-9bc0-d63efc0d3a53" providerId="ADAL" clId="{08E06E4B-2E16-4BC0-80E9-E5B23CDC5CD9}" dt="2024-05-06T09:35:47.256" v="122" actId="1076"/>
-          <ac:cxnSpMkLst>
-            <pc:docMk/>
-            <pc:sldMk cId="461867753" sldId="261"/>
-            <ac:cxnSpMk id="31" creationId="{3B375C1D-DB6E-1CA9-F6D9-FC395302BE22}"/>
-          </ac:cxnSpMkLst>
-        </pc:cxnChg>
-        <pc:cxnChg chg="mod">
-          <ac:chgData name="Neta Becker" userId="cef0aa30-4247-4db8-9bc0-d63efc0d3a53" providerId="ADAL" clId="{08E06E4B-2E16-4BC0-80E9-E5B23CDC5CD9}" dt="2024-05-06T09:35:47.256" v="122" actId="1076"/>
-          <ac:cxnSpMkLst>
-            <pc:docMk/>
-            <pc:sldMk cId="461867753" sldId="261"/>
-            <ac:cxnSpMk id="32" creationId="{4B0DD588-5D13-6452-B540-53ACF5B31763}"/>
-          </ac:cxnSpMkLst>
-        </pc:cxnChg>
-        <pc:cxnChg chg="mod">
-          <ac:chgData name="Neta Becker" userId="cef0aa30-4247-4db8-9bc0-d63efc0d3a53" providerId="ADAL" clId="{08E06E4B-2E16-4BC0-80E9-E5B23CDC5CD9}" dt="2024-05-06T09:35:47.256" v="122" actId="1076"/>
-          <ac:cxnSpMkLst>
-            <pc:docMk/>
-            <pc:sldMk cId="461867753" sldId="261"/>
-            <ac:cxnSpMk id="45" creationId="{C0835E53-08FD-E88E-207A-5C35665B6DB5}"/>
-          </ac:cxnSpMkLst>
-        </pc:cxnChg>
-        <pc:cxnChg chg="mod">
-          <ac:chgData name="Neta Becker" userId="cef0aa30-4247-4db8-9bc0-d63efc0d3a53" providerId="ADAL" clId="{08E06E4B-2E16-4BC0-80E9-E5B23CDC5CD9}" dt="2024-05-06T09:35:47.256" v="122" actId="1076"/>
-          <ac:cxnSpMkLst>
-            <pc:docMk/>
-            <pc:sldMk cId="461867753" sldId="261"/>
-            <ac:cxnSpMk id="46" creationId="{DA7708FF-E23A-0C59-6836-A9A7D11BFD5A}"/>
-          </ac:cxnSpMkLst>
-        </pc:cxnChg>
-      </pc:sldChg>
-      <pc:sldChg chg="modSp mod">
-        <pc:chgData name="Neta Becker" userId="cef0aa30-4247-4db8-9bc0-d63efc0d3a53" providerId="ADAL" clId="{08E06E4B-2E16-4BC0-80E9-E5B23CDC5CD9}" dt="2024-05-06T09:38:26.905" v="270"/>
-        <pc:sldMkLst>
-          <pc:docMk/>
-          <pc:sldMk cId="3063377580" sldId="262"/>
-        </pc:sldMkLst>
-        <pc:spChg chg="mod">
-          <ac:chgData name="Neta Becker" userId="cef0aa30-4247-4db8-9bc0-d63efc0d3a53" providerId="ADAL" clId="{08E06E4B-2E16-4BC0-80E9-E5B23CDC5CD9}" dt="2024-05-06T09:38:22.657" v="254" actId="20577"/>
-          <ac:spMkLst>
-            <pc:docMk/>
-            <pc:sldMk cId="3063377580" sldId="262"/>
-            <ac:spMk id="2" creationId="{6701CDF3-1F26-7CF3-898F-F2B07566BDFF}"/>
-          </ac:spMkLst>
-        </pc:spChg>
-        <pc:spChg chg="mod">
-          <ac:chgData name="Neta Becker" userId="cef0aa30-4247-4db8-9bc0-d63efc0d3a53" providerId="ADAL" clId="{08E06E4B-2E16-4BC0-80E9-E5B23CDC5CD9}" dt="2024-05-06T09:38:26.905" v="270"/>
-          <ac:spMkLst>
-            <pc:docMk/>
-            <pc:sldMk cId="3063377580" sldId="262"/>
-            <ac:spMk id="3" creationId="{79639998-542D-EA12-DA1F-335575519817}"/>
-          </ac:spMkLst>
-        </pc:spChg>
-      </pc:sldChg>
-      <pc:sldChg chg="modSp">
-        <pc:chgData name="Neta Becker" userId="cef0aa30-4247-4db8-9bc0-d63efc0d3a53" providerId="ADAL" clId="{08E06E4B-2E16-4BC0-80E9-E5B23CDC5CD9}" dt="2024-05-06T09:29:21.474" v="18"/>
-        <pc:sldMkLst>
-          <pc:docMk/>
-          <pc:sldMk cId="1521044007" sldId="264"/>
-        </pc:sldMkLst>
-        <pc:spChg chg="mod">
-          <ac:chgData name="Neta Becker" userId="cef0aa30-4247-4db8-9bc0-d63efc0d3a53" providerId="ADAL" clId="{08E06E4B-2E16-4BC0-80E9-E5B23CDC5CD9}" dt="2024-05-06T09:29:21.474" v="18"/>
-          <ac:spMkLst>
-            <pc:docMk/>
-            <pc:sldMk cId="1521044007" sldId="264"/>
-            <ac:spMk id="2" creationId="{9E1B47C9-23BE-9F8B-A0E0-E74CAB5ED67A}"/>
-          </ac:spMkLst>
-        </pc:spChg>
-        <pc:spChg chg="mod">
-          <ac:chgData name="Neta Becker" userId="cef0aa30-4247-4db8-9bc0-d63efc0d3a53" providerId="ADAL" clId="{08E06E4B-2E16-4BC0-80E9-E5B23CDC5CD9}" dt="2024-05-06T09:29:21.474" v="18"/>
-          <ac:spMkLst>
-            <pc:docMk/>
-            <pc:sldMk cId="1521044007" sldId="264"/>
-            <ac:spMk id="3" creationId="{2D2E6A14-D956-DE39-DFB5-8D352E675082}"/>
-          </ac:spMkLst>
-        </pc:spChg>
-      </pc:sldChg>
-      <pc:sldChg chg="modSp">
-        <pc:chgData name="Neta Becker" userId="cef0aa30-4247-4db8-9bc0-d63efc0d3a53" providerId="ADAL" clId="{08E06E4B-2E16-4BC0-80E9-E5B23CDC5CD9}" dt="2024-05-06T09:29:21.474" v="18"/>
-        <pc:sldMkLst>
-          <pc:docMk/>
-          <pc:sldMk cId="3884930515" sldId="265"/>
-        </pc:sldMkLst>
-        <pc:spChg chg="mod">
-          <ac:chgData name="Neta Becker" userId="cef0aa30-4247-4db8-9bc0-d63efc0d3a53" providerId="ADAL" clId="{08E06E4B-2E16-4BC0-80E9-E5B23CDC5CD9}" dt="2024-05-06T09:29:21.474" v="18"/>
-          <ac:spMkLst>
-            <pc:docMk/>
-            <pc:sldMk cId="3884930515" sldId="265"/>
-            <ac:spMk id="2" creationId="{FBB17739-EDA8-0BBF-2BBE-DD328C51C51D}"/>
-          </ac:spMkLst>
-        </pc:spChg>
-        <pc:spChg chg="mod">
-          <ac:chgData name="Neta Becker" userId="cef0aa30-4247-4db8-9bc0-d63efc0d3a53" providerId="ADAL" clId="{08E06E4B-2E16-4BC0-80E9-E5B23CDC5CD9}" dt="2024-05-06T09:29:21.474" v="18"/>
-          <ac:spMkLst>
-            <pc:docMk/>
-            <pc:sldMk cId="3884930515" sldId="265"/>
-            <ac:spMk id="3" creationId="{2CEC7C2B-FE22-13AA-830E-5D224F921C9D}"/>
-          </ac:spMkLst>
-        </pc:spChg>
-      </pc:sldChg>
-      <pc:sldChg chg="modSp mod">
-        <pc:chgData name="Neta Becker" userId="cef0aa30-4247-4db8-9bc0-d63efc0d3a53" providerId="ADAL" clId="{08E06E4B-2E16-4BC0-80E9-E5B23CDC5CD9}" dt="2024-05-06T09:37:40.305" v="248" actId="255"/>
-        <pc:sldMkLst>
-          <pc:docMk/>
-          <pc:sldMk cId="3614498727" sldId="267"/>
-        </pc:sldMkLst>
-        <pc:spChg chg="mod">
-          <ac:chgData name="Neta Becker" userId="cef0aa30-4247-4db8-9bc0-d63efc0d3a53" providerId="ADAL" clId="{08E06E4B-2E16-4BC0-80E9-E5B23CDC5CD9}" dt="2024-05-06T09:29:21.474" v="18"/>
-          <ac:spMkLst>
-            <pc:docMk/>
-            <pc:sldMk cId="3614498727" sldId="267"/>
-            <ac:spMk id="2" creationId="{AC2ACF71-CF4B-C77D-06EE-335720E44195}"/>
-          </ac:spMkLst>
-        </pc:spChg>
-        <pc:spChg chg="mod">
-          <ac:chgData name="Neta Becker" userId="cef0aa30-4247-4db8-9bc0-d63efc0d3a53" providerId="ADAL" clId="{08E06E4B-2E16-4BC0-80E9-E5B23CDC5CD9}" dt="2024-05-06T09:37:40.305" v="248" actId="255"/>
-          <ac:spMkLst>
-            <pc:docMk/>
-            <pc:sldMk cId="3614498727" sldId="267"/>
-            <ac:spMk id="3" creationId="{3FB97B73-96BD-1AB7-EA8C-0E12DAF0CCBC}"/>
-          </ac:spMkLst>
-        </pc:spChg>
-      </pc:sldChg>
-      <pc:sldChg chg="addSp delSp modSp mod setBg addAnim modAnim delDesignElem">
-        <pc:chgData name="Neta Becker" userId="cef0aa30-4247-4db8-9bc0-d63efc0d3a53" providerId="ADAL" clId="{08E06E4B-2E16-4BC0-80E9-E5B23CDC5CD9}" dt="2024-05-06T09:31:13.781" v="30"/>
-        <pc:sldMkLst>
-          <pc:docMk/>
-          <pc:sldMk cId="3788276947" sldId="268"/>
-        </pc:sldMkLst>
-        <pc:spChg chg="mod">
-          <ac:chgData name="Neta Becker" userId="cef0aa30-4247-4db8-9bc0-d63efc0d3a53" providerId="ADAL" clId="{08E06E4B-2E16-4BC0-80E9-E5B23CDC5CD9}" dt="2024-05-06T09:31:04.724" v="26" actId="26606"/>
-          <ac:spMkLst>
-            <pc:docMk/>
-            <pc:sldMk cId="3788276947" sldId="268"/>
-            <ac:spMk id="2" creationId="{D11A6587-4B31-2098-8A11-B9028D74594E}"/>
-          </ac:spMkLst>
-        </pc:spChg>
-        <pc:spChg chg="mod">
-          <ac:chgData name="Neta Becker" userId="cef0aa30-4247-4db8-9bc0-d63efc0d3a53" providerId="ADAL" clId="{08E06E4B-2E16-4BC0-80E9-E5B23CDC5CD9}" dt="2024-05-06T09:31:04.724" v="26" actId="26606"/>
-          <ac:spMkLst>
-            <pc:docMk/>
-            <pc:sldMk cId="3788276947" sldId="268"/>
-            <ac:spMk id="3" creationId="{179BA227-78E9-E910-93F6-862AA8674913}"/>
-          </ac:spMkLst>
-        </pc:spChg>
-        <pc:spChg chg="add">
-          <ac:chgData name="Neta Becker" userId="cef0aa30-4247-4db8-9bc0-d63efc0d3a53" providerId="ADAL" clId="{08E06E4B-2E16-4BC0-80E9-E5B23CDC5CD9}" dt="2024-05-06T09:31:04.724" v="26" actId="26606"/>
-          <ac:spMkLst>
-            <pc:docMk/>
-            <pc:sldMk cId="3788276947" sldId="268"/>
-            <ac:spMk id="5" creationId="{6995F625-BE4F-4433-8290-5DF0E8589F50}"/>
-          </ac:spMkLst>
-        </pc:spChg>
-        <pc:spChg chg="add">
-          <ac:chgData name="Neta Becker" userId="cef0aa30-4247-4db8-9bc0-d63efc0d3a53" providerId="ADAL" clId="{08E06E4B-2E16-4BC0-80E9-E5B23CDC5CD9}" dt="2024-05-06T09:31:04.724" v="26" actId="26606"/>
-          <ac:spMkLst>
-            <pc:docMk/>
-            <pc:sldMk cId="3788276947" sldId="268"/>
-            <ac:spMk id="6" creationId="{E836677E-F83B-4FAB-8095-8700763077D8}"/>
-          </ac:spMkLst>
-        </pc:spChg>
-        <pc:spChg chg="add">
-          <ac:chgData name="Neta Becker" userId="cef0aa30-4247-4db8-9bc0-d63efc0d3a53" providerId="ADAL" clId="{08E06E4B-2E16-4BC0-80E9-E5B23CDC5CD9}" dt="2024-05-06T09:31:04.724" v="26" actId="26606"/>
-          <ac:spMkLst>
-            <pc:docMk/>
-            <pc:sldMk cId="3788276947" sldId="268"/>
-            <ac:spMk id="7" creationId="{655E224A-5F26-423E-949C-07A720F39A44}"/>
-          </ac:spMkLst>
-        </pc:spChg>
-        <pc:spChg chg="del">
-          <ac:chgData name="Neta Becker" userId="cef0aa30-4247-4db8-9bc0-d63efc0d3a53" providerId="ADAL" clId="{08E06E4B-2E16-4BC0-80E9-E5B23CDC5CD9}" dt="2024-05-06T09:27:33.454" v="2"/>
-          <ac:spMkLst>
-            <pc:docMk/>
-            <pc:sldMk cId="3788276947" sldId="268"/>
-            <ac:spMk id="8" creationId="{1579DD07-B6CD-4C04-8A4A-3B92CE8C8A31}"/>
-          </ac:spMkLst>
-        </pc:spChg>
-        <pc:spChg chg="add">
-          <ac:chgData name="Neta Becker" userId="cef0aa30-4247-4db8-9bc0-d63efc0d3a53" providerId="ADAL" clId="{08E06E4B-2E16-4BC0-80E9-E5B23CDC5CD9}" dt="2024-05-06T09:31:04.724" v="26" actId="26606"/>
-          <ac:spMkLst>
-            <pc:docMk/>
-            <pc:sldMk cId="3788276947" sldId="268"/>
-            <ac:spMk id="9" creationId="{A6F1DA18-4CA4-40CF-9ACA-105D8373B672}"/>
-          </ac:spMkLst>
-        </pc:spChg>
-        <pc:spChg chg="del">
-          <ac:chgData name="Neta Becker" userId="cef0aa30-4247-4db8-9bc0-d63efc0d3a53" providerId="ADAL" clId="{08E06E4B-2E16-4BC0-80E9-E5B23CDC5CD9}" dt="2024-05-06T09:27:33.454" v="2"/>
-          <ac:spMkLst>
-            <pc:docMk/>
-            <pc:sldMk cId="3788276947" sldId="268"/>
-            <ac:spMk id="10" creationId="{D4A3DB12-3AD8-467C-910C-F09E3A688BD7}"/>
-          </ac:spMkLst>
-        </pc:spChg>
-        <pc:spChg chg="del">
-          <ac:chgData name="Neta Becker" userId="cef0aa30-4247-4db8-9bc0-d63efc0d3a53" providerId="ADAL" clId="{08E06E4B-2E16-4BC0-80E9-E5B23CDC5CD9}" dt="2024-05-06T09:27:33.454" v="2"/>
-          <ac:spMkLst>
-            <pc:docMk/>
-            <pc:sldMk cId="3788276947" sldId="268"/>
-            <ac:spMk id="12" creationId="{36A995F0-906C-4573-A739-16EED217D852}"/>
-          </ac:spMkLst>
-        </pc:spChg>
-        <pc:spChg chg="add">
-          <ac:chgData name="Neta Becker" userId="cef0aa30-4247-4db8-9bc0-d63efc0d3a53" providerId="ADAL" clId="{08E06E4B-2E16-4BC0-80E9-E5B23CDC5CD9}" dt="2024-05-06T09:31:04.724" v="26" actId="26606"/>
-          <ac:spMkLst>
-            <pc:docMk/>
-            <pc:sldMk cId="3788276947" sldId="268"/>
-            <ac:spMk id="16" creationId="{7C6D1B74-744B-4231-97DB-86B4C9C5E2D3}"/>
-          </ac:spMkLst>
-        </pc:spChg>
-        <pc:cxnChg chg="del">
-          <ac:chgData name="Neta Becker" userId="cef0aa30-4247-4db8-9bc0-d63efc0d3a53" providerId="ADAL" clId="{08E06E4B-2E16-4BC0-80E9-E5B23CDC5CD9}" dt="2024-05-06T09:27:33.454" v="2"/>
-          <ac:cxnSpMkLst>
-            <pc:docMk/>
-            <pc:sldMk cId="3788276947" sldId="268"/>
-            <ac:cxnSpMk id="14" creationId="{C3F5F06D-7250-43A5-9B61-0B7F1FD7E395}"/>
-          </ac:cxnSpMkLst>
-        </pc:cxnChg>
-        <pc:cxnChg chg="add">
-          <ac:chgData name="Neta Becker" userId="cef0aa30-4247-4db8-9bc0-d63efc0d3a53" providerId="ADAL" clId="{08E06E4B-2E16-4BC0-80E9-E5B23CDC5CD9}" dt="2024-05-06T09:31:04.724" v="26" actId="26606"/>
-          <ac:cxnSpMkLst>
-            <pc:docMk/>
-            <pc:sldMk cId="3788276947" sldId="268"/>
-            <ac:cxnSpMk id="18" creationId="{ABC98C72-9EDD-4426-B45A-84E06A7CD22F}"/>
-          </ac:cxnSpMkLst>
-        </pc:cxnChg>
-        <pc:cxnChg chg="add">
-          <ac:chgData name="Neta Becker" userId="cef0aa30-4247-4db8-9bc0-d63efc0d3a53" providerId="ADAL" clId="{08E06E4B-2E16-4BC0-80E9-E5B23CDC5CD9}" dt="2024-05-06T09:31:04.724" v="26" actId="26606"/>
-          <ac:cxnSpMkLst>
-            <pc:docMk/>
-            <pc:sldMk cId="3788276947" sldId="268"/>
-            <ac:cxnSpMk id="20" creationId="{44887186-EE44-4AD3-BEFE-3478B4537191}"/>
-          </ac:cxnSpMkLst>
-        </pc:cxnChg>
-        <pc:cxnChg chg="add">
-          <ac:chgData name="Neta Becker" userId="cef0aa30-4247-4db8-9bc0-d63efc0d3a53" providerId="ADAL" clId="{08E06E4B-2E16-4BC0-80E9-E5B23CDC5CD9}" dt="2024-05-06T09:31:04.724" v="26" actId="26606"/>
-          <ac:cxnSpMkLst>
-            <pc:docMk/>
-            <pc:sldMk cId="3788276947" sldId="268"/>
-            <ac:cxnSpMk id="22" creationId="{58EECC4E-F1C0-4C09-A7FD-4D623DACCC4F}"/>
-          </ac:cxnSpMkLst>
-        </pc:cxnChg>
-      </pc:sldChg>
-      <pc:sldChg chg="modSp">
-        <pc:chgData name="Neta Becker" userId="cef0aa30-4247-4db8-9bc0-d63efc0d3a53" providerId="ADAL" clId="{08E06E4B-2E16-4BC0-80E9-E5B23CDC5CD9}" dt="2024-05-06T09:29:21.474" v="18"/>
-        <pc:sldMkLst>
-          <pc:docMk/>
-          <pc:sldMk cId="199201543" sldId="269"/>
-        </pc:sldMkLst>
-        <pc:spChg chg="mod">
-          <ac:chgData name="Neta Becker" userId="cef0aa30-4247-4db8-9bc0-d63efc0d3a53" providerId="ADAL" clId="{08E06E4B-2E16-4BC0-80E9-E5B23CDC5CD9}" dt="2024-05-06T09:29:21.474" v="18"/>
-          <ac:spMkLst>
-            <pc:docMk/>
-            <pc:sldMk cId="199201543" sldId="269"/>
-            <ac:spMk id="2" creationId="{FBB17739-EDA8-0BBF-2BBE-DD328C51C51D}"/>
-          </ac:spMkLst>
-        </pc:spChg>
-        <pc:spChg chg="mod">
-          <ac:chgData name="Neta Becker" userId="cef0aa30-4247-4db8-9bc0-d63efc0d3a53" providerId="ADAL" clId="{08E06E4B-2E16-4BC0-80E9-E5B23CDC5CD9}" dt="2024-05-06T09:29:21.474" v="18"/>
-          <ac:spMkLst>
-            <pc:docMk/>
-            <pc:sldMk cId="199201543" sldId="269"/>
-            <ac:spMk id="3" creationId="{2CEC7C2B-FE22-13AA-830E-5D224F921C9D}"/>
-          </ac:spMkLst>
-        </pc:spChg>
-      </pc:sldChg>
-      <pc:sldChg chg="modSp mod">
-        <pc:chgData name="Neta Becker" userId="cef0aa30-4247-4db8-9bc0-d63efc0d3a53" providerId="ADAL" clId="{08E06E4B-2E16-4BC0-80E9-E5B23CDC5CD9}" dt="2024-05-06T09:38:04.039" v="251" actId="255"/>
-        <pc:sldMkLst>
-          <pc:docMk/>
-          <pc:sldMk cId="660352062" sldId="312"/>
-        </pc:sldMkLst>
-        <pc:spChg chg="mod">
-          <ac:chgData name="Neta Becker" userId="cef0aa30-4247-4db8-9bc0-d63efc0d3a53" providerId="ADAL" clId="{08E06E4B-2E16-4BC0-80E9-E5B23CDC5CD9}" dt="2024-05-06T09:29:21.474" v="18"/>
-          <ac:spMkLst>
-            <pc:docMk/>
-            <pc:sldMk cId="660352062" sldId="312"/>
-            <ac:spMk id="309" creationId="{00000000-0000-0000-0000-000000000000}"/>
-          </ac:spMkLst>
-        </pc:spChg>
-        <pc:spChg chg="mod">
-          <ac:chgData name="Neta Becker" userId="cef0aa30-4247-4db8-9bc0-d63efc0d3a53" providerId="ADAL" clId="{08E06E4B-2E16-4BC0-80E9-E5B23CDC5CD9}" dt="2024-05-06T09:38:04.039" v="251" actId="255"/>
-          <ac:spMkLst>
-            <pc:docMk/>
-            <pc:sldMk cId="660352062" sldId="312"/>
-            <ac:spMk id="310" creationId="{00000000-0000-0000-0000-000000000000}"/>
-          </ac:spMkLst>
-        </pc:spChg>
-        <pc:spChg chg="mod">
-          <ac:chgData name="Neta Becker" userId="cef0aa30-4247-4db8-9bc0-d63efc0d3a53" providerId="ADAL" clId="{08E06E4B-2E16-4BC0-80E9-E5B23CDC5CD9}" dt="2024-05-06T09:29:21.474" v="18"/>
-          <ac:spMkLst>
-            <pc:docMk/>
-            <pc:sldMk cId="660352062" sldId="312"/>
-            <ac:spMk id="311" creationId="{00000000-0000-0000-0000-000000000000}"/>
-          </ac:spMkLst>
-        </pc:spChg>
-        <pc:spChg chg="mod">
-          <ac:chgData name="Neta Becker" userId="cef0aa30-4247-4db8-9bc0-d63efc0d3a53" providerId="ADAL" clId="{08E06E4B-2E16-4BC0-80E9-E5B23CDC5CD9}" dt="2024-05-06T09:29:21.474" v="18"/>
-          <ac:spMkLst>
-            <pc:docMk/>
-            <pc:sldMk cId="660352062" sldId="312"/>
-            <ac:spMk id="312" creationId="{00000000-0000-0000-0000-000000000000}"/>
-          </ac:spMkLst>
-        </pc:spChg>
-        <pc:spChg chg="mod">
-          <ac:chgData name="Neta Becker" userId="cef0aa30-4247-4db8-9bc0-d63efc0d3a53" providerId="ADAL" clId="{08E06E4B-2E16-4BC0-80E9-E5B23CDC5CD9}" dt="2024-05-06T09:38:04.039" v="251" actId="255"/>
-          <ac:spMkLst>
-            <pc:docMk/>
-            <pc:sldMk cId="660352062" sldId="312"/>
-            <ac:spMk id="313" creationId="{00000000-0000-0000-0000-000000000000}"/>
-          </ac:spMkLst>
-        </pc:spChg>
-        <pc:spChg chg="mod">
-          <ac:chgData name="Neta Becker" userId="cef0aa30-4247-4db8-9bc0-d63efc0d3a53" providerId="ADAL" clId="{08E06E4B-2E16-4BC0-80E9-E5B23CDC5CD9}" dt="2024-05-06T09:29:21.474" v="18"/>
-          <ac:spMkLst>
-            <pc:docMk/>
-            <pc:sldMk cId="660352062" sldId="312"/>
-            <ac:spMk id="314" creationId="{00000000-0000-0000-0000-000000000000}"/>
-          </ac:spMkLst>
-        </pc:spChg>
-        <pc:spChg chg="mod">
-          <ac:chgData name="Neta Becker" userId="cef0aa30-4247-4db8-9bc0-d63efc0d3a53" providerId="ADAL" clId="{08E06E4B-2E16-4BC0-80E9-E5B23CDC5CD9}" dt="2024-05-06T09:29:21.474" v="18"/>
-          <ac:spMkLst>
-            <pc:docMk/>
-            <pc:sldMk cId="660352062" sldId="312"/>
-            <ac:spMk id="315" creationId="{00000000-0000-0000-0000-000000000000}"/>
-          </ac:spMkLst>
-        </pc:spChg>
-        <pc:spChg chg="mod">
-          <ac:chgData name="Neta Becker" userId="cef0aa30-4247-4db8-9bc0-d63efc0d3a53" providerId="ADAL" clId="{08E06E4B-2E16-4BC0-80E9-E5B23CDC5CD9}" dt="2024-05-06T09:38:04.039" v="251" actId="255"/>
-          <ac:spMkLst>
-            <pc:docMk/>
-            <pc:sldMk cId="660352062" sldId="312"/>
-            <ac:spMk id="316" creationId="{00000000-0000-0000-0000-000000000000}"/>
-          </ac:spMkLst>
-        </pc:spChg>
-        <pc:spChg chg="mod">
-          <ac:chgData name="Neta Becker" userId="cef0aa30-4247-4db8-9bc0-d63efc0d3a53" providerId="ADAL" clId="{08E06E4B-2E16-4BC0-80E9-E5B23CDC5CD9}" dt="2024-05-06T09:29:21.474" v="18"/>
-          <ac:spMkLst>
-            <pc:docMk/>
-            <pc:sldMk cId="660352062" sldId="312"/>
-            <ac:spMk id="317" creationId="{00000000-0000-0000-0000-000000000000}"/>
-          </ac:spMkLst>
-        </pc:spChg>
-        <pc:spChg chg="mod">
-          <ac:chgData name="Neta Becker" userId="cef0aa30-4247-4db8-9bc0-d63efc0d3a53" providerId="ADAL" clId="{08E06E4B-2E16-4BC0-80E9-E5B23CDC5CD9}" dt="2024-05-06T09:29:21.474" v="18"/>
-          <ac:spMkLst>
-            <pc:docMk/>
-            <pc:sldMk cId="660352062" sldId="312"/>
-            <ac:spMk id="318" creationId="{00000000-0000-0000-0000-000000000000}"/>
-          </ac:spMkLst>
-        </pc:spChg>
-        <pc:spChg chg="mod">
-          <ac:chgData name="Neta Becker" userId="cef0aa30-4247-4db8-9bc0-d63efc0d3a53" providerId="ADAL" clId="{08E06E4B-2E16-4BC0-80E9-E5B23CDC5CD9}" dt="2024-05-06T09:38:04.039" v="251" actId="255"/>
-          <ac:spMkLst>
-            <pc:docMk/>
-            <pc:sldMk cId="660352062" sldId="312"/>
-            <ac:spMk id="319" creationId="{00000000-0000-0000-0000-000000000000}"/>
-          </ac:spMkLst>
-        </pc:spChg>
-        <pc:spChg chg="mod">
-          <ac:chgData name="Neta Becker" userId="cef0aa30-4247-4db8-9bc0-d63efc0d3a53" providerId="ADAL" clId="{08E06E4B-2E16-4BC0-80E9-E5B23CDC5CD9}" dt="2024-05-06T09:29:21.474" v="18"/>
-          <ac:spMkLst>
-            <pc:docMk/>
-            <pc:sldMk cId="660352062" sldId="312"/>
-            <ac:spMk id="320" creationId="{00000000-0000-0000-0000-000000000000}"/>
-          </ac:spMkLst>
-        </pc:spChg>
-        <pc:spChg chg="mod">
-          <ac:chgData name="Neta Becker" userId="cef0aa30-4247-4db8-9bc0-d63efc0d3a53" providerId="ADAL" clId="{08E06E4B-2E16-4BC0-80E9-E5B23CDC5CD9}" dt="2024-05-06T09:29:21.474" v="18"/>
-          <ac:spMkLst>
-            <pc:docMk/>
-            <pc:sldMk cId="660352062" sldId="312"/>
-            <ac:spMk id="321" creationId="{00000000-0000-0000-0000-000000000000}"/>
-          </ac:spMkLst>
-        </pc:spChg>
       </pc:sldChg>
     </pc:docChg>
   </pc:docChgLst>
@@ -2543,1190 +3727,6 @@
               <ac:cxnSpMk id="91" creationId="{00000000-0000-0000-0000-000000000000}"/>
             </ac:cxnSpMkLst>
           </pc:cxnChg>
-        </pc:sldLayoutChg>
-      </pc:sldMasterChg>
-    </pc:docChg>
-  </pc:docChgLst>
-  <pc:docChgLst>
-    <pc:chgData name="Neta Becker" userId="cef0aa30-4247-4db8-9bc0-d63efc0d3a53" providerId="ADAL" clId="{8E39725F-6EEF-4D4D-92C3-0465B79E9629}"/>
-    <pc:docChg chg="undo custSel addSld delSld modSld modMainMaster">
-      <pc:chgData name="Neta Becker" userId="cef0aa30-4247-4db8-9bc0-d63efc0d3a53" providerId="ADAL" clId="{8E39725F-6EEF-4D4D-92C3-0465B79E9629}" dt="2024-05-18T11:53:05.264" v="1694" actId="208"/>
-      <pc:docMkLst>
-        <pc:docMk/>
-      </pc:docMkLst>
-      <pc:sldChg chg="addSp delSp setBg delDesignElem">
-        <pc:chgData name="Neta Becker" userId="cef0aa30-4247-4db8-9bc0-d63efc0d3a53" providerId="ADAL" clId="{8E39725F-6EEF-4D4D-92C3-0465B79E9629}" dt="2024-05-18T10:29:19.955" v="31"/>
-        <pc:sldMkLst>
-          <pc:docMk/>
-          <pc:sldMk cId="2179648205" sldId="256"/>
-        </pc:sldMkLst>
-        <pc:spChg chg="add del">
-          <ac:chgData name="Neta Becker" userId="cef0aa30-4247-4db8-9bc0-d63efc0d3a53" providerId="ADAL" clId="{8E39725F-6EEF-4D4D-92C3-0465B79E9629}" dt="2024-05-18T08:20:44.648" v="28"/>
-          <ac:spMkLst>
-            <pc:docMk/>
-            <pc:sldMk cId="2179648205" sldId="256"/>
-            <ac:spMk id="34" creationId="{6995F625-BE4F-4433-8290-5DF0E8589F50}"/>
-          </ac:spMkLst>
-        </pc:spChg>
-        <pc:spChg chg="add del">
-          <ac:chgData name="Neta Becker" userId="cef0aa30-4247-4db8-9bc0-d63efc0d3a53" providerId="ADAL" clId="{8E39725F-6EEF-4D4D-92C3-0465B79E9629}" dt="2024-05-18T08:20:44.648" v="28"/>
-          <ac:spMkLst>
-            <pc:docMk/>
-            <pc:sldMk cId="2179648205" sldId="256"/>
-            <ac:spMk id="35" creationId="{E836677E-F83B-4FAB-8095-8700763077D8}"/>
-          </ac:spMkLst>
-        </pc:spChg>
-        <pc:spChg chg="add del">
-          <ac:chgData name="Neta Becker" userId="cef0aa30-4247-4db8-9bc0-d63efc0d3a53" providerId="ADAL" clId="{8E39725F-6EEF-4D4D-92C3-0465B79E9629}" dt="2024-05-18T08:20:44.648" v="28"/>
-          <ac:spMkLst>
-            <pc:docMk/>
-            <pc:sldMk cId="2179648205" sldId="256"/>
-            <ac:spMk id="36" creationId="{655E224A-5F26-423E-949C-07A720F39A44}"/>
-          </ac:spMkLst>
-        </pc:spChg>
-        <pc:spChg chg="add del">
-          <ac:chgData name="Neta Becker" userId="cef0aa30-4247-4db8-9bc0-d63efc0d3a53" providerId="ADAL" clId="{8E39725F-6EEF-4D4D-92C3-0465B79E9629}" dt="2024-05-18T08:20:44.648" v="28"/>
-          <ac:spMkLst>
-            <pc:docMk/>
-            <pc:sldMk cId="2179648205" sldId="256"/>
-            <ac:spMk id="37" creationId="{A6F1DA18-4CA4-40CF-9ACA-105D8373B672}"/>
-          </ac:spMkLst>
-        </pc:spChg>
-        <pc:spChg chg="add del">
-          <ac:chgData name="Neta Becker" userId="cef0aa30-4247-4db8-9bc0-d63efc0d3a53" providerId="ADAL" clId="{8E39725F-6EEF-4D4D-92C3-0465B79E9629}" dt="2024-05-18T08:20:44.648" v="28"/>
-          <ac:spMkLst>
-            <pc:docMk/>
-            <pc:sldMk cId="2179648205" sldId="256"/>
-            <ac:spMk id="38" creationId="{7C6D1B74-744B-4231-97DB-86B4C9C5E2D3}"/>
-          </ac:spMkLst>
-        </pc:spChg>
-        <pc:cxnChg chg="add del">
-          <ac:chgData name="Neta Becker" userId="cef0aa30-4247-4db8-9bc0-d63efc0d3a53" providerId="ADAL" clId="{8E39725F-6EEF-4D4D-92C3-0465B79E9629}" dt="2024-05-18T08:20:44.648" v="28"/>
-          <ac:cxnSpMkLst>
-            <pc:docMk/>
-            <pc:sldMk cId="2179648205" sldId="256"/>
-            <ac:cxnSpMk id="39" creationId="{ABC98C72-9EDD-4426-B45A-84E06A7CD22F}"/>
-          </ac:cxnSpMkLst>
-        </pc:cxnChg>
-        <pc:cxnChg chg="add del">
-          <ac:chgData name="Neta Becker" userId="cef0aa30-4247-4db8-9bc0-d63efc0d3a53" providerId="ADAL" clId="{8E39725F-6EEF-4D4D-92C3-0465B79E9629}" dt="2024-05-18T08:20:44.648" v="28"/>
-          <ac:cxnSpMkLst>
-            <pc:docMk/>
-            <pc:sldMk cId="2179648205" sldId="256"/>
-            <ac:cxnSpMk id="40" creationId="{44887186-EE44-4AD3-BEFE-3478B4537191}"/>
-          </ac:cxnSpMkLst>
-        </pc:cxnChg>
-        <pc:cxnChg chg="add del">
-          <ac:chgData name="Neta Becker" userId="cef0aa30-4247-4db8-9bc0-d63efc0d3a53" providerId="ADAL" clId="{8E39725F-6EEF-4D4D-92C3-0465B79E9629}" dt="2024-05-18T08:20:44.648" v="28"/>
-          <ac:cxnSpMkLst>
-            <pc:docMk/>
-            <pc:sldMk cId="2179648205" sldId="256"/>
-            <ac:cxnSpMk id="41" creationId="{58EECC4E-F1C0-4C09-A7FD-4D623DACCC4F}"/>
-          </ac:cxnSpMkLst>
-        </pc:cxnChg>
-      </pc:sldChg>
-      <pc:sldChg chg="addSp modSp mod setBg">
-        <pc:chgData name="Neta Becker" userId="cef0aa30-4247-4db8-9bc0-d63efc0d3a53" providerId="ADAL" clId="{8E39725F-6EEF-4D4D-92C3-0465B79E9629}" dt="2024-05-18T11:31:27.906" v="754" actId="20577"/>
-        <pc:sldMkLst>
-          <pc:docMk/>
-          <pc:sldMk cId="1769220115" sldId="257"/>
-        </pc:sldMkLst>
-        <pc:spChg chg="mod">
-          <ac:chgData name="Neta Becker" userId="cef0aa30-4247-4db8-9bc0-d63efc0d3a53" providerId="ADAL" clId="{8E39725F-6EEF-4D4D-92C3-0465B79E9629}" dt="2024-05-18T11:31:27.906" v="754" actId="20577"/>
-          <ac:spMkLst>
-            <pc:docMk/>
-            <pc:sldMk cId="1769220115" sldId="257"/>
-            <ac:spMk id="3" creationId="{138B8362-48C3-13F0-617A-B8A3256120CA}"/>
-          </ac:spMkLst>
-        </pc:spChg>
-        <pc:spChg chg="add mod ord">
-          <ac:chgData name="Neta Becker" userId="cef0aa30-4247-4db8-9bc0-d63efc0d3a53" providerId="ADAL" clId="{8E39725F-6EEF-4D4D-92C3-0465B79E9629}" dt="2024-05-18T11:23:15.786" v="550" actId="167"/>
-          <ac:spMkLst>
-            <pc:docMk/>
-            <pc:sldMk cId="1769220115" sldId="257"/>
-            <ac:spMk id="6" creationId="{AA9D4453-055B-363A-E0C4-7ED11CAC6A35}"/>
-          </ac:spMkLst>
-        </pc:spChg>
-      </pc:sldChg>
-      <pc:sldChg chg="addSp modSp mod">
-        <pc:chgData name="Neta Becker" userId="cef0aa30-4247-4db8-9bc0-d63efc0d3a53" providerId="ADAL" clId="{8E39725F-6EEF-4D4D-92C3-0465B79E9629}" dt="2024-05-18T11:24:56.543" v="579" actId="14100"/>
-        <pc:sldMkLst>
-          <pc:docMk/>
-          <pc:sldMk cId="2968838544" sldId="260"/>
-        </pc:sldMkLst>
-        <pc:spChg chg="mod">
-          <ac:chgData name="Neta Becker" userId="cef0aa30-4247-4db8-9bc0-d63efc0d3a53" providerId="ADAL" clId="{8E39725F-6EEF-4D4D-92C3-0465B79E9629}" dt="2024-05-18T08:20:44.648" v="28"/>
-          <ac:spMkLst>
-            <pc:docMk/>
-            <pc:sldMk cId="2968838544" sldId="260"/>
-            <ac:spMk id="2" creationId="{740EF0B2-1FEB-FFA2-67D6-9A5DBB7AADB8}"/>
-          </ac:spMkLst>
-        </pc:spChg>
-        <pc:spChg chg="mod">
-          <ac:chgData name="Neta Becker" userId="cef0aa30-4247-4db8-9bc0-d63efc0d3a53" providerId="ADAL" clId="{8E39725F-6EEF-4D4D-92C3-0465B79E9629}" dt="2024-05-18T08:20:44.648" v="28"/>
-          <ac:spMkLst>
-            <pc:docMk/>
-            <pc:sldMk cId="2968838544" sldId="260"/>
-            <ac:spMk id="3" creationId="{6D1E74C4-204E-AA3F-084A-12061BF8DF60}"/>
-          </ac:spMkLst>
-        </pc:spChg>
-        <pc:spChg chg="add mod ord">
-          <ac:chgData name="Neta Becker" userId="cef0aa30-4247-4db8-9bc0-d63efc0d3a53" providerId="ADAL" clId="{8E39725F-6EEF-4D4D-92C3-0465B79E9629}" dt="2024-05-18T11:24:56.543" v="579" actId="14100"/>
-          <ac:spMkLst>
-            <pc:docMk/>
-            <pc:sldMk cId="2968838544" sldId="260"/>
-            <ac:spMk id="5" creationId="{D5EC368A-AFB0-0C3E-EA7C-86414F907FED}"/>
-          </ac:spMkLst>
-        </pc:spChg>
-      </pc:sldChg>
-      <pc:sldChg chg="addSp modSp mod setBg">
-        <pc:chgData name="Neta Becker" userId="cef0aa30-4247-4db8-9bc0-d63efc0d3a53" providerId="ADAL" clId="{8E39725F-6EEF-4D4D-92C3-0465B79E9629}" dt="2024-05-18T11:27:56.147" v="596" actId="167"/>
-        <pc:sldMkLst>
-          <pc:docMk/>
-          <pc:sldMk cId="461867753" sldId="261"/>
-        </pc:sldMkLst>
-        <pc:spChg chg="mod">
-          <ac:chgData name="Neta Becker" userId="cef0aa30-4247-4db8-9bc0-d63efc0d3a53" providerId="ADAL" clId="{8E39725F-6EEF-4D4D-92C3-0465B79E9629}" dt="2024-05-09T15:58:02.847" v="22" actId="14100"/>
-          <ac:spMkLst>
-            <pc:docMk/>
-            <pc:sldMk cId="461867753" sldId="261"/>
-            <ac:spMk id="2" creationId="{27F2BC14-3B96-5B86-2DD7-96DF3F92CEED}"/>
-          </ac:spMkLst>
-        </pc:spChg>
-        <pc:spChg chg="mod">
-          <ac:chgData name="Neta Becker" userId="cef0aa30-4247-4db8-9bc0-d63efc0d3a53" providerId="ADAL" clId="{8E39725F-6EEF-4D4D-92C3-0465B79E9629}" dt="2024-05-09T15:58:07.762" v="23" actId="1076"/>
-          <ac:spMkLst>
-            <pc:docMk/>
-            <pc:sldMk cId="461867753" sldId="261"/>
-            <ac:spMk id="10" creationId="{CA9F315B-54D4-E999-844C-5423FDC7670E}"/>
-          </ac:spMkLst>
-        </pc:spChg>
-        <pc:spChg chg="add mod ord">
-          <ac:chgData name="Neta Becker" userId="cef0aa30-4247-4db8-9bc0-d63efc0d3a53" providerId="ADAL" clId="{8E39725F-6EEF-4D4D-92C3-0465B79E9629}" dt="2024-05-18T11:27:08.135" v="594" actId="14100"/>
-          <ac:spMkLst>
-            <pc:docMk/>
-            <pc:sldMk cId="461867753" sldId="261"/>
-            <ac:spMk id="11" creationId="{F869709B-A677-2CF7-7FC7-D76738AAF4BB}"/>
-          </ac:spMkLst>
-        </pc:spChg>
-        <pc:spChg chg="add mod ord">
-          <ac:chgData name="Neta Becker" userId="cef0aa30-4247-4db8-9bc0-d63efc0d3a53" providerId="ADAL" clId="{8E39725F-6EEF-4D4D-92C3-0465B79E9629}" dt="2024-05-18T11:27:56.147" v="596" actId="167"/>
-          <ac:spMkLst>
-            <pc:docMk/>
-            <pc:sldMk cId="461867753" sldId="261"/>
-            <ac:spMk id="13" creationId="{F7AE80AA-9996-0907-DC61-F96EF700FFE5}"/>
-          </ac:spMkLst>
-        </pc:spChg>
-      </pc:sldChg>
-      <pc:sldChg chg="del">
-        <pc:chgData name="Neta Becker" userId="cef0aa30-4247-4db8-9bc0-d63efc0d3a53" providerId="ADAL" clId="{8E39725F-6EEF-4D4D-92C3-0465B79E9629}" dt="2024-05-09T15:55:46.114" v="2" actId="47"/>
-        <pc:sldMkLst>
-          <pc:docMk/>
-          <pc:sldMk cId="3063377580" sldId="262"/>
-        </pc:sldMkLst>
-      </pc:sldChg>
-      <pc:sldChg chg="modSp add del mod">
-        <pc:chgData name="Neta Becker" userId="cef0aa30-4247-4db8-9bc0-d63efc0d3a53" providerId="ADAL" clId="{8E39725F-6EEF-4D4D-92C3-0465B79E9629}" dt="2024-05-09T15:57:42.896" v="17" actId="2696"/>
-        <pc:sldMkLst>
-          <pc:docMk/>
-          <pc:sldMk cId="1521044007" sldId="264"/>
-        </pc:sldMkLst>
-        <pc:spChg chg="mod">
-          <ac:chgData name="Neta Becker" userId="cef0aa30-4247-4db8-9bc0-d63efc0d3a53" providerId="ADAL" clId="{8E39725F-6EEF-4D4D-92C3-0465B79E9629}" dt="2024-05-09T15:56:09.475" v="10" actId="5793"/>
-          <ac:spMkLst>
-            <pc:docMk/>
-            <pc:sldMk cId="1521044007" sldId="264"/>
-            <ac:spMk id="3" creationId="{2D2E6A14-D956-DE39-DFB5-8D352E675082}"/>
-          </ac:spMkLst>
-        </pc:spChg>
-      </pc:sldChg>
-      <pc:sldChg chg="addSp modSp add mod">
-        <pc:chgData name="Neta Becker" userId="cef0aa30-4247-4db8-9bc0-d63efc0d3a53" providerId="ADAL" clId="{8E39725F-6EEF-4D4D-92C3-0465B79E9629}" dt="2024-05-18T11:28:15.681" v="600" actId="167"/>
-        <pc:sldMkLst>
-          <pc:docMk/>
-          <pc:sldMk cId="3634263486" sldId="264"/>
-        </pc:sldMkLst>
-        <pc:spChg chg="mod">
-          <ac:chgData name="Neta Becker" userId="cef0aa30-4247-4db8-9bc0-d63efc0d3a53" providerId="ADAL" clId="{8E39725F-6EEF-4D4D-92C3-0465B79E9629}" dt="2024-05-18T08:20:44.648" v="28"/>
-          <ac:spMkLst>
-            <pc:docMk/>
-            <pc:sldMk cId="3634263486" sldId="264"/>
-            <ac:spMk id="2" creationId="{9E1B47C9-23BE-9F8B-A0E0-E74CAB5ED67A}"/>
-          </ac:spMkLst>
-        </pc:spChg>
-        <pc:spChg chg="mod">
-          <ac:chgData name="Neta Becker" userId="cef0aa30-4247-4db8-9bc0-d63efc0d3a53" providerId="ADAL" clId="{8E39725F-6EEF-4D4D-92C3-0465B79E9629}" dt="2024-05-18T08:20:44.648" v="28"/>
-          <ac:spMkLst>
-            <pc:docMk/>
-            <pc:sldMk cId="3634263486" sldId="264"/>
-            <ac:spMk id="3" creationId="{2D2E6A14-D956-DE39-DFB5-8D352E675082}"/>
-          </ac:spMkLst>
-        </pc:spChg>
-        <pc:spChg chg="add mod">
-          <ac:chgData name="Neta Becker" userId="cef0aa30-4247-4db8-9bc0-d63efc0d3a53" providerId="ADAL" clId="{8E39725F-6EEF-4D4D-92C3-0465B79E9629}" dt="2024-05-18T11:23:51.112" v="561"/>
-          <ac:spMkLst>
-            <pc:docMk/>
-            <pc:sldMk cId="3634263486" sldId="264"/>
-            <ac:spMk id="9" creationId="{ED13B836-F999-6FA3-4DDD-55F3C99DAA52}"/>
-          </ac:spMkLst>
-        </pc:spChg>
-        <pc:spChg chg="add mod ord">
-          <ac:chgData name="Neta Becker" userId="cef0aa30-4247-4db8-9bc0-d63efc0d3a53" providerId="ADAL" clId="{8E39725F-6EEF-4D4D-92C3-0465B79E9629}" dt="2024-05-18T11:26:44.714" v="590" actId="14100"/>
-          <ac:spMkLst>
-            <pc:docMk/>
-            <pc:sldMk cId="3634263486" sldId="264"/>
-            <ac:spMk id="11" creationId="{C97405BB-C46F-FCB2-5876-B6FA7E9F2404}"/>
-          </ac:spMkLst>
-        </pc:spChg>
-        <pc:spChg chg="add mod ord">
-          <ac:chgData name="Neta Becker" userId="cef0aa30-4247-4db8-9bc0-d63efc0d3a53" providerId="ADAL" clId="{8E39725F-6EEF-4D4D-92C3-0465B79E9629}" dt="2024-05-18T11:28:15.681" v="600" actId="167"/>
-          <ac:spMkLst>
-            <pc:docMk/>
-            <pc:sldMk cId="3634263486" sldId="264"/>
-            <ac:spMk id="12" creationId="{16DEB681-C773-93B3-9CE6-1C2ACB8037E1}"/>
-          </ac:spMkLst>
-        </pc:spChg>
-      </pc:sldChg>
-      <pc:sldChg chg="addSp delSp modSp mod">
-        <pc:chgData name="Neta Becker" userId="cef0aa30-4247-4db8-9bc0-d63efc0d3a53" providerId="ADAL" clId="{8E39725F-6EEF-4D4D-92C3-0465B79E9629}" dt="2024-05-18T11:30:12.619" v="699"/>
-        <pc:sldMkLst>
-          <pc:docMk/>
-          <pc:sldMk cId="3884930515" sldId="265"/>
-        </pc:sldMkLst>
-        <pc:spChg chg="mod">
-          <ac:chgData name="Neta Becker" userId="cef0aa30-4247-4db8-9bc0-d63efc0d3a53" providerId="ADAL" clId="{8E39725F-6EEF-4D4D-92C3-0465B79E9629}" dt="2024-05-18T08:20:44.648" v="28"/>
-          <ac:spMkLst>
-            <pc:docMk/>
-            <pc:sldMk cId="3884930515" sldId="265"/>
-            <ac:spMk id="2" creationId="{FBB17739-EDA8-0BBF-2BBE-DD328C51C51D}"/>
-          </ac:spMkLst>
-        </pc:spChg>
-        <pc:spChg chg="add del mod ord">
-          <ac:chgData name="Neta Becker" userId="cef0aa30-4247-4db8-9bc0-d63efc0d3a53" providerId="ADAL" clId="{8E39725F-6EEF-4D4D-92C3-0465B79E9629}" dt="2024-05-18T11:26:13.375" v="586" actId="478"/>
-          <ac:spMkLst>
-            <pc:docMk/>
-            <pc:sldMk cId="3884930515" sldId="265"/>
-            <ac:spMk id="3" creationId="{A0B22CFA-36FE-608A-C330-43F857EF4618}"/>
-          </ac:spMkLst>
-        </pc:spChg>
-        <pc:spChg chg="del">
-          <ac:chgData name="Neta Becker" userId="cef0aa30-4247-4db8-9bc0-d63efc0d3a53" providerId="ADAL" clId="{8E39725F-6EEF-4D4D-92C3-0465B79E9629}" dt="2024-05-18T11:30:09.822" v="696" actId="478"/>
-          <ac:spMkLst>
-            <pc:docMk/>
-            <pc:sldMk cId="3884930515" sldId="265"/>
-            <ac:spMk id="4" creationId="{DB4B58AA-CB6F-C0F0-4724-E92868B9FD0E}"/>
-          </ac:spMkLst>
-        </pc:spChg>
-        <pc:spChg chg="add del mod ord">
-          <ac:chgData name="Neta Becker" userId="cef0aa30-4247-4db8-9bc0-d63efc0d3a53" providerId="ADAL" clId="{8E39725F-6EEF-4D4D-92C3-0465B79E9629}" dt="2024-05-18T11:30:10.783" v="697" actId="478"/>
-          <ac:spMkLst>
-            <pc:docMk/>
-            <pc:sldMk cId="3884930515" sldId="265"/>
-            <ac:spMk id="5" creationId="{2D0D8601-B570-C7AD-D6C2-FC630ED4A3C0}"/>
-          </ac:spMkLst>
-        </pc:spChg>
-        <pc:spChg chg="add mod">
-          <ac:chgData name="Neta Becker" userId="cef0aa30-4247-4db8-9bc0-d63efc0d3a53" providerId="ADAL" clId="{8E39725F-6EEF-4D4D-92C3-0465B79E9629}" dt="2024-05-18T11:30:12.619" v="699"/>
-          <ac:spMkLst>
-            <pc:docMk/>
-            <pc:sldMk cId="3884930515" sldId="265"/>
-            <ac:spMk id="6" creationId="{9DA76763-F2E5-FBFE-3D80-7EFD3F501ABF}"/>
-          </ac:spMkLst>
-        </pc:spChg>
-        <pc:spChg chg="add mod">
-          <ac:chgData name="Neta Becker" userId="cef0aa30-4247-4db8-9bc0-d63efc0d3a53" providerId="ADAL" clId="{8E39725F-6EEF-4D4D-92C3-0465B79E9629}" dt="2024-05-18T11:30:12.619" v="699"/>
-          <ac:spMkLst>
-            <pc:docMk/>
-            <pc:sldMk cId="3884930515" sldId="265"/>
-            <ac:spMk id="7" creationId="{CDC81DCC-EF09-1AC7-3759-903ED853A133}"/>
-          </ac:spMkLst>
-        </pc:spChg>
-        <pc:spChg chg="mod">
-          <ac:chgData name="Neta Becker" userId="cef0aa30-4247-4db8-9bc0-d63efc0d3a53" providerId="ADAL" clId="{8E39725F-6EEF-4D4D-92C3-0465B79E9629}" dt="2024-05-18T11:30:12.619" v="699"/>
-          <ac:spMkLst>
-            <pc:docMk/>
-            <pc:sldMk cId="3884930515" sldId="265"/>
-            <ac:spMk id="9" creationId="{947DAE20-2282-E0A4-FD3D-39E53CAB65E1}"/>
-          </ac:spMkLst>
-        </pc:spChg>
-        <pc:spChg chg="mod">
-          <ac:chgData name="Neta Becker" userId="cef0aa30-4247-4db8-9bc0-d63efc0d3a53" providerId="ADAL" clId="{8E39725F-6EEF-4D4D-92C3-0465B79E9629}" dt="2024-05-18T11:30:12.619" v="699"/>
-          <ac:spMkLst>
-            <pc:docMk/>
-            <pc:sldMk cId="3884930515" sldId="265"/>
-            <ac:spMk id="10" creationId="{303921FA-FD19-3B4A-0D48-956F4FF12F9B}"/>
-          </ac:spMkLst>
-        </pc:spChg>
-        <pc:spChg chg="mod">
-          <ac:chgData name="Neta Becker" userId="cef0aa30-4247-4db8-9bc0-d63efc0d3a53" providerId="ADAL" clId="{8E39725F-6EEF-4D4D-92C3-0465B79E9629}" dt="2024-05-18T11:30:12.619" v="699"/>
-          <ac:spMkLst>
-            <pc:docMk/>
-            <pc:sldMk cId="3884930515" sldId="265"/>
-            <ac:spMk id="11" creationId="{F19ECD04-B14E-99D4-60FD-4FD692C76ABD}"/>
-          </ac:spMkLst>
-        </pc:spChg>
-        <pc:spChg chg="mod">
-          <ac:chgData name="Neta Becker" userId="cef0aa30-4247-4db8-9bc0-d63efc0d3a53" providerId="ADAL" clId="{8E39725F-6EEF-4D4D-92C3-0465B79E9629}" dt="2024-05-18T11:30:12.619" v="699"/>
-          <ac:spMkLst>
-            <pc:docMk/>
-            <pc:sldMk cId="3884930515" sldId="265"/>
-            <ac:spMk id="12" creationId="{B3971FD3-A113-550E-5BBA-90DB440BD264}"/>
-          </ac:spMkLst>
-        </pc:spChg>
-        <pc:spChg chg="mod">
-          <ac:chgData name="Neta Becker" userId="cef0aa30-4247-4db8-9bc0-d63efc0d3a53" providerId="ADAL" clId="{8E39725F-6EEF-4D4D-92C3-0465B79E9629}" dt="2024-05-18T11:30:12.619" v="699"/>
-          <ac:spMkLst>
-            <pc:docMk/>
-            <pc:sldMk cId="3884930515" sldId="265"/>
-            <ac:spMk id="13" creationId="{41130B51-3473-5217-52A5-231A00EB5B93}"/>
-          </ac:spMkLst>
-        </pc:spChg>
-        <pc:spChg chg="mod">
-          <ac:chgData name="Neta Becker" userId="cef0aa30-4247-4db8-9bc0-d63efc0d3a53" providerId="ADAL" clId="{8E39725F-6EEF-4D4D-92C3-0465B79E9629}" dt="2024-05-18T11:30:12.619" v="699"/>
-          <ac:spMkLst>
-            <pc:docMk/>
-            <pc:sldMk cId="3884930515" sldId="265"/>
-            <ac:spMk id="14" creationId="{ED314D13-E053-A1E3-BCE4-244C90B0D344}"/>
-          </ac:spMkLst>
-        </pc:spChg>
-        <pc:spChg chg="mod">
-          <ac:chgData name="Neta Becker" userId="cef0aa30-4247-4db8-9bc0-d63efc0d3a53" providerId="ADAL" clId="{8E39725F-6EEF-4D4D-92C3-0465B79E9629}" dt="2024-05-18T11:30:12.619" v="699"/>
-          <ac:spMkLst>
-            <pc:docMk/>
-            <pc:sldMk cId="3884930515" sldId="265"/>
-            <ac:spMk id="15" creationId="{4937A141-CCD9-1338-E226-EE79321338E6}"/>
-          </ac:spMkLst>
-        </pc:spChg>
-        <pc:spChg chg="mod">
-          <ac:chgData name="Neta Becker" userId="cef0aa30-4247-4db8-9bc0-d63efc0d3a53" providerId="ADAL" clId="{8E39725F-6EEF-4D4D-92C3-0465B79E9629}" dt="2024-05-18T11:30:12.619" v="699"/>
-          <ac:spMkLst>
-            <pc:docMk/>
-            <pc:sldMk cId="3884930515" sldId="265"/>
-            <ac:spMk id="16" creationId="{92726DC3-DAC5-E8B3-CC6C-0F470F4EA931}"/>
-          </ac:spMkLst>
-        </pc:spChg>
-        <pc:spChg chg="mod">
-          <ac:chgData name="Neta Becker" userId="cef0aa30-4247-4db8-9bc0-d63efc0d3a53" providerId="ADAL" clId="{8E39725F-6EEF-4D4D-92C3-0465B79E9629}" dt="2024-05-18T11:30:12.619" v="699"/>
-          <ac:spMkLst>
-            <pc:docMk/>
-            <pc:sldMk cId="3884930515" sldId="265"/>
-            <ac:spMk id="17" creationId="{E106258A-1021-B0D8-0716-AE22D84655D4}"/>
-          </ac:spMkLst>
-        </pc:spChg>
-        <pc:spChg chg="mod">
-          <ac:chgData name="Neta Becker" userId="cef0aa30-4247-4db8-9bc0-d63efc0d3a53" providerId="ADAL" clId="{8E39725F-6EEF-4D4D-92C3-0465B79E9629}" dt="2024-05-18T11:30:12.619" v="699"/>
-          <ac:spMkLst>
-            <pc:docMk/>
-            <pc:sldMk cId="3884930515" sldId="265"/>
-            <ac:spMk id="18" creationId="{F08BBD1E-0830-D2F3-561E-72673CFFC74C}"/>
-          </ac:spMkLst>
-        </pc:spChg>
-        <pc:spChg chg="mod">
-          <ac:chgData name="Neta Becker" userId="cef0aa30-4247-4db8-9bc0-d63efc0d3a53" providerId="ADAL" clId="{8E39725F-6EEF-4D4D-92C3-0465B79E9629}" dt="2024-05-18T11:30:12.619" v="699"/>
-          <ac:spMkLst>
-            <pc:docMk/>
-            <pc:sldMk cId="3884930515" sldId="265"/>
-            <ac:spMk id="19" creationId="{AE1D156B-0291-2905-0063-5673C592954D}"/>
-          </ac:spMkLst>
-        </pc:spChg>
-        <pc:grpChg chg="add mod">
-          <ac:chgData name="Neta Becker" userId="cef0aa30-4247-4db8-9bc0-d63efc0d3a53" providerId="ADAL" clId="{8E39725F-6EEF-4D4D-92C3-0465B79E9629}" dt="2024-05-18T11:30:12.619" v="699"/>
-          <ac:grpSpMkLst>
-            <pc:docMk/>
-            <pc:sldMk cId="3884930515" sldId="265"/>
-            <ac:grpSpMk id="8" creationId="{C10DF2FB-AB4E-156C-6C7F-9A1CAAAACFE4}"/>
-          </ac:grpSpMkLst>
-        </pc:grpChg>
-        <pc:grpChg chg="del">
-          <ac:chgData name="Neta Becker" userId="cef0aa30-4247-4db8-9bc0-d63efc0d3a53" providerId="ADAL" clId="{8E39725F-6EEF-4D4D-92C3-0465B79E9629}" dt="2024-05-18T11:30:11.553" v="698" actId="478"/>
-          <ac:grpSpMkLst>
-            <pc:docMk/>
-            <pc:sldMk cId="3884930515" sldId="265"/>
-            <ac:grpSpMk id="25" creationId="{8813B241-E7D6-0D24-13D7-6B0570F3A708}"/>
-          </ac:grpSpMkLst>
-        </pc:grpChg>
-      </pc:sldChg>
-      <pc:sldChg chg="addSp modSp mod">
-        <pc:chgData name="Neta Becker" userId="cef0aa30-4247-4db8-9bc0-d63efc0d3a53" providerId="ADAL" clId="{8E39725F-6EEF-4D4D-92C3-0465B79E9629}" dt="2024-05-18T11:35:21.537" v="929" actId="20577"/>
-        <pc:sldMkLst>
-          <pc:docMk/>
-          <pc:sldMk cId="3614498727" sldId="267"/>
-        </pc:sldMkLst>
-        <pc:spChg chg="mod">
-          <ac:chgData name="Neta Becker" userId="cef0aa30-4247-4db8-9bc0-d63efc0d3a53" providerId="ADAL" clId="{8E39725F-6EEF-4D4D-92C3-0465B79E9629}" dt="2024-05-18T11:35:21.537" v="929" actId="20577"/>
-          <ac:spMkLst>
-            <pc:docMk/>
-            <pc:sldMk cId="3614498727" sldId="267"/>
-            <ac:spMk id="2" creationId="{AC2ACF71-CF4B-C77D-06EE-335720E44195}"/>
-          </ac:spMkLst>
-        </pc:spChg>
-        <pc:spChg chg="mod">
-          <ac:chgData name="Neta Becker" userId="cef0aa30-4247-4db8-9bc0-d63efc0d3a53" providerId="ADAL" clId="{8E39725F-6EEF-4D4D-92C3-0465B79E9629}" dt="2024-05-18T11:34:54.451" v="905" actId="255"/>
-          <ac:spMkLst>
-            <pc:docMk/>
-            <pc:sldMk cId="3614498727" sldId="267"/>
-            <ac:spMk id="3" creationId="{3FB97B73-96BD-1AB7-EA8C-0E12DAF0CCBC}"/>
-          </ac:spMkLst>
-        </pc:spChg>
-        <pc:spChg chg="add mod">
-          <ac:chgData name="Neta Becker" userId="cef0aa30-4247-4db8-9bc0-d63efc0d3a53" providerId="ADAL" clId="{8E39725F-6EEF-4D4D-92C3-0465B79E9629}" dt="2024-05-18T11:23:23.024" v="551"/>
-          <ac:spMkLst>
-            <pc:docMk/>
-            <pc:sldMk cId="3614498727" sldId="267"/>
-            <ac:spMk id="4" creationId="{12B53D45-AA17-6F5C-5032-847099A6DCA3}"/>
-          </ac:spMkLst>
-        </pc:spChg>
-        <pc:spChg chg="add mod">
-          <ac:chgData name="Neta Becker" userId="cef0aa30-4247-4db8-9bc0-d63efc0d3a53" providerId="ADAL" clId="{8E39725F-6EEF-4D4D-92C3-0465B79E9629}" dt="2024-05-18T11:23:27.602" v="552"/>
-          <ac:spMkLst>
-            <pc:docMk/>
-            <pc:sldMk cId="3614498727" sldId="267"/>
-            <ac:spMk id="5" creationId="{73687DEF-633C-6BB7-DBC2-60800B4C26C2}"/>
-          </ac:spMkLst>
-        </pc:spChg>
-        <pc:spChg chg="add mod">
-          <ac:chgData name="Neta Becker" userId="cef0aa30-4247-4db8-9bc0-d63efc0d3a53" providerId="ADAL" clId="{8E39725F-6EEF-4D4D-92C3-0465B79E9629}" dt="2024-05-18T11:25:07.203" v="580"/>
-          <ac:spMkLst>
-            <pc:docMk/>
-            <pc:sldMk cId="3614498727" sldId="267"/>
-            <ac:spMk id="6" creationId="{6F1B31C2-D996-43F7-4A0F-8F0470190F63}"/>
-          </ac:spMkLst>
-        </pc:spChg>
-        <pc:spChg chg="add mod">
-          <ac:chgData name="Neta Becker" userId="cef0aa30-4247-4db8-9bc0-d63efc0d3a53" providerId="ADAL" clId="{8E39725F-6EEF-4D4D-92C3-0465B79E9629}" dt="2024-05-18T11:25:07.203" v="580"/>
-          <ac:spMkLst>
-            <pc:docMk/>
-            <pc:sldMk cId="3614498727" sldId="267"/>
-            <ac:spMk id="8" creationId="{88C8BD5C-47C9-F128-AA24-45756B21A402}"/>
-          </ac:spMkLst>
-        </pc:spChg>
-        <pc:spChg chg="add mod">
-          <ac:chgData name="Neta Becker" userId="cef0aa30-4247-4db8-9bc0-d63efc0d3a53" providerId="ADAL" clId="{8E39725F-6EEF-4D4D-92C3-0465B79E9629}" dt="2024-05-18T11:25:14.265" v="581"/>
-          <ac:spMkLst>
-            <pc:docMk/>
-            <pc:sldMk cId="3614498727" sldId="267"/>
-            <ac:spMk id="9" creationId="{540708EA-E192-AC72-2BE1-A1FA93A36823}"/>
-          </ac:spMkLst>
-        </pc:spChg>
-        <pc:picChg chg="mod ord">
-          <ac:chgData name="Neta Becker" userId="cef0aa30-4247-4db8-9bc0-d63efc0d3a53" providerId="ADAL" clId="{8E39725F-6EEF-4D4D-92C3-0465B79E9629}" dt="2024-05-18T11:33:15.036" v="855" actId="1037"/>
-          <ac:picMkLst>
-            <pc:docMk/>
-            <pc:sldMk cId="3614498727" sldId="267"/>
-            <ac:picMk id="7" creationId="{5D2567AD-A929-17F9-A858-A92AA2CDC031}"/>
-          </ac:picMkLst>
-        </pc:picChg>
-      </pc:sldChg>
-      <pc:sldChg chg="addSp delSp setBg delDesignElem">
-        <pc:chgData name="Neta Becker" userId="cef0aa30-4247-4db8-9bc0-d63efc0d3a53" providerId="ADAL" clId="{8E39725F-6EEF-4D4D-92C3-0465B79E9629}" dt="2024-05-18T10:29:19.955" v="31"/>
-        <pc:sldMkLst>
-          <pc:docMk/>
-          <pc:sldMk cId="3788276947" sldId="268"/>
-        </pc:sldMkLst>
-        <pc:spChg chg="add del">
-          <ac:chgData name="Neta Becker" userId="cef0aa30-4247-4db8-9bc0-d63efc0d3a53" providerId="ADAL" clId="{8E39725F-6EEF-4D4D-92C3-0465B79E9629}" dt="2024-05-18T08:20:44.648" v="28"/>
-          <ac:spMkLst>
-            <pc:docMk/>
-            <pc:sldMk cId="3788276947" sldId="268"/>
-            <ac:spMk id="5" creationId="{6995F625-BE4F-4433-8290-5DF0E8589F50}"/>
-          </ac:spMkLst>
-        </pc:spChg>
-        <pc:spChg chg="add del">
-          <ac:chgData name="Neta Becker" userId="cef0aa30-4247-4db8-9bc0-d63efc0d3a53" providerId="ADAL" clId="{8E39725F-6EEF-4D4D-92C3-0465B79E9629}" dt="2024-05-18T08:20:44.648" v="28"/>
-          <ac:spMkLst>
-            <pc:docMk/>
-            <pc:sldMk cId="3788276947" sldId="268"/>
-            <ac:spMk id="6" creationId="{E836677E-F83B-4FAB-8095-8700763077D8}"/>
-          </ac:spMkLst>
-        </pc:spChg>
-        <pc:spChg chg="add del">
-          <ac:chgData name="Neta Becker" userId="cef0aa30-4247-4db8-9bc0-d63efc0d3a53" providerId="ADAL" clId="{8E39725F-6EEF-4D4D-92C3-0465B79E9629}" dt="2024-05-18T08:20:44.648" v="28"/>
-          <ac:spMkLst>
-            <pc:docMk/>
-            <pc:sldMk cId="3788276947" sldId="268"/>
-            <ac:spMk id="7" creationId="{655E224A-5F26-423E-949C-07A720F39A44}"/>
-          </ac:spMkLst>
-        </pc:spChg>
-        <pc:spChg chg="add del">
-          <ac:chgData name="Neta Becker" userId="cef0aa30-4247-4db8-9bc0-d63efc0d3a53" providerId="ADAL" clId="{8E39725F-6EEF-4D4D-92C3-0465B79E9629}" dt="2024-05-18T08:20:44.648" v="28"/>
-          <ac:spMkLst>
-            <pc:docMk/>
-            <pc:sldMk cId="3788276947" sldId="268"/>
-            <ac:spMk id="9" creationId="{A6F1DA18-4CA4-40CF-9ACA-105D8373B672}"/>
-          </ac:spMkLst>
-        </pc:spChg>
-        <pc:spChg chg="add del">
-          <ac:chgData name="Neta Becker" userId="cef0aa30-4247-4db8-9bc0-d63efc0d3a53" providerId="ADAL" clId="{8E39725F-6EEF-4D4D-92C3-0465B79E9629}" dt="2024-05-18T08:20:44.648" v="28"/>
-          <ac:spMkLst>
-            <pc:docMk/>
-            <pc:sldMk cId="3788276947" sldId="268"/>
-            <ac:spMk id="16" creationId="{7C6D1B74-744B-4231-97DB-86B4C9C5E2D3}"/>
-          </ac:spMkLst>
-        </pc:spChg>
-        <pc:cxnChg chg="add del">
-          <ac:chgData name="Neta Becker" userId="cef0aa30-4247-4db8-9bc0-d63efc0d3a53" providerId="ADAL" clId="{8E39725F-6EEF-4D4D-92C3-0465B79E9629}" dt="2024-05-18T08:20:44.648" v="28"/>
-          <ac:cxnSpMkLst>
-            <pc:docMk/>
-            <pc:sldMk cId="3788276947" sldId="268"/>
-            <ac:cxnSpMk id="18" creationId="{ABC98C72-9EDD-4426-B45A-84E06A7CD22F}"/>
-          </ac:cxnSpMkLst>
-        </pc:cxnChg>
-        <pc:cxnChg chg="add del">
-          <ac:chgData name="Neta Becker" userId="cef0aa30-4247-4db8-9bc0-d63efc0d3a53" providerId="ADAL" clId="{8E39725F-6EEF-4D4D-92C3-0465B79E9629}" dt="2024-05-18T08:20:44.648" v="28"/>
-          <ac:cxnSpMkLst>
-            <pc:docMk/>
-            <pc:sldMk cId="3788276947" sldId="268"/>
-            <ac:cxnSpMk id="20" creationId="{44887186-EE44-4AD3-BEFE-3478B4537191}"/>
-          </ac:cxnSpMkLst>
-        </pc:cxnChg>
-        <pc:cxnChg chg="add del">
-          <ac:chgData name="Neta Becker" userId="cef0aa30-4247-4db8-9bc0-d63efc0d3a53" providerId="ADAL" clId="{8E39725F-6EEF-4D4D-92C3-0465B79E9629}" dt="2024-05-18T08:20:44.648" v="28"/>
-          <ac:cxnSpMkLst>
-            <pc:docMk/>
-            <pc:sldMk cId="3788276947" sldId="268"/>
-            <ac:cxnSpMk id="22" creationId="{58EECC4E-F1C0-4C09-A7FD-4D623DACCC4F}"/>
-          </ac:cxnSpMkLst>
-        </pc:cxnChg>
-      </pc:sldChg>
-      <pc:sldChg chg="addSp delSp modSp add del mod addAnim delAnim modAnim modShow">
-        <pc:chgData name="Neta Becker" userId="cef0aa30-4247-4db8-9bc0-d63efc0d3a53" providerId="ADAL" clId="{8E39725F-6EEF-4D4D-92C3-0465B79E9629}" dt="2024-05-18T11:53:05.264" v="1694" actId="208"/>
-        <pc:sldMkLst>
-          <pc:docMk/>
-          <pc:sldMk cId="199201543" sldId="269"/>
-        </pc:sldMkLst>
-        <pc:spChg chg="mod">
-          <ac:chgData name="Neta Becker" userId="cef0aa30-4247-4db8-9bc0-d63efc0d3a53" providerId="ADAL" clId="{8E39725F-6EEF-4D4D-92C3-0465B79E9629}" dt="2024-05-18T11:42:47.022" v="1514" actId="1076"/>
-          <ac:spMkLst>
-            <pc:docMk/>
-            <pc:sldMk cId="199201543" sldId="269"/>
-            <ac:spMk id="2" creationId="{FBB17739-EDA8-0BBF-2BBE-DD328C51C51D}"/>
-          </ac:spMkLst>
-        </pc:spChg>
-        <pc:spChg chg="del">
-          <ac:chgData name="Neta Becker" userId="cef0aa30-4247-4db8-9bc0-d63efc0d3a53" providerId="ADAL" clId="{8E39725F-6EEF-4D4D-92C3-0465B79E9629}" dt="2024-05-18T10:44:35.158" v="66"/>
-          <ac:spMkLst>
-            <pc:docMk/>
-            <pc:sldMk cId="199201543" sldId="269"/>
-            <ac:spMk id="3" creationId="{2CEC7C2B-FE22-13AA-830E-5D224F921C9D}"/>
-          </ac:spMkLst>
-        </pc:spChg>
-        <pc:spChg chg="add del mod">
-          <ac:chgData name="Neta Becker" userId="cef0aa30-4247-4db8-9bc0-d63efc0d3a53" providerId="ADAL" clId="{8E39725F-6EEF-4D4D-92C3-0465B79E9629}" dt="2024-05-18T10:48:13.875" v="87"/>
-          <ac:spMkLst>
-            <pc:docMk/>
-            <pc:sldMk cId="199201543" sldId="269"/>
-            <ac:spMk id="6" creationId="{A2ADFCE2-054E-07B2-BE9D-2C4180A9A0C6}"/>
-          </ac:spMkLst>
-        </pc:spChg>
-        <pc:spChg chg="add del mod">
-          <ac:chgData name="Neta Becker" userId="cef0aa30-4247-4db8-9bc0-d63efc0d3a53" providerId="ADAL" clId="{8E39725F-6EEF-4D4D-92C3-0465B79E9629}" dt="2024-05-18T11:40:51.744" v="1483" actId="478"/>
-          <ac:spMkLst>
-            <pc:docMk/>
-            <pc:sldMk cId="199201543" sldId="269"/>
-            <ac:spMk id="7" creationId="{9874A5ED-7EF4-27C2-1001-12481616C05A}"/>
-          </ac:spMkLst>
-        </pc:spChg>
-        <pc:spChg chg="add mod">
-          <ac:chgData name="Neta Becker" userId="cef0aa30-4247-4db8-9bc0-d63efc0d3a53" providerId="ADAL" clId="{8E39725F-6EEF-4D4D-92C3-0465B79E9629}" dt="2024-05-18T10:50:09.476" v="261"/>
-          <ac:spMkLst>
-            <pc:docMk/>
-            <pc:sldMk cId="199201543" sldId="269"/>
-            <ac:spMk id="8" creationId="{DEF8E881-41B4-4FAC-7024-064CAD6CCFF6}"/>
-          </ac:spMkLst>
-        </pc:spChg>
-        <pc:spChg chg="mod">
-          <ac:chgData name="Neta Becker" userId="cef0aa30-4247-4db8-9bc0-d63efc0d3a53" providerId="ADAL" clId="{8E39725F-6EEF-4D4D-92C3-0465B79E9629}" dt="2024-05-18T11:29:08.380" v="638" actId="1037"/>
-          <ac:spMkLst>
-            <pc:docMk/>
-            <pc:sldMk cId="199201543" sldId="269"/>
-            <ac:spMk id="9" creationId="{DE063978-8620-7123-C184-49543BBAD5D2}"/>
-          </ac:spMkLst>
-        </pc:spChg>
-        <pc:spChg chg="add del mod">
-          <ac:chgData name="Neta Becker" userId="cef0aa30-4247-4db8-9bc0-d63efc0d3a53" providerId="ADAL" clId="{8E39725F-6EEF-4D4D-92C3-0465B79E9629}" dt="2024-05-18T11:04:36.427" v="273" actId="21"/>
-          <ac:spMkLst>
-            <pc:docMk/>
-            <pc:sldMk cId="199201543" sldId="269"/>
-            <ac:spMk id="20" creationId="{2498284F-0D8A-F5FB-5389-68017C7182DC}"/>
-          </ac:spMkLst>
-        </pc:spChg>
-        <pc:spChg chg="add del mod">
-          <ac:chgData name="Neta Becker" userId="cef0aa30-4247-4db8-9bc0-d63efc0d3a53" providerId="ADAL" clId="{8E39725F-6EEF-4D4D-92C3-0465B79E9629}" dt="2024-05-18T11:06:56.172" v="289" actId="478"/>
-          <ac:spMkLst>
-            <pc:docMk/>
-            <pc:sldMk cId="199201543" sldId="269"/>
-            <ac:spMk id="22" creationId="{DD606C59-C4A7-3375-2204-56E3DC882B41}"/>
-          </ac:spMkLst>
-        </pc:spChg>
-        <pc:spChg chg="add mod ord">
-          <ac:chgData name="Neta Becker" userId="cef0aa30-4247-4db8-9bc0-d63efc0d3a53" providerId="ADAL" clId="{8E39725F-6EEF-4D4D-92C3-0465B79E9629}" dt="2024-05-18T11:29:13.031" v="639" actId="14100"/>
-          <ac:spMkLst>
-            <pc:docMk/>
-            <pc:sldMk cId="199201543" sldId="269"/>
-            <ac:spMk id="23" creationId="{B2DFCCC0-5BD5-AF1D-BA57-51102E1EF608}"/>
-          </ac:spMkLst>
-        </pc:spChg>
-        <pc:spChg chg="add mod ord">
-          <ac:chgData name="Neta Becker" userId="cef0aa30-4247-4db8-9bc0-d63efc0d3a53" providerId="ADAL" clId="{8E39725F-6EEF-4D4D-92C3-0465B79E9629}" dt="2024-05-18T11:28:41.741" v="607" actId="1038"/>
-          <ac:spMkLst>
-            <pc:docMk/>
-            <pc:sldMk cId="199201543" sldId="269"/>
-            <ac:spMk id="24" creationId="{AE770193-A606-FC8F-B04A-065E2D3E37ED}"/>
-          </ac:spMkLst>
-        </pc:spChg>
-        <pc:spChg chg="add del mod">
-          <ac:chgData name="Neta Becker" userId="cef0aa30-4247-4db8-9bc0-d63efc0d3a53" providerId="ADAL" clId="{8E39725F-6EEF-4D4D-92C3-0465B79E9629}" dt="2024-05-18T11:53:00.351" v="1693"/>
-          <ac:spMkLst>
-            <pc:docMk/>
-            <pc:sldMk cId="199201543" sldId="269"/>
-            <ac:spMk id="29" creationId="{02BABDDC-BFFB-4690-1A4C-54FA8DA45BD9}"/>
-          </ac:spMkLst>
-        </pc:spChg>
-        <pc:spChg chg="add mod">
-          <ac:chgData name="Neta Becker" userId="cef0aa30-4247-4db8-9bc0-d63efc0d3a53" providerId="ADAL" clId="{8E39725F-6EEF-4D4D-92C3-0465B79E9629}" dt="2024-05-18T11:53:05.264" v="1694" actId="208"/>
-          <ac:spMkLst>
-            <pc:docMk/>
-            <pc:sldMk cId="199201543" sldId="269"/>
-            <ac:spMk id="30" creationId="{84368D35-4216-7916-B9B3-7924616EE9CB}"/>
-          </ac:spMkLst>
-        </pc:spChg>
-        <pc:grpChg chg="mod">
-          <ac:chgData name="Neta Becker" userId="cef0aa30-4247-4db8-9bc0-d63efc0d3a53" providerId="ADAL" clId="{8E39725F-6EEF-4D4D-92C3-0465B79E9629}" dt="2024-05-18T11:29:08.380" v="638" actId="1037"/>
-          <ac:grpSpMkLst>
-            <pc:docMk/>
-            <pc:sldMk cId="199201543" sldId="269"/>
-            <ac:grpSpMk id="10" creationId="{7B960A06-522D-EF27-6243-F14BD6BF85D5}"/>
-          </ac:grpSpMkLst>
-        </pc:grpChg>
-        <pc:graphicFrameChg chg="add mod modGraphic">
-          <ac:chgData name="Neta Becker" userId="cef0aa30-4247-4db8-9bc0-d63efc0d3a53" providerId="ADAL" clId="{8E39725F-6EEF-4D4D-92C3-0465B79E9629}" dt="2024-05-18T11:48:41.847" v="1632"/>
-          <ac:graphicFrameMkLst>
-            <pc:docMk/>
-            <pc:sldMk cId="199201543" sldId="269"/>
-            <ac:graphicFrameMk id="25" creationId="{C0909FCF-FB80-32DF-DFF4-C7F33A0DB05A}"/>
-          </ac:graphicFrameMkLst>
-        </pc:graphicFrameChg>
-        <pc:graphicFrameChg chg="add del mod">
-          <ac:chgData name="Neta Becker" userId="cef0aa30-4247-4db8-9bc0-d63efc0d3a53" providerId="ADAL" clId="{8E39725F-6EEF-4D4D-92C3-0465B79E9629}" dt="2024-05-18T11:42:49.121" v="1515" actId="478"/>
-          <ac:graphicFrameMkLst>
-            <pc:docMk/>
-            <pc:sldMk cId="199201543" sldId="269"/>
-            <ac:graphicFrameMk id="26" creationId="{C6F760F8-D224-30CB-86A3-660D38429652}"/>
-          </ac:graphicFrameMkLst>
-        </pc:graphicFrameChg>
-        <pc:graphicFrameChg chg="add mod">
-          <ac:chgData name="Neta Becker" userId="cef0aa30-4247-4db8-9bc0-d63efc0d3a53" providerId="ADAL" clId="{8E39725F-6EEF-4D4D-92C3-0465B79E9629}" dt="2024-05-18T11:46:36.672" v="1547" actId="14100"/>
-          <ac:graphicFrameMkLst>
-            <pc:docMk/>
-            <pc:sldMk cId="199201543" sldId="269"/>
-            <ac:graphicFrameMk id="27" creationId="{D0C46943-3092-D9E8-F260-2AFD4A4B2413}"/>
-          </ac:graphicFrameMkLst>
-        </pc:graphicFrameChg>
-        <pc:graphicFrameChg chg="add mod">
-          <ac:chgData name="Neta Becker" userId="cef0aa30-4247-4db8-9bc0-d63efc0d3a53" providerId="ADAL" clId="{8E39725F-6EEF-4D4D-92C3-0465B79E9629}" dt="2024-05-18T11:48:28.962" v="1629"/>
-          <ac:graphicFrameMkLst>
-            <pc:docMk/>
-            <pc:sldMk cId="199201543" sldId="269"/>
-            <ac:graphicFrameMk id="28" creationId="{9872EA5D-DABC-045E-B454-01AB8351E848}"/>
-          </ac:graphicFrameMkLst>
-        </pc:graphicFrameChg>
-        <pc:picChg chg="add del mod modCrop">
-          <ac:chgData name="Neta Becker" userId="cef0aa30-4247-4db8-9bc0-d63efc0d3a53" providerId="ADAL" clId="{8E39725F-6EEF-4D4D-92C3-0465B79E9629}" dt="2024-05-18T11:06:39.122" v="283" actId="21"/>
-          <ac:picMkLst>
-            <pc:docMk/>
-            <pc:sldMk cId="199201543" sldId="269"/>
-            <ac:picMk id="4" creationId="{571F2F0D-59CB-5202-E7E7-CF457D63CC14}"/>
-          </ac:picMkLst>
-        </pc:picChg>
-        <pc:picChg chg="add mod">
-          <ac:chgData name="Neta Becker" userId="cef0aa30-4247-4db8-9bc0-d63efc0d3a53" providerId="ADAL" clId="{8E39725F-6EEF-4D4D-92C3-0465B79E9629}" dt="2024-05-18T11:48:06.097" v="1581" actId="1076"/>
-          <ac:picMkLst>
-            <pc:docMk/>
-            <pc:sldMk cId="199201543" sldId="269"/>
-            <ac:picMk id="5" creationId="{713C4917-85A2-C0DC-4474-1D43B930FC8C}"/>
-          </ac:picMkLst>
-        </pc:picChg>
-        <pc:picChg chg="add del mod">
-          <ac:chgData name="Neta Becker" userId="cef0aa30-4247-4db8-9bc0-d63efc0d3a53" providerId="ADAL" clId="{8E39725F-6EEF-4D4D-92C3-0465B79E9629}" dt="2024-05-18T10:50:34.652" v="264" actId="478"/>
-          <ac:picMkLst>
-            <pc:docMk/>
-            <pc:sldMk cId="199201543" sldId="269"/>
-            <ac:picMk id="17" creationId="{CA146629-5370-0BFC-D868-1E85D872A877}"/>
-          </ac:picMkLst>
-        </pc:picChg>
-        <pc:picChg chg="add mod">
-          <ac:chgData name="Neta Becker" userId="cef0aa30-4247-4db8-9bc0-d63efc0d3a53" providerId="ADAL" clId="{8E39725F-6EEF-4D4D-92C3-0465B79E9629}" dt="2024-05-18T11:48:02.233" v="1580" actId="1076"/>
-          <ac:picMkLst>
-            <pc:docMk/>
-            <pc:sldMk cId="199201543" sldId="269"/>
-            <ac:picMk id="18" creationId="{CBDD2470-43A3-CAD3-0307-4CDC604C2E14}"/>
-          </ac:picMkLst>
-        </pc:picChg>
-      </pc:sldChg>
-      <pc:sldChg chg="modSp mod setBg">
-        <pc:chgData name="Neta Becker" userId="cef0aa30-4247-4db8-9bc0-d63efc0d3a53" providerId="ADAL" clId="{8E39725F-6EEF-4D4D-92C3-0465B79E9629}" dt="2024-05-18T10:30:11.582" v="32"/>
-        <pc:sldMkLst>
-          <pc:docMk/>
-          <pc:sldMk cId="660352062" sldId="312"/>
-        </pc:sldMkLst>
-        <pc:spChg chg="mod">
-          <ac:chgData name="Neta Becker" userId="cef0aa30-4247-4db8-9bc0-d63efc0d3a53" providerId="ADAL" clId="{8E39725F-6EEF-4D4D-92C3-0465B79E9629}" dt="2024-05-18T08:20:44.648" v="28"/>
-          <ac:spMkLst>
-            <pc:docMk/>
-            <pc:sldMk cId="660352062" sldId="312"/>
-            <ac:spMk id="309" creationId="{00000000-0000-0000-0000-000000000000}"/>
-          </ac:spMkLst>
-        </pc:spChg>
-        <pc:spChg chg="mod">
-          <ac:chgData name="Neta Becker" userId="cef0aa30-4247-4db8-9bc0-d63efc0d3a53" providerId="ADAL" clId="{8E39725F-6EEF-4D4D-92C3-0465B79E9629}" dt="2024-05-18T08:20:44.648" v="28"/>
-          <ac:spMkLst>
-            <pc:docMk/>
-            <pc:sldMk cId="660352062" sldId="312"/>
-            <ac:spMk id="310" creationId="{00000000-0000-0000-0000-000000000000}"/>
-          </ac:spMkLst>
-        </pc:spChg>
-        <pc:spChg chg="mod">
-          <ac:chgData name="Neta Becker" userId="cef0aa30-4247-4db8-9bc0-d63efc0d3a53" providerId="ADAL" clId="{8E39725F-6EEF-4D4D-92C3-0465B79E9629}" dt="2024-05-18T08:20:44.648" v="28"/>
-          <ac:spMkLst>
-            <pc:docMk/>
-            <pc:sldMk cId="660352062" sldId="312"/>
-            <ac:spMk id="311" creationId="{00000000-0000-0000-0000-000000000000}"/>
-          </ac:spMkLst>
-        </pc:spChg>
-        <pc:spChg chg="mod">
-          <ac:chgData name="Neta Becker" userId="cef0aa30-4247-4db8-9bc0-d63efc0d3a53" providerId="ADAL" clId="{8E39725F-6EEF-4D4D-92C3-0465B79E9629}" dt="2024-05-18T08:20:44.648" v="28"/>
-          <ac:spMkLst>
-            <pc:docMk/>
-            <pc:sldMk cId="660352062" sldId="312"/>
-            <ac:spMk id="312" creationId="{00000000-0000-0000-0000-000000000000}"/>
-          </ac:spMkLst>
-        </pc:spChg>
-        <pc:spChg chg="mod">
-          <ac:chgData name="Neta Becker" userId="cef0aa30-4247-4db8-9bc0-d63efc0d3a53" providerId="ADAL" clId="{8E39725F-6EEF-4D4D-92C3-0465B79E9629}" dt="2024-05-18T08:20:44.648" v="28"/>
-          <ac:spMkLst>
-            <pc:docMk/>
-            <pc:sldMk cId="660352062" sldId="312"/>
-            <ac:spMk id="313" creationId="{00000000-0000-0000-0000-000000000000}"/>
-          </ac:spMkLst>
-        </pc:spChg>
-        <pc:spChg chg="mod">
-          <ac:chgData name="Neta Becker" userId="cef0aa30-4247-4db8-9bc0-d63efc0d3a53" providerId="ADAL" clId="{8E39725F-6EEF-4D4D-92C3-0465B79E9629}" dt="2024-05-18T08:20:44.648" v="28"/>
-          <ac:spMkLst>
-            <pc:docMk/>
-            <pc:sldMk cId="660352062" sldId="312"/>
-            <ac:spMk id="314" creationId="{00000000-0000-0000-0000-000000000000}"/>
-          </ac:spMkLst>
-        </pc:spChg>
-        <pc:spChg chg="mod">
-          <ac:chgData name="Neta Becker" userId="cef0aa30-4247-4db8-9bc0-d63efc0d3a53" providerId="ADAL" clId="{8E39725F-6EEF-4D4D-92C3-0465B79E9629}" dt="2024-05-18T08:20:44.648" v="28"/>
-          <ac:spMkLst>
-            <pc:docMk/>
-            <pc:sldMk cId="660352062" sldId="312"/>
-            <ac:spMk id="315" creationId="{00000000-0000-0000-0000-000000000000}"/>
-          </ac:spMkLst>
-        </pc:spChg>
-        <pc:spChg chg="mod">
-          <ac:chgData name="Neta Becker" userId="cef0aa30-4247-4db8-9bc0-d63efc0d3a53" providerId="ADAL" clId="{8E39725F-6EEF-4D4D-92C3-0465B79E9629}" dt="2024-05-18T08:20:44.648" v="28"/>
-          <ac:spMkLst>
-            <pc:docMk/>
-            <pc:sldMk cId="660352062" sldId="312"/>
-            <ac:spMk id="316" creationId="{00000000-0000-0000-0000-000000000000}"/>
-          </ac:spMkLst>
-        </pc:spChg>
-        <pc:spChg chg="mod">
-          <ac:chgData name="Neta Becker" userId="cef0aa30-4247-4db8-9bc0-d63efc0d3a53" providerId="ADAL" clId="{8E39725F-6EEF-4D4D-92C3-0465B79E9629}" dt="2024-05-18T08:20:44.648" v="28"/>
-          <ac:spMkLst>
-            <pc:docMk/>
-            <pc:sldMk cId="660352062" sldId="312"/>
-            <ac:spMk id="317" creationId="{00000000-0000-0000-0000-000000000000}"/>
-          </ac:spMkLst>
-        </pc:spChg>
-        <pc:spChg chg="mod">
-          <ac:chgData name="Neta Becker" userId="cef0aa30-4247-4db8-9bc0-d63efc0d3a53" providerId="ADAL" clId="{8E39725F-6EEF-4D4D-92C3-0465B79E9629}" dt="2024-05-18T08:20:44.648" v="28"/>
-          <ac:spMkLst>
-            <pc:docMk/>
-            <pc:sldMk cId="660352062" sldId="312"/>
-            <ac:spMk id="318" creationId="{00000000-0000-0000-0000-000000000000}"/>
-          </ac:spMkLst>
-        </pc:spChg>
-        <pc:spChg chg="mod">
-          <ac:chgData name="Neta Becker" userId="cef0aa30-4247-4db8-9bc0-d63efc0d3a53" providerId="ADAL" clId="{8E39725F-6EEF-4D4D-92C3-0465B79E9629}" dt="2024-05-18T08:20:44.648" v="28"/>
-          <ac:spMkLst>
-            <pc:docMk/>
-            <pc:sldMk cId="660352062" sldId="312"/>
-            <ac:spMk id="319" creationId="{00000000-0000-0000-0000-000000000000}"/>
-          </ac:spMkLst>
-        </pc:spChg>
-        <pc:spChg chg="mod">
-          <ac:chgData name="Neta Becker" userId="cef0aa30-4247-4db8-9bc0-d63efc0d3a53" providerId="ADAL" clId="{8E39725F-6EEF-4D4D-92C3-0465B79E9629}" dt="2024-05-18T08:20:44.648" v="28"/>
-          <ac:spMkLst>
-            <pc:docMk/>
-            <pc:sldMk cId="660352062" sldId="312"/>
-            <ac:spMk id="320" creationId="{00000000-0000-0000-0000-000000000000}"/>
-          </ac:spMkLst>
-        </pc:spChg>
-        <pc:spChg chg="mod">
-          <ac:chgData name="Neta Becker" userId="cef0aa30-4247-4db8-9bc0-d63efc0d3a53" providerId="ADAL" clId="{8E39725F-6EEF-4D4D-92C3-0465B79E9629}" dt="2024-05-18T08:20:44.648" v="28"/>
-          <ac:spMkLst>
-            <pc:docMk/>
-            <pc:sldMk cId="660352062" sldId="312"/>
-            <ac:spMk id="321" creationId="{00000000-0000-0000-0000-000000000000}"/>
-          </ac:spMkLst>
-        </pc:spChg>
-      </pc:sldChg>
-      <pc:sldChg chg="addSp delSp modSp add mod setBg">
-        <pc:chgData name="Neta Becker" userId="cef0aa30-4247-4db8-9bc0-d63efc0d3a53" providerId="ADAL" clId="{8E39725F-6EEF-4D4D-92C3-0465B79E9629}" dt="2024-05-18T11:30:50.971" v="734"/>
-        <pc:sldMkLst>
-          <pc:docMk/>
-          <pc:sldMk cId="473798661" sldId="313"/>
-        </pc:sldMkLst>
-        <pc:spChg chg="mod">
-          <ac:chgData name="Neta Becker" userId="cef0aa30-4247-4db8-9bc0-d63efc0d3a53" providerId="ADAL" clId="{8E39725F-6EEF-4D4D-92C3-0465B79E9629}" dt="2024-05-09T15:57:55.008" v="21" actId="20577"/>
-          <ac:spMkLst>
-            <pc:docMk/>
-            <pc:sldMk cId="473798661" sldId="313"/>
-            <ac:spMk id="3" creationId="{79639998-542D-EA12-DA1F-335575519817}"/>
-          </ac:spMkLst>
-        </pc:spChg>
-        <pc:spChg chg="add del mod">
-          <ac:chgData name="Neta Becker" userId="cef0aa30-4247-4db8-9bc0-d63efc0d3a53" providerId="ADAL" clId="{8E39725F-6EEF-4D4D-92C3-0465B79E9629}" dt="2024-05-18T11:30:49.002" v="732" actId="478"/>
-          <ac:spMkLst>
-            <pc:docMk/>
-            <pc:sldMk cId="473798661" sldId="313"/>
-            <ac:spMk id="4" creationId="{85F07728-A4E2-D9D2-91C4-70250A23B88A}"/>
-          </ac:spMkLst>
-        </pc:spChg>
-        <pc:spChg chg="mod">
-          <ac:chgData name="Neta Becker" userId="cef0aa30-4247-4db8-9bc0-d63efc0d3a53" providerId="ADAL" clId="{8E39725F-6EEF-4D4D-92C3-0465B79E9629}" dt="2024-05-09T15:55:44.367" v="1"/>
-          <ac:spMkLst>
-            <pc:docMk/>
-            <pc:sldMk cId="473798661" sldId="313"/>
-            <ac:spMk id="6" creationId="{01C795E8-3F02-1807-50F5-AAA8595D7AE4}"/>
-          </ac:spMkLst>
-        </pc:spChg>
-        <pc:spChg chg="mod">
-          <ac:chgData name="Neta Becker" userId="cef0aa30-4247-4db8-9bc0-d63efc0d3a53" providerId="ADAL" clId="{8E39725F-6EEF-4D4D-92C3-0465B79E9629}" dt="2024-05-09T15:55:44.367" v="1"/>
-          <ac:spMkLst>
-            <pc:docMk/>
-            <pc:sldMk cId="473798661" sldId="313"/>
-            <ac:spMk id="7" creationId="{2EEE2E42-1535-F3D4-88A6-600540A1C48F}"/>
-          </ac:spMkLst>
-        </pc:spChg>
-        <pc:spChg chg="mod">
-          <ac:chgData name="Neta Becker" userId="cef0aa30-4247-4db8-9bc0-d63efc0d3a53" providerId="ADAL" clId="{8E39725F-6EEF-4D4D-92C3-0465B79E9629}" dt="2024-05-09T15:55:44.367" v="1"/>
-          <ac:spMkLst>
-            <pc:docMk/>
-            <pc:sldMk cId="473798661" sldId="313"/>
-            <ac:spMk id="8" creationId="{85994452-E285-51CF-641A-CAA40F791930}"/>
-          </ac:spMkLst>
-        </pc:spChg>
-        <pc:spChg chg="add del mod ord">
-          <ac:chgData name="Neta Becker" userId="cef0aa30-4247-4db8-9bc0-d63efc0d3a53" providerId="ADAL" clId="{8E39725F-6EEF-4D4D-92C3-0465B79E9629}" dt="2024-05-18T11:30:47.473" v="730" actId="478"/>
-          <ac:spMkLst>
-            <pc:docMk/>
-            <pc:sldMk cId="473798661" sldId="313"/>
-            <ac:spMk id="9" creationId="{E851D9B3-2005-3991-668F-83FA820C2A5F}"/>
-          </ac:spMkLst>
-        </pc:spChg>
-        <pc:spChg chg="add del mod ord">
-          <ac:chgData name="Neta Becker" userId="cef0aa30-4247-4db8-9bc0-d63efc0d3a53" providerId="ADAL" clId="{8E39725F-6EEF-4D4D-92C3-0465B79E9629}" dt="2024-05-18T11:30:50.602" v="733" actId="478"/>
-          <ac:spMkLst>
-            <pc:docMk/>
-            <pc:sldMk cId="473798661" sldId="313"/>
-            <ac:spMk id="10" creationId="{A5437109-92DE-AB16-114C-4071918D439A}"/>
-          </ac:spMkLst>
-        </pc:spChg>
-        <pc:spChg chg="add mod">
-          <ac:chgData name="Neta Becker" userId="cef0aa30-4247-4db8-9bc0-d63efc0d3a53" providerId="ADAL" clId="{8E39725F-6EEF-4D4D-92C3-0465B79E9629}" dt="2024-05-18T11:30:50.971" v="734"/>
-          <ac:spMkLst>
-            <pc:docMk/>
-            <pc:sldMk cId="473798661" sldId="313"/>
-            <ac:spMk id="11" creationId="{F736E01B-2DA6-0FB6-C141-582BB2DC646F}"/>
-          </ac:spMkLst>
-        </pc:spChg>
-        <pc:spChg chg="add mod">
-          <ac:chgData name="Neta Becker" userId="cef0aa30-4247-4db8-9bc0-d63efc0d3a53" providerId="ADAL" clId="{8E39725F-6EEF-4D4D-92C3-0465B79E9629}" dt="2024-05-18T11:30:50.971" v="734"/>
-          <ac:spMkLst>
-            <pc:docMk/>
-            <pc:sldMk cId="473798661" sldId="313"/>
-            <ac:spMk id="12" creationId="{89BCF338-2683-616E-C2B5-98D75AC553AC}"/>
-          </ac:spMkLst>
-        </pc:spChg>
-        <pc:spChg chg="mod">
-          <ac:chgData name="Neta Becker" userId="cef0aa30-4247-4db8-9bc0-d63efc0d3a53" providerId="ADAL" clId="{8E39725F-6EEF-4D4D-92C3-0465B79E9629}" dt="2024-05-18T11:30:50.971" v="734"/>
-          <ac:spMkLst>
-            <pc:docMk/>
-            <pc:sldMk cId="473798661" sldId="313"/>
-            <ac:spMk id="14" creationId="{78B35364-68AD-2CE1-988A-8D5424E55702}"/>
-          </ac:spMkLst>
-        </pc:spChg>
-        <pc:spChg chg="mod">
-          <ac:chgData name="Neta Becker" userId="cef0aa30-4247-4db8-9bc0-d63efc0d3a53" providerId="ADAL" clId="{8E39725F-6EEF-4D4D-92C3-0465B79E9629}" dt="2024-05-18T11:30:50.971" v="734"/>
-          <ac:spMkLst>
-            <pc:docMk/>
-            <pc:sldMk cId="473798661" sldId="313"/>
-            <ac:spMk id="15" creationId="{DE5A7FCF-008F-8E40-2D13-530A8F3BC4A9}"/>
-          </ac:spMkLst>
-        </pc:spChg>
-        <pc:spChg chg="mod">
-          <ac:chgData name="Neta Becker" userId="cef0aa30-4247-4db8-9bc0-d63efc0d3a53" providerId="ADAL" clId="{8E39725F-6EEF-4D4D-92C3-0465B79E9629}" dt="2024-05-18T11:30:50.971" v="734"/>
-          <ac:spMkLst>
-            <pc:docMk/>
-            <pc:sldMk cId="473798661" sldId="313"/>
-            <ac:spMk id="16" creationId="{A8ABD720-0AA8-FF0D-DF7D-4CBC6DE49A69}"/>
-          </ac:spMkLst>
-        </pc:spChg>
-        <pc:grpChg chg="add del mod">
-          <ac:chgData name="Neta Becker" userId="cef0aa30-4247-4db8-9bc0-d63efc0d3a53" providerId="ADAL" clId="{8E39725F-6EEF-4D4D-92C3-0465B79E9629}" dt="2024-05-18T11:30:46.143" v="728" actId="478"/>
-          <ac:grpSpMkLst>
-            <pc:docMk/>
-            <pc:sldMk cId="473798661" sldId="313"/>
-            <ac:grpSpMk id="5" creationId="{0ED5CF67-36AF-6C59-114F-67E958E1AA67}"/>
-          </ac:grpSpMkLst>
-        </pc:grpChg>
-        <pc:grpChg chg="add mod">
-          <ac:chgData name="Neta Becker" userId="cef0aa30-4247-4db8-9bc0-d63efc0d3a53" providerId="ADAL" clId="{8E39725F-6EEF-4D4D-92C3-0465B79E9629}" dt="2024-05-18T11:30:50.971" v="734"/>
-          <ac:grpSpMkLst>
-            <pc:docMk/>
-            <pc:sldMk cId="473798661" sldId="313"/>
-            <ac:grpSpMk id="13" creationId="{52F4352F-D47B-6EF2-8DF9-DC2F790BD953}"/>
-          </ac:grpSpMkLst>
-        </pc:grpChg>
-      </pc:sldChg>
-      <pc:sldChg chg="addSp modSp mod">
-        <pc:chgData name="Neta Becker" userId="cef0aa30-4247-4db8-9bc0-d63efc0d3a53" providerId="ADAL" clId="{8E39725F-6EEF-4D4D-92C3-0465B79E9629}" dt="2024-05-18T11:30:36.754" v="727" actId="14100"/>
-        <pc:sldMkLst>
-          <pc:docMk/>
-          <pc:sldMk cId="2633577502" sldId="314"/>
-        </pc:sldMkLst>
-        <pc:spChg chg="mod">
-          <ac:chgData name="Neta Becker" userId="cef0aa30-4247-4db8-9bc0-d63efc0d3a53" providerId="ADAL" clId="{8E39725F-6EEF-4D4D-92C3-0465B79E9629}" dt="2024-05-18T08:20:44.648" v="28"/>
-          <ac:spMkLst>
-            <pc:docMk/>
-            <pc:sldMk cId="2633577502" sldId="314"/>
-            <ac:spMk id="2" creationId="{9E1B47C9-23BE-9F8B-A0E0-E74CAB5ED67A}"/>
-          </ac:spMkLst>
-        </pc:spChg>
-        <pc:spChg chg="add mod ord">
-          <ac:chgData name="Neta Becker" userId="cef0aa30-4247-4db8-9bc0-d63efc0d3a53" providerId="ADAL" clId="{8E39725F-6EEF-4D4D-92C3-0465B79E9629}" dt="2024-05-18T11:30:36.754" v="727" actId="14100"/>
-          <ac:spMkLst>
-            <pc:docMk/>
-            <pc:sldMk cId="2633577502" sldId="314"/>
-            <ac:spMk id="3" creationId="{064ECE8D-76D8-BA22-D014-D9F875D0BB90}"/>
-          </ac:spMkLst>
-        </pc:spChg>
-        <pc:spChg chg="mod">
-          <ac:chgData name="Neta Becker" userId="cef0aa30-4247-4db8-9bc0-d63efc0d3a53" providerId="ADAL" clId="{8E39725F-6EEF-4D4D-92C3-0465B79E9629}" dt="2024-05-18T11:30:19.581" v="700" actId="120"/>
-          <ac:spMkLst>
-            <pc:docMk/>
-            <pc:sldMk cId="2633577502" sldId="314"/>
-            <ac:spMk id="4" creationId="{B8D434B1-56CC-6E8D-FDD2-84F2A848D19A}"/>
-          </ac:spMkLst>
-        </pc:spChg>
-        <pc:spChg chg="add mod ord">
-          <ac:chgData name="Neta Becker" userId="cef0aa30-4247-4db8-9bc0-d63efc0d3a53" providerId="ADAL" clId="{8E39725F-6EEF-4D4D-92C3-0465B79E9629}" dt="2024-05-18T11:28:20.774" v="602" actId="167"/>
-          <ac:spMkLst>
-            <pc:docMk/>
-            <pc:sldMk cId="2633577502" sldId="314"/>
-            <ac:spMk id="9" creationId="{E73B7CD3-80C4-5F5D-994F-D362C59DCFF6}"/>
-          </ac:spMkLst>
-        </pc:spChg>
-        <pc:grpChg chg="mod">
-          <ac:chgData name="Neta Becker" userId="cef0aa30-4247-4db8-9bc0-d63efc0d3a53" providerId="ADAL" clId="{8E39725F-6EEF-4D4D-92C3-0465B79E9629}" dt="2024-05-18T11:30:28.379" v="726" actId="1038"/>
-          <ac:grpSpMkLst>
-            <pc:docMk/>
-            <pc:sldMk cId="2633577502" sldId="314"/>
-            <ac:grpSpMk id="5" creationId="{220E5C26-EB1D-31C2-6A8B-D662D1D97FC8}"/>
-          </ac:grpSpMkLst>
-        </pc:grpChg>
-      </pc:sldChg>
-      <pc:sldChg chg="addSp modSp mod">
-        <pc:chgData name="Neta Becker" userId="cef0aa30-4247-4db8-9bc0-d63efc0d3a53" providerId="ADAL" clId="{8E39725F-6EEF-4D4D-92C3-0465B79E9629}" dt="2024-05-18T11:29:59.555" v="695" actId="1076"/>
-        <pc:sldMkLst>
-          <pc:docMk/>
-          <pc:sldMk cId="1314981952" sldId="315"/>
-        </pc:sldMkLst>
-        <pc:spChg chg="mod">
-          <ac:chgData name="Neta Becker" userId="cef0aa30-4247-4db8-9bc0-d63efc0d3a53" providerId="ADAL" clId="{8E39725F-6EEF-4D4D-92C3-0465B79E9629}" dt="2024-05-18T08:20:44.648" v="28"/>
-          <ac:spMkLst>
-            <pc:docMk/>
-            <pc:sldMk cId="1314981952" sldId="315"/>
-            <ac:spMk id="2" creationId="{FBB17739-EDA8-0BBF-2BBE-DD328C51C51D}"/>
-          </ac:spMkLst>
-        </pc:spChg>
-        <pc:spChg chg="add mod ord">
-          <ac:chgData name="Neta Becker" userId="cef0aa30-4247-4db8-9bc0-d63efc0d3a53" providerId="ADAL" clId="{8E39725F-6EEF-4D4D-92C3-0465B79E9629}" dt="2024-05-18T11:29:59.555" v="695" actId="1076"/>
-          <ac:spMkLst>
-            <pc:docMk/>
-            <pc:sldMk cId="1314981952" sldId="315"/>
-            <ac:spMk id="3" creationId="{64C30393-4A9C-E384-EAB5-8D020B59DE1C}"/>
-          </ac:spMkLst>
-        </pc:spChg>
-        <pc:spChg chg="mod">
-          <ac:chgData name="Neta Becker" userId="cef0aa30-4247-4db8-9bc0-d63efc0d3a53" providerId="ADAL" clId="{8E39725F-6EEF-4D4D-92C3-0465B79E9629}" dt="2024-05-18T11:29:49.944" v="694" actId="1038"/>
-          <ac:spMkLst>
-            <pc:docMk/>
-            <pc:sldMk cId="1314981952" sldId="315"/>
-            <ac:spMk id="4" creationId="{DB4B58AA-CB6F-C0F0-4724-E92868B9FD0E}"/>
-          </ac:spMkLst>
-        </pc:spChg>
-        <pc:grpChg chg="mod">
-          <ac:chgData name="Neta Becker" userId="cef0aa30-4247-4db8-9bc0-d63efc0d3a53" providerId="ADAL" clId="{8E39725F-6EEF-4D4D-92C3-0465B79E9629}" dt="2024-05-18T11:29:49.944" v="694" actId="1038"/>
-          <ac:grpSpMkLst>
-            <pc:docMk/>
-            <pc:sldMk cId="1314981952" sldId="315"/>
-            <ac:grpSpMk id="26" creationId="{B1459D06-85AA-CBC8-EB7A-638C778F30EA}"/>
-          </ac:grpSpMkLst>
-        </pc:grpChg>
-        <pc:picChg chg="mod">
-          <ac:chgData name="Neta Becker" userId="cef0aa30-4247-4db8-9bc0-d63efc0d3a53" providerId="ADAL" clId="{8E39725F-6EEF-4D4D-92C3-0465B79E9629}" dt="2024-05-18T08:20:44.648" v="28"/>
-          <ac:picMkLst>
-            <pc:docMk/>
-            <pc:sldMk cId="1314981952" sldId="315"/>
-            <ac:picMk id="9" creationId="{07590EA9-D1FD-3F79-303E-3BE0CB53087D}"/>
-          </ac:picMkLst>
-        </pc:picChg>
-      </pc:sldChg>
-      <pc:sldChg chg="addSp delSp modSp new del mod delAnim modAnim modShow">
-        <pc:chgData name="Neta Becker" userId="cef0aa30-4247-4db8-9bc0-d63efc0d3a53" providerId="ADAL" clId="{8E39725F-6EEF-4D4D-92C3-0465B79E9629}" dt="2024-05-18T11:08:28.847" v="305" actId="47"/>
-        <pc:sldMkLst>
-          <pc:docMk/>
-          <pc:sldMk cId="2659687341" sldId="316"/>
-        </pc:sldMkLst>
-        <pc:spChg chg="del">
-          <ac:chgData name="Neta Becker" userId="cef0aa30-4247-4db8-9bc0-d63efc0d3a53" providerId="ADAL" clId="{8E39725F-6EEF-4D4D-92C3-0465B79E9629}" dt="2024-05-18T11:03:54.457" v="266"/>
-          <ac:spMkLst>
-            <pc:docMk/>
-            <pc:sldMk cId="2659687341" sldId="316"/>
-            <ac:spMk id="3" creationId="{61D210A2-8CED-F722-FD99-D02423DDB7CA}"/>
-          </ac:spMkLst>
-        </pc:spChg>
-        <pc:spChg chg="add mod">
-          <ac:chgData name="Neta Becker" userId="cef0aa30-4247-4db8-9bc0-d63efc0d3a53" providerId="ADAL" clId="{8E39725F-6EEF-4D4D-92C3-0465B79E9629}" dt="2024-05-18T11:06:45.725" v="286" actId="478"/>
-          <ac:spMkLst>
-            <pc:docMk/>
-            <pc:sldMk cId="2659687341" sldId="316"/>
-            <ac:spMk id="7" creationId="{1BE97CCF-74BF-9396-8DAD-E3C3C8B7B6FD}"/>
-          </ac:spMkLst>
-        </pc:spChg>
-        <pc:picChg chg="add del mod">
-          <ac:chgData name="Neta Becker" userId="cef0aa30-4247-4db8-9bc0-d63efc0d3a53" providerId="ADAL" clId="{8E39725F-6EEF-4D4D-92C3-0465B79E9629}" dt="2024-05-18T11:06:45.725" v="286" actId="478"/>
-          <ac:picMkLst>
-            <pc:docMk/>
-            <pc:sldMk cId="2659687341" sldId="316"/>
-            <ac:picMk id="4" creationId="{5DD94EFC-44C9-A81C-0F6A-635744A7F6A1}"/>
-          </ac:picMkLst>
-        </pc:picChg>
-        <pc:picChg chg="add mod">
-          <ac:chgData name="Neta Becker" userId="cef0aa30-4247-4db8-9bc0-d63efc0d3a53" providerId="ADAL" clId="{8E39725F-6EEF-4D4D-92C3-0465B79E9629}" dt="2024-05-18T11:06:47.350" v="287" actId="1076"/>
-          <ac:picMkLst>
-            <pc:docMk/>
-            <pc:sldMk cId="2659687341" sldId="316"/>
-            <ac:picMk id="5" creationId="{571F2F0D-59CB-5202-E7E7-CF457D63CC14}"/>
-          </ac:picMkLst>
-        </pc:picChg>
-      </pc:sldChg>
-      <pc:sldMasterChg chg="setBg modSldLayout">
-        <pc:chgData name="Neta Becker" userId="cef0aa30-4247-4db8-9bc0-d63efc0d3a53" providerId="ADAL" clId="{8E39725F-6EEF-4D4D-92C3-0465B79E9629}" dt="2024-05-18T10:29:19.955" v="31"/>
-        <pc:sldMasterMkLst>
-          <pc:docMk/>
-          <pc:sldMasterMk cId="1804776256" sldId="2147483874"/>
-        </pc:sldMasterMkLst>
-        <pc:sldLayoutChg chg="setBg">
-          <pc:chgData name="Neta Becker" userId="cef0aa30-4247-4db8-9bc0-d63efc0d3a53" providerId="ADAL" clId="{8E39725F-6EEF-4D4D-92C3-0465B79E9629}" dt="2024-05-18T10:29:19.955" v="31"/>
-          <pc:sldLayoutMkLst>
-            <pc:docMk/>
-            <pc:sldMasterMk cId="1804776256" sldId="2147483874"/>
-            <pc:sldLayoutMk cId="3484691523" sldId="2147483875"/>
-          </pc:sldLayoutMkLst>
-        </pc:sldLayoutChg>
-        <pc:sldLayoutChg chg="setBg">
-          <pc:chgData name="Neta Becker" userId="cef0aa30-4247-4db8-9bc0-d63efc0d3a53" providerId="ADAL" clId="{8E39725F-6EEF-4D4D-92C3-0465B79E9629}" dt="2024-05-18T10:29:19.955" v="31"/>
-          <pc:sldLayoutMkLst>
-            <pc:docMk/>
-            <pc:sldMasterMk cId="1804776256" sldId="2147483874"/>
-            <pc:sldLayoutMk cId="332088760" sldId="2147483876"/>
-          </pc:sldLayoutMkLst>
-        </pc:sldLayoutChg>
-        <pc:sldLayoutChg chg="setBg">
-          <pc:chgData name="Neta Becker" userId="cef0aa30-4247-4db8-9bc0-d63efc0d3a53" providerId="ADAL" clId="{8E39725F-6EEF-4D4D-92C3-0465B79E9629}" dt="2024-05-18T10:29:19.955" v="31"/>
-          <pc:sldLayoutMkLst>
-            <pc:docMk/>
-            <pc:sldMasterMk cId="1804776256" sldId="2147483874"/>
-            <pc:sldLayoutMk cId="1702842903" sldId="2147483877"/>
-          </pc:sldLayoutMkLst>
-        </pc:sldLayoutChg>
-        <pc:sldLayoutChg chg="setBg">
-          <pc:chgData name="Neta Becker" userId="cef0aa30-4247-4db8-9bc0-d63efc0d3a53" providerId="ADAL" clId="{8E39725F-6EEF-4D4D-92C3-0465B79E9629}" dt="2024-05-18T10:29:19.955" v="31"/>
-          <pc:sldLayoutMkLst>
-            <pc:docMk/>
-            <pc:sldMasterMk cId="1804776256" sldId="2147483874"/>
-            <pc:sldLayoutMk cId="1167257325" sldId="2147483878"/>
-          </pc:sldLayoutMkLst>
-        </pc:sldLayoutChg>
-        <pc:sldLayoutChg chg="setBg">
-          <pc:chgData name="Neta Becker" userId="cef0aa30-4247-4db8-9bc0-d63efc0d3a53" providerId="ADAL" clId="{8E39725F-6EEF-4D4D-92C3-0465B79E9629}" dt="2024-05-18T10:29:19.955" v="31"/>
-          <pc:sldLayoutMkLst>
-            <pc:docMk/>
-            <pc:sldMasterMk cId="1804776256" sldId="2147483874"/>
-            <pc:sldLayoutMk cId="612437609" sldId="2147483879"/>
-          </pc:sldLayoutMkLst>
-        </pc:sldLayoutChg>
-        <pc:sldLayoutChg chg="setBg">
-          <pc:chgData name="Neta Becker" userId="cef0aa30-4247-4db8-9bc0-d63efc0d3a53" providerId="ADAL" clId="{8E39725F-6EEF-4D4D-92C3-0465B79E9629}" dt="2024-05-18T10:29:19.955" v="31"/>
-          <pc:sldLayoutMkLst>
-            <pc:docMk/>
-            <pc:sldMasterMk cId="1804776256" sldId="2147483874"/>
-            <pc:sldLayoutMk cId="2737422642" sldId="2147483880"/>
-          </pc:sldLayoutMkLst>
-        </pc:sldLayoutChg>
-        <pc:sldLayoutChg chg="setBg">
-          <pc:chgData name="Neta Becker" userId="cef0aa30-4247-4db8-9bc0-d63efc0d3a53" providerId="ADAL" clId="{8E39725F-6EEF-4D4D-92C3-0465B79E9629}" dt="2024-05-18T10:29:19.955" v="31"/>
-          <pc:sldLayoutMkLst>
-            <pc:docMk/>
-            <pc:sldMasterMk cId="1804776256" sldId="2147483874"/>
-            <pc:sldLayoutMk cId="3553857955" sldId="2147483881"/>
-          </pc:sldLayoutMkLst>
-        </pc:sldLayoutChg>
-        <pc:sldLayoutChg chg="setBg">
-          <pc:chgData name="Neta Becker" userId="cef0aa30-4247-4db8-9bc0-d63efc0d3a53" providerId="ADAL" clId="{8E39725F-6EEF-4D4D-92C3-0465B79E9629}" dt="2024-05-18T10:29:19.955" v="31"/>
-          <pc:sldLayoutMkLst>
-            <pc:docMk/>
-            <pc:sldMasterMk cId="1804776256" sldId="2147483874"/>
-            <pc:sldLayoutMk cId="2093351699" sldId="2147483882"/>
-          </pc:sldLayoutMkLst>
-        </pc:sldLayoutChg>
-        <pc:sldLayoutChg chg="setBg">
-          <pc:chgData name="Neta Becker" userId="cef0aa30-4247-4db8-9bc0-d63efc0d3a53" providerId="ADAL" clId="{8E39725F-6EEF-4D4D-92C3-0465B79E9629}" dt="2024-05-18T10:29:19.955" v="31"/>
-          <pc:sldLayoutMkLst>
-            <pc:docMk/>
-            <pc:sldMasterMk cId="1804776256" sldId="2147483874"/>
-            <pc:sldLayoutMk cId="2135688596" sldId="2147483883"/>
-          </pc:sldLayoutMkLst>
-        </pc:sldLayoutChg>
-        <pc:sldLayoutChg chg="setBg">
-          <pc:chgData name="Neta Becker" userId="cef0aa30-4247-4db8-9bc0-d63efc0d3a53" providerId="ADAL" clId="{8E39725F-6EEF-4D4D-92C3-0465B79E9629}" dt="2024-05-18T10:29:19.955" v="31"/>
-          <pc:sldLayoutMkLst>
-            <pc:docMk/>
-            <pc:sldMasterMk cId="1804776256" sldId="2147483874"/>
-            <pc:sldLayoutMk cId="266860093" sldId="2147483884"/>
-          </pc:sldLayoutMkLst>
-        </pc:sldLayoutChg>
-        <pc:sldLayoutChg chg="setBg">
-          <pc:chgData name="Neta Becker" userId="cef0aa30-4247-4db8-9bc0-d63efc0d3a53" providerId="ADAL" clId="{8E39725F-6EEF-4D4D-92C3-0465B79E9629}" dt="2024-05-18T10:29:19.955" v="31"/>
-          <pc:sldLayoutMkLst>
-            <pc:docMk/>
-            <pc:sldMasterMk cId="1804776256" sldId="2147483874"/>
-            <pc:sldLayoutMk cId="3857526101" sldId="2147483885"/>
-          </pc:sldLayoutMkLst>
-        </pc:sldLayoutChg>
-        <pc:sldLayoutChg chg="setBg">
-          <pc:chgData name="Neta Becker" userId="cef0aa30-4247-4db8-9bc0-d63efc0d3a53" providerId="ADAL" clId="{8E39725F-6EEF-4D4D-92C3-0465B79E9629}" dt="2024-05-18T10:29:19.955" v="31"/>
-          <pc:sldLayoutMkLst>
-            <pc:docMk/>
-            <pc:sldMasterMk cId="1804776256" sldId="2147483874"/>
-            <pc:sldLayoutMk cId="1220493620" sldId="2147483886"/>
-          </pc:sldLayoutMkLst>
         </pc:sldLayoutChg>
       </pc:sldMasterChg>
     </pc:docChg>
@@ -9302,7 +9302,7 @@
           <a:p>
             <a:fld id="{00F3AC2B-0516-4C3C-9B21-3C09651EECE3}" type="datetimeFigureOut">
               <a:rPr lang="en-IL" smtClean="0"/>
-              <a:t>18/05/2024</a:t>
+              <a:t>19/05/2024</a:t>
             </a:fld>
             <a:endParaRPr lang="en-IL"/>
           </a:p>
@@ -11013,7 +11013,7 @@
           <a:p>
             <a:fld id="{7E48F360-3E34-44F2-B2D1-F60E60B25061}" type="datetimeFigureOut">
               <a:rPr lang="en-US" smtClean="0"/>
-              <a:t>5/18/2024</a:t>
+              <a:t>5/19/24</a:t>
             </a:fld>
             <a:endParaRPr lang="en-US"/>
           </a:p>
@@ -11215,7 +11215,7 @@
           <a:p>
             <a:fld id="{7E48F360-3E34-44F2-B2D1-F60E60B25061}" type="datetimeFigureOut">
               <a:rPr lang="en-US" smtClean="0"/>
-              <a:t>5/18/2024</a:t>
+              <a:t>5/19/24</a:t>
             </a:fld>
             <a:endParaRPr lang="en-US"/>
           </a:p>
@@ -11395,7 +11395,7 @@
           <a:p>
             <a:fld id="{7E48F360-3E34-44F2-B2D1-F60E60B25061}" type="datetimeFigureOut">
               <a:rPr lang="en-US" smtClean="0"/>
-              <a:t>5/18/2024</a:t>
+              <a:t>5/19/24</a:t>
             </a:fld>
             <a:endParaRPr lang="en-US"/>
           </a:p>
@@ -13716,7 +13716,7 @@
           <a:p>
             <a:fld id="{7E48F360-3E34-44F2-B2D1-F60E60B25061}" type="datetimeFigureOut">
               <a:rPr lang="en-US" smtClean="0"/>
-              <a:t>5/18/2024</a:t>
+              <a:t>5/19/24</a:t>
             </a:fld>
             <a:endParaRPr lang="en-US"/>
           </a:p>
@@ -14296,7 +14296,7 @@
           <a:p>
             <a:fld id="{7E48F360-3E34-44F2-B2D1-F60E60B25061}" type="datetimeFigureOut">
               <a:rPr lang="en-US" smtClean="0"/>
-              <a:t>5/18/2024</a:t>
+              <a:t>5/19/24</a:t>
             </a:fld>
             <a:endParaRPr lang="en-US"/>
           </a:p>
@@ -14598,7 +14598,7 @@
           <a:p>
             <a:fld id="{7E48F360-3E34-44F2-B2D1-F60E60B25061}" type="datetimeFigureOut">
               <a:rPr lang="en-US" smtClean="0"/>
-              <a:t>5/18/2024</a:t>
+              <a:t>5/19/24</a:t>
             </a:fld>
             <a:endParaRPr lang="en-US"/>
           </a:p>
@@ -15035,7 +15035,7 @@
           <a:p>
             <a:fld id="{7E48F360-3E34-44F2-B2D1-F60E60B25061}" type="datetimeFigureOut">
               <a:rPr lang="en-US" smtClean="0"/>
-              <a:t>5/18/2024</a:t>
+              <a:t>5/19/24</a:t>
             </a:fld>
             <a:endParaRPr lang="en-US"/>
           </a:p>
@@ -15153,7 +15153,7 @@
           <a:p>
             <a:fld id="{7E48F360-3E34-44F2-B2D1-F60E60B25061}" type="datetimeFigureOut">
               <a:rPr lang="en-US" smtClean="0"/>
-              <a:t>5/18/2024</a:t>
+              <a:t>5/19/24</a:t>
             </a:fld>
             <a:endParaRPr lang="en-US"/>
           </a:p>
@@ -15248,7 +15248,7 @@
           <a:p>
             <a:fld id="{7E48F360-3E34-44F2-B2D1-F60E60B25061}" type="datetimeFigureOut">
               <a:rPr lang="en-US" smtClean="0"/>
-              <a:t>5/18/2024</a:t>
+              <a:t>5/19/24</a:t>
             </a:fld>
             <a:endParaRPr lang="en-US"/>
           </a:p>
@@ -15592,7 +15592,7 @@
           <a:p>
             <a:fld id="{7E48F360-3E34-44F2-B2D1-F60E60B25061}" type="datetimeFigureOut">
               <a:rPr lang="en-US" smtClean="0"/>
-              <a:t>5/18/2024</a:t>
+              <a:t>5/19/24</a:t>
             </a:fld>
             <a:endParaRPr lang="en-US"/>
           </a:p>
@@ -15981,7 +15981,7 @@
           <a:p>
             <a:fld id="{7E48F360-3E34-44F2-B2D1-F60E60B25061}" type="datetimeFigureOut">
               <a:rPr lang="en-US" smtClean="0"/>
-              <a:t>5/18/2024</a:t>
+              <a:t>5/19/24</a:t>
             </a:fld>
             <a:endParaRPr lang="en-US"/>
           </a:p>
@@ -16289,7 +16289,7 @@
           <a:p>
             <a:fld id="{7E48F360-3E34-44F2-B2D1-F60E60B25061}" type="datetimeFigureOut">
               <a:rPr lang="en-US" smtClean="0"/>
-              <a:t>5/18/2024</a:t>
+              <a:t>5/19/24</a:t>
             </a:fld>
             <a:endParaRPr lang="en-US"/>
           </a:p>
@@ -17839,7 +17839,7 @@
             <p:ph idx="1"/>
           </p:nvPr>
         </p:nvPicPr>
-        <p:blipFill>
+        <p:blipFill rotWithShape="1">
           <a:blip r:embed="rId2">
             <a:extLst>
               <a:ext uri="{28A0092B-C50C-407E-A947-70E740481C1C}">
@@ -17847,14 +17847,13 @@
               </a:ext>
             </a:extLst>
           </a:blip>
-          <a:stretch>
-            <a:fillRect/>
-          </a:stretch>
+          <a:srcRect l="11628" t="9228" r="8407" b="16118"/>
+          <a:stretch/>
         </p:blipFill>
         <p:spPr>
           <a:xfrm>
-            <a:off x="1743075" y="1804511"/>
-            <a:ext cx="8705850" cy="4491113"/>
+            <a:off x="1558094" y="1642311"/>
+            <a:ext cx="9329362" cy="4493125"/>
           </a:xfrm>
           <a:prstGeom prst="rect">
             <a:avLst/>
@@ -25989,13 +25988,13 @@
         </p:nvSpPr>
         <p:spPr>
           <a:xfrm>
-            <a:off x="1024127" y="2286000"/>
-            <a:ext cx="10274493" cy="3931920"/>
+            <a:off x="1024128" y="1926336"/>
+            <a:ext cx="10274492" cy="4291584"/>
           </a:xfrm>
         </p:spPr>
         <p:txBody>
           <a:bodyPr>
-            <a:normAutofit/>
+            <a:normAutofit lnSpcReduction="10000"/>
           </a:bodyPr>
           <a:lstStyle/>
           <a:p>
@@ -26012,8 +26011,43 @@
                 <a:ea typeface="Calibri" panose="020F0502020204030204" pitchFamily="34" charset="0"/>
                 <a:cs typeface="Calibri" panose="020F0502020204030204" pitchFamily="34" charset="0"/>
               </a:rPr>
-              <a:t> The authors wish to solve the problem of non-rigid registration. </a:t>
+              <a:t> The paper aims to solve non-rigid registration in </a:t>
             </a:r>
+            <a:r>
+              <a:rPr lang="en-US" sz="2400" b="1" dirty="0">
+                <a:latin typeface="Calibri" panose="020F0502020204030204" pitchFamily="34" charset="0"/>
+                <a:ea typeface="Calibri" panose="020F0502020204030204" pitchFamily="34" charset="0"/>
+                <a:cs typeface="Calibri" panose="020F0502020204030204" pitchFamily="34" charset="0"/>
+              </a:rPr>
+              <a:t>medical imaging</a:t>
+            </a:r>
+          </a:p>
+          <a:p>
+            <a:pPr marL="0" indent="0">
+              <a:lnSpc>
+                <a:spcPct val="150000"/>
+              </a:lnSpc>
+              <a:buNone/>
+            </a:pPr>
+            <a:endParaRPr lang="en-US" sz="2400" b="1" dirty="0">
+              <a:latin typeface="Calibri" panose="020F0502020204030204" pitchFamily="34" charset="0"/>
+              <a:ea typeface="Calibri" panose="020F0502020204030204" pitchFamily="34" charset="0"/>
+              <a:cs typeface="Calibri" panose="020F0502020204030204" pitchFamily="34" charset="0"/>
+            </a:endParaRPr>
+          </a:p>
+          <a:p>
+            <a:pPr>
+              <a:lnSpc>
+                <a:spcPct val="150000"/>
+              </a:lnSpc>
+              <a:buFont typeface="Arial" panose="020B0604020202020204" pitchFamily="34" charset="0"/>
+              <a:buChar char="•"/>
+            </a:pPr>
+            <a:endParaRPr lang="en-US" sz="2400" dirty="0">
+              <a:latin typeface="Calibri" panose="020F0502020204030204" pitchFamily="34" charset="0"/>
+              <a:ea typeface="Calibri" panose="020F0502020204030204" pitchFamily="34" charset="0"/>
+              <a:cs typeface="Calibri" panose="020F0502020204030204" pitchFamily="34" charset="0"/>
+            </a:endParaRPr>
           </a:p>
           <a:p>
             <a:pPr>
@@ -26029,13 +26063,115 @@
                 <a:ea typeface="Calibri" panose="020F0502020204030204" pitchFamily="34" charset="0"/>
                 <a:cs typeface="Calibri" panose="020F0502020204030204" pitchFamily="34" charset="0"/>
               </a:rPr>
-              <a:t> We want to apply their work in the field of object tracking, specifically for objects that may change their shape throughout a given video.</a:t>
+              <a:t>It utilizes </a:t>
             </a:r>
-            <a:endParaRPr lang="en-US" sz="2400" b="1" dirty="0">
-              <a:latin typeface="Calibri" panose="020F0502020204030204" pitchFamily="34" charset="0"/>
-              <a:ea typeface="Calibri" panose="020F0502020204030204" pitchFamily="34" charset="0"/>
-              <a:cs typeface="Calibri" panose="020F0502020204030204" pitchFamily="34" charset="0"/>
-            </a:endParaRPr>
+            <a:r>
+              <a:rPr lang="en-US" sz="2400" b="1" dirty="0">
+                <a:latin typeface="Calibri" panose="020F0502020204030204" pitchFamily="34" charset="0"/>
+                <a:ea typeface="Calibri" panose="020F0502020204030204" pitchFamily="34" charset="0"/>
+                <a:cs typeface="Calibri" panose="020F0502020204030204" pitchFamily="34" charset="0"/>
+              </a:rPr>
+              <a:t>TV of arbitrary order </a:t>
+            </a:r>
+            <a:r>
+              <a:rPr lang="en-US" sz="2400" dirty="0">
+                <a:latin typeface="Calibri" panose="020F0502020204030204" pitchFamily="34" charset="0"/>
+                <a:ea typeface="Calibri" panose="020F0502020204030204" pitchFamily="34" charset="0"/>
+                <a:cs typeface="Calibri" panose="020F0502020204030204" pitchFamily="34" charset="0"/>
+              </a:rPr>
+              <a:t>in its regularization which:</a:t>
+            </a:r>
+          </a:p>
+          <a:p>
+            <a:pPr marL="731520" lvl="1" indent="-457200">
+              <a:lnSpc>
+                <a:spcPct val="150000"/>
+              </a:lnSpc>
+              <a:buFont typeface="+mj-lt"/>
+              <a:buAutoNum type="arabicParenR"/>
+            </a:pPr>
+            <a:r>
+              <a:rPr lang="en-US" sz="2200" dirty="0">
+                <a:latin typeface="Calibri" panose="020F0502020204030204" pitchFamily="34" charset="0"/>
+                <a:ea typeface="Calibri" panose="020F0502020204030204" pitchFamily="34" charset="0"/>
+                <a:cs typeface="Calibri" panose="020F0502020204030204" pitchFamily="34" charset="0"/>
+              </a:rPr>
+              <a:t>Induces </a:t>
+            </a:r>
+            <a:r>
+              <a:rPr lang="en-US" sz="2200" b="1" dirty="0">
+                <a:latin typeface="Calibri" panose="020F0502020204030204" pitchFamily="34" charset="0"/>
+                <a:ea typeface="Calibri" panose="020F0502020204030204" pitchFamily="34" charset="0"/>
+                <a:cs typeface="Calibri" panose="020F0502020204030204" pitchFamily="34" charset="0"/>
+              </a:rPr>
+              <a:t>smooth</a:t>
+            </a:r>
+            <a:r>
+              <a:rPr lang="en-US" sz="2200" dirty="0">
+                <a:latin typeface="Calibri" panose="020F0502020204030204" pitchFamily="34" charset="0"/>
+                <a:ea typeface="Calibri" panose="020F0502020204030204" pitchFamily="34" charset="0"/>
+                <a:cs typeface="Calibri" panose="020F0502020204030204" pitchFamily="34" charset="0"/>
+              </a:rPr>
+              <a:t> solutions</a:t>
+            </a:r>
+          </a:p>
+          <a:p>
+            <a:pPr marL="731520" lvl="1" indent="-457200">
+              <a:lnSpc>
+                <a:spcPct val="150000"/>
+              </a:lnSpc>
+              <a:buFont typeface="+mj-lt"/>
+              <a:buAutoNum type="arabicParenR"/>
+            </a:pPr>
+            <a:r>
+              <a:rPr lang="en-US" sz="2200" dirty="0">
+                <a:latin typeface="Calibri" panose="020F0502020204030204" pitchFamily="34" charset="0"/>
+                <a:ea typeface="Calibri" panose="020F0502020204030204" pitchFamily="34" charset="0"/>
+                <a:cs typeface="Calibri" panose="020F0502020204030204" pitchFamily="34" charset="0"/>
+              </a:rPr>
+              <a:t>Allows </a:t>
+            </a:r>
+            <a:r>
+              <a:rPr lang="en-US" sz="2200" b="1" dirty="0">
+                <a:latin typeface="Calibri" panose="020F0502020204030204" pitchFamily="34" charset="0"/>
+                <a:ea typeface="Calibri" panose="020F0502020204030204" pitchFamily="34" charset="0"/>
+                <a:cs typeface="Calibri" panose="020F0502020204030204" pitchFamily="34" charset="0"/>
+              </a:rPr>
+              <a:t>discontinuities</a:t>
+            </a:r>
+            <a:r>
+              <a:rPr lang="en-US" sz="2200" dirty="0">
+                <a:latin typeface="Calibri" panose="020F0502020204030204" pitchFamily="34" charset="0"/>
+                <a:ea typeface="Calibri" panose="020F0502020204030204" pitchFamily="34" charset="0"/>
+                <a:cs typeface="Calibri" panose="020F0502020204030204" pitchFamily="34" charset="0"/>
+              </a:rPr>
+              <a:t> in local deformation fields</a:t>
+            </a:r>
+          </a:p>
+          <a:p>
+            <a:pPr marL="731520" lvl="1" indent="-457200">
+              <a:lnSpc>
+                <a:spcPct val="150000"/>
+              </a:lnSpc>
+              <a:buFont typeface="+mj-lt"/>
+              <a:buAutoNum type="arabicParenR"/>
+            </a:pPr>
+            <a:r>
+              <a:rPr lang="en-US" sz="2200" dirty="0">
+                <a:latin typeface="Calibri" panose="020F0502020204030204" pitchFamily="34" charset="0"/>
+                <a:ea typeface="Calibri" panose="020F0502020204030204" pitchFamily="34" charset="0"/>
+                <a:cs typeface="Calibri" panose="020F0502020204030204" pitchFamily="34" charset="0"/>
+              </a:rPr>
+              <a:t>Is less dependent on </a:t>
+            </a:r>
+            <a:r>
+              <a:rPr lang="en-US" sz="2200" b="1" dirty="0">
+                <a:latin typeface="Calibri" panose="020F0502020204030204" pitchFamily="34" charset="0"/>
+                <a:ea typeface="Calibri" panose="020F0502020204030204" pitchFamily="34" charset="0"/>
+                <a:cs typeface="Calibri" panose="020F0502020204030204" pitchFamily="34" charset="0"/>
+              </a:rPr>
+              <a:t>initial alignment </a:t>
+            </a:r>
           </a:p>
           <a:p>
             <a:pPr>
@@ -26750,6 +26886,263 @@
           </a:p>
         </p:txBody>
       </p:sp>
+      <p:grpSp>
+        <p:nvGrpSpPr>
+          <p:cNvPr id="15" name="Group 14">
+            <a:extLst>
+              <a:ext uri="{FF2B5EF4-FFF2-40B4-BE49-F238E27FC236}">
+                <a16:creationId xmlns:a16="http://schemas.microsoft.com/office/drawing/2014/main" id="{6045784A-95A3-DF8B-C28A-7F58DDEE0E57}"/>
+              </a:ext>
+            </a:extLst>
+          </p:cNvPr>
+          <p:cNvGrpSpPr/>
+          <p:nvPr/>
+        </p:nvGrpSpPr>
+        <p:grpSpPr>
+          <a:xfrm>
+            <a:off x="3233477" y="2585395"/>
+            <a:ext cx="5725045" cy="1300806"/>
+            <a:chOff x="3410178" y="2585395"/>
+            <a:chExt cx="5725045" cy="1300806"/>
+          </a:xfrm>
+        </p:grpSpPr>
+        <p:pic>
+          <p:nvPicPr>
+            <p:cNvPr id="8" name="Picture 7" descr="A close-up of a microscope&#10;&#10;Description automatically generated">
+              <a:extLst>
+                <a:ext uri="{FF2B5EF4-FFF2-40B4-BE49-F238E27FC236}">
+                  <a16:creationId xmlns:a16="http://schemas.microsoft.com/office/drawing/2014/main" id="{E90D603D-22F4-F211-A7D0-A798253D72FF}"/>
+                </a:ext>
+              </a:extLst>
+            </p:cNvPr>
+            <p:cNvPicPr>
+              <a:picLocks noChangeAspect="1"/>
+            </p:cNvPicPr>
+            <p:nvPr/>
+          </p:nvPicPr>
+          <p:blipFill rotWithShape="1">
+            <a:blip r:embed="rId3">
+              <a:extLst>
+                <a:ext uri="{28A0092B-C50C-407E-A947-70E740481C1C}">
+                  <a14:useLocalDpi xmlns:a14="http://schemas.microsoft.com/office/drawing/2010/main" val="0"/>
+                </a:ext>
+              </a:extLst>
+            </a:blip>
+            <a:srcRect l="30588" t="8048" r="27059" b="10835"/>
+            <a:stretch/>
+          </p:blipFill>
+          <p:spPr>
+            <a:xfrm>
+              <a:off x="3410178" y="2585396"/>
+              <a:ext cx="1299911" cy="1300804"/>
+            </a:xfrm>
+            <a:prstGeom prst="rect">
+              <a:avLst/>
+            </a:prstGeom>
+          </p:spPr>
+        </p:pic>
+        <p:pic>
+          <p:nvPicPr>
+            <p:cNvPr id="10" name="Picture 9" descr="A close-up of a person's face&#10;&#10;Description automatically generated">
+              <a:extLst>
+                <a:ext uri="{FF2B5EF4-FFF2-40B4-BE49-F238E27FC236}">
+                  <a16:creationId xmlns:a16="http://schemas.microsoft.com/office/drawing/2014/main" id="{B7BE6C57-EAE6-B49A-1C8F-1FDCF0143F5F}"/>
+                </a:ext>
+              </a:extLst>
+            </p:cNvPr>
+            <p:cNvPicPr>
+              <a:picLocks noChangeAspect="1"/>
+            </p:cNvPicPr>
+            <p:nvPr/>
+          </p:nvPicPr>
+          <p:blipFill rotWithShape="1">
+            <a:blip r:embed="rId4">
+              <a:extLst>
+                <a:ext uri="{28A0092B-C50C-407E-A947-70E740481C1C}">
+                  <a14:useLocalDpi xmlns:a14="http://schemas.microsoft.com/office/drawing/2010/main" val="0"/>
+                </a:ext>
+              </a:extLst>
+            </a:blip>
+            <a:srcRect l="30432" t="8226" r="26902" b="11186"/>
+            <a:stretch/>
+          </p:blipFill>
+          <p:spPr>
+            <a:xfrm>
+              <a:off x="5604738" y="2585397"/>
+              <a:ext cx="1321451" cy="1300804"/>
+            </a:xfrm>
+            <a:prstGeom prst="rect">
+              <a:avLst/>
+            </a:prstGeom>
+          </p:spPr>
+        </p:pic>
+        <p:pic>
+          <p:nvPicPr>
+            <p:cNvPr id="12" name="Picture 11" descr="A close-up of a microscope&#10;&#10;Description automatically generated">
+              <a:extLst>
+                <a:ext uri="{FF2B5EF4-FFF2-40B4-BE49-F238E27FC236}">
+                  <a16:creationId xmlns:a16="http://schemas.microsoft.com/office/drawing/2014/main" id="{FEE1D374-D341-D543-8C8B-92358262F540}"/>
+                </a:ext>
+              </a:extLst>
+            </p:cNvPr>
+            <p:cNvPicPr>
+              <a:picLocks noChangeAspect="1"/>
+            </p:cNvPicPr>
+            <p:nvPr/>
+          </p:nvPicPr>
+          <p:blipFill rotWithShape="1">
+            <a:blip r:embed="rId5">
+              <a:extLst>
+                <a:ext uri="{28A0092B-C50C-407E-A947-70E740481C1C}">
+                  <a14:useLocalDpi xmlns:a14="http://schemas.microsoft.com/office/drawing/2010/main" val="0"/>
+                </a:ext>
+              </a:extLst>
+            </a:blip>
+            <a:srcRect l="30118" t="8581" r="26902" b="11237"/>
+            <a:stretch/>
+          </p:blipFill>
+          <p:spPr>
+            <a:xfrm>
+              <a:off x="7804055" y="2585395"/>
+              <a:ext cx="1331168" cy="1300804"/>
+            </a:xfrm>
+            <a:prstGeom prst="rect">
+              <a:avLst/>
+            </a:prstGeom>
+          </p:spPr>
+        </p:pic>
+        <mc:AlternateContent xmlns:mc="http://schemas.openxmlformats.org/markup-compatibility/2006">
+          <mc:Choice xmlns:a14="http://schemas.microsoft.com/office/drawing/2010/main" Requires="a14">
+            <p:sp>
+              <p:nvSpPr>
+                <p:cNvPr id="13" name="TextBox 12">
+                  <a:extLst>
+                    <a:ext uri="{FF2B5EF4-FFF2-40B4-BE49-F238E27FC236}">
+                      <a16:creationId xmlns:a16="http://schemas.microsoft.com/office/drawing/2014/main" id="{E348221A-D3D3-B352-EF36-1F6C28CE00DE}"/>
+                    </a:ext>
+                  </a:extLst>
+                </p:cNvPr>
+                <p:cNvSpPr txBox="1"/>
+                <p:nvPr/>
+              </p:nvSpPr>
+              <p:spPr>
+                <a:xfrm>
+                  <a:off x="4769271" y="2958799"/>
+                  <a:ext cx="776284" cy="553998"/>
+                </a:xfrm>
+                <a:prstGeom prst="rect">
+                  <a:avLst/>
+                </a:prstGeom>
+                <a:noFill/>
+              </p:spPr>
+              <p:txBody>
+                <a:bodyPr wrap="square" lIns="0" tIns="0" rIns="0" bIns="0" rtlCol="0">
+                  <a:spAutoFit/>
+                </a:bodyPr>
+                <a:lstStyle/>
+                <a:p>
+                  <a14:m>
+                    <m:oMathPara xmlns:m="http://schemas.openxmlformats.org/officeDocument/2006/math">
+                      <m:oMathParaPr>
+                        <m:jc m:val="centerGroup"/>
+                      </m:oMathParaPr>
+                      <m:oMath xmlns:m="http://schemas.openxmlformats.org/officeDocument/2006/math">
+                        <m:r>
+                          <a:rPr lang="en-US" sz="3600" b="0" i="1" smtClean="0">
+                            <a:latin typeface="Cambria Math" panose="02040503050406030204" pitchFamily="18" charset="0"/>
+                          </a:rPr>
+                          <m:t>→</m:t>
+                        </m:r>
+                      </m:oMath>
+                    </m:oMathPara>
+                  </a14:m>
+                  <a:endParaRPr lang="en-IL" dirty="0"/>
+                </a:p>
+              </p:txBody>
+            </p:sp>
+          </mc:Choice>
+          <mc:Fallback>
+            <p:sp>
+              <p:nvSpPr>
+                <p:cNvPr id="13" name="TextBox 12">
+                  <a:extLst>
+                    <a:ext uri="{FF2B5EF4-FFF2-40B4-BE49-F238E27FC236}">
+                      <a16:creationId xmlns:a16="http://schemas.microsoft.com/office/drawing/2014/main" id="{E348221A-D3D3-B352-EF36-1F6C28CE00DE}"/>
+                    </a:ext>
+                  </a:extLst>
+                </p:cNvPr>
+                <p:cNvSpPr txBox="1">
+                  <a:spLocks noRot="1" noChangeAspect="1" noMove="1" noResize="1" noEditPoints="1" noAdjustHandles="1" noChangeArrowheads="1" noChangeShapeType="1" noTextEdit="1"/>
+                </p:cNvSpPr>
+                <p:nvPr/>
+              </p:nvSpPr>
+              <p:spPr>
+                <a:xfrm>
+                  <a:off x="4769271" y="2958799"/>
+                  <a:ext cx="776284" cy="553998"/>
+                </a:xfrm>
+                <a:prstGeom prst="rect">
+                  <a:avLst/>
+                </a:prstGeom>
+                <a:blipFill>
+                  <a:blip r:embed="rId6"/>
+                  <a:stretch>
+                    <a:fillRect/>
+                  </a:stretch>
+                </a:blipFill>
+              </p:spPr>
+              <p:txBody>
+                <a:bodyPr/>
+                <a:lstStyle/>
+                <a:p>
+                  <a:r>
+                    <a:rPr lang="en-IL">
+                      <a:noFill/>
+                    </a:rPr>
+                    <a:t> </a:t>
+                  </a:r>
+                </a:p>
+              </p:txBody>
+            </p:sp>
+          </mc:Fallback>
+        </mc:AlternateContent>
+        <p:sp>
+          <p:nvSpPr>
+            <p:cNvPr id="14" name="TextBox 13">
+              <a:extLst>
+                <a:ext uri="{FF2B5EF4-FFF2-40B4-BE49-F238E27FC236}">
+                  <a16:creationId xmlns:a16="http://schemas.microsoft.com/office/drawing/2014/main" id="{5548111E-434F-90F0-F847-37DF49CC9EC6}"/>
+                </a:ext>
+              </a:extLst>
+            </p:cNvPr>
+            <p:cNvSpPr txBox="1"/>
+            <p:nvPr/>
+          </p:nvSpPr>
+          <p:spPr>
+            <a:xfrm>
+              <a:off x="7115367" y="2912631"/>
+              <a:ext cx="492443" cy="646331"/>
+            </a:xfrm>
+            <a:prstGeom prst="rect">
+              <a:avLst/>
+            </a:prstGeom>
+            <a:noFill/>
+          </p:spPr>
+          <p:txBody>
+            <a:bodyPr wrap="none" rtlCol="0">
+              <a:spAutoFit/>
+            </a:bodyPr>
+            <a:lstStyle/>
+            <a:p>
+              <a:r>
+                <a:rPr lang="en-IL" sz="3600" b="1" dirty="0"/>
+                <a:t>=</a:t>
+              </a:r>
+              <a:endParaRPr lang="en-IL" b="1" dirty="0"/>
+            </a:p>
+          </p:txBody>
+        </p:sp>
+      </p:grpSp>
     </p:spTree>
     <p:extLst>
       <p:ext uri="{BB962C8B-B14F-4D97-AF65-F5344CB8AC3E}">
@@ -26879,6 +27272,13 @@
             </a:r>
           </a:p>
           <a:p>
+            <a:endParaRPr lang="en-US" sz="2100" b="1" u="sng" dirty="0">
+              <a:latin typeface="Calibri" panose="020F0502020204030204" pitchFamily="34" charset="0"/>
+              <a:ea typeface="Calibri" panose="020F0502020204030204" pitchFamily="34" charset="0"/>
+              <a:cs typeface="Calibri" panose="020F0502020204030204" pitchFamily="34" charset="0"/>
+            </a:endParaRPr>
+          </a:p>
+          <a:p>
             <a:r>
               <a:rPr lang="en-US" sz="2100" b="1" u="sng" dirty="0">
                 <a:latin typeface="Calibri" panose="020F0502020204030204" pitchFamily="34" charset="0"/>
@@ -26937,6 +27337,13 @@
             </a:endParaRPr>
           </a:p>
           <a:p>
+            <a:endParaRPr lang="en-US" sz="2100" b="1" u="sng" dirty="0">
+              <a:latin typeface="Calibri" panose="020F0502020204030204" pitchFamily="34" charset="0"/>
+              <a:ea typeface="Calibri" panose="020F0502020204030204" pitchFamily="34" charset="0"/>
+              <a:cs typeface="Calibri" panose="020F0502020204030204" pitchFamily="34" charset="0"/>
+            </a:endParaRPr>
+          </a:p>
+          <a:p>
             <a:r>
               <a:rPr lang="en-US" sz="2100" b="1" u="sng" dirty="0">
                 <a:latin typeface="Calibri" panose="020F0502020204030204" pitchFamily="34" charset="0"/>
@@ -26980,48 +27387,6 @@
               </a:rPr>
               <a:t>with localized stretching of the images </a:t>
             </a:r>
-          </a:p>
-          <a:p>
-            <a:r>
-              <a:rPr lang="en-US" sz="2100" b="1" u="sng" dirty="0">
-                <a:latin typeface="Calibri" panose="020F0502020204030204" pitchFamily="34" charset="0"/>
-                <a:cs typeface="Calibri" panose="020F0502020204030204" pitchFamily="34" charset="0"/>
-              </a:rPr>
-              <a:t>Object tracking:</a:t>
-            </a:r>
-            <a:br>
-              <a:rPr lang="en-US" sz="2100" dirty="0">
-                <a:latin typeface="Calibri" panose="020F0502020204030204" pitchFamily="34" charset="0"/>
-                <a:cs typeface="Calibri" panose="020F0502020204030204" pitchFamily="34" charset="0"/>
-              </a:rPr>
-            </a:br>
-            <a:r>
-              <a:rPr lang="en-US" sz="2100" dirty="0">
-                <a:latin typeface="Calibri" panose="020F0502020204030204" pitchFamily="34" charset="0"/>
-                <a:cs typeface="Calibri" panose="020F0502020204030204" pitchFamily="34" charset="0"/>
-              </a:rPr>
-              <a:t>Tracking </a:t>
-            </a:r>
-            <a:r>
-              <a:rPr lang="en-US" sz="2100" b="0" i="0" dirty="0">
-                <a:solidFill>
-                  <a:srgbClr val="040C28"/>
-                </a:solidFill>
-                <a:effectLst/>
-                <a:latin typeface="Google Sans"/>
-              </a:rPr>
-              <a:t>the movement of an object.</a:t>
-            </a:r>
-            <a:endParaRPr lang="en-US" sz="2100" dirty="0">
-              <a:latin typeface="Calibri" panose="020F0502020204030204" pitchFamily="34" charset="0"/>
-              <a:cs typeface="Calibri" panose="020F0502020204030204" pitchFamily="34" charset="0"/>
-            </a:endParaRPr>
-          </a:p>
-          <a:p>
-            <a:endParaRPr lang="en-US" sz="2100" dirty="0">
-              <a:latin typeface="Calibri" panose="020F0502020204030204" pitchFamily="34" charset="0"/>
-              <a:cs typeface="Calibri" panose="020F0502020204030204" pitchFamily="34" charset="0"/>
-            </a:endParaRPr>
           </a:p>
         </p:txBody>
       </p:sp>
@@ -27930,8 +28295,8 @@
           </a:p>
         </p:txBody>
       </p:sp>
-      <mc:AlternateContent xmlns:mc="http://schemas.openxmlformats.org/markup-compatibility/2006" xmlns:a14="http://schemas.microsoft.com/office/drawing/2010/main">
-        <mc:Choice Requires="a14">
+      <mc:AlternateContent xmlns:mc="http://schemas.openxmlformats.org/markup-compatibility/2006">
+        <mc:Choice xmlns:a14="http://schemas.microsoft.com/office/drawing/2010/main" Requires="a14">
           <p:sp>
             <p:nvSpPr>
               <p:cNvPr id="3" name="Content Placeholder 2">
@@ -28653,13 +29018,41 @@
                   <a:buFont typeface="+mj-lt"/>
                   <a:buAutoNum type="arabicPeriod"/>
                 </a:pPr>
+                <a14:m>
+                  <m:oMath xmlns:m="http://schemas.openxmlformats.org/officeDocument/2006/math">
+                    <m:r>
+                      <a:rPr lang="en-US" sz="2000" i="1" dirty="0" smtClean="0">
+                        <a:latin typeface="Cambria Math" panose="02040503050406030204" pitchFamily="18" charset="0"/>
+                        <a:ea typeface="Calibri" panose="020F0502020204030204" pitchFamily="34" charset="0"/>
+                        <a:cs typeface="Calibri" panose="020F0502020204030204" pitchFamily="34" charset="0"/>
+                      </a:rPr>
+                      <m:t> </m:t>
+                    </m:r>
+                    <m:r>
+                      <a:rPr lang="en-US" sz="2000" i="1" dirty="0" smtClean="0">
+                        <a:latin typeface="Cambria Math" panose="02040503050406030204" pitchFamily="18" charset="0"/>
+                        <a:ea typeface="Calibri" panose="020F0502020204030204" pitchFamily="34" charset="0"/>
+                        <a:cs typeface="Calibri" panose="020F0502020204030204" pitchFamily="34" charset="0"/>
+                      </a:rPr>
+                      <m:t>𝑢</m:t>
+                    </m:r>
+                    <m:r>
+                      <a:rPr lang="en-US" sz="2000" i="1" dirty="0" smtClean="0">
+                        <a:latin typeface="Cambria Math" panose="02040503050406030204" pitchFamily="18" charset="0"/>
+                        <a:ea typeface="Calibri" panose="020F0502020204030204" pitchFamily="34" charset="0"/>
+                        <a:cs typeface="Calibri" panose="020F0502020204030204" pitchFamily="34" charset="0"/>
+                      </a:rPr>
+                      <m:t> </m:t>
+                    </m:r>
+                  </m:oMath>
+                </a14:m>
                 <a:r>
                   <a:rPr lang="en-US" sz="2000" dirty="0">
                     <a:latin typeface="Calibri" panose="020F0502020204030204" pitchFamily="34" charset="0"/>
                     <a:ea typeface="Calibri" panose="020F0502020204030204" pitchFamily="34" charset="0"/>
                     <a:cs typeface="Calibri" panose="020F0502020204030204" pitchFamily="34" charset="0"/>
                   </a:rPr>
-                  <a:t> u is the 2D displacement field</a:t>
+                  <a:t>is the 2D displacement field</a:t>
                 </a:r>
               </a:p>
               <a:p>
@@ -28843,7 +29236,7 @@
             </p:txBody>
           </p:sp>
         </mc:Choice>
-        <mc:Fallback xmlns="">
+        <mc:Fallback>
           <p:sp>
             <p:nvSpPr>
               <p:cNvPr id="3" name="Content Placeholder 2">
@@ -28864,7 +29257,7 @@
               <a:blipFill>
                 <a:blip r:embed="rId3"/>
                 <a:stretch>
-                  <a:fillRect l="-667" t="-775" b="-6977"/>
+                  <a:fillRect l="-631" t="-16399" b="-6752"/>
                 </a:stretch>
               </a:blipFill>
             </p:spPr>
@@ -36890,10 +37283,10 @@
       </p:sp>
       <p:pic>
         <p:nvPicPr>
-          <p:cNvPr id="19" name="Picture 18" descr="A diagram of a mask and a mask&#10;&#10;Description automatically generated">
+          <p:cNvPr id="12" name="Picture 11" descr="A diagram of a mask and a mask&#10;&#10;Description automatically generated">
             <a:extLst>
               <a:ext uri="{FF2B5EF4-FFF2-40B4-BE49-F238E27FC236}">
-                <a16:creationId xmlns:a16="http://schemas.microsoft.com/office/drawing/2014/main" id="{A6114408-8D15-28C3-6309-4B553FE96CB2}"/>
+                <a16:creationId xmlns:a16="http://schemas.microsoft.com/office/drawing/2014/main" id="{4F9BAFAA-43E7-161F-EA25-0640840E0470}"/>
               </a:ext>
             </a:extLst>
           </p:cNvPr>
@@ -36916,8 +37309,8 @@
         </p:blipFill>
         <p:spPr>
           <a:xfrm>
-            <a:off x="1116766" y="2168351"/>
-            <a:ext cx="10008434" cy="3961183"/>
+            <a:off x="1021008" y="2204926"/>
+            <a:ext cx="10149983" cy="4010480"/>
           </a:xfrm>
           <a:prstGeom prst="rect">
             <a:avLst/>

--- a/updated_presentation.pptx
+++ b/updated_presentation.pptx
@@ -130,13 +130,146 @@
 <file path=ppt/revisionInfo.xml><?xml version="1.0" encoding="utf-8"?>
 <p1510:revInfo xmlns:a="http://schemas.openxmlformats.org/drawingml/2006/main" xmlns:r="http://schemas.openxmlformats.org/officeDocument/2006/relationships" xmlns:p1510="http://schemas.microsoft.com/office/powerpoint/2015/10/main">
   <p1510:revLst>
-    <p1510:client id="{8E39725F-6EEF-4D4D-92C3-0465B79E9629}" v="767" dt="2024-05-18T11:51:58.921"/>
+    <p1510:client id="{8E39725F-6EEF-4D4D-92C3-0465B79E9629}" v="940" dt="2024-05-19T19:28:36.310"/>
   </p1510:revLst>
 </p1510:revInfo>
 </file>
 
 <file path=ppt/changesInfos/changesInfo1.xml><?xml version="1.0" encoding="utf-8"?>
 <pc:chgInfo xmlns:a="http://schemas.openxmlformats.org/drawingml/2006/main" xmlns:r="http://schemas.openxmlformats.org/officeDocument/2006/relationships" xmlns:ac="http://schemas.microsoft.com/office/drawing/2013/main/command" xmlns:pc="http://schemas.microsoft.com/office/powerpoint/2013/main/command">
+  <pc:docChgLst>
+    <pc:chgData name="Neta Becker" userId="cef0aa30-4247-4db8-9bc0-d63efc0d3a53" providerId="ADAL" clId="{F41227B9-745C-4395-9C71-3772E855083B}"/>
+    <pc:docChg chg="undo redo custSel addSld delSld modSld sldOrd">
+      <pc:chgData name="Neta Becker" userId="cef0aa30-4247-4db8-9bc0-d63efc0d3a53" providerId="ADAL" clId="{F41227B9-745C-4395-9C71-3772E855083B}" dt="2024-04-20T09:22:38.819" v="403" actId="20577"/>
+      <pc:docMkLst>
+        <pc:docMk/>
+      </pc:docMkLst>
+      <pc:sldChg chg="modSp mod">
+        <pc:chgData name="Neta Becker" userId="cef0aa30-4247-4db8-9bc0-d63efc0d3a53" providerId="ADAL" clId="{F41227B9-745C-4395-9C71-3772E855083B}" dt="2024-04-20T09:05:12.200" v="33" actId="404"/>
+        <pc:sldMkLst>
+          <pc:docMk/>
+          <pc:sldMk cId="2179648205" sldId="256"/>
+        </pc:sldMkLst>
+        <pc:spChg chg="mod">
+          <ac:chgData name="Neta Becker" userId="cef0aa30-4247-4db8-9bc0-d63efc0d3a53" providerId="ADAL" clId="{F41227B9-745C-4395-9C71-3772E855083B}" dt="2024-04-20T09:05:12.200" v="33" actId="404"/>
+          <ac:spMkLst>
+            <pc:docMk/>
+            <pc:sldMk cId="2179648205" sldId="256"/>
+            <ac:spMk id="2" creationId="{672AD88C-22F7-6099-31A3-259788130B42}"/>
+          </ac:spMkLst>
+        </pc:spChg>
+        <pc:spChg chg="mod">
+          <ac:chgData name="Neta Becker" userId="cef0aa30-4247-4db8-9bc0-d63efc0d3a53" providerId="ADAL" clId="{F41227B9-745C-4395-9C71-3772E855083B}" dt="2024-04-20T09:04:59.482" v="22" actId="20577"/>
+          <ac:spMkLst>
+            <pc:docMk/>
+            <pc:sldMk cId="2179648205" sldId="256"/>
+            <ac:spMk id="3" creationId="{0D89FC02-A4AB-8F19-7B48-608FCF3D55D3}"/>
+          </ac:spMkLst>
+        </pc:spChg>
+        <pc:spChg chg="mod">
+          <ac:chgData name="Neta Becker" userId="cef0aa30-4247-4db8-9bc0-d63efc0d3a53" providerId="ADAL" clId="{F41227B9-745C-4395-9C71-3772E855083B}" dt="2024-04-20T09:04:53.365" v="17" actId="21"/>
+          <ac:spMkLst>
+            <pc:docMk/>
+            <pc:sldMk cId="2179648205" sldId="256"/>
+            <ac:spMk id="4" creationId="{CE588B98-B49F-CE19-44E8-F1BAB7128CA6}"/>
+          </ac:spMkLst>
+        </pc:spChg>
+      </pc:sldChg>
+      <pc:sldChg chg="addSp delSp modSp new mod setBg">
+        <pc:chgData name="Neta Becker" userId="cef0aa30-4247-4db8-9bc0-d63efc0d3a53" providerId="ADAL" clId="{F41227B9-745C-4395-9C71-3772E855083B}" dt="2024-04-20T09:16:24.400" v="303" actId="20577"/>
+        <pc:sldMkLst>
+          <pc:docMk/>
+          <pc:sldMk cId="1769220115" sldId="257"/>
+        </pc:sldMkLst>
+        <pc:spChg chg="mod">
+          <ac:chgData name="Neta Becker" userId="cef0aa30-4247-4db8-9bc0-d63efc0d3a53" providerId="ADAL" clId="{F41227B9-745C-4395-9C71-3772E855083B}" dt="2024-04-20T09:14:00.551" v="259" actId="26606"/>
+          <ac:spMkLst>
+            <pc:docMk/>
+            <pc:sldMk cId="1769220115" sldId="257"/>
+            <ac:spMk id="2" creationId="{BBABCC05-9708-FD2A-9DD0-01CF0D3836F2}"/>
+          </ac:spMkLst>
+        </pc:spChg>
+        <pc:spChg chg="mod">
+          <ac:chgData name="Neta Becker" userId="cef0aa30-4247-4db8-9bc0-d63efc0d3a53" providerId="ADAL" clId="{F41227B9-745C-4395-9C71-3772E855083B}" dt="2024-04-20T09:16:24.400" v="303" actId="20577"/>
+          <ac:spMkLst>
+            <pc:docMk/>
+            <pc:sldMk cId="1769220115" sldId="257"/>
+            <ac:spMk id="3" creationId="{138B8362-48C3-13F0-617A-B8A3256120CA}"/>
+          </ac:spMkLst>
+        </pc:spChg>
+        <pc:spChg chg="add del mod">
+          <ac:chgData name="Neta Becker" userId="cef0aa30-4247-4db8-9bc0-d63efc0d3a53" providerId="ADAL" clId="{F41227B9-745C-4395-9C71-3772E855083B}" dt="2024-04-20T09:15:34.913" v="291" actId="478"/>
+          <ac:spMkLst>
+            <pc:docMk/>
+            <pc:sldMk cId="1769220115" sldId="257"/>
+            <ac:spMk id="4" creationId="{492A418C-EDA6-5C14-CA1B-8B1153793768}"/>
+          </ac:spMkLst>
+        </pc:spChg>
+        <pc:spChg chg="add del mod">
+          <ac:chgData name="Neta Becker" userId="cef0aa30-4247-4db8-9bc0-d63efc0d3a53" providerId="ADAL" clId="{F41227B9-745C-4395-9C71-3772E855083B}" dt="2024-04-20T09:15:35.867" v="292" actId="478"/>
+          <ac:spMkLst>
+            <pc:docMk/>
+            <pc:sldMk cId="1769220115" sldId="257"/>
+            <ac:spMk id="5" creationId="{F52AD1AC-C919-DD06-5AB8-EFA7921D4E7A}"/>
+          </ac:spMkLst>
+        </pc:spChg>
+        <pc:picChg chg="add mod modCrop">
+          <ac:chgData name="Neta Becker" userId="cef0aa30-4247-4db8-9bc0-d63efc0d3a53" providerId="ADAL" clId="{F41227B9-745C-4395-9C71-3772E855083B}" dt="2024-04-20T09:16:08.710" v="302" actId="1076"/>
+          <ac:picMkLst>
+            <pc:docMk/>
+            <pc:sldMk cId="1769220115" sldId="257"/>
+            <ac:picMk id="7" creationId="{5D2567AD-A929-17F9-A858-A92AA2CDC031}"/>
+          </ac:picMkLst>
+        </pc:picChg>
+        <pc:picChg chg="add mod">
+          <ac:chgData name="Neta Becker" userId="cef0aa30-4247-4db8-9bc0-d63efc0d3a53" providerId="ADAL" clId="{F41227B9-745C-4395-9C71-3772E855083B}" dt="2024-04-20T09:13:19.810" v="247" actId="14100"/>
+          <ac:picMkLst>
+            <pc:docMk/>
+            <pc:sldMk cId="1769220115" sldId="257"/>
+            <ac:picMk id="1026" creationId="{4AC9365A-FC03-7DAC-AC59-C7F37271B2CA}"/>
+          </ac:picMkLst>
+        </pc:picChg>
+        <pc:picChg chg="add del mod">
+          <ac:chgData name="Neta Becker" userId="cef0aa30-4247-4db8-9bc0-d63efc0d3a53" providerId="ADAL" clId="{F41227B9-745C-4395-9C71-3772E855083B}" dt="2024-04-20T09:15:32.552" v="290" actId="478"/>
+          <ac:picMkLst>
+            <pc:docMk/>
+            <pc:sldMk cId="1769220115" sldId="257"/>
+            <ac:picMk id="1028" creationId="{73822209-7A05-7768-AD1F-91B7C0E469B0}"/>
+          </ac:picMkLst>
+        </pc:picChg>
+      </pc:sldChg>
+      <pc:sldChg chg="modSp new mod ord">
+        <pc:chgData name="Neta Becker" userId="cef0aa30-4247-4db8-9bc0-d63efc0d3a53" providerId="ADAL" clId="{F41227B9-745C-4395-9C71-3772E855083B}" dt="2024-04-20T09:22:38.819" v="403" actId="20577"/>
+        <pc:sldMkLst>
+          <pc:docMk/>
+          <pc:sldMk cId="4065677750" sldId="258"/>
+        </pc:sldMkLst>
+        <pc:spChg chg="mod">
+          <ac:chgData name="Neta Becker" userId="cef0aa30-4247-4db8-9bc0-d63efc0d3a53" providerId="ADAL" clId="{F41227B9-745C-4395-9C71-3772E855083B}" dt="2024-04-20T09:07:01.867" v="68" actId="20577"/>
+          <ac:spMkLst>
+            <pc:docMk/>
+            <pc:sldMk cId="4065677750" sldId="258"/>
+            <ac:spMk id="2" creationId="{7698AAED-D1FD-B89F-2DA0-BBC929912FFA}"/>
+          </ac:spMkLst>
+        </pc:spChg>
+        <pc:spChg chg="mod">
+          <ac:chgData name="Neta Becker" userId="cef0aa30-4247-4db8-9bc0-d63efc0d3a53" providerId="ADAL" clId="{F41227B9-745C-4395-9C71-3772E855083B}" dt="2024-04-20T09:22:38.819" v="403" actId="20577"/>
+          <ac:spMkLst>
+            <pc:docMk/>
+            <pc:sldMk cId="4065677750" sldId="258"/>
+            <ac:spMk id="3" creationId="{12642EC7-8503-E8AB-52BC-06C912BABE9F}"/>
+          </ac:spMkLst>
+        </pc:spChg>
+      </pc:sldChg>
+      <pc:sldChg chg="new del">
+        <pc:chgData name="Neta Becker" userId="cef0aa30-4247-4db8-9bc0-d63efc0d3a53" providerId="ADAL" clId="{F41227B9-745C-4395-9C71-3772E855083B}" dt="2024-04-20T09:05:25.744" v="35" actId="47"/>
+        <pc:sldMkLst>
+          <pc:docMk/>
+          <pc:sldMk cId="4140540780" sldId="258"/>
+        </pc:sldMkLst>
+      </pc:sldChg>
+    </pc:docChg>
+  </pc:docChgLst>
   <pc:docChgLst>
     <pc:chgData name="Neta Becker" userId="cef0aa30-4247-4db8-9bc0-d63efc0d3a53" providerId="ADAL" clId="{08E06E4B-2E16-4BC0-80E9-E5B23CDC5CD9}"/>
     <pc:docChg chg="undo redo custSel modSld">
@@ -960,9 +1093,1464 @@
     </pc:docChg>
   </pc:docChgLst>
   <pc:docChgLst>
+    <pc:chgData name="Neta Becker" userId="cef0aa30-4247-4db8-9bc0-d63efc0d3a53" providerId="ADAL" clId="{82B47B47-6544-4BFE-BA12-49607BE3FA5F}"/>
+    <pc:docChg chg="undo custSel addSld delSld modSld modMainMaster">
+      <pc:chgData name="Neta Becker" userId="cef0aa30-4247-4db8-9bc0-d63efc0d3a53" providerId="ADAL" clId="{82B47B47-6544-4BFE-BA12-49607BE3FA5F}" dt="2024-05-06T09:25:12.371" v="3640"/>
+      <pc:docMkLst>
+        <pc:docMk/>
+      </pc:docMkLst>
+      <pc:sldChg chg="addSp delSp modSp mod setBg setClrOvrMap delDesignElem chgLayout modNotesTx">
+        <pc:chgData name="Neta Becker" userId="cef0aa30-4247-4db8-9bc0-d63efc0d3a53" providerId="ADAL" clId="{82B47B47-6544-4BFE-BA12-49607BE3FA5F}" dt="2024-05-06T09:25:12.371" v="3640"/>
+        <pc:sldMkLst>
+          <pc:docMk/>
+          <pc:sldMk cId="2179648205" sldId="256"/>
+        </pc:sldMkLst>
+        <pc:spChg chg="mod ord">
+          <ac:chgData name="Neta Becker" userId="cef0aa30-4247-4db8-9bc0-d63efc0d3a53" providerId="ADAL" clId="{82B47B47-6544-4BFE-BA12-49607BE3FA5F}" dt="2024-05-06T09:25:10.813" v="3639" actId="26606"/>
+          <ac:spMkLst>
+            <pc:docMk/>
+            <pc:sldMk cId="2179648205" sldId="256"/>
+            <ac:spMk id="2" creationId="{672AD88C-22F7-6099-31A3-259788130B42}"/>
+          </ac:spMkLst>
+        </pc:spChg>
+        <pc:spChg chg="mod ord">
+          <ac:chgData name="Neta Becker" userId="cef0aa30-4247-4db8-9bc0-d63efc0d3a53" providerId="ADAL" clId="{82B47B47-6544-4BFE-BA12-49607BE3FA5F}" dt="2024-05-06T09:25:10.813" v="3639" actId="26606"/>
+          <ac:spMkLst>
+            <pc:docMk/>
+            <pc:sldMk cId="2179648205" sldId="256"/>
+            <ac:spMk id="3" creationId="{0D89FC02-A4AB-8F19-7B48-608FCF3D55D3}"/>
+          </ac:spMkLst>
+        </pc:spChg>
+        <pc:spChg chg="mod">
+          <ac:chgData name="Neta Becker" userId="cef0aa30-4247-4db8-9bc0-d63efc0d3a53" providerId="ADAL" clId="{82B47B47-6544-4BFE-BA12-49607BE3FA5F}" dt="2024-05-01T15:52:35.552" v="2044" actId="1076"/>
+          <ac:spMkLst>
+            <pc:docMk/>
+            <pc:sldMk cId="2179648205" sldId="256"/>
+            <ac:spMk id="4" creationId="{CE588B98-B49F-CE19-44E8-F1BAB7128CA6}"/>
+          </ac:spMkLst>
+        </pc:spChg>
+        <pc:spChg chg="add del">
+          <ac:chgData name="Neta Becker" userId="cef0aa30-4247-4db8-9bc0-d63efc0d3a53" providerId="ADAL" clId="{82B47B47-6544-4BFE-BA12-49607BE3FA5F}" dt="2024-05-06T09:25:12.371" v="3640"/>
+          <ac:spMkLst>
+            <pc:docMk/>
+            <pc:sldMk cId="2179648205" sldId="256"/>
+            <ac:spMk id="7" creationId="{4BA0C938-1486-4635-9F6C-44D521FA6A4E}"/>
+          </ac:spMkLst>
+        </pc:spChg>
+        <pc:spChg chg="add del">
+          <ac:chgData name="Neta Becker" userId="cef0aa30-4247-4db8-9bc0-d63efc0d3a53" providerId="ADAL" clId="{82B47B47-6544-4BFE-BA12-49607BE3FA5F}" dt="2024-05-06T09:25:12.371" v="3640"/>
+          <ac:spMkLst>
+            <pc:docMk/>
+            <pc:sldMk cId="2179648205" sldId="256"/>
+            <ac:spMk id="8" creationId="{942A7ABB-6A86-4A02-A072-FA82CDCE533C}"/>
+          </ac:spMkLst>
+        </pc:spChg>
+        <pc:spChg chg="add del">
+          <ac:chgData name="Neta Becker" userId="cef0aa30-4247-4db8-9bc0-d63efc0d3a53" providerId="ADAL" clId="{82B47B47-6544-4BFE-BA12-49607BE3FA5F}" dt="2024-05-01T19:13:07.840" v="2180"/>
+          <ac:spMkLst>
+            <pc:docMk/>
+            <pc:sldMk cId="2179648205" sldId="256"/>
+            <ac:spMk id="9" creationId="{9179DE42-5613-4B35-A1E6-6CCBAA13C743}"/>
+          </ac:spMkLst>
+        </pc:spChg>
+        <pc:spChg chg="add del">
+          <ac:chgData name="Neta Becker" userId="cef0aa30-4247-4db8-9bc0-d63efc0d3a53" providerId="ADAL" clId="{82B47B47-6544-4BFE-BA12-49607BE3FA5F}" dt="2024-05-06T09:24:25.705" v="3634" actId="26606"/>
+          <ac:spMkLst>
+            <pc:docMk/>
+            <pc:sldMk cId="2179648205" sldId="256"/>
+            <ac:spMk id="12" creationId="{1579DD07-B6CD-4C04-8A4A-3B92CE8C8A31}"/>
+          </ac:spMkLst>
+        </pc:spChg>
+        <pc:spChg chg="add del">
+          <ac:chgData name="Neta Becker" userId="cef0aa30-4247-4db8-9bc0-d63efc0d3a53" providerId="ADAL" clId="{82B47B47-6544-4BFE-BA12-49607BE3FA5F}" dt="2024-05-06T09:24:25.705" v="3634" actId="26606"/>
+          <ac:spMkLst>
+            <pc:docMk/>
+            <pc:sldMk cId="2179648205" sldId="256"/>
+            <ac:spMk id="14" creationId="{36A995F0-906C-4573-A739-16EED217D852}"/>
+          </ac:spMkLst>
+        </pc:spChg>
+        <pc:spChg chg="add del">
+          <ac:chgData name="Neta Becker" userId="cef0aa30-4247-4db8-9bc0-d63efc0d3a53" providerId="ADAL" clId="{82B47B47-6544-4BFE-BA12-49607BE3FA5F}" dt="2024-05-01T19:13:07.840" v="2180"/>
+          <ac:spMkLst>
+            <pc:docMk/>
+            <pc:sldMk cId="2179648205" sldId="256"/>
+            <ac:spMk id="15" creationId="{52FB45E9-914E-4471-AC87-E475CD51767D}"/>
+          </ac:spMkLst>
+        </pc:spChg>
+        <pc:spChg chg="add del">
+          <ac:chgData name="Neta Becker" userId="cef0aa30-4247-4db8-9bc0-d63efc0d3a53" providerId="ADAL" clId="{82B47B47-6544-4BFE-BA12-49607BE3FA5F}" dt="2024-05-01T19:13:07.840" v="2180"/>
+          <ac:spMkLst>
+            <pc:docMk/>
+            <pc:sldMk cId="2179648205" sldId="256"/>
+            <ac:spMk id="17" creationId="{C310626D-5743-49D4-8F7D-88C4F8F05774}"/>
+          </ac:spMkLst>
+        </pc:spChg>
+        <pc:spChg chg="add del">
+          <ac:chgData name="Neta Becker" userId="cef0aa30-4247-4db8-9bc0-d63efc0d3a53" providerId="ADAL" clId="{82B47B47-6544-4BFE-BA12-49607BE3FA5F}" dt="2024-05-06T09:25:10.813" v="3639" actId="26606"/>
+          <ac:spMkLst>
+            <pc:docMk/>
+            <pc:sldMk cId="2179648205" sldId="256"/>
+            <ac:spMk id="18" creationId="{1579DD07-B6CD-4C04-8A4A-3B92CE8C8A31}"/>
+          </ac:spMkLst>
+        </pc:spChg>
+        <pc:spChg chg="add del">
+          <ac:chgData name="Neta Becker" userId="cef0aa30-4247-4db8-9bc0-d63efc0d3a53" providerId="ADAL" clId="{82B47B47-6544-4BFE-BA12-49607BE3FA5F}" dt="2024-05-01T19:13:07.840" v="2180"/>
+          <ac:spMkLst>
+            <pc:docMk/>
+            <pc:sldMk cId="2179648205" sldId="256"/>
+            <ac:spMk id="19" creationId="{3C195FC1-B568-4C72-9902-34CB35DDD7A1}"/>
+          </ac:spMkLst>
+        </pc:spChg>
+        <pc:spChg chg="add del">
+          <ac:chgData name="Neta Becker" userId="cef0aa30-4247-4db8-9bc0-d63efc0d3a53" providerId="ADAL" clId="{82B47B47-6544-4BFE-BA12-49607BE3FA5F}" dt="2024-05-06T09:25:10.813" v="3639" actId="26606"/>
+          <ac:spMkLst>
+            <pc:docMk/>
+            <pc:sldMk cId="2179648205" sldId="256"/>
+            <ac:spMk id="20" creationId="{36A995F0-906C-4573-A739-16EED217D852}"/>
+          </ac:spMkLst>
+        </pc:spChg>
+        <pc:spChg chg="add del">
+          <ac:chgData name="Neta Becker" userId="cef0aa30-4247-4db8-9bc0-d63efc0d3a53" providerId="ADAL" clId="{82B47B47-6544-4BFE-BA12-49607BE3FA5F}" dt="2024-05-01T19:13:07.840" v="2180"/>
+          <ac:spMkLst>
+            <pc:docMk/>
+            <pc:sldMk cId="2179648205" sldId="256"/>
+            <ac:spMk id="21" creationId="{EF2BDF77-362C-43F0-8CBB-A969EC2AE0C4}"/>
+          </ac:spMkLst>
+        </pc:spChg>
+        <pc:spChg chg="add del">
+          <ac:chgData name="Neta Becker" userId="cef0aa30-4247-4db8-9bc0-d63efc0d3a53" providerId="ADAL" clId="{82B47B47-6544-4BFE-BA12-49607BE3FA5F}" dt="2024-05-01T19:13:07.840" v="2180"/>
+          <ac:spMkLst>
+            <pc:docMk/>
+            <pc:sldMk cId="2179648205" sldId="256"/>
+            <ac:spMk id="23" creationId="{4BE96B01-3929-432D-B8C2-ADBCB74C2EF4}"/>
+          </ac:spMkLst>
+        </pc:spChg>
+        <pc:spChg chg="add del">
+          <ac:chgData name="Neta Becker" userId="cef0aa30-4247-4db8-9bc0-d63efc0d3a53" providerId="ADAL" clId="{82B47B47-6544-4BFE-BA12-49607BE3FA5F}" dt="2024-05-01T19:13:07.840" v="2180"/>
+          <ac:spMkLst>
+            <pc:docMk/>
+            <pc:sldMk cId="2179648205" sldId="256"/>
+            <ac:spMk id="25" creationId="{2A6FCDE6-CDE2-4C51-B18E-A95CFB679714}"/>
+          </ac:spMkLst>
+        </pc:spChg>
+        <pc:spChg chg="add del">
+          <ac:chgData name="Neta Becker" userId="cef0aa30-4247-4db8-9bc0-d63efc0d3a53" providerId="ADAL" clId="{82B47B47-6544-4BFE-BA12-49607BE3FA5F}" dt="2024-05-01T19:13:07.840" v="2180"/>
+          <ac:spMkLst>
+            <pc:docMk/>
+            <pc:sldMk cId="2179648205" sldId="256"/>
+            <ac:spMk id="27" creationId="{9D2E8756-2465-473A-BA2A-2DB1D6224745}"/>
+          </ac:spMkLst>
+        </pc:spChg>
+        <pc:picChg chg="add del mod">
+          <ac:chgData name="Neta Becker" userId="cef0aa30-4247-4db8-9bc0-d63efc0d3a53" providerId="ADAL" clId="{82B47B47-6544-4BFE-BA12-49607BE3FA5F}" dt="2024-05-01T19:21:07.300" v="2444" actId="478"/>
+          <ac:picMkLst>
+            <pc:docMk/>
+            <pc:sldMk cId="2179648205" sldId="256"/>
+            <ac:picMk id="6" creationId="{4D63A7AA-D769-0846-8117-5E9FEE32461E}"/>
+          </ac:picMkLst>
+        </pc:picChg>
+        <pc:cxnChg chg="add del">
+          <ac:chgData name="Neta Becker" userId="cef0aa30-4247-4db8-9bc0-d63efc0d3a53" providerId="ADAL" clId="{82B47B47-6544-4BFE-BA12-49607BE3FA5F}" dt="2024-05-06T09:25:12.371" v="3640"/>
+          <ac:cxnSpMkLst>
+            <pc:docMk/>
+            <pc:sldMk cId="2179648205" sldId="256"/>
+            <ac:cxnSpMk id="10" creationId="{B6916720-6D22-4D4B-BC19-23008C7DD487}"/>
+          </ac:cxnSpMkLst>
+        </pc:cxnChg>
+        <pc:cxnChg chg="add del">
+          <ac:chgData name="Neta Becker" userId="cef0aa30-4247-4db8-9bc0-d63efc0d3a53" providerId="ADAL" clId="{82B47B47-6544-4BFE-BA12-49607BE3FA5F}" dt="2024-05-01T19:13:07.840" v="2180"/>
+          <ac:cxnSpMkLst>
+            <pc:docMk/>
+            <pc:sldMk cId="2179648205" sldId="256"/>
+            <ac:cxnSpMk id="11" creationId="{EB898B32-3891-4C3A-8F58-C5969D2E9033}"/>
+          </ac:cxnSpMkLst>
+        </pc:cxnChg>
+        <pc:cxnChg chg="add del">
+          <ac:chgData name="Neta Becker" userId="cef0aa30-4247-4db8-9bc0-d63efc0d3a53" providerId="ADAL" clId="{82B47B47-6544-4BFE-BA12-49607BE3FA5F}" dt="2024-05-01T19:13:07.840" v="2180"/>
+          <ac:cxnSpMkLst>
+            <pc:docMk/>
+            <pc:sldMk cId="2179648205" sldId="256"/>
+            <ac:cxnSpMk id="13" creationId="{4AE4806D-B8F9-4679-A68A-9BD21C01A301}"/>
+          </ac:cxnSpMkLst>
+        </pc:cxnChg>
+        <pc:cxnChg chg="add del">
+          <ac:chgData name="Neta Becker" userId="cef0aa30-4247-4db8-9bc0-d63efc0d3a53" providerId="ADAL" clId="{82B47B47-6544-4BFE-BA12-49607BE3FA5F}" dt="2024-05-06T09:24:25.705" v="3634" actId="26606"/>
+          <ac:cxnSpMkLst>
+            <pc:docMk/>
+            <pc:sldMk cId="2179648205" sldId="256"/>
+            <ac:cxnSpMk id="16" creationId="{C3F5F06D-7250-43A5-9B61-0B7F1FD7E395}"/>
+          </ac:cxnSpMkLst>
+        </pc:cxnChg>
+        <pc:cxnChg chg="add del">
+          <ac:chgData name="Neta Becker" userId="cef0aa30-4247-4db8-9bc0-d63efc0d3a53" providerId="ADAL" clId="{82B47B47-6544-4BFE-BA12-49607BE3FA5F}" dt="2024-05-06T09:25:10.813" v="3639" actId="26606"/>
+          <ac:cxnSpMkLst>
+            <pc:docMk/>
+            <pc:sldMk cId="2179648205" sldId="256"/>
+            <ac:cxnSpMk id="22" creationId="{C3F5F06D-7250-43A5-9B61-0B7F1FD7E395}"/>
+          </ac:cxnSpMkLst>
+        </pc:cxnChg>
+      </pc:sldChg>
+      <pc:sldChg chg="addSp delSp modSp mod modNotesTx">
+        <pc:chgData name="Neta Becker" userId="cef0aa30-4247-4db8-9bc0-d63efc0d3a53" providerId="ADAL" clId="{82B47B47-6544-4BFE-BA12-49607BE3FA5F}" dt="2024-05-06T09:22:55.695" v="3621" actId="207"/>
+        <pc:sldMkLst>
+          <pc:docMk/>
+          <pc:sldMk cId="1769220115" sldId="257"/>
+        </pc:sldMkLst>
+        <pc:spChg chg="mod">
+          <ac:chgData name="Neta Becker" userId="cef0aa30-4247-4db8-9bc0-d63efc0d3a53" providerId="ADAL" clId="{82B47B47-6544-4BFE-BA12-49607BE3FA5F}" dt="2024-05-02T16:24:30.096" v="3341" actId="20577"/>
+          <ac:spMkLst>
+            <pc:docMk/>
+            <pc:sldMk cId="1769220115" sldId="257"/>
+            <ac:spMk id="2" creationId="{BBABCC05-9708-FD2A-9DD0-01CF0D3836F2}"/>
+          </ac:spMkLst>
+        </pc:spChg>
+        <pc:spChg chg="mod">
+          <ac:chgData name="Neta Becker" userId="cef0aa30-4247-4db8-9bc0-d63efc0d3a53" providerId="ADAL" clId="{82B47B47-6544-4BFE-BA12-49607BE3FA5F}" dt="2024-05-02T16:18:07.386" v="3330" actId="5793"/>
+          <ac:spMkLst>
+            <pc:docMk/>
+            <pc:sldMk cId="1769220115" sldId="257"/>
+            <ac:spMk id="3" creationId="{138B8362-48C3-13F0-617A-B8A3256120CA}"/>
+          </ac:spMkLst>
+        </pc:spChg>
+        <pc:spChg chg="add mod">
+          <ac:chgData name="Neta Becker" userId="cef0aa30-4247-4db8-9bc0-d63efc0d3a53" providerId="ADAL" clId="{82B47B47-6544-4BFE-BA12-49607BE3FA5F}" dt="2024-05-06T09:22:55.695" v="3621" actId="207"/>
+          <ac:spMkLst>
+            <pc:docMk/>
+            <pc:sldMk cId="1769220115" sldId="257"/>
+            <ac:spMk id="4" creationId="{F3482219-5777-CBB4-8E30-F4C29866D366}"/>
+          </ac:spMkLst>
+        </pc:spChg>
+        <pc:spChg chg="add mod">
+          <ac:chgData name="Neta Becker" userId="cef0aa30-4247-4db8-9bc0-d63efc0d3a53" providerId="ADAL" clId="{82B47B47-6544-4BFE-BA12-49607BE3FA5F}" dt="2024-05-06T09:20:43.242" v="3611"/>
+          <ac:spMkLst>
+            <pc:docMk/>
+            <pc:sldMk cId="1769220115" sldId="257"/>
+            <ac:spMk id="5" creationId="{6BDEEF3C-D978-344A-EBED-87588AACCC05}"/>
+          </ac:spMkLst>
+        </pc:spChg>
+        <pc:picChg chg="add del mod">
+          <ac:chgData name="Neta Becker" userId="cef0aa30-4247-4db8-9bc0-d63efc0d3a53" providerId="ADAL" clId="{82B47B47-6544-4BFE-BA12-49607BE3FA5F}" dt="2024-05-02T16:18:08.821" v="3331" actId="478"/>
+          <ac:picMkLst>
+            <pc:docMk/>
+            <pc:sldMk cId="1769220115" sldId="257"/>
+            <ac:picMk id="4" creationId="{B071C4F8-BD2C-C229-CA6F-785524D588D0}"/>
+          </ac:picMkLst>
+        </pc:picChg>
+        <pc:picChg chg="del">
+          <ac:chgData name="Neta Becker" userId="cef0aa30-4247-4db8-9bc0-d63efc0d3a53" providerId="ADAL" clId="{82B47B47-6544-4BFE-BA12-49607BE3FA5F}" dt="2024-04-29T18:17:01.148" v="358" actId="21"/>
+          <ac:picMkLst>
+            <pc:docMk/>
+            <pc:sldMk cId="1769220115" sldId="257"/>
+            <ac:picMk id="7" creationId="{5D2567AD-A929-17F9-A858-A92AA2CDC031}"/>
+          </ac:picMkLst>
+        </pc:picChg>
+      </pc:sldChg>
+      <pc:sldChg chg="del mod modShow">
+        <pc:chgData name="Neta Becker" userId="cef0aa30-4247-4db8-9bc0-d63efc0d3a53" providerId="ADAL" clId="{82B47B47-6544-4BFE-BA12-49607BE3FA5F}" dt="2024-04-29T18:10:11.973" v="67" actId="47"/>
+        <pc:sldMkLst>
+          <pc:docMk/>
+          <pc:sldMk cId="4065677750" sldId="258"/>
+        </pc:sldMkLst>
+      </pc:sldChg>
+      <pc:sldChg chg="addSp delSp modSp new del mod setBg delDesignElem modShow modNotesTx">
+        <pc:chgData name="Neta Becker" userId="cef0aa30-4247-4db8-9bc0-d63efc0d3a53" providerId="ADAL" clId="{82B47B47-6544-4BFE-BA12-49607BE3FA5F}" dt="2024-05-02T16:51:30.809" v="3432" actId="2696"/>
+        <pc:sldMkLst>
+          <pc:docMk/>
+          <pc:sldMk cId="2356026510" sldId="259"/>
+        </pc:sldMkLst>
+        <pc:spChg chg="mod">
+          <ac:chgData name="Neta Becker" userId="cef0aa30-4247-4db8-9bc0-d63efc0d3a53" providerId="ADAL" clId="{82B47B47-6544-4BFE-BA12-49607BE3FA5F}" dt="2024-05-02T16:24:50.723" v="3361" actId="20577"/>
+          <ac:spMkLst>
+            <pc:docMk/>
+            <pc:sldMk cId="2356026510" sldId="259"/>
+            <ac:spMk id="2" creationId="{559A5026-460D-BD7D-3D3D-195155927D0F}"/>
+          </ac:spMkLst>
+        </pc:spChg>
+        <pc:spChg chg="del mod">
+          <ac:chgData name="Neta Becker" userId="cef0aa30-4247-4db8-9bc0-d63efc0d3a53" providerId="ADAL" clId="{82B47B47-6544-4BFE-BA12-49607BE3FA5F}" dt="2024-05-01T15:50:41.746" v="2035" actId="26606"/>
+          <ac:spMkLst>
+            <pc:docMk/>
+            <pc:sldMk cId="2356026510" sldId="259"/>
+            <ac:spMk id="3" creationId="{3FD159A2-1020-D396-98CD-4E7FF11F8210}"/>
+          </ac:spMkLst>
+        </pc:spChg>
+        <pc:spChg chg="add del">
+          <ac:chgData name="Neta Becker" userId="cef0aa30-4247-4db8-9bc0-d63efc0d3a53" providerId="ADAL" clId="{82B47B47-6544-4BFE-BA12-49607BE3FA5F}" dt="2024-05-01T19:13:07.840" v="2180"/>
+          <ac:spMkLst>
+            <pc:docMk/>
+            <pc:sldMk cId="2356026510" sldId="259"/>
+            <ac:spMk id="9" creationId="{45B71F80-1F92-4074-84D9-16A062B215B3}"/>
+          </ac:spMkLst>
+        </pc:spChg>
+        <pc:spChg chg="add del">
+          <ac:chgData name="Neta Becker" userId="cef0aa30-4247-4db8-9bc0-d63efc0d3a53" providerId="ADAL" clId="{82B47B47-6544-4BFE-BA12-49607BE3FA5F}" dt="2024-05-01T19:13:07.840" v="2180"/>
+          <ac:spMkLst>
+            <pc:docMk/>
+            <pc:sldMk cId="2356026510" sldId="259"/>
+            <ac:spMk id="11" creationId="{7209C9DA-6E0D-46D9-8275-C52222D8CCAC}"/>
+          </ac:spMkLst>
+        </pc:spChg>
+        <pc:spChg chg="add del">
+          <ac:chgData name="Neta Becker" userId="cef0aa30-4247-4db8-9bc0-d63efc0d3a53" providerId="ADAL" clId="{82B47B47-6544-4BFE-BA12-49607BE3FA5F}" dt="2024-05-01T19:13:07.840" v="2180"/>
+          <ac:spMkLst>
+            <pc:docMk/>
+            <pc:sldMk cId="2356026510" sldId="259"/>
+            <ac:spMk id="13" creationId="{3EB57A4D-E0D0-46DA-B339-F24CA46FA70B}"/>
+          </ac:spMkLst>
+        </pc:spChg>
+        <pc:graphicFrameChg chg="add">
+          <ac:chgData name="Neta Becker" userId="cef0aa30-4247-4db8-9bc0-d63efc0d3a53" providerId="ADAL" clId="{82B47B47-6544-4BFE-BA12-49607BE3FA5F}" dt="2024-05-01T15:50:41.746" v="2035" actId="26606"/>
+          <ac:graphicFrameMkLst>
+            <pc:docMk/>
+            <pc:sldMk cId="2356026510" sldId="259"/>
+            <ac:graphicFrameMk id="5" creationId="{1FCDF94E-AA3B-E29B-5DDA-C50CCEA35D5E}"/>
+          </ac:graphicFrameMkLst>
+        </pc:graphicFrameChg>
+      </pc:sldChg>
+      <pc:sldChg chg="addSp modSp new mod modShow modNotesTx">
+        <pc:chgData name="Neta Becker" userId="cef0aa30-4247-4db8-9bc0-d63efc0d3a53" providerId="ADAL" clId="{82B47B47-6544-4BFE-BA12-49607BE3FA5F}" dt="2024-05-06T09:25:12.371" v="3640"/>
+        <pc:sldMkLst>
+          <pc:docMk/>
+          <pc:sldMk cId="2968838544" sldId="260"/>
+        </pc:sldMkLst>
+        <pc:spChg chg="mod">
+          <ac:chgData name="Neta Becker" userId="cef0aa30-4247-4db8-9bc0-d63efc0d3a53" providerId="ADAL" clId="{82B47B47-6544-4BFE-BA12-49607BE3FA5F}" dt="2024-05-06T09:25:12.371" v="3640"/>
+          <ac:spMkLst>
+            <pc:docMk/>
+            <pc:sldMk cId="2968838544" sldId="260"/>
+            <ac:spMk id="2" creationId="{740EF0B2-1FEB-FFA2-67D6-9A5DBB7AADB8}"/>
+          </ac:spMkLst>
+        </pc:spChg>
+        <pc:spChg chg="mod">
+          <ac:chgData name="Neta Becker" userId="cef0aa30-4247-4db8-9bc0-d63efc0d3a53" providerId="ADAL" clId="{82B47B47-6544-4BFE-BA12-49607BE3FA5F}" dt="2024-05-06T09:25:12.371" v="3640"/>
+          <ac:spMkLst>
+            <pc:docMk/>
+            <pc:sldMk cId="2968838544" sldId="260"/>
+            <ac:spMk id="3" creationId="{6D1E74C4-204E-AA3F-084A-12061BF8DF60}"/>
+          </ac:spMkLst>
+        </pc:spChg>
+        <pc:spChg chg="add mod">
+          <ac:chgData name="Neta Becker" userId="cef0aa30-4247-4db8-9bc0-d63efc0d3a53" providerId="ADAL" clId="{82B47B47-6544-4BFE-BA12-49607BE3FA5F}" dt="2024-05-06T09:23:01.090" v="3622" actId="207"/>
+          <ac:spMkLst>
+            <pc:docMk/>
+            <pc:sldMk cId="2968838544" sldId="260"/>
+            <ac:spMk id="4" creationId="{E48DD004-B007-8E13-0D59-7E3DC4EADB0D}"/>
+          </ac:spMkLst>
+        </pc:spChg>
+        <pc:spChg chg="mod">
+          <ac:chgData name="Neta Becker" userId="cef0aa30-4247-4db8-9bc0-d63efc0d3a53" providerId="ADAL" clId="{82B47B47-6544-4BFE-BA12-49607BE3FA5F}" dt="2024-05-06T09:21:00.855" v="3612"/>
+          <ac:spMkLst>
+            <pc:docMk/>
+            <pc:sldMk cId="2968838544" sldId="260"/>
+            <ac:spMk id="7" creationId="{CC540FA7-D374-E7C0-6F6B-CDC99BCCFE75}"/>
+          </ac:spMkLst>
+        </pc:spChg>
+        <pc:spChg chg="mod">
+          <ac:chgData name="Neta Becker" userId="cef0aa30-4247-4db8-9bc0-d63efc0d3a53" providerId="ADAL" clId="{82B47B47-6544-4BFE-BA12-49607BE3FA5F}" dt="2024-05-06T09:21:00.855" v="3612"/>
+          <ac:spMkLst>
+            <pc:docMk/>
+            <pc:sldMk cId="2968838544" sldId="260"/>
+            <ac:spMk id="8" creationId="{7D21A3F0-6C4F-3C0C-A7E1-E936DD406013}"/>
+          </ac:spMkLst>
+        </pc:spChg>
+        <pc:spChg chg="mod">
+          <ac:chgData name="Neta Becker" userId="cef0aa30-4247-4db8-9bc0-d63efc0d3a53" providerId="ADAL" clId="{82B47B47-6544-4BFE-BA12-49607BE3FA5F}" dt="2024-05-06T09:21:00.855" v="3612"/>
+          <ac:spMkLst>
+            <pc:docMk/>
+            <pc:sldMk cId="2968838544" sldId="260"/>
+            <ac:spMk id="9" creationId="{8E1AC6B6-BA36-AA2F-0103-32AF210F60F2}"/>
+          </ac:spMkLst>
+        </pc:spChg>
+        <pc:spChg chg="mod">
+          <ac:chgData name="Neta Becker" userId="cef0aa30-4247-4db8-9bc0-d63efc0d3a53" providerId="ADAL" clId="{82B47B47-6544-4BFE-BA12-49607BE3FA5F}" dt="2024-05-06T09:21:00.855" v="3612"/>
+          <ac:spMkLst>
+            <pc:docMk/>
+            <pc:sldMk cId="2968838544" sldId="260"/>
+            <ac:spMk id="10" creationId="{BA80A8A6-F45F-48BB-E039-EA2C37ECAC9D}"/>
+          </ac:spMkLst>
+        </pc:spChg>
+        <pc:spChg chg="mod">
+          <ac:chgData name="Neta Becker" userId="cef0aa30-4247-4db8-9bc0-d63efc0d3a53" providerId="ADAL" clId="{82B47B47-6544-4BFE-BA12-49607BE3FA5F}" dt="2024-05-06T09:21:00.855" v="3612"/>
+          <ac:spMkLst>
+            <pc:docMk/>
+            <pc:sldMk cId="2968838544" sldId="260"/>
+            <ac:spMk id="11" creationId="{9C8307DB-D17A-217F-2B16-FF21065F1384}"/>
+          </ac:spMkLst>
+        </pc:spChg>
+        <pc:spChg chg="mod">
+          <ac:chgData name="Neta Becker" userId="cef0aa30-4247-4db8-9bc0-d63efc0d3a53" providerId="ADAL" clId="{82B47B47-6544-4BFE-BA12-49607BE3FA5F}" dt="2024-05-06T09:21:00.855" v="3612"/>
+          <ac:spMkLst>
+            <pc:docMk/>
+            <pc:sldMk cId="2968838544" sldId="260"/>
+            <ac:spMk id="12" creationId="{B86F424C-F4BD-721F-7595-A3EEC2AAA38E}"/>
+          </ac:spMkLst>
+        </pc:spChg>
+        <pc:grpChg chg="add mod">
+          <ac:chgData name="Neta Becker" userId="cef0aa30-4247-4db8-9bc0-d63efc0d3a53" providerId="ADAL" clId="{82B47B47-6544-4BFE-BA12-49607BE3FA5F}" dt="2024-05-06T09:21:00.855" v="3612"/>
+          <ac:grpSpMkLst>
+            <pc:docMk/>
+            <pc:sldMk cId="2968838544" sldId="260"/>
+            <ac:grpSpMk id="6" creationId="{42D68D64-2AF4-4DAF-B3FA-22F89910B0E2}"/>
+          </ac:grpSpMkLst>
+        </pc:grpChg>
+        <pc:picChg chg="add mod">
+          <ac:chgData name="Neta Becker" userId="cef0aa30-4247-4db8-9bc0-d63efc0d3a53" providerId="ADAL" clId="{82B47B47-6544-4BFE-BA12-49607BE3FA5F}" dt="2024-05-01T19:14:38.022" v="2187" actId="1076"/>
+          <ac:picMkLst>
+            <pc:docMk/>
+            <pc:sldMk cId="2968838544" sldId="260"/>
+            <ac:picMk id="5" creationId="{B7574A9B-FDE9-E090-222F-BBE808DAF180}"/>
+          </ac:picMkLst>
+        </pc:picChg>
+      </pc:sldChg>
+      <pc:sldChg chg="addSp delSp modSp new mod setBg delDesignElem modNotesTx">
+        <pc:chgData name="Neta Becker" userId="cef0aa30-4247-4db8-9bc0-d63efc0d3a53" providerId="ADAL" clId="{82B47B47-6544-4BFE-BA12-49607BE3FA5F}" dt="2024-05-06T09:23:04.522" v="3623" actId="207"/>
+        <pc:sldMkLst>
+          <pc:docMk/>
+          <pc:sldMk cId="461867753" sldId="261"/>
+        </pc:sldMkLst>
+        <pc:spChg chg="mod">
+          <ac:chgData name="Neta Becker" userId="cef0aa30-4247-4db8-9bc0-d63efc0d3a53" providerId="ADAL" clId="{82B47B47-6544-4BFE-BA12-49607BE3FA5F}" dt="2024-05-01T20:13:54.941" v="3310" actId="20577"/>
+          <ac:spMkLst>
+            <pc:docMk/>
+            <pc:sldMk cId="461867753" sldId="261"/>
+            <ac:spMk id="2" creationId="{27F2BC14-3B96-5B86-2DD7-96DF3F92CEED}"/>
+          </ac:spMkLst>
+        </pc:spChg>
+        <pc:spChg chg="add mod">
+          <ac:chgData name="Neta Becker" userId="cef0aa30-4247-4db8-9bc0-d63efc0d3a53" providerId="ADAL" clId="{82B47B47-6544-4BFE-BA12-49607BE3FA5F}" dt="2024-05-05T16:01:23.603" v="3483" actId="1076"/>
+          <ac:spMkLst>
+            <pc:docMk/>
+            <pc:sldMk cId="461867753" sldId="261"/>
+            <ac:spMk id="3" creationId="{59B13712-2E9B-1174-4923-86AC75DEE9BB}"/>
+          </ac:spMkLst>
+        </pc:spChg>
+        <pc:spChg chg="del mod">
+          <ac:chgData name="Neta Becker" userId="cef0aa30-4247-4db8-9bc0-d63efc0d3a53" providerId="ADAL" clId="{82B47B47-6544-4BFE-BA12-49607BE3FA5F}" dt="2024-05-01T20:00:16.450" v="3059" actId="478"/>
+          <ac:spMkLst>
+            <pc:docMk/>
+            <pc:sldMk cId="461867753" sldId="261"/>
+            <ac:spMk id="3" creationId="{BD3F2A46-25CA-CA6C-D366-BD52A7267B03}"/>
+          </ac:spMkLst>
+        </pc:spChg>
+        <pc:spChg chg="add mod">
+          <ac:chgData name="Neta Becker" userId="cef0aa30-4247-4db8-9bc0-d63efc0d3a53" providerId="ADAL" clId="{82B47B47-6544-4BFE-BA12-49607BE3FA5F}" dt="2024-05-05T16:01:33.158" v="3487" actId="20577"/>
+          <ac:spMkLst>
+            <pc:docMk/>
+            <pc:sldMk cId="461867753" sldId="261"/>
+            <ac:spMk id="4" creationId="{14003EA2-3B99-CDA1-CB5E-4030F5CE842D}"/>
+          </ac:spMkLst>
+        </pc:spChg>
+        <pc:spChg chg="add mod">
+          <ac:chgData name="Neta Becker" userId="cef0aa30-4247-4db8-9bc0-d63efc0d3a53" providerId="ADAL" clId="{82B47B47-6544-4BFE-BA12-49607BE3FA5F}" dt="2024-05-05T16:01:50.775" v="3500" actId="20577"/>
+          <ac:spMkLst>
+            <pc:docMk/>
+            <pc:sldMk cId="461867753" sldId="261"/>
+            <ac:spMk id="6" creationId="{3F639773-BE76-38E2-3AC3-3443D2BF61F2}"/>
+          </ac:spMkLst>
+        </pc:spChg>
+        <pc:spChg chg="add mod">
+          <ac:chgData name="Neta Becker" userId="cef0aa30-4247-4db8-9bc0-d63efc0d3a53" providerId="ADAL" clId="{82B47B47-6544-4BFE-BA12-49607BE3FA5F}" dt="2024-05-05T16:02:11.610" v="3504" actId="20577"/>
+          <ac:spMkLst>
+            <pc:docMk/>
+            <pc:sldMk cId="461867753" sldId="261"/>
+            <ac:spMk id="7" creationId="{824600E3-9A04-D1A5-D7D3-A94281884CFC}"/>
+          </ac:spMkLst>
+        </pc:spChg>
+        <pc:spChg chg="add mod">
+          <ac:chgData name="Neta Becker" userId="cef0aa30-4247-4db8-9bc0-d63efc0d3a53" providerId="ADAL" clId="{82B47B47-6544-4BFE-BA12-49607BE3FA5F}" dt="2024-05-05T16:02:13.806" v="3506" actId="20577"/>
+          <ac:spMkLst>
+            <pc:docMk/>
+            <pc:sldMk cId="461867753" sldId="261"/>
+            <ac:spMk id="8" creationId="{E7F835B6-7E92-E8DB-554C-37E3CDDE2DDC}"/>
+          </ac:spMkLst>
+        </pc:spChg>
+        <pc:spChg chg="add mod">
+          <ac:chgData name="Neta Becker" userId="cef0aa30-4247-4db8-9bc0-d63efc0d3a53" providerId="ADAL" clId="{82B47B47-6544-4BFE-BA12-49607BE3FA5F}" dt="2024-05-05T16:02:16.750" v="3508" actId="20577"/>
+          <ac:spMkLst>
+            <pc:docMk/>
+            <pc:sldMk cId="461867753" sldId="261"/>
+            <ac:spMk id="9" creationId="{7CF1D10C-B56D-85EE-4D7F-2B2129E28E27}"/>
+          </ac:spMkLst>
+        </pc:spChg>
+        <pc:spChg chg="add del">
+          <ac:chgData name="Neta Becker" userId="cef0aa30-4247-4db8-9bc0-d63efc0d3a53" providerId="ADAL" clId="{82B47B47-6544-4BFE-BA12-49607BE3FA5F}" dt="2024-05-01T20:00:37.445" v="3062" actId="26606"/>
+          <ac:spMkLst>
+            <pc:docMk/>
+            <pc:sldMk cId="461867753" sldId="261"/>
+            <ac:spMk id="10" creationId="{7624DB4B-273D-4F37-AD77-7818C762DC43}"/>
+          </ac:spMkLst>
+        </pc:spChg>
+        <pc:spChg chg="add del">
+          <ac:chgData name="Neta Becker" userId="cef0aa30-4247-4db8-9bc0-d63efc0d3a53" providerId="ADAL" clId="{82B47B47-6544-4BFE-BA12-49607BE3FA5F}" dt="2024-05-01T20:00:37.445" v="3062" actId="26606"/>
+          <ac:spMkLst>
+            <pc:docMk/>
+            <pc:sldMk cId="461867753" sldId="261"/>
+            <ac:spMk id="12" creationId="{0AACDBA6-CFDF-49EC-8008-46FD62C4600E}"/>
+          </ac:spMkLst>
+        </pc:spChg>
+        <pc:spChg chg="add mod">
+          <ac:chgData name="Neta Becker" userId="cef0aa30-4247-4db8-9bc0-d63efc0d3a53" providerId="ADAL" clId="{82B47B47-6544-4BFE-BA12-49607BE3FA5F}" dt="2024-05-06T09:23:04.522" v="3623" actId="207"/>
+          <ac:spMkLst>
+            <pc:docMk/>
+            <pc:sldMk cId="461867753" sldId="261"/>
+            <ac:spMk id="14" creationId="{A1ADE3B4-1024-E165-569C-B54122EF68C3}"/>
+          </ac:spMkLst>
+        </pc:spChg>
+        <pc:spChg chg="add del">
+          <ac:chgData name="Neta Becker" userId="cef0aa30-4247-4db8-9bc0-d63efc0d3a53" providerId="ADAL" clId="{82B47B47-6544-4BFE-BA12-49607BE3FA5F}" dt="2024-05-01T20:00:37.445" v="3062" actId="26606"/>
+          <ac:spMkLst>
+            <pc:docMk/>
+            <pc:sldMk cId="461867753" sldId="261"/>
+            <ac:spMk id="16" creationId="{50367A81-30BE-4382-AC54-91DE34827C54}"/>
+          </ac:spMkLst>
+        </pc:spChg>
+        <pc:spChg chg="mod">
+          <ac:chgData name="Neta Becker" userId="cef0aa30-4247-4db8-9bc0-d63efc0d3a53" providerId="ADAL" clId="{82B47B47-6544-4BFE-BA12-49607BE3FA5F}" dt="2024-05-06T09:21:06.652" v="3613"/>
+          <ac:spMkLst>
+            <pc:docMk/>
+            <pc:sldMk cId="461867753" sldId="261"/>
+            <ac:spMk id="18" creationId="{6C428213-4A02-E17F-1BF5-50279389432E}"/>
+          </ac:spMkLst>
+        </pc:spChg>
+        <pc:spChg chg="mod">
+          <ac:chgData name="Neta Becker" userId="cef0aa30-4247-4db8-9bc0-d63efc0d3a53" providerId="ADAL" clId="{82B47B47-6544-4BFE-BA12-49607BE3FA5F}" dt="2024-05-06T09:21:06.652" v="3613"/>
+          <ac:spMkLst>
+            <pc:docMk/>
+            <pc:sldMk cId="461867753" sldId="261"/>
+            <ac:spMk id="19" creationId="{E0A0FAD6-7401-B9B4-5DB1-54DBCDE9057B}"/>
+          </ac:spMkLst>
+        </pc:spChg>
+        <pc:spChg chg="add del">
+          <ac:chgData name="Neta Becker" userId="cef0aa30-4247-4db8-9bc0-d63efc0d3a53" providerId="ADAL" clId="{82B47B47-6544-4BFE-BA12-49607BE3FA5F}" dt="2024-05-05T19:20:09.656" v="3599"/>
+          <ac:spMkLst>
+            <pc:docMk/>
+            <pc:sldMk cId="461867753" sldId="261"/>
+            <ac:spMk id="21" creationId="{6EAAB671-E1B2-4834-B3F6-E0A2D3BE861F}"/>
+          </ac:spMkLst>
+        </pc:spChg>
+        <pc:spChg chg="add del">
+          <ac:chgData name="Neta Becker" userId="cef0aa30-4247-4db8-9bc0-d63efc0d3a53" providerId="ADAL" clId="{82B47B47-6544-4BFE-BA12-49607BE3FA5F}" dt="2024-05-05T19:20:09.656" v="3599"/>
+          <ac:spMkLst>
+            <pc:docMk/>
+            <pc:sldMk cId="461867753" sldId="261"/>
+            <ac:spMk id="22" creationId="{389FFE7C-E583-49D7-B92E-1EC8D6D4FC8F}"/>
+          </ac:spMkLst>
+        </pc:spChg>
+        <pc:spChg chg="add del">
+          <ac:chgData name="Neta Becker" userId="cef0aa30-4247-4db8-9bc0-d63efc0d3a53" providerId="ADAL" clId="{82B47B47-6544-4BFE-BA12-49607BE3FA5F}" dt="2024-05-05T19:20:09.656" v="3599"/>
+          <ac:spMkLst>
+            <pc:docMk/>
+            <pc:sldMk cId="461867753" sldId="261"/>
+            <ac:spMk id="23" creationId="{D0D2945E-06BB-4ED7-B357-30CA7211CF17}"/>
+          </ac:spMkLst>
+        </pc:spChg>
+        <pc:spChg chg="mod">
+          <ac:chgData name="Neta Becker" userId="cef0aa30-4247-4db8-9bc0-d63efc0d3a53" providerId="ADAL" clId="{82B47B47-6544-4BFE-BA12-49607BE3FA5F}" dt="2024-05-06T09:21:06.652" v="3613"/>
+          <ac:spMkLst>
+            <pc:docMk/>
+            <pc:sldMk cId="461867753" sldId="261"/>
+            <ac:spMk id="25" creationId="{DE5736CF-33FB-19AA-1EA5-91659DAF5A45}"/>
+          </ac:spMkLst>
+        </pc:spChg>
+        <pc:spChg chg="mod">
+          <ac:chgData name="Neta Becker" userId="cef0aa30-4247-4db8-9bc0-d63efc0d3a53" providerId="ADAL" clId="{82B47B47-6544-4BFE-BA12-49607BE3FA5F}" dt="2024-05-06T09:21:06.652" v="3613"/>
+          <ac:spMkLst>
+            <pc:docMk/>
+            <pc:sldMk cId="461867753" sldId="261"/>
+            <ac:spMk id="27" creationId="{2085121E-5778-FDBD-3122-57459E09E9D9}"/>
+          </ac:spMkLst>
+        </pc:spChg>
+        <pc:spChg chg="mod">
+          <ac:chgData name="Neta Becker" userId="cef0aa30-4247-4db8-9bc0-d63efc0d3a53" providerId="ADAL" clId="{82B47B47-6544-4BFE-BA12-49607BE3FA5F}" dt="2024-05-06T09:21:06.652" v="3613"/>
+          <ac:spMkLst>
+            <pc:docMk/>
+            <pc:sldMk cId="461867753" sldId="261"/>
+            <ac:spMk id="28" creationId="{8BEE8248-D2F5-3601-7EA3-AB96036FE23E}"/>
+          </ac:spMkLst>
+        </pc:spChg>
+        <pc:spChg chg="mod">
+          <ac:chgData name="Neta Becker" userId="cef0aa30-4247-4db8-9bc0-d63efc0d3a53" providerId="ADAL" clId="{82B47B47-6544-4BFE-BA12-49607BE3FA5F}" dt="2024-05-06T09:21:06.652" v="3613"/>
+          <ac:spMkLst>
+            <pc:docMk/>
+            <pc:sldMk cId="461867753" sldId="261"/>
+            <ac:spMk id="29" creationId="{AF44F0EB-F53B-EF98-E56F-789776E41460}"/>
+          </ac:spMkLst>
+        </pc:spChg>
+        <pc:spChg chg="add mod">
+          <ac:chgData name="Neta Becker" userId="cef0aa30-4247-4db8-9bc0-d63efc0d3a53" providerId="ADAL" clId="{82B47B47-6544-4BFE-BA12-49607BE3FA5F}" dt="2024-05-01T20:03:05.220" v="3155" actId="122"/>
+          <ac:spMkLst>
+            <pc:docMk/>
+            <pc:sldMk cId="461867753" sldId="261"/>
+            <ac:spMk id="39" creationId="{5E77387B-4106-F94B-E490-515A6B708E28}"/>
+          </ac:spMkLst>
+        </pc:spChg>
+        <pc:spChg chg="add mod">
+          <ac:chgData name="Neta Becker" userId="cef0aa30-4247-4db8-9bc0-d63efc0d3a53" providerId="ADAL" clId="{82B47B47-6544-4BFE-BA12-49607BE3FA5F}" dt="2024-05-01T20:03:07.790" v="3156" actId="122"/>
+          <ac:spMkLst>
+            <pc:docMk/>
+            <pc:sldMk cId="461867753" sldId="261"/>
+            <ac:spMk id="40" creationId="{2885E57A-1E18-A693-DF51-361DEDCF79DF}"/>
+          </ac:spMkLst>
+        </pc:spChg>
+        <pc:spChg chg="add del mod">
+          <ac:chgData name="Neta Becker" userId="cef0aa30-4247-4db8-9bc0-d63efc0d3a53" providerId="ADAL" clId="{82B47B47-6544-4BFE-BA12-49607BE3FA5F}" dt="2024-05-01T20:08:10.618" v="3169" actId="478"/>
+          <ac:spMkLst>
+            <pc:docMk/>
+            <pc:sldMk cId="461867753" sldId="261"/>
+            <ac:spMk id="41" creationId="{E4352FD9-5649-34CA-6ADF-A4B10F9155CE}"/>
+          </ac:spMkLst>
+        </pc:spChg>
+        <pc:spChg chg="add mod">
+          <ac:chgData name="Neta Becker" userId="cef0aa30-4247-4db8-9bc0-d63efc0d3a53" providerId="ADAL" clId="{82B47B47-6544-4BFE-BA12-49607BE3FA5F}" dt="2024-05-01T20:10:52.751" v="3299" actId="27636"/>
+          <ac:spMkLst>
+            <pc:docMk/>
+            <pc:sldMk cId="461867753" sldId="261"/>
+            <ac:spMk id="48" creationId="{DB227C68-2F3D-A754-9C77-58515A28E4A4}"/>
+          </ac:spMkLst>
+        </pc:spChg>
+        <pc:grpChg chg="add mod">
+          <ac:chgData name="Neta Becker" userId="cef0aa30-4247-4db8-9bc0-d63efc0d3a53" providerId="ADAL" clId="{82B47B47-6544-4BFE-BA12-49607BE3FA5F}" dt="2024-05-06T09:21:06.652" v="3613"/>
+          <ac:grpSpMkLst>
+            <pc:docMk/>
+            <pc:sldMk cId="461867753" sldId="261"/>
+            <ac:grpSpMk id="16" creationId="{69F1DC3A-CA80-BB4B-5027-E21F1B0D031B}"/>
+          </ac:grpSpMkLst>
+        </pc:grpChg>
+        <pc:picChg chg="add mod">
+          <ac:chgData name="Neta Becker" userId="cef0aa30-4247-4db8-9bc0-d63efc0d3a53" providerId="ADAL" clId="{82B47B47-6544-4BFE-BA12-49607BE3FA5F}" dt="2024-05-01T20:00:41.063" v="3064" actId="27614"/>
+          <ac:picMkLst>
+            <pc:docMk/>
+            <pc:sldMk cId="461867753" sldId="261"/>
+            <ac:picMk id="5" creationId="{1E83A6E1-0C7A-1426-412D-C8B6F196B100}"/>
+          </ac:picMkLst>
+        </pc:picChg>
+        <pc:cxnChg chg="add del mod">
+          <ac:chgData name="Neta Becker" userId="cef0aa30-4247-4db8-9bc0-d63efc0d3a53" providerId="ADAL" clId="{82B47B47-6544-4BFE-BA12-49607BE3FA5F}" dt="2024-05-01T20:01:06.240" v="3069" actId="478"/>
+          <ac:cxnSpMkLst>
+            <pc:docMk/>
+            <pc:sldMk cId="461867753" sldId="261"/>
+            <ac:cxnSpMk id="7" creationId="{B16113A0-A9CD-FB2A-746D-72D6AE31D88A}"/>
+          </ac:cxnSpMkLst>
+        </pc:cxnChg>
+        <pc:cxnChg chg="add mod">
+          <ac:chgData name="Neta Becker" userId="cef0aa30-4247-4db8-9bc0-d63efc0d3a53" providerId="ADAL" clId="{82B47B47-6544-4BFE-BA12-49607BE3FA5F}" dt="2024-05-05T16:03:09.937" v="3593" actId="1076"/>
+          <ac:cxnSpMkLst>
+            <pc:docMk/>
+            <pc:sldMk cId="461867753" sldId="261"/>
+            <ac:cxnSpMk id="12" creationId="{451DBC3B-C91A-1FBD-A94F-5133C1569AC3}"/>
+          </ac:cxnSpMkLst>
+        </pc:cxnChg>
+        <pc:cxnChg chg="add del">
+          <ac:chgData name="Neta Becker" userId="cef0aa30-4247-4db8-9bc0-d63efc0d3a53" providerId="ADAL" clId="{82B47B47-6544-4BFE-BA12-49607BE3FA5F}" dt="2024-05-01T20:00:37.445" v="3062" actId="26606"/>
+          <ac:cxnSpMkLst>
+            <pc:docMk/>
+            <pc:sldMk cId="461867753" sldId="261"/>
+            <ac:cxnSpMk id="14" creationId="{BA790F5F-7816-441D-BA59-630FDC224E72}"/>
+          </ac:cxnSpMkLst>
+        </pc:cxnChg>
+        <pc:cxnChg chg="add mod">
+          <ac:chgData name="Neta Becker" userId="cef0aa30-4247-4db8-9bc0-d63efc0d3a53" providerId="ADAL" clId="{82B47B47-6544-4BFE-BA12-49607BE3FA5F}" dt="2024-05-01T20:02:16.701" v="3091" actId="1076"/>
+          <ac:cxnSpMkLst>
+            <pc:docMk/>
+            <pc:sldMk cId="461867753" sldId="261"/>
+            <ac:cxnSpMk id="15" creationId="{46242B1B-8544-B736-9FB5-F05BDB0C86B8}"/>
+          </ac:cxnSpMkLst>
+        </pc:cxnChg>
+        <pc:cxnChg chg="add mod">
+          <ac:chgData name="Neta Becker" userId="cef0aa30-4247-4db8-9bc0-d63efc0d3a53" providerId="ADAL" clId="{82B47B47-6544-4BFE-BA12-49607BE3FA5F}" dt="2024-05-01T20:02:16.701" v="3091" actId="1076"/>
+          <ac:cxnSpMkLst>
+            <pc:docMk/>
+            <pc:sldMk cId="461867753" sldId="261"/>
+            <ac:cxnSpMk id="17" creationId="{C7CA7660-175B-A264-1D90-E9D820FF190B}"/>
+          </ac:cxnSpMkLst>
+        </pc:cxnChg>
+        <pc:cxnChg chg="add del">
+          <ac:chgData name="Neta Becker" userId="cef0aa30-4247-4db8-9bc0-d63efc0d3a53" providerId="ADAL" clId="{82B47B47-6544-4BFE-BA12-49607BE3FA5F}" dt="2024-05-01T20:00:37.445" v="3062" actId="26606"/>
+          <ac:cxnSpMkLst>
+            <pc:docMk/>
+            <pc:sldMk cId="461867753" sldId="261"/>
+            <ac:cxnSpMk id="18" creationId="{58E55502-A21B-4709-B554-098027577A9C}"/>
+          </ac:cxnSpMkLst>
+        </pc:cxnChg>
+        <pc:cxnChg chg="add del">
+          <ac:chgData name="Neta Becker" userId="cef0aa30-4247-4db8-9bc0-d63efc0d3a53" providerId="ADAL" clId="{82B47B47-6544-4BFE-BA12-49607BE3FA5F}" dt="2024-05-05T19:20:09.656" v="3599"/>
+          <ac:cxnSpMkLst>
+            <pc:docMk/>
+            <pc:sldMk cId="461867753" sldId="261"/>
+            <ac:cxnSpMk id="20" creationId="{B73DEAEA-BFDB-410C-89E7-02514506C826}"/>
+          </ac:cxnSpMkLst>
+        </pc:cxnChg>
+        <pc:cxnChg chg="add del">
+          <ac:chgData name="Neta Becker" userId="cef0aa30-4247-4db8-9bc0-d63efc0d3a53" providerId="ADAL" clId="{82B47B47-6544-4BFE-BA12-49607BE3FA5F}" dt="2024-05-05T19:20:09.656" v="3599"/>
+          <ac:cxnSpMkLst>
+            <pc:docMk/>
+            <pc:sldMk cId="461867753" sldId="261"/>
+            <ac:cxnSpMk id="24" creationId="{F4C9872C-B3B3-4A61-B20E-F79415F455B3}"/>
+          </ac:cxnSpMkLst>
+        </pc:cxnChg>
+        <pc:cxnChg chg="add mod">
+          <ac:chgData name="Neta Becker" userId="cef0aa30-4247-4db8-9bc0-d63efc0d3a53" providerId="ADAL" clId="{82B47B47-6544-4BFE-BA12-49607BE3FA5F}" dt="2024-05-01T20:02:16.701" v="3091" actId="1076"/>
+          <ac:cxnSpMkLst>
+            <pc:docMk/>
+            <pc:sldMk cId="461867753" sldId="261"/>
+            <ac:cxnSpMk id="26" creationId="{A7E2E51D-36A8-2616-5C64-DB76808F0322}"/>
+          </ac:cxnSpMkLst>
+        </pc:cxnChg>
+        <pc:cxnChg chg="add mod">
+          <ac:chgData name="Neta Becker" userId="cef0aa30-4247-4db8-9bc0-d63efc0d3a53" providerId="ADAL" clId="{82B47B47-6544-4BFE-BA12-49607BE3FA5F}" dt="2024-05-01T20:02:13.080" v="3090" actId="1076"/>
+          <ac:cxnSpMkLst>
+            <pc:docMk/>
+            <pc:sldMk cId="461867753" sldId="261"/>
+            <ac:cxnSpMk id="30" creationId="{99070760-9ABF-8E48-1E00-CE0D6F0399D8}"/>
+          </ac:cxnSpMkLst>
+        </pc:cxnChg>
+        <pc:cxnChg chg="add mod">
+          <ac:chgData name="Neta Becker" userId="cef0aa30-4247-4db8-9bc0-d63efc0d3a53" providerId="ADAL" clId="{82B47B47-6544-4BFE-BA12-49607BE3FA5F}" dt="2024-05-01T20:02:13.080" v="3090" actId="1076"/>
+          <ac:cxnSpMkLst>
+            <pc:docMk/>
+            <pc:sldMk cId="461867753" sldId="261"/>
+            <ac:cxnSpMk id="31" creationId="{3B375C1D-DB6E-1CA9-F6D9-FC395302BE22}"/>
+          </ac:cxnSpMkLst>
+        </pc:cxnChg>
+        <pc:cxnChg chg="add mod">
+          <ac:chgData name="Neta Becker" userId="cef0aa30-4247-4db8-9bc0-d63efc0d3a53" providerId="ADAL" clId="{82B47B47-6544-4BFE-BA12-49607BE3FA5F}" dt="2024-05-01T20:02:13.080" v="3090" actId="1076"/>
+          <ac:cxnSpMkLst>
+            <pc:docMk/>
+            <pc:sldMk cId="461867753" sldId="261"/>
+            <ac:cxnSpMk id="32" creationId="{4B0DD588-5D13-6452-B540-53ACF5B31763}"/>
+          </ac:cxnSpMkLst>
+        </pc:cxnChg>
+        <pc:cxnChg chg="add del mod ord">
+          <ac:chgData name="Neta Becker" userId="cef0aa30-4247-4db8-9bc0-d63efc0d3a53" providerId="ADAL" clId="{82B47B47-6544-4BFE-BA12-49607BE3FA5F}" dt="2024-05-05T16:02:44.978" v="3514" actId="478"/>
+          <ac:cxnSpMkLst>
+            <pc:docMk/>
+            <pc:sldMk cId="461867753" sldId="261"/>
+            <ac:cxnSpMk id="42" creationId="{CE615DB1-75CB-6678-B806-23A37375F4C4}"/>
+          </ac:cxnSpMkLst>
+        </pc:cxnChg>
+        <pc:cxnChg chg="add mod ord">
+          <ac:chgData name="Neta Becker" userId="cef0aa30-4247-4db8-9bc0-d63efc0d3a53" providerId="ADAL" clId="{82B47B47-6544-4BFE-BA12-49607BE3FA5F}" dt="2024-05-05T16:02:34.954" v="3512" actId="14100"/>
+          <ac:cxnSpMkLst>
+            <pc:docMk/>
+            <pc:sldMk cId="461867753" sldId="261"/>
+            <ac:cxnSpMk id="45" creationId="{C0835E53-08FD-E88E-207A-5C35665B6DB5}"/>
+          </ac:cxnSpMkLst>
+        </pc:cxnChg>
+        <pc:cxnChg chg="add mod ord">
+          <ac:chgData name="Neta Becker" userId="cef0aa30-4247-4db8-9bc0-d63efc0d3a53" providerId="ADAL" clId="{82B47B47-6544-4BFE-BA12-49607BE3FA5F}" dt="2024-05-05T16:03:17.761" v="3595" actId="14100"/>
+          <ac:cxnSpMkLst>
+            <pc:docMk/>
+            <pc:sldMk cId="461867753" sldId="261"/>
+            <ac:cxnSpMk id="46" creationId="{DA7708FF-E23A-0C59-6836-A9A7D11BFD5A}"/>
+          </ac:cxnSpMkLst>
+        </pc:cxnChg>
+      </pc:sldChg>
+      <pc:sldChg chg="addSp modSp new mod">
+        <pc:chgData name="Neta Becker" userId="cef0aa30-4247-4db8-9bc0-d63efc0d3a53" providerId="ADAL" clId="{82B47B47-6544-4BFE-BA12-49607BE3FA5F}" dt="2024-05-06T09:25:12.371" v="3640"/>
+        <pc:sldMkLst>
+          <pc:docMk/>
+          <pc:sldMk cId="3063377580" sldId="262"/>
+        </pc:sldMkLst>
+        <pc:spChg chg="mod">
+          <ac:chgData name="Neta Becker" userId="cef0aa30-4247-4db8-9bc0-d63efc0d3a53" providerId="ADAL" clId="{82B47B47-6544-4BFE-BA12-49607BE3FA5F}" dt="2024-05-06T09:25:12.371" v="3640"/>
+          <ac:spMkLst>
+            <pc:docMk/>
+            <pc:sldMk cId="3063377580" sldId="262"/>
+            <ac:spMk id="2" creationId="{6701CDF3-1F26-7CF3-898F-F2B07566BDFF}"/>
+          </ac:spMkLst>
+        </pc:spChg>
+        <pc:spChg chg="mod">
+          <ac:chgData name="Neta Becker" userId="cef0aa30-4247-4db8-9bc0-d63efc0d3a53" providerId="ADAL" clId="{82B47B47-6544-4BFE-BA12-49607BE3FA5F}" dt="2024-05-06T09:25:12.371" v="3640"/>
+          <ac:spMkLst>
+            <pc:docMk/>
+            <pc:sldMk cId="3063377580" sldId="262"/>
+            <ac:spMk id="3" creationId="{79639998-542D-EA12-DA1F-335575519817}"/>
+          </ac:spMkLst>
+        </pc:spChg>
+        <pc:spChg chg="add mod">
+          <ac:chgData name="Neta Becker" userId="cef0aa30-4247-4db8-9bc0-d63efc0d3a53" providerId="ADAL" clId="{82B47B47-6544-4BFE-BA12-49607BE3FA5F}" dt="2024-05-06T09:23:26.295" v="3625" actId="207"/>
+          <ac:spMkLst>
+            <pc:docMk/>
+            <pc:sldMk cId="3063377580" sldId="262"/>
+            <ac:spMk id="4" creationId="{7A60196C-5479-B60B-099D-EC985C4E3F0B}"/>
+          </ac:spMkLst>
+        </pc:spChg>
+        <pc:spChg chg="mod">
+          <ac:chgData name="Neta Becker" userId="cef0aa30-4247-4db8-9bc0-d63efc0d3a53" providerId="ADAL" clId="{82B47B47-6544-4BFE-BA12-49607BE3FA5F}" dt="2024-05-06T09:21:24.489" v="3614"/>
+          <ac:spMkLst>
+            <pc:docMk/>
+            <pc:sldMk cId="3063377580" sldId="262"/>
+            <ac:spMk id="6" creationId="{5CABB30E-1CBC-FAE5-9424-9CC60730F427}"/>
+          </ac:spMkLst>
+        </pc:spChg>
+        <pc:spChg chg="mod">
+          <ac:chgData name="Neta Becker" userId="cef0aa30-4247-4db8-9bc0-d63efc0d3a53" providerId="ADAL" clId="{82B47B47-6544-4BFE-BA12-49607BE3FA5F}" dt="2024-05-06T09:21:24.489" v="3614"/>
+          <ac:spMkLst>
+            <pc:docMk/>
+            <pc:sldMk cId="3063377580" sldId="262"/>
+            <ac:spMk id="7" creationId="{4BA6B998-44ED-4E72-21EB-8D8F0D4A8964}"/>
+          </ac:spMkLst>
+        </pc:spChg>
+        <pc:spChg chg="mod">
+          <ac:chgData name="Neta Becker" userId="cef0aa30-4247-4db8-9bc0-d63efc0d3a53" providerId="ADAL" clId="{82B47B47-6544-4BFE-BA12-49607BE3FA5F}" dt="2024-05-06T09:21:24.489" v="3614"/>
+          <ac:spMkLst>
+            <pc:docMk/>
+            <pc:sldMk cId="3063377580" sldId="262"/>
+            <ac:spMk id="8" creationId="{C910031A-B62C-C935-54EF-D2A038A1AE7E}"/>
+          </ac:spMkLst>
+        </pc:spChg>
+        <pc:grpChg chg="add mod">
+          <ac:chgData name="Neta Becker" userId="cef0aa30-4247-4db8-9bc0-d63efc0d3a53" providerId="ADAL" clId="{82B47B47-6544-4BFE-BA12-49607BE3FA5F}" dt="2024-05-06T09:21:24.489" v="3614"/>
+          <ac:grpSpMkLst>
+            <pc:docMk/>
+            <pc:sldMk cId="3063377580" sldId="262"/>
+            <ac:grpSpMk id="5" creationId="{10FDD71C-3262-2392-83EA-8E8F971ACBBA}"/>
+          </ac:grpSpMkLst>
+        </pc:grpChg>
+      </pc:sldChg>
+      <pc:sldChg chg="modSp new del mod">
+        <pc:chgData name="Neta Becker" userId="cef0aa30-4247-4db8-9bc0-d63efc0d3a53" providerId="ADAL" clId="{82B47B47-6544-4BFE-BA12-49607BE3FA5F}" dt="2024-05-02T16:25:14.766" v="3362" actId="47"/>
+        <pc:sldMkLst>
+          <pc:docMk/>
+          <pc:sldMk cId="1257507290" sldId="263"/>
+        </pc:sldMkLst>
+        <pc:spChg chg="mod">
+          <ac:chgData name="Neta Becker" userId="cef0aa30-4247-4db8-9bc0-d63efc0d3a53" providerId="ADAL" clId="{82B47B47-6544-4BFE-BA12-49607BE3FA5F}" dt="2024-05-01T19:14:11.070" v="2186"/>
+          <ac:spMkLst>
+            <pc:docMk/>
+            <pc:sldMk cId="1257507290" sldId="263"/>
+            <ac:spMk id="2" creationId="{2BE72628-6CF8-6063-4C80-8117665D23C7}"/>
+          </ac:spMkLst>
+        </pc:spChg>
+        <pc:spChg chg="mod">
+          <ac:chgData name="Neta Becker" userId="cef0aa30-4247-4db8-9bc0-d63efc0d3a53" providerId="ADAL" clId="{82B47B47-6544-4BFE-BA12-49607BE3FA5F}" dt="2024-05-01T19:14:11.070" v="2186"/>
+          <ac:spMkLst>
+            <pc:docMk/>
+            <pc:sldMk cId="1257507290" sldId="263"/>
+            <ac:spMk id="3" creationId="{7FD7C254-ACC4-6D10-373A-1EC33E904CAD}"/>
+          </ac:spMkLst>
+        </pc:spChg>
+      </pc:sldChg>
+      <pc:sldChg chg="addSp modSp new mod">
+        <pc:chgData name="Neta Becker" userId="cef0aa30-4247-4db8-9bc0-d63efc0d3a53" providerId="ADAL" clId="{82B47B47-6544-4BFE-BA12-49607BE3FA5F}" dt="2024-05-06T09:25:12.371" v="3640"/>
+        <pc:sldMkLst>
+          <pc:docMk/>
+          <pc:sldMk cId="1521044007" sldId="264"/>
+        </pc:sldMkLst>
+        <pc:spChg chg="mod">
+          <ac:chgData name="Neta Becker" userId="cef0aa30-4247-4db8-9bc0-d63efc0d3a53" providerId="ADAL" clId="{82B47B47-6544-4BFE-BA12-49607BE3FA5F}" dt="2024-05-06T09:25:12.371" v="3640"/>
+          <ac:spMkLst>
+            <pc:docMk/>
+            <pc:sldMk cId="1521044007" sldId="264"/>
+            <ac:spMk id="2" creationId="{9E1B47C9-23BE-9F8B-A0E0-E74CAB5ED67A}"/>
+          </ac:spMkLst>
+        </pc:spChg>
+        <pc:spChg chg="mod">
+          <ac:chgData name="Neta Becker" userId="cef0aa30-4247-4db8-9bc0-d63efc0d3a53" providerId="ADAL" clId="{82B47B47-6544-4BFE-BA12-49607BE3FA5F}" dt="2024-05-06T09:25:12.371" v="3640"/>
+          <ac:spMkLst>
+            <pc:docMk/>
+            <pc:sldMk cId="1521044007" sldId="264"/>
+            <ac:spMk id="3" creationId="{2D2E6A14-D956-DE39-DFB5-8D352E675082}"/>
+          </ac:spMkLst>
+        </pc:spChg>
+        <pc:spChg chg="add mod">
+          <ac:chgData name="Neta Becker" userId="cef0aa30-4247-4db8-9bc0-d63efc0d3a53" providerId="ADAL" clId="{82B47B47-6544-4BFE-BA12-49607BE3FA5F}" dt="2024-05-06T09:23:36.537" v="3626" actId="207"/>
+          <ac:spMkLst>
+            <pc:docMk/>
+            <pc:sldMk cId="1521044007" sldId="264"/>
+            <ac:spMk id="4" creationId="{B8D434B1-56CC-6E8D-FDD2-84F2A848D19A}"/>
+          </ac:spMkLst>
+        </pc:spChg>
+        <pc:spChg chg="mod">
+          <ac:chgData name="Neta Becker" userId="cef0aa30-4247-4db8-9bc0-d63efc0d3a53" providerId="ADAL" clId="{82B47B47-6544-4BFE-BA12-49607BE3FA5F}" dt="2024-05-06T09:21:26.742" v="3615"/>
+          <ac:spMkLst>
+            <pc:docMk/>
+            <pc:sldMk cId="1521044007" sldId="264"/>
+            <ac:spMk id="6" creationId="{118BEC51-40EB-32C2-B97B-894607665666}"/>
+          </ac:spMkLst>
+        </pc:spChg>
+        <pc:spChg chg="mod">
+          <ac:chgData name="Neta Becker" userId="cef0aa30-4247-4db8-9bc0-d63efc0d3a53" providerId="ADAL" clId="{82B47B47-6544-4BFE-BA12-49607BE3FA5F}" dt="2024-05-06T09:21:26.742" v="3615"/>
+          <ac:spMkLst>
+            <pc:docMk/>
+            <pc:sldMk cId="1521044007" sldId="264"/>
+            <ac:spMk id="7" creationId="{42D04CD0-2AD6-C614-6F95-3DB36DC7FF5A}"/>
+          </ac:spMkLst>
+        </pc:spChg>
+        <pc:spChg chg="mod">
+          <ac:chgData name="Neta Becker" userId="cef0aa30-4247-4db8-9bc0-d63efc0d3a53" providerId="ADAL" clId="{82B47B47-6544-4BFE-BA12-49607BE3FA5F}" dt="2024-05-06T09:21:26.742" v="3615"/>
+          <ac:spMkLst>
+            <pc:docMk/>
+            <pc:sldMk cId="1521044007" sldId="264"/>
+            <ac:spMk id="8" creationId="{41DB6582-97B6-95D9-6058-4A4471F70016}"/>
+          </ac:spMkLst>
+        </pc:spChg>
+        <pc:grpChg chg="add mod">
+          <ac:chgData name="Neta Becker" userId="cef0aa30-4247-4db8-9bc0-d63efc0d3a53" providerId="ADAL" clId="{82B47B47-6544-4BFE-BA12-49607BE3FA5F}" dt="2024-05-06T09:21:26.742" v="3615"/>
+          <ac:grpSpMkLst>
+            <pc:docMk/>
+            <pc:sldMk cId="1521044007" sldId="264"/>
+            <ac:grpSpMk id="5" creationId="{220E5C26-EB1D-31C2-6A8B-D662D1D97FC8}"/>
+          </ac:grpSpMkLst>
+        </pc:grpChg>
+      </pc:sldChg>
+      <pc:sldChg chg="addSp modSp new mod">
+        <pc:chgData name="Neta Becker" userId="cef0aa30-4247-4db8-9bc0-d63efc0d3a53" providerId="ADAL" clId="{82B47B47-6544-4BFE-BA12-49607BE3FA5F}" dt="2024-05-06T09:25:12.371" v="3640"/>
+        <pc:sldMkLst>
+          <pc:docMk/>
+          <pc:sldMk cId="3884930515" sldId="265"/>
+        </pc:sldMkLst>
+        <pc:spChg chg="mod">
+          <ac:chgData name="Neta Becker" userId="cef0aa30-4247-4db8-9bc0-d63efc0d3a53" providerId="ADAL" clId="{82B47B47-6544-4BFE-BA12-49607BE3FA5F}" dt="2024-05-06T09:25:12.371" v="3640"/>
+          <ac:spMkLst>
+            <pc:docMk/>
+            <pc:sldMk cId="3884930515" sldId="265"/>
+            <ac:spMk id="2" creationId="{FBB17739-EDA8-0BBF-2BBE-DD328C51C51D}"/>
+          </ac:spMkLst>
+        </pc:spChg>
+        <pc:spChg chg="mod">
+          <ac:chgData name="Neta Becker" userId="cef0aa30-4247-4db8-9bc0-d63efc0d3a53" providerId="ADAL" clId="{82B47B47-6544-4BFE-BA12-49607BE3FA5F}" dt="2024-05-06T09:25:12.371" v="3640"/>
+          <ac:spMkLst>
+            <pc:docMk/>
+            <pc:sldMk cId="3884930515" sldId="265"/>
+            <ac:spMk id="3" creationId="{2CEC7C2B-FE22-13AA-830E-5D224F921C9D}"/>
+          </ac:spMkLst>
+        </pc:spChg>
+        <pc:spChg chg="add mod">
+          <ac:chgData name="Neta Becker" userId="cef0aa30-4247-4db8-9bc0-d63efc0d3a53" providerId="ADAL" clId="{82B47B47-6544-4BFE-BA12-49607BE3FA5F}" dt="2024-05-06T09:23:40.706" v="3627" actId="207"/>
+          <ac:spMkLst>
+            <pc:docMk/>
+            <pc:sldMk cId="3884930515" sldId="265"/>
+            <ac:spMk id="4" creationId="{DB4B58AA-CB6F-C0F0-4724-E92868B9FD0E}"/>
+          </ac:spMkLst>
+        </pc:spChg>
+        <pc:spChg chg="mod">
+          <ac:chgData name="Neta Becker" userId="cef0aa30-4247-4db8-9bc0-d63efc0d3a53" providerId="ADAL" clId="{82B47B47-6544-4BFE-BA12-49607BE3FA5F}" dt="2024-05-06T09:21:28.965" v="3616"/>
+          <ac:spMkLst>
+            <pc:docMk/>
+            <pc:sldMk cId="3884930515" sldId="265"/>
+            <ac:spMk id="6" creationId="{2608EC1E-CF34-1B32-5C9F-E9F6FCBF6CB4}"/>
+          </ac:spMkLst>
+        </pc:spChg>
+        <pc:spChg chg="mod">
+          <ac:chgData name="Neta Becker" userId="cef0aa30-4247-4db8-9bc0-d63efc0d3a53" providerId="ADAL" clId="{82B47B47-6544-4BFE-BA12-49607BE3FA5F}" dt="2024-05-06T09:21:28.965" v="3616"/>
+          <ac:spMkLst>
+            <pc:docMk/>
+            <pc:sldMk cId="3884930515" sldId="265"/>
+            <ac:spMk id="7" creationId="{A24D5EAA-27CE-050F-F478-1E90FDFE9227}"/>
+          </ac:spMkLst>
+        </pc:spChg>
+        <pc:spChg chg="mod">
+          <ac:chgData name="Neta Becker" userId="cef0aa30-4247-4db8-9bc0-d63efc0d3a53" providerId="ADAL" clId="{82B47B47-6544-4BFE-BA12-49607BE3FA5F}" dt="2024-05-06T09:21:28.965" v="3616"/>
+          <ac:spMkLst>
+            <pc:docMk/>
+            <pc:sldMk cId="3884930515" sldId="265"/>
+            <ac:spMk id="8" creationId="{BD773F22-CE2F-7E1B-8AA9-82D35518965D}"/>
+          </ac:spMkLst>
+        </pc:spChg>
+        <pc:grpChg chg="add mod">
+          <ac:chgData name="Neta Becker" userId="cef0aa30-4247-4db8-9bc0-d63efc0d3a53" providerId="ADAL" clId="{82B47B47-6544-4BFE-BA12-49607BE3FA5F}" dt="2024-05-06T09:21:28.965" v="3616"/>
+          <ac:grpSpMkLst>
+            <pc:docMk/>
+            <pc:sldMk cId="3884930515" sldId="265"/>
+            <ac:grpSpMk id="5" creationId="{4752F03D-3D59-EDD4-1EDF-103EBF40E5C6}"/>
+          </ac:grpSpMkLst>
+        </pc:grpChg>
+      </pc:sldChg>
+      <pc:sldChg chg="new del">
+        <pc:chgData name="Neta Becker" userId="cef0aa30-4247-4db8-9bc0-d63efc0d3a53" providerId="ADAL" clId="{82B47B47-6544-4BFE-BA12-49607BE3FA5F}" dt="2024-04-29T18:12:30.001" v="224" actId="47"/>
+        <pc:sldMkLst>
+          <pc:docMk/>
+          <pc:sldMk cId="2279436743" sldId="266"/>
+        </pc:sldMkLst>
+      </pc:sldChg>
+      <pc:sldChg chg="addSp modSp new mod modShow">
+        <pc:chgData name="Neta Becker" userId="cef0aa30-4247-4db8-9bc0-d63efc0d3a53" providerId="ADAL" clId="{82B47B47-6544-4BFE-BA12-49607BE3FA5F}" dt="2024-05-06T09:25:12.371" v="3640"/>
+        <pc:sldMkLst>
+          <pc:docMk/>
+          <pc:sldMk cId="3614498727" sldId="267"/>
+        </pc:sldMkLst>
+        <pc:spChg chg="mod">
+          <ac:chgData name="Neta Becker" userId="cef0aa30-4247-4db8-9bc0-d63efc0d3a53" providerId="ADAL" clId="{82B47B47-6544-4BFE-BA12-49607BE3FA5F}" dt="2024-05-06T09:25:12.371" v="3640"/>
+          <ac:spMkLst>
+            <pc:docMk/>
+            <pc:sldMk cId="3614498727" sldId="267"/>
+            <ac:spMk id="2" creationId="{AC2ACF71-CF4B-C77D-06EE-335720E44195}"/>
+          </ac:spMkLst>
+        </pc:spChg>
+        <pc:spChg chg="mod">
+          <ac:chgData name="Neta Becker" userId="cef0aa30-4247-4db8-9bc0-d63efc0d3a53" providerId="ADAL" clId="{82B47B47-6544-4BFE-BA12-49607BE3FA5F}" dt="2024-05-06T09:25:12.371" v="3640"/>
+          <ac:spMkLst>
+            <pc:docMk/>
+            <pc:sldMk cId="3614498727" sldId="267"/>
+            <ac:spMk id="3" creationId="{3FB97B73-96BD-1AB7-EA8C-0E12DAF0CCBC}"/>
+          </ac:spMkLst>
+        </pc:spChg>
+        <pc:picChg chg="add mod">
+          <ac:chgData name="Neta Becker" userId="cef0aa30-4247-4db8-9bc0-d63efc0d3a53" providerId="ADAL" clId="{82B47B47-6544-4BFE-BA12-49607BE3FA5F}" dt="2024-04-29T18:17:06.348" v="360" actId="1076"/>
+          <ac:picMkLst>
+            <pc:docMk/>
+            <pc:sldMk cId="3614498727" sldId="267"/>
+            <ac:picMk id="7" creationId="{5D2567AD-A929-17F9-A858-A92AA2CDC031}"/>
+          </ac:picMkLst>
+        </pc:picChg>
+      </pc:sldChg>
+      <pc:sldChg chg="addSp delSp modSp new mod setBg modClrScheme delDesignElem chgLayout">
+        <pc:chgData name="Neta Becker" userId="cef0aa30-4247-4db8-9bc0-d63efc0d3a53" providerId="ADAL" clId="{82B47B47-6544-4BFE-BA12-49607BE3FA5F}" dt="2024-05-06T09:25:12.371" v="3640"/>
+        <pc:sldMkLst>
+          <pc:docMk/>
+          <pc:sldMk cId="3788276947" sldId="268"/>
+        </pc:sldMkLst>
+        <pc:spChg chg="mod ord">
+          <ac:chgData name="Neta Becker" userId="cef0aa30-4247-4db8-9bc0-d63efc0d3a53" providerId="ADAL" clId="{82B47B47-6544-4BFE-BA12-49607BE3FA5F}" dt="2024-05-05T19:23:39.489" v="3609" actId="122"/>
+          <ac:spMkLst>
+            <pc:docMk/>
+            <pc:sldMk cId="3788276947" sldId="268"/>
+            <ac:spMk id="2" creationId="{D11A6587-4B31-2098-8A11-B9028D74594E}"/>
+          </ac:spMkLst>
+        </pc:spChg>
+        <pc:spChg chg="add mod ord">
+          <ac:chgData name="Neta Becker" userId="cef0aa30-4247-4db8-9bc0-d63efc0d3a53" providerId="ADAL" clId="{82B47B47-6544-4BFE-BA12-49607BE3FA5F}" dt="2024-05-05T19:23:41.021" v="3610" actId="122"/>
+          <ac:spMkLst>
+            <pc:docMk/>
+            <pc:sldMk cId="3788276947" sldId="268"/>
+            <ac:spMk id="3" creationId="{179BA227-78E9-E910-93F6-862AA8674913}"/>
+          </ac:spMkLst>
+        </pc:spChg>
+        <pc:spChg chg="add del">
+          <ac:chgData name="Neta Becker" userId="cef0aa30-4247-4db8-9bc0-d63efc0d3a53" providerId="ADAL" clId="{82B47B47-6544-4BFE-BA12-49607BE3FA5F}" dt="2024-05-06T09:25:12.371" v="3640"/>
+          <ac:spMkLst>
+            <pc:docMk/>
+            <pc:sldMk cId="3788276947" sldId="268"/>
+            <ac:spMk id="8" creationId="{1579DD07-B6CD-4C04-8A4A-3B92CE8C8A31}"/>
+          </ac:spMkLst>
+        </pc:spChg>
+        <pc:spChg chg="add del">
+          <ac:chgData name="Neta Becker" userId="cef0aa30-4247-4db8-9bc0-d63efc0d3a53" providerId="ADAL" clId="{82B47B47-6544-4BFE-BA12-49607BE3FA5F}" dt="2024-05-06T09:25:12.371" v="3640"/>
+          <ac:spMkLst>
+            <pc:docMk/>
+            <pc:sldMk cId="3788276947" sldId="268"/>
+            <ac:spMk id="10" creationId="{D4A3DB12-3AD8-467C-910C-F09E3A688BD7}"/>
+          </ac:spMkLst>
+        </pc:spChg>
+        <pc:spChg chg="add del">
+          <ac:chgData name="Neta Becker" userId="cef0aa30-4247-4db8-9bc0-d63efc0d3a53" providerId="ADAL" clId="{82B47B47-6544-4BFE-BA12-49607BE3FA5F}" dt="2024-05-06T09:25:12.371" v="3640"/>
+          <ac:spMkLst>
+            <pc:docMk/>
+            <pc:sldMk cId="3788276947" sldId="268"/>
+            <ac:spMk id="12" creationId="{36A995F0-906C-4573-A739-16EED217D852}"/>
+          </ac:spMkLst>
+        </pc:spChg>
+        <pc:cxnChg chg="add del">
+          <ac:chgData name="Neta Becker" userId="cef0aa30-4247-4db8-9bc0-d63efc0d3a53" providerId="ADAL" clId="{82B47B47-6544-4BFE-BA12-49607BE3FA5F}" dt="2024-05-06T09:25:12.371" v="3640"/>
+          <ac:cxnSpMkLst>
+            <pc:docMk/>
+            <pc:sldMk cId="3788276947" sldId="268"/>
+            <ac:cxnSpMk id="14" creationId="{C3F5F06D-7250-43A5-9B61-0B7F1FD7E395}"/>
+          </ac:cxnSpMkLst>
+        </pc:cxnChg>
+      </pc:sldChg>
+      <pc:sldChg chg="addSp modSp add mod">
+        <pc:chgData name="Neta Becker" userId="cef0aa30-4247-4db8-9bc0-d63efc0d3a53" providerId="ADAL" clId="{82B47B47-6544-4BFE-BA12-49607BE3FA5F}" dt="2024-05-06T09:25:12.371" v="3640"/>
+        <pc:sldMkLst>
+          <pc:docMk/>
+          <pc:sldMk cId="199201543" sldId="269"/>
+        </pc:sldMkLst>
+        <pc:spChg chg="mod">
+          <ac:chgData name="Neta Becker" userId="cef0aa30-4247-4db8-9bc0-d63efc0d3a53" providerId="ADAL" clId="{82B47B47-6544-4BFE-BA12-49607BE3FA5F}" dt="2024-05-06T09:25:12.371" v="3640"/>
+          <ac:spMkLst>
+            <pc:docMk/>
+            <pc:sldMk cId="199201543" sldId="269"/>
+            <ac:spMk id="2" creationId="{FBB17739-EDA8-0BBF-2BBE-DD328C51C51D}"/>
+          </ac:spMkLst>
+        </pc:spChg>
+        <pc:spChg chg="mod">
+          <ac:chgData name="Neta Becker" userId="cef0aa30-4247-4db8-9bc0-d63efc0d3a53" providerId="ADAL" clId="{82B47B47-6544-4BFE-BA12-49607BE3FA5F}" dt="2024-05-06T09:25:12.371" v="3640"/>
+          <ac:spMkLst>
+            <pc:docMk/>
+            <pc:sldMk cId="199201543" sldId="269"/>
+            <ac:spMk id="3" creationId="{2CEC7C2B-FE22-13AA-830E-5D224F921C9D}"/>
+          </ac:spMkLst>
+        </pc:spChg>
+        <pc:spChg chg="add mod">
+          <ac:chgData name="Neta Becker" userId="cef0aa30-4247-4db8-9bc0-d63efc0d3a53" providerId="ADAL" clId="{82B47B47-6544-4BFE-BA12-49607BE3FA5F}" dt="2024-05-06T09:21:31.427" v="3617"/>
+          <ac:spMkLst>
+            <pc:docMk/>
+            <pc:sldMk cId="199201543" sldId="269"/>
+            <ac:spMk id="4" creationId="{074D8EDC-2D71-7E60-700A-79B5EB0034F5}"/>
+          </ac:spMkLst>
+        </pc:spChg>
+        <pc:spChg chg="mod">
+          <ac:chgData name="Neta Becker" userId="cef0aa30-4247-4db8-9bc0-d63efc0d3a53" providerId="ADAL" clId="{82B47B47-6544-4BFE-BA12-49607BE3FA5F}" dt="2024-05-06T09:21:31.427" v="3617"/>
+          <ac:spMkLst>
+            <pc:docMk/>
+            <pc:sldMk cId="199201543" sldId="269"/>
+            <ac:spMk id="6" creationId="{C090F1DC-4557-00A2-A834-759087CF4054}"/>
+          </ac:spMkLst>
+        </pc:spChg>
+        <pc:spChg chg="mod">
+          <ac:chgData name="Neta Becker" userId="cef0aa30-4247-4db8-9bc0-d63efc0d3a53" providerId="ADAL" clId="{82B47B47-6544-4BFE-BA12-49607BE3FA5F}" dt="2024-05-06T09:21:31.427" v="3617"/>
+          <ac:spMkLst>
+            <pc:docMk/>
+            <pc:sldMk cId="199201543" sldId="269"/>
+            <ac:spMk id="7" creationId="{864AAC93-B5A7-5321-297C-66B5860AE633}"/>
+          </ac:spMkLst>
+        </pc:spChg>
+        <pc:spChg chg="mod">
+          <ac:chgData name="Neta Becker" userId="cef0aa30-4247-4db8-9bc0-d63efc0d3a53" providerId="ADAL" clId="{82B47B47-6544-4BFE-BA12-49607BE3FA5F}" dt="2024-05-06T09:21:31.427" v="3617"/>
+          <ac:spMkLst>
+            <pc:docMk/>
+            <pc:sldMk cId="199201543" sldId="269"/>
+            <ac:spMk id="8" creationId="{480B719B-2E7F-36B3-738D-C66CCFAB3A7E}"/>
+          </ac:spMkLst>
+        </pc:spChg>
+        <pc:spChg chg="add mod">
+          <ac:chgData name="Neta Becker" userId="cef0aa30-4247-4db8-9bc0-d63efc0d3a53" providerId="ADAL" clId="{82B47B47-6544-4BFE-BA12-49607BE3FA5F}" dt="2024-05-06T09:23:44.713" v="3628" actId="207"/>
+          <ac:spMkLst>
+            <pc:docMk/>
+            <pc:sldMk cId="199201543" sldId="269"/>
+            <ac:spMk id="9" creationId="{DE063978-8620-7123-C184-49543BBAD5D2}"/>
+          </ac:spMkLst>
+        </pc:spChg>
+        <pc:spChg chg="mod">
+          <ac:chgData name="Neta Becker" userId="cef0aa30-4247-4db8-9bc0-d63efc0d3a53" providerId="ADAL" clId="{82B47B47-6544-4BFE-BA12-49607BE3FA5F}" dt="2024-05-06T09:21:45.969" v="3618"/>
+          <ac:spMkLst>
+            <pc:docMk/>
+            <pc:sldMk cId="199201543" sldId="269"/>
+            <ac:spMk id="11" creationId="{94291A3E-6BA9-4687-19B4-182AFDA4E0AA}"/>
+          </ac:spMkLst>
+        </pc:spChg>
+        <pc:spChg chg="mod">
+          <ac:chgData name="Neta Becker" userId="cef0aa30-4247-4db8-9bc0-d63efc0d3a53" providerId="ADAL" clId="{82B47B47-6544-4BFE-BA12-49607BE3FA5F}" dt="2024-05-06T09:21:45.969" v="3618"/>
+          <ac:spMkLst>
+            <pc:docMk/>
+            <pc:sldMk cId="199201543" sldId="269"/>
+            <ac:spMk id="12" creationId="{FB42B343-775E-56CB-0E74-DB5F39653A61}"/>
+          </ac:spMkLst>
+        </pc:spChg>
+        <pc:spChg chg="mod">
+          <ac:chgData name="Neta Becker" userId="cef0aa30-4247-4db8-9bc0-d63efc0d3a53" providerId="ADAL" clId="{82B47B47-6544-4BFE-BA12-49607BE3FA5F}" dt="2024-05-06T09:21:45.969" v="3618"/>
+          <ac:spMkLst>
+            <pc:docMk/>
+            <pc:sldMk cId="199201543" sldId="269"/>
+            <ac:spMk id="13" creationId="{411BE791-C0CB-F0DA-7032-F1AC97AFA9CE}"/>
+          </ac:spMkLst>
+        </pc:spChg>
+        <pc:spChg chg="mod">
+          <ac:chgData name="Neta Becker" userId="cef0aa30-4247-4db8-9bc0-d63efc0d3a53" providerId="ADAL" clId="{82B47B47-6544-4BFE-BA12-49607BE3FA5F}" dt="2024-05-06T09:21:45.969" v="3618"/>
+          <ac:spMkLst>
+            <pc:docMk/>
+            <pc:sldMk cId="199201543" sldId="269"/>
+            <ac:spMk id="14" creationId="{22A0815E-00DF-9E46-BA9C-4E482B67F4AD}"/>
+          </ac:spMkLst>
+        </pc:spChg>
+        <pc:spChg chg="mod">
+          <ac:chgData name="Neta Becker" userId="cef0aa30-4247-4db8-9bc0-d63efc0d3a53" providerId="ADAL" clId="{82B47B47-6544-4BFE-BA12-49607BE3FA5F}" dt="2024-05-06T09:21:45.969" v="3618"/>
+          <ac:spMkLst>
+            <pc:docMk/>
+            <pc:sldMk cId="199201543" sldId="269"/>
+            <ac:spMk id="15" creationId="{A926A02C-468E-3D25-F2D3-E7595A9F5B94}"/>
+          </ac:spMkLst>
+        </pc:spChg>
+        <pc:spChg chg="mod">
+          <ac:chgData name="Neta Becker" userId="cef0aa30-4247-4db8-9bc0-d63efc0d3a53" providerId="ADAL" clId="{82B47B47-6544-4BFE-BA12-49607BE3FA5F}" dt="2024-05-06T09:21:45.969" v="3618"/>
+          <ac:spMkLst>
+            <pc:docMk/>
+            <pc:sldMk cId="199201543" sldId="269"/>
+            <ac:spMk id="16" creationId="{1CE50F4B-B203-D970-A705-8FB2034AF3F5}"/>
+          </ac:spMkLst>
+        </pc:spChg>
+        <pc:grpChg chg="add mod">
+          <ac:chgData name="Neta Becker" userId="cef0aa30-4247-4db8-9bc0-d63efc0d3a53" providerId="ADAL" clId="{82B47B47-6544-4BFE-BA12-49607BE3FA5F}" dt="2024-05-06T09:21:31.427" v="3617"/>
+          <ac:grpSpMkLst>
+            <pc:docMk/>
+            <pc:sldMk cId="199201543" sldId="269"/>
+            <ac:grpSpMk id="5" creationId="{900AD05F-0EC7-314B-F380-6AACA6AC2A4C}"/>
+          </ac:grpSpMkLst>
+        </pc:grpChg>
+        <pc:grpChg chg="add mod">
+          <ac:chgData name="Neta Becker" userId="cef0aa30-4247-4db8-9bc0-d63efc0d3a53" providerId="ADAL" clId="{82B47B47-6544-4BFE-BA12-49607BE3FA5F}" dt="2024-05-06T09:21:45.969" v="3618"/>
+          <ac:grpSpMkLst>
+            <pc:docMk/>
+            <pc:sldMk cId="199201543" sldId="269"/>
+            <ac:grpSpMk id="10" creationId="{7B960A06-522D-EF27-6243-F14BD6BF85D5}"/>
+          </ac:grpSpMkLst>
+        </pc:grpChg>
+      </pc:sldChg>
+      <pc:sldChg chg="addSp delSp modSp add del mod setBg delDesignElem modShow">
+        <pc:chgData name="Neta Becker" userId="cef0aa30-4247-4db8-9bc0-d63efc0d3a53" providerId="ADAL" clId="{82B47B47-6544-4BFE-BA12-49607BE3FA5F}" dt="2024-05-01T19:12:03.468" v="2076" actId="47"/>
+        <pc:sldMkLst>
+          <pc:docMk/>
+          <pc:sldMk cId="1134421789" sldId="269"/>
+        </pc:sldMkLst>
+        <pc:spChg chg="mod">
+          <ac:chgData name="Neta Becker" userId="cef0aa30-4247-4db8-9bc0-d63efc0d3a53" providerId="ADAL" clId="{82B47B47-6544-4BFE-BA12-49607BE3FA5F}" dt="2024-04-29T18:56:53.434" v="1661" actId="26606"/>
+          <ac:spMkLst>
+            <pc:docMk/>
+            <pc:sldMk cId="1134421789" sldId="269"/>
+            <ac:spMk id="2" creationId="{740EF0B2-1FEB-FFA2-67D6-9A5DBB7AADB8}"/>
+          </ac:spMkLst>
+        </pc:spChg>
+        <pc:spChg chg="del mod">
+          <ac:chgData name="Neta Becker" userId="cef0aa30-4247-4db8-9bc0-d63efc0d3a53" providerId="ADAL" clId="{82B47B47-6544-4BFE-BA12-49607BE3FA5F}" dt="2024-04-29T18:56:53.434" v="1661" actId="26606"/>
+          <ac:spMkLst>
+            <pc:docMk/>
+            <pc:sldMk cId="1134421789" sldId="269"/>
+            <ac:spMk id="3" creationId="{6D1E74C4-204E-AA3F-084A-12061BF8DF60}"/>
+          </ac:spMkLst>
+        </pc:spChg>
+        <pc:spChg chg="add del">
+          <ac:chgData name="Neta Becker" userId="cef0aa30-4247-4db8-9bc0-d63efc0d3a53" providerId="ADAL" clId="{82B47B47-6544-4BFE-BA12-49607BE3FA5F}" dt="2024-05-01T15:50:24.430" v="2030"/>
+          <ac:spMkLst>
+            <pc:docMk/>
+            <pc:sldMk cId="1134421789" sldId="269"/>
+            <ac:spMk id="10" creationId="{D4771268-CB57-404A-9271-370EB28F6090}"/>
+          </ac:spMkLst>
+        </pc:spChg>
+        <pc:picChg chg="add mod">
+          <ac:chgData name="Neta Becker" userId="cef0aa30-4247-4db8-9bc0-d63efc0d3a53" providerId="ADAL" clId="{82B47B47-6544-4BFE-BA12-49607BE3FA5F}" dt="2024-04-29T18:57:14.298" v="1666" actId="1076"/>
+          <ac:picMkLst>
+            <pc:docMk/>
+            <pc:sldMk cId="1134421789" sldId="269"/>
+            <ac:picMk id="5" creationId="{B39923C6-860A-A0E9-81E0-463473ACA16D}"/>
+          </ac:picMkLst>
+        </pc:picChg>
+      </pc:sldChg>
+      <pc:sldChg chg="addSp delSp modSp new del mod modClrScheme chgLayout">
+        <pc:chgData name="Neta Becker" userId="cef0aa30-4247-4db8-9bc0-d63efc0d3a53" providerId="ADAL" clId="{82B47B47-6544-4BFE-BA12-49607BE3FA5F}" dt="2024-05-05T19:19:15.006" v="3597" actId="47"/>
+        <pc:sldMkLst>
+          <pc:docMk/>
+          <pc:sldMk cId="2089736960" sldId="270"/>
+        </pc:sldMkLst>
+        <pc:spChg chg="del">
+          <ac:chgData name="Neta Becker" userId="cef0aa30-4247-4db8-9bc0-d63efc0d3a53" providerId="ADAL" clId="{82B47B47-6544-4BFE-BA12-49607BE3FA5F}" dt="2024-05-02T16:37:48.916" v="3424" actId="700"/>
+          <ac:spMkLst>
+            <pc:docMk/>
+            <pc:sldMk cId="2089736960" sldId="270"/>
+            <ac:spMk id="2" creationId="{596D87F5-190B-C9BD-CD2B-ACC6470CDA83}"/>
+          </ac:spMkLst>
+        </pc:spChg>
+        <pc:spChg chg="del">
+          <ac:chgData name="Neta Becker" userId="cef0aa30-4247-4db8-9bc0-d63efc0d3a53" providerId="ADAL" clId="{82B47B47-6544-4BFE-BA12-49607BE3FA5F}" dt="2024-05-02T16:37:48.916" v="3424" actId="700"/>
+          <ac:spMkLst>
+            <pc:docMk/>
+            <pc:sldMk cId="2089736960" sldId="270"/>
+            <ac:spMk id="3" creationId="{AE1256E2-91DB-5E74-81CD-70EF37931189}"/>
+          </ac:spMkLst>
+        </pc:spChg>
+        <pc:spChg chg="add mod">
+          <ac:chgData name="Neta Becker" userId="cef0aa30-4247-4db8-9bc0-d63efc0d3a53" providerId="ADAL" clId="{82B47B47-6544-4BFE-BA12-49607BE3FA5F}" dt="2024-05-02T16:37:56.603" v="3431" actId="20577"/>
+          <ac:spMkLst>
+            <pc:docMk/>
+            <pc:sldMk cId="2089736960" sldId="270"/>
+            <ac:spMk id="4" creationId="{CBDF7521-B80C-A3B2-211C-8F7A377F97EC}"/>
+          </ac:spMkLst>
+        </pc:spChg>
+      </pc:sldChg>
+      <pc:sldChg chg="addSp delSp modSp add del mod delDesignElem">
+        <pc:chgData name="Neta Becker" userId="cef0aa30-4247-4db8-9bc0-d63efc0d3a53" providerId="ADAL" clId="{82B47B47-6544-4BFE-BA12-49607BE3FA5F}" dt="2024-05-01T19:48:09.482" v="2599" actId="47"/>
+        <pc:sldMkLst>
+          <pc:docMk/>
+          <pc:sldMk cId="3042174345" sldId="270"/>
+        </pc:sldMkLst>
+        <pc:spChg chg="add mod">
+          <ac:chgData name="Neta Becker" userId="cef0aa30-4247-4db8-9bc0-d63efc0d3a53" providerId="ADAL" clId="{82B47B47-6544-4BFE-BA12-49607BE3FA5F}" dt="2024-05-01T19:13:42.691" v="2183" actId="27636"/>
+          <ac:spMkLst>
+            <pc:docMk/>
+            <pc:sldMk cId="3042174345" sldId="270"/>
+            <ac:spMk id="4" creationId="{A33740FA-9F88-E3C6-95F5-2B53302DAE02}"/>
+          </ac:spMkLst>
+        </pc:spChg>
+        <pc:spChg chg="del">
+          <ac:chgData name="Neta Becker" userId="cef0aa30-4247-4db8-9bc0-d63efc0d3a53" providerId="ADAL" clId="{82B47B47-6544-4BFE-BA12-49607BE3FA5F}" dt="2024-05-01T15:50:24.430" v="2030"/>
+          <ac:spMkLst>
+            <pc:docMk/>
+            <pc:sldMk cId="3042174345" sldId="270"/>
+            <ac:spMk id="10" creationId="{D4771268-CB57-404A-9271-370EB28F6090}"/>
+          </ac:spMkLst>
+        </pc:spChg>
+        <pc:picChg chg="del">
+          <ac:chgData name="Neta Becker" userId="cef0aa30-4247-4db8-9bc0-d63efc0d3a53" providerId="ADAL" clId="{82B47B47-6544-4BFE-BA12-49607BE3FA5F}" dt="2024-04-29T18:57:40.935" v="1669" actId="478"/>
+          <ac:picMkLst>
+            <pc:docMk/>
+            <pc:sldMk cId="3042174345" sldId="270"/>
+            <ac:picMk id="5" creationId="{B39923C6-860A-A0E9-81E0-463473ACA16D}"/>
+          </ac:picMkLst>
+        </pc:picChg>
+      </pc:sldChg>
+      <pc:sldChg chg="modSp add mod">
+        <pc:chgData name="Neta Becker" userId="cef0aa30-4247-4db8-9bc0-d63efc0d3a53" providerId="ADAL" clId="{82B47B47-6544-4BFE-BA12-49607BE3FA5F}" dt="2024-05-06T09:25:12.371" v="3640"/>
+        <pc:sldMkLst>
+          <pc:docMk/>
+          <pc:sldMk cId="660352062" sldId="312"/>
+        </pc:sldMkLst>
+        <pc:spChg chg="mod">
+          <ac:chgData name="Neta Becker" userId="cef0aa30-4247-4db8-9bc0-d63efc0d3a53" providerId="ADAL" clId="{82B47B47-6544-4BFE-BA12-49607BE3FA5F}" dt="2024-05-06T09:22:44.968" v="3620" actId="207"/>
+          <ac:spMkLst>
+            <pc:docMk/>
+            <pc:sldMk cId="660352062" sldId="312"/>
+            <ac:spMk id="305" creationId="{00000000-0000-0000-0000-000000000000}"/>
+          </ac:spMkLst>
+        </pc:spChg>
+        <pc:spChg chg="mod">
+          <ac:chgData name="Neta Becker" userId="cef0aa30-4247-4db8-9bc0-d63efc0d3a53" providerId="ADAL" clId="{82B47B47-6544-4BFE-BA12-49607BE3FA5F}" dt="2024-05-06T09:22:40.648" v="3619" actId="207"/>
+          <ac:spMkLst>
+            <pc:docMk/>
+            <pc:sldMk cId="660352062" sldId="312"/>
+            <ac:spMk id="307" creationId="{00000000-0000-0000-0000-000000000000}"/>
+          </ac:spMkLst>
+        </pc:spChg>
+        <pc:spChg chg="mod">
+          <ac:chgData name="Neta Becker" userId="cef0aa30-4247-4db8-9bc0-d63efc0d3a53" providerId="ADAL" clId="{82B47B47-6544-4BFE-BA12-49607BE3FA5F}" dt="2024-05-06T09:25:12.371" v="3640"/>
+          <ac:spMkLst>
+            <pc:docMk/>
+            <pc:sldMk cId="660352062" sldId="312"/>
+            <ac:spMk id="309" creationId="{00000000-0000-0000-0000-000000000000}"/>
+          </ac:spMkLst>
+        </pc:spChg>
+        <pc:spChg chg="mod">
+          <ac:chgData name="Neta Becker" userId="cef0aa30-4247-4db8-9bc0-d63efc0d3a53" providerId="ADAL" clId="{82B47B47-6544-4BFE-BA12-49607BE3FA5F}" dt="2024-05-06T09:25:12.371" v="3640"/>
+          <ac:spMkLst>
+            <pc:docMk/>
+            <pc:sldMk cId="660352062" sldId="312"/>
+            <ac:spMk id="310" creationId="{00000000-0000-0000-0000-000000000000}"/>
+          </ac:spMkLst>
+        </pc:spChg>
+        <pc:spChg chg="mod">
+          <ac:chgData name="Neta Becker" userId="cef0aa30-4247-4db8-9bc0-d63efc0d3a53" providerId="ADAL" clId="{82B47B47-6544-4BFE-BA12-49607BE3FA5F}" dt="2024-05-06T09:25:12.371" v="3640"/>
+          <ac:spMkLst>
+            <pc:docMk/>
+            <pc:sldMk cId="660352062" sldId="312"/>
+            <ac:spMk id="311" creationId="{00000000-0000-0000-0000-000000000000}"/>
+          </ac:spMkLst>
+        </pc:spChg>
+        <pc:spChg chg="mod">
+          <ac:chgData name="Neta Becker" userId="cef0aa30-4247-4db8-9bc0-d63efc0d3a53" providerId="ADAL" clId="{82B47B47-6544-4BFE-BA12-49607BE3FA5F}" dt="2024-05-06T09:25:12.371" v="3640"/>
+          <ac:spMkLst>
+            <pc:docMk/>
+            <pc:sldMk cId="660352062" sldId="312"/>
+            <ac:spMk id="312" creationId="{00000000-0000-0000-0000-000000000000}"/>
+          </ac:spMkLst>
+        </pc:spChg>
+        <pc:spChg chg="mod">
+          <ac:chgData name="Neta Becker" userId="cef0aa30-4247-4db8-9bc0-d63efc0d3a53" providerId="ADAL" clId="{82B47B47-6544-4BFE-BA12-49607BE3FA5F}" dt="2024-05-06T09:25:12.371" v="3640"/>
+          <ac:spMkLst>
+            <pc:docMk/>
+            <pc:sldMk cId="660352062" sldId="312"/>
+            <ac:spMk id="313" creationId="{00000000-0000-0000-0000-000000000000}"/>
+          </ac:spMkLst>
+        </pc:spChg>
+        <pc:spChg chg="mod">
+          <ac:chgData name="Neta Becker" userId="cef0aa30-4247-4db8-9bc0-d63efc0d3a53" providerId="ADAL" clId="{82B47B47-6544-4BFE-BA12-49607BE3FA5F}" dt="2024-05-06T09:25:12.371" v="3640"/>
+          <ac:spMkLst>
+            <pc:docMk/>
+            <pc:sldMk cId="660352062" sldId="312"/>
+            <ac:spMk id="314" creationId="{00000000-0000-0000-0000-000000000000}"/>
+          </ac:spMkLst>
+        </pc:spChg>
+        <pc:spChg chg="mod">
+          <ac:chgData name="Neta Becker" userId="cef0aa30-4247-4db8-9bc0-d63efc0d3a53" providerId="ADAL" clId="{82B47B47-6544-4BFE-BA12-49607BE3FA5F}" dt="2024-05-06T09:25:12.371" v="3640"/>
+          <ac:spMkLst>
+            <pc:docMk/>
+            <pc:sldMk cId="660352062" sldId="312"/>
+            <ac:spMk id="315" creationId="{00000000-0000-0000-0000-000000000000}"/>
+          </ac:spMkLst>
+        </pc:spChg>
+        <pc:spChg chg="mod">
+          <ac:chgData name="Neta Becker" userId="cef0aa30-4247-4db8-9bc0-d63efc0d3a53" providerId="ADAL" clId="{82B47B47-6544-4BFE-BA12-49607BE3FA5F}" dt="2024-05-06T09:25:12.371" v="3640"/>
+          <ac:spMkLst>
+            <pc:docMk/>
+            <pc:sldMk cId="660352062" sldId="312"/>
+            <ac:spMk id="316" creationId="{00000000-0000-0000-0000-000000000000}"/>
+          </ac:spMkLst>
+        </pc:spChg>
+        <pc:spChg chg="mod">
+          <ac:chgData name="Neta Becker" userId="cef0aa30-4247-4db8-9bc0-d63efc0d3a53" providerId="ADAL" clId="{82B47B47-6544-4BFE-BA12-49607BE3FA5F}" dt="2024-05-06T09:25:12.371" v="3640"/>
+          <ac:spMkLst>
+            <pc:docMk/>
+            <pc:sldMk cId="660352062" sldId="312"/>
+            <ac:spMk id="317" creationId="{00000000-0000-0000-0000-000000000000}"/>
+          </ac:spMkLst>
+        </pc:spChg>
+        <pc:spChg chg="mod">
+          <ac:chgData name="Neta Becker" userId="cef0aa30-4247-4db8-9bc0-d63efc0d3a53" providerId="ADAL" clId="{82B47B47-6544-4BFE-BA12-49607BE3FA5F}" dt="2024-05-06T09:25:12.371" v="3640"/>
+          <ac:spMkLst>
+            <pc:docMk/>
+            <pc:sldMk cId="660352062" sldId="312"/>
+            <ac:spMk id="318" creationId="{00000000-0000-0000-0000-000000000000}"/>
+          </ac:spMkLst>
+        </pc:spChg>
+        <pc:spChg chg="mod">
+          <ac:chgData name="Neta Becker" userId="cef0aa30-4247-4db8-9bc0-d63efc0d3a53" providerId="ADAL" clId="{82B47B47-6544-4BFE-BA12-49607BE3FA5F}" dt="2024-05-06T09:25:12.371" v="3640"/>
+          <ac:spMkLst>
+            <pc:docMk/>
+            <pc:sldMk cId="660352062" sldId="312"/>
+            <ac:spMk id="319" creationId="{00000000-0000-0000-0000-000000000000}"/>
+          </ac:spMkLst>
+        </pc:spChg>
+        <pc:spChg chg="mod">
+          <ac:chgData name="Neta Becker" userId="cef0aa30-4247-4db8-9bc0-d63efc0d3a53" providerId="ADAL" clId="{82B47B47-6544-4BFE-BA12-49607BE3FA5F}" dt="2024-05-06T09:25:12.371" v="3640"/>
+          <ac:spMkLst>
+            <pc:docMk/>
+            <pc:sldMk cId="660352062" sldId="312"/>
+            <ac:spMk id="320" creationId="{00000000-0000-0000-0000-000000000000}"/>
+          </ac:spMkLst>
+        </pc:spChg>
+        <pc:spChg chg="mod">
+          <ac:chgData name="Neta Becker" userId="cef0aa30-4247-4db8-9bc0-d63efc0d3a53" providerId="ADAL" clId="{82B47B47-6544-4BFE-BA12-49607BE3FA5F}" dt="2024-05-06T09:25:12.371" v="3640"/>
+          <ac:spMkLst>
+            <pc:docMk/>
+            <pc:sldMk cId="660352062" sldId="312"/>
+            <ac:spMk id="321" creationId="{00000000-0000-0000-0000-000000000000}"/>
+          </ac:spMkLst>
+        </pc:spChg>
+        <pc:grpChg chg="mod">
+          <ac:chgData name="Neta Becker" userId="cef0aa30-4247-4db8-9bc0-d63efc0d3a53" providerId="ADAL" clId="{82B47B47-6544-4BFE-BA12-49607BE3FA5F}" dt="2024-05-05T19:23:14.629" v="3604" actId="207"/>
+          <ac:grpSpMkLst>
+            <pc:docMk/>
+            <pc:sldMk cId="660352062" sldId="312"/>
+            <ac:grpSpMk id="306" creationId="{00000000-0000-0000-0000-000000000000}"/>
+          </ac:grpSpMkLst>
+        </pc:grpChg>
+        <pc:cxnChg chg="mod">
+          <ac:chgData name="Neta Becker" userId="cef0aa30-4247-4db8-9bc0-d63efc0d3a53" providerId="ADAL" clId="{82B47B47-6544-4BFE-BA12-49607BE3FA5F}" dt="2024-05-05T19:23:14.629" v="3604" actId="207"/>
+          <ac:cxnSpMkLst>
+            <pc:docMk/>
+            <pc:sldMk cId="660352062" sldId="312"/>
+            <ac:cxnSpMk id="308" creationId="{00000000-0000-0000-0000-000000000000}"/>
+          </ac:cxnSpMkLst>
+        </pc:cxnChg>
+      </pc:sldChg>
+      <pc:sldMasterChg chg="modSldLayout">
+        <pc:chgData name="Neta Becker" userId="cef0aa30-4247-4db8-9bc0-d63efc0d3a53" providerId="ADAL" clId="{82B47B47-6544-4BFE-BA12-49607BE3FA5F}" dt="2024-05-05T19:20:09.656" v="3599"/>
+        <pc:sldMasterMkLst>
+          <pc:docMk/>
+          <pc:sldMasterMk cId="2969352036" sldId="2147483796"/>
+        </pc:sldMasterMkLst>
+        <pc:sldLayoutChg chg="delSp">
+          <pc:chgData name="Neta Becker" userId="cef0aa30-4247-4db8-9bc0-d63efc0d3a53" providerId="ADAL" clId="{82B47B47-6544-4BFE-BA12-49607BE3FA5F}" dt="2024-05-05T19:20:09.656" v="3599"/>
+          <pc:sldLayoutMkLst>
+            <pc:docMk/>
+            <pc:sldMasterMk cId="2969352036" sldId="2147483796"/>
+            <pc:sldLayoutMk cId="2982127573" sldId="2147483808"/>
+          </pc:sldLayoutMkLst>
+          <pc:cxnChg chg="del">
+            <ac:chgData name="Neta Becker" userId="cef0aa30-4247-4db8-9bc0-d63efc0d3a53" providerId="ADAL" clId="{82B47B47-6544-4BFE-BA12-49607BE3FA5F}" dt="2024-05-05T19:20:09.656" v="3599"/>
+            <ac:cxnSpMkLst>
+              <pc:docMk/>
+              <pc:sldMasterMk cId="2969352036" sldId="2147483796"/>
+              <pc:sldLayoutMk cId="2982127573" sldId="2147483808"/>
+              <ac:cxnSpMk id="91" creationId="{00000000-0000-0000-0000-000000000000}"/>
+            </ac:cxnSpMkLst>
+          </pc:cxnChg>
+        </pc:sldLayoutChg>
+      </pc:sldMasterChg>
+    </pc:docChg>
+  </pc:docChgLst>
+  <pc:docChgLst>
     <pc:chgData name="Neta Becker" userId="cef0aa30-4247-4db8-9bc0-d63efc0d3a53" providerId="ADAL" clId="{8E39725F-6EEF-4D4D-92C3-0465B79E9629}"/>
     <pc:docChg chg="undo custSel addSld delSld modSld modMainMaster">
-      <pc:chgData name="Neta Becker" userId="cef0aa30-4247-4db8-9bc0-d63efc0d3a53" providerId="ADAL" clId="{8E39725F-6EEF-4D4D-92C3-0465B79E9629}" dt="2024-05-18T11:53:05.264" v="1694" actId="208"/>
+      <pc:chgData name="Neta Becker" userId="cef0aa30-4247-4db8-9bc0-d63efc0d3a53" providerId="ADAL" clId="{8E39725F-6EEF-4D4D-92C3-0465B79E9629}" dt="2024-05-19T19:28:36.309" v="1879" actId="20577"/>
       <pc:docMkLst>
         <pc:docMk/>
       </pc:docMkLst>
@@ -1359,13 +2947,13 @@
         </pc:grpChg>
       </pc:sldChg>
       <pc:sldChg chg="addSp modSp mod">
-        <pc:chgData name="Neta Becker" userId="cef0aa30-4247-4db8-9bc0-d63efc0d3a53" providerId="ADAL" clId="{8E39725F-6EEF-4D4D-92C3-0465B79E9629}" dt="2024-05-18T11:35:21.537" v="929" actId="20577"/>
+        <pc:chgData name="Neta Becker" userId="cef0aa30-4247-4db8-9bc0-d63efc0d3a53" providerId="ADAL" clId="{8E39725F-6EEF-4D4D-92C3-0465B79E9629}" dt="2024-05-19T18:45:15.879" v="1706" actId="20577"/>
         <pc:sldMkLst>
           <pc:docMk/>
           <pc:sldMk cId="3614498727" sldId="267"/>
         </pc:sldMkLst>
         <pc:spChg chg="mod">
-          <ac:chgData name="Neta Becker" userId="cef0aa30-4247-4db8-9bc0-d63efc0d3a53" providerId="ADAL" clId="{8E39725F-6EEF-4D4D-92C3-0465B79E9629}" dt="2024-05-18T11:35:21.537" v="929" actId="20577"/>
+          <ac:chgData name="Neta Becker" userId="cef0aa30-4247-4db8-9bc0-d63efc0d3a53" providerId="ADAL" clId="{8E39725F-6EEF-4D4D-92C3-0465B79E9629}" dt="2024-05-19T18:45:15.879" v="1706" actId="20577"/>
           <ac:spMkLst>
             <pc:docMk/>
             <pc:sldMk cId="3614498727" sldId="267"/>
@@ -1501,7 +3089,7 @@
         </pc:cxnChg>
       </pc:sldChg>
       <pc:sldChg chg="addSp delSp modSp add del mod addAnim delAnim modAnim modShow">
-        <pc:chgData name="Neta Becker" userId="cef0aa30-4247-4db8-9bc0-d63efc0d3a53" providerId="ADAL" clId="{8E39725F-6EEF-4D4D-92C3-0465B79E9629}" dt="2024-05-18T11:53:05.264" v="1694" actId="208"/>
+        <pc:chgData name="Neta Becker" userId="cef0aa30-4247-4db8-9bc0-d63efc0d3a53" providerId="ADAL" clId="{8E39725F-6EEF-4D4D-92C3-0465B79E9629}" dt="2024-05-19T19:28:36.309" v="1879" actId="20577"/>
         <pc:sldMkLst>
           <pc:docMk/>
           <pc:sldMk cId="199201543" sldId="269"/>
@@ -1611,7 +3199,7 @@
           </ac:grpSpMkLst>
         </pc:grpChg>
         <pc:graphicFrameChg chg="add mod modGraphic">
-          <ac:chgData name="Neta Becker" userId="cef0aa30-4247-4db8-9bc0-d63efc0d3a53" providerId="ADAL" clId="{8E39725F-6EEF-4D4D-92C3-0465B79E9629}" dt="2024-05-18T11:48:41.847" v="1632"/>
+          <ac:chgData name="Neta Becker" userId="cef0aa30-4247-4db8-9bc0-d63efc0d3a53" providerId="ADAL" clId="{8E39725F-6EEF-4D4D-92C3-0465B79E9629}" dt="2024-05-19T19:25:07.265" v="1869" actId="20577"/>
           <ac:graphicFrameMkLst>
             <pc:docMk/>
             <pc:sldMk cId="199201543" sldId="269"/>
@@ -1635,7 +3223,7 @@
           </ac:graphicFrameMkLst>
         </pc:graphicFrameChg>
         <pc:graphicFrameChg chg="add mod">
-          <ac:chgData name="Neta Becker" userId="cef0aa30-4247-4db8-9bc0-d63efc0d3a53" providerId="ADAL" clId="{8E39725F-6EEF-4D4D-92C3-0465B79E9629}" dt="2024-05-18T11:48:28.962" v="1629"/>
+          <ac:chgData name="Neta Becker" userId="cef0aa30-4247-4db8-9bc0-d63efc0d3a53" providerId="ADAL" clId="{8E39725F-6EEF-4D4D-92C3-0465B79E9629}" dt="2024-05-19T19:28:36.309" v="1879" actId="20577"/>
           <ac:graphicFrameMkLst>
             <pc:docMk/>
             <pc:sldMk cId="199201543" sldId="269"/>
@@ -2139,1594 +3727,6 @@
             <pc:sldMasterMk cId="1804776256" sldId="2147483874"/>
             <pc:sldLayoutMk cId="1220493620" sldId="2147483886"/>
           </pc:sldLayoutMkLst>
-        </pc:sldLayoutChg>
-      </pc:sldMasterChg>
-    </pc:docChg>
-  </pc:docChgLst>
-  <pc:docChgLst>
-    <pc:chgData name="Neta Becker" userId="cef0aa30-4247-4db8-9bc0-d63efc0d3a53" providerId="ADAL" clId="{F41227B9-745C-4395-9C71-3772E855083B}"/>
-    <pc:docChg chg="undo redo custSel addSld delSld modSld sldOrd">
-      <pc:chgData name="Neta Becker" userId="cef0aa30-4247-4db8-9bc0-d63efc0d3a53" providerId="ADAL" clId="{F41227B9-745C-4395-9C71-3772E855083B}" dt="2024-04-20T09:22:38.819" v="403" actId="20577"/>
-      <pc:docMkLst>
-        <pc:docMk/>
-      </pc:docMkLst>
-      <pc:sldChg chg="modSp mod">
-        <pc:chgData name="Neta Becker" userId="cef0aa30-4247-4db8-9bc0-d63efc0d3a53" providerId="ADAL" clId="{F41227B9-745C-4395-9C71-3772E855083B}" dt="2024-04-20T09:05:12.200" v="33" actId="404"/>
-        <pc:sldMkLst>
-          <pc:docMk/>
-          <pc:sldMk cId="2179648205" sldId="256"/>
-        </pc:sldMkLst>
-        <pc:spChg chg="mod">
-          <ac:chgData name="Neta Becker" userId="cef0aa30-4247-4db8-9bc0-d63efc0d3a53" providerId="ADAL" clId="{F41227B9-745C-4395-9C71-3772E855083B}" dt="2024-04-20T09:05:12.200" v="33" actId="404"/>
-          <ac:spMkLst>
-            <pc:docMk/>
-            <pc:sldMk cId="2179648205" sldId="256"/>
-            <ac:spMk id="2" creationId="{672AD88C-22F7-6099-31A3-259788130B42}"/>
-          </ac:spMkLst>
-        </pc:spChg>
-        <pc:spChg chg="mod">
-          <ac:chgData name="Neta Becker" userId="cef0aa30-4247-4db8-9bc0-d63efc0d3a53" providerId="ADAL" clId="{F41227B9-745C-4395-9C71-3772E855083B}" dt="2024-04-20T09:04:59.482" v="22" actId="20577"/>
-          <ac:spMkLst>
-            <pc:docMk/>
-            <pc:sldMk cId="2179648205" sldId="256"/>
-            <ac:spMk id="3" creationId="{0D89FC02-A4AB-8F19-7B48-608FCF3D55D3}"/>
-          </ac:spMkLst>
-        </pc:spChg>
-        <pc:spChg chg="mod">
-          <ac:chgData name="Neta Becker" userId="cef0aa30-4247-4db8-9bc0-d63efc0d3a53" providerId="ADAL" clId="{F41227B9-745C-4395-9C71-3772E855083B}" dt="2024-04-20T09:04:53.365" v="17" actId="21"/>
-          <ac:spMkLst>
-            <pc:docMk/>
-            <pc:sldMk cId="2179648205" sldId="256"/>
-            <ac:spMk id="4" creationId="{CE588B98-B49F-CE19-44E8-F1BAB7128CA6}"/>
-          </ac:spMkLst>
-        </pc:spChg>
-      </pc:sldChg>
-      <pc:sldChg chg="addSp delSp modSp new mod setBg">
-        <pc:chgData name="Neta Becker" userId="cef0aa30-4247-4db8-9bc0-d63efc0d3a53" providerId="ADAL" clId="{F41227B9-745C-4395-9C71-3772E855083B}" dt="2024-04-20T09:16:24.400" v="303" actId="20577"/>
-        <pc:sldMkLst>
-          <pc:docMk/>
-          <pc:sldMk cId="1769220115" sldId="257"/>
-        </pc:sldMkLst>
-        <pc:spChg chg="mod">
-          <ac:chgData name="Neta Becker" userId="cef0aa30-4247-4db8-9bc0-d63efc0d3a53" providerId="ADAL" clId="{F41227B9-745C-4395-9C71-3772E855083B}" dt="2024-04-20T09:14:00.551" v="259" actId="26606"/>
-          <ac:spMkLst>
-            <pc:docMk/>
-            <pc:sldMk cId="1769220115" sldId="257"/>
-            <ac:spMk id="2" creationId="{BBABCC05-9708-FD2A-9DD0-01CF0D3836F2}"/>
-          </ac:spMkLst>
-        </pc:spChg>
-        <pc:spChg chg="mod">
-          <ac:chgData name="Neta Becker" userId="cef0aa30-4247-4db8-9bc0-d63efc0d3a53" providerId="ADAL" clId="{F41227B9-745C-4395-9C71-3772E855083B}" dt="2024-04-20T09:16:24.400" v="303" actId="20577"/>
-          <ac:spMkLst>
-            <pc:docMk/>
-            <pc:sldMk cId="1769220115" sldId="257"/>
-            <ac:spMk id="3" creationId="{138B8362-48C3-13F0-617A-B8A3256120CA}"/>
-          </ac:spMkLst>
-        </pc:spChg>
-        <pc:spChg chg="add del mod">
-          <ac:chgData name="Neta Becker" userId="cef0aa30-4247-4db8-9bc0-d63efc0d3a53" providerId="ADAL" clId="{F41227B9-745C-4395-9C71-3772E855083B}" dt="2024-04-20T09:15:34.913" v="291" actId="478"/>
-          <ac:spMkLst>
-            <pc:docMk/>
-            <pc:sldMk cId="1769220115" sldId="257"/>
-            <ac:spMk id="4" creationId="{492A418C-EDA6-5C14-CA1B-8B1153793768}"/>
-          </ac:spMkLst>
-        </pc:spChg>
-        <pc:spChg chg="add del mod">
-          <ac:chgData name="Neta Becker" userId="cef0aa30-4247-4db8-9bc0-d63efc0d3a53" providerId="ADAL" clId="{F41227B9-745C-4395-9C71-3772E855083B}" dt="2024-04-20T09:15:35.867" v="292" actId="478"/>
-          <ac:spMkLst>
-            <pc:docMk/>
-            <pc:sldMk cId="1769220115" sldId="257"/>
-            <ac:spMk id="5" creationId="{F52AD1AC-C919-DD06-5AB8-EFA7921D4E7A}"/>
-          </ac:spMkLst>
-        </pc:spChg>
-        <pc:picChg chg="add mod modCrop">
-          <ac:chgData name="Neta Becker" userId="cef0aa30-4247-4db8-9bc0-d63efc0d3a53" providerId="ADAL" clId="{F41227B9-745C-4395-9C71-3772E855083B}" dt="2024-04-20T09:16:08.710" v="302" actId="1076"/>
-          <ac:picMkLst>
-            <pc:docMk/>
-            <pc:sldMk cId="1769220115" sldId="257"/>
-            <ac:picMk id="7" creationId="{5D2567AD-A929-17F9-A858-A92AA2CDC031}"/>
-          </ac:picMkLst>
-        </pc:picChg>
-        <pc:picChg chg="add mod">
-          <ac:chgData name="Neta Becker" userId="cef0aa30-4247-4db8-9bc0-d63efc0d3a53" providerId="ADAL" clId="{F41227B9-745C-4395-9C71-3772E855083B}" dt="2024-04-20T09:13:19.810" v="247" actId="14100"/>
-          <ac:picMkLst>
-            <pc:docMk/>
-            <pc:sldMk cId="1769220115" sldId="257"/>
-            <ac:picMk id="1026" creationId="{4AC9365A-FC03-7DAC-AC59-C7F37271B2CA}"/>
-          </ac:picMkLst>
-        </pc:picChg>
-        <pc:picChg chg="add del mod">
-          <ac:chgData name="Neta Becker" userId="cef0aa30-4247-4db8-9bc0-d63efc0d3a53" providerId="ADAL" clId="{F41227B9-745C-4395-9C71-3772E855083B}" dt="2024-04-20T09:15:32.552" v="290" actId="478"/>
-          <ac:picMkLst>
-            <pc:docMk/>
-            <pc:sldMk cId="1769220115" sldId="257"/>
-            <ac:picMk id="1028" creationId="{73822209-7A05-7768-AD1F-91B7C0E469B0}"/>
-          </ac:picMkLst>
-        </pc:picChg>
-      </pc:sldChg>
-      <pc:sldChg chg="modSp new mod ord">
-        <pc:chgData name="Neta Becker" userId="cef0aa30-4247-4db8-9bc0-d63efc0d3a53" providerId="ADAL" clId="{F41227B9-745C-4395-9C71-3772E855083B}" dt="2024-04-20T09:22:38.819" v="403" actId="20577"/>
-        <pc:sldMkLst>
-          <pc:docMk/>
-          <pc:sldMk cId="4065677750" sldId="258"/>
-        </pc:sldMkLst>
-        <pc:spChg chg="mod">
-          <ac:chgData name="Neta Becker" userId="cef0aa30-4247-4db8-9bc0-d63efc0d3a53" providerId="ADAL" clId="{F41227B9-745C-4395-9C71-3772E855083B}" dt="2024-04-20T09:07:01.867" v="68" actId="20577"/>
-          <ac:spMkLst>
-            <pc:docMk/>
-            <pc:sldMk cId="4065677750" sldId="258"/>
-            <ac:spMk id="2" creationId="{7698AAED-D1FD-B89F-2DA0-BBC929912FFA}"/>
-          </ac:spMkLst>
-        </pc:spChg>
-        <pc:spChg chg="mod">
-          <ac:chgData name="Neta Becker" userId="cef0aa30-4247-4db8-9bc0-d63efc0d3a53" providerId="ADAL" clId="{F41227B9-745C-4395-9C71-3772E855083B}" dt="2024-04-20T09:22:38.819" v="403" actId="20577"/>
-          <ac:spMkLst>
-            <pc:docMk/>
-            <pc:sldMk cId="4065677750" sldId="258"/>
-            <ac:spMk id="3" creationId="{12642EC7-8503-E8AB-52BC-06C912BABE9F}"/>
-          </ac:spMkLst>
-        </pc:spChg>
-      </pc:sldChg>
-      <pc:sldChg chg="new del">
-        <pc:chgData name="Neta Becker" userId="cef0aa30-4247-4db8-9bc0-d63efc0d3a53" providerId="ADAL" clId="{F41227B9-745C-4395-9C71-3772E855083B}" dt="2024-04-20T09:05:25.744" v="35" actId="47"/>
-        <pc:sldMkLst>
-          <pc:docMk/>
-          <pc:sldMk cId="4140540780" sldId="258"/>
-        </pc:sldMkLst>
-      </pc:sldChg>
-    </pc:docChg>
-  </pc:docChgLst>
-  <pc:docChgLst>
-    <pc:chgData name="Neta Becker" userId="cef0aa30-4247-4db8-9bc0-d63efc0d3a53" providerId="ADAL" clId="{82B47B47-6544-4BFE-BA12-49607BE3FA5F}"/>
-    <pc:docChg chg="undo custSel addSld delSld modSld modMainMaster">
-      <pc:chgData name="Neta Becker" userId="cef0aa30-4247-4db8-9bc0-d63efc0d3a53" providerId="ADAL" clId="{82B47B47-6544-4BFE-BA12-49607BE3FA5F}" dt="2024-05-06T09:25:12.371" v="3640"/>
-      <pc:docMkLst>
-        <pc:docMk/>
-      </pc:docMkLst>
-      <pc:sldChg chg="addSp delSp modSp mod setBg setClrOvrMap delDesignElem chgLayout modNotesTx">
-        <pc:chgData name="Neta Becker" userId="cef0aa30-4247-4db8-9bc0-d63efc0d3a53" providerId="ADAL" clId="{82B47B47-6544-4BFE-BA12-49607BE3FA5F}" dt="2024-05-06T09:25:12.371" v="3640"/>
-        <pc:sldMkLst>
-          <pc:docMk/>
-          <pc:sldMk cId="2179648205" sldId="256"/>
-        </pc:sldMkLst>
-        <pc:spChg chg="mod ord">
-          <ac:chgData name="Neta Becker" userId="cef0aa30-4247-4db8-9bc0-d63efc0d3a53" providerId="ADAL" clId="{82B47B47-6544-4BFE-BA12-49607BE3FA5F}" dt="2024-05-06T09:25:10.813" v="3639" actId="26606"/>
-          <ac:spMkLst>
-            <pc:docMk/>
-            <pc:sldMk cId="2179648205" sldId="256"/>
-            <ac:spMk id="2" creationId="{672AD88C-22F7-6099-31A3-259788130B42}"/>
-          </ac:spMkLst>
-        </pc:spChg>
-        <pc:spChg chg="mod ord">
-          <ac:chgData name="Neta Becker" userId="cef0aa30-4247-4db8-9bc0-d63efc0d3a53" providerId="ADAL" clId="{82B47B47-6544-4BFE-BA12-49607BE3FA5F}" dt="2024-05-06T09:25:10.813" v="3639" actId="26606"/>
-          <ac:spMkLst>
-            <pc:docMk/>
-            <pc:sldMk cId="2179648205" sldId="256"/>
-            <ac:spMk id="3" creationId="{0D89FC02-A4AB-8F19-7B48-608FCF3D55D3}"/>
-          </ac:spMkLst>
-        </pc:spChg>
-        <pc:spChg chg="mod">
-          <ac:chgData name="Neta Becker" userId="cef0aa30-4247-4db8-9bc0-d63efc0d3a53" providerId="ADAL" clId="{82B47B47-6544-4BFE-BA12-49607BE3FA5F}" dt="2024-05-01T15:52:35.552" v="2044" actId="1076"/>
-          <ac:spMkLst>
-            <pc:docMk/>
-            <pc:sldMk cId="2179648205" sldId="256"/>
-            <ac:spMk id="4" creationId="{CE588B98-B49F-CE19-44E8-F1BAB7128CA6}"/>
-          </ac:spMkLst>
-        </pc:spChg>
-        <pc:spChg chg="add del">
-          <ac:chgData name="Neta Becker" userId="cef0aa30-4247-4db8-9bc0-d63efc0d3a53" providerId="ADAL" clId="{82B47B47-6544-4BFE-BA12-49607BE3FA5F}" dt="2024-05-06T09:25:12.371" v="3640"/>
-          <ac:spMkLst>
-            <pc:docMk/>
-            <pc:sldMk cId="2179648205" sldId="256"/>
-            <ac:spMk id="7" creationId="{4BA0C938-1486-4635-9F6C-44D521FA6A4E}"/>
-          </ac:spMkLst>
-        </pc:spChg>
-        <pc:spChg chg="add del">
-          <ac:chgData name="Neta Becker" userId="cef0aa30-4247-4db8-9bc0-d63efc0d3a53" providerId="ADAL" clId="{82B47B47-6544-4BFE-BA12-49607BE3FA5F}" dt="2024-05-06T09:25:12.371" v="3640"/>
-          <ac:spMkLst>
-            <pc:docMk/>
-            <pc:sldMk cId="2179648205" sldId="256"/>
-            <ac:spMk id="8" creationId="{942A7ABB-6A86-4A02-A072-FA82CDCE533C}"/>
-          </ac:spMkLst>
-        </pc:spChg>
-        <pc:spChg chg="add del">
-          <ac:chgData name="Neta Becker" userId="cef0aa30-4247-4db8-9bc0-d63efc0d3a53" providerId="ADAL" clId="{82B47B47-6544-4BFE-BA12-49607BE3FA5F}" dt="2024-05-01T19:13:07.840" v="2180"/>
-          <ac:spMkLst>
-            <pc:docMk/>
-            <pc:sldMk cId="2179648205" sldId="256"/>
-            <ac:spMk id="9" creationId="{9179DE42-5613-4B35-A1E6-6CCBAA13C743}"/>
-          </ac:spMkLst>
-        </pc:spChg>
-        <pc:spChg chg="add del">
-          <ac:chgData name="Neta Becker" userId="cef0aa30-4247-4db8-9bc0-d63efc0d3a53" providerId="ADAL" clId="{82B47B47-6544-4BFE-BA12-49607BE3FA5F}" dt="2024-05-06T09:24:25.705" v="3634" actId="26606"/>
-          <ac:spMkLst>
-            <pc:docMk/>
-            <pc:sldMk cId="2179648205" sldId="256"/>
-            <ac:spMk id="12" creationId="{1579DD07-B6CD-4C04-8A4A-3B92CE8C8A31}"/>
-          </ac:spMkLst>
-        </pc:spChg>
-        <pc:spChg chg="add del">
-          <ac:chgData name="Neta Becker" userId="cef0aa30-4247-4db8-9bc0-d63efc0d3a53" providerId="ADAL" clId="{82B47B47-6544-4BFE-BA12-49607BE3FA5F}" dt="2024-05-06T09:24:25.705" v="3634" actId="26606"/>
-          <ac:spMkLst>
-            <pc:docMk/>
-            <pc:sldMk cId="2179648205" sldId="256"/>
-            <ac:spMk id="14" creationId="{36A995F0-906C-4573-A739-16EED217D852}"/>
-          </ac:spMkLst>
-        </pc:spChg>
-        <pc:spChg chg="add del">
-          <ac:chgData name="Neta Becker" userId="cef0aa30-4247-4db8-9bc0-d63efc0d3a53" providerId="ADAL" clId="{82B47B47-6544-4BFE-BA12-49607BE3FA5F}" dt="2024-05-01T19:13:07.840" v="2180"/>
-          <ac:spMkLst>
-            <pc:docMk/>
-            <pc:sldMk cId="2179648205" sldId="256"/>
-            <ac:spMk id="15" creationId="{52FB45E9-914E-4471-AC87-E475CD51767D}"/>
-          </ac:spMkLst>
-        </pc:spChg>
-        <pc:spChg chg="add del">
-          <ac:chgData name="Neta Becker" userId="cef0aa30-4247-4db8-9bc0-d63efc0d3a53" providerId="ADAL" clId="{82B47B47-6544-4BFE-BA12-49607BE3FA5F}" dt="2024-05-01T19:13:07.840" v="2180"/>
-          <ac:spMkLst>
-            <pc:docMk/>
-            <pc:sldMk cId="2179648205" sldId="256"/>
-            <ac:spMk id="17" creationId="{C310626D-5743-49D4-8F7D-88C4F8F05774}"/>
-          </ac:spMkLst>
-        </pc:spChg>
-        <pc:spChg chg="add del">
-          <ac:chgData name="Neta Becker" userId="cef0aa30-4247-4db8-9bc0-d63efc0d3a53" providerId="ADAL" clId="{82B47B47-6544-4BFE-BA12-49607BE3FA5F}" dt="2024-05-06T09:25:10.813" v="3639" actId="26606"/>
-          <ac:spMkLst>
-            <pc:docMk/>
-            <pc:sldMk cId="2179648205" sldId="256"/>
-            <ac:spMk id="18" creationId="{1579DD07-B6CD-4C04-8A4A-3B92CE8C8A31}"/>
-          </ac:spMkLst>
-        </pc:spChg>
-        <pc:spChg chg="add del">
-          <ac:chgData name="Neta Becker" userId="cef0aa30-4247-4db8-9bc0-d63efc0d3a53" providerId="ADAL" clId="{82B47B47-6544-4BFE-BA12-49607BE3FA5F}" dt="2024-05-01T19:13:07.840" v="2180"/>
-          <ac:spMkLst>
-            <pc:docMk/>
-            <pc:sldMk cId="2179648205" sldId="256"/>
-            <ac:spMk id="19" creationId="{3C195FC1-B568-4C72-9902-34CB35DDD7A1}"/>
-          </ac:spMkLst>
-        </pc:spChg>
-        <pc:spChg chg="add del">
-          <ac:chgData name="Neta Becker" userId="cef0aa30-4247-4db8-9bc0-d63efc0d3a53" providerId="ADAL" clId="{82B47B47-6544-4BFE-BA12-49607BE3FA5F}" dt="2024-05-06T09:25:10.813" v="3639" actId="26606"/>
-          <ac:spMkLst>
-            <pc:docMk/>
-            <pc:sldMk cId="2179648205" sldId="256"/>
-            <ac:spMk id="20" creationId="{36A995F0-906C-4573-A739-16EED217D852}"/>
-          </ac:spMkLst>
-        </pc:spChg>
-        <pc:spChg chg="add del">
-          <ac:chgData name="Neta Becker" userId="cef0aa30-4247-4db8-9bc0-d63efc0d3a53" providerId="ADAL" clId="{82B47B47-6544-4BFE-BA12-49607BE3FA5F}" dt="2024-05-01T19:13:07.840" v="2180"/>
-          <ac:spMkLst>
-            <pc:docMk/>
-            <pc:sldMk cId="2179648205" sldId="256"/>
-            <ac:spMk id="21" creationId="{EF2BDF77-362C-43F0-8CBB-A969EC2AE0C4}"/>
-          </ac:spMkLst>
-        </pc:spChg>
-        <pc:spChg chg="add del">
-          <ac:chgData name="Neta Becker" userId="cef0aa30-4247-4db8-9bc0-d63efc0d3a53" providerId="ADAL" clId="{82B47B47-6544-4BFE-BA12-49607BE3FA5F}" dt="2024-05-01T19:13:07.840" v="2180"/>
-          <ac:spMkLst>
-            <pc:docMk/>
-            <pc:sldMk cId="2179648205" sldId="256"/>
-            <ac:spMk id="23" creationId="{4BE96B01-3929-432D-B8C2-ADBCB74C2EF4}"/>
-          </ac:spMkLst>
-        </pc:spChg>
-        <pc:spChg chg="add del">
-          <ac:chgData name="Neta Becker" userId="cef0aa30-4247-4db8-9bc0-d63efc0d3a53" providerId="ADAL" clId="{82B47B47-6544-4BFE-BA12-49607BE3FA5F}" dt="2024-05-01T19:13:07.840" v="2180"/>
-          <ac:spMkLst>
-            <pc:docMk/>
-            <pc:sldMk cId="2179648205" sldId="256"/>
-            <ac:spMk id="25" creationId="{2A6FCDE6-CDE2-4C51-B18E-A95CFB679714}"/>
-          </ac:spMkLst>
-        </pc:spChg>
-        <pc:spChg chg="add del">
-          <ac:chgData name="Neta Becker" userId="cef0aa30-4247-4db8-9bc0-d63efc0d3a53" providerId="ADAL" clId="{82B47B47-6544-4BFE-BA12-49607BE3FA5F}" dt="2024-05-01T19:13:07.840" v="2180"/>
-          <ac:spMkLst>
-            <pc:docMk/>
-            <pc:sldMk cId="2179648205" sldId="256"/>
-            <ac:spMk id="27" creationId="{9D2E8756-2465-473A-BA2A-2DB1D6224745}"/>
-          </ac:spMkLst>
-        </pc:spChg>
-        <pc:picChg chg="add del mod">
-          <ac:chgData name="Neta Becker" userId="cef0aa30-4247-4db8-9bc0-d63efc0d3a53" providerId="ADAL" clId="{82B47B47-6544-4BFE-BA12-49607BE3FA5F}" dt="2024-05-01T19:21:07.300" v="2444" actId="478"/>
-          <ac:picMkLst>
-            <pc:docMk/>
-            <pc:sldMk cId="2179648205" sldId="256"/>
-            <ac:picMk id="6" creationId="{4D63A7AA-D769-0846-8117-5E9FEE32461E}"/>
-          </ac:picMkLst>
-        </pc:picChg>
-        <pc:cxnChg chg="add del">
-          <ac:chgData name="Neta Becker" userId="cef0aa30-4247-4db8-9bc0-d63efc0d3a53" providerId="ADAL" clId="{82B47B47-6544-4BFE-BA12-49607BE3FA5F}" dt="2024-05-06T09:25:12.371" v="3640"/>
-          <ac:cxnSpMkLst>
-            <pc:docMk/>
-            <pc:sldMk cId="2179648205" sldId="256"/>
-            <ac:cxnSpMk id="10" creationId="{B6916720-6D22-4D4B-BC19-23008C7DD487}"/>
-          </ac:cxnSpMkLst>
-        </pc:cxnChg>
-        <pc:cxnChg chg="add del">
-          <ac:chgData name="Neta Becker" userId="cef0aa30-4247-4db8-9bc0-d63efc0d3a53" providerId="ADAL" clId="{82B47B47-6544-4BFE-BA12-49607BE3FA5F}" dt="2024-05-01T19:13:07.840" v="2180"/>
-          <ac:cxnSpMkLst>
-            <pc:docMk/>
-            <pc:sldMk cId="2179648205" sldId="256"/>
-            <ac:cxnSpMk id="11" creationId="{EB898B32-3891-4C3A-8F58-C5969D2E9033}"/>
-          </ac:cxnSpMkLst>
-        </pc:cxnChg>
-        <pc:cxnChg chg="add del">
-          <ac:chgData name="Neta Becker" userId="cef0aa30-4247-4db8-9bc0-d63efc0d3a53" providerId="ADAL" clId="{82B47B47-6544-4BFE-BA12-49607BE3FA5F}" dt="2024-05-01T19:13:07.840" v="2180"/>
-          <ac:cxnSpMkLst>
-            <pc:docMk/>
-            <pc:sldMk cId="2179648205" sldId="256"/>
-            <ac:cxnSpMk id="13" creationId="{4AE4806D-B8F9-4679-A68A-9BD21C01A301}"/>
-          </ac:cxnSpMkLst>
-        </pc:cxnChg>
-        <pc:cxnChg chg="add del">
-          <ac:chgData name="Neta Becker" userId="cef0aa30-4247-4db8-9bc0-d63efc0d3a53" providerId="ADAL" clId="{82B47B47-6544-4BFE-BA12-49607BE3FA5F}" dt="2024-05-06T09:24:25.705" v="3634" actId="26606"/>
-          <ac:cxnSpMkLst>
-            <pc:docMk/>
-            <pc:sldMk cId="2179648205" sldId="256"/>
-            <ac:cxnSpMk id="16" creationId="{C3F5F06D-7250-43A5-9B61-0B7F1FD7E395}"/>
-          </ac:cxnSpMkLst>
-        </pc:cxnChg>
-        <pc:cxnChg chg="add del">
-          <ac:chgData name="Neta Becker" userId="cef0aa30-4247-4db8-9bc0-d63efc0d3a53" providerId="ADAL" clId="{82B47B47-6544-4BFE-BA12-49607BE3FA5F}" dt="2024-05-06T09:25:10.813" v="3639" actId="26606"/>
-          <ac:cxnSpMkLst>
-            <pc:docMk/>
-            <pc:sldMk cId="2179648205" sldId="256"/>
-            <ac:cxnSpMk id="22" creationId="{C3F5F06D-7250-43A5-9B61-0B7F1FD7E395}"/>
-          </ac:cxnSpMkLst>
-        </pc:cxnChg>
-      </pc:sldChg>
-      <pc:sldChg chg="addSp delSp modSp mod modNotesTx">
-        <pc:chgData name="Neta Becker" userId="cef0aa30-4247-4db8-9bc0-d63efc0d3a53" providerId="ADAL" clId="{82B47B47-6544-4BFE-BA12-49607BE3FA5F}" dt="2024-05-06T09:22:55.695" v="3621" actId="207"/>
-        <pc:sldMkLst>
-          <pc:docMk/>
-          <pc:sldMk cId="1769220115" sldId="257"/>
-        </pc:sldMkLst>
-        <pc:spChg chg="mod">
-          <ac:chgData name="Neta Becker" userId="cef0aa30-4247-4db8-9bc0-d63efc0d3a53" providerId="ADAL" clId="{82B47B47-6544-4BFE-BA12-49607BE3FA5F}" dt="2024-05-02T16:24:30.096" v="3341" actId="20577"/>
-          <ac:spMkLst>
-            <pc:docMk/>
-            <pc:sldMk cId="1769220115" sldId="257"/>
-            <ac:spMk id="2" creationId="{BBABCC05-9708-FD2A-9DD0-01CF0D3836F2}"/>
-          </ac:spMkLst>
-        </pc:spChg>
-        <pc:spChg chg="mod">
-          <ac:chgData name="Neta Becker" userId="cef0aa30-4247-4db8-9bc0-d63efc0d3a53" providerId="ADAL" clId="{82B47B47-6544-4BFE-BA12-49607BE3FA5F}" dt="2024-05-02T16:18:07.386" v="3330" actId="5793"/>
-          <ac:spMkLst>
-            <pc:docMk/>
-            <pc:sldMk cId="1769220115" sldId="257"/>
-            <ac:spMk id="3" creationId="{138B8362-48C3-13F0-617A-B8A3256120CA}"/>
-          </ac:spMkLst>
-        </pc:spChg>
-        <pc:spChg chg="add mod">
-          <ac:chgData name="Neta Becker" userId="cef0aa30-4247-4db8-9bc0-d63efc0d3a53" providerId="ADAL" clId="{82B47B47-6544-4BFE-BA12-49607BE3FA5F}" dt="2024-05-06T09:22:55.695" v="3621" actId="207"/>
-          <ac:spMkLst>
-            <pc:docMk/>
-            <pc:sldMk cId="1769220115" sldId="257"/>
-            <ac:spMk id="4" creationId="{F3482219-5777-CBB4-8E30-F4C29866D366}"/>
-          </ac:spMkLst>
-        </pc:spChg>
-        <pc:spChg chg="add mod">
-          <ac:chgData name="Neta Becker" userId="cef0aa30-4247-4db8-9bc0-d63efc0d3a53" providerId="ADAL" clId="{82B47B47-6544-4BFE-BA12-49607BE3FA5F}" dt="2024-05-06T09:20:43.242" v="3611"/>
-          <ac:spMkLst>
-            <pc:docMk/>
-            <pc:sldMk cId="1769220115" sldId="257"/>
-            <ac:spMk id="5" creationId="{6BDEEF3C-D978-344A-EBED-87588AACCC05}"/>
-          </ac:spMkLst>
-        </pc:spChg>
-        <pc:picChg chg="add del mod">
-          <ac:chgData name="Neta Becker" userId="cef0aa30-4247-4db8-9bc0-d63efc0d3a53" providerId="ADAL" clId="{82B47B47-6544-4BFE-BA12-49607BE3FA5F}" dt="2024-05-02T16:18:08.821" v="3331" actId="478"/>
-          <ac:picMkLst>
-            <pc:docMk/>
-            <pc:sldMk cId="1769220115" sldId="257"/>
-            <ac:picMk id="4" creationId="{B071C4F8-BD2C-C229-CA6F-785524D588D0}"/>
-          </ac:picMkLst>
-        </pc:picChg>
-        <pc:picChg chg="del">
-          <ac:chgData name="Neta Becker" userId="cef0aa30-4247-4db8-9bc0-d63efc0d3a53" providerId="ADAL" clId="{82B47B47-6544-4BFE-BA12-49607BE3FA5F}" dt="2024-04-29T18:17:01.148" v="358" actId="21"/>
-          <ac:picMkLst>
-            <pc:docMk/>
-            <pc:sldMk cId="1769220115" sldId="257"/>
-            <ac:picMk id="7" creationId="{5D2567AD-A929-17F9-A858-A92AA2CDC031}"/>
-          </ac:picMkLst>
-        </pc:picChg>
-      </pc:sldChg>
-      <pc:sldChg chg="del mod modShow">
-        <pc:chgData name="Neta Becker" userId="cef0aa30-4247-4db8-9bc0-d63efc0d3a53" providerId="ADAL" clId="{82B47B47-6544-4BFE-BA12-49607BE3FA5F}" dt="2024-04-29T18:10:11.973" v="67" actId="47"/>
-        <pc:sldMkLst>
-          <pc:docMk/>
-          <pc:sldMk cId="4065677750" sldId="258"/>
-        </pc:sldMkLst>
-      </pc:sldChg>
-      <pc:sldChg chg="addSp delSp modSp new del mod setBg delDesignElem modShow modNotesTx">
-        <pc:chgData name="Neta Becker" userId="cef0aa30-4247-4db8-9bc0-d63efc0d3a53" providerId="ADAL" clId="{82B47B47-6544-4BFE-BA12-49607BE3FA5F}" dt="2024-05-02T16:51:30.809" v="3432" actId="2696"/>
-        <pc:sldMkLst>
-          <pc:docMk/>
-          <pc:sldMk cId="2356026510" sldId="259"/>
-        </pc:sldMkLst>
-        <pc:spChg chg="mod">
-          <ac:chgData name="Neta Becker" userId="cef0aa30-4247-4db8-9bc0-d63efc0d3a53" providerId="ADAL" clId="{82B47B47-6544-4BFE-BA12-49607BE3FA5F}" dt="2024-05-02T16:24:50.723" v="3361" actId="20577"/>
-          <ac:spMkLst>
-            <pc:docMk/>
-            <pc:sldMk cId="2356026510" sldId="259"/>
-            <ac:spMk id="2" creationId="{559A5026-460D-BD7D-3D3D-195155927D0F}"/>
-          </ac:spMkLst>
-        </pc:spChg>
-        <pc:spChg chg="del mod">
-          <ac:chgData name="Neta Becker" userId="cef0aa30-4247-4db8-9bc0-d63efc0d3a53" providerId="ADAL" clId="{82B47B47-6544-4BFE-BA12-49607BE3FA5F}" dt="2024-05-01T15:50:41.746" v="2035" actId="26606"/>
-          <ac:spMkLst>
-            <pc:docMk/>
-            <pc:sldMk cId="2356026510" sldId="259"/>
-            <ac:spMk id="3" creationId="{3FD159A2-1020-D396-98CD-4E7FF11F8210}"/>
-          </ac:spMkLst>
-        </pc:spChg>
-        <pc:spChg chg="add del">
-          <ac:chgData name="Neta Becker" userId="cef0aa30-4247-4db8-9bc0-d63efc0d3a53" providerId="ADAL" clId="{82B47B47-6544-4BFE-BA12-49607BE3FA5F}" dt="2024-05-01T19:13:07.840" v="2180"/>
-          <ac:spMkLst>
-            <pc:docMk/>
-            <pc:sldMk cId="2356026510" sldId="259"/>
-            <ac:spMk id="9" creationId="{45B71F80-1F92-4074-84D9-16A062B215B3}"/>
-          </ac:spMkLst>
-        </pc:spChg>
-        <pc:spChg chg="add del">
-          <ac:chgData name="Neta Becker" userId="cef0aa30-4247-4db8-9bc0-d63efc0d3a53" providerId="ADAL" clId="{82B47B47-6544-4BFE-BA12-49607BE3FA5F}" dt="2024-05-01T19:13:07.840" v="2180"/>
-          <ac:spMkLst>
-            <pc:docMk/>
-            <pc:sldMk cId="2356026510" sldId="259"/>
-            <ac:spMk id="11" creationId="{7209C9DA-6E0D-46D9-8275-C52222D8CCAC}"/>
-          </ac:spMkLst>
-        </pc:spChg>
-        <pc:spChg chg="add del">
-          <ac:chgData name="Neta Becker" userId="cef0aa30-4247-4db8-9bc0-d63efc0d3a53" providerId="ADAL" clId="{82B47B47-6544-4BFE-BA12-49607BE3FA5F}" dt="2024-05-01T19:13:07.840" v="2180"/>
-          <ac:spMkLst>
-            <pc:docMk/>
-            <pc:sldMk cId="2356026510" sldId="259"/>
-            <ac:spMk id="13" creationId="{3EB57A4D-E0D0-46DA-B339-F24CA46FA70B}"/>
-          </ac:spMkLst>
-        </pc:spChg>
-        <pc:graphicFrameChg chg="add">
-          <ac:chgData name="Neta Becker" userId="cef0aa30-4247-4db8-9bc0-d63efc0d3a53" providerId="ADAL" clId="{82B47B47-6544-4BFE-BA12-49607BE3FA5F}" dt="2024-05-01T15:50:41.746" v="2035" actId="26606"/>
-          <ac:graphicFrameMkLst>
-            <pc:docMk/>
-            <pc:sldMk cId="2356026510" sldId="259"/>
-            <ac:graphicFrameMk id="5" creationId="{1FCDF94E-AA3B-E29B-5DDA-C50CCEA35D5E}"/>
-          </ac:graphicFrameMkLst>
-        </pc:graphicFrameChg>
-      </pc:sldChg>
-      <pc:sldChg chg="addSp modSp new mod modShow modNotesTx">
-        <pc:chgData name="Neta Becker" userId="cef0aa30-4247-4db8-9bc0-d63efc0d3a53" providerId="ADAL" clId="{82B47B47-6544-4BFE-BA12-49607BE3FA5F}" dt="2024-05-06T09:25:12.371" v="3640"/>
-        <pc:sldMkLst>
-          <pc:docMk/>
-          <pc:sldMk cId="2968838544" sldId="260"/>
-        </pc:sldMkLst>
-        <pc:spChg chg="mod">
-          <ac:chgData name="Neta Becker" userId="cef0aa30-4247-4db8-9bc0-d63efc0d3a53" providerId="ADAL" clId="{82B47B47-6544-4BFE-BA12-49607BE3FA5F}" dt="2024-05-06T09:25:12.371" v="3640"/>
-          <ac:spMkLst>
-            <pc:docMk/>
-            <pc:sldMk cId="2968838544" sldId="260"/>
-            <ac:spMk id="2" creationId="{740EF0B2-1FEB-FFA2-67D6-9A5DBB7AADB8}"/>
-          </ac:spMkLst>
-        </pc:spChg>
-        <pc:spChg chg="mod">
-          <ac:chgData name="Neta Becker" userId="cef0aa30-4247-4db8-9bc0-d63efc0d3a53" providerId="ADAL" clId="{82B47B47-6544-4BFE-BA12-49607BE3FA5F}" dt="2024-05-06T09:25:12.371" v="3640"/>
-          <ac:spMkLst>
-            <pc:docMk/>
-            <pc:sldMk cId="2968838544" sldId="260"/>
-            <ac:spMk id="3" creationId="{6D1E74C4-204E-AA3F-084A-12061BF8DF60}"/>
-          </ac:spMkLst>
-        </pc:spChg>
-        <pc:spChg chg="add mod">
-          <ac:chgData name="Neta Becker" userId="cef0aa30-4247-4db8-9bc0-d63efc0d3a53" providerId="ADAL" clId="{82B47B47-6544-4BFE-BA12-49607BE3FA5F}" dt="2024-05-06T09:23:01.090" v="3622" actId="207"/>
-          <ac:spMkLst>
-            <pc:docMk/>
-            <pc:sldMk cId="2968838544" sldId="260"/>
-            <ac:spMk id="4" creationId="{E48DD004-B007-8E13-0D59-7E3DC4EADB0D}"/>
-          </ac:spMkLst>
-        </pc:spChg>
-        <pc:spChg chg="mod">
-          <ac:chgData name="Neta Becker" userId="cef0aa30-4247-4db8-9bc0-d63efc0d3a53" providerId="ADAL" clId="{82B47B47-6544-4BFE-BA12-49607BE3FA5F}" dt="2024-05-06T09:21:00.855" v="3612"/>
-          <ac:spMkLst>
-            <pc:docMk/>
-            <pc:sldMk cId="2968838544" sldId="260"/>
-            <ac:spMk id="7" creationId="{CC540FA7-D374-E7C0-6F6B-CDC99BCCFE75}"/>
-          </ac:spMkLst>
-        </pc:spChg>
-        <pc:spChg chg="mod">
-          <ac:chgData name="Neta Becker" userId="cef0aa30-4247-4db8-9bc0-d63efc0d3a53" providerId="ADAL" clId="{82B47B47-6544-4BFE-BA12-49607BE3FA5F}" dt="2024-05-06T09:21:00.855" v="3612"/>
-          <ac:spMkLst>
-            <pc:docMk/>
-            <pc:sldMk cId="2968838544" sldId="260"/>
-            <ac:spMk id="8" creationId="{7D21A3F0-6C4F-3C0C-A7E1-E936DD406013}"/>
-          </ac:spMkLst>
-        </pc:spChg>
-        <pc:spChg chg="mod">
-          <ac:chgData name="Neta Becker" userId="cef0aa30-4247-4db8-9bc0-d63efc0d3a53" providerId="ADAL" clId="{82B47B47-6544-4BFE-BA12-49607BE3FA5F}" dt="2024-05-06T09:21:00.855" v="3612"/>
-          <ac:spMkLst>
-            <pc:docMk/>
-            <pc:sldMk cId="2968838544" sldId="260"/>
-            <ac:spMk id="9" creationId="{8E1AC6B6-BA36-AA2F-0103-32AF210F60F2}"/>
-          </ac:spMkLst>
-        </pc:spChg>
-        <pc:spChg chg="mod">
-          <ac:chgData name="Neta Becker" userId="cef0aa30-4247-4db8-9bc0-d63efc0d3a53" providerId="ADAL" clId="{82B47B47-6544-4BFE-BA12-49607BE3FA5F}" dt="2024-05-06T09:21:00.855" v="3612"/>
-          <ac:spMkLst>
-            <pc:docMk/>
-            <pc:sldMk cId="2968838544" sldId="260"/>
-            <ac:spMk id="10" creationId="{BA80A8A6-F45F-48BB-E039-EA2C37ECAC9D}"/>
-          </ac:spMkLst>
-        </pc:spChg>
-        <pc:spChg chg="mod">
-          <ac:chgData name="Neta Becker" userId="cef0aa30-4247-4db8-9bc0-d63efc0d3a53" providerId="ADAL" clId="{82B47B47-6544-4BFE-BA12-49607BE3FA5F}" dt="2024-05-06T09:21:00.855" v="3612"/>
-          <ac:spMkLst>
-            <pc:docMk/>
-            <pc:sldMk cId="2968838544" sldId="260"/>
-            <ac:spMk id="11" creationId="{9C8307DB-D17A-217F-2B16-FF21065F1384}"/>
-          </ac:spMkLst>
-        </pc:spChg>
-        <pc:spChg chg="mod">
-          <ac:chgData name="Neta Becker" userId="cef0aa30-4247-4db8-9bc0-d63efc0d3a53" providerId="ADAL" clId="{82B47B47-6544-4BFE-BA12-49607BE3FA5F}" dt="2024-05-06T09:21:00.855" v="3612"/>
-          <ac:spMkLst>
-            <pc:docMk/>
-            <pc:sldMk cId="2968838544" sldId="260"/>
-            <ac:spMk id="12" creationId="{B86F424C-F4BD-721F-7595-A3EEC2AAA38E}"/>
-          </ac:spMkLst>
-        </pc:spChg>
-        <pc:grpChg chg="add mod">
-          <ac:chgData name="Neta Becker" userId="cef0aa30-4247-4db8-9bc0-d63efc0d3a53" providerId="ADAL" clId="{82B47B47-6544-4BFE-BA12-49607BE3FA5F}" dt="2024-05-06T09:21:00.855" v="3612"/>
-          <ac:grpSpMkLst>
-            <pc:docMk/>
-            <pc:sldMk cId="2968838544" sldId="260"/>
-            <ac:grpSpMk id="6" creationId="{42D68D64-2AF4-4DAF-B3FA-22F89910B0E2}"/>
-          </ac:grpSpMkLst>
-        </pc:grpChg>
-        <pc:picChg chg="add mod">
-          <ac:chgData name="Neta Becker" userId="cef0aa30-4247-4db8-9bc0-d63efc0d3a53" providerId="ADAL" clId="{82B47B47-6544-4BFE-BA12-49607BE3FA5F}" dt="2024-05-01T19:14:38.022" v="2187" actId="1076"/>
-          <ac:picMkLst>
-            <pc:docMk/>
-            <pc:sldMk cId="2968838544" sldId="260"/>
-            <ac:picMk id="5" creationId="{B7574A9B-FDE9-E090-222F-BBE808DAF180}"/>
-          </ac:picMkLst>
-        </pc:picChg>
-      </pc:sldChg>
-      <pc:sldChg chg="addSp delSp modSp new mod setBg delDesignElem modNotesTx">
-        <pc:chgData name="Neta Becker" userId="cef0aa30-4247-4db8-9bc0-d63efc0d3a53" providerId="ADAL" clId="{82B47B47-6544-4BFE-BA12-49607BE3FA5F}" dt="2024-05-06T09:23:04.522" v="3623" actId="207"/>
-        <pc:sldMkLst>
-          <pc:docMk/>
-          <pc:sldMk cId="461867753" sldId="261"/>
-        </pc:sldMkLst>
-        <pc:spChg chg="mod">
-          <ac:chgData name="Neta Becker" userId="cef0aa30-4247-4db8-9bc0-d63efc0d3a53" providerId="ADAL" clId="{82B47B47-6544-4BFE-BA12-49607BE3FA5F}" dt="2024-05-01T20:13:54.941" v="3310" actId="20577"/>
-          <ac:spMkLst>
-            <pc:docMk/>
-            <pc:sldMk cId="461867753" sldId="261"/>
-            <ac:spMk id="2" creationId="{27F2BC14-3B96-5B86-2DD7-96DF3F92CEED}"/>
-          </ac:spMkLst>
-        </pc:spChg>
-        <pc:spChg chg="add mod">
-          <ac:chgData name="Neta Becker" userId="cef0aa30-4247-4db8-9bc0-d63efc0d3a53" providerId="ADAL" clId="{82B47B47-6544-4BFE-BA12-49607BE3FA5F}" dt="2024-05-05T16:01:23.603" v="3483" actId="1076"/>
-          <ac:spMkLst>
-            <pc:docMk/>
-            <pc:sldMk cId="461867753" sldId="261"/>
-            <ac:spMk id="3" creationId="{59B13712-2E9B-1174-4923-86AC75DEE9BB}"/>
-          </ac:spMkLst>
-        </pc:spChg>
-        <pc:spChg chg="del mod">
-          <ac:chgData name="Neta Becker" userId="cef0aa30-4247-4db8-9bc0-d63efc0d3a53" providerId="ADAL" clId="{82B47B47-6544-4BFE-BA12-49607BE3FA5F}" dt="2024-05-01T20:00:16.450" v="3059" actId="478"/>
-          <ac:spMkLst>
-            <pc:docMk/>
-            <pc:sldMk cId="461867753" sldId="261"/>
-            <ac:spMk id="3" creationId="{BD3F2A46-25CA-CA6C-D366-BD52A7267B03}"/>
-          </ac:spMkLst>
-        </pc:spChg>
-        <pc:spChg chg="add mod">
-          <ac:chgData name="Neta Becker" userId="cef0aa30-4247-4db8-9bc0-d63efc0d3a53" providerId="ADAL" clId="{82B47B47-6544-4BFE-BA12-49607BE3FA5F}" dt="2024-05-05T16:01:33.158" v="3487" actId="20577"/>
-          <ac:spMkLst>
-            <pc:docMk/>
-            <pc:sldMk cId="461867753" sldId="261"/>
-            <ac:spMk id="4" creationId="{14003EA2-3B99-CDA1-CB5E-4030F5CE842D}"/>
-          </ac:spMkLst>
-        </pc:spChg>
-        <pc:spChg chg="add mod">
-          <ac:chgData name="Neta Becker" userId="cef0aa30-4247-4db8-9bc0-d63efc0d3a53" providerId="ADAL" clId="{82B47B47-6544-4BFE-BA12-49607BE3FA5F}" dt="2024-05-05T16:01:50.775" v="3500" actId="20577"/>
-          <ac:spMkLst>
-            <pc:docMk/>
-            <pc:sldMk cId="461867753" sldId="261"/>
-            <ac:spMk id="6" creationId="{3F639773-BE76-38E2-3AC3-3443D2BF61F2}"/>
-          </ac:spMkLst>
-        </pc:spChg>
-        <pc:spChg chg="add mod">
-          <ac:chgData name="Neta Becker" userId="cef0aa30-4247-4db8-9bc0-d63efc0d3a53" providerId="ADAL" clId="{82B47B47-6544-4BFE-BA12-49607BE3FA5F}" dt="2024-05-05T16:02:11.610" v="3504" actId="20577"/>
-          <ac:spMkLst>
-            <pc:docMk/>
-            <pc:sldMk cId="461867753" sldId="261"/>
-            <ac:spMk id="7" creationId="{824600E3-9A04-D1A5-D7D3-A94281884CFC}"/>
-          </ac:spMkLst>
-        </pc:spChg>
-        <pc:spChg chg="add mod">
-          <ac:chgData name="Neta Becker" userId="cef0aa30-4247-4db8-9bc0-d63efc0d3a53" providerId="ADAL" clId="{82B47B47-6544-4BFE-BA12-49607BE3FA5F}" dt="2024-05-05T16:02:13.806" v="3506" actId="20577"/>
-          <ac:spMkLst>
-            <pc:docMk/>
-            <pc:sldMk cId="461867753" sldId="261"/>
-            <ac:spMk id="8" creationId="{E7F835B6-7E92-E8DB-554C-37E3CDDE2DDC}"/>
-          </ac:spMkLst>
-        </pc:spChg>
-        <pc:spChg chg="add mod">
-          <ac:chgData name="Neta Becker" userId="cef0aa30-4247-4db8-9bc0-d63efc0d3a53" providerId="ADAL" clId="{82B47B47-6544-4BFE-BA12-49607BE3FA5F}" dt="2024-05-05T16:02:16.750" v="3508" actId="20577"/>
-          <ac:spMkLst>
-            <pc:docMk/>
-            <pc:sldMk cId="461867753" sldId="261"/>
-            <ac:spMk id="9" creationId="{7CF1D10C-B56D-85EE-4D7F-2B2129E28E27}"/>
-          </ac:spMkLst>
-        </pc:spChg>
-        <pc:spChg chg="add del">
-          <ac:chgData name="Neta Becker" userId="cef0aa30-4247-4db8-9bc0-d63efc0d3a53" providerId="ADAL" clId="{82B47B47-6544-4BFE-BA12-49607BE3FA5F}" dt="2024-05-01T20:00:37.445" v="3062" actId="26606"/>
-          <ac:spMkLst>
-            <pc:docMk/>
-            <pc:sldMk cId="461867753" sldId="261"/>
-            <ac:spMk id="10" creationId="{7624DB4B-273D-4F37-AD77-7818C762DC43}"/>
-          </ac:spMkLst>
-        </pc:spChg>
-        <pc:spChg chg="add del">
-          <ac:chgData name="Neta Becker" userId="cef0aa30-4247-4db8-9bc0-d63efc0d3a53" providerId="ADAL" clId="{82B47B47-6544-4BFE-BA12-49607BE3FA5F}" dt="2024-05-01T20:00:37.445" v="3062" actId="26606"/>
-          <ac:spMkLst>
-            <pc:docMk/>
-            <pc:sldMk cId="461867753" sldId="261"/>
-            <ac:spMk id="12" creationId="{0AACDBA6-CFDF-49EC-8008-46FD62C4600E}"/>
-          </ac:spMkLst>
-        </pc:spChg>
-        <pc:spChg chg="add mod">
-          <ac:chgData name="Neta Becker" userId="cef0aa30-4247-4db8-9bc0-d63efc0d3a53" providerId="ADAL" clId="{82B47B47-6544-4BFE-BA12-49607BE3FA5F}" dt="2024-05-06T09:23:04.522" v="3623" actId="207"/>
-          <ac:spMkLst>
-            <pc:docMk/>
-            <pc:sldMk cId="461867753" sldId="261"/>
-            <ac:spMk id="14" creationId="{A1ADE3B4-1024-E165-569C-B54122EF68C3}"/>
-          </ac:spMkLst>
-        </pc:spChg>
-        <pc:spChg chg="add del">
-          <ac:chgData name="Neta Becker" userId="cef0aa30-4247-4db8-9bc0-d63efc0d3a53" providerId="ADAL" clId="{82B47B47-6544-4BFE-BA12-49607BE3FA5F}" dt="2024-05-01T20:00:37.445" v="3062" actId="26606"/>
-          <ac:spMkLst>
-            <pc:docMk/>
-            <pc:sldMk cId="461867753" sldId="261"/>
-            <ac:spMk id="16" creationId="{50367A81-30BE-4382-AC54-91DE34827C54}"/>
-          </ac:spMkLst>
-        </pc:spChg>
-        <pc:spChg chg="mod">
-          <ac:chgData name="Neta Becker" userId="cef0aa30-4247-4db8-9bc0-d63efc0d3a53" providerId="ADAL" clId="{82B47B47-6544-4BFE-BA12-49607BE3FA5F}" dt="2024-05-06T09:21:06.652" v="3613"/>
-          <ac:spMkLst>
-            <pc:docMk/>
-            <pc:sldMk cId="461867753" sldId="261"/>
-            <ac:spMk id="18" creationId="{6C428213-4A02-E17F-1BF5-50279389432E}"/>
-          </ac:spMkLst>
-        </pc:spChg>
-        <pc:spChg chg="mod">
-          <ac:chgData name="Neta Becker" userId="cef0aa30-4247-4db8-9bc0-d63efc0d3a53" providerId="ADAL" clId="{82B47B47-6544-4BFE-BA12-49607BE3FA5F}" dt="2024-05-06T09:21:06.652" v="3613"/>
-          <ac:spMkLst>
-            <pc:docMk/>
-            <pc:sldMk cId="461867753" sldId="261"/>
-            <ac:spMk id="19" creationId="{E0A0FAD6-7401-B9B4-5DB1-54DBCDE9057B}"/>
-          </ac:spMkLst>
-        </pc:spChg>
-        <pc:spChg chg="add del">
-          <ac:chgData name="Neta Becker" userId="cef0aa30-4247-4db8-9bc0-d63efc0d3a53" providerId="ADAL" clId="{82B47B47-6544-4BFE-BA12-49607BE3FA5F}" dt="2024-05-05T19:20:09.656" v="3599"/>
-          <ac:spMkLst>
-            <pc:docMk/>
-            <pc:sldMk cId="461867753" sldId="261"/>
-            <ac:spMk id="21" creationId="{6EAAB671-E1B2-4834-B3F6-E0A2D3BE861F}"/>
-          </ac:spMkLst>
-        </pc:spChg>
-        <pc:spChg chg="add del">
-          <ac:chgData name="Neta Becker" userId="cef0aa30-4247-4db8-9bc0-d63efc0d3a53" providerId="ADAL" clId="{82B47B47-6544-4BFE-BA12-49607BE3FA5F}" dt="2024-05-05T19:20:09.656" v="3599"/>
-          <ac:spMkLst>
-            <pc:docMk/>
-            <pc:sldMk cId="461867753" sldId="261"/>
-            <ac:spMk id="22" creationId="{389FFE7C-E583-49D7-B92E-1EC8D6D4FC8F}"/>
-          </ac:spMkLst>
-        </pc:spChg>
-        <pc:spChg chg="add del">
-          <ac:chgData name="Neta Becker" userId="cef0aa30-4247-4db8-9bc0-d63efc0d3a53" providerId="ADAL" clId="{82B47B47-6544-4BFE-BA12-49607BE3FA5F}" dt="2024-05-05T19:20:09.656" v="3599"/>
-          <ac:spMkLst>
-            <pc:docMk/>
-            <pc:sldMk cId="461867753" sldId="261"/>
-            <ac:spMk id="23" creationId="{D0D2945E-06BB-4ED7-B357-30CA7211CF17}"/>
-          </ac:spMkLst>
-        </pc:spChg>
-        <pc:spChg chg="mod">
-          <ac:chgData name="Neta Becker" userId="cef0aa30-4247-4db8-9bc0-d63efc0d3a53" providerId="ADAL" clId="{82B47B47-6544-4BFE-BA12-49607BE3FA5F}" dt="2024-05-06T09:21:06.652" v="3613"/>
-          <ac:spMkLst>
-            <pc:docMk/>
-            <pc:sldMk cId="461867753" sldId="261"/>
-            <ac:spMk id="25" creationId="{DE5736CF-33FB-19AA-1EA5-91659DAF5A45}"/>
-          </ac:spMkLst>
-        </pc:spChg>
-        <pc:spChg chg="mod">
-          <ac:chgData name="Neta Becker" userId="cef0aa30-4247-4db8-9bc0-d63efc0d3a53" providerId="ADAL" clId="{82B47B47-6544-4BFE-BA12-49607BE3FA5F}" dt="2024-05-06T09:21:06.652" v="3613"/>
-          <ac:spMkLst>
-            <pc:docMk/>
-            <pc:sldMk cId="461867753" sldId="261"/>
-            <ac:spMk id="27" creationId="{2085121E-5778-FDBD-3122-57459E09E9D9}"/>
-          </ac:spMkLst>
-        </pc:spChg>
-        <pc:spChg chg="mod">
-          <ac:chgData name="Neta Becker" userId="cef0aa30-4247-4db8-9bc0-d63efc0d3a53" providerId="ADAL" clId="{82B47B47-6544-4BFE-BA12-49607BE3FA5F}" dt="2024-05-06T09:21:06.652" v="3613"/>
-          <ac:spMkLst>
-            <pc:docMk/>
-            <pc:sldMk cId="461867753" sldId="261"/>
-            <ac:spMk id="28" creationId="{8BEE8248-D2F5-3601-7EA3-AB96036FE23E}"/>
-          </ac:spMkLst>
-        </pc:spChg>
-        <pc:spChg chg="mod">
-          <ac:chgData name="Neta Becker" userId="cef0aa30-4247-4db8-9bc0-d63efc0d3a53" providerId="ADAL" clId="{82B47B47-6544-4BFE-BA12-49607BE3FA5F}" dt="2024-05-06T09:21:06.652" v="3613"/>
-          <ac:spMkLst>
-            <pc:docMk/>
-            <pc:sldMk cId="461867753" sldId="261"/>
-            <ac:spMk id="29" creationId="{AF44F0EB-F53B-EF98-E56F-789776E41460}"/>
-          </ac:spMkLst>
-        </pc:spChg>
-        <pc:spChg chg="add mod">
-          <ac:chgData name="Neta Becker" userId="cef0aa30-4247-4db8-9bc0-d63efc0d3a53" providerId="ADAL" clId="{82B47B47-6544-4BFE-BA12-49607BE3FA5F}" dt="2024-05-01T20:03:05.220" v="3155" actId="122"/>
-          <ac:spMkLst>
-            <pc:docMk/>
-            <pc:sldMk cId="461867753" sldId="261"/>
-            <ac:spMk id="39" creationId="{5E77387B-4106-F94B-E490-515A6B708E28}"/>
-          </ac:spMkLst>
-        </pc:spChg>
-        <pc:spChg chg="add mod">
-          <ac:chgData name="Neta Becker" userId="cef0aa30-4247-4db8-9bc0-d63efc0d3a53" providerId="ADAL" clId="{82B47B47-6544-4BFE-BA12-49607BE3FA5F}" dt="2024-05-01T20:03:07.790" v="3156" actId="122"/>
-          <ac:spMkLst>
-            <pc:docMk/>
-            <pc:sldMk cId="461867753" sldId="261"/>
-            <ac:spMk id="40" creationId="{2885E57A-1E18-A693-DF51-361DEDCF79DF}"/>
-          </ac:spMkLst>
-        </pc:spChg>
-        <pc:spChg chg="add del mod">
-          <ac:chgData name="Neta Becker" userId="cef0aa30-4247-4db8-9bc0-d63efc0d3a53" providerId="ADAL" clId="{82B47B47-6544-4BFE-BA12-49607BE3FA5F}" dt="2024-05-01T20:08:10.618" v="3169" actId="478"/>
-          <ac:spMkLst>
-            <pc:docMk/>
-            <pc:sldMk cId="461867753" sldId="261"/>
-            <ac:spMk id="41" creationId="{E4352FD9-5649-34CA-6ADF-A4B10F9155CE}"/>
-          </ac:spMkLst>
-        </pc:spChg>
-        <pc:spChg chg="add mod">
-          <ac:chgData name="Neta Becker" userId="cef0aa30-4247-4db8-9bc0-d63efc0d3a53" providerId="ADAL" clId="{82B47B47-6544-4BFE-BA12-49607BE3FA5F}" dt="2024-05-01T20:10:52.751" v="3299" actId="27636"/>
-          <ac:spMkLst>
-            <pc:docMk/>
-            <pc:sldMk cId="461867753" sldId="261"/>
-            <ac:spMk id="48" creationId="{DB227C68-2F3D-A754-9C77-58515A28E4A4}"/>
-          </ac:spMkLst>
-        </pc:spChg>
-        <pc:grpChg chg="add mod">
-          <ac:chgData name="Neta Becker" userId="cef0aa30-4247-4db8-9bc0-d63efc0d3a53" providerId="ADAL" clId="{82B47B47-6544-4BFE-BA12-49607BE3FA5F}" dt="2024-05-06T09:21:06.652" v="3613"/>
-          <ac:grpSpMkLst>
-            <pc:docMk/>
-            <pc:sldMk cId="461867753" sldId="261"/>
-            <ac:grpSpMk id="16" creationId="{69F1DC3A-CA80-BB4B-5027-E21F1B0D031B}"/>
-          </ac:grpSpMkLst>
-        </pc:grpChg>
-        <pc:picChg chg="add mod">
-          <ac:chgData name="Neta Becker" userId="cef0aa30-4247-4db8-9bc0-d63efc0d3a53" providerId="ADAL" clId="{82B47B47-6544-4BFE-BA12-49607BE3FA5F}" dt="2024-05-01T20:00:41.063" v="3064" actId="27614"/>
-          <ac:picMkLst>
-            <pc:docMk/>
-            <pc:sldMk cId="461867753" sldId="261"/>
-            <ac:picMk id="5" creationId="{1E83A6E1-0C7A-1426-412D-C8B6F196B100}"/>
-          </ac:picMkLst>
-        </pc:picChg>
-        <pc:cxnChg chg="add del mod">
-          <ac:chgData name="Neta Becker" userId="cef0aa30-4247-4db8-9bc0-d63efc0d3a53" providerId="ADAL" clId="{82B47B47-6544-4BFE-BA12-49607BE3FA5F}" dt="2024-05-01T20:01:06.240" v="3069" actId="478"/>
-          <ac:cxnSpMkLst>
-            <pc:docMk/>
-            <pc:sldMk cId="461867753" sldId="261"/>
-            <ac:cxnSpMk id="7" creationId="{B16113A0-A9CD-FB2A-746D-72D6AE31D88A}"/>
-          </ac:cxnSpMkLst>
-        </pc:cxnChg>
-        <pc:cxnChg chg="add mod">
-          <ac:chgData name="Neta Becker" userId="cef0aa30-4247-4db8-9bc0-d63efc0d3a53" providerId="ADAL" clId="{82B47B47-6544-4BFE-BA12-49607BE3FA5F}" dt="2024-05-05T16:03:09.937" v="3593" actId="1076"/>
-          <ac:cxnSpMkLst>
-            <pc:docMk/>
-            <pc:sldMk cId="461867753" sldId="261"/>
-            <ac:cxnSpMk id="12" creationId="{451DBC3B-C91A-1FBD-A94F-5133C1569AC3}"/>
-          </ac:cxnSpMkLst>
-        </pc:cxnChg>
-        <pc:cxnChg chg="add del">
-          <ac:chgData name="Neta Becker" userId="cef0aa30-4247-4db8-9bc0-d63efc0d3a53" providerId="ADAL" clId="{82B47B47-6544-4BFE-BA12-49607BE3FA5F}" dt="2024-05-01T20:00:37.445" v="3062" actId="26606"/>
-          <ac:cxnSpMkLst>
-            <pc:docMk/>
-            <pc:sldMk cId="461867753" sldId="261"/>
-            <ac:cxnSpMk id="14" creationId="{BA790F5F-7816-441D-BA59-630FDC224E72}"/>
-          </ac:cxnSpMkLst>
-        </pc:cxnChg>
-        <pc:cxnChg chg="add mod">
-          <ac:chgData name="Neta Becker" userId="cef0aa30-4247-4db8-9bc0-d63efc0d3a53" providerId="ADAL" clId="{82B47B47-6544-4BFE-BA12-49607BE3FA5F}" dt="2024-05-01T20:02:16.701" v="3091" actId="1076"/>
-          <ac:cxnSpMkLst>
-            <pc:docMk/>
-            <pc:sldMk cId="461867753" sldId="261"/>
-            <ac:cxnSpMk id="15" creationId="{46242B1B-8544-B736-9FB5-F05BDB0C86B8}"/>
-          </ac:cxnSpMkLst>
-        </pc:cxnChg>
-        <pc:cxnChg chg="add mod">
-          <ac:chgData name="Neta Becker" userId="cef0aa30-4247-4db8-9bc0-d63efc0d3a53" providerId="ADAL" clId="{82B47B47-6544-4BFE-BA12-49607BE3FA5F}" dt="2024-05-01T20:02:16.701" v="3091" actId="1076"/>
-          <ac:cxnSpMkLst>
-            <pc:docMk/>
-            <pc:sldMk cId="461867753" sldId="261"/>
-            <ac:cxnSpMk id="17" creationId="{C7CA7660-175B-A264-1D90-E9D820FF190B}"/>
-          </ac:cxnSpMkLst>
-        </pc:cxnChg>
-        <pc:cxnChg chg="add del">
-          <ac:chgData name="Neta Becker" userId="cef0aa30-4247-4db8-9bc0-d63efc0d3a53" providerId="ADAL" clId="{82B47B47-6544-4BFE-BA12-49607BE3FA5F}" dt="2024-05-01T20:00:37.445" v="3062" actId="26606"/>
-          <ac:cxnSpMkLst>
-            <pc:docMk/>
-            <pc:sldMk cId="461867753" sldId="261"/>
-            <ac:cxnSpMk id="18" creationId="{58E55502-A21B-4709-B554-098027577A9C}"/>
-          </ac:cxnSpMkLst>
-        </pc:cxnChg>
-        <pc:cxnChg chg="add del">
-          <ac:chgData name="Neta Becker" userId="cef0aa30-4247-4db8-9bc0-d63efc0d3a53" providerId="ADAL" clId="{82B47B47-6544-4BFE-BA12-49607BE3FA5F}" dt="2024-05-05T19:20:09.656" v="3599"/>
-          <ac:cxnSpMkLst>
-            <pc:docMk/>
-            <pc:sldMk cId="461867753" sldId="261"/>
-            <ac:cxnSpMk id="20" creationId="{B73DEAEA-BFDB-410C-89E7-02514506C826}"/>
-          </ac:cxnSpMkLst>
-        </pc:cxnChg>
-        <pc:cxnChg chg="add del">
-          <ac:chgData name="Neta Becker" userId="cef0aa30-4247-4db8-9bc0-d63efc0d3a53" providerId="ADAL" clId="{82B47B47-6544-4BFE-BA12-49607BE3FA5F}" dt="2024-05-05T19:20:09.656" v="3599"/>
-          <ac:cxnSpMkLst>
-            <pc:docMk/>
-            <pc:sldMk cId="461867753" sldId="261"/>
-            <ac:cxnSpMk id="24" creationId="{F4C9872C-B3B3-4A61-B20E-F79415F455B3}"/>
-          </ac:cxnSpMkLst>
-        </pc:cxnChg>
-        <pc:cxnChg chg="add mod">
-          <ac:chgData name="Neta Becker" userId="cef0aa30-4247-4db8-9bc0-d63efc0d3a53" providerId="ADAL" clId="{82B47B47-6544-4BFE-BA12-49607BE3FA5F}" dt="2024-05-01T20:02:16.701" v="3091" actId="1076"/>
-          <ac:cxnSpMkLst>
-            <pc:docMk/>
-            <pc:sldMk cId="461867753" sldId="261"/>
-            <ac:cxnSpMk id="26" creationId="{A7E2E51D-36A8-2616-5C64-DB76808F0322}"/>
-          </ac:cxnSpMkLst>
-        </pc:cxnChg>
-        <pc:cxnChg chg="add mod">
-          <ac:chgData name="Neta Becker" userId="cef0aa30-4247-4db8-9bc0-d63efc0d3a53" providerId="ADAL" clId="{82B47B47-6544-4BFE-BA12-49607BE3FA5F}" dt="2024-05-01T20:02:13.080" v="3090" actId="1076"/>
-          <ac:cxnSpMkLst>
-            <pc:docMk/>
-            <pc:sldMk cId="461867753" sldId="261"/>
-            <ac:cxnSpMk id="30" creationId="{99070760-9ABF-8E48-1E00-CE0D6F0399D8}"/>
-          </ac:cxnSpMkLst>
-        </pc:cxnChg>
-        <pc:cxnChg chg="add mod">
-          <ac:chgData name="Neta Becker" userId="cef0aa30-4247-4db8-9bc0-d63efc0d3a53" providerId="ADAL" clId="{82B47B47-6544-4BFE-BA12-49607BE3FA5F}" dt="2024-05-01T20:02:13.080" v="3090" actId="1076"/>
-          <ac:cxnSpMkLst>
-            <pc:docMk/>
-            <pc:sldMk cId="461867753" sldId="261"/>
-            <ac:cxnSpMk id="31" creationId="{3B375C1D-DB6E-1CA9-F6D9-FC395302BE22}"/>
-          </ac:cxnSpMkLst>
-        </pc:cxnChg>
-        <pc:cxnChg chg="add mod">
-          <ac:chgData name="Neta Becker" userId="cef0aa30-4247-4db8-9bc0-d63efc0d3a53" providerId="ADAL" clId="{82B47B47-6544-4BFE-BA12-49607BE3FA5F}" dt="2024-05-01T20:02:13.080" v="3090" actId="1076"/>
-          <ac:cxnSpMkLst>
-            <pc:docMk/>
-            <pc:sldMk cId="461867753" sldId="261"/>
-            <ac:cxnSpMk id="32" creationId="{4B0DD588-5D13-6452-B540-53ACF5B31763}"/>
-          </ac:cxnSpMkLst>
-        </pc:cxnChg>
-        <pc:cxnChg chg="add del mod ord">
-          <ac:chgData name="Neta Becker" userId="cef0aa30-4247-4db8-9bc0-d63efc0d3a53" providerId="ADAL" clId="{82B47B47-6544-4BFE-BA12-49607BE3FA5F}" dt="2024-05-05T16:02:44.978" v="3514" actId="478"/>
-          <ac:cxnSpMkLst>
-            <pc:docMk/>
-            <pc:sldMk cId="461867753" sldId="261"/>
-            <ac:cxnSpMk id="42" creationId="{CE615DB1-75CB-6678-B806-23A37375F4C4}"/>
-          </ac:cxnSpMkLst>
-        </pc:cxnChg>
-        <pc:cxnChg chg="add mod ord">
-          <ac:chgData name="Neta Becker" userId="cef0aa30-4247-4db8-9bc0-d63efc0d3a53" providerId="ADAL" clId="{82B47B47-6544-4BFE-BA12-49607BE3FA5F}" dt="2024-05-05T16:02:34.954" v="3512" actId="14100"/>
-          <ac:cxnSpMkLst>
-            <pc:docMk/>
-            <pc:sldMk cId="461867753" sldId="261"/>
-            <ac:cxnSpMk id="45" creationId="{C0835E53-08FD-E88E-207A-5C35665B6DB5}"/>
-          </ac:cxnSpMkLst>
-        </pc:cxnChg>
-        <pc:cxnChg chg="add mod ord">
-          <ac:chgData name="Neta Becker" userId="cef0aa30-4247-4db8-9bc0-d63efc0d3a53" providerId="ADAL" clId="{82B47B47-6544-4BFE-BA12-49607BE3FA5F}" dt="2024-05-05T16:03:17.761" v="3595" actId="14100"/>
-          <ac:cxnSpMkLst>
-            <pc:docMk/>
-            <pc:sldMk cId="461867753" sldId="261"/>
-            <ac:cxnSpMk id="46" creationId="{DA7708FF-E23A-0C59-6836-A9A7D11BFD5A}"/>
-          </ac:cxnSpMkLst>
-        </pc:cxnChg>
-      </pc:sldChg>
-      <pc:sldChg chg="addSp modSp new mod">
-        <pc:chgData name="Neta Becker" userId="cef0aa30-4247-4db8-9bc0-d63efc0d3a53" providerId="ADAL" clId="{82B47B47-6544-4BFE-BA12-49607BE3FA5F}" dt="2024-05-06T09:25:12.371" v="3640"/>
-        <pc:sldMkLst>
-          <pc:docMk/>
-          <pc:sldMk cId="3063377580" sldId="262"/>
-        </pc:sldMkLst>
-        <pc:spChg chg="mod">
-          <ac:chgData name="Neta Becker" userId="cef0aa30-4247-4db8-9bc0-d63efc0d3a53" providerId="ADAL" clId="{82B47B47-6544-4BFE-BA12-49607BE3FA5F}" dt="2024-05-06T09:25:12.371" v="3640"/>
-          <ac:spMkLst>
-            <pc:docMk/>
-            <pc:sldMk cId="3063377580" sldId="262"/>
-            <ac:spMk id="2" creationId="{6701CDF3-1F26-7CF3-898F-F2B07566BDFF}"/>
-          </ac:spMkLst>
-        </pc:spChg>
-        <pc:spChg chg="mod">
-          <ac:chgData name="Neta Becker" userId="cef0aa30-4247-4db8-9bc0-d63efc0d3a53" providerId="ADAL" clId="{82B47B47-6544-4BFE-BA12-49607BE3FA5F}" dt="2024-05-06T09:25:12.371" v="3640"/>
-          <ac:spMkLst>
-            <pc:docMk/>
-            <pc:sldMk cId="3063377580" sldId="262"/>
-            <ac:spMk id="3" creationId="{79639998-542D-EA12-DA1F-335575519817}"/>
-          </ac:spMkLst>
-        </pc:spChg>
-        <pc:spChg chg="add mod">
-          <ac:chgData name="Neta Becker" userId="cef0aa30-4247-4db8-9bc0-d63efc0d3a53" providerId="ADAL" clId="{82B47B47-6544-4BFE-BA12-49607BE3FA5F}" dt="2024-05-06T09:23:26.295" v="3625" actId="207"/>
-          <ac:spMkLst>
-            <pc:docMk/>
-            <pc:sldMk cId="3063377580" sldId="262"/>
-            <ac:spMk id="4" creationId="{7A60196C-5479-B60B-099D-EC985C4E3F0B}"/>
-          </ac:spMkLst>
-        </pc:spChg>
-        <pc:spChg chg="mod">
-          <ac:chgData name="Neta Becker" userId="cef0aa30-4247-4db8-9bc0-d63efc0d3a53" providerId="ADAL" clId="{82B47B47-6544-4BFE-BA12-49607BE3FA5F}" dt="2024-05-06T09:21:24.489" v="3614"/>
-          <ac:spMkLst>
-            <pc:docMk/>
-            <pc:sldMk cId="3063377580" sldId="262"/>
-            <ac:spMk id="6" creationId="{5CABB30E-1CBC-FAE5-9424-9CC60730F427}"/>
-          </ac:spMkLst>
-        </pc:spChg>
-        <pc:spChg chg="mod">
-          <ac:chgData name="Neta Becker" userId="cef0aa30-4247-4db8-9bc0-d63efc0d3a53" providerId="ADAL" clId="{82B47B47-6544-4BFE-BA12-49607BE3FA5F}" dt="2024-05-06T09:21:24.489" v="3614"/>
-          <ac:spMkLst>
-            <pc:docMk/>
-            <pc:sldMk cId="3063377580" sldId="262"/>
-            <ac:spMk id="7" creationId="{4BA6B998-44ED-4E72-21EB-8D8F0D4A8964}"/>
-          </ac:spMkLst>
-        </pc:spChg>
-        <pc:spChg chg="mod">
-          <ac:chgData name="Neta Becker" userId="cef0aa30-4247-4db8-9bc0-d63efc0d3a53" providerId="ADAL" clId="{82B47B47-6544-4BFE-BA12-49607BE3FA5F}" dt="2024-05-06T09:21:24.489" v="3614"/>
-          <ac:spMkLst>
-            <pc:docMk/>
-            <pc:sldMk cId="3063377580" sldId="262"/>
-            <ac:spMk id="8" creationId="{C910031A-B62C-C935-54EF-D2A038A1AE7E}"/>
-          </ac:spMkLst>
-        </pc:spChg>
-        <pc:grpChg chg="add mod">
-          <ac:chgData name="Neta Becker" userId="cef0aa30-4247-4db8-9bc0-d63efc0d3a53" providerId="ADAL" clId="{82B47B47-6544-4BFE-BA12-49607BE3FA5F}" dt="2024-05-06T09:21:24.489" v="3614"/>
-          <ac:grpSpMkLst>
-            <pc:docMk/>
-            <pc:sldMk cId="3063377580" sldId="262"/>
-            <ac:grpSpMk id="5" creationId="{10FDD71C-3262-2392-83EA-8E8F971ACBBA}"/>
-          </ac:grpSpMkLst>
-        </pc:grpChg>
-      </pc:sldChg>
-      <pc:sldChg chg="modSp new del mod">
-        <pc:chgData name="Neta Becker" userId="cef0aa30-4247-4db8-9bc0-d63efc0d3a53" providerId="ADAL" clId="{82B47B47-6544-4BFE-BA12-49607BE3FA5F}" dt="2024-05-02T16:25:14.766" v="3362" actId="47"/>
-        <pc:sldMkLst>
-          <pc:docMk/>
-          <pc:sldMk cId="1257507290" sldId="263"/>
-        </pc:sldMkLst>
-        <pc:spChg chg="mod">
-          <ac:chgData name="Neta Becker" userId="cef0aa30-4247-4db8-9bc0-d63efc0d3a53" providerId="ADAL" clId="{82B47B47-6544-4BFE-BA12-49607BE3FA5F}" dt="2024-05-01T19:14:11.070" v="2186"/>
-          <ac:spMkLst>
-            <pc:docMk/>
-            <pc:sldMk cId="1257507290" sldId="263"/>
-            <ac:spMk id="2" creationId="{2BE72628-6CF8-6063-4C80-8117665D23C7}"/>
-          </ac:spMkLst>
-        </pc:spChg>
-        <pc:spChg chg="mod">
-          <ac:chgData name="Neta Becker" userId="cef0aa30-4247-4db8-9bc0-d63efc0d3a53" providerId="ADAL" clId="{82B47B47-6544-4BFE-BA12-49607BE3FA5F}" dt="2024-05-01T19:14:11.070" v="2186"/>
-          <ac:spMkLst>
-            <pc:docMk/>
-            <pc:sldMk cId="1257507290" sldId="263"/>
-            <ac:spMk id="3" creationId="{7FD7C254-ACC4-6D10-373A-1EC33E904CAD}"/>
-          </ac:spMkLst>
-        </pc:spChg>
-      </pc:sldChg>
-      <pc:sldChg chg="addSp modSp new mod">
-        <pc:chgData name="Neta Becker" userId="cef0aa30-4247-4db8-9bc0-d63efc0d3a53" providerId="ADAL" clId="{82B47B47-6544-4BFE-BA12-49607BE3FA5F}" dt="2024-05-06T09:25:12.371" v="3640"/>
-        <pc:sldMkLst>
-          <pc:docMk/>
-          <pc:sldMk cId="1521044007" sldId="264"/>
-        </pc:sldMkLst>
-        <pc:spChg chg="mod">
-          <ac:chgData name="Neta Becker" userId="cef0aa30-4247-4db8-9bc0-d63efc0d3a53" providerId="ADAL" clId="{82B47B47-6544-4BFE-BA12-49607BE3FA5F}" dt="2024-05-06T09:25:12.371" v="3640"/>
-          <ac:spMkLst>
-            <pc:docMk/>
-            <pc:sldMk cId="1521044007" sldId="264"/>
-            <ac:spMk id="2" creationId="{9E1B47C9-23BE-9F8B-A0E0-E74CAB5ED67A}"/>
-          </ac:spMkLst>
-        </pc:spChg>
-        <pc:spChg chg="mod">
-          <ac:chgData name="Neta Becker" userId="cef0aa30-4247-4db8-9bc0-d63efc0d3a53" providerId="ADAL" clId="{82B47B47-6544-4BFE-BA12-49607BE3FA5F}" dt="2024-05-06T09:25:12.371" v="3640"/>
-          <ac:spMkLst>
-            <pc:docMk/>
-            <pc:sldMk cId="1521044007" sldId="264"/>
-            <ac:spMk id="3" creationId="{2D2E6A14-D956-DE39-DFB5-8D352E675082}"/>
-          </ac:spMkLst>
-        </pc:spChg>
-        <pc:spChg chg="add mod">
-          <ac:chgData name="Neta Becker" userId="cef0aa30-4247-4db8-9bc0-d63efc0d3a53" providerId="ADAL" clId="{82B47B47-6544-4BFE-BA12-49607BE3FA5F}" dt="2024-05-06T09:23:36.537" v="3626" actId="207"/>
-          <ac:spMkLst>
-            <pc:docMk/>
-            <pc:sldMk cId="1521044007" sldId="264"/>
-            <ac:spMk id="4" creationId="{B8D434B1-56CC-6E8D-FDD2-84F2A848D19A}"/>
-          </ac:spMkLst>
-        </pc:spChg>
-        <pc:spChg chg="mod">
-          <ac:chgData name="Neta Becker" userId="cef0aa30-4247-4db8-9bc0-d63efc0d3a53" providerId="ADAL" clId="{82B47B47-6544-4BFE-BA12-49607BE3FA5F}" dt="2024-05-06T09:21:26.742" v="3615"/>
-          <ac:spMkLst>
-            <pc:docMk/>
-            <pc:sldMk cId="1521044007" sldId="264"/>
-            <ac:spMk id="6" creationId="{118BEC51-40EB-32C2-B97B-894607665666}"/>
-          </ac:spMkLst>
-        </pc:spChg>
-        <pc:spChg chg="mod">
-          <ac:chgData name="Neta Becker" userId="cef0aa30-4247-4db8-9bc0-d63efc0d3a53" providerId="ADAL" clId="{82B47B47-6544-4BFE-BA12-49607BE3FA5F}" dt="2024-05-06T09:21:26.742" v="3615"/>
-          <ac:spMkLst>
-            <pc:docMk/>
-            <pc:sldMk cId="1521044007" sldId="264"/>
-            <ac:spMk id="7" creationId="{42D04CD0-2AD6-C614-6F95-3DB36DC7FF5A}"/>
-          </ac:spMkLst>
-        </pc:spChg>
-        <pc:spChg chg="mod">
-          <ac:chgData name="Neta Becker" userId="cef0aa30-4247-4db8-9bc0-d63efc0d3a53" providerId="ADAL" clId="{82B47B47-6544-4BFE-BA12-49607BE3FA5F}" dt="2024-05-06T09:21:26.742" v="3615"/>
-          <ac:spMkLst>
-            <pc:docMk/>
-            <pc:sldMk cId="1521044007" sldId="264"/>
-            <ac:spMk id="8" creationId="{41DB6582-97B6-95D9-6058-4A4471F70016}"/>
-          </ac:spMkLst>
-        </pc:spChg>
-        <pc:grpChg chg="add mod">
-          <ac:chgData name="Neta Becker" userId="cef0aa30-4247-4db8-9bc0-d63efc0d3a53" providerId="ADAL" clId="{82B47B47-6544-4BFE-BA12-49607BE3FA5F}" dt="2024-05-06T09:21:26.742" v="3615"/>
-          <ac:grpSpMkLst>
-            <pc:docMk/>
-            <pc:sldMk cId="1521044007" sldId="264"/>
-            <ac:grpSpMk id="5" creationId="{220E5C26-EB1D-31C2-6A8B-D662D1D97FC8}"/>
-          </ac:grpSpMkLst>
-        </pc:grpChg>
-      </pc:sldChg>
-      <pc:sldChg chg="addSp modSp new mod">
-        <pc:chgData name="Neta Becker" userId="cef0aa30-4247-4db8-9bc0-d63efc0d3a53" providerId="ADAL" clId="{82B47B47-6544-4BFE-BA12-49607BE3FA5F}" dt="2024-05-06T09:25:12.371" v="3640"/>
-        <pc:sldMkLst>
-          <pc:docMk/>
-          <pc:sldMk cId="3884930515" sldId="265"/>
-        </pc:sldMkLst>
-        <pc:spChg chg="mod">
-          <ac:chgData name="Neta Becker" userId="cef0aa30-4247-4db8-9bc0-d63efc0d3a53" providerId="ADAL" clId="{82B47B47-6544-4BFE-BA12-49607BE3FA5F}" dt="2024-05-06T09:25:12.371" v="3640"/>
-          <ac:spMkLst>
-            <pc:docMk/>
-            <pc:sldMk cId="3884930515" sldId="265"/>
-            <ac:spMk id="2" creationId="{FBB17739-EDA8-0BBF-2BBE-DD328C51C51D}"/>
-          </ac:spMkLst>
-        </pc:spChg>
-        <pc:spChg chg="mod">
-          <ac:chgData name="Neta Becker" userId="cef0aa30-4247-4db8-9bc0-d63efc0d3a53" providerId="ADAL" clId="{82B47B47-6544-4BFE-BA12-49607BE3FA5F}" dt="2024-05-06T09:25:12.371" v="3640"/>
-          <ac:spMkLst>
-            <pc:docMk/>
-            <pc:sldMk cId="3884930515" sldId="265"/>
-            <ac:spMk id="3" creationId="{2CEC7C2B-FE22-13AA-830E-5D224F921C9D}"/>
-          </ac:spMkLst>
-        </pc:spChg>
-        <pc:spChg chg="add mod">
-          <ac:chgData name="Neta Becker" userId="cef0aa30-4247-4db8-9bc0-d63efc0d3a53" providerId="ADAL" clId="{82B47B47-6544-4BFE-BA12-49607BE3FA5F}" dt="2024-05-06T09:23:40.706" v="3627" actId="207"/>
-          <ac:spMkLst>
-            <pc:docMk/>
-            <pc:sldMk cId="3884930515" sldId="265"/>
-            <ac:spMk id="4" creationId="{DB4B58AA-CB6F-C0F0-4724-E92868B9FD0E}"/>
-          </ac:spMkLst>
-        </pc:spChg>
-        <pc:spChg chg="mod">
-          <ac:chgData name="Neta Becker" userId="cef0aa30-4247-4db8-9bc0-d63efc0d3a53" providerId="ADAL" clId="{82B47B47-6544-4BFE-BA12-49607BE3FA5F}" dt="2024-05-06T09:21:28.965" v="3616"/>
-          <ac:spMkLst>
-            <pc:docMk/>
-            <pc:sldMk cId="3884930515" sldId="265"/>
-            <ac:spMk id="6" creationId="{2608EC1E-CF34-1B32-5C9F-E9F6FCBF6CB4}"/>
-          </ac:spMkLst>
-        </pc:spChg>
-        <pc:spChg chg="mod">
-          <ac:chgData name="Neta Becker" userId="cef0aa30-4247-4db8-9bc0-d63efc0d3a53" providerId="ADAL" clId="{82B47B47-6544-4BFE-BA12-49607BE3FA5F}" dt="2024-05-06T09:21:28.965" v="3616"/>
-          <ac:spMkLst>
-            <pc:docMk/>
-            <pc:sldMk cId="3884930515" sldId="265"/>
-            <ac:spMk id="7" creationId="{A24D5EAA-27CE-050F-F478-1E90FDFE9227}"/>
-          </ac:spMkLst>
-        </pc:spChg>
-        <pc:spChg chg="mod">
-          <ac:chgData name="Neta Becker" userId="cef0aa30-4247-4db8-9bc0-d63efc0d3a53" providerId="ADAL" clId="{82B47B47-6544-4BFE-BA12-49607BE3FA5F}" dt="2024-05-06T09:21:28.965" v="3616"/>
-          <ac:spMkLst>
-            <pc:docMk/>
-            <pc:sldMk cId="3884930515" sldId="265"/>
-            <ac:spMk id="8" creationId="{BD773F22-CE2F-7E1B-8AA9-82D35518965D}"/>
-          </ac:spMkLst>
-        </pc:spChg>
-        <pc:grpChg chg="add mod">
-          <ac:chgData name="Neta Becker" userId="cef0aa30-4247-4db8-9bc0-d63efc0d3a53" providerId="ADAL" clId="{82B47B47-6544-4BFE-BA12-49607BE3FA5F}" dt="2024-05-06T09:21:28.965" v="3616"/>
-          <ac:grpSpMkLst>
-            <pc:docMk/>
-            <pc:sldMk cId="3884930515" sldId="265"/>
-            <ac:grpSpMk id="5" creationId="{4752F03D-3D59-EDD4-1EDF-103EBF40E5C6}"/>
-          </ac:grpSpMkLst>
-        </pc:grpChg>
-      </pc:sldChg>
-      <pc:sldChg chg="new del">
-        <pc:chgData name="Neta Becker" userId="cef0aa30-4247-4db8-9bc0-d63efc0d3a53" providerId="ADAL" clId="{82B47B47-6544-4BFE-BA12-49607BE3FA5F}" dt="2024-04-29T18:12:30.001" v="224" actId="47"/>
-        <pc:sldMkLst>
-          <pc:docMk/>
-          <pc:sldMk cId="2279436743" sldId="266"/>
-        </pc:sldMkLst>
-      </pc:sldChg>
-      <pc:sldChg chg="addSp modSp new mod modShow">
-        <pc:chgData name="Neta Becker" userId="cef0aa30-4247-4db8-9bc0-d63efc0d3a53" providerId="ADAL" clId="{82B47B47-6544-4BFE-BA12-49607BE3FA5F}" dt="2024-05-06T09:25:12.371" v="3640"/>
-        <pc:sldMkLst>
-          <pc:docMk/>
-          <pc:sldMk cId="3614498727" sldId="267"/>
-        </pc:sldMkLst>
-        <pc:spChg chg="mod">
-          <ac:chgData name="Neta Becker" userId="cef0aa30-4247-4db8-9bc0-d63efc0d3a53" providerId="ADAL" clId="{82B47B47-6544-4BFE-BA12-49607BE3FA5F}" dt="2024-05-06T09:25:12.371" v="3640"/>
-          <ac:spMkLst>
-            <pc:docMk/>
-            <pc:sldMk cId="3614498727" sldId="267"/>
-            <ac:spMk id="2" creationId="{AC2ACF71-CF4B-C77D-06EE-335720E44195}"/>
-          </ac:spMkLst>
-        </pc:spChg>
-        <pc:spChg chg="mod">
-          <ac:chgData name="Neta Becker" userId="cef0aa30-4247-4db8-9bc0-d63efc0d3a53" providerId="ADAL" clId="{82B47B47-6544-4BFE-BA12-49607BE3FA5F}" dt="2024-05-06T09:25:12.371" v="3640"/>
-          <ac:spMkLst>
-            <pc:docMk/>
-            <pc:sldMk cId="3614498727" sldId="267"/>
-            <ac:spMk id="3" creationId="{3FB97B73-96BD-1AB7-EA8C-0E12DAF0CCBC}"/>
-          </ac:spMkLst>
-        </pc:spChg>
-        <pc:picChg chg="add mod">
-          <ac:chgData name="Neta Becker" userId="cef0aa30-4247-4db8-9bc0-d63efc0d3a53" providerId="ADAL" clId="{82B47B47-6544-4BFE-BA12-49607BE3FA5F}" dt="2024-04-29T18:17:06.348" v="360" actId="1076"/>
-          <ac:picMkLst>
-            <pc:docMk/>
-            <pc:sldMk cId="3614498727" sldId="267"/>
-            <ac:picMk id="7" creationId="{5D2567AD-A929-17F9-A858-A92AA2CDC031}"/>
-          </ac:picMkLst>
-        </pc:picChg>
-      </pc:sldChg>
-      <pc:sldChg chg="addSp delSp modSp new mod setBg modClrScheme delDesignElem chgLayout">
-        <pc:chgData name="Neta Becker" userId="cef0aa30-4247-4db8-9bc0-d63efc0d3a53" providerId="ADAL" clId="{82B47B47-6544-4BFE-BA12-49607BE3FA5F}" dt="2024-05-06T09:25:12.371" v="3640"/>
-        <pc:sldMkLst>
-          <pc:docMk/>
-          <pc:sldMk cId="3788276947" sldId="268"/>
-        </pc:sldMkLst>
-        <pc:spChg chg="mod ord">
-          <ac:chgData name="Neta Becker" userId="cef0aa30-4247-4db8-9bc0-d63efc0d3a53" providerId="ADAL" clId="{82B47B47-6544-4BFE-BA12-49607BE3FA5F}" dt="2024-05-05T19:23:39.489" v="3609" actId="122"/>
-          <ac:spMkLst>
-            <pc:docMk/>
-            <pc:sldMk cId="3788276947" sldId="268"/>
-            <ac:spMk id="2" creationId="{D11A6587-4B31-2098-8A11-B9028D74594E}"/>
-          </ac:spMkLst>
-        </pc:spChg>
-        <pc:spChg chg="add mod ord">
-          <ac:chgData name="Neta Becker" userId="cef0aa30-4247-4db8-9bc0-d63efc0d3a53" providerId="ADAL" clId="{82B47B47-6544-4BFE-BA12-49607BE3FA5F}" dt="2024-05-05T19:23:41.021" v="3610" actId="122"/>
-          <ac:spMkLst>
-            <pc:docMk/>
-            <pc:sldMk cId="3788276947" sldId="268"/>
-            <ac:spMk id="3" creationId="{179BA227-78E9-E910-93F6-862AA8674913}"/>
-          </ac:spMkLst>
-        </pc:spChg>
-        <pc:spChg chg="add del">
-          <ac:chgData name="Neta Becker" userId="cef0aa30-4247-4db8-9bc0-d63efc0d3a53" providerId="ADAL" clId="{82B47B47-6544-4BFE-BA12-49607BE3FA5F}" dt="2024-05-06T09:25:12.371" v="3640"/>
-          <ac:spMkLst>
-            <pc:docMk/>
-            <pc:sldMk cId="3788276947" sldId="268"/>
-            <ac:spMk id="8" creationId="{1579DD07-B6CD-4C04-8A4A-3B92CE8C8A31}"/>
-          </ac:spMkLst>
-        </pc:spChg>
-        <pc:spChg chg="add del">
-          <ac:chgData name="Neta Becker" userId="cef0aa30-4247-4db8-9bc0-d63efc0d3a53" providerId="ADAL" clId="{82B47B47-6544-4BFE-BA12-49607BE3FA5F}" dt="2024-05-06T09:25:12.371" v="3640"/>
-          <ac:spMkLst>
-            <pc:docMk/>
-            <pc:sldMk cId="3788276947" sldId="268"/>
-            <ac:spMk id="10" creationId="{D4A3DB12-3AD8-467C-910C-F09E3A688BD7}"/>
-          </ac:spMkLst>
-        </pc:spChg>
-        <pc:spChg chg="add del">
-          <ac:chgData name="Neta Becker" userId="cef0aa30-4247-4db8-9bc0-d63efc0d3a53" providerId="ADAL" clId="{82B47B47-6544-4BFE-BA12-49607BE3FA5F}" dt="2024-05-06T09:25:12.371" v="3640"/>
-          <ac:spMkLst>
-            <pc:docMk/>
-            <pc:sldMk cId="3788276947" sldId="268"/>
-            <ac:spMk id="12" creationId="{36A995F0-906C-4573-A739-16EED217D852}"/>
-          </ac:spMkLst>
-        </pc:spChg>
-        <pc:cxnChg chg="add del">
-          <ac:chgData name="Neta Becker" userId="cef0aa30-4247-4db8-9bc0-d63efc0d3a53" providerId="ADAL" clId="{82B47B47-6544-4BFE-BA12-49607BE3FA5F}" dt="2024-05-06T09:25:12.371" v="3640"/>
-          <ac:cxnSpMkLst>
-            <pc:docMk/>
-            <pc:sldMk cId="3788276947" sldId="268"/>
-            <ac:cxnSpMk id="14" creationId="{C3F5F06D-7250-43A5-9B61-0B7F1FD7E395}"/>
-          </ac:cxnSpMkLst>
-        </pc:cxnChg>
-      </pc:sldChg>
-      <pc:sldChg chg="addSp modSp add mod">
-        <pc:chgData name="Neta Becker" userId="cef0aa30-4247-4db8-9bc0-d63efc0d3a53" providerId="ADAL" clId="{82B47B47-6544-4BFE-BA12-49607BE3FA5F}" dt="2024-05-06T09:25:12.371" v="3640"/>
-        <pc:sldMkLst>
-          <pc:docMk/>
-          <pc:sldMk cId="199201543" sldId="269"/>
-        </pc:sldMkLst>
-        <pc:spChg chg="mod">
-          <ac:chgData name="Neta Becker" userId="cef0aa30-4247-4db8-9bc0-d63efc0d3a53" providerId="ADAL" clId="{82B47B47-6544-4BFE-BA12-49607BE3FA5F}" dt="2024-05-06T09:25:12.371" v="3640"/>
-          <ac:spMkLst>
-            <pc:docMk/>
-            <pc:sldMk cId="199201543" sldId="269"/>
-            <ac:spMk id="2" creationId="{FBB17739-EDA8-0BBF-2BBE-DD328C51C51D}"/>
-          </ac:spMkLst>
-        </pc:spChg>
-        <pc:spChg chg="mod">
-          <ac:chgData name="Neta Becker" userId="cef0aa30-4247-4db8-9bc0-d63efc0d3a53" providerId="ADAL" clId="{82B47B47-6544-4BFE-BA12-49607BE3FA5F}" dt="2024-05-06T09:25:12.371" v="3640"/>
-          <ac:spMkLst>
-            <pc:docMk/>
-            <pc:sldMk cId="199201543" sldId="269"/>
-            <ac:spMk id="3" creationId="{2CEC7C2B-FE22-13AA-830E-5D224F921C9D}"/>
-          </ac:spMkLst>
-        </pc:spChg>
-        <pc:spChg chg="add mod">
-          <ac:chgData name="Neta Becker" userId="cef0aa30-4247-4db8-9bc0-d63efc0d3a53" providerId="ADAL" clId="{82B47B47-6544-4BFE-BA12-49607BE3FA5F}" dt="2024-05-06T09:21:31.427" v="3617"/>
-          <ac:spMkLst>
-            <pc:docMk/>
-            <pc:sldMk cId="199201543" sldId="269"/>
-            <ac:spMk id="4" creationId="{074D8EDC-2D71-7E60-700A-79B5EB0034F5}"/>
-          </ac:spMkLst>
-        </pc:spChg>
-        <pc:spChg chg="mod">
-          <ac:chgData name="Neta Becker" userId="cef0aa30-4247-4db8-9bc0-d63efc0d3a53" providerId="ADAL" clId="{82B47B47-6544-4BFE-BA12-49607BE3FA5F}" dt="2024-05-06T09:21:31.427" v="3617"/>
-          <ac:spMkLst>
-            <pc:docMk/>
-            <pc:sldMk cId="199201543" sldId="269"/>
-            <ac:spMk id="6" creationId="{C090F1DC-4557-00A2-A834-759087CF4054}"/>
-          </ac:spMkLst>
-        </pc:spChg>
-        <pc:spChg chg="mod">
-          <ac:chgData name="Neta Becker" userId="cef0aa30-4247-4db8-9bc0-d63efc0d3a53" providerId="ADAL" clId="{82B47B47-6544-4BFE-BA12-49607BE3FA5F}" dt="2024-05-06T09:21:31.427" v="3617"/>
-          <ac:spMkLst>
-            <pc:docMk/>
-            <pc:sldMk cId="199201543" sldId="269"/>
-            <ac:spMk id="7" creationId="{864AAC93-B5A7-5321-297C-66B5860AE633}"/>
-          </ac:spMkLst>
-        </pc:spChg>
-        <pc:spChg chg="mod">
-          <ac:chgData name="Neta Becker" userId="cef0aa30-4247-4db8-9bc0-d63efc0d3a53" providerId="ADAL" clId="{82B47B47-6544-4BFE-BA12-49607BE3FA5F}" dt="2024-05-06T09:21:31.427" v="3617"/>
-          <ac:spMkLst>
-            <pc:docMk/>
-            <pc:sldMk cId="199201543" sldId="269"/>
-            <ac:spMk id="8" creationId="{480B719B-2E7F-36B3-738D-C66CCFAB3A7E}"/>
-          </ac:spMkLst>
-        </pc:spChg>
-        <pc:spChg chg="add mod">
-          <ac:chgData name="Neta Becker" userId="cef0aa30-4247-4db8-9bc0-d63efc0d3a53" providerId="ADAL" clId="{82B47B47-6544-4BFE-BA12-49607BE3FA5F}" dt="2024-05-06T09:23:44.713" v="3628" actId="207"/>
-          <ac:spMkLst>
-            <pc:docMk/>
-            <pc:sldMk cId="199201543" sldId="269"/>
-            <ac:spMk id="9" creationId="{DE063978-8620-7123-C184-49543BBAD5D2}"/>
-          </ac:spMkLst>
-        </pc:spChg>
-        <pc:spChg chg="mod">
-          <ac:chgData name="Neta Becker" userId="cef0aa30-4247-4db8-9bc0-d63efc0d3a53" providerId="ADAL" clId="{82B47B47-6544-4BFE-BA12-49607BE3FA5F}" dt="2024-05-06T09:21:45.969" v="3618"/>
-          <ac:spMkLst>
-            <pc:docMk/>
-            <pc:sldMk cId="199201543" sldId="269"/>
-            <ac:spMk id="11" creationId="{94291A3E-6BA9-4687-19B4-182AFDA4E0AA}"/>
-          </ac:spMkLst>
-        </pc:spChg>
-        <pc:spChg chg="mod">
-          <ac:chgData name="Neta Becker" userId="cef0aa30-4247-4db8-9bc0-d63efc0d3a53" providerId="ADAL" clId="{82B47B47-6544-4BFE-BA12-49607BE3FA5F}" dt="2024-05-06T09:21:45.969" v="3618"/>
-          <ac:spMkLst>
-            <pc:docMk/>
-            <pc:sldMk cId="199201543" sldId="269"/>
-            <ac:spMk id="12" creationId="{FB42B343-775E-56CB-0E74-DB5F39653A61}"/>
-          </ac:spMkLst>
-        </pc:spChg>
-        <pc:spChg chg="mod">
-          <ac:chgData name="Neta Becker" userId="cef0aa30-4247-4db8-9bc0-d63efc0d3a53" providerId="ADAL" clId="{82B47B47-6544-4BFE-BA12-49607BE3FA5F}" dt="2024-05-06T09:21:45.969" v="3618"/>
-          <ac:spMkLst>
-            <pc:docMk/>
-            <pc:sldMk cId="199201543" sldId="269"/>
-            <ac:spMk id="13" creationId="{411BE791-C0CB-F0DA-7032-F1AC97AFA9CE}"/>
-          </ac:spMkLst>
-        </pc:spChg>
-        <pc:spChg chg="mod">
-          <ac:chgData name="Neta Becker" userId="cef0aa30-4247-4db8-9bc0-d63efc0d3a53" providerId="ADAL" clId="{82B47B47-6544-4BFE-BA12-49607BE3FA5F}" dt="2024-05-06T09:21:45.969" v="3618"/>
-          <ac:spMkLst>
-            <pc:docMk/>
-            <pc:sldMk cId="199201543" sldId="269"/>
-            <ac:spMk id="14" creationId="{22A0815E-00DF-9E46-BA9C-4E482B67F4AD}"/>
-          </ac:spMkLst>
-        </pc:spChg>
-        <pc:spChg chg="mod">
-          <ac:chgData name="Neta Becker" userId="cef0aa30-4247-4db8-9bc0-d63efc0d3a53" providerId="ADAL" clId="{82B47B47-6544-4BFE-BA12-49607BE3FA5F}" dt="2024-05-06T09:21:45.969" v="3618"/>
-          <ac:spMkLst>
-            <pc:docMk/>
-            <pc:sldMk cId="199201543" sldId="269"/>
-            <ac:spMk id="15" creationId="{A926A02C-468E-3D25-F2D3-E7595A9F5B94}"/>
-          </ac:spMkLst>
-        </pc:spChg>
-        <pc:spChg chg="mod">
-          <ac:chgData name="Neta Becker" userId="cef0aa30-4247-4db8-9bc0-d63efc0d3a53" providerId="ADAL" clId="{82B47B47-6544-4BFE-BA12-49607BE3FA5F}" dt="2024-05-06T09:21:45.969" v="3618"/>
-          <ac:spMkLst>
-            <pc:docMk/>
-            <pc:sldMk cId="199201543" sldId="269"/>
-            <ac:spMk id="16" creationId="{1CE50F4B-B203-D970-A705-8FB2034AF3F5}"/>
-          </ac:spMkLst>
-        </pc:spChg>
-        <pc:grpChg chg="add mod">
-          <ac:chgData name="Neta Becker" userId="cef0aa30-4247-4db8-9bc0-d63efc0d3a53" providerId="ADAL" clId="{82B47B47-6544-4BFE-BA12-49607BE3FA5F}" dt="2024-05-06T09:21:31.427" v="3617"/>
-          <ac:grpSpMkLst>
-            <pc:docMk/>
-            <pc:sldMk cId="199201543" sldId="269"/>
-            <ac:grpSpMk id="5" creationId="{900AD05F-0EC7-314B-F380-6AACA6AC2A4C}"/>
-          </ac:grpSpMkLst>
-        </pc:grpChg>
-        <pc:grpChg chg="add mod">
-          <ac:chgData name="Neta Becker" userId="cef0aa30-4247-4db8-9bc0-d63efc0d3a53" providerId="ADAL" clId="{82B47B47-6544-4BFE-BA12-49607BE3FA5F}" dt="2024-05-06T09:21:45.969" v="3618"/>
-          <ac:grpSpMkLst>
-            <pc:docMk/>
-            <pc:sldMk cId="199201543" sldId="269"/>
-            <ac:grpSpMk id="10" creationId="{7B960A06-522D-EF27-6243-F14BD6BF85D5}"/>
-          </ac:grpSpMkLst>
-        </pc:grpChg>
-      </pc:sldChg>
-      <pc:sldChg chg="addSp delSp modSp add del mod setBg delDesignElem modShow">
-        <pc:chgData name="Neta Becker" userId="cef0aa30-4247-4db8-9bc0-d63efc0d3a53" providerId="ADAL" clId="{82B47B47-6544-4BFE-BA12-49607BE3FA5F}" dt="2024-05-01T19:12:03.468" v="2076" actId="47"/>
-        <pc:sldMkLst>
-          <pc:docMk/>
-          <pc:sldMk cId="1134421789" sldId="269"/>
-        </pc:sldMkLst>
-        <pc:spChg chg="mod">
-          <ac:chgData name="Neta Becker" userId="cef0aa30-4247-4db8-9bc0-d63efc0d3a53" providerId="ADAL" clId="{82B47B47-6544-4BFE-BA12-49607BE3FA5F}" dt="2024-04-29T18:56:53.434" v="1661" actId="26606"/>
-          <ac:spMkLst>
-            <pc:docMk/>
-            <pc:sldMk cId="1134421789" sldId="269"/>
-            <ac:spMk id="2" creationId="{740EF0B2-1FEB-FFA2-67D6-9A5DBB7AADB8}"/>
-          </ac:spMkLst>
-        </pc:spChg>
-        <pc:spChg chg="del mod">
-          <ac:chgData name="Neta Becker" userId="cef0aa30-4247-4db8-9bc0-d63efc0d3a53" providerId="ADAL" clId="{82B47B47-6544-4BFE-BA12-49607BE3FA5F}" dt="2024-04-29T18:56:53.434" v="1661" actId="26606"/>
-          <ac:spMkLst>
-            <pc:docMk/>
-            <pc:sldMk cId="1134421789" sldId="269"/>
-            <ac:spMk id="3" creationId="{6D1E74C4-204E-AA3F-084A-12061BF8DF60}"/>
-          </ac:spMkLst>
-        </pc:spChg>
-        <pc:spChg chg="add del">
-          <ac:chgData name="Neta Becker" userId="cef0aa30-4247-4db8-9bc0-d63efc0d3a53" providerId="ADAL" clId="{82B47B47-6544-4BFE-BA12-49607BE3FA5F}" dt="2024-05-01T15:50:24.430" v="2030"/>
-          <ac:spMkLst>
-            <pc:docMk/>
-            <pc:sldMk cId="1134421789" sldId="269"/>
-            <ac:spMk id="10" creationId="{D4771268-CB57-404A-9271-370EB28F6090}"/>
-          </ac:spMkLst>
-        </pc:spChg>
-        <pc:picChg chg="add mod">
-          <ac:chgData name="Neta Becker" userId="cef0aa30-4247-4db8-9bc0-d63efc0d3a53" providerId="ADAL" clId="{82B47B47-6544-4BFE-BA12-49607BE3FA5F}" dt="2024-04-29T18:57:14.298" v="1666" actId="1076"/>
-          <ac:picMkLst>
-            <pc:docMk/>
-            <pc:sldMk cId="1134421789" sldId="269"/>
-            <ac:picMk id="5" creationId="{B39923C6-860A-A0E9-81E0-463473ACA16D}"/>
-          </ac:picMkLst>
-        </pc:picChg>
-      </pc:sldChg>
-      <pc:sldChg chg="addSp delSp modSp new del mod modClrScheme chgLayout">
-        <pc:chgData name="Neta Becker" userId="cef0aa30-4247-4db8-9bc0-d63efc0d3a53" providerId="ADAL" clId="{82B47B47-6544-4BFE-BA12-49607BE3FA5F}" dt="2024-05-05T19:19:15.006" v="3597" actId="47"/>
-        <pc:sldMkLst>
-          <pc:docMk/>
-          <pc:sldMk cId="2089736960" sldId="270"/>
-        </pc:sldMkLst>
-        <pc:spChg chg="del">
-          <ac:chgData name="Neta Becker" userId="cef0aa30-4247-4db8-9bc0-d63efc0d3a53" providerId="ADAL" clId="{82B47B47-6544-4BFE-BA12-49607BE3FA5F}" dt="2024-05-02T16:37:48.916" v="3424" actId="700"/>
-          <ac:spMkLst>
-            <pc:docMk/>
-            <pc:sldMk cId="2089736960" sldId="270"/>
-            <ac:spMk id="2" creationId="{596D87F5-190B-C9BD-CD2B-ACC6470CDA83}"/>
-          </ac:spMkLst>
-        </pc:spChg>
-        <pc:spChg chg="del">
-          <ac:chgData name="Neta Becker" userId="cef0aa30-4247-4db8-9bc0-d63efc0d3a53" providerId="ADAL" clId="{82B47B47-6544-4BFE-BA12-49607BE3FA5F}" dt="2024-05-02T16:37:48.916" v="3424" actId="700"/>
-          <ac:spMkLst>
-            <pc:docMk/>
-            <pc:sldMk cId="2089736960" sldId="270"/>
-            <ac:spMk id="3" creationId="{AE1256E2-91DB-5E74-81CD-70EF37931189}"/>
-          </ac:spMkLst>
-        </pc:spChg>
-        <pc:spChg chg="add mod">
-          <ac:chgData name="Neta Becker" userId="cef0aa30-4247-4db8-9bc0-d63efc0d3a53" providerId="ADAL" clId="{82B47B47-6544-4BFE-BA12-49607BE3FA5F}" dt="2024-05-02T16:37:56.603" v="3431" actId="20577"/>
-          <ac:spMkLst>
-            <pc:docMk/>
-            <pc:sldMk cId="2089736960" sldId="270"/>
-            <ac:spMk id="4" creationId="{CBDF7521-B80C-A3B2-211C-8F7A377F97EC}"/>
-          </ac:spMkLst>
-        </pc:spChg>
-      </pc:sldChg>
-      <pc:sldChg chg="addSp delSp modSp add del mod delDesignElem">
-        <pc:chgData name="Neta Becker" userId="cef0aa30-4247-4db8-9bc0-d63efc0d3a53" providerId="ADAL" clId="{82B47B47-6544-4BFE-BA12-49607BE3FA5F}" dt="2024-05-01T19:48:09.482" v="2599" actId="47"/>
-        <pc:sldMkLst>
-          <pc:docMk/>
-          <pc:sldMk cId="3042174345" sldId="270"/>
-        </pc:sldMkLst>
-        <pc:spChg chg="add mod">
-          <ac:chgData name="Neta Becker" userId="cef0aa30-4247-4db8-9bc0-d63efc0d3a53" providerId="ADAL" clId="{82B47B47-6544-4BFE-BA12-49607BE3FA5F}" dt="2024-05-01T19:13:42.691" v="2183" actId="27636"/>
-          <ac:spMkLst>
-            <pc:docMk/>
-            <pc:sldMk cId="3042174345" sldId="270"/>
-            <ac:spMk id="4" creationId="{A33740FA-9F88-E3C6-95F5-2B53302DAE02}"/>
-          </ac:spMkLst>
-        </pc:spChg>
-        <pc:spChg chg="del">
-          <ac:chgData name="Neta Becker" userId="cef0aa30-4247-4db8-9bc0-d63efc0d3a53" providerId="ADAL" clId="{82B47B47-6544-4BFE-BA12-49607BE3FA5F}" dt="2024-05-01T15:50:24.430" v="2030"/>
-          <ac:spMkLst>
-            <pc:docMk/>
-            <pc:sldMk cId="3042174345" sldId="270"/>
-            <ac:spMk id="10" creationId="{D4771268-CB57-404A-9271-370EB28F6090}"/>
-          </ac:spMkLst>
-        </pc:spChg>
-        <pc:picChg chg="del">
-          <ac:chgData name="Neta Becker" userId="cef0aa30-4247-4db8-9bc0-d63efc0d3a53" providerId="ADAL" clId="{82B47B47-6544-4BFE-BA12-49607BE3FA5F}" dt="2024-04-29T18:57:40.935" v="1669" actId="478"/>
-          <ac:picMkLst>
-            <pc:docMk/>
-            <pc:sldMk cId="3042174345" sldId="270"/>
-            <ac:picMk id="5" creationId="{B39923C6-860A-A0E9-81E0-463473ACA16D}"/>
-          </ac:picMkLst>
-        </pc:picChg>
-      </pc:sldChg>
-      <pc:sldChg chg="modSp add mod">
-        <pc:chgData name="Neta Becker" userId="cef0aa30-4247-4db8-9bc0-d63efc0d3a53" providerId="ADAL" clId="{82B47B47-6544-4BFE-BA12-49607BE3FA5F}" dt="2024-05-06T09:25:12.371" v="3640"/>
-        <pc:sldMkLst>
-          <pc:docMk/>
-          <pc:sldMk cId="660352062" sldId="312"/>
-        </pc:sldMkLst>
-        <pc:spChg chg="mod">
-          <ac:chgData name="Neta Becker" userId="cef0aa30-4247-4db8-9bc0-d63efc0d3a53" providerId="ADAL" clId="{82B47B47-6544-4BFE-BA12-49607BE3FA5F}" dt="2024-05-06T09:22:44.968" v="3620" actId="207"/>
-          <ac:spMkLst>
-            <pc:docMk/>
-            <pc:sldMk cId="660352062" sldId="312"/>
-            <ac:spMk id="305" creationId="{00000000-0000-0000-0000-000000000000}"/>
-          </ac:spMkLst>
-        </pc:spChg>
-        <pc:spChg chg="mod">
-          <ac:chgData name="Neta Becker" userId="cef0aa30-4247-4db8-9bc0-d63efc0d3a53" providerId="ADAL" clId="{82B47B47-6544-4BFE-BA12-49607BE3FA5F}" dt="2024-05-06T09:22:40.648" v="3619" actId="207"/>
-          <ac:spMkLst>
-            <pc:docMk/>
-            <pc:sldMk cId="660352062" sldId="312"/>
-            <ac:spMk id="307" creationId="{00000000-0000-0000-0000-000000000000}"/>
-          </ac:spMkLst>
-        </pc:spChg>
-        <pc:spChg chg="mod">
-          <ac:chgData name="Neta Becker" userId="cef0aa30-4247-4db8-9bc0-d63efc0d3a53" providerId="ADAL" clId="{82B47B47-6544-4BFE-BA12-49607BE3FA5F}" dt="2024-05-06T09:25:12.371" v="3640"/>
-          <ac:spMkLst>
-            <pc:docMk/>
-            <pc:sldMk cId="660352062" sldId="312"/>
-            <ac:spMk id="309" creationId="{00000000-0000-0000-0000-000000000000}"/>
-          </ac:spMkLst>
-        </pc:spChg>
-        <pc:spChg chg="mod">
-          <ac:chgData name="Neta Becker" userId="cef0aa30-4247-4db8-9bc0-d63efc0d3a53" providerId="ADAL" clId="{82B47B47-6544-4BFE-BA12-49607BE3FA5F}" dt="2024-05-06T09:25:12.371" v="3640"/>
-          <ac:spMkLst>
-            <pc:docMk/>
-            <pc:sldMk cId="660352062" sldId="312"/>
-            <ac:spMk id="310" creationId="{00000000-0000-0000-0000-000000000000}"/>
-          </ac:spMkLst>
-        </pc:spChg>
-        <pc:spChg chg="mod">
-          <ac:chgData name="Neta Becker" userId="cef0aa30-4247-4db8-9bc0-d63efc0d3a53" providerId="ADAL" clId="{82B47B47-6544-4BFE-BA12-49607BE3FA5F}" dt="2024-05-06T09:25:12.371" v="3640"/>
-          <ac:spMkLst>
-            <pc:docMk/>
-            <pc:sldMk cId="660352062" sldId="312"/>
-            <ac:spMk id="311" creationId="{00000000-0000-0000-0000-000000000000}"/>
-          </ac:spMkLst>
-        </pc:spChg>
-        <pc:spChg chg="mod">
-          <ac:chgData name="Neta Becker" userId="cef0aa30-4247-4db8-9bc0-d63efc0d3a53" providerId="ADAL" clId="{82B47B47-6544-4BFE-BA12-49607BE3FA5F}" dt="2024-05-06T09:25:12.371" v="3640"/>
-          <ac:spMkLst>
-            <pc:docMk/>
-            <pc:sldMk cId="660352062" sldId="312"/>
-            <ac:spMk id="312" creationId="{00000000-0000-0000-0000-000000000000}"/>
-          </ac:spMkLst>
-        </pc:spChg>
-        <pc:spChg chg="mod">
-          <ac:chgData name="Neta Becker" userId="cef0aa30-4247-4db8-9bc0-d63efc0d3a53" providerId="ADAL" clId="{82B47B47-6544-4BFE-BA12-49607BE3FA5F}" dt="2024-05-06T09:25:12.371" v="3640"/>
-          <ac:spMkLst>
-            <pc:docMk/>
-            <pc:sldMk cId="660352062" sldId="312"/>
-            <ac:spMk id="313" creationId="{00000000-0000-0000-0000-000000000000}"/>
-          </ac:spMkLst>
-        </pc:spChg>
-        <pc:spChg chg="mod">
-          <ac:chgData name="Neta Becker" userId="cef0aa30-4247-4db8-9bc0-d63efc0d3a53" providerId="ADAL" clId="{82B47B47-6544-4BFE-BA12-49607BE3FA5F}" dt="2024-05-06T09:25:12.371" v="3640"/>
-          <ac:spMkLst>
-            <pc:docMk/>
-            <pc:sldMk cId="660352062" sldId="312"/>
-            <ac:spMk id="314" creationId="{00000000-0000-0000-0000-000000000000}"/>
-          </ac:spMkLst>
-        </pc:spChg>
-        <pc:spChg chg="mod">
-          <ac:chgData name="Neta Becker" userId="cef0aa30-4247-4db8-9bc0-d63efc0d3a53" providerId="ADAL" clId="{82B47B47-6544-4BFE-BA12-49607BE3FA5F}" dt="2024-05-06T09:25:12.371" v="3640"/>
-          <ac:spMkLst>
-            <pc:docMk/>
-            <pc:sldMk cId="660352062" sldId="312"/>
-            <ac:spMk id="315" creationId="{00000000-0000-0000-0000-000000000000}"/>
-          </ac:spMkLst>
-        </pc:spChg>
-        <pc:spChg chg="mod">
-          <ac:chgData name="Neta Becker" userId="cef0aa30-4247-4db8-9bc0-d63efc0d3a53" providerId="ADAL" clId="{82B47B47-6544-4BFE-BA12-49607BE3FA5F}" dt="2024-05-06T09:25:12.371" v="3640"/>
-          <ac:spMkLst>
-            <pc:docMk/>
-            <pc:sldMk cId="660352062" sldId="312"/>
-            <ac:spMk id="316" creationId="{00000000-0000-0000-0000-000000000000}"/>
-          </ac:spMkLst>
-        </pc:spChg>
-        <pc:spChg chg="mod">
-          <ac:chgData name="Neta Becker" userId="cef0aa30-4247-4db8-9bc0-d63efc0d3a53" providerId="ADAL" clId="{82B47B47-6544-4BFE-BA12-49607BE3FA5F}" dt="2024-05-06T09:25:12.371" v="3640"/>
-          <ac:spMkLst>
-            <pc:docMk/>
-            <pc:sldMk cId="660352062" sldId="312"/>
-            <ac:spMk id="317" creationId="{00000000-0000-0000-0000-000000000000}"/>
-          </ac:spMkLst>
-        </pc:spChg>
-        <pc:spChg chg="mod">
-          <ac:chgData name="Neta Becker" userId="cef0aa30-4247-4db8-9bc0-d63efc0d3a53" providerId="ADAL" clId="{82B47B47-6544-4BFE-BA12-49607BE3FA5F}" dt="2024-05-06T09:25:12.371" v="3640"/>
-          <ac:spMkLst>
-            <pc:docMk/>
-            <pc:sldMk cId="660352062" sldId="312"/>
-            <ac:spMk id="318" creationId="{00000000-0000-0000-0000-000000000000}"/>
-          </ac:spMkLst>
-        </pc:spChg>
-        <pc:spChg chg="mod">
-          <ac:chgData name="Neta Becker" userId="cef0aa30-4247-4db8-9bc0-d63efc0d3a53" providerId="ADAL" clId="{82B47B47-6544-4BFE-BA12-49607BE3FA5F}" dt="2024-05-06T09:25:12.371" v="3640"/>
-          <ac:spMkLst>
-            <pc:docMk/>
-            <pc:sldMk cId="660352062" sldId="312"/>
-            <ac:spMk id="319" creationId="{00000000-0000-0000-0000-000000000000}"/>
-          </ac:spMkLst>
-        </pc:spChg>
-        <pc:spChg chg="mod">
-          <ac:chgData name="Neta Becker" userId="cef0aa30-4247-4db8-9bc0-d63efc0d3a53" providerId="ADAL" clId="{82B47B47-6544-4BFE-BA12-49607BE3FA5F}" dt="2024-05-06T09:25:12.371" v="3640"/>
-          <ac:spMkLst>
-            <pc:docMk/>
-            <pc:sldMk cId="660352062" sldId="312"/>
-            <ac:spMk id="320" creationId="{00000000-0000-0000-0000-000000000000}"/>
-          </ac:spMkLst>
-        </pc:spChg>
-        <pc:spChg chg="mod">
-          <ac:chgData name="Neta Becker" userId="cef0aa30-4247-4db8-9bc0-d63efc0d3a53" providerId="ADAL" clId="{82B47B47-6544-4BFE-BA12-49607BE3FA5F}" dt="2024-05-06T09:25:12.371" v="3640"/>
-          <ac:spMkLst>
-            <pc:docMk/>
-            <pc:sldMk cId="660352062" sldId="312"/>
-            <ac:spMk id="321" creationId="{00000000-0000-0000-0000-000000000000}"/>
-          </ac:spMkLst>
-        </pc:spChg>
-        <pc:grpChg chg="mod">
-          <ac:chgData name="Neta Becker" userId="cef0aa30-4247-4db8-9bc0-d63efc0d3a53" providerId="ADAL" clId="{82B47B47-6544-4BFE-BA12-49607BE3FA5F}" dt="2024-05-05T19:23:14.629" v="3604" actId="207"/>
-          <ac:grpSpMkLst>
-            <pc:docMk/>
-            <pc:sldMk cId="660352062" sldId="312"/>
-            <ac:grpSpMk id="306" creationId="{00000000-0000-0000-0000-000000000000}"/>
-          </ac:grpSpMkLst>
-        </pc:grpChg>
-        <pc:cxnChg chg="mod">
-          <ac:chgData name="Neta Becker" userId="cef0aa30-4247-4db8-9bc0-d63efc0d3a53" providerId="ADAL" clId="{82B47B47-6544-4BFE-BA12-49607BE3FA5F}" dt="2024-05-05T19:23:14.629" v="3604" actId="207"/>
-          <ac:cxnSpMkLst>
-            <pc:docMk/>
-            <pc:sldMk cId="660352062" sldId="312"/>
-            <ac:cxnSpMk id="308" creationId="{00000000-0000-0000-0000-000000000000}"/>
-          </ac:cxnSpMkLst>
-        </pc:cxnChg>
-      </pc:sldChg>
-      <pc:sldMasterChg chg="modSldLayout">
-        <pc:chgData name="Neta Becker" userId="cef0aa30-4247-4db8-9bc0-d63efc0d3a53" providerId="ADAL" clId="{82B47B47-6544-4BFE-BA12-49607BE3FA5F}" dt="2024-05-05T19:20:09.656" v="3599"/>
-        <pc:sldMasterMkLst>
-          <pc:docMk/>
-          <pc:sldMasterMk cId="2969352036" sldId="2147483796"/>
-        </pc:sldMasterMkLst>
-        <pc:sldLayoutChg chg="delSp">
-          <pc:chgData name="Neta Becker" userId="cef0aa30-4247-4db8-9bc0-d63efc0d3a53" providerId="ADAL" clId="{82B47B47-6544-4BFE-BA12-49607BE3FA5F}" dt="2024-05-05T19:20:09.656" v="3599"/>
-          <pc:sldLayoutMkLst>
-            <pc:docMk/>
-            <pc:sldMasterMk cId="2969352036" sldId="2147483796"/>
-            <pc:sldLayoutMk cId="2982127573" sldId="2147483808"/>
-          </pc:sldLayoutMkLst>
-          <pc:cxnChg chg="del">
-            <ac:chgData name="Neta Becker" userId="cef0aa30-4247-4db8-9bc0-d63efc0d3a53" providerId="ADAL" clId="{82B47B47-6544-4BFE-BA12-49607BE3FA5F}" dt="2024-05-05T19:20:09.656" v="3599"/>
-            <ac:cxnSpMkLst>
-              <pc:docMk/>
-              <pc:sldMasterMk cId="2969352036" sldId="2147483796"/>
-              <pc:sldLayoutMk cId="2982127573" sldId="2147483808"/>
-              <ac:cxnSpMk id="91" creationId="{00000000-0000-0000-0000-000000000000}"/>
-            </ac:cxnSpMkLst>
-          </pc:cxnChg>
         </pc:sldLayoutChg>
       </pc:sldMasterChg>
     </pc:docChg>
@@ -5325,7 +5325,7 @@
         <a:p>
           <a:r>
             <a:rPr lang="en-US" sz="1800" dirty="0"/>
-            <a:t>Robust – doesn’t require specific object characteristics to work</a:t>
+            <a:t>Robust – can handle changes in the shape of the object</a:t>
           </a:r>
           <a:endParaRPr lang="en-IL" sz="1800" dirty="0"/>
         </a:p>
@@ -5566,7 +5566,7 @@
         <a:p>
           <a:r>
             <a:rPr lang="en-US" sz="1800" dirty="0"/>
-            <a:t>Works with tennis balls only</a:t>
+            <a:t>Works with tennis balls in RGB only</a:t>
           </a:r>
           <a:endParaRPr lang="en-IL" sz="1800" dirty="0"/>
         </a:p>
@@ -5602,8 +5602,16 @@
         <a:lstStyle/>
         <a:p>
           <a:r>
+            <a:rPr lang="en-US" sz="1800"/>
+            <a:t>Doesn’t handle changes </a:t>
+          </a:r>
+          <a:r>
             <a:rPr lang="en-US" sz="1800" dirty="0"/>
-            <a:t>Requires the shape and color of a tennis ball (works only in RGB)</a:t>
+            <a:t>in the shape of </a:t>
+          </a:r>
+          <a:r>
+            <a:rPr lang="en-US" sz="1800"/>
+            <a:t>the object well</a:t>
           </a:r>
           <a:endParaRPr lang="en-IL" sz="1800" dirty="0"/>
         </a:p>
@@ -5942,7 +5950,7 @@
           </a:pPr>
           <a:r>
             <a:rPr lang="en-US" sz="1800" kern="1200" dirty="0"/>
-            <a:t>Robust – doesn’t require specific object characteristics to work</a:t>
+            <a:t>Robust – can handle changes in the shape of the object</a:t>
           </a:r>
           <a:endParaRPr lang="en-IL" sz="1800" kern="1200" dirty="0"/>
         </a:p>
@@ -6192,7 +6200,7 @@
           </a:pPr>
           <a:r>
             <a:rPr lang="en-US" sz="1800" kern="1200" dirty="0"/>
-            <a:t>Works with tennis balls only</a:t>
+            <a:t>Works with tennis balls in RGB only</a:t>
           </a:r>
           <a:endParaRPr lang="en-IL" sz="1800" kern="1200" dirty="0"/>
         </a:p>
@@ -6271,8 +6279,16 @@
             <a:buNone/>
           </a:pPr>
           <a:r>
+            <a:rPr lang="en-US" sz="1800" kern="1200"/>
+            <a:t>Doesn’t handle changes </a:t>
+          </a:r>
+          <a:r>
             <a:rPr lang="en-US" sz="1800" kern="1200" dirty="0"/>
-            <a:t>Requires the shape and color of a tennis ball (works only in RGB)</a:t>
+            <a:t>in the shape of </a:t>
+          </a:r>
+          <a:r>
+            <a:rPr lang="en-US" sz="1800" kern="1200"/>
+            <a:t>the object well</a:t>
           </a:r>
           <a:endParaRPr lang="en-IL" sz="1800" kern="1200" dirty="0"/>
         </a:p>
@@ -11013,7 +11029,7 @@
           <a:p>
             <a:fld id="{7E48F360-3E34-44F2-B2D1-F60E60B25061}" type="datetimeFigureOut">
               <a:rPr lang="en-US" smtClean="0"/>
-              <a:t>5/19/24</a:t>
+              <a:t>5/19/2024</a:t>
             </a:fld>
             <a:endParaRPr lang="en-US"/>
           </a:p>
@@ -11215,7 +11231,7 @@
           <a:p>
             <a:fld id="{7E48F360-3E34-44F2-B2D1-F60E60B25061}" type="datetimeFigureOut">
               <a:rPr lang="en-US" smtClean="0"/>
-              <a:t>5/19/24</a:t>
+              <a:t>5/19/2024</a:t>
             </a:fld>
             <a:endParaRPr lang="en-US"/>
           </a:p>
@@ -11395,7 +11411,7 @@
           <a:p>
             <a:fld id="{7E48F360-3E34-44F2-B2D1-F60E60B25061}" type="datetimeFigureOut">
               <a:rPr lang="en-US" smtClean="0"/>
-              <a:t>5/19/24</a:t>
+              <a:t>5/19/2024</a:t>
             </a:fld>
             <a:endParaRPr lang="en-US"/>
           </a:p>
@@ -13716,7 +13732,7 @@
           <a:p>
             <a:fld id="{7E48F360-3E34-44F2-B2D1-F60E60B25061}" type="datetimeFigureOut">
               <a:rPr lang="en-US" smtClean="0"/>
-              <a:t>5/19/24</a:t>
+              <a:t>5/19/2024</a:t>
             </a:fld>
             <a:endParaRPr lang="en-US"/>
           </a:p>
@@ -14296,7 +14312,7 @@
           <a:p>
             <a:fld id="{7E48F360-3E34-44F2-B2D1-F60E60B25061}" type="datetimeFigureOut">
               <a:rPr lang="en-US" smtClean="0"/>
-              <a:t>5/19/24</a:t>
+              <a:t>5/19/2024</a:t>
             </a:fld>
             <a:endParaRPr lang="en-US"/>
           </a:p>
@@ -14598,7 +14614,7 @@
           <a:p>
             <a:fld id="{7E48F360-3E34-44F2-B2D1-F60E60B25061}" type="datetimeFigureOut">
               <a:rPr lang="en-US" smtClean="0"/>
-              <a:t>5/19/24</a:t>
+              <a:t>5/19/2024</a:t>
             </a:fld>
             <a:endParaRPr lang="en-US"/>
           </a:p>
@@ -15035,7 +15051,7 @@
           <a:p>
             <a:fld id="{7E48F360-3E34-44F2-B2D1-F60E60B25061}" type="datetimeFigureOut">
               <a:rPr lang="en-US" smtClean="0"/>
-              <a:t>5/19/24</a:t>
+              <a:t>5/19/2024</a:t>
             </a:fld>
             <a:endParaRPr lang="en-US"/>
           </a:p>
@@ -15153,7 +15169,7 @@
           <a:p>
             <a:fld id="{7E48F360-3E34-44F2-B2D1-F60E60B25061}" type="datetimeFigureOut">
               <a:rPr lang="en-US" smtClean="0"/>
-              <a:t>5/19/24</a:t>
+              <a:t>5/19/2024</a:t>
             </a:fld>
             <a:endParaRPr lang="en-US"/>
           </a:p>
@@ -15248,7 +15264,7 @@
           <a:p>
             <a:fld id="{7E48F360-3E34-44F2-B2D1-F60E60B25061}" type="datetimeFigureOut">
               <a:rPr lang="en-US" smtClean="0"/>
-              <a:t>5/19/24</a:t>
+              <a:t>5/19/2024</a:t>
             </a:fld>
             <a:endParaRPr lang="en-US"/>
           </a:p>
@@ -15592,7 +15608,7 @@
           <a:p>
             <a:fld id="{7E48F360-3E34-44F2-B2D1-F60E60B25061}" type="datetimeFigureOut">
               <a:rPr lang="en-US" smtClean="0"/>
-              <a:t>5/19/24</a:t>
+              <a:t>5/19/2024</a:t>
             </a:fld>
             <a:endParaRPr lang="en-US"/>
           </a:p>
@@ -15981,7 +15997,7 @@
           <a:p>
             <a:fld id="{7E48F360-3E34-44F2-B2D1-F60E60B25061}" type="datetimeFigureOut">
               <a:rPr lang="en-US" smtClean="0"/>
-              <a:t>5/19/24</a:t>
+              <a:t>5/19/2024</a:t>
             </a:fld>
             <a:endParaRPr lang="en-US"/>
           </a:p>
@@ -16289,7 +16305,7 @@
           <a:p>
             <a:fld id="{7E48F360-3E34-44F2-B2D1-F60E60B25061}" type="datetimeFigureOut">
               <a:rPr lang="en-US" smtClean="0"/>
-              <a:t>5/19/24</a:t>
+              <a:t>5/19/2024</a:t>
             </a:fld>
             <a:endParaRPr lang="en-US"/>
           </a:p>
@@ -24318,7 +24334,7 @@
           <p:nvPr>
             <p:extLst>
               <p:ext uri="{D42A27DB-BD31-4B8C-83A1-F6EECF244321}">
-                <p14:modId xmlns:p14="http://schemas.microsoft.com/office/powerpoint/2010/main" val="1897178201"/>
+                <p14:modId xmlns:p14="http://schemas.microsoft.com/office/powerpoint/2010/main" val="468786165"/>
               </p:ext>
             </p:extLst>
           </p:nvPr>
@@ -24346,7 +24362,7 @@
           <p:nvPr>
             <p:extLst>
               <p:ext uri="{D42A27DB-BD31-4B8C-83A1-F6EECF244321}">
-                <p14:modId xmlns:p14="http://schemas.microsoft.com/office/powerpoint/2010/main" val="3942560813"/>
+                <p14:modId xmlns:p14="http://schemas.microsoft.com/office/powerpoint/2010/main" val="4128340408"/>
               </p:ext>
             </p:extLst>
           </p:nvPr>
@@ -27011,8 +27027,8 @@
             </a:prstGeom>
           </p:spPr>
         </p:pic>
-        <mc:AlternateContent xmlns:mc="http://schemas.openxmlformats.org/markup-compatibility/2006">
-          <mc:Choice xmlns:a14="http://schemas.microsoft.com/office/drawing/2010/main" Requires="a14">
+        <mc:AlternateContent xmlns:mc="http://schemas.openxmlformats.org/markup-compatibility/2006" xmlns:a14="http://schemas.microsoft.com/office/drawing/2010/main">
+          <mc:Choice Requires="a14">
             <p:sp>
               <p:nvSpPr>
                 <p:cNvPr id="13" name="TextBox 12">
@@ -27041,6 +27057,7 @@
                 </a:bodyPr>
                 <a:lstStyle/>
                 <a:p>
+                  <a:pPr/>
                   <a14:m>
                     <m:oMathPara xmlns:m="http://schemas.openxmlformats.org/officeDocument/2006/math">
                       <m:oMathParaPr>
@@ -27061,7 +27078,7 @@
               </p:txBody>
             </p:sp>
           </mc:Choice>
-          <mc:Fallback>
+          <mc:Fallback xmlns="">
             <p:sp>
               <p:nvSpPr>
                 <p:cNvPr id="13" name="TextBox 12">
@@ -27225,7 +27242,7 @@
           <a:p>
             <a:r>
               <a:rPr lang="en-US" dirty="0"/>
-              <a:t>Image registration and object tracking</a:t>
+              <a:t>Image registration</a:t>
             </a:r>
             <a:endParaRPr lang="en-IL" dirty="0"/>
           </a:p>
@@ -28295,8 +28312,8 @@
           </a:p>
         </p:txBody>
       </p:sp>
-      <mc:AlternateContent xmlns:mc="http://schemas.openxmlformats.org/markup-compatibility/2006">
-        <mc:Choice xmlns:a14="http://schemas.microsoft.com/office/drawing/2010/main" Requires="a14">
+      <mc:AlternateContent xmlns:mc="http://schemas.openxmlformats.org/markup-compatibility/2006" xmlns:a14="http://schemas.microsoft.com/office/drawing/2010/main">
+        <mc:Choice Requires="a14">
           <p:sp>
             <p:nvSpPr>
               <p:cNvPr id="3" name="Content Placeholder 2">
@@ -29236,7 +29253,7 @@
             </p:txBody>
           </p:sp>
         </mc:Choice>
-        <mc:Fallback>
+        <mc:Fallback xmlns="">
           <p:sp>
             <p:nvSpPr>
               <p:cNvPr id="3" name="Content Placeholder 2">

--- a/updated_presentation.pptx
+++ b/updated_presentation.pptx
@@ -2550,16 +2550,24 @@
   <pc:docChgLst>
     <pc:chgData name="Neta Becker" userId="cef0aa30-4247-4db8-9bc0-d63efc0d3a53" providerId="ADAL" clId="{8E39725F-6EEF-4D4D-92C3-0465B79E9629}"/>
     <pc:docChg chg="undo custSel addSld delSld modSld modMainMaster">
-      <pc:chgData name="Neta Becker" userId="cef0aa30-4247-4db8-9bc0-d63efc0d3a53" providerId="ADAL" clId="{8E39725F-6EEF-4D4D-92C3-0465B79E9629}" dt="2024-05-19T19:28:36.309" v="1879" actId="20577"/>
+      <pc:chgData name="Neta Becker" userId="cef0aa30-4247-4db8-9bc0-d63efc0d3a53" providerId="ADAL" clId="{8E39725F-6EEF-4D4D-92C3-0465B79E9629}" dt="2024-05-23T19:40:20.901" v="2008" actId="20577"/>
       <pc:docMkLst>
         <pc:docMk/>
       </pc:docMkLst>
-      <pc:sldChg chg="addSp delSp setBg delDesignElem">
-        <pc:chgData name="Neta Becker" userId="cef0aa30-4247-4db8-9bc0-d63efc0d3a53" providerId="ADAL" clId="{8E39725F-6EEF-4D4D-92C3-0465B79E9629}" dt="2024-05-18T10:29:19.955" v="31"/>
+      <pc:sldChg chg="addSp delSp modSp mod setBg delDesignElem">
+        <pc:chgData name="Neta Becker" userId="cef0aa30-4247-4db8-9bc0-d63efc0d3a53" providerId="ADAL" clId="{8E39725F-6EEF-4D4D-92C3-0465B79E9629}" dt="2024-05-23T19:39:47.943" v="2006" actId="404"/>
         <pc:sldMkLst>
           <pc:docMk/>
           <pc:sldMk cId="2179648205" sldId="256"/>
         </pc:sldMkLst>
+        <pc:spChg chg="mod">
+          <ac:chgData name="Neta Becker" userId="cef0aa30-4247-4db8-9bc0-d63efc0d3a53" providerId="ADAL" clId="{8E39725F-6EEF-4D4D-92C3-0465B79E9629}" dt="2024-05-23T19:39:47.943" v="2006" actId="404"/>
+          <ac:spMkLst>
+            <pc:docMk/>
+            <pc:sldMk cId="2179648205" sldId="256"/>
+            <ac:spMk id="2" creationId="{672AD88C-22F7-6099-31A3-259788130B42}"/>
+          </ac:spMkLst>
+        </pc:spChg>
         <pc:spChg chg="add del">
           <ac:chgData name="Neta Becker" userId="cef0aa30-4247-4db8-9bc0-d63efc0d3a53" providerId="ADAL" clId="{8E39725F-6EEF-4D4D-92C3-0465B79E9629}" dt="2024-05-18T08:20:44.648" v="28"/>
           <ac:spMkLst>
@@ -2679,8 +2687,8 @@
           </ac:spMkLst>
         </pc:spChg>
       </pc:sldChg>
-      <pc:sldChg chg="addSp modSp mod setBg">
-        <pc:chgData name="Neta Becker" userId="cef0aa30-4247-4db8-9bc0-d63efc0d3a53" providerId="ADAL" clId="{8E39725F-6EEF-4D4D-92C3-0465B79E9629}" dt="2024-05-18T11:27:56.147" v="596" actId="167"/>
+      <pc:sldChg chg="addSp modSp mod setBg modNotesTx">
+        <pc:chgData name="Neta Becker" userId="cef0aa30-4247-4db8-9bc0-d63efc0d3a53" providerId="ADAL" clId="{8E39725F-6EEF-4D4D-92C3-0465B79E9629}" dt="2024-05-23T19:40:20.901" v="2008" actId="20577"/>
         <pc:sldMkLst>
           <pc:docMk/>
           <pc:sldMk cId="461867753" sldId="261"/>
@@ -3374,8 +3382,8 @@
           </ac:spMkLst>
         </pc:spChg>
       </pc:sldChg>
-      <pc:sldChg chg="addSp delSp modSp add mod setBg">
-        <pc:chgData name="Neta Becker" userId="cef0aa30-4247-4db8-9bc0-d63efc0d3a53" providerId="ADAL" clId="{8E39725F-6EEF-4D4D-92C3-0465B79E9629}" dt="2024-05-18T11:30:50.971" v="734"/>
+      <pc:sldChg chg="addSp delSp modSp add mod setBg modNotesTx">
+        <pc:chgData name="Neta Becker" userId="cef0aa30-4247-4db8-9bc0-d63efc0d3a53" providerId="ADAL" clId="{8E39725F-6EEF-4D4D-92C3-0465B79E9629}" dt="2024-05-23T19:40:16.516" v="2007" actId="20577"/>
         <pc:sldMkLst>
           <pc:docMk/>
           <pc:sldMk cId="473798661" sldId="313"/>
@@ -9318,7 +9326,7 @@
           <a:p>
             <a:fld id="{00F3AC2B-0516-4C3C-9B21-3C09651EECE3}" type="datetimeFigureOut">
               <a:rPr lang="en-IL" smtClean="0"/>
-              <a:t>19/05/2024</a:t>
+              <a:t>23/05/2024</a:t>
             </a:fld>
             <a:endParaRPr lang="en-IL"/>
           </a:p>
@@ -10151,96 +10159,6 @@
           <a:lstStyle/>
           <a:p>
             <a:pPr algn="r" rtl="1"/>
-            <a:r>
-              <a:rPr lang="he-IL" dirty="0"/>
-              <a:t>רצו לבדוק: </a:t>
-            </a:r>
-          </a:p>
-          <a:p>
-            <a:pPr marL="228600" indent="-228600" algn="r" rtl="1">
-              <a:buAutoNum type="arabicPeriod"/>
-            </a:pPr>
-            <a:r>
-              <a:rPr lang="he-IL" dirty="0"/>
-              <a:t>השפעת מספר הגזירה על התוצאות</a:t>
-            </a:r>
-          </a:p>
-          <a:p>
-            <a:pPr marL="228600" indent="-228600" algn="r" rtl="1">
-              <a:buAutoNum type="arabicPeriod"/>
-            </a:pPr>
-            <a:r>
-              <a:rPr lang="he-IL" dirty="0" err="1"/>
-              <a:t>רובאסטיות</a:t>
-            </a:r>
-            <a:r>
-              <a:rPr lang="he-IL" dirty="0"/>
-              <a:t> ביחס </a:t>
-            </a:r>
-            <a:r>
-              <a:rPr lang="he-IL" dirty="0" err="1"/>
-              <a:t>לנורמל</a:t>
-            </a:r>
-            <a:r>
-              <a:rPr lang="he-IL" dirty="0"/>
-              <a:t> </a:t>
-            </a:r>
-            <a:r>
-              <a:rPr lang="en-US" dirty="0"/>
-              <a:t>L1</a:t>
-            </a:r>
-            <a:r>
-              <a:rPr lang="he-IL" dirty="0"/>
-              <a:t> לעומת </a:t>
-            </a:r>
-            <a:r>
-              <a:rPr lang="en-US" dirty="0"/>
-              <a:t>L2</a:t>
-            </a:r>
-            <a:r>
-              <a:rPr lang="he-IL" dirty="0"/>
-              <a:t>.</a:t>
-            </a:r>
-          </a:p>
-          <a:p>
-            <a:pPr marL="228600" indent="-228600" algn="r" rtl="1">
-              <a:buAutoNum type="arabicPeriod"/>
-            </a:pPr>
-            <a:r>
-              <a:rPr lang="he-IL" dirty="0"/>
-              <a:t>השפעת אלפא (</a:t>
-            </a:r>
-            <a:r>
-              <a:rPr lang="en-US" dirty="0"/>
-              <a:t>over relaxation parameter</a:t>
-            </a:r>
-            <a:r>
-              <a:rPr lang="he-IL" dirty="0"/>
-              <a:t>)</a:t>
-            </a:r>
-          </a:p>
-          <a:p>
-            <a:pPr algn="r" rtl="1"/>
-            <a:endParaRPr lang="en-US" dirty="0"/>
-          </a:p>
-          <a:p>
-            <a:pPr algn="r" rtl="1"/>
-            <a:endParaRPr lang="en-US" dirty="0"/>
-          </a:p>
-          <a:p>
-            <a:pPr algn="r" rtl="1"/>
-            <a:r>
-              <a:rPr lang="en-US" dirty="0"/>
-              <a:t>1st-order methods are more </a:t>
-            </a:r>
-            <a:r>
-              <a:rPr lang="en-US" dirty="0" err="1"/>
-              <a:t>dependant</a:t>
-            </a:r>
-            <a:r>
-              <a:rPr lang="en-US" dirty="0"/>
-              <a:t> on initial alignments between images so are more suitable when an affine linear pre-registration is avail- able, which is not the case for higher-order methods.</a:t>
-            </a:r>
             <a:endParaRPr lang="en-IL" dirty="0"/>
           </a:p>
         </p:txBody>
@@ -10324,29 +10242,6 @@
         <p:txBody>
           <a:bodyPr/>
           <a:lstStyle/>
-          <a:p>
-            <a:pPr marL="0" marR="0" lvl="0" indent="0" algn="l" defTabSz="914400" rtl="0" eaLnBrk="1" fontAlgn="auto" latinLnBrk="0" hangingPunct="1">
-              <a:lnSpc>
-                <a:spcPct val="100000"/>
-              </a:lnSpc>
-              <a:spcBef>
-                <a:spcPts val="0"/>
-              </a:spcBef>
-              <a:spcAft>
-                <a:spcPts val="0"/>
-              </a:spcAft>
-              <a:buClrTx/>
-              <a:buSzTx/>
-              <a:buFontTx/>
-              <a:buNone/>
-              <a:tabLst/>
-              <a:defRPr/>
-            </a:pPr>
-            <a:r>
-              <a:rPr lang="en-US" sz="1200" dirty="0"/>
-              <a:t>We are planning to perform object tracking by using the algorithm presented in the paper to predict the changes in the object’s form between frames.</a:t>
-            </a:r>
-          </a:p>
           <a:p>
             <a:endParaRPr lang="en-IL" dirty="0"/>
           </a:p>
@@ -11029,7 +10924,7 @@
           <a:p>
             <a:fld id="{7E48F360-3E34-44F2-B2D1-F60E60B25061}" type="datetimeFigureOut">
               <a:rPr lang="en-US" smtClean="0"/>
-              <a:t>5/19/2024</a:t>
+              <a:t>5/23/2024</a:t>
             </a:fld>
             <a:endParaRPr lang="en-US"/>
           </a:p>
@@ -11231,7 +11126,7 @@
           <a:p>
             <a:fld id="{7E48F360-3E34-44F2-B2D1-F60E60B25061}" type="datetimeFigureOut">
               <a:rPr lang="en-US" smtClean="0"/>
-              <a:t>5/19/2024</a:t>
+              <a:t>5/23/2024</a:t>
             </a:fld>
             <a:endParaRPr lang="en-US"/>
           </a:p>
@@ -11411,7 +11306,7 @@
           <a:p>
             <a:fld id="{7E48F360-3E34-44F2-B2D1-F60E60B25061}" type="datetimeFigureOut">
               <a:rPr lang="en-US" smtClean="0"/>
-              <a:t>5/19/2024</a:t>
+              <a:t>5/23/2024</a:t>
             </a:fld>
             <a:endParaRPr lang="en-US"/>
           </a:p>
@@ -13732,7 +13627,7 @@
           <a:p>
             <a:fld id="{7E48F360-3E34-44F2-B2D1-F60E60B25061}" type="datetimeFigureOut">
               <a:rPr lang="en-US" smtClean="0"/>
-              <a:t>5/19/2024</a:t>
+              <a:t>5/23/2024</a:t>
             </a:fld>
             <a:endParaRPr lang="en-US"/>
           </a:p>
@@ -14312,7 +14207,7 @@
           <a:p>
             <a:fld id="{7E48F360-3E34-44F2-B2D1-F60E60B25061}" type="datetimeFigureOut">
               <a:rPr lang="en-US" smtClean="0"/>
-              <a:t>5/19/2024</a:t>
+              <a:t>5/23/2024</a:t>
             </a:fld>
             <a:endParaRPr lang="en-US"/>
           </a:p>
@@ -14614,7 +14509,7 @@
           <a:p>
             <a:fld id="{7E48F360-3E34-44F2-B2D1-F60E60B25061}" type="datetimeFigureOut">
               <a:rPr lang="en-US" smtClean="0"/>
-              <a:t>5/19/2024</a:t>
+              <a:t>5/23/2024</a:t>
             </a:fld>
             <a:endParaRPr lang="en-US"/>
           </a:p>
@@ -15051,7 +14946,7 @@
           <a:p>
             <a:fld id="{7E48F360-3E34-44F2-B2D1-F60E60B25061}" type="datetimeFigureOut">
               <a:rPr lang="en-US" smtClean="0"/>
-              <a:t>5/19/2024</a:t>
+              <a:t>5/23/2024</a:t>
             </a:fld>
             <a:endParaRPr lang="en-US"/>
           </a:p>
@@ -15169,7 +15064,7 @@
           <a:p>
             <a:fld id="{7E48F360-3E34-44F2-B2D1-F60E60B25061}" type="datetimeFigureOut">
               <a:rPr lang="en-US" smtClean="0"/>
-              <a:t>5/19/2024</a:t>
+              <a:t>5/23/2024</a:t>
             </a:fld>
             <a:endParaRPr lang="en-US"/>
           </a:p>
@@ -15264,7 +15159,7 @@
           <a:p>
             <a:fld id="{7E48F360-3E34-44F2-B2D1-F60E60B25061}" type="datetimeFigureOut">
               <a:rPr lang="en-US" smtClean="0"/>
-              <a:t>5/19/2024</a:t>
+              <a:t>5/23/2024</a:t>
             </a:fld>
             <a:endParaRPr lang="en-US"/>
           </a:p>
@@ -15608,7 +15503,7 @@
           <a:p>
             <a:fld id="{7E48F360-3E34-44F2-B2D1-F60E60B25061}" type="datetimeFigureOut">
               <a:rPr lang="en-US" smtClean="0"/>
-              <a:t>5/19/2024</a:t>
+              <a:t>5/23/2024</a:t>
             </a:fld>
             <a:endParaRPr lang="en-US"/>
           </a:p>
@@ -15997,7 +15892,7 @@
           <a:p>
             <a:fld id="{7E48F360-3E34-44F2-B2D1-F60E60B25061}" type="datetimeFigureOut">
               <a:rPr lang="en-US" smtClean="0"/>
-              <a:t>5/19/2024</a:t>
+              <a:t>5/23/2024</a:t>
             </a:fld>
             <a:endParaRPr lang="en-US"/>
           </a:p>
@@ -16305,7 +16200,7 @@
           <a:p>
             <a:fld id="{7E48F360-3E34-44F2-B2D1-F60E60B25061}" type="datetimeFigureOut">
               <a:rPr lang="en-US" smtClean="0"/>
-              <a:t>5/19/2024</a:t>
+              <a:t>5/23/2024</a:t>
             </a:fld>
             <a:endParaRPr lang="en-US"/>
           </a:p>
@@ -17193,59 +17088,78 @@
               </a:rPr>
             </a:br>
             <a:br>
-              <a:rPr lang="en-US" sz="4000" dirty="0">
+              <a:rPr lang="en-US" sz="2000" dirty="0">
                 <a:latin typeface="Calibri" panose="020F0502020204030204" pitchFamily="34" charset="0"/>
                 <a:cs typeface="Calibri" panose="020F0502020204030204" pitchFamily="34" charset="0"/>
               </a:rPr>
             </a:br>
             <a:r>
-              <a:rPr lang="en-US" sz="4000">
+              <a:rPr lang="en-US" sz="3200" dirty="0">
                 <a:latin typeface="Calibri" panose="020F0502020204030204" pitchFamily="34" charset="0"/>
                 <a:cs typeface="Calibri" panose="020F0502020204030204" pitchFamily="34" charset="0"/>
               </a:rPr>
               <a:t>By </a:t>
             </a:r>
             <a:r>
-              <a:rPr lang="en-US" sz="4000" err="1">
+              <a:rPr lang="en-US" sz="3200" dirty="0" err="1">
                 <a:latin typeface="Calibri" panose="020F0502020204030204" pitchFamily="34" charset="0"/>
                 <a:cs typeface="Calibri" panose="020F0502020204030204" pitchFamily="34" charset="0"/>
               </a:rPr>
               <a:t>Jinming</a:t>
             </a:r>
             <a:r>
-              <a:rPr lang="en-US" sz="4000">
+              <a:rPr lang="en-US" sz="3200" dirty="0">
                 <a:latin typeface="Calibri" panose="020F0502020204030204" pitchFamily="34" charset="0"/>
                 <a:cs typeface="Calibri" panose="020F0502020204030204" pitchFamily="34" charset="0"/>
               </a:rPr>
               <a:t> Duan, Xi Jia, Joseph Bartlett, </a:t>
             </a:r>
             <a:r>
-              <a:rPr lang="en-US" sz="4000" err="1">
+              <a:rPr lang="en-US" sz="3200" dirty="0" err="1">
                 <a:latin typeface="Calibri" panose="020F0502020204030204" pitchFamily="34" charset="0"/>
                 <a:cs typeface="Calibri" panose="020F0502020204030204" pitchFamily="34" charset="0"/>
               </a:rPr>
               <a:t>Wenqi</a:t>
             </a:r>
             <a:r>
-              <a:rPr lang="en-US" sz="4000">
+              <a:rPr lang="en-US" sz="3200" dirty="0">
                 <a:latin typeface="Calibri" panose="020F0502020204030204" pitchFamily="34" charset="0"/>
                 <a:cs typeface="Calibri" panose="020F0502020204030204" pitchFamily="34" charset="0"/>
               </a:rPr>
               <a:t> Lu, </a:t>
             </a:r>
             <a:r>
-              <a:rPr lang="en-US" sz="4000" err="1">
+              <a:rPr lang="en-US" sz="3200" dirty="0" err="1">
                 <a:latin typeface="Calibri" panose="020F0502020204030204" pitchFamily="34" charset="0"/>
                 <a:cs typeface="Calibri" panose="020F0502020204030204" pitchFamily="34" charset="0"/>
               </a:rPr>
               <a:t>Zhaowen</a:t>
             </a:r>
             <a:r>
-              <a:rPr lang="en-US" sz="4000">
+              <a:rPr lang="en-US" sz="3200" dirty="0">
                 <a:latin typeface="Calibri" panose="020F0502020204030204" pitchFamily="34" charset="0"/>
                 <a:cs typeface="Calibri" panose="020F0502020204030204" pitchFamily="34" charset="0"/>
               </a:rPr>
               <a:t> Qiu</a:t>
+            </a:r>
+            <a:br>
+              <a:rPr lang="en-US" sz="3200" dirty="0">
+                <a:latin typeface="Calibri" panose="020F0502020204030204" pitchFamily="34" charset="0"/>
+                <a:cs typeface="Calibri" panose="020F0502020204030204" pitchFamily="34" charset="0"/>
+              </a:rPr>
+            </a:br>
+            <a:br>
+              <a:rPr lang="en-US" sz="800" dirty="0">
+                <a:latin typeface="Calibri" panose="020F0502020204030204" pitchFamily="34" charset="0"/>
+                <a:cs typeface="Calibri" panose="020F0502020204030204" pitchFamily="34" charset="0"/>
+              </a:rPr>
+            </a:br>
+            <a:r>
+              <a:rPr lang="en-US" sz="2000" dirty="0">
+                <a:latin typeface="Calibri" panose="020F0502020204030204" pitchFamily="34" charset="0"/>
+                <a:cs typeface="Calibri" panose="020F0502020204030204" pitchFamily="34" charset="0"/>
+              </a:rPr>
+              <a:t>published on Science direct, 2023</a:t>
             </a:r>
             <a:endParaRPr lang="en-US" sz="4000" dirty="0">
               <a:latin typeface="Calibri" panose="020F0502020204030204" pitchFamily="34" charset="0"/>
@@ -17316,7 +17230,7 @@
               <a:t> Lior </a:t>
             </a:r>
             <a:r>
-              <a:rPr lang="en-US" sz="2000">
+              <a:rPr lang="en-US" sz="2000" dirty="0" err="1">
                 <a:latin typeface="Calibri" panose="020F0502020204030204" pitchFamily="34" charset="0"/>
                 <a:cs typeface="Calibri" panose="020F0502020204030204" pitchFamily="34" charset="0"/>
               </a:rPr>
